--- a/Presentations/ESA Project Demonstration.pptx
+++ b/Presentations/ESA Project Demonstration.pptx
@@ -5,7 +5,7 @@
     <p:sldMasterId id="2147483648" r:id="rId1"/>
   </p:sldMasterIdLst>
   <p:notesMasterIdLst>
-    <p:notesMasterId r:id="rId19"/>
+    <p:notesMasterId r:id="rId20"/>
   </p:notesMasterIdLst>
   <p:sldIdLst>
     <p:sldId id="256" r:id="rId2"/>
@@ -17,14 +17,15 @@
     <p:sldId id="266" r:id="rId8"/>
     <p:sldId id="268" r:id="rId9"/>
     <p:sldId id="269" r:id="rId10"/>
-    <p:sldId id="270" r:id="rId11"/>
-    <p:sldId id="261" r:id="rId12"/>
-    <p:sldId id="274" r:id="rId13"/>
-    <p:sldId id="273" r:id="rId14"/>
-    <p:sldId id="262" r:id="rId15"/>
+    <p:sldId id="275" r:id="rId11"/>
+    <p:sldId id="270" r:id="rId12"/>
+    <p:sldId id="261" r:id="rId13"/>
+    <p:sldId id="274" r:id="rId14"/>
+    <p:sldId id="273" r:id="rId15"/>
     <p:sldId id="271" r:id="rId16"/>
-    <p:sldId id="272" r:id="rId17"/>
-    <p:sldId id="264" r:id="rId18"/>
+    <p:sldId id="262" r:id="rId17"/>
+    <p:sldId id="272" r:id="rId18"/>
+    <p:sldId id="264" r:id="rId19"/>
   </p:sldIdLst>
   <p:sldSz cx="9144000" cy="6858000" type="screen4x3"/>
   <p:notesSz cx="6797675" cy="9874250"/>
@@ -271,7 +272,7 @@
             <a:spLocks noGrp="1" noChangeArrowheads="1"/>
             <a:extLst>
               <a:ext uri="smNativeData">
-                <pr:smNativeData xmlns:pr="smNativeData" xmlns:p14="http://schemas.microsoft.com/office/powerpoint/2010/main" xmlns="" val="SMDATA_13_aDXlXhMAAAAlAAAAZAAAAA0AAAAAAAAAAAAAAAAAAAAAAAAAAAAAAAAAAAAAAAAAAAEAAABQAAAAAAAAAAAA4D8AAAAAAADgPwAAAAAAAOA/AAAAAAAA4D8AAAAAAADgPwAAAAAAAOA/AAAAAAAA4D8AAAAAAADgPwAAAAAAAOA/AAAAAAAA4D8CAAAAjAAAAAAAAAAAAAAA////AP///wgAAAAAAAAAAAAAAAAAAAAAAAAAAAAAAAAAAAAAeAAAAAEAAABAAAAAAAAAAAAAAABaAAAAAAAAAAAAAAAAAAAAAAAAAAAAAAAAAAAAAAAAAAAAAAAAAAAAAAAAAAAAAAAAAAAAAAAAAAAAAAAAAAAAAAAAAAAAAAAAAAAAFAAAADwAAAAAAAAAAAAAAAAAAAAPAAAAAQAAACMAAAAjAAAAIwAAAB4AAAAAAAAAZAAAAGQAAAAAAAAAZAAAAGQAAAAVAAAAYAAAAAAAAAAAAAAADwAAACADAAAAAAAAAAAAAAEAAACgMgAAVgcAAKr4//8BAAAAf39/AAEAAABkAAAAAAAAABQAAABAHwAAAAAAACYAAAAAAAAAwOD//wAAAAAmAAAAZAAAABYAAABMAAAAAAAAAAAAAAAEAAAAAAAAAAEAAADu7OEKAAAAACgAAAAoAAAAZAAAAGQAAAAAAAAAzMzMAAAAAABQAAAAUAAAAGQAAABkAAAAAAAAABcAAAAUAAAAAAAAAAAAAAD/fwAA/38AAAAAAAAJAAAABAAAAAAAAAAMAAAAEAAAAAAAAAAAAAAAAAAAAAAAAAAeAAAAaAAAAAAAAAAAAAAAAAAAAAAAAAAAAAAAECcAABAnAAAAAAAAAAAAAAAAAAAAAAAAAAAAAAAAAAAAAAAAAAAAABQAAAAAAAAAwMD/AAAAAABkAAAAMgAAAAAAAABkAAAAAAAAAH9/fwAKAAAAHwAAAFQAAAD///8AAAAAAQAAAAAAAAAAAAAAAAAAAAAAAAAAAAAAAAAAAAAAAAAAAAAAAH9/fwAAAAADzMzMAMDA/wB/f38AAAAAAAAAAAAAAAAAAAAAAAAAAAAhAAAAGAAAABQAAACnBAAAPh8AANopAADWPAAAEAAAACYAAAAIAAAAPQ8AAAAAAAA="/>
+                <pr:smNativeData xmlns="" xmlns:p14="http://schemas.microsoft.com/office/powerpoint/2010/main" xmlns:pr="smNativeData" val="SMDATA_13_aDXlXhMAAAAlAAAAZAAAAA0AAAAAAAAAAAAAAAAAAAAAAAAAAAAAAAAAAAAAAAAAAAEAAABQAAAAAAAAAAAA4D8AAAAAAADgPwAAAAAAAOA/AAAAAAAA4D8AAAAAAADgPwAAAAAAAOA/AAAAAAAA4D8AAAAAAADgPwAAAAAAAOA/AAAAAAAA4D8CAAAAjAAAAAAAAAAAAAAA////AP///wgAAAAAAAAAAAAAAAAAAAAAAAAAAAAAAAAAAAAAeAAAAAEAAABAAAAAAAAAAAAAAABaAAAAAAAAAAAAAAAAAAAAAAAAAAAAAAAAAAAAAAAAAAAAAAAAAAAAAAAAAAAAAAAAAAAAAAAAAAAAAAAAAAAAAAAAAAAAAAAAAAAAFAAAADwAAAAAAAAAAAAAAAAAAAAPAAAAAQAAACMAAAAjAAAAIwAAAB4AAAAAAAAAZAAAAGQAAAAAAAAAZAAAAGQAAAAVAAAAYAAAAAAAAAAAAAAADwAAACADAAAAAAAAAAAAAAEAAACgMgAAVgcAAKr4//8BAAAAf39/AAEAAABkAAAAAAAAABQAAABAHwAAAAAAACYAAAAAAAAAwOD//wAAAAAmAAAAZAAAABYAAABMAAAAAAAAAAAAAAAEAAAAAAAAAAEAAADu7OEKAAAAACgAAAAoAAAAZAAAAGQAAAAAAAAAzMzMAAAAAABQAAAAUAAAAGQAAABkAAAAAAAAABcAAAAUAAAAAAAAAAAAAAD/fwAA/38AAAAAAAAJAAAABAAAAAAAAAAMAAAAEAAAAAAAAAAAAAAAAAAAAAAAAAAeAAAAaAAAAAAAAAAAAAAAAAAAAAAAAAAAAAAAECcAABAnAAAAAAAAAAAAAAAAAAAAAAAAAAAAAAAAAAAAAAAAAAAAABQAAAAAAAAAwMD/AAAAAABkAAAAMgAAAAAAAABkAAAAAAAAAH9/fwAKAAAAHwAAAFQAAAD///8AAAAAAQAAAAAAAAAAAAAAAAAAAAAAAAAAAAAAAAAAAAAAAAAAAAAAAH9/fwAAAAADzMzMAMDA/wB/f38AAAAAAAAAAAAAAAAAAAAAAAAAAAAhAAAAGAAAABQAAACnBAAAPh8AANopAADWPAAAEAAAACYAAAAIAAAAPQ8AAAAAAAA="/>
               </a:ext>
             </a:extLst>
           </p:cNvSpPr>
@@ -312,7 +313,7 @@
             <a:spLocks noGrp="1" noChangeArrowheads="1"/>
             <a:extLst>
               <a:ext uri="smNativeData">
-                <pr:smNativeData xmlns:pr="smNativeData" xmlns:p14="http://schemas.microsoft.com/office/powerpoint/2010/main" xmlns="" val="SMDATA_13_aDXlXhMAAAAlAAAAZAAAAA0AAAAAAAAAAAAAAAAAAAAAAAAAAAAAAAAAAAAAAAAAAAEAAABQAAAAAAAAAAAA4D8AAAAAAADgPwAAAAAAAOA/AAAAAAAA4D8AAAAAAADgPwAAAAAAAOA/AAAAAAAA4D8AAAAAAADgPwAAAAAAAOA/AAAAAAAA4D8CAAAAjAAAAAAAAAAAAAAA////AP///wgAAAAAAAAAAAAAAAAAAAAAAAAAAAAAAAAAAAAAeAAAAAEAAABAAAAAAAAAAAAAAABaAAAAAAAAAAAAAAAAAAAAAAAAAAAAAAAAAAAAAAAAAAAAAAAAAAAAAAAAAAAAAAAAAAAAAAAAAAAAAAAAAAAAAAAAAAAAAAAAAAAAFAAAADwAAAAAAAAAAAAAAAAAAAAPAAAAAQAAACMAAAAjAAAAIwAAAB4AAAAAAAAAZAAAAGQAAAAAAAAAZAAAAGQAAAAVAAAAYAAAAAAAAAAAAAAADwAAACADAAAAAAAAAAAAAAEAAACgMgAAVgcAAKr4//8BAAAAf39/AAEAAABkAAAAAAAAABQAAABAHwAAAAAAACYAAAAAAAAAwOD//wAAAAAmAAAAZAAAABYAAABMAAAAAAAAAAAAAAAEAAAAAAAAAAEAAADu7OEKAAAAACgAAAAoAAAAZAAAAGQAAAAAAAAAzMzMAAAAAABQAAAAUAAAAGQAAABkAAAAAAAAABcAAAAUAAAAAAAAAAAAAAD/fwAA/38AAAAAAAAJAAAABAAAAAAAAAAMAAAAEAAAAAAAAAAAAAAAAAAAAAAAAAAeAAAAaAAAAAAAAAAAAAAAAAAAAAAAAAAAAAAAECcAABAnAAAAAAAAAAAAAAAAAAAAAAAAAAAAAAAAAAAAAAAAAAAAABQAAAAAAAAAwMD/AAAAAABkAAAAMgAAAAAAAABkAAAAAAAAAH9/fwAKAAAAHwAAAFQAAAD///8AAAAAAQAAAAAAAAAAAAAAAAAAAAAAAAAAAAAAAAAAAAAAAAAAAAAAAH9/fwAAAAADzMzMAMDA/wB/f38AAAAAAAAAAAAAAAAAAAAAAAAAAAAhAAAAGAAAABQAAAAAAAAAAAAAAC4UAABJAwAAEAAAACYAAAAIAAAAPQ8AAAAAAAA="/>
+                <pr:smNativeData xmlns="" xmlns:p14="http://schemas.microsoft.com/office/powerpoint/2010/main" xmlns:pr="smNativeData" val="SMDATA_13_aDXlXhMAAAAlAAAAZAAAAA0AAAAAAAAAAAAAAAAAAAAAAAAAAAAAAAAAAAAAAAAAAAEAAABQAAAAAAAAAAAA4D8AAAAAAADgPwAAAAAAAOA/AAAAAAAA4D8AAAAAAADgPwAAAAAAAOA/AAAAAAAA4D8AAAAAAADgPwAAAAAAAOA/AAAAAAAA4D8CAAAAjAAAAAAAAAAAAAAA////AP///wgAAAAAAAAAAAAAAAAAAAAAAAAAAAAAAAAAAAAAeAAAAAEAAABAAAAAAAAAAAAAAABaAAAAAAAAAAAAAAAAAAAAAAAAAAAAAAAAAAAAAAAAAAAAAAAAAAAAAAAAAAAAAAAAAAAAAAAAAAAAAAAAAAAAAAAAAAAAAAAAAAAAFAAAADwAAAAAAAAAAAAAAAAAAAAPAAAAAQAAACMAAAAjAAAAIwAAAB4AAAAAAAAAZAAAAGQAAAAAAAAAZAAAAGQAAAAVAAAAYAAAAAAAAAAAAAAADwAAACADAAAAAAAAAAAAAAEAAACgMgAAVgcAAKr4//8BAAAAf39/AAEAAABkAAAAAAAAABQAAABAHwAAAAAAACYAAAAAAAAAwOD//wAAAAAmAAAAZAAAABYAAABMAAAAAAAAAAAAAAAEAAAAAAAAAAEAAADu7OEKAAAAACgAAAAoAAAAZAAAAGQAAAAAAAAAzMzMAAAAAABQAAAAUAAAAGQAAABkAAAAAAAAABcAAAAUAAAAAAAAAAAAAAD/fwAA/38AAAAAAAAJAAAABAAAAAAAAAAMAAAAEAAAAAAAAAAAAAAAAAAAAAAAAAAeAAAAaAAAAAAAAAAAAAAAAAAAAAAAAAAAAAAAECcAABAnAAAAAAAAAAAAAAAAAAAAAAAAAAAAAAAAAAAAAAAAAAAAABQAAAAAAAAAwMD/AAAAAABkAAAAMgAAAAAAAABkAAAAAAAAAH9/fwAKAAAAHwAAAFQAAAD///8AAAAAAQAAAAAAAAAAAAAAAAAAAAAAAAAAAAAAAAAAAAAAAAAAAAAAAH9/fwAAAAADzMzMAMDA/wB/f38AAAAAAAAAAAAAAAAAAAAAAAAAAAAhAAAAGAAAABQAAAAAAAAAAAAAAC4UAABJAwAAEAAAACYAAAAIAAAAPQ8AAAAAAAA="/>
               </a:ext>
             </a:extLst>
           </p:cNvSpPr>
@@ -358,7 +359,7 @@
             <a:spLocks noGrp="1" noChangeArrowheads="1"/>
             <a:extLst>
               <a:ext uri="smNativeData">
-                <pr:smNativeData xmlns:pr="smNativeData" xmlns:p14="http://schemas.microsoft.com/office/powerpoint/2010/main" xmlns="" val="SMDATA_13_aDXlXhMAAAAlAAAAZAAAAA0AAAAAAAAAAAAAAAAAAAAAAAAAAAAAAAAAAAAAAAAAAAEAAABQAAAAAAAAAAAA4D8AAAAAAADgPwAAAAAAAOA/AAAAAAAA4D8AAAAAAADgPwAAAAAAAOA/AAAAAAAA4D8AAAAAAADgPwAAAAAAAOA/AAAAAAAA4D8CAAAAjAAAAAAAAAAAAAAA////AP///wgAAAAAAAAAAAAAAAAAAAAAAAAAAAAAAAAAAAAAeAAAAAEAAABAAAAAAAAAAAAAAABaAAAAAAAAAAAAAAAAAAAAAAAAAAAAAAAAAAAAAAAAAAAAAAAAAAAAAAAAAAAAAAAAAAAAAAAAAAAAAAAAAAAAAAAAAAAAAAAAAAAAFAAAADwAAAAAAAAAAAAAAAAAAAAPAAAAAQAAACMAAAAjAAAAIwAAAB4AAAAAAAAAZAAAAGQAAAAAAAAAZAAAAGQAAAAVAAAAYAAAAAAAAAAAAAAADwAAACADAAAAAAAAAAAAAAEAAACgMgAAVgcAAKr4//8BAAAAf39/AAEAAABkAAAAAAAAABQAAABAHwAAAAAAACYAAAAAAAAAwOD//wAAAAAmAAAAZAAAABYAAABMAAAAAAAAAAAAAAAEAAAAAAAAAAEAAADu7OEKAAAAACgAAAAoAAAAZAAAAGQAAAAAAAAAzMzMAAAAAABQAAAAUAAAAGQAAABkAAAAAAAAABcAAAAUAAAAAAAAAAAAAAD/fwAA/38AAAAAAAAJAAAABAAAAMXaymkMAAAAEAAAAAAAAAAAAAAAAAAAAAAAAAAeAAAAaAAAAAAAAAAAAAAAAAAAAAAAAAAAAAAAECcAABAnAAAAAAAAAAAAAAAAAAAAAAAAAAAAAAAAAAAAAAAAAAAAABQAAAAAAAAAwMD/AAAAAABkAAAAMgAAAAAAAABkAAAAAAAAAH9/fwAKAAAAHwAAAFQAAAD///8AAAAAAQAAAAAAAAAAAAAAAAAAAAAAAAAAAAAAAAAAAAAAAAAAAAAAAH9/fwAAAAADzMzMAMDA/wB/f38AAAAAAAAAAAAAAAAAAAAAAAAAAAAhAAAAGAAAABQAAABTGgAAAAAAAIEuAABJAwAAEAAAACYAAAAIAAAAPQ8AAAAAAAA="/>
+                <pr:smNativeData xmlns="" xmlns:p14="http://schemas.microsoft.com/office/powerpoint/2010/main" xmlns:pr="smNativeData" val="SMDATA_13_aDXlXhMAAAAlAAAAZAAAAA0AAAAAAAAAAAAAAAAAAAAAAAAAAAAAAAAAAAAAAAAAAAEAAABQAAAAAAAAAAAA4D8AAAAAAADgPwAAAAAAAOA/AAAAAAAA4D8AAAAAAADgPwAAAAAAAOA/AAAAAAAA4D8AAAAAAADgPwAAAAAAAOA/AAAAAAAA4D8CAAAAjAAAAAAAAAAAAAAA////AP///wgAAAAAAAAAAAAAAAAAAAAAAAAAAAAAAAAAAAAAeAAAAAEAAABAAAAAAAAAAAAAAABaAAAAAAAAAAAAAAAAAAAAAAAAAAAAAAAAAAAAAAAAAAAAAAAAAAAAAAAAAAAAAAAAAAAAAAAAAAAAAAAAAAAAAAAAAAAAAAAAAAAAFAAAADwAAAAAAAAAAAAAAAAAAAAPAAAAAQAAACMAAAAjAAAAIwAAAB4AAAAAAAAAZAAAAGQAAAAAAAAAZAAAAGQAAAAVAAAAYAAAAAAAAAAAAAAADwAAACADAAAAAAAAAAAAAAEAAACgMgAAVgcAAKr4//8BAAAAf39/AAEAAABkAAAAAAAAABQAAABAHwAAAAAAACYAAAAAAAAAwOD//wAAAAAmAAAAZAAAABYAAABMAAAAAAAAAAAAAAAEAAAAAAAAAAEAAADu7OEKAAAAACgAAAAoAAAAZAAAAGQAAAAAAAAAzMzMAAAAAABQAAAAUAAAAGQAAABkAAAAAAAAABcAAAAUAAAAAAAAAAAAAAD/fwAA/38AAAAAAAAJAAAABAAAAMXaymkMAAAAEAAAAAAAAAAAAAAAAAAAAAAAAAAeAAAAaAAAAAAAAAAAAAAAAAAAAAAAAAAAAAAAECcAABAnAAAAAAAAAAAAAAAAAAAAAAAAAAAAAAAAAAAAAAAAAAAAABQAAAAAAAAAwMD/AAAAAABkAAAAMgAAAAAAAABkAAAAAAAAAH9/fwAKAAAAHwAAAFQAAAD///8AAAAAAQAAAAAAAAAAAAAAAAAAAAAAAAAAAAAAAAAAAAAAAAAAAAAAAH9/fwAAAAADzMzMAMDA/wB/f38AAAAAAAAAAAAAAAAAAAAAAAAAAAAhAAAAGAAAABQAAABTGgAAAAAAAIEuAABJAwAAEAAAACYAAAAIAAAAPQ8AAAAAAAA="/>
               </a:ext>
             </a:extLst>
           </p:cNvSpPr>
@@ -404,7 +405,7 @@
             <a:spLocks noGrp="1" noChangeArrowheads="1"/>
             <a:extLst>
               <a:ext uri="smNativeData">
-                <pr:smNativeData xmlns:pr="smNativeData" xmlns:p14="http://schemas.microsoft.com/office/powerpoint/2010/main" xmlns="" val="SMDATA_13_aDXlXhMAAAAlAAAAZAAAAA0AAAAAAAAAAAAAAAAAAAAAAAAAAAAAAAACAAAAAAAAAAEAAABQAAAAAAAAAAAA4D8AAAAAAADgPwAAAAAAAOA/AAAAAAAA4D8AAAAAAADgPwAAAAAAAOA/AAAAAAAA4D8AAAAAAADgPwAAAAAAAOA/AAAAAAAA4D8CAAAAjAAAAAAAAAAAAAAA////AP///wgAAAAAAAAAAAAAAAAAAAAAAAAAAAAAAAAAAAAAeAAAAAEAAABAAAAAAAAAAAAAAABaAAAAAAAAAAAAAAAAAAAAAAAAAAAAAAAAAAAAAAAAAAAAAAAAAAAAAAAAAAAAAAAAAAAAAAAAAAAAAAAAAAAAAAAAAAAAAAAAAAAAFAAAADwAAAAAAAAAAAAAAAAAAAAPAAAAAQAAACMAAAAjAAAAIwAAAB4AAAAAAAAAZAAAAGQAAAAAAAAAZAAAAGQAAAAVAAAAYAAAAAAAAAAAAAAADwAAACADAAAAAAAAAAAAAAEAAACgMgAAVgcAAKr4//8BAAAAf39/AAEAAABkAAAAAAAAABQAAABAHwAAAAAAACYAAAAAAAAAwOD//wAAAAAmAAAAZAAAABYAAABMAAAAAAAAAAAAAAAEAAAAAAAAAAEAAADu7OEKAAAAACgAAAAoAAAAZAAAAGQAAAAAAAAAzMzMAAAAAABQAAAAUAAAAGQAAABkAAAAAAAAABcAAAAUAAAAAAAAAAAAAAD/fwAA/38AAAAAAAAJAAAABAAAALC4iAcMAAAAEAAAAAAAAAAAAAAAAAAAAAAAAAAeAAAAaAAAAAAAAAAAAAAAAAAAAAAAAAAAAAAAECcAABAnAAAAAAAAAAAAAAAAAAAAAAAAAAAAAAAAAAAAAAAAAAAAABQAAAAAAAAAwMD/AAAAAABkAAAAMgAAAAAAAABkAAAAAAAAAH9/fwAKAAAAHwAAAFQAAAD///8AAAAAAQAAAAAAAAAAAAAAAAAAAAAAAAAAAAAAAAAAAAAAAAAAAAAAAH9/fwAAAAADzMzMAMDA/wB/f38AAAAAAAAAAAAAAAAAAAAAAAAAAAAhAAAAGAAAABQAAAAAAAAAfD4AAC4UAADFQQAAEAAAACYAAAAIAAAAvQ8AAAAAAAA="/>
+                <pr:smNativeData xmlns="" xmlns:p14="http://schemas.microsoft.com/office/powerpoint/2010/main" xmlns:pr="smNativeData" val="SMDATA_13_aDXlXhMAAAAlAAAAZAAAAA0AAAAAAAAAAAAAAAAAAAAAAAAAAAAAAAACAAAAAAAAAAEAAABQAAAAAAAAAAAA4D8AAAAAAADgPwAAAAAAAOA/AAAAAAAA4D8AAAAAAADgPwAAAAAAAOA/AAAAAAAA4D8AAAAAAADgPwAAAAAAAOA/AAAAAAAA4D8CAAAAjAAAAAAAAAAAAAAA////AP///wgAAAAAAAAAAAAAAAAAAAAAAAAAAAAAAAAAAAAAeAAAAAEAAABAAAAAAAAAAAAAAABaAAAAAAAAAAAAAAAAAAAAAAAAAAAAAAAAAAAAAAAAAAAAAAAAAAAAAAAAAAAAAAAAAAAAAAAAAAAAAAAAAAAAAAAAAAAAAAAAAAAAFAAAADwAAAAAAAAAAAAAAAAAAAAPAAAAAQAAACMAAAAjAAAAIwAAAB4AAAAAAAAAZAAAAGQAAAAAAAAAZAAAAGQAAAAVAAAAYAAAAAAAAAAAAAAADwAAACADAAAAAAAAAAAAAAEAAACgMgAAVgcAAKr4//8BAAAAf39/AAEAAABkAAAAAAAAABQAAABAHwAAAAAAACYAAAAAAAAAwOD//wAAAAAmAAAAZAAAABYAAABMAAAAAAAAAAAAAAAEAAAAAAAAAAEAAADu7OEKAAAAACgAAAAoAAAAZAAAAGQAAAAAAAAAzMzMAAAAAABQAAAAUAAAAGQAAABkAAAAAAAAABcAAAAUAAAAAAAAAAAAAAD/fwAA/38AAAAAAAAJAAAABAAAALC4iAcMAAAAEAAAAAAAAAAAAAAAAAAAAAAAAAAeAAAAaAAAAAAAAAAAAAAAAAAAAAAAAAAAAAAAECcAABAnAAAAAAAAAAAAAAAAAAAAAAAAAAAAAAAAAAAAAAAAAAAAABQAAAAAAAAAwMD/AAAAAABkAAAAMgAAAAAAAABkAAAAAAAAAH9/fwAKAAAAHwAAAFQAAAD///8AAAAAAQAAAAAAAAAAAAAAAAAAAAAAAAAAAAAAAAAAAAAAAAAAAAAAAH9/fwAAAAADzMzMAMDA/wB/f38AAAAAAAAAAAAAAAAAAAAAAAAAAAAhAAAAGAAAABQAAAAAAAAAfD4AAC4UAADFQQAAEAAAACYAAAAIAAAAvQ8AAAAAAAA="/>
               </a:ext>
             </a:extLst>
           </p:cNvSpPr>
@@ -450,7 +451,7 @@
             <a:spLocks noGrp="1" noChangeArrowheads="1"/>
             <a:extLst>
               <a:ext uri="smNativeData">
-                <pr:smNativeData xmlns:pr="smNativeData" xmlns:p14="http://schemas.microsoft.com/office/powerpoint/2010/main" xmlns="" val="SMDATA_13_aDXlXhMAAAAlAAAAZAAAAA0AAAAAAAAAAAAAAAAAAAAAAAAAAAAAAAACAAAAAAAAAAEAAABQAAAAAAAAAAAA4D8AAAAAAADgPwAAAAAAAOA/AAAAAAAA4D8AAAAAAADgPwAAAAAAAOA/AAAAAAAA4D8AAAAAAADgPwAAAAAAAOA/AAAAAAAA4D8CAAAAjAAAAAAAAAAAAAAA////AP///wgAAAAAAAAAAAAAAAAAAAAAAAAAAAAAAAAAAAAAeAAAAAEAAABAAAAAAAAAAAAAAABaAAAAAAAAAAAAAAAAAAAAAAAAAAAAAAAAAAAAAAAAAAAAAAAAAAAAAAAAAAAAAAAAAAAAAAAAAAAAAAAAAAAAAAAAAAAAAAAAAAAAFAAAADwAAAAAAAAAAAAAAAAAAAAPAAAAAQAAACMAAAAjAAAAIwAAAB4AAAAAAAAAZAAAAGQAAAAAAAAAZAAAAGQAAAAVAAAAYAAAAAAAAAAAAAAADwAAACADAAAAAAAAAAAAAAEAAACgMgAAVgcAAKr4//8BAAAAf39/AAEAAABkAAAAAAAAABQAAABAHwAAAAAAACYAAAAAAAAAwOD//wAAAAAmAAAAZAAAABYAAABMAAAAAAAAAAAAAAAEAAAAAAAAAAEAAADu7OEKAAAAACgAAAAoAAAAZAAAAGQAAAAAAAAAzMzMAAAAAABQAAAAUAAAAGQAAABkAAAAAAAAABcAAAAUAAAAAAAAAAAAAAD/fwAA/38AAAAAAAAJAAAABAAAABKT4LgMAAAAEAAAAAAAAAAAAAAAAAAAAAAAAAAeAAAAaAAAAAAAAAAAAAAAAAAAAAAAAAAAAAAAECcAABAnAAAAAAAAAAAAAAAAAAAAAAAAAAAAAAAAAAAAAAAAAAAAABQAAAAAAAAAwMD/AAAAAABkAAAAMgAAAAAAAABkAAAAAAAAAH9/fwAKAAAAHwAAAFQAAAD///8AAAAAAQAAAAAAAAAAAAAAAAAAAAAAAAAAAAAAAAAAAAAAAAAAAAAAAH9/fwAAAAADzMzMAMDA/wB/f38AAAAAAAAAAAAAAAAAAAAAAAAAAAAhAAAAGAAAABQAAABTGgAAfD4AAIEuAADFQQAAEAAAACYAAAAIAAAAvQ8AAAAAAAA="/>
+                <pr:smNativeData xmlns="" xmlns:p14="http://schemas.microsoft.com/office/powerpoint/2010/main" xmlns:pr="smNativeData" val="SMDATA_13_aDXlXhMAAAAlAAAAZAAAAA0AAAAAAAAAAAAAAAAAAAAAAAAAAAAAAAACAAAAAAAAAAEAAABQAAAAAAAAAAAA4D8AAAAAAADgPwAAAAAAAOA/AAAAAAAA4D8AAAAAAADgPwAAAAAAAOA/AAAAAAAA4D8AAAAAAADgPwAAAAAAAOA/AAAAAAAA4D8CAAAAjAAAAAAAAAAAAAAA////AP///wgAAAAAAAAAAAAAAAAAAAAAAAAAAAAAAAAAAAAAeAAAAAEAAABAAAAAAAAAAAAAAABaAAAAAAAAAAAAAAAAAAAAAAAAAAAAAAAAAAAAAAAAAAAAAAAAAAAAAAAAAAAAAAAAAAAAAAAAAAAAAAAAAAAAAAAAAAAAAAAAAAAAFAAAADwAAAAAAAAAAAAAAAAAAAAPAAAAAQAAACMAAAAjAAAAIwAAAB4AAAAAAAAAZAAAAGQAAAAAAAAAZAAAAGQAAAAVAAAAYAAAAAAAAAAAAAAADwAAACADAAAAAAAAAAAAAAEAAACgMgAAVgcAAKr4//8BAAAAf39/AAEAAABkAAAAAAAAABQAAABAHwAAAAAAACYAAAAAAAAAwOD//wAAAAAmAAAAZAAAABYAAABMAAAAAAAAAAAAAAAEAAAAAAAAAAEAAADu7OEKAAAAACgAAAAoAAAAZAAAAGQAAAAAAAAAzMzMAAAAAABQAAAAUAAAAGQAAABkAAAAAAAAABcAAAAUAAAAAAAAAAAAAAD/fwAA/38AAAAAAAAJAAAABAAAABKT4LgMAAAAEAAAAAAAAAAAAAAAAAAAAAAAAAAeAAAAaAAAAAAAAAAAAAAAAAAAAAAAAAAAAAAAECcAABAnAAAAAAAAAAAAAAAAAAAAAAAAAAAAAAAAAAAAAAAAAAAAABQAAAAAAAAAwMD/AAAAAABkAAAAMgAAAAAAAABkAAAAAAAAAH9/fwAKAAAAHwAAAFQAAAD///8AAAAAAQAAAAAAAAAAAAAAAAAAAAAAAAAAAAAAAAAAAAAAAAAAAAAAAH9/fwAAAAADzMzMAMDA/wB/f38AAAAAAAAAAAAAAAAAAAAAAAAAAAAhAAAAGAAAABQAAABTGgAAfD4AAIEuAADFQQAAEAAAACYAAAAIAAAAvQ8AAAAAAAA="/>
               </a:ext>
             </a:extLst>
           </p:cNvSpPr>
@@ -733,7 +734,7 @@
             <a:spLocks noGrp="1" noChangeArrowheads="1"/>
             <a:extLst>
               <a:ext uri="smNativeData">
-                <pr:smNativeData xmlns:pr="smNativeData" xmlns:p14="http://schemas.microsoft.com/office/powerpoint/2010/main" xmlns="" val="SMDATA_13_aDXlXhMAAAAlAAAAZAAAAA0AAAAAAAAAAAAAAAAAAAAAAAAAAAAAAAAAAAAAAAAAAAEAAABQAAAAAAAAAAAA4D8AAAAAAADgPwAAAAAAAOA/AAAAAAAA4D8AAAAAAADgPwAAAAAAAOA/AAAAAAAA4D8AAAAAAADgPwAAAAAAAOA/AAAAAAAA4D8CAAAAjAAAAAAAAAAAAAAAT4G9DP///wgAAAAAAAAAAAAAAAAAAAAAAAAAAAAAAAAAAAAAZAAAAAEAAABAAAAAAAAAAAAAAAAAAAAAAAAAAAAAAAAAAAAAAAAAAAAAAAAAAAAAAAAAAAAAAAAAAAAAAAAAAAAAAAAAAAAAAAAAAAAAAAAAAAAAAAAAAAAAAAAAAAAAFAAAADwAAAAAAAAAAAAAAAAAAAkUAAAAAQAAABQAAAAUAAAAFAAAAAEAAAAAAAAAZAAAAGQAAAAAAAAAZAAAAGQAAAAVAAAAYAAAAAAAAAAAAAAADwAAACADAAAAAAAAAAAAAAEAAACgMgAAVgcAAKr4//8BAAAAf39/AAEAAABkAAAAAAAAABQAAABAHwAAAAAAACYAAAAAAAAAwOD//wAAAAAmAAAAZAAAABYAAABMAAAAAAAAAAAAAAAEAAAAAAAAAAEAAADu7OEKAAAAACgAAAAoAAAAZAAAAGQAAAAAAAAAzMzMAAAAAABQAAAAUAAAAGQAAABkAAAAAAAAABcAAAAUAAAAAAAAAAAAAAD/fwAA/38AAAAAAAAJAAAABAAAAAAAAAAMAAAAEAAAAAAAAAAAAAAAAAAAAAAAAAAeAAAAaAAAAAAAAAAAAAAAAAAAAAAAAAAAAAAAECcAABAnAAAAAAAAAAAAAAAAAAAAAAAAAAAAAAAAAAAAAAAAAAAAABQAAAAAAAAAwMD/AAAAAABkAAAAMgAAAAAAAABkAAAAAAAAAH9/fwAKAAAAHwAAAFQAAAAAAAAFAAAAAQAAAAAAAAAAAAAAAAAAAAAAAAAAAAAAAAAAAAAAAAAAAAAAAn9/fwAAAAADzMzMAMDA/wB/f38AAAAAAAAAAAAAAAAAAAAAAAAAAAAhAAAAGAAAABQAAAAvBAAA2xwAAKIlAAAuOAAAEAAAACYAAAAIAAAAPQ8AAAAAAAA="/>
+                <pr:smNativeData xmlns="" xmlns:p14="http://schemas.microsoft.com/office/powerpoint/2010/main" xmlns:pr="smNativeData" val="SMDATA_13_aDXlXhMAAAAlAAAAZAAAAA0AAAAAAAAAAAAAAAAAAAAAAAAAAAAAAAAAAAAAAAAAAAEAAABQAAAAAAAAAAAA4D8AAAAAAADgPwAAAAAAAOA/AAAAAAAA4D8AAAAAAADgPwAAAAAAAOA/AAAAAAAA4D8AAAAAAADgPwAAAAAAAOA/AAAAAAAA4D8CAAAAjAAAAAAAAAAAAAAAT4G9DP///wgAAAAAAAAAAAAAAAAAAAAAAAAAAAAAAAAAAAAAZAAAAAEAAABAAAAAAAAAAAAAAAAAAAAAAAAAAAAAAAAAAAAAAAAAAAAAAAAAAAAAAAAAAAAAAAAAAAAAAAAAAAAAAAAAAAAAAAAAAAAAAAAAAAAAAAAAAAAAAAAAAAAAFAAAADwAAAAAAAAAAAAAAAAAAAkUAAAAAQAAABQAAAAUAAAAFAAAAAEAAAAAAAAAZAAAAGQAAAAAAAAAZAAAAGQAAAAVAAAAYAAAAAAAAAAAAAAADwAAACADAAAAAAAAAAAAAAEAAACgMgAAVgcAAKr4//8BAAAAf39/AAEAAABkAAAAAAAAABQAAABAHwAAAAAAACYAAAAAAAAAwOD//wAAAAAmAAAAZAAAABYAAABMAAAAAAAAAAAAAAAEAAAAAAAAAAEAAADu7OEKAAAAACgAAAAoAAAAZAAAAGQAAAAAAAAAzMzMAAAAAABQAAAAUAAAAGQAAABkAAAAAAAAABcAAAAUAAAAAAAAAAAAAAD/fwAA/38AAAAAAAAJAAAABAAAAAAAAAAMAAAAEAAAAAAAAAAAAAAAAAAAAAAAAAAeAAAAaAAAAAAAAAAAAAAAAAAAAAAAAAAAAAAAECcAABAnAAAAAAAAAAAAAAAAAAAAAAAAAAAAAAAAAAAAAAAAAAAAABQAAAAAAAAAwMD/AAAAAABkAAAAMgAAAAAAAABkAAAAAAAAAH9/fwAKAAAAHwAAAFQAAAAAAAAFAAAAAQAAAAAAAAAAAAAAAAAAAAAAAAAAAAAAAAAAAAAAAAAAAAAAAn9/fwAAAAADzMzMAMDA/wB/f38AAAAAAAAAAAAAAAAAAAAAAAAAAAAhAAAAGAAAABQAAAAvBAAA2xwAAKIlAAAuOAAAEAAAACYAAAAIAAAAPQ8AAAAAAAA="/>
               </a:ext>
             </a:extLst>
           </p:cNvSpPr>
@@ -771,7 +772,7 @@
           <p:cNvSpPr>
             <a:extLst>
               <a:ext uri="smNativeData">
-                <pr:smNativeData xmlns:pr="smNativeData" xmlns:p14="http://schemas.microsoft.com/office/powerpoint/2010/main" xmlns="" val="SMDATA_13_aDXlXhMAAAAlAAAAZAAAAA0AAAAAjgAAAEcAAACOAAAARwAAAAAAAAACAAAAAAAAAAEAAABQAAAAAAAAAAAA4D8AAAAAAADgPwAAAAAAAOA/AAAAAAAA4D8AAAAAAADgPwAAAAAAAOA/AAAAAAAA4D8AAAAAAADgPwAAAAAAAOA/AAAAAAAA4D8CAAAAjAAAAAAAAAAAAAAAT4G9DP///wgAAAAAAAAAAAAAAAAAAAAAAAAAAAAAAAAAAAAAZAAAAAEAAABAAAAAAAAAAAAAAAAAAAAAAAAAAAAAAAAAAAAAAAAAAAAAAAAAAAAAAAAAAAAAAAAAAAAAAAAAAAAAAAAAAAAAAAAAAAAAAAAAAAAAAAAAAAAAAAAAAAAAFAAAADwAAAAAAAAAAAAAAAAAAAkUAAAAAQAAABQAAAAUAAAAFAAAAAEAAAAAAAAAZAAAAGQAAAAAAAAAZAAAAGQAAAAVAAAAYAAAAAAAAAAAAAAADwAAACADAAAAAAAAAAAAAAEAAACgMgAAVgcAAKr4//8BAAAAf39/AAEAAABkAAAAAAAAABQAAABAHwAAAAAAACYAAAAAAAAAwOD//wAAAAAmAAAAZAAAABYAAABMAAAAAAAAAAAAAAAEAAAAAAAAAAEAAADu7OEKAAAAACgAAAAoAAAAZAAAAGQAAAAAAAAAzMzMAAAAAABQAAAAUAAAAGQAAABkAAAAAAAAABcAAAAUAAAAAAAAAAAAAAD/fwAA/38AAAAAAAAJAAAABAAAAAAAAAAMAAAAEAAAAAAAAAAAAAAAAAAAAAAAAAAeAAAAaAAAAAAAAAAAAAAAAAAAAAAAAAAAAAAAECcAABAnAAAAAAAAAAAAAAAAAAAAAAAAAAAAAAAAAAAAAAAAAAAAABQAAAAAAAAAwMD/AAAAAABkAAAAMgAAAAAAAABkAAAAAAAAAH9/fwAKAAAAHwAAAFQAAAAAAAAFAAAAAQAAAAAAAAAAAAAAAAAAAAAAAAAAAAAAAAAAAAAAAAAAAAAAAn9/fwAAAAADzMzMAMDA/wB/f38AAAAAAAAAAAAAAAAAAAAAAAAAAAAhAAAAGAAAABQAAACvFwAAsTkAAM0pAAC6PAAAEAAAACYAAAAIAAAA//////////8="/>
+                <pr:smNativeData xmlns="" xmlns:p14="http://schemas.microsoft.com/office/powerpoint/2010/main" xmlns:pr="smNativeData" val="SMDATA_13_aDXlXhMAAAAlAAAAZAAAAA0AAAAAjgAAAEcAAACOAAAARwAAAAAAAAACAAAAAAAAAAEAAABQAAAAAAAAAAAA4D8AAAAAAADgPwAAAAAAAOA/AAAAAAAA4D8AAAAAAADgPwAAAAAAAOA/AAAAAAAA4D8AAAAAAADgPwAAAAAAAOA/AAAAAAAA4D8CAAAAjAAAAAAAAAAAAAAAT4G9DP///wgAAAAAAAAAAAAAAAAAAAAAAAAAAAAAAAAAAAAAZAAAAAEAAABAAAAAAAAAAAAAAAAAAAAAAAAAAAAAAAAAAAAAAAAAAAAAAAAAAAAAAAAAAAAAAAAAAAAAAAAAAAAAAAAAAAAAAAAAAAAAAAAAAAAAAAAAAAAAAAAAAAAAFAAAADwAAAAAAAAAAAAAAAAAAAkUAAAAAQAAABQAAAAUAAAAFAAAAAEAAAAAAAAAZAAAAGQAAAAAAAAAZAAAAGQAAAAVAAAAYAAAAAAAAAAAAAAADwAAACADAAAAAAAAAAAAAAEAAACgMgAAVgcAAKr4//8BAAAAf39/AAEAAABkAAAAAAAAABQAAABAHwAAAAAAACYAAAAAAAAAwOD//wAAAAAmAAAAZAAAABYAAABMAAAAAAAAAAAAAAAEAAAAAAAAAAEAAADu7OEKAAAAACgAAAAoAAAAZAAAAGQAAAAAAAAAzMzMAAAAAABQAAAAUAAAAGQAAABkAAAAAAAAABcAAAAUAAAAAAAAAAAAAAD/fwAA/38AAAAAAAAJAAAABAAAAAAAAAAMAAAAEAAAAAAAAAAAAAAAAAAAAAAAAAAeAAAAaAAAAAAAAAAAAAAAAAAAAAAAAAAAAAAAECcAABAnAAAAAAAAAAAAAAAAAAAAAAAAAAAAAAAAAAAAAAAAAAAAABQAAAAAAAAAwMD/AAAAAABkAAAAMgAAAAAAAABkAAAAAAAAAH9/fwAKAAAAHwAAAFQAAAAAAAAFAAAAAQAAAAAAAAAAAAAAAAAAAAAAAAAAAAAAAAAAAAAAAAAAAAAAAn9/fwAAAAADzMzMAMDA/wB/f38AAAAAAAAAAAAAAAAAAAAAAAAAAAAhAAAAGAAAABQAAACvFwAAsTkAAM0pAAC6PAAAEAAAACYAAAAIAAAA//////////8="/>
               </a:ext>
             </a:extLst>
           </p:cNvSpPr>
@@ -810,7 +811,7 @@
                 <a:ea typeface="DejaVu Sans" pitchFamily="1" charset="0"/>
                 <a:cs typeface="DejaVu Sans" pitchFamily="1" charset="0"/>
               </a:rPr>
-              <a:t>11</a:t>
+              <a:t>12</a:t>
             </a:fld>
             <a:endParaRPr lang="en-in" sz="1400">
               <a:solidFill>
@@ -863,7 +864,7 @@
             <a:spLocks noGrp="1" noChangeArrowheads="1"/>
             <a:extLst>
               <a:ext uri="smNativeData">
-                <pr:smNativeData xmlns:pr="smNativeData" xmlns:p14="http://schemas.microsoft.com/office/powerpoint/2010/main" xmlns="" val="SMDATA_13_aDXlXhMAAAAlAAAAZAAAAA0AAAAAAAAAAAAAAAAAAAAAAAAAAAAAAAAAAAAAAAAAAAEAAABQAAAAAAAAAAAA4D8AAAAAAADgPwAAAAAAAOA/AAAAAAAA4D8AAAAAAADgPwAAAAAAAOA/AAAAAAAA4D8AAAAAAADgPwAAAAAAAOA/AAAAAAAA4D8CAAAAjAAAAAAAAAAAAAAAT4G9DP///wgAAAAAAAAAAAAAAAAAAAAAAAAAAAAAAAAAAAAAZAAAAAEAAABAAAAAAAAAAAAAAAAAAAAAAAAAAAAAAAAAAAAAAAAAAAAAAAAAAAAAAAAAAAAAAAAAAAAAAAAAAAAAAAAAAAAAAAAAAAAAAAAAAAAAAAAAAAAAAAAAAAAAFAAAADwAAAAAAAAAAAAAAAAAAAkUAAAAAQAAABQAAAAUAAAAFAAAAAEAAAAAAAAAZAAAAGQAAAAAAAAAZAAAAGQAAAAVAAAAYAAAAAAAAAAAAAAADwAAACADAAAAAAAAAAAAAAEAAACgMgAAVgcAAKr4//8BAAAAf39/AAEAAABkAAAAAAAAABQAAABAHwAAAAAAACYAAAAAAAAAwOD//wAAAAAmAAAAZAAAABYAAABMAAAAAAAAAAAAAAAEAAAAAAAAAAEAAADu7OEKAAAAACgAAAAoAAAAZAAAAGQAAAAAAAAAzMzMAAAAAABQAAAAUAAAAGQAAABkAAAAAAAAABcAAAAUAAAAAAAAAAAAAAD/fwAA/38AAAAAAAAJAAAABAAAAAAAAAAMAAAAEAAAAAAAAAAAAAAAAAAAAAAAAAAeAAAAaAAAAAAAAAAAAAAAAAAAAAAAAAAAAAAAECcAABAnAAAAAAAAAAAAAAAAAAAAAAAAAAAAAAAAAAAAAAAAAAAAABQAAAAAAAAAwMD/AAAAAABkAAAAMgAAAAAAAABkAAAAAAAAAH9/fwAKAAAAHwAAAFQAAAAAAAAFAAAAAQAAAAAAAAAAAAAAAAAAAAAAAAAAAAAAAAAAAAAAAAAAAAAAAn9/fwAAAAADzMzMAMDA/wB/f38AAAAAAAAAAAAAAAAAAAAAAAAAAAAhAAAAGAAAABQAAAAvBAAA2xwAAKIlAAAuOAAAEAAAACYAAAAIAAAAPQ8AAAAAAAA="/>
+                <pr:smNativeData xmlns="" xmlns:p14="http://schemas.microsoft.com/office/powerpoint/2010/main" xmlns:pr="smNativeData" val="SMDATA_13_aDXlXhMAAAAlAAAAZAAAAA0AAAAAAAAAAAAAAAAAAAAAAAAAAAAAAAAAAAAAAAAAAAEAAABQAAAAAAAAAAAA4D8AAAAAAADgPwAAAAAAAOA/AAAAAAAA4D8AAAAAAADgPwAAAAAAAOA/AAAAAAAA4D8AAAAAAADgPwAAAAAAAOA/AAAAAAAA4D8CAAAAjAAAAAAAAAAAAAAAT4G9DP///wgAAAAAAAAAAAAAAAAAAAAAAAAAAAAAAAAAAAAAZAAAAAEAAABAAAAAAAAAAAAAAAAAAAAAAAAAAAAAAAAAAAAAAAAAAAAAAAAAAAAAAAAAAAAAAAAAAAAAAAAAAAAAAAAAAAAAAAAAAAAAAAAAAAAAAAAAAAAAAAAAAAAAFAAAADwAAAAAAAAAAAAAAAAAAAkUAAAAAQAAABQAAAAUAAAAFAAAAAEAAAAAAAAAZAAAAGQAAAAAAAAAZAAAAGQAAAAVAAAAYAAAAAAAAAAAAAAADwAAACADAAAAAAAAAAAAAAEAAACgMgAAVgcAAKr4//8BAAAAf39/AAEAAABkAAAAAAAAABQAAABAHwAAAAAAACYAAAAAAAAAwOD//wAAAAAmAAAAZAAAABYAAABMAAAAAAAAAAAAAAAEAAAAAAAAAAEAAADu7OEKAAAAACgAAAAoAAAAZAAAAGQAAAAAAAAAzMzMAAAAAABQAAAAUAAAAGQAAABkAAAAAAAAABcAAAAUAAAAAAAAAAAAAAD/fwAA/38AAAAAAAAJAAAABAAAAAAAAAAMAAAAEAAAAAAAAAAAAAAAAAAAAAAAAAAeAAAAaAAAAAAAAAAAAAAAAAAAAAAAAAAAAAAAECcAABAnAAAAAAAAAAAAAAAAAAAAAAAAAAAAAAAAAAAAAAAAAAAAABQAAAAAAAAAwMD/AAAAAABkAAAAMgAAAAAAAABkAAAAAAAAAH9/fwAKAAAAHwAAAFQAAAAAAAAFAAAAAQAAAAAAAAAAAAAAAAAAAAAAAAAAAAAAAAAAAAAAAAAAAAAAAn9/fwAAAAADzMzMAMDA/wB/f38AAAAAAAAAAAAAAAAAAAAAAAAAAAAhAAAAGAAAABQAAAAvBAAA2xwAAKIlAAAuOAAAEAAAACYAAAAIAAAAPQ8AAAAAAAA="/>
               </a:ext>
             </a:extLst>
           </p:cNvSpPr>
@@ -901,7 +902,7 @@
           <p:cNvSpPr>
             <a:extLst>
               <a:ext uri="smNativeData">
-                <pr:smNativeData xmlns:pr="smNativeData" xmlns:p14="http://schemas.microsoft.com/office/powerpoint/2010/main" xmlns="" val="SMDATA_13_aDXlXhMAAAAlAAAAZAAAAA0AAAAAjgAAAEcAAACOAAAARwAAAAAAAAACAAAAAAAAAAEAAABQAAAAAAAAAAAA4D8AAAAAAADgPwAAAAAAAOA/AAAAAAAA4D8AAAAAAADgPwAAAAAAAOA/AAAAAAAA4D8AAAAAAADgPwAAAAAAAOA/AAAAAAAA4D8CAAAAjAAAAAAAAAAAAAAAT4G9DP///wgAAAAAAAAAAAAAAAAAAAAAAAAAAAAAAAAAAAAAZAAAAAEAAABAAAAAAAAAAAAAAAAAAAAAAAAAAAAAAAAAAAAAAAAAAAAAAAAAAAAAAAAAAAAAAAAAAAAAAAAAAAAAAAAAAAAAAAAAAAAAAAAAAAAAAAAAAAAAAAAAAAAAFAAAADwAAAAAAAAAAAAAAAAAAAkUAAAAAQAAABQAAAAUAAAAFAAAAAEAAAAAAAAAZAAAAGQAAAAAAAAAZAAAAGQAAAAVAAAAYAAAAAAAAAAAAAAADwAAACADAAAAAAAAAAAAAAEAAACgMgAAVgcAAKr4//8BAAAAf39/AAEAAABkAAAAAAAAABQAAABAHwAAAAAAACYAAAAAAAAAwOD//wAAAAAmAAAAZAAAABYAAABMAAAAAAAAAAAAAAAEAAAAAAAAAAEAAADu7OEKAAAAACgAAAAoAAAAZAAAAGQAAAAAAAAAzMzMAAAAAABQAAAAUAAAAGQAAABkAAAAAAAAABcAAAAUAAAAAAAAAAAAAAD/fwAA/38AAAAAAAAJAAAABAAAAAAAAAAMAAAAEAAAAAAAAAAAAAAAAAAAAAAAAAAeAAAAaAAAAAAAAAAAAAAAAAAAAAAAAAAAAAAAECcAABAnAAAAAAAAAAAAAAAAAAAAAAAAAAAAAAAAAAAAAAAAAAAAABQAAAAAAAAAwMD/AAAAAABkAAAAMgAAAAAAAABkAAAAAAAAAH9/fwAKAAAAHwAAAFQAAAAAAAAFAAAAAQAAAAAAAAAAAAAAAAAAAAAAAAAAAAAAAAAAAAAAAAAAAAAAAn9/fwAAAAADzMzMAMDA/wB/f38AAAAAAAAAAAAAAAAAAAAAAAAAAAAhAAAAGAAAABQAAACvFwAAsTkAAM0pAAC6PAAAEAAAACYAAAAIAAAA//////////8="/>
+                <pr:smNativeData xmlns="" xmlns:p14="http://schemas.microsoft.com/office/powerpoint/2010/main" xmlns:pr="smNativeData" val="SMDATA_13_aDXlXhMAAAAlAAAAZAAAAA0AAAAAjgAAAEcAAACOAAAARwAAAAAAAAACAAAAAAAAAAEAAABQAAAAAAAAAAAA4D8AAAAAAADgPwAAAAAAAOA/AAAAAAAA4D8AAAAAAADgPwAAAAAAAOA/AAAAAAAA4D8AAAAAAADgPwAAAAAAAOA/AAAAAAAA4D8CAAAAjAAAAAAAAAAAAAAAT4G9DP///wgAAAAAAAAAAAAAAAAAAAAAAAAAAAAAAAAAAAAAZAAAAAEAAABAAAAAAAAAAAAAAAAAAAAAAAAAAAAAAAAAAAAAAAAAAAAAAAAAAAAAAAAAAAAAAAAAAAAAAAAAAAAAAAAAAAAAAAAAAAAAAAAAAAAAAAAAAAAAAAAAAAAAFAAAADwAAAAAAAAAAAAAAAAAAAkUAAAAAQAAABQAAAAUAAAAFAAAAAEAAAAAAAAAZAAAAGQAAAAAAAAAZAAAAGQAAAAVAAAAYAAAAAAAAAAAAAAADwAAACADAAAAAAAAAAAAAAEAAACgMgAAVgcAAKr4//8BAAAAf39/AAEAAABkAAAAAAAAABQAAABAHwAAAAAAACYAAAAAAAAAwOD//wAAAAAmAAAAZAAAABYAAABMAAAAAAAAAAAAAAAEAAAAAAAAAAEAAADu7OEKAAAAACgAAAAoAAAAZAAAAGQAAAAAAAAAzMzMAAAAAABQAAAAUAAAAGQAAABkAAAAAAAAABcAAAAUAAAAAAAAAAAAAAD/fwAA/38AAAAAAAAJAAAABAAAAAAAAAAMAAAAEAAAAAAAAAAAAAAAAAAAAAAAAAAeAAAAaAAAAAAAAAAAAAAAAAAAAAAAAAAAAAAAECcAABAnAAAAAAAAAAAAAAAAAAAAAAAAAAAAAAAAAAAAAAAAAAAAABQAAAAAAAAAwMD/AAAAAABkAAAAMgAAAAAAAABkAAAAAAAAAH9/fwAKAAAAHwAAAFQAAAAAAAAFAAAAAQAAAAAAAAAAAAAAAAAAAAAAAAAAAAAAAAAAAAAAAAAAAAAAAn9/fwAAAAADzMzMAMDA/wB/f38AAAAAAAAAAAAAAAAAAAAAAAAAAAAhAAAAGAAAABQAAACvFwAAsTkAAM0pAAC6PAAAEAAAACYAAAAIAAAA//////////8="/>
               </a:ext>
             </a:extLst>
           </p:cNvSpPr>
@@ -940,7 +941,7 @@
                 <a:ea typeface="DejaVu Sans" pitchFamily="1" charset="0"/>
                 <a:cs typeface="DejaVu Sans" pitchFamily="1" charset="0"/>
               </a:rPr>
-              <a:t>14</a:t>
+              <a:t>15</a:t>
             </a:fld>
             <a:endParaRPr lang="en-in" sz="1400">
               <a:solidFill>
@@ -954,6 +955,11 @@
         </p:txBody>
       </p:sp>
     </p:spTree>
+    <p:extLst>
+      <p:ext uri="{BB962C8B-B14F-4D97-AF65-F5344CB8AC3E}">
+        <p14:creationId xmlns:p14="http://schemas.microsoft.com/office/powerpoint/2010/main" val="3948649505"/>
+      </p:ext>
+    </p:extLst>
   </p:cSld>
   <p:clrMapOvr>
     <a:masterClrMapping/>
@@ -993,7 +999,7 @@
             <a:spLocks noGrp="1" noChangeArrowheads="1"/>
             <a:extLst>
               <a:ext uri="smNativeData">
-                <pr:smNativeData xmlns:pr="smNativeData" xmlns:p14="http://schemas.microsoft.com/office/powerpoint/2010/main" xmlns="" val="SMDATA_13_aDXlXhMAAAAlAAAAZAAAAA0AAAAAAAAAAAAAAAAAAAAAAAAAAAAAAAAAAAAAAAAAAAEAAABQAAAAAAAAAAAA4D8AAAAAAADgPwAAAAAAAOA/AAAAAAAA4D8AAAAAAADgPwAAAAAAAOA/AAAAAAAA4D8AAAAAAADgPwAAAAAAAOA/AAAAAAAA4D8CAAAAjAAAAAAAAAAAAAAAT4G9DP///wgAAAAAAAAAAAAAAAAAAAAAAAAAAAAAAAAAAAAAZAAAAAEAAABAAAAAAAAAAAAAAAAAAAAAAAAAAAAAAAAAAAAAAAAAAAAAAAAAAAAAAAAAAAAAAAAAAAAAAAAAAAAAAAAAAAAAAAAAAAAAAAAAAAAAAAAAAAAAAAAAAAAAFAAAADwAAAAAAAAAAAAAAAAAAAkUAAAAAQAAABQAAAAUAAAAFAAAAAEAAAAAAAAAZAAAAGQAAAAAAAAAZAAAAGQAAAAVAAAAYAAAAAAAAAAAAAAADwAAACADAAAAAAAAAAAAAAEAAACgMgAAVgcAAKr4//8BAAAAf39/AAEAAABkAAAAAAAAABQAAABAHwAAAAAAACYAAAAAAAAAwOD//wAAAAAmAAAAZAAAABYAAABMAAAAAAAAAAAAAAAEAAAAAAAAAAEAAADu7OEKAAAAACgAAAAoAAAAZAAAAGQAAAAAAAAAzMzMAAAAAABQAAAAUAAAAGQAAABkAAAAAAAAABcAAAAUAAAAAAAAAAAAAAD/fwAA/38AAAAAAAAJAAAABAAAAAAAAAAMAAAAEAAAAAAAAAAAAAAAAAAAAAAAAAAeAAAAaAAAAAAAAAAAAAAAAAAAAAAAAAAAAAAAECcAABAnAAAAAAAAAAAAAAAAAAAAAAAAAAAAAAAAAAAAAAAAAAAAABQAAAAAAAAAwMD/AAAAAABkAAAAMgAAAAAAAABkAAAAAAAAAH9/fwAKAAAAHwAAAFQAAAAAAAAFAAAAAQAAAAAAAAAAAAAAAAAAAAAAAAAAAAAAAAAAAAAAAAAAAAAAAn9/fwAAAAADzMzMAMDA/wB/f38AAAAAAAAAAAAAAAAAAAAAAAAAAAAhAAAAGAAAABQAAAAvBAAA2xwAAKIlAAAuOAAAEAAAACYAAAAIAAAAPQ8AAAAAAAA="/>
+                <pr:smNativeData xmlns="" xmlns:p14="http://schemas.microsoft.com/office/powerpoint/2010/main" xmlns:pr="smNativeData" val="SMDATA_13_aDXlXhMAAAAlAAAAZAAAAA0AAAAAAAAAAAAAAAAAAAAAAAAAAAAAAAAAAAAAAAAAAAEAAABQAAAAAAAAAAAA4D8AAAAAAADgPwAAAAAAAOA/AAAAAAAA4D8AAAAAAADgPwAAAAAAAOA/AAAAAAAA4D8AAAAAAADgPwAAAAAAAOA/AAAAAAAA4D8CAAAAjAAAAAAAAAAAAAAAT4G9DP///wgAAAAAAAAAAAAAAAAAAAAAAAAAAAAAAAAAAAAAZAAAAAEAAABAAAAAAAAAAAAAAAAAAAAAAAAAAAAAAAAAAAAAAAAAAAAAAAAAAAAAAAAAAAAAAAAAAAAAAAAAAAAAAAAAAAAAAAAAAAAAAAAAAAAAAAAAAAAAAAAAAAAAFAAAADwAAAAAAAAAAAAAAAAAAAkUAAAAAQAAABQAAAAUAAAAFAAAAAEAAAAAAAAAZAAAAGQAAAAAAAAAZAAAAGQAAAAVAAAAYAAAAAAAAAAAAAAADwAAACADAAAAAAAAAAAAAAEAAACgMgAAVgcAAKr4//8BAAAAf39/AAEAAABkAAAAAAAAABQAAABAHwAAAAAAACYAAAAAAAAAwOD//wAAAAAmAAAAZAAAABYAAABMAAAAAAAAAAAAAAAEAAAAAAAAAAEAAADu7OEKAAAAACgAAAAoAAAAZAAAAGQAAAAAAAAAzMzMAAAAAABQAAAAUAAAAGQAAABkAAAAAAAAABcAAAAUAAAAAAAAAAAAAAD/fwAA/38AAAAAAAAJAAAABAAAAAAAAAAMAAAAEAAAAAAAAAAAAAAAAAAAAAAAAAAeAAAAaAAAAAAAAAAAAAAAAAAAAAAAAAAAAAAAECcAABAnAAAAAAAAAAAAAAAAAAAAAAAAAAAAAAAAAAAAAAAAAAAAABQAAAAAAAAAwMD/AAAAAABkAAAAMgAAAAAAAABkAAAAAAAAAH9/fwAKAAAAHwAAAFQAAAAAAAAFAAAAAQAAAAAAAAAAAAAAAAAAAAAAAAAAAAAAAAAAAAAAAAAAAAAAAn9/fwAAAAADzMzMAMDA/wB/f38AAAAAAAAAAAAAAAAAAAAAAAAAAAAhAAAAGAAAABQAAAAvBAAA2xwAAKIlAAAuOAAAEAAAACYAAAAIAAAAPQ8AAAAAAAA="/>
               </a:ext>
             </a:extLst>
           </p:cNvSpPr>
@@ -1031,7 +1037,7 @@
           <p:cNvSpPr>
             <a:extLst>
               <a:ext uri="smNativeData">
-                <pr:smNativeData xmlns:pr="smNativeData" xmlns:p14="http://schemas.microsoft.com/office/powerpoint/2010/main" xmlns="" val="SMDATA_13_aDXlXhMAAAAlAAAAZAAAAA0AAAAAjgAAAEcAAACOAAAARwAAAAAAAAACAAAAAAAAAAEAAABQAAAAAAAAAAAA4D8AAAAAAADgPwAAAAAAAOA/AAAAAAAA4D8AAAAAAADgPwAAAAAAAOA/AAAAAAAA4D8AAAAAAADgPwAAAAAAAOA/AAAAAAAA4D8CAAAAjAAAAAAAAAAAAAAAT4G9DP///wgAAAAAAAAAAAAAAAAAAAAAAAAAAAAAAAAAAAAAZAAAAAEAAABAAAAAAAAAAAAAAAAAAAAAAAAAAAAAAAAAAAAAAAAAAAAAAAAAAAAAAAAAAAAAAAAAAAAAAAAAAAAAAAAAAAAAAAAAAAAAAAAAAAAAAAAAAAAAAAAAAAAAFAAAADwAAAAAAAAAAAAAAAAAAAkUAAAAAQAAABQAAAAUAAAAFAAAAAEAAAAAAAAAZAAAAGQAAAAAAAAAZAAAAGQAAAAVAAAAYAAAAAAAAAAAAAAADwAAACADAAAAAAAAAAAAAAEAAACgMgAAVgcAAKr4//8BAAAAf39/AAEAAABkAAAAAAAAABQAAABAHwAAAAAAACYAAAAAAAAAwOD//wAAAAAmAAAAZAAAABYAAABMAAAAAAAAAAAAAAAEAAAAAAAAAAEAAADu7OEKAAAAACgAAAAoAAAAZAAAAGQAAAAAAAAAzMzMAAAAAABQAAAAUAAAAGQAAABkAAAAAAAAABcAAAAUAAAAAAAAAAAAAAD/fwAA/38AAAAAAAAJAAAABAAAAAAAAAAMAAAAEAAAAAAAAAAAAAAAAAAAAAAAAAAeAAAAaAAAAAAAAAAAAAAAAAAAAAAAAAAAAAAAECcAABAnAAAAAAAAAAAAAAAAAAAAAAAAAAAAAAAAAAAAAAAAAAAAABQAAAAAAAAAwMD/AAAAAABkAAAAMgAAAAAAAABkAAAAAAAAAH9/fwAKAAAAHwAAAFQAAAAAAAAFAAAAAQAAAAAAAAAAAAAAAAAAAAAAAAAAAAAAAAAAAAAAAAAAAAAAAn9/fwAAAAADzMzMAMDA/wB/f38AAAAAAAAAAAAAAAAAAAAAAAAAAAAhAAAAGAAAABQAAACvFwAAsTkAAM0pAAC6PAAAEAAAACYAAAAIAAAA//////////8="/>
+                <pr:smNativeData xmlns="" xmlns:p14="http://schemas.microsoft.com/office/powerpoint/2010/main" xmlns:pr="smNativeData" val="SMDATA_13_aDXlXhMAAAAlAAAAZAAAAA0AAAAAjgAAAEcAAACOAAAARwAAAAAAAAACAAAAAAAAAAEAAABQAAAAAAAAAAAA4D8AAAAAAADgPwAAAAAAAOA/AAAAAAAA4D8AAAAAAADgPwAAAAAAAOA/AAAAAAAA4D8AAAAAAADgPwAAAAAAAOA/AAAAAAAA4D8CAAAAjAAAAAAAAAAAAAAAT4G9DP///wgAAAAAAAAAAAAAAAAAAAAAAAAAAAAAAAAAAAAAZAAAAAEAAABAAAAAAAAAAAAAAAAAAAAAAAAAAAAAAAAAAAAAAAAAAAAAAAAAAAAAAAAAAAAAAAAAAAAAAAAAAAAAAAAAAAAAAAAAAAAAAAAAAAAAAAAAAAAAAAAAAAAAFAAAADwAAAAAAAAAAAAAAAAAAAkUAAAAAQAAABQAAAAUAAAAFAAAAAEAAAAAAAAAZAAAAGQAAAAAAAAAZAAAAGQAAAAVAAAAYAAAAAAAAAAAAAAADwAAACADAAAAAAAAAAAAAAEAAACgMgAAVgcAAKr4//8BAAAAf39/AAEAAABkAAAAAAAAABQAAABAHwAAAAAAACYAAAAAAAAAwOD//wAAAAAmAAAAZAAAABYAAABMAAAAAAAAAAAAAAAEAAAAAAAAAAEAAADu7OEKAAAAACgAAAAoAAAAZAAAAGQAAAAAAAAAzMzMAAAAAABQAAAAUAAAAGQAAABkAAAAAAAAABcAAAAUAAAAAAAAAAAAAAD/fwAA/38AAAAAAAAJAAAABAAAAAAAAAAMAAAAEAAAAAAAAAAAAAAAAAAAAAAAAAAeAAAAaAAAAAAAAAAAAAAAAAAAAAAAAAAAAAAAECcAABAnAAAAAAAAAAAAAAAAAAAAAAAAAAAAAAAAAAAAAAAAAAAAABQAAAAAAAAAwMD/AAAAAABkAAAAMgAAAAAAAABkAAAAAAAAAH9/fwAKAAAAHwAAAFQAAAAAAAAFAAAAAQAAAAAAAAAAAAAAAAAAAAAAAAAAAAAAAAAAAAAAAAAAAAAAAn9/fwAAAAADzMzMAMDA/wB/f38AAAAAAAAAAAAAAAAAAAAAAAAAAAAhAAAAGAAAABQAAACvFwAAsTkAAM0pAAC6PAAAEAAAACYAAAAIAAAA//////////8="/>
               </a:ext>
             </a:extLst>
           </p:cNvSpPr>
@@ -1070,7 +1076,7 @@
                 <a:ea typeface="DejaVu Sans" pitchFamily="1" charset="0"/>
                 <a:cs typeface="DejaVu Sans" pitchFamily="1" charset="0"/>
               </a:rPr>
-              <a:t>15</a:t>
+              <a:t>16</a:t>
             </a:fld>
             <a:endParaRPr lang="en-in" sz="1400">
               <a:solidFill>
@@ -1084,11 +1090,6 @@
         </p:txBody>
       </p:sp>
     </p:spTree>
-    <p:extLst>
-      <p:ext uri="{BB962C8B-B14F-4D97-AF65-F5344CB8AC3E}">
-        <p14:creationId xmlns:p14="http://schemas.microsoft.com/office/powerpoint/2010/main" val="3948649505"/>
-      </p:ext>
-    </p:extLst>
   </p:cSld>
   <p:clrMapOvr>
     <a:masterClrMapping/>
@@ -1128,7 +1129,7 @@
             <a:spLocks noGrp="1" noChangeArrowheads="1"/>
             <a:extLst>
               <a:ext uri="smNativeData">
-                <pr:smNativeData xmlns:pr="smNativeData" xmlns:p14="http://schemas.microsoft.com/office/powerpoint/2010/main" xmlns="" val="SMDATA_13_aDXlXhMAAAAlAAAAZAAAAA0AAAAAAAAAAAAAAAAAAAAAAAAAAAAAAAAAAAAAAAAAAAEAAABQAAAAAAAAAAAA4D8AAAAAAADgPwAAAAAAAOA/AAAAAAAA4D8AAAAAAADgPwAAAAAAAOA/AAAAAAAA4D8AAAAAAADgPwAAAAAAAOA/AAAAAAAA4D8CAAAAjAAAAAAAAAAAAAAAT4G9DP///wgAAAAAAAAAAAAAAAAAAAAAAAAAAAAAAAAAAAAAZAAAAAEAAABAAAAAAAAAAAAAAAAAAAAAAAAAAAAAAAAAAAAAAAAAAAAAAAAAAAAAAAAAAAAAAAAAAAAAAAAAAAAAAAAAAAAAAAAAAAAAAAAAAAAAAAAAAAAAAAAAAAAAFAAAADwAAAAAAAAAAAAAAAAAAAkUAAAAAQAAABQAAAAUAAAAFAAAAAEAAAAAAAAAZAAAAGQAAAAAAAAAZAAAAGQAAAAVAAAAYAAAAAAAAAAAAAAADwAAACADAAAAAAAAAAAAAAEAAACgMgAAVgcAAKr4//8BAAAAf39/AAEAAABkAAAAAAAAABQAAABAHwAAAAAAACYAAAAAAAAAwOD//wAAAAAmAAAAZAAAABYAAABMAAAAAAAAAAAAAAAEAAAAAAAAAAEAAADu7OEKAAAAACgAAAAoAAAAZAAAAGQAAAAAAAAAzMzMAAAAAABQAAAAUAAAAGQAAABkAAAAAAAAABcAAAAUAAAAAAAAAAAAAAD/fwAA/38AAAAAAAAJAAAABAAAAAAAAAAMAAAAEAAAAAAAAAAAAAAAAAAAAAAAAAAeAAAAaAAAAAAAAAAAAAAAAAAAAAAAAAAAAAAAECcAABAnAAAAAAAAAAAAAAAAAAAAAAAAAAAAAAAAAAAAAAAAAAAAABQAAAAAAAAAwMD/AAAAAABkAAAAMgAAAAAAAABkAAAAAAAAAH9/fwAKAAAAHwAAAFQAAAAAAAAFAAAAAQAAAAAAAAAAAAAAAAAAAAAAAAAAAAAAAAAAAAAAAAAAAAAAAn9/fwAAAAADzMzMAMDA/wB/f38AAAAAAAAAAAAAAAAAAAAAAAAAAAAhAAAAGAAAABQAAAAvBAAA2xwAAKIlAAAuOAAAEAAAACYAAAAIAAAAPQ8AAAAAAAA="/>
+                <pr:smNativeData xmlns="" xmlns:p14="http://schemas.microsoft.com/office/powerpoint/2010/main" xmlns:pr="smNativeData" val="SMDATA_13_aDXlXhMAAAAlAAAAZAAAAA0AAAAAAAAAAAAAAAAAAAAAAAAAAAAAAAAAAAAAAAAAAAEAAABQAAAAAAAAAAAA4D8AAAAAAADgPwAAAAAAAOA/AAAAAAAA4D8AAAAAAADgPwAAAAAAAOA/AAAAAAAA4D8AAAAAAADgPwAAAAAAAOA/AAAAAAAA4D8CAAAAjAAAAAAAAAAAAAAAT4G9DP///wgAAAAAAAAAAAAAAAAAAAAAAAAAAAAAAAAAAAAAZAAAAAEAAABAAAAAAAAAAAAAAAAAAAAAAAAAAAAAAAAAAAAAAAAAAAAAAAAAAAAAAAAAAAAAAAAAAAAAAAAAAAAAAAAAAAAAAAAAAAAAAAAAAAAAAAAAAAAAAAAAAAAAFAAAADwAAAAAAAAAAAAAAAAAAAkUAAAAAQAAABQAAAAUAAAAFAAAAAEAAAAAAAAAZAAAAGQAAAAAAAAAZAAAAGQAAAAVAAAAYAAAAAAAAAAAAAAADwAAACADAAAAAAAAAAAAAAEAAACgMgAAVgcAAKr4//8BAAAAf39/AAEAAABkAAAAAAAAABQAAABAHwAAAAAAACYAAAAAAAAAwOD//wAAAAAmAAAAZAAAABYAAABMAAAAAAAAAAAAAAAEAAAAAAAAAAEAAADu7OEKAAAAACgAAAAoAAAAZAAAAGQAAAAAAAAAzMzMAAAAAABQAAAAUAAAAGQAAABkAAAAAAAAABcAAAAUAAAAAAAAAAAAAAD/fwAA/38AAAAAAAAJAAAABAAAAAAAAAAMAAAAEAAAAAAAAAAAAAAAAAAAAAAAAAAeAAAAaAAAAAAAAAAAAAAAAAAAAAAAAAAAAAAAECcAABAnAAAAAAAAAAAAAAAAAAAAAAAAAAAAAAAAAAAAAAAAAAAAABQAAAAAAAAAwMD/AAAAAABkAAAAMgAAAAAAAABkAAAAAAAAAH9/fwAKAAAAHwAAAFQAAAAAAAAFAAAAAQAAAAAAAAAAAAAAAAAAAAAAAAAAAAAAAAAAAAAAAAAAAAAAAn9/fwAAAAADzMzMAMDA/wB/f38AAAAAAAAAAAAAAAAAAAAAAAAAAAAhAAAAGAAAABQAAAAvBAAA2xwAAKIlAAAuOAAAEAAAACYAAAAIAAAAPQ8AAAAAAAA="/>
               </a:ext>
             </a:extLst>
           </p:cNvSpPr>
@@ -1166,7 +1167,7 @@
           <p:cNvSpPr>
             <a:extLst>
               <a:ext uri="smNativeData">
-                <pr:smNativeData xmlns:pr="smNativeData" xmlns:p14="http://schemas.microsoft.com/office/powerpoint/2010/main" xmlns="" val="SMDATA_13_aDXlXhMAAAAlAAAAZAAAAA0AAAAAjgAAAEcAAACOAAAARwAAAAAAAAACAAAAAAAAAAEAAABQAAAAAAAAAAAA4D8AAAAAAADgPwAAAAAAAOA/AAAAAAAA4D8AAAAAAADgPwAAAAAAAOA/AAAAAAAA4D8AAAAAAADgPwAAAAAAAOA/AAAAAAAA4D8CAAAAjAAAAAAAAAAAAAAAT4G9DP///wgAAAAAAAAAAAAAAAAAAAAAAAAAAAAAAAAAAAAAZAAAAAEAAABAAAAAAAAAAAAAAAAAAAAAAAAAAAAAAAAAAAAAAAAAAAAAAAAAAAAAAAAAAAAAAAAAAAAAAAAAAAAAAAAAAAAAAAAAAAAAAAAAAAAAAAAAAAAAAAAAAAAAFAAAADwAAAAAAAAAAAAAAAAAAAkUAAAAAQAAABQAAAAUAAAAFAAAAAEAAAAAAAAAZAAAAGQAAAAAAAAAZAAAAGQAAAAVAAAAYAAAAAAAAAAAAAAADwAAACADAAAAAAAAAAAAAAEAAACgMgAAVgcAAKr4//8BAAAAf39/AAEAAABkAAAAAAAAABQAAABAHwAAAAAAACYAAAAAAAAAwOD//wAAAAAmAAAAZAAAABYAAABMAAAAAAAAAAAAAAAEAAAAAAAAAAEAAADu7OEKAAAAACgAAAAoAAAAZAAAAGQAAAAAAAAAzMzMAAAAAABQAAAAUAAAAGQAAABkAAAAAAAAABcAAAAUAAAAAAAAAAAAAAD/fwAA/38AAAAAAAAJAAAABAAAAAAAAAAMAAAAEAAAAAAAAAAAAAAAAAAAAAAAAAAeAAAAaAAAAAAAAAAAAAAAAAAAAAAAAAAAAAAAECcAABAnAAAAAAAAAAAAAAAAAAAAAAAAAAAAAAAAAAAAAAAAAAAAABQAAAAAAAAAwMD/AAAAAABkAAAAMgAAAAAAAABkAAAAAAAAAH9/fwAKAAAAHwAAAFQAAAAAAAAFAAAAAQAAAAAAAAAAAAAAAAAAAAAAAAAAAAAAAAAAAAAAAAAAAAAAAn9/fwAAAAADzMzMAMDA/wB/f38AAAAAAAAAAAAAAAAAAAAAAAAAAAAhAAAAGAAAABQAAACvFwAAsTkAAM0pAAC6PAAAEAAAACYAAAAIAAAA//////////8="/>
+                <pr:smNativeData xmlns="" xmlns:p14="http://schemas.microsoft.com/office/powerpoint/2010/main" xmlns:pr="smNativeData" val="SMDATA_13_aDXlXhMAAAAlAAAAZAAAAA0AAAAAjgAAAEcAAACOAAAARwAAAAAAAAACAAAAAAAAAAEAAABQAAAAAAAAAAAA4D8AAAAAAADgPwAAAAAAAOA/AAAAAAAA4D8AAAAAAADgPwAAAAAAAOA/AAAAAAAA4D8AAAAAAADgPwAAAAAAAOA/AAAAAAAA4D8CAAAAjAAAAAAAAAAAAAAAT4G9DP///wgAAAAAAAAAAAAAAAAAAAAAAAAAAAAAAAAAAAAAZAAAAAEAAABAAAAAAAAAAAAAAAAAAAAAAAAAAAAAAAAAAAAAAAAAAAAAAAAAAAAAAAAAAAAAAAAAAAAAAAAAAAAAAAAAAAAAAAAAAAAAAAAAAAAAAAAAAAAAAAAAAAAAFAAAADwAAAAAAAAAAAAAAAAAAAkUAAAAAQAAABQAAAAUAAAAFAAAAAEAAAAAAAAAZAAAAGQAAAAAAAAAZAAAAGQAAAAVAAAAYAAAAAAAAAAAAAAADwAAACADAAAAAAAAAAAAAAEAAACgMgAAVgcAAKr4//8BAAAAf39/AAEAAABkAAAAAAAAABQAAABAHwAAAAAAACYAAAAAAAAAwOD//wAAAAAmAAAAZAAAABYAAABMAAAAAAAAAAAAAAAEAAAAAAAAAAEAAADu7OEKAAAAACgAAAAoAAAAZAAAAGQAAAAAAAAAzMzMAAAAAABQAAAAUAAAAGQAAABkAAAAAAAAABcAAAAUAAAAAAAAAAAAAAD/fwAA/38AAAAAAAAJAAAABAAAAAAAAAAMAAAAEAAAAAAAAAAAAAAAAAAAAAAAAAAeAAAAaAAAAAAAAAAAAAAAAAAAAAAAAAAAAAAAECcAABAnAAAAAAAAAAAAAAAAAAAAAAAAAAAAAAAAAAAAAAAAAAAAABQAAAAAAAAAwMD/AAAAAABkAAAAMgAAAAAAAABkAAAAAAAAAH9/fwAKAAAAHwAAAFQAAAAAAAAFAAAAAQAAAAAAAAAAAAAAAAAAAAAAAAAAAAAAAAAAAAAAAAAAAAAAAn9/fwAAAAADzMzMAMDA/wB/f38AAAAAAAAAAAAAAAAAAAAAAAAAAAAhAAAAGAAAABQAAACvFwAAsTkAAM0pAAC6PAAAEAAAACYAAAAIAAAA//////////8="/>
               </a:ext>
             </a:extLst>
           </p:cNvSpPr>
@@ -1205,7 +1206,7 @@
                 <a:ea typeface="DejaVu Sans" pitchFamily="1" charset="0"/>
                 <a:cs typeface="DejaVu Sans" pitchFamily="1" charset="0"/>
               </a:rPr>
-              <a:t>16</a:t>
+              <a:t>17</a:t>
             </a:fld>
             <a:endParaRPr lang="en-in" sz="1400">
               <a:solidFill>
@@ -1280,7 +1281,7 @@
             <a:spLocks noGrp="1" noChangeArrowheads="1"/>
             <a:extLst>
               <a:ext uri="smNativeData">
-                <pr:smNativeData xmlns:pr="smNativeData" xmlns:p14="http://schemas.microsoft.com/office/powerpoint/2010/main" xmlns="" val="SMDATA_13_aDXlXhMAAAAlAAAAZAAAAA0AAAAAAAAAAAAAAAAAAAAAAAAAAAAAAAABAAAAAAAAAAEAAABQAAAAAAAAAAAA4D8AAAAAAADgPwAAAAAAAOA/AAAAAAAA4D8AAAAAAADgPwAAAAAAAOA/AAAAAAAA4D8AAAAAAADgPwAAAAAAAOA/AAAAAAAA4D8CAAAAjAAAAAAAAAAAAAAA////AP///wgAAAAAAAAAAAAAAAAAAAAAAAAAAAAAAAAAAAAAeAAAAAEAAABAAAAAAAAAAAAAAABaAAAAAAAAAAAAAAAAAAAAAAAAAAAAAAAAAAAAAAAAAAAAAAAAAAAAAAAAAAAAAAAAAAAAAAAAAAAAAAAAAAAAAAAAAAAAAAAAAAAAFAAAADwAAAAAAAAAAAAAAAAAAAAPAAAAAQAAACMAAAAjAAAAIwAAAB4AAAAAAAAAZAAAAGQAAAAAAAAAZAAAAGQAAAAVAAAAYAAAAAAAAAAAAAAADwAAACADAAAAAAAAAAAAAAEAAACgMgAAVgcAAKr4//8BAAAAf39/AAEAAABkAAAAAAAAABQAAABAHwAAAAAAACYAAAAAAAAAwOD//wAAAAAmAAAAZAAAABYAAABMAAAAAAAAAAAAAAAEAAAAAAAAAAEAAADu7OEKAAAAACgAAAAoAAAAZAAAAGQAAAAAAAAAzMzMAAAAAABQAAAAUAAAAGQAAABkAAAAAAAAABcAAAAUAAAAAAAAAAAAAAD/fwAA/38AAAAAAAAJAAAABAAAAAAAAAAMAAAAEAAAAAAAAAAAAAAAAAAAAAAAAAAeAAAAaAAAAAAAAAAAAAAAAAAAAAAAAAAAAAAAECcAABAnAAAAAAAAAAAAAAAAAAAAAAAAAAAAAAAAAAAAAAAAAAAAABQAAAAAAAAAwMD/AAAAAABkAAAAMgAAAAAAAABkAAAAAAAAAH9/fwAKAAAAHwAAAFQAAAD///8AAAAAAQAAAAAAAAAAAAAAAAAAAAAAAAAAAAAAAAAAAAAAAAAAAAAAAH9/fwAAAAADzMzMAMDA/wB/f38AAAAAAAAAAAAAAAAAAAAAAAAAAAAhAAAAGAAAABQAAADQAgAArwEAAG81AAC6CAAAEAAAACYAAAAIAAAAPAAAAAAAAAA="/>
+                <pr:smNativeData xmlns="" xmlns:p14="http://schemas.microsoft.com/office/powerpoint/2010/main" xmlns:pr="smNativeData" val="SMDATA_13_aDXlXhMAAAAlAAAAZAAAAA0AAAAAAAAAAAAAAAAAAAAAAAAAAAAAAAABAAAAAAAAAAEAAABQAAAAAAAAAAAA4D8AAAAAAADgPwAAAAAAAOA/AAAAAAAA4D8AAAAAAADgPwAAAAAAAOA/AAAAAAAA4D8AAAAAAADgPwAAAAAAAOA/AAAAAAAA4D8CAAAAjAAAAAAAAAAAAAAA////AP///wgAAAAAAAAAAAAAAAAAAAAAAAAAAAAAAAAAAAAAeAAAAAEAAABAAAAAAAAAAAAAAABaAAAAAAAAAAAAAAAAAAAAAAAAAAAAAAAAAAAAAAAAAAAAAAAAAAAAAAAAAAAAAAAAAAAAAAAAAAAAAAAAAAAAAAAAAAAAAAAAAAAAFAAAADwAAAAAAAAAAAAAAAAAAAAPAAAAAQAAACMAAAAjAAAAIwAAAB4AAAAAAAAAZAAAAGQAAAAAAAAAZAAAAGQAAAAVAAAAYAAAAAAAAAAAAAAADwAAACADAAAAAAAAAAAAAAEAAACgMgAAVgcAAKr4//8BAAAAf39/AAEAAABkAAAAAAAAABQAAABAHwAAAAAAACYAAAAAAAAAwOD//wAAAAAmAAAAZAAAABYAAABMAAAAAAAAAAAAAAAEAAAAAAAAAAEAAADu7OEKAAAAACgAAAAoAAAAZAAAAGQAAAAAAAAAzMzMAAAAAABQAAAAUAAAAGQAAABkAAAAAAAAABcAAAAUAAAAAAAAAAAAAAD/fwAA/38AAAAAAAAJAAAABAAAAAAAAAAMAAAAEAAAAAAAAAAAAAAAAAAAAAAAAAAeAAAAaAAAAAAAAAAAAAAAAAAAAAAAAAAAAAAAECcAABAnAAAAAAAAAAAAAAAAAAAAAAAAAAAAAAAAAAAAAAAAAAAAABQAAAAAAAAAwMD/AAAAAABkAAAAMgAAAAAAAABkAAAAAAAAAH9/fwAKAAAAHwAAAFQAAAD///8AAAAAAQAAAAAAAAAAAAAAAAAAAAAAAAAAAAAAAAAAAAAAAAAAAAAAAH9/fwAAAAADzMzMAMDA/wB/f38AAAAAAAAAAAAAAAAAAAAAAAAAAAAhAAAAGAAAABQAAADQAgAArwEAAG81AAC6CAAAEAAAACYAAAAIAAAAPAAAAAAAAAA="/>
               </a:ext>
             </a:extLst>
           </p:cNvSpPr>
@@ -1311,7 +1312,7 @@
             <a:spLocks noGrp="1" noChangeArrowheads="1"/>
             <a:extLst>
               <a:ext uri="smNativeData">
-                <pr:smNativeData xmlns:pr="smNativeData" xmlns:p14="http://schemas.microsoft.com/office/powerpoint/2010/main" xmlns="" val="SMDATA_13_aDXlXhMAAAAlAAAAZAAAAA0AAAAAAAAAAAAAAAAAAAAAAAAAAAAAAAAAAAAAAAAAAAEAAABQAAAAAAAAAAAA4D8AAAAAAADgPwAAAAAAAOA/AAAAAAAA4D8AAAAAAADgPwAAAAAAAOA/AAAAAAAA4D8AAAAAAADgPwAAAAAAAOA/AAAAAAAA4D8CAAAAjAAAAAAAAAAAAAAA////AP///wgAAAAAAAAAAAAAAAAAAAAAAAAAAAAAAAAAAAAAeAAAAAEAAABAAAAAAAAAAAAAAABaAAAAAAAAAAAAAAAAAAAAAAAAAAAAAAAAAAAAAAAAAAAAAAAAAAAAAAAAAAAAAAAAAAAAAAAAAAAAAAAAAAAAAAAAAAAAAAAAAAAAFAAAADwAAAAAAAAAAAAAAAAAAAAPAAAAAQAAACMAAAAjAAAAIwAAAB4AAAAAAAAAZAAAAGQAAAAAAAAAZAAAAGQAAAAVAAAAYAAAAAAAAAAAAAAADwAAACADAAAAAAAAAAAAAAEAAACgMgAAVgcAAKr4//8BAAAAf39/AAEAAABkAAAAAAAAABQAAABAHwAAAAAAACYAAAAAAAAAwOD//wAAAAAmAAAAZAAAABYAAABMAAAAAAAAAAAAAAAEAAAAAAAAAAEAAADu7OEKAAAAACgAAAAoAAAAZAAAAGQAAAAAAAAAzMzMAAAAAABQAAAAUAAAAGQAAABkAAAAAAAAABcAAAAUAAAAAAAAAAAAAAD/fwAA/38AAAAAAAAJAAAABAAAAAAAAAAMAAAAEAAAAAAAAAAAAAAAAAAAAAAAAAAeAAAAaAAAAAAAAAAAAAAAAAAAAAAAAAAAAAAAECcAABAnAAAAAAAAAAAAAAAAAAAAAAAAAAAAAAAAAAAAAAAAAAAAABQAAAAAAAAAwMD/AAAAAABkAAAAMgAAAAAAAABkAAAAAAAAAH9/fwAKAAAAHwAAAFQAAAD///8AAAAAAQAAAAAAAAAAAAAAAAAAAAAAAAAAAAAAAAAAAAAAAAAAAAAAAH9/fwAAAAADzMzMAMDA/wB/f38AAAAAAAAAAAAAAAAAAAAAAAAAAAAhAAAAGAAAABQAAADQAgAA3wkAAG81AACKFQAAEAAAACYAAAAIAAAAPQAAAAAAAAA="/>
+                <pr:smNativeData xmlns="" xmlns:p14="http://schemas.microsoft.com/office/powerpoint/2010/main" xmlns:pr="smNativeData" val="SMDATA_13_aDXlXhMAAAAlAAAAZAAAAA0AAAAAAAAAAAAAAAAAAAAAAAAAAAAAAAAAAAAAAAAAAAEAAABQAAAAAAAAAAAA4D8AAAAAAADgPwAAAAAAAOA/AAAAAAAA4D8AAAAAAADgPwAAAAAAAOA/AAAAAAAA4D8AAAAAAADgPwAAAAAAAOA/AAAAAAAA4D8CAAAAjAAAAAAAAAAAAAAA////AP///wgAAAAAAAAAAAAAAAAAAAAAAAAAAAAAAAAAAAAAeAAAAAEAAABAAAAAAAAAAAAAAABaAAAAAAAAAAAAAAAAAAAAAAAAAAAAAAAAAAAAAAAAAAAAAAAAAAAAAAAAAAAAAAAAAAAAAAAAAAAAAAAAAAAAAAAAAAAAAAAAAAAAFAAAADwAAAAAAAAAAAAAAAAAAAAPAAAAAQAAACMAAAAjAAAAIwAAAB4AAAAAAAAAZAAAAGQAAAAAAAAAZAAAAGQAAAAVAAAAYAAAAAAAAAAAAAAADwAAACADAAAAAAAAAAAAAAEAAACgMgAAVgcAAKr4//8BAAAAf39/AAEAAABkAAAAAAAAABQAAABAHwAAAAAAACYAAAAAAAAAwOD//wAAAAAmAAAAZAAAABYAAABMAAAAAAAAAAAAAAAEAAAAAAAAAAEAAADu7OEKAAAAACgAAAAoAAAAZAAAAGQAAAAAAAAAzMzMAAAAAABQAAAAUAAAAGQAAABkAAAAAAAAABcAAAAUAAAAAAAAAAAAAAD/fwAA/38AAAAAAAAJAAAABAAAAAAAAAAMAAAAEAAAAAAAAAAAAAAAAAAAAAAAAAAeAAAAaAAAAAAAAAAAAAAAAAAAAAAAAAAAAAAAECcAABAnAAAAAAAAAAAAAAAAAAAAAAAAAAAAAAAAAAAAAAAAAAAAABQAAAAAAAAAwMD/AAAAAABkAAAAMgAAAAAAAABkAAAAAAAAAH9/fwAKAAAAHwAAAFQAAAD///8AAAAAAQAAAAAAAAAAAAAAAAAAAAAAAAAAAAAAAAAAAAAAAAAAAAAAAH9/fwAAAAADzMzMAMDA/wB/f38AAAAAAAAAAAAAAAAAAAAAAAAAAAAhAAAAGAAAABQAAADQAgAA3wkAAG81AACKFQAAEAAAACYAAAAIAAAAPQAAAAAAAAA="/>
               </a:ext>
             </a:extLst>
           </p:cNvSpPr>
@@ -1347,7 +1348,7 @@
             <a:spLocks noGrp="1" noChangeArrowheads="1"/>
             <a:extLst>
               <a:ext uri="smNativeData">
-                <pr:smNativeData xmlns:pr="smNativeData" xmlns:p14="http://schemas.microsoft.com/office/powerpoint/2010/main" xmlns="" val="SMDATA_13_aDXlXhMAAAAlAAAAZAAAAA0AAAAAAAAAAAAAAAAAAAAAAAAAAAAAAAAAAAAAAAAAAAEAAABQAAAAAAAAAAAA4D8AAAAAAADgPwAAAAAAAOA/AAAAAAAA4D8AAAAAAADgPwAAAAAAAOA/AAAAAAAA4D8AAAAAAADgPwAAAAAAAOA/AAAAAAAA4D8CAAAAjAAAAAAAAAAAAAAA////AP///wgAAAAAAAAAAAAAAAAAAAAAAAAAAAAAAAAAAAAAeAAAAAEAAABAAAAAAAAAAAAAAABaAAAAAAAAAAAAAAAAAAAAAAAAAAAAAAAAAAAAAAAAAAAAAAAAAAAAAAAAAAAAAAAAAAAAAAAAAAAAAAAAAAAAAAAAAAAAAAAAAAAAFAAAADwAAAAAAAAAAAAAAAAAAAAPAAAAAQAAACMAAAAjAAAAIwAAAB4AAAAAAAAAZAAAAGQAAAAAAAAAZAAAAGQAAAAVAAAAYAAAAAAAAAAAAAAADwAAACADAAAAAAAAAAAAAAEAAACgMgAAVgcAAKr4//8BAAAAf39/AAEAAABkAAAAAAAAABQAAABAHwAAAAAAACYAAAAAAAAAwOD//wAAAAAmAAAAZAAAABYAAABMAAAAAAAAAAAAAAAEAAAAAAAAAAEAAADu7OEKAAAAACgAAAAoAAAAZAAAAGQAAAAAAAAAzMzMAAAAAABQAAAAUAAAAGQAAABkAAAAAAAAABcAAAAUAAAAAAAAAAAAAAD/fwAA/38AAAAAAAAJAAAABAAAAAAAAAAMAAAAEAAAAAAAAAAAAAAAAAAAAAAAAAAeAAAAaAAAAAAAAAAAAAAAAAAAAAAAAAAAAAAAECcAABAnAAAAAAAAAAAAAAAAAAAAAAAAAAAAAAAAAAAAAAAAAAAAABQAAAAAAAAAwMD/AAAAAABkAAAAMgAAAAAAAABkAAAAAAAAAH9/fwAKAAAAHwAAAFQAAAD///8AAAAAAQAAAAAAAAAAAAAAAAAAAAAAAAAAAAAAAAAAAAAAAAAAAAAAAH9/fwAAAAADzMzMAMDA/wB/f38AAAAAAAAAAAAAAAAAAAAAAAAAAAAhAAAAGAAAABQAAADQAgAApxYAAG81AABSIgAAEAAAACYAAAAIAAAAPQAAAAAAAAA="/>
+                <pr:smNativeData xmlns="" xmlns:p14="http://schemas.microsoft.com/office/powerpoint/2010/main" xmlns:pr="smNativeData" val="SMDATA_13_aDXlXhMAAAAlAAAAZAAAAA0AAAAAAAAAAAAAAAAAAAAAAAAAAAAAAAAAAAAAAAAAAAEAAABQAAAAAAAAAAAA4D8AAAAAAADgPwAAAAAAAOA/AAAAAAAA4D8AAAAAAADgPwAAAAAAAOA/AAAAAAAA4D8AAAAAAADgPwAAAAAAAOA/AAAAAAAA4D8CAAAAjAAAAAAAAAAAAAAA////AP///wgAAAAAAAAAAAAAAAAAAAAAAAAAAAAAAAAAAAAAeAAAAAEAAABAAAAAAAAAAAAAAABaAAAAAAAAAAAAAAAAAAAAAAAAAAAAAAAAAAAAAAAAAAAAAAAAAAAAAAAAAAAAAAAAAAAAAAAAAAAAAAAAAAAAAAAAAAAAAAAAAAAAFAAAADwAAAAAAAAAAAAAAAAAAAAPAAAAAQAAACMAAAAjAAAAIwAAAB4AAAAAAAAAZAAAAGQAAAAAAAAAZAAAAGQAAAAVAAAAYAAAAAAAAAAAAAAADwAAACADAAAAAAAAAAAAAAEAAACgMgAAVgcAAKr4//8BAAAAf39/AAEAAABkAAAAAAAAABQAAABAHwAAAAAAACYAAAAAAAAAwOD//wAAAAAmAAAAZAAAABYAAABMAAAAAAAAAAAAAAAEAAAAAAAAAAEAAADu7OEKAAAAACgAAAAoAAAAZAAAAGQAAAAAAAAAzMzMAAAAAABQAAAAUAAAAGQAAABkAAAAAAAAABcAAAAUAAAAAAAAAAAAAAD/fwAA/38AAAAAAAAJAAAABAAAAAAAAAAMAAAAEAAAAAAAAAAAAAAAAAAAAAAAAAAeAAAAaAAAAAAAAAAAAAAAAAAAAAAAAAAAAAAAECcAABAnAAAAAAAAAAAAAAAAAAAAAAAAAAAAAAAAAAAAAAAAAAAAABQAAAAAAAAAwMD/AAAAAABkAAAAMgAAAAAAAABkAAAAAAAAAH9/fwAKAAAAHwAAAFQAAAD///8AAAAAAQAAAAAAAAAAAAAAAAAAAAAAAAAAAAAAAAAAAAAAAAAAAAAAAH9/fwAAAAADzMzMAMDA/wB/f38AAAAAAAAAAAAAAAAAAAAAAAAAAAAhAAAAGAAAABQAAADQAgAApxYAAG81AABSIgAAEAAAACYAAAAIAAAAPQAAAAAAAAA="/>
               </a:ext>
             </a:extLst>
           </p:cNvSpPr>
@@ -1408,7 +1409,7 @@
             <a:spLocks noGrp="1" noChangeArrowheads="1"/>
             <a:extLst>
               <a:ext uri="smNativeData">
-                <pr:smNativeData xmlns:pr="smNativeData" xmlns:p14="http://schemas.microsoft.com/office/powerpoint/2010/main" xmlns="" val="SMDATA_13_aDXlXhMAAAAlAAAAZAAAAA0AAAAAAAAAAAAAAAAAAAAAAAAAAAAAAAABAAAAAAAAAAEAAABQAAAAAAAAAAAA4D8AAAAAAADgPwAAAAAAAOA/AAAAAAAA4D8AAAAAAADgPwAAAAAAAOA/AAAAAAAA4D8AAAAAAADgPwAAAAAAAOA/AAAAAAAA4D8CAAAAjAAAAAAAAAAAAAAA////AP///wgAAAAAAAAAAAAAAAAAAAAAAAAAAAAAAAAAAAAAeAAAAAEAAABAAAAAAAAAAAAAAABaAAAAAAAAAAAAAAAAAAAAAAAAAAAAAAAAAAAAAAAAAAAAAAAAAAAAAAAAAAAAAAAAAAAAAAAAAAAAAAAAAAAAAAAAAAAAAAAAAAAAFAAAADwAAAAAAAAAAAAAAAAAAAAPAAAAAQAAACMAAAAjAAAAIwAAAB4AAAAAAAAAZAAAAGQAAAAAAAAAZAAAAGQAAAAVAAAAYAAAAAAAAAAAAAAADwAAACADAAAAAAAAAAAAAAEAAACgMgAAVgcAAKr4//8BAAAAf39/AAEAAABkAAAAAAAAABQAAABAHwAAAAAAACYAAAAAAAAAwOD//wAAAAAmAAAAZAAAABYAAABMAAAAAAAAAAAAAAAEAAAAAAAAAAEAAADu7OEKAAAAACgAAAAoAAAAZAAAAGQAAAAAAAAAzMzMAAAAAABQAAAAUAAAAGQAAABkAAAAAAAAABcAAAAUAAAAAAAAAAAAAAD/fwAA/38AAAAAAAAJAAAABAAAAAAAAAAMAAAAEAAAAAAAAAAAAAAAAAAAAAAAAAAeAAAAaAAAAAAAAAAAAAAAAAAAAAAAAAAAAAAAECcAABAnAAAAAAAAAAAAAAAAAAAAAAAAAAAAAAAAAAAAAAAAAAAAABQAAAAAAAAAwMD/AAAAAABkAAAAMgAAAAAAAABkAAAAAAAAAH9/fwAKAAAAHwAAAFQAAAD///8AAAAAAQAAAAAAAAAAAAAAAAAAAAAAAAAAAAAAAAAAAAAAAAAAAAAAAH9/fwAAAAADzMzMAMDA/wB/f38AAAAAAAAAAAAAAAAAAAAAAAAAAAAhAAAAGAAAABQAAADQAgAArwEAAG81AAC6CAAAEAAAACYAAAAIAAAAPAAAAAAAAAA="/>
+                <pr:smNativeData xmlns="" xmlns:p14="http://schemas.microsoft.com/office/powerpoint/2010/main" xmlns:pr="smNativeData" val="SMDATA_13_aDXlXhMAAAAlAAAAZAAAAA0AAAAAAAAAAAAAAAAAAAAAAAAAAAAAAAABAAAAAAAAAAEAAABQAAAAAAAAAAAA4D8AAAAAAADgPwAAAAAAAOA/AAAAAAAA4D8AAAAAAADgPwAAAAAAAOA/AAAAAAAA4D8AAAAAAADgPwAAAAAAAOA/AAAAAAAA4D8CAAAAjAAAAAAAAAAAAAAA////AP///wgAAAAAAAAAAAAAAAAAAAAAAAAAAAAAAAAAAAAAeAAAAAEAAABAAAAAAAAAAAAAAABaAAAAAAAAAAAAAAAAAAAAAAAAAAAAAAAAAAAAAAAAAAAAAAAAAAAAAAAAAAAAAAAAAAAAAAAAAAAAAAAAAAAAAAAAAAAAAAAAAAAAFAAAADwAAAAAAAAAAAAAAAAAAAAPAAAAAQAAACMAAAAjAAAAIwAAAB4AAAAAAAAAZAAAAGQAAAAAAAAAZAAAAGQAAAAVAAAAYAAAAAAAAAAAAAAADwAAACADAAAAAAAAAAAAAAEAAACgMgAAVgcAAKr4//8BAAAAf39/AAEAAABkAAAAAAAAABQAAABAHwAAAAAAACYAAAAAAAAAwOD//wAAAAAmAAAAZAAAABYAAABMAAAAAAAAAAAAAAAEAAAAAAAAAAEAAADu7OEKAAAAACgAAAAoAAAAZAAAAGQAAAAAAAAAzMzMAAAAAABQAAAAUAAAAGQAAABkAAAAAAAAABcAAAAUAAAAAAAAAAAAAAD/fwAA/38AAAAAAAAJAAAABAAAAAAAAAAMAAAAEAAAAAAAAAAAAAAAAAAAAAAAAAAeAAAAaAAAAAAAAAAAAAAAAAAAAAAAAAAAAAAAECcAABAnAAAAAAAAAAAAAAAAAAAAAAAAAAAAAAAAAAAAAAAAAAAAABQAAAAAAAAAwMD/AAAAAABkAAAAMgAAAAAAAABkAAAAAAAAAH9/fwAKAAAAHwAAAFQAAAD///8AAAAAAQAAAAAAAAAAAAAAAAAAAAAAAAAAAAAAAAAAAAAAAAAAAAAAAH9/fwAAAAADzMzMAMDA/wB/f38AAAAAAAAAAAAAAAAAAAAAAAAAAAAhAAAAGAAAABQAAADQAgAArwEAAG81AAC6CAAAEAAAACYAAAAIAAAAPAAAAAAAAAA="/>
               </a:ext>
             </a:extLst>
           </p:cNvSpPr>
@@ -1439,7 +1440,7 @@
             <a:spLocks noGrp="1" noChangeArrowheads="1"/>
             <a:extLst>
               <a:ext uri="smNativeData">
-                <pr:smNativeData xmlns:pr="smNativeData" xmlns:p14="http://schemas.microsoft.com/office/powerpoint/2010/main" xmlns="" val="SMDATA_13_aDXlXhMAAAAlAAAAZAAAAA0AAAAAAAAAAAAAAAAAAAAAAAAAAAAAAAAAAAAAAAAAAAEAAABQAAAAAAAAAAAA4D8AAAAAAADgPwAAAAAAAOA/AAAAAAAA4D8AAAAAAADgPwAAAAAAAOA/AAAAAAAA4D8AAAAAAADgPwAAAAAAAOA/AAAAAAAA4D8CAAAAjAAAAAAAAAAAAAAA////AP///wgAAAAAAAAAAAAAAAAAAAAAAAAAAAAAAAAAAAAAeAAAAAEAAABAAAAAAAAAAAAAAABaAAAAAAAAAAAAAAAAAAAAAAAAAAAAAAAAAAAAAAAAAAAAAAAAAAAAAAAAAAAAAAAAAAAAAAAAAAAAAAAAAAAAAAAAAAAAAAAAAAAAFAAAADwAAAAAAAAAAAAAAAAAAAAPAAAAAQAAACMAAAAjAAAAIwAAAB4AAAAAAAAAZAAAAGQAAAAAAAAAZAAAAGQAAAAVAAAAYAAAAAAAAAAAAAAADwAAACADAAAAAAAAAAAAAAEAAACgMgAAVgcAAKr4//8BAAAAf39/AAEAAABkAAAAAAAAABQAAABAHwAAAAAAACYAAAAAAAAAwOD//wAAAAAmAAAAZAAAABYAAABMAAAAAAAAAAAAAAAEAAAAAAAAAAEAAADu7OEKAAAAACgAAAAoAAAAZAAAAGQAAAAAAAAAzMzMAAAAAABQAAAAUAAAAGQAAABkAAAAAAAAABcAAAAUAAAAAAAAAAAAAAD/fwAA/38AAAAAAAAJAAAABAAAAAAAAAAMAAAAEAAAAAAAAAAAAAAAAAAAAAAAAAAeAAAAaAAAAAAAAAAAAAAAAAAAAAAAAAAAAAAAECcAABAnAAAAAAAAAAAAAAAAAAAAAAAAAAAAAAAAAAAAAAAAAAAAABQAAAAAAAAAwMD/AAAAAABkAAAAMgAAAAAAAABkAAAAAAAAAH9/fwAKAAAAHwAAAFQAAAD///8AAAAAAQAAAAAAAAAAAAAAAAAAAAAAAAAAAAAAAAAAAAAAAAAAAAAAAH9/fwAAAAADzMzMAMDA/wB/f38AAAAAAAAAAAAAAAAAAAAAAAAAAAAhAAAAGAAAABQAAADQAgAA3wkAAIQbAACKFQAAEAAAACYAAAAIAAAAPQAAAAAAAAA="/>
+                <pr:smNativeData xmlns="" xmlns:p14="http://schemas.microsoft.com/office/powerpoint/2010/main" xmlns:pr="smNativeData" val="SMDATA_13_aDXlXhMAAAAlAAAAZAAAAA0AAAAAAAAAAAAAAAAAAAAAAAAAAAAAAAAAAAAAAAAAAAEAAABQAAAAAAAAAAAA4D8AAAAAAADgPwAAAAAAAOA/AAAAAAAA4D8AAAAAAADgPwAAAAAAAOA/AAAAAAAA4D8AAAAAAADgPwAAAAAAAOA/AAAAAAAA4D8CAAAAjAAAAAAAAAAAAAAA////AP///wgAAAAAAAAAAAAAAAAAAAAAAAAAAAAAAAAAAAAAeAAAAAEAAABAAAAAAAAAAAAAAABaAAAAAAAAAAAAAAAAAAAAAAAAAAAAAAAAAAAAAAAAAAAAAAAAAAAAAAAAAAAAAAAAAAAAAAAAAAAAAAAAAAAAAAAAAAAAAAAAAAAAFAAAADwAAAAAAAAAAAAAAAAAAAAPAAAAAQAAACMAAAAjAAAAIwAAAB4AAAAAAAAAZAAAAGQAAAAAAAAAZAAAAGQAAAAVAAAAYAAAAAAAAAAAAAAADwAAACADAAAAAAAAAAAAAAEAAACgMgAAVgcAAKr4//8BAAAAf39/AAEAAABkAAAAAAAAABQAAABAHwAAAAAAACYAAAAAAAAAwOD//wAAAAAmAAAAZAAAABYAAABMAAAAAAAAAAAAAAAEAAAAAAAAAAEAAADu7OEKAAAAACgAAAAoAAAAZAAAAGQAAAAAAAAAzMzMAAAAAABQAAAAUAAAAGQAAABkAAAAAAAAABcAAAAUAAAAAAAAAAAAAAD/fwAA/38AAAAAAAAJAAAABAAAAAAAAAAMAAAAEAAAAAAAAAAAAAAAAAAAAAAAAAAeAAAAaAAAAAAAAAAAAAAAAAAAAAAAAAAAAAAAECcAABAnAAAAAAAAAAAAAAAAAAAAAAAAAAAAAAAAAAAAAAAAAAAAABQAAAAAAAAAwMD/AAAAAABkAAAAMgAAAAAAAABkAAAAAAAAAH9/fwAKAAAAHwAAAFQAAAD///8AAAAAAQAAAAAAAAAAAAAAAAAAAAAAAAAAAAAAAAAAAAAAAAAAAAAAAH9/fwAAAAADzMzMAMDA/wB/f38AAAAAAAAAAAAAAAAAAAAAAAAAAAAhAAAAGAAAABQAAADQAgAA3wkAAIQbAACKFQAAEAAAACYAAAAIAAAAPQAAAAAAAAA="/>
               </a:ext>
             </a:extLst>
           </p:cNvSpPr>
@@ -1475,7 +1476,7 @@
             <a:spLocks noGrp="1" noChangeArrowheads="1"/>
             <a:extLst>
               <a:ext uri="smNativeData">
-                <pr:smNativeData xmlns:pr="smNativeData" xmlns:p14="http://schemas.microsoft.com/office/powerpoint/2010/main" xmlns="" val="SMDATA_13_aDXlXhMAAAAlAAAAZAAAAA0AAAAAAAAAAAAAAAAAAAAAAAAAAAAAAAAAAAAAAAAAAAEAAABQAAAAAAAAAAAA4D8AAAAAAADgPwAAAAAAAOA/AAAAAAAA4D8AAAAAAADgPwAAAAAAAOA/AAAAAAAA4D8AAAAAAADgPwAAAAAAAOA/AAAAAAAA4D8CAAAAjAAAAAAAAAAAAAAA////AP///wgAAAAAAAAAAAAAAAAAAAAAAAAAAAAAAAAAAAAAeAAAAAEAAABAAAAAAAAAAAAAAABaAAAAAAAAAAAAAAAAAAAAAAAAAAAAAAAAAAAAAAAAAAAAAAAAAAAAAAAAAAAAAAAAAAAAAAAAAAAAAAAAAAAAAAAAAAAAAAAAAAAAFAAAADwAAAAAAAAAAAAAAAAAAAAPAAAAAQAAACMAAAAjAAAAIwAAAB4AAAAAAAAAZAAAAGQAAAAAAAAAZAAAAGQAAAAVAAAAYAAAAAAAAAAAAAAADwAAACADAAAAAAAAAAAAAAEAAACgMgAAVgcAAKr4//8BAAAAf39/AAEAAABkAAAAAAAAABQAAABAHwAAAAAAACYAAAAAAAAAwOD//wAAAAAmAAAAZAAAABYAAABMAAAAAAAAAAAAAAAEAAAAAAAAAAEAAADu7OEKAAAAACgAAAAoAAAAZAAAAGQAAAAAAAAAzMzMAAAAAABQAAAAUAAAAGQAAABkAAAAAAAAABcAAAAUAAAAAAAAAAAAAAD/fwAA/38AAAAAAAAJAAAABAAAAAAAAAAMAAAAEAAAAAAAAAAAAAAAAAAAAAAAAAAeAAAAaAAAAAAAAAAAAAAAAAAAAAAAAAAAAAAAECcAABAnAAAAAAAAAAAAAAAAAAAAAAAAAAAAAAAAAAAAAAAAAAAAABQAAAAAAAAAwMD/AAAAAABkAAAAMgAAAAAAAABkAAAAAAAAAH9/fwAKAAAAHwAAAFQAAAD///8AAAAAAQAAAAAAAAAAAAAAAAAAAAAAAAAAAAAAAAAAAAAAAAAAAAAAAH9/fwAAAAADzMzMAMDA/wB/f38AAAAAAAAAAAAAAAAAAAAAAAAAAAAhAAAAGAAAABQAAADBHAAA3wkAAHU1AACKFQAAEAAAACYAAAAIAAAAPQAAAAAAAAA="/>
+                <pr:smNativeData xmlns="" xmlns:p14="http://schemas.microsoft.com/office/powerpoint/2010/main" xmlns:pr="smNativeData" val="SMDATA_13_aDXlXhMAAAAlAAAAZAAAAA0AAAAAAAAAAAAAAAAAAAAAAAAAAAAAAAAAAAAAAAAAAAEAAABQAAAAAAAAAAAA4D8AAAAAAADgPwAAAAAAAOA/AAAAAAAA4D8AAAAAAADgPwAAAAAAAOA/AAAAAAAA4D8AAAAAAADgPwAAAAAAAOA/AAAAAAAA4D8CAAAAjAAAAAAAAAAAAAAA////AP///wgAAAAAAAAAAAAAAAAAAAAAAAAAAAAAAAAAAAAAeAAAAAEAAABAAAAAAAAAAAAAAABaAAAAAAAAAAAAAAAAAAAAAAAAAAAAAAAAAAAAAAAAAAAAAAAAAAAAAAAAAAAAAAAAAAAAAAAAAAAAAAAAAAAAAAAAAAAAAAAAAAAAFAAAADwAAAAAAAAAAAAAAAAAAAAPAAAAAQAAACMAAAAjAAAAIwAAAB4AAAAAAAAAZAAAAGQAAAAAAAAAZAAAAGQAAAAVAAAAYAAAAAAAAAAAAAAADwAAACADAAAAAAAAAAAAAAEAAACgMgAAVgcAAKr4//8BAAAAf39/AAEAAABkAAAAAAAAABQAAABAHwAAAAAAACYAAAAAAAAAwOD//wAAAAAmAAAAZAAAABYAAABMAAAAAAAAAAAAAAAEAAAAAAAAAAEAAADu7OEKAAAAACgAAAAoAAAAZAAAAGQAAAAAAAAAzMzMAAAAAABQAAAAUAAAAGQAAABkAAAAAAAAABcAAAAUAAAAAAAAAAAAAAD/fwAA/38AAAAAAAAJAAAABAAAAAAAAAAMAAAAEAAAAAAAAAAAAAAAAAAAAAAAAAAeAAAAaAAAAAAAAAAAAAAAAAAAAAAAAAAAAAAAECcAABAnAAAAAAAAAAAAAAAAAAAAAAAAAAAAAAAAAAAAAAAAAAAAABQAAAAAAAAAwMD/AAAAAABkAAAAMgAAAAAAAABkAAAAAAAAAH9/fwAKAAAAHwAAAFQAAAD///8AAAAAAQAAAAAAAAAAAAAAAAAAAAAAAAAAAAAAAAAAAAAAAAAAAAAAAH9/fwAAAAADzMzMAMDA/wB/f38AAAAAAAAAAAAAAAAAAAAAAAAAAAAhAAAAGAAAABQAAADBHAAA3wkAAHU1AACKFQAAEAAAACYAAAAIAAAAPQAAAAAAAAA="/>
               </a:ext>
             </a:extLst>
           </p:cNvSpPr>
@@ -1511,7 +1512,7 @@
             <a:spLocks noGrp="1" noChangeArrowheads="1"/>
             <a:extLst>
               <a:ext uri="smNativeData">
-                <pr:smNativeData xmlns:pr="smNativeData" xmlns:p14="http://schemas.microsoft.com/office/powerpoint/2010/main" xmlns="" val="SMDATA_13_aDXlXhMAAAAlAAAAZAAAAA0AAAAAAAAAAAAAAAAAAAAAAAAAAAAAAAAAAAAAAAAAAAEAAABQAAAAAAAAAAAA4D8AAAAAAADgPwAAAAAAAOA/AAAAAAAA4D8AAAAAAADgPwAAAAAAAOA/AAAAAAAA4D8AAAAAAADgPwAAAAAAAOA/AAAAAAAA4D8CAAAAjAAAAAAAAAAAAAAA////AP///wgAAAAAAAAAAAAAAAAAAAAAAAAAAAAAAAAAAAAAeAAAAAEAAABAAAAAAAAAAAAAAABaAAAAAAAAAAAAAAAAAAAAAAAAAAAAAAAAAAAAAAAAAAAAAAAAAAAAAAAAAAAAAAAAAAAAAAAAAAAAAAAAAAAAAAAAAAAAAAAAAAAAFAAAADwAAAAAAAAAAAAAAAAAAAAPAAAAAQAAACMAAAAjAAAAIwAAAB4AAAAAAAAAZAAAAGQAAAAAAAAAZAAAAGQAAAAVAAAAYAAAAAAAAAAAAAAADwAAACADAAAAAAAAAAAAAAEAAACgMgAAVgcAAKr4//8BAAAAf39/AAEAAABkAAAAAAAAABQAAABAHwAAAAAAACYAAAAAAAAAwOD//wAAAAAmAAAAZAAAABYAAABMAAAAAAAAAAAAAAAEAAAAAAAAAAEAAADu7OEKAAAAACgAAAAoAAAAZAAAAGQAAAAAAAAAzMzMAAAAAABQAAAAUAAAAGQAAABkAAAAAAAAABcAAAAUAAAAAAAAAAAAAAD/fwAA/38AAAAAAAAJAAAABAAAAAAAAAAMAAAAEAAAAAAAAAAAAAAAAAAAAAAAAAAeAAAAaAAAAAAAAAAAAAAAAAAAAAAAAAAAAAAAECcAABAnAAAAAAAAAAAAAAAAAAAAAAAAAAAAAAAAAAAAAAAAAAAAABQAAAAAAAAAwMD/AAAAAABkAAAAMgAAAAAAAABkAAAAAAAAAH9/fwAKAAAAHwAAAFQAAAD///8AAAAAAQAAAAAAAAAAAAAAAAAAAAAAAAAAAAAAAAAAAAAAAAAAAAAAAH9/fwAAAAADzMzMAMDA/wB/f38AAAAAAAAAAAAAAAAAAAAAAAAAAAAhAAAAGAAAABQAAADBHAAApxYAAHU1AABSIgAAEAAAACYAAAAIAAAAPQAAAAAAAAA="/>
+                <pr:smNativeData xmlns="" xmlns:p14="http://schemas.microsoft.com/office/powerpoint/2010/main" xmlns:pr="smNativeData" val="SMDATA_13_aDXlXhMAAAAlAAAAZAAAAA0AAAAAAAAAAAAAAAAAAAAAAAAAAAAAAAAAAAAAAAAAAAEAAABQAAAAAAAAAAAA4D8AAAAAAADgPwAAAAAAAOA/AAAAAAAA4D8AAAAAAADgPwAAAAAAAOA/AAAAAAAA4D8AAAAAAADgPwAAAAAAAOA/AAAAAAAA4D8CAAAAjAAAAAAAAAAAAAAA////AP///wgAAAAAAAAAAAAAAAAAAAAAAAAAAAAAAAAAAAAAeAAAAAEAAABAAAAAAAAAAAAAAABaAAAAAAAAAAAAAAAAAAAAAAAAAAAAAAAAAAAAAAAAAAAAAAAAAAAAAAAAAAAAAAAAAAAAAAAAAAAAAAAAAAAAAAAAAAAAAAAAAAAAFAAAADwAAAAAAAAAAAAAAAAAAAAPAAAAAQAAACMAAAAjAAAAIwAAAB4AAAAAAAAAZAAAAGQAAAAAAAAAZAAAAGQAAAAVAAAAYAAAAAAAAAAAAAAADwAAACADAAAAAAAAAAAAAAEAAACgMgAAVgcAAKr4//8BAAAAf39/AAEAAABkAAAAAAAAABQAAABAHwAAAAAAACYAAAAAAAAAwOD//wAAAAAmAAAAZAAAABYAAABMAAAAAAAAAAAAAAAEAAAAAAAAAAEAAADu7OEKAAAAACgAAAAoAAAAZAAAAGQAAAAAAAAAzMzMAAAAAABQAAAAUAAAAGQAAABkAAAAAAAAABcAAAAUAAAAAAAAAAAAAAD/fwAA/38AAAAAAAAJAAAABAAAAAAAAAAMAAAAEAAAAAAAAAAAAAAAAAAAAAAAAAAeAAAAaAAAAAAAAAAAAAAAAAAAAAAAAAAAAAAAECcAABAnAAAAAAAAAAAAAAAAAAAAAAAAAAAAAAAAAAAAAAAAAAAAABQAAAAAAAAAwMD/AAAAAABkAAAAMgAAAAAAAABkAAAAAAAAAH9/fwAKAAAAHwAAAFQAAAD///8AAAAAAQAAAAAAAAAAAAAAAAAAAAAAAAAAAAAAAAAAAAAAAAAAAAAAAH9/fwAAAAADzMzMAMDA/wB/f38AAAAAAAAAAAAAAAAAAAAAAAAAAAAhAAAAGAAAABQAAADBHAAApxYAAHU1AABSIgAAEAAAACYAAAAIAAAAPQAAAAAAAAA="/>
               </a:ext>
             </a:extLst>
           </p:cNvSpPr>
@@ -1547,7 +1548,7 @@
             <a:spLocks noGrp="1" noChangeArrowheads="1"/>
             <a:extLst>
               <a:ext uri="smNativeData">
-                <pr:smNativeData xmlns:pr="smNativeData" xmlns:p14="http://schemas.microsoft.com/office/powerpoint/2010/main" xmlns="" val="SMDATA_13_aDXlXhMAAAAlAAAAZAAAAA0AAAAAAAAAAAAAAAAAAAAAAAAAAAAAAAAAAAAAAAAAAAEAAABQAAAAAAAAAAAA4D8AAAAAAADgPwAAAAAAAOA/AAAAAAAA4D8AAAAAAADgPwAAAAAAAOA/AAAAAAAA4D8AAAAAAADgPwAAAAAAAOA/AAAAAAAA4D8CAAAAjAAAAAAAAAAAAAAA////AP///wgAAAAAAAAAAAAAAAAAAAAAAAAAAAAAAAAAAAAAeAAAAAEAAABAAAAAAAAAAAAAAABaAAAAAAAAAAAAAAAAAAAAAAAAAAAAAAAAAAAAAAAAAAAAAAAAAAAAAAAAAAAAAAAAAAAAAAAAAAAAAAAAAAAAAAAAAAAAAAAAAAAAFAAAADwAAAAAAAAAAAAAAAAAAAAPAAAAAQAAACMAAAAjAAAAIwAAAB4AAAAAAAAAZAAAAGQAAAAAAAAAZAAAAGQAAAAVAAAAYAAAAAAAAAAAAAAADwAAACADAAAAAAAAAAAAAAEAAACgMgAAVgcAAKr4//8BAAAAf39/AAEAAABkAAAAAAAAABQAAABAHwAAAAAAACYAAAAAAAAAwOD//wAAAAAmAAAAZAAAABYAAABMAAAAAAAAAAAAAAAEAAAAAAAAAAEAAADu7OEKAAAAACgAAAAoAAAAZAAAAGQAAAAAAAAAzMzMAAAAAABQAAAAUAAAAGQAAABkAAAAAAAAABcAAAAUAAAAAAAAAAAAAAD/fwAA/38AAAAAAAAJAAAABAAAAAAAAAAMAAAAEAAAAAAAAAAAAAAAAAAAAAAAAAAeAAAAaAAAAAAAAAAAAAAAAAAAAAAAAAAAAAAAECcAABAnAAAAAAAAAAAAAAAAAAAAAAAAAAAAAAAAAAAAAAAAAAAAABQAAAAAAAAAwMD/AAAAAABkAAAAMgAAAAAAAABkAAAAAAAAAH9/fwAKAAAAHwAAAFQAAAD///8AAAAAAQAAAAAAAAAAAAAAAAAAAAAAAAAAAAAAAAAAAAAAAAAAAAAAAH9/fwAAAAADzMzMAMDA/wB/f38AAAAAAAAAAAAAAAAAAAAAAAAAAAAhAAAAGAAAABQAAADQAgAApxYAAIQbAABSIgAAEAAAACYAAAAIAAAAPQAAAAAAAAA="/>
+                <pr:smNativeData xmlns="" xmlns:p14="http://schemas.microsoft.com/office/powerpoint/2010/main" xmlns:pr="smNativeData" val="SMDATA_13_aDXlXhMAAAAlAAAAZAAAAA0AAAAAAAAAAAAAAAAAAAAAAAAAAAAAAAAAAAAAAAAAAAEAAABQAAAAAAAAAAAA4D8AAAAAAADgPwAAAAAAAOA/AAAAAAAA4D8AAAAAAADgPwAAAAAAAOA/AAAAAAAA4D8AAAAAAADgPwAAAAAAAOA/AAAAAAAA4D8CAAAAjAAAAAAAAAAAAAAA////AP///wgAAAAAAAAAAAAAAAAAAAAAAAAAAAAAAAAAAAAAeAAAAAEAAABAAAAAAAAAAAAAAABaAAAAAAAAAAAAAAAAAAAAAAAAAAAAAAAAAAAAAAAAAAAAAAAAAAAAAAAAAAAAAAAAAAAAAAAAAAAAAAAAAAAAAAAAAAAAAAAAAAAAFAAAADwAAAAAAAAAAAAAAAAAAAAPAAAAAQAAACMAAAAjAAAAIwAAAB4AAAAAAAAAZAAAAGQAAAAAAAAAZAAAAGQAAAAVAAAAYAAAAAAAAAAAAAAADwAAACADAAAAAAAAAAAAAAEAAACgMgAAVgcAAKr4//8BAAAAf39/AAEAAABkAAAAAAAAABQAAABAHwAAAAAAACYAAAAAAAAAwOD//wAAAAAmAAAAZAAAABYAAABMAAAAAAAAAAAAAAAEAAAAAAAAAAEAAADu7OEKAAAAACgAAAAoAAAAZAAAAGQAAAAAAAAAzMzMAAAAAABQAAAAUAAAAGQAAABkAAAAAAAAABcAAAAUAAAAAAAAAAAAAAD/fwAA/38AAAAAAAAJAAAABAAAAAAAAAAMAAAAEAAAAAAAAAAAAAAAAAAAAAAAAAAeAAAAaAAAAAAAAAAAAAAAAAAAAAAAAAAAAAAAECcAABAnAAAAAAAAAAAAAAAAAAAAAAAAAAAAAAAAAAAAAAAAAAAAABQAAAAAAAAAwMD/AAAAAABkAAAAMgAAAAAAAABkAAAAAAAAAH9/fwAKAAAAHwAAAFQAAAD///8AAAAAAQAAAAAAAAAAAAAAAAAAAAAAAAAAAAAAAAAAAAAAAAAAAAAAAH9/fwAAAAADzMzMAMDA/wB/f38AAAAAAAAAAAAAAAAAAAAAAAAAAAAhAAAAGAAAABQAAADQAgAApxYAAIQbAABSIgAAEAAAACYAAAAIAAAAPQAAAAAAAAA="/>
               </a:ext>
             </a:extLst>
           </p:cNvSpPr>
@@ -1608,7 +1609,7 @@
             <a:spLocks noGrp="1" noChangeArrowheads="1"/>
             <a:extLst>
               <a:ext uri="smNativeData">
-                <pr:smNativeData xmlns:pr="smNativeData" xmlns:p14="http://schemas.microsoft.com/office/powerpoint/2010/main" xmlns="" val="SMDATA_13_aDXlXhMAAAAlAAAAZAAAAA0AAAAAAAAAAAAAAAAAAAAAAAAAAAAAAAABAAAAAAAAAAEAAABQAAAAAAAAAAAA4D8AAAAAAADgPwAAAAAAAOA/AAAAAAAA4D8AAAAAAADgPwAAAAAAAOA/AAAAAAAA4D8AAAAAAADgPwAAAAAAAOA/AAAAAAAA4D8CAAAAjAAAAAAAAAAAAAAA////AP///wgAAAAAAAAAAAAAAAAAAAAAAAAAAAAAAAAAAAAAeAAAAAEAAABAAAAAAAAAAAAAAABaAAAAAAAAAAAAAAAAAAAAAAAAAAAAAAAAAAAAAAAAAAAAAAAAAAAAAAAAAAAAAAAAAAAAAAAAAAAAAAAAAAAAAAAAAAAAAAAAAAAAFAAAADwAAAAAAAAAAAAAAAAAAAAPAAAAAQAAACMAAAAjAAAAIwAAAB4AAAAAAAAAZAAAAGQAAAAAAAAAZAAAAGQAAAAVAAAAYAAAAAAAAAAAAAAADwAAACADAAAAAAAAAAAAAAEAAACgMgAAVgcAAKr4//8BAAAAf39/AAEAAABkAAAAAAAAABQAAABAHwAAAAAAACYAAAAAAAAAwOD//wAAAAAmAAAAZAAAABYAAABMAAAAAAAAAAAAAAAEAAAAAAAAAAEAAADu7OEKAAAAACgAAAAoAAAAZAAAAGQAAAAAAAAAzMzMAAAAAABQAAAAUAAAAGQAAABkAAAAAAAAABcAAAAUAAAAAAAAAAAAAAD/fwAA/38AAAAAAAAJAAAABAAAAAAAAAAMAAAAEAAAAAAAAAAAAAAAAAAAAAAAAAAeAAAAaAAAAAAAAAAAAAAAAAAAAAAAAAAAAAAAECcAABAnAAAAAAAAAAAAAAAAAAAAAAAAAAAAAAAAAAAAAAAAAAAAABQAAAAAAAAAwMD/AAAAAABkAAAAMgAAAAAAAABkAAAAAAAAAH9/fwAKAAAAHwAAAFQAAAD///8AAAAAAQAAAAAAAAAAAAAAAAAAAAAAAAAAAAAAAAAAAAAAAAAAAAAAAH9/fwAAAAADzMzMAMDA/wB/f38AAAAAAAAAAAAAAAAAAAAAAAAAAAAhAAAAGAAAABQAAADQAgAArwEAAG81AAC6CAAAEAAAACYAAAAIAAAAPAAAAAAAAAA="/>
+                <pr:smNativeData xmlns="" xmlns:p14="http://schemas.microsoft.com/office/powerpoint/2010/main" xmlns:pr="smNativeData" val="SMDATA_13_aDXlXhMAAAAlAAAAZAAAAA0AAAAAAAAAAAAAAAAAAAAAAAAAAAAAAAABAAAAAAAAAAEAAABQAAAAAAAAAAAA4D8AAAAAAADgPwAAAAAAAOA/AAAAAAAA4D8AAAAAAADgPwAAAAAAAOA/AAAAAAAA4D8AAAAAAADgPwAAAAAAAOA/AAAAAAAA4D8CAAAAjAAAAAAAAAAAAAAA////AP///wgAAAAAAAAAAAAAAAAAAAAAAAAAAAAAAAAAAAAAeAAAAAEAAABAAAAAAAAAAAAAAABaAAAAAAAAAAAAAAAAAAAAAAAAAAAAAAAAAAAAAAAAAAAAAAAAAAAAAAAAAAAAAAAAAAAAAAAAAAAAAAAAAAAAAAAAAAAAAAAAAAAAFAAAADwAAAAAAAAAAAAAAAAAAAAPAAAAAQAAACMAAAAjAAAAIwAAAB4AAAAAAAAAZAAAAGQAAAAAAAAAZAAAAGQAAAAVAAAAYAAAAAAAAAAAAAAADwAAACADAAAAAAAAAAAAAAEAAACgMgAAVgcAAKr4//8BAAAAf39/AAEAAABkAAAAAAAAABQAAABAHwAAAAAAACYAAAAAAAAAwOD//wAAAAAmAAAAZAAAABYAAABMAAAAAAAAAAAAAAAEAAAAAAAAAAEAAADu7OEKAAAAACgAAAAoAAAAZAAAAGQAAAAAAAAAzMzMAAAAAABQAAAAUAAAAGQAAABkAAAAAAAAABcAAAAUAAAAAAAAAAAAAAD/fwAA/38AAAAAAAAJAAAABAAAAAAAAAAMAAAAEAAAAAAAAAAAAAAAAAAAAAAAAAAeAAAAaAAAAAAAAAAAAAAAAAAAAAAAAAAAAAAAECcAABAnAAAAAAAAAAAAAAAAAAAAAAAAAAAAAAAAAAAAAAAAAAAAABQAAAAAAAAAwMD/AAAAAABkAAAAMgAAAAAAAABkAAAAAAAAAH9/fwAKAAAAHwAAAFQAAAD///8AAAAAAQAAAAAAAAAAAAAAAAAAAAAAAAAAAAAAAAAAAAAAAAAAAAAAAH9/fwAAAAADzMzMAMDA/wB/f38AAAAAAAAAAAAAAAAAAAAAAAAAAAAhAAAAGAAAABQAAADQAgAArwEAAG81AAC6CAAAEAAAACYAAAAIAAAAPAAAAAAAAAA="/>
               </a:ext>
             </a:extLst>
           </p:cNvSpPr>
@@ -1639,7 +1640,7 @@
             <a:spLocks noGrp="1" noChangeArrowheads="1"/>
             <a:extLst>
               <a:ext uri="smNativeData">
-                <pr:smNativeData xmlns:pr="smNativeData" xmlns:p14="http://schemas.microsoft.com/office/powerpoint/2010/main" xmlns="" val="SMDATA_13_aDXlXhMAAAAlAAAAZAAAAA0AAAAAAAAAAAAAAAAAAAAAAAAAAAAAAAAAAAAAAAAAAAEAAABQAAAAAAAAAAAA4D8AAAAAAADgPwAAAAAAAOA/AAAAAAAA4D8AAAAAAADgPwAAAAAAAOA/AAAAAAAA4D8AAAAAAADgPwAAAAAAAOA/AAAAAAAA4D8CAAAAjAAAAAAAAAAAAAAA////AP///wgAAAAAAAAAAAAAAAAAAAAAAAAAAAAAAAAAAAAAeAAAAAEAAABAAAAAAAAAAAAAAABaAAAAAAAAAAAAAAAAAAAAAAAAAAAAAAAAAAAAAAAAAAAAAAAAAAAAAAAAAAAAAAAAAAAAAAAAAAAAAAAAAAAAAAAAAAAAAAAAAAAAFAAAADwAAAAAAAAAAAAAAAAAAAAPAAAAAQAAACMAAAAjAAAAIwAAAB4AAAAAAAAAZAAAAGQAAAAAAAAAZAAAAGQAAAAVAAAAYAAAAAAAAAAAAAAADwAAACADAAAAAAAAAAAAAAEAAACgMgAAVgcAAKr4//8BAAAAf39/AAEAAABkAAAAAAAAABQAAABAHwAAAAAAACYAAAAAAAAAwOD//wAAAAAmAAAAZAAAABYAAABMAAAAAAAAAAAAAAAEAAAAAAAAAAEAAADu7OEKAAAAACgAAAAoAAAAZAAAAGQAAAAAAAAAzMzMAAAAAABQAAAAUAAAAGQAAABkAAAAAAAAABcAAAAUAAAAAAAAAAAAAAD/fwAA/38AAAAAAAAJAAAABAAAAAAAAAAMAAAAEAAAAAAAAAAAAAAAAAAAAAAAAAAeAAAAaAAAAAAAAAAAAAAAAAAAAAAAAAAAAAAAECcAABAnAAAAAAAAAAAAAAAAAAAAAAAAAAAAAAAAAAAAAAAAAAAAABQAAAAAAAAAwMD/AAAAAABkAAAAMgAAAAAAAABkAAAAAAAAAH9/fwAKAAAAHwAAAFQAAAD///8AAAAAAQAAAAAAAAAAAAAAAAAAAAAAAAAAAAAAAAAAAAAAAAAAAAAAAH9/fwAAAAADzMzMAMDA/wB/f38AAAAAAAAAAAAAAAAAAAAAAAAAAAAhAAAAGAAAABQAAADQAgAA3wkAAG81AABWIgAAEAAAACYAAAAIAAAAPAAAAAAAAAA="/>
+                <pr:smNativeData xmlns="" xmlns:p14="http://schemas.microsoft.com/office/powerpoint/2010/main" xmlns:pr="smNativeData" val="SMDATA_13_aDXlXhMAAAAlAAAAZAAAAA0AAAAAAAAAAAAAAAAAAAAAAAAAAAAAAAAAAAAAAAAAAAEAAABQAAAAAAAAAAAA4D8AAAAAAADgPwAAAAAAAOA/AAAAAAAA4D8AAAAAAADgPwAAAAAAAOA/AAAAAAAA4D8AAAAAAADgPwAAAAAAAOA/AAAAAAAA4D8CAAAAjAAAAAAAAAAAAAAA////AP///wgAAAAAAAAAAAAAAAAAAAAAAAAAAAAAAAAAAAAAeAAAAAEAAABAAAAAAAAAAAAAAABaAAAAAAAAAAAAAAAAAAAAAAAAAAAAAAAAAAAAAAAAAAAAAAAAAAAAAAAAAAAAAAAAAAAAAAAAAAAAAAAAAAAAAAAAAAAAAAAAAAAAFAAAADwAAAAAAAAAAAAAAAAAAAAPAAAAAQAAACMAAAAjAAAAIwAAAB4AAAAAAAAAZAAAAGQAAAAAAAAAZAAAAGQAAAAVAAAAYAAAAAAAAAAAAAAADwAAACADAAAAAAAAAAAAAAEAAACgMgAAVgcAAKr4//8BAAAAf39/AAEAAABkAAAAAAAAABQAAABAHwAAAAAAACYAAAAAAAAAwOD//wAAAAAmAAAAZAAAABYAAABMAAAAAAAAAAAAAAAEAAAAAAAAAAEAAADu7OEKAAAAACgAAAAoAAAAZAAAAGQAAAAAAAAAzMzMAAAAAABQAAAAUAAAAGQAAABkAAAAAAAAABcAAAAUAAAAAAAAAAAAAAD/fwAA/38AAAAAAAAJAAAABAAAAAAAAAAMAAAAEAAAAAAAAAAAAAAAAAAAAAAAAAAeAAAAaAAAAAAAAAAAAAAAAAAAAAAAAAAAAAAAECcAABAnAAAAAAAAAAAAAAAAAAAAAAAAAAAAAAAAAAAAAAAAAAAAABQAAAAAAAAAwMD/AAAAAABkAAAAMgAAAAAAAABkAAAAAAAAAH9/fwAKAAAAHwAAAFQAAAD///8AAAAAAQAAAAAAAAAAAAAAAAAAAAAAAAAAAAAAAAAAAAAAAAAAAAAAAH9/fwAAAAADzMzMAMDA/wB/f38AAAAAAAAAAAAAAAAAAAAAAAAAAAAhAAAAGAAAABQAAADQAgAA3wkAAG81AABWIgAAEAAAACYAAAAIAAAAPAAAAAAAAAA="/>
               </a:ext>
             </a:extLst>
           </p:cNvSpPr>
@@ -1670,7 +1671,7 @@
             <a:spLocks noGrp="1" noChangeArrowheads="1"/>
             <a:extLst>
               <a:ext uri="smNativeData">
-                <pr:smNativeData xmlns:pr="smNativeData" xmlns:p14="http://schemas.microsoft.com/office/powerpoint/2010/main" xmlns="" val="SMDATA_13_aDXlXhMAAAAlAAAAZAAAAA0AAAAAAAAAAAAAAAAAAAAAAAAAAAAAAAAAAAAAAAAAAAEAAABQAAAAAAAAAAAA4D8AAAAAAADgPwAAAAAAAOA/AAAAAAAA4D8AAAAAAADgPwAAAAAAAOA/AAAAAAAA4D8AAAAAAADgPwAAAAAAAOA/AAAAAAAA4D8CAAAAjAAAAAAAAAAAAAAA////AP///wgAAAAAAAAAAAAAAAAAAAAAAAAAAAAAAAAAAAAAeAAAAAEAAABAAAAAAAAAAAAAAABaAAAAAAAAAAAAAAAAAAAAAAAAAAAAAAAAAAAAAAAAAAAAAAAAAAAAAAAAAAAAAAAAAAAAAAAAAAAAAAAAAAAAAAAAAAAAAAAAAAAAFAAAADwAAAAAAAAAAAAAAAAAAAAPAAAAAQAAACMAAAAjAAAAIwAAAB4AAAAAAAAAZAAAAGQAAAAAAAAAZAAAAGQAAAAVAAAAYAAAAAAAAAAAAAAADwAAACADAAAAAAAAAAAAAAEAAACgMgAAVgcAAKr4//8BAAAAf39/AAEAAABkAAAAAAAAABQAAABAHwAAAAAAACYAAAAAAAAAwOD//wAAAAAmAAAAZAAAABYAAABMAAAAAAAAAAAAAAAEAAAAAAAAAAEAAADu7OEKAAAAACgAAAAoAAAAZAAAAGQAAAAAAAAAzMzMAAAAAABQAAAAUAAAAGQAAABkAAAAAAAAABcAAAAUAAAAAAAAAAAAAAD/fwAA/38AAAAAAAAJAAAABAAAAAAAAAAMAAAAEAAAAAAAAAAAAAAAAAAAAAAAAAAeAAAAaAAAAAAAAAAAAAAAAAAAAAAAAAAAAAAAECcAABAnAAAAAAAAAAAAAAAAAAAAAAAAAAAAAAAAAAAAAAAAAAAAABQAAAAAAAAAwMD/AAAAAABkAAAAMgAAAAAAAABkAAAAAAAAAH9/fwAKAAAAHwAAAFQAAAD///8AAAAAAQAAAAAAAAAAAAAAAAAAAAAAAAAAAAAAAAAAAAAAAAAAAAAAAH9/fwAAAAADzMzMAMDA/wB/f38AAAAAAAAAAAAAAAAAAAAAAAAAAAAhAAAAGAAAABQAAADQAgAA3wkAAG81AABWIgAAEAAAACYAAAAIAAAAPAAAAAAAAAA="/>
+                <pr:smNativeData xmlns="" xmlns:p14="http://schemas.microsoft.com/office/powerpoint/2010/main" xmlns:pr="smNativeData" val="SMDATA_13_aDXlXhMAAAAlAAAAZAAAAA0AAAAAAAAAAAAAAAAAAAAAAAAAAAAAAAAAAAAAAAAAAAEAAABQAAAAAAAAAAAA4D8AAAAAAADgPwAAAAAAAOA/AAAAAAAA4D8AAAAAAADgPwAAAAAAAOA/AAAAAAAA4D8AAAAAAADgPwAAAAAAAOA/AAAAAAAA4D8CAAAAjAAAAAAAAAAAAAAA////AP///wgAAAAAAAAAAAAAAAAAAAAAAAAAAAAAAAAAAAAAeAAAAAEAAABAAAAAAAAAAAAAAABaAAAAAAAAAAAAAAAAAAAAAAAAAAAAAAAAAAAAAAAAAAAAAAAAAAAAAAAAAAAAAAAAAAAAAAAAAAAAAAAAAAAAAAAAAAAAAAAAAAAAFAAAADwAAAAAAAAAAAAAAAAAAAAPAAAAAQAAACMAAAAjAAAAIwAAAB4AAAAAAAAAZAAAAGQAAAAAAAAAZAAAAGQAAAAVAAAAYAAAAAAAAAAAAAAADwAAACADAAAAAAAAAAAAAAEAAACgMgAAVgcAAKr4//8BAAAAf39/AAEAAABkAAAAAAAAABQAAABAHwAAAAAAACYAAAAAAAAAwOD//wAAAAAmAAAAZAAAABYAAABMAAAAAAAAAAAAAAAEAAAAAAAAAAEAAADu7OEKAAAAACgAAAAoAAAAZAAAAGQAAAAAAAAAzMzMAAAAAABQAAAAUAAAAGQAAABkAAAAAAAAABcAAAAUAAAAAAAAAAAAAAD/fwAA/38AAAAAAAAJAAAABAAAAAAAAAAMAAAAEAAAAAAAAAAAAAAAAAAAAAAAAAAeAAAAaAAAAAAAAAAAAAAAAAAAAAAAAAAAAAAAECcAABAnAAAAAAAAAAAAAAAAAAAAAAAAAAAAAAAAAAAAAAAAAAAAABQAAAAAAAAAwMD/AAAAAABkAAAAMgAAAAAAAABkAAAAAAAAAH9/fwAKAAAAHwAAAFQAAAD///8AAAAAAQAAAAAAAAAAAAAAAAAAAAAAAAAAAAAAAAAAAAAAAAAAAAAAAH9/fwAAAAADzMzMAMDA/wB/f38AAAAAAAAAAAAAAAAAAAAAAAAAAAAhAAAAGAAAABQAAADQAgAA3wkAAG81AABWIgAAEAAAACYAAAAIAAAAPAAAAAAAAAA="/>
               </a:ext>
             </a:extLst>
           </p:cNvSpPr>
@@ -1700,7 +1701,7 @@
           <p:cNvPicPr>
             <a:extLst>
               <a:ext uri="smNativeData">
-                <pr:smNativeData xmlns:pr="smNativeData" xmlns:p14="http://schemas.microsoft.com/office/powerpoint/2010/main" xmlns="" val="SMDATA_15_aDXlXhMAAAAlAAAAEQAAAA0AAAAAkAAAAEgAAACQAAAASAAAAAAAAAAAAAAAAAAAAAEAAABQAAAAAAAAAAAA4D8AAAAAAADgPwAAAAAAAOA/AAAAAAAA4D8AAAAAAADgPwAAAAAAAOA/AAAAAAAA4D8AAAAAAADgPwAAAAAAAOA/AAAAAAAA4D8CAAAAjAAAAAAAAAAAAAAAT4G9DP///wgAAAAAAAAAAAAAAAAAAAAAAAAAAAAAAAAAAAAAZAAAAAEAAABAAAAAAAAAAAAAAAAAAAAAAAAAAAAAAAAAAAAAAAAAAAAAAAAAAAAAAAAAAAAAAAAAAAAAAAAAAAAAAAAAAAAAAAAAAAAAAAAAAAAAAAAAAAAAAAAAAAAAFAAAADwAAAAAAAAAAAAAAAAAAAkUAAAAAQAAABQAAAAUAAAAFAAAAAEAAAAAAAAAZAAAAGQAAAAAAAAAZAAAAGQAAAAVAAAAYAAAAAAAAAAAAAAADwAAACADAAAAAAAAAAAAAAEAAACgMgAAVgcAAKr4//8BAAAAf39/AAEAAABkAAAAAAAAABQAAABAHwAAAAAAACYAAAAAAAAAwOD//wAAAAAmAAAAZAAAABYAAABMAAAAAAAAAAAAAAAEAAAAAAAAAAEAAADu7OEKAAAAACgAAAAoAAAAZAAAAGQAAAAAAAAAzMzMAAAAAABQAAAAUAAAAGQAAABkAAAAAAAAAAcAAAA4AAAAAAAAAAAAAAAAAAAA////AAAAAAAAAAAAAAAAAAAAAAAAAAAAAAAAAAAAAABkAAAAZAAAAAAAAAAjAAAABAAAAGQAAAAXAAAAFAAAAAAAAAAAAAAA/38AAP9/AAAAAAAACQAAAAQAAAAAAAAADAAAABAAAAAAAAAAAAAAAAAAAAAAAAAAHgAAAGgAAAAAAAAAAAAAAAAAAAAAAAAAAAAAABAnAAAQJwAAAAAAAAAAAAAAAAAAAAAAAAAAAAAAAAAAAAAAAAAAAAAUAAAAAAAAAMDA/wAAAAAAZAAAADIAAAAAAAAAZAAAAAAAAAB/f38ACgAAAB8AAABUAAAAAAAABQAAAAEAAAAAAAAAAAAAAAAAAAAAAAAAAAAAAAAAAAAAAAAAAAAAAAJ/f38AAAAAA8zMzADAwP8Af39/AAAAAAAAAAAAAAAAAP///wAAAAAAIQAAABgAAAAUAAAAygwAAN8JAAB0KwAAViIAABAAAAAmAAAACAAAAP//////////"/>
+                <pr:smNativeData xmlns="" xmlns:p14="http://schemas.microsoft.com/office/powerpoint/2010/main" xmlns:pr="smNativeData" val="SMDATA_15_aDXlXhMAAAAlAAAAEQAAAA0AAAAAkAAAAEgAAACQAAAASAAAAAAAAAAAAAAAAAAAAAEAAABQAAAAAAAAAAAA4D8AAAAAAADgPwAAAAAAAOA/AAAAAAAA4D8AAAAAAADgPwAAAAAAAOA/AAAAAAAA4D8AAAAAAADgPwAAAAAAAOA/AAAAAAAA4D8CAAAAjAAAAAAAAAAAAAAAT4G9DP///wgAAAAAAAAAAAAAAAAAAAAAAAAAAAAAAAAAAAAAZAAAAAEAAABAAAAAAAAAAAAAAAAAAAAAAAAAAAAAAAAAAAAAAAAAAAAAAAAAAAAAAAAAAAAAAAAAAAAAAAAAAAAAAAAAAAAAAAAAAAAAAAAAAAAAAAAAAAAAAAAAAAAAFAAAADwAAAAAAAAAAAAAAAAAAAkUAAAAAQAAABQAAAAUAAAAFAAAAAEAAAAAAAAAZAAAAGQAAAAAAAAAZAAAAGQAAAAVAAAAYAAAAAAAAAAAAAAADwAAACADAAAAAAAAAAAAAAEAAACgMgAAVgcAAKr4//8BAAAAf39/AAEAAABkAAAAAAAAABQAAABAHwAAAAAAACYAAAAAAAAAwOD//wAAAAAmAAAAZAAAABYAAABMAAAAAAAAAAAAAAAEAAAAAAAAAAEAAADu7OEKAAAAACgAAAAoAAAAZAAAAGQAAAAAAAAAzMzMAAAAAABQAAAAUAAAAGQAAABkAAAAAAAAAAcAAAA4AAAAAAAAAAAAAAAAAAAA////AAAAAAAAAAAAAAAAAAAAAAAAAAAAAAAAAAAAAABkAAAAZAAAAAAAAAAjAAAABAAAAGQAAAAXAAAAFAAAAAAAAAAAAAAA/38AAP9/AAAAAAAACQAAAAQAAAAAAAAADAAAABAAAAAAAAAAAAAAAAAAAAAAAAAAHgAAAGgAAAAAAAAAAAAAAAAAAAAAAAAAAAAAABAnAAAQJwAAAAAAAAAAAAAAAAAAAAAAAAAAAAAAAAAAAAAAAAAAAAAUAAAAAAAAAMDA/wAAAAAAZAAAADIAAAAAAAAAZAAAAAAAAAB/f38ACgAAAB8AAABUAAAAAAAABQAAAAEAAAAAAAAAAAAAAAAAAAAAAAAAAAAAAAAAAAAAAAAAAAAAAAJ/f38AAAAAA8zMzADAwP8Af39/AAAAAAAAAAAAAAAAAP///wAAAAAAIQAAABgAAAAUAAAAygwAAN8JAAB0KwAAViIAABAAAAAmAAAACAAAAP//////////"/>
               </a:ext>
             </a:extLst>
           </p:cNvPicPr>
@@ -1733,7 +1734,7 @@
           <p:cNvPicPr>
             <a:extLst>
               <a:ext uri="smNativeData">
-                <pr:smNativeData xmlns:pr="smNativeData" xmlns:p14="http://schemas.microsoft.com/office/powerpoint/2010/main" xmlns="" val="SMDATA_15_aDXlXhMAAAAlAAAAEQAAAA0AAAAAkAAAAEgAAACQAAAASAAAAAAAAAAAAAAAAAAAAAEAAABQAAAAAAAAAAAA4D8AAAAAAADgPwAAAAAAAOA/AAAAAAAA4D8AAAAAAADgPwAAAAAAAOA/AAAAAAAA4D8AAAAAAADgPwAAAAAAAOA/AAAAAAAA4D8CAAAAjAAAAAAAAAAAAAAAT4G9DP///wgAAAAAAAAAAAAAAAAAAAAAAAAAAAAAAAAAAAAAZAAAAAEAAABAAAAAAAAAAAAAAAAAAAAAAAAAAAAAAAAAAAAAAAAAAAAAAAAAAAAAAAAAAAAAAAAAAAAAAAAAAAAAAAAAAAAAAAAAAAAAAAAAAAAAAAAAAAAAAAAAAAAAFAAAADwAAAAAAAAAAAAAAAAAAAkUAAAAAQAAABQAAAAUAAAAFAAAAAEAAAAAAAAAZAAAAGQAAAAAAAAAZAAAAGQAAAAVAAAAYAAAAAAAAAAAAAAADwAAACADAAAAAAAAAAAAAAEAAACgMgAAVgcAAKr4//8BAAAAf39/AAEAAABkAAAAAAAAABQAAABAHwAAAAAAACYAAAAAAAAAwOD//wAAAAAmAAAAZAAAABYAAABMAAAAAAAAAAAAAAAEAAAAAAAAAAEAAADu7OEKAAAAACgAAAAoAAAAZAAAAGQAAAAAAAAAzMzMAAAAAABQAAAAUAAAAGQAAABkAAAAAAAAAAcAAAA4AAAAAAAAAAAAAAAAAAAA////AAAAAAAAAAAAAAAAAAAAAAAAAAAAAAAAAAAAAABkAAAAZAAAAAAAAAAjAAAABAAAAGQAAAAXAAAAFAAAAAAAAAAAAAAA/38AAP9/AAAAAAAACQAAAAQAAAAAAAAADAAAABAAAAAAAAAAAAAAAAAAAAAAAAAAHgAAAGgAAAAAAAAAAAAAAAAAAAAAAAAAAAAAABAnAAAQJwAAAAAAAAAAAAAAAAAAAAAAAAAAAAAAAAAAAAAAAAAAAAAUAAAAAAAAAMDA/wAAAAAAZAAAADIAAAAAAAAAZAAAAAAAAAB/f38ACgAAAB8AAABUAAAAAAAABQAAAAEAAAAAAAAAAAAAAAAAAAAAAAAAAAAAAAAAAAAAAAAAAAAAAAJ/f38AAAAAA8zMzADAwP8Af39/AAAAAAAAAAAAAAAAAP///wAAAAAAIQAAABgAAAAUAAAAygwAAN8JAAB0KwAAViIAABAAAAAmAAAACAAAAP//////////"/>
+                <pr:smNativeData xmlns="" xmlns:p14="http://schemas.microsoft.com/office/powerpoint/2010/main" xmlns:pr="smNativeData" val="SMDATA_15_aDXlXhMAAAAlAAAAEQAAAA0AAAAAkAAAAEgAAACQAAAASAAAAAAAAAAAAAAAAAAAAAEAAABQAAAAAAAAAAAA4D8AAAAAAADgPwAAAAAAAOA/AAAAAAAA4D8AAAAAAADgPwAAAAAAAOA/AAAAAAAA4D8AAAAAAADgPwAAAAAAAOA/AAAAAAAA4D8CAAAAjAAAAAAAAAAAAAAAT4G9DP///wgAAAAAAAAAAAAAAAAAAAAAAAAAAAAAAAAAAAAAZAAAAAEAAABAAAAAAAAAAAAAAAAAAAAAAAAAAAAAAAAAAAAAAAAAAAAAAAAAAAAAAAAAAAAAAAAAAAAAAAAAAAAAAAAAAAAAAAAAAAAAAAAAAAAAAAAAAAAAAAAAAAAAFAAAADwAAAAAAAAAAAAAAAAAAAkUAAAAAQAAABQAAAAUAAAAFAAAAAEAAAAAAAAAZAAAAGQAAAAAAAAAZAAAAGQAAAAVAAAAYAAAAAAAAAAAAAAADwAAACADAAAAAAAAAAAAAAEAAACgMgAAVgcAAKr4//8BAAAAf39/AAEAAABkAAAAAAAAABQAAABAHwAAAAAAACYAAAAAAAAAwOD//wAAAAAmAAAAZAAAABYAAABMAAAAAAAAAAAAAAAEAAAAAAAAAAEAAADu7OEKAAAAACgAAAAoAAAAZAAAAGQAAAAAAAAAzMzMAAAAAABQAAAAUAAAAGQAAABkAAAAAAAAAAcAAAA4AAAAAAAAAAAAAAAAAAAA////AAAAAAAAAAAAAAAAAAAAAAAAAAAAAAAAAAAAAABkAAAAZAAAAAAAAAAjAAAABAAAAGQAAAAXAAAAFAAAAAAAAAAAAAAA/38AAP9/AAAAAAAACQAAAAQAAAAAAAAADAAAABAAAAAAAAAAAAAAAAAAAAAAAAAAHgAAAGgAAAAAAAAAAAAAAAAAAAAAAAAAAAAAABAnAAAQJwAAAAAAAAAAAAAAAAAAAAAAAAAAAAAAAAAAAAAAAAAAAAAUAAAAAAAAAMDA/wAAAAAAZAAAADIAAAAAAAAAZAAAAAAAAAB/f38ACgAAAB8AAABUAAAAAAAABQAAAAEAAAAAAAAAAAAAAAAAAAAAAAAAAAAAAAAAAAAAAAAAAAAAAAJ/f38AAAAAA8zMzADAwP8Af39/AAAAAAAAAAAAAAAAAP///wAAAAAAIQAAABgAAAAUAAAAygwAAN8JAAB0KwAAViIAABAAAAAmAAAACAAAAP//////////"/>
               </a:ext>
             </a:extLst>
           </p:cNvPicPr>
@@ -1792,7 +1793,7 @@
             <a:spLocks noGrp="1" noChangeArrowheads="1"/>
             <a:extLst>
               <a:ext uri="smNativeData">
-                <pr:smNativeData xmlns:pr="smNativeData" xmlns:p14="http://schemas.microsoft.com/office/powerpoint/2010/main" xmlns="" val="SMDATA_13_aDXlXhMAAAAlAAAAZAAAAA0AAAAAAAAAAAAAAAAAAAAAAAAAAAAAAAABAAAAAAAAAAEAAABQAAAAAAAAAAAA4D8AAAAAAADgPwAAAAAAAOA/AAAAAAAA4D8AAAAAAADgPwAAAAAAAOA/AAAAAAAA4D8AAAAAAADgPwAAAAAAAOA/AAAAAAAA4D8CAAAAjAAAAAAAAAAAAAAA////AP///wgAAAAAAAAAAAAAAAAAAAAAAAAAAAAAAAAAAAAAeAAAAAEAAABAAAAAAAAAAAAAAABaAAAAAAAAAAAAAAAAAAAAAAAAAAAAAAAAAAAAAAAAAAAAAAAAAAAAAAAAAAAAAAAAAAAAAAAAAAAAAAAAAAAAAAAAAAAAAAAAAAAAFAAAADwAAAAAAAAAAAAAAAAAAAAPAAAAAQAAACMAAAAjAAAAIwAAAB4AAAAAAAAAZAAAAGQAAAAAAAAAZAAAAGQAAAAVAAAAYAAAAAAAAAAAAAAADwAAACADAAAAAAAAAAAAAAEAAACgMgAAVgcAAKr4//8BAAAAf39/AAEAAABkAAAAAAAAABQAAABAHwAAAAAAACYAAAAAAAAAwOD//wAAAAAmAAAAZAAAABYAAABMAAAAAAAAAAAAAAAEAAAAAAAAAAEAAADu7OEKAAAAACgAAAAoAAAAZAAAAGQAAAAAAAAAzMzMAAAAAABQAAAAUAAAAGQAAABkAAAAAAAAABcAAAAUAAAAAAAAAAAAAAD/fwAA/38AAAAAAAAJAAAABAAAAAAAAAAMAAAAEAAAAAAAAAAAAAAAAAAAAAAAAAAeAAAAaAAAAAAAAAAAAAAAAAAAAAAAAAAAAAAAECcAABAnAAAAAAAAAAAAAAAAAAAAAAAAAAAAAAAAAAAAAAAAAAAAABQAAAAAAAAAwMD/AAAAAABkAAAAMgAAAAAAAABkAAAAAAAAAH9/fwAKAAAAHwAAAFQAAAD///8AAAAAAQAAAAAAAAAAAAAAAAAAAAAAAAAAAAAAAAAAAAAAAAAAAAAAAH9/fwAAAAADzMzMAMDA/wB/f38AAAAAAAAAAAAAAAAAAAAAAAAAAAAhAAAAGAAAABQAAADQAgAArwEAAG81AAC6CAAAEAAAACYAAAAIAAAAPAAAAAAAAAA="/>
+                <pr:smNativeData xmlns="" xmlns:p14="http://schemas.microsoft.com/office/powerpoint/2010/main" xmlns:pr="smNativeData" val="SMDATA_13_aDXlXhMAAAAlAAAAZAAAAA0AAAAAAAAAAAAAAAAAAAAAAAAAAAAAAAABAAAAAAAAAAEAAABQAAAAAAAAAAAA4D8AAAAAAADgPwAAAAAAAOA/AAAAAAAA4D8AAAAAAADgPwAAAAAAAOA/AAAAAAAA4D8AAAAAAADgPwAAAAAAAOA/AAAAAAAA4D8CAAAAjAAAAAAAAAAAAAAA////AP///wgAAAAAAAAAAAAAAAAAAAAAAAAAAAAAAAAAAAAAeAAAAAEAAABAAAAAAAAAAAAAAABaAAAAAAAAAAAAAAAAAAAAAAAAAAAAAAAAAAAAAAAAAAAAAAAAAAAAAAAAAAAAAAAAAAAAAAAAAAAAAAAAAAAAAAAAAAAAAAAAAAAAFAAAADwAAAAAAAAAAAAAAAAAAAAPAAAAAQAAACMAAAAjAAAAIwAAAB4AAAAAAAAAZAAAAGQAAAAAAAAAZAAAAGQAAAAVAAAAYAAAAAAAAAAAAAAADwAAACADAAAAAAAAAAAAAAEAAACgMgAAVgcAAKr4//8BAAAAf39/AAEAAABkAAAAAAAAABQAAABAHwAAAAAAACYAAAAAAAAAwOD//wAAAAAmAAAAZAAAABYAAABMAAAAAAAAAAAAAAAEAAAAAAAAAAEAAADu7OEKAAAAACgAAAAoAAAAZAAAAGQAAAAAAAAAzMzMAAAAAABQAAAAUAAAAGQAAABkAAAAAAAAABcAAAAUAAAAAAAAAAAAAAD/fwAA/38AAAAAAAAJAAAABAAAAAAAAAAMAAAAEAAAAAAAAAAAAAAAAAAAAAAAAAAeAAAAaAAAAAAAAAAAAAAAAAAAAAAAAAAAAAAAECcAABAnAAAAAAAAAAAAAAAAAAAAAAAAAAAAAAAAAAAAAAAAAAAAABQAAAAAAAAAwMD/AAAAAABkAAAAMgAAAAAAAABkAAAAAAAAAH9/fwAKAAAAHwAAAFQAAAD///8AAAAAAQAAAAAAAAAAAAAAAAAAAAAAAAAAAAAAAAAAAAAAAAAAAAAAAH9/fwAAAAADzMzMAMDA/wB/f38AAAAAAAAAAAAAAAAAAAAAAAAAAAAhAAAAGAAAABQAAADQAgAArwEAAG81AAC6CAAAEAAAACYAAAAIAAAAPAAAAAAAAAA="/>
               </a:ext>
             </a:extLst>
           </p:cNvSpPr>
@@ -1823,7 +1824,7 @@
             <a:spLocks noGrp="1" noChangeArrowheads="1"/>
             <a:extLst>
               <a:ext uri="smNativeData">
-                <pr:smNativeData xmlns:pr="smNativeData" xmlns:p14="http://schemas.microsoft.com/office/powerpoint/2010/main" xmlns="" val="SMDATA_13_aDXlXhMAAAAlAAAAZAAAAA0AAAAAAAAAAAAAAAAAAAAAAAAAAAAAAAABAAAAAAAAAAEAAABQAAAAAAAAAAAA4D8AAAAAAADgPwAAAAAAAOA/AAAAAAAA4D8AAAAAAADgPwAAAAAAAOA/AAAAAAAA4D8AAAAAAADgPwAAAAAAAOA/AAAAAAAA4D8CAAAAjAAAAAAAAAAAAAAA////AP///wgAAAAAAAAAAAAAAAAAAAAAAAAAAAAAAAAAAAAAeAAAAAEAAABAAAAAAAAAAAAAAABaAAAAAAAAAAAAAAAAAAAAAAAAAAAAAAAAAAAAAAAAAAAAAAAAAAAAAAAAAAAAAAAAAAAAAAAAAAAAAAAAAAAAAAAAAAAAAAAAAAAAFAAAADwAAAAAAAAAAAAAAAAAAAAPAAAAAQAAACMAAAAjAAAAIwAAAB4AAAAAAAAAZAAAAGQAAAAAAAAAZAAAAGQAAAAVAAAAYAAAAAAAAAAAAAAADwAAACADAAAAAAAAAAAAAAEAAACgMgAAVgcAAKr4//8BAAAAf39/AAEAAABkAAAAAAAAABQAAABAHwAAAAAAACYAAAAAAAAAwOD//wAAAAAmAAAAZAAAABYAAABMAAAAAAAAAAAAAAAEAAAAAAAAAAEAAADu7OEKAAAAACgAAAAoAAAAZAAAAGQAAAAAAAAAzMzMAAAAAABQAAAAUAAAAGQAAABkAAAAAAAAABcAAAAUAAAAAAAAAAAAAAD/fwAA/38AAAAAAAAJAAAABAAAAAAAAAAMAAAAEAAAAAAAAAAAAAAAAAAAAAAAAAAeAAAAaAAAAAAAAAAAAAAAAAAAAAAAAAAAAAAAECcAABAnAAAAAAAAAAAAAAAAAAAAAAAAAAAAAAAAAAAAAAAAAAAAABQAAAAAAAAAwMD/AAAAAABkAAAAMgAAAAAAAABkAAAAAAAAAH9/fwAKAAAAHwAAAFQAAAD///8AAAAAAQAAAAAAAAAAAAAAAAAAAAAAAAAAAAAAAAAAAAAAAAAAAAAAAH9/fwAAAAADzMzMAMDA/wB/f38AAAAAAAAAAAAAAAAAAAAAAAAAAAAhAAAAGAAAABQAAADQAgAA3wkAAG81AABXIgAAEAAAACYAAAAIAAAAvYAAAAAAAAA="/>
+                <pr:smNativeData xmlns="" xmlns:p14="http://schemas.microsoft.com/office/powerpoint/2010/main" xmlns:pr="smNativeData" val="SMDATA_13_aDXlXhMAAAAlAAAAZAAAAA0AAAAAAAAAAAAAAAAAAAAAAAAAAAAAAAABAAAAAAAAAAEAAABQAAAAAAAAAAAA4D8AAAAAAADgPwAAAAAAAOA/AAAAAAAA4D8AAAAAAADgPwAAAAAAAOA/AAAAAAAA4D8AAAAAAADgPwAAAAAAAOA/AAAAAAAA4D8CAAAAjAAAAAAAAAAAAAAA////AP///wgAAAAAAAAAAAAAAAAAAAAAAAAAAAAAAAAAAAAAeAAAAAEAAABAAAAAAAAAAAAAAABaAAAAAAAAAAAAAAAAAAAAAAAAAAAAAAAAAAAAAAAAAAAAAAAAAAAAAAAAAAAAAAAAAAAAAAAAAAAAAAAAAAAAAAAAAAAAAAAAAAAAFAAAADwAAAAAAAAAAAAAAAAAAAAPAAAAAQAAACMAAAAjAAAAIwAAAB4AAAAAAAAAZAAAAGQAAAAAAAAAZAAAAGQAAAAVAAAAYAAAAAAAAAAAAAAADwAAACADAAAAAAAAAAAAAAEAAACgMgAAVgcAAKr4//8BAAAAf39/AAEAAABkAAAAAAAAABQAAABAHwAAAAAAACYAAAAAAAAAwOD//wAAAAAmAAAAZAAAABYAAABMAAAAAAAAAAAAAAAEAAAAAAAAAAEAAADu7OEKAAAAACgAAAAoAAAAZAAAAGQAAAAAAAAAzMzMAAAAAABQAAAAUAAAAGQAAABkAAAAAAAAABcAAAAUAAAAAAAAAAAAAAD/fwAA/38AAAAAAAAJAAAABAAAAAAAAAAMAAAAEAAAAAAAAAAAAAAAAAAAAAAAAAAeAAAAaAAAAAAAAAAAAAAAAAAAAAAAAAAAAAAAECcAABAnAAAAAAAAAAAAAAAAAAAAAAAAAAAAAAAAAAAAAAAAAAAAABQAAAAAAAAAwMD/AAAAAABkAAAAMgAAAAAAAABkAAAAAAAAAH9/fwAKAAAAHwAAAFQAAAD///8AAAAAAQAAAAAAAAAAAAAAAAAAAAAAAAAAAAAAAAAAAAAAAAAAAAAAAH9/fwAAAAADzMzMAMDA/wB/f38AAAAAAAAAAAAAAAAAAAAAAAAAAAAhAAAAGAAAABQAAADQAgAA3wkAAG81AABXIgAAEAAAACYAAAAIAAAAvYAAAAAAAAA="/>
               </a:ext>
             </a:extLst>
           </p:cNvSpPr>
@@ -1912,7 +1913,7 @@
             <a:spLocks noGrp="1" noChangeArrowheads="1"/>
             <a:extLst>
               <a:ext uri="smNativeData">
-                <pr:smNativeData xmlns:pr="smNativeData" xmlns:p14="http://schemas.microsoft.com/office/powerpoint/2010/main" xmlns="" val="SMDATA_13_aDXlXhMAAAAlAAAAZAAAAA0AAAAAAAAAAAAAAAAAAAAAAAAAAAAAAAABAAAAAAAAAAEAAABQAAAAAAAAAAAA4D8AAAAAAADgPwAAAAAAAOA/AAAAAAAA4D8AAAAAAADgPwAAAAAAAOA/AAAAAAAA4D8AAAAAAADgPwAAAAAAAOA/AAAAAAAA4D8CAAAAjAAAAAAAAAAAAAAA////AP///wgAAAAAAAAAAAAAAAAAAAAAAAAAAAAAAAAAAAAAeAAAAAEAAABAAAAAAAAAAAAAAABaAAAAAAAAAAAAAAAAAAAAAAAAAAAAAAAAAAAAAAAAAAAAAAAAAAAAAAAAAAAAAAAAAAAAAAAAAAAAAAAAAAAAAAAAAAAAAAAAAAAAFAAAADwAAAAAAAAAAAAAAAAAAAAPAAAAAQAAACMAAAAjAAAAIwAAAB4AAAAAAAAAZAAAAGQAAAAAAAAAZAAAAGQAAAAVAAAAYAAAAAAAAAAAAAAADwAAACADAAAAAAAAAAAAAAEAAACgMgAAVgcAAKr4//8BAAAAf39/AAEAAABkAAAAAAAAABQAAABAHwAAAAAAACYAAAAAAAAAwOD//wAAAAAmAAAAZAAAABYAAABMAAAAAAAAAAAAAAAEAAAAAAAAAAEAAADu7OEKAAAAACgAAAAoAAAAZAAAAGQAAAAAAAAAzMzMAAAAAABQAAAAUAAAAGQAAABkAAAAAAAAABcAAAAUAAAAAAAAAAAAAAD/fwAA/38AAAAAAAAJAAAABAAAACDNVAIMAAAAEAAAAAAAAAAAAAAAAAAAAAAAAAAeAAAAaAAAAAAAAAAAAAAAAAAAAAAAAAAAAAAAECcAABAnAAAAAAAAAAAAAAAAAAAAAAAAAAAAAAAAAAAAAAAAAAAAABQAAAAAAAAAwMD/AAAAAABkAAAAMgAAAAAAAABkAAAAAAAAAH9/fwAKAAAAHwAAAFQAAAD///8AAAAAAQAAAAAAAAAAAAAAAAAAAAAAAAAAAAAAAAAAAAAAAAAAAAAAAH9/fwAAAAADzMzMAMDA/wB/f38AAAAAAAAAAAAAAAAAAAAAAAAAAAAhAAAAGAAAABQAAADQAgAArwEAAG81AAC6CAAAEAAAACYAAAAIAAAAPAAAAAAAAAA="/>
+                <pr:smNativeData xmlns="" xmlns:p14="http://schemas.microsoft.com/office/powerpoint/2010/main" xmlns:pr="smNativeData" val="SMDATA_13_aDXlXhMAAAAlAAAAZAAAAA0AAAAAAAAAAAAAAAAAAAAAAAAAAAAAAAABAAAAAAAAAAEAAABQAAAAAAAAAAAA4D8AAAAAAADgPwAAAAAAAOA/AAAAAAAA4D8AAAAAAADgPwAAAAAAAOA/AAAAAAAA4D8AAAAAAADgPwAAAAAAAOA/AAAAAAAA4D8CAAAAjAAAAAAAAAAAAAAA////AP///wgAAAAAAAAAAAAAAAAAAAAAAAAAAAAAAAAAAAAAeAAAAAEAAABAAAAAAAAAAAAAAABaAAAAAAAAAAAAAAAAAAAAAAAAAAAAAAAAAAAAAAAAAAAAAAAAAAAAAAAAAAAAAAAAAAAAAAAAAAAAAAAAAAAAAAAAAAAAAAAAAAAAFAAAADwAAAAAAAAAAAAAAAAAAAAPAAAAAQAAACMAAAAjAAAAIwAAAB4AAAAAAAAAZAAAAGQAAAAAAAAAZAAAAGQAAAAVAAAAYAAAAAAAAAAAAAAADwAAACADAAAAAAAAAAAAAAEAAACgMgAAVgcAAKr4//8BAAAAf39/AAEAAABkAAAAAAAAABQAAABAHwAAAAAAACYAAAAAAAAAwOD//wAAAAAmAAAAZAAAABYAAABMAAAAAAAAAAAAAAAEAAAAAAAAAAEAAADu7OEKAAAAACgAAAAoAAAAZAAAAGQAAAAAAAAAzMzMAAAAAABQAAAAUAAAAGQAAABkAAAAAAAAABcAAAAUAAAAAAAAAAAAAAD/fwAA/38AAAAAAAAJAAAABAAAACDNVAIMAAAAEAAAAAAAAAAAAAAAAAAAAAAAAAAeAAAAaAAAAAAAAAAAAAAAAAAAAAAAAAAAAAAAECcAABAnAAAAAAAAAAAAAAAAAAAAAAAAAAAAAAAAAAAAAAAAAAAAABQAAAAAAAAAwMD/AAAAAABkAAAAMgAAAAAAAABkAAAAAAAAAH9/fwAKAAAAHwAAAFQAAAD///8AAAAAAQAAAAAAAAAAAAAAAAAAAAAAAAAAAAAAAAAAAAAAAAAAAAAAAH9/fwAAAAADzMzMAMDA/wB/f38AAAAAAAAAAAAAAAAAAAAAAAAAAAAhAAAAGAAAABQAAADQAgAArwEAAG81AAC6CAAAEAAAACYAAAAIAAAAPAAAAAAAAAA="/>
               </a:ext>
             </a:extLst>
           </p:cNvSpPr>
@@ -1943,7 +1944,7 @@
             <a:spLocks noGrp="1" noChangeArrowheads="1"/>
             <a:extLst>
               <a:ext uri="smNativeData">
-                <pr:smNativeData xmlns:pr="smNativeData" xmlns:p14="http://schemas.microsoft.com/office/powerpoint/2010/main" xmlns="" val="SMDATA_13_aDXlXhMAAAAlAAAAZAAAAA0AAAAAAAAAAAAAAAAAAAAAAAAAAAAAAAAAAAAAAAAAAAEAAABQAAAAAAAAAAAA4D8AAAAAAADgPwAAAAAAAOA/AAAAAAAA4D8AAAAAAADgPwAAAAAAAOA/AAAAAAAA4D8AAAAAAADgPwAAAAAAAOA/AAAAAAAA4D8CAAAAjAAAAAAAAAAAAAAA////AP///wgAAAAAAAAAAAAAAAAAAAAAAAAAAAAAAAAAAAAAeAAAAAEAAABAAAAAAAAAAAAAAABaAAAAAAAAAAAAAAAAAAAAAAAAAAAAAAAAAAAAAAAAAAAAAAAAAAAAAAAAAAAAAAAAAAAAAAAAAAAAAAAAAAAAAAAAAAAAAAAAAAAAFAAAADwAAAAAAAAAAAAAAAAAAAAPAAAAAQAAACMAAAAjAAAAIwAAAB4AAAAAAAAAZAAAAGQAAAAAAAAAZAAAAGQAAAAVAAAAYAAAAAAAAAAAAAAADwAAACADAAAAAAAAAAAAAAEAAACgMgAAVgcAAKr4//8BAAAAf39/AAEAAABkAAAAAAAAABQAAABAHwAAAAAAACYAAAAAAAAAwOD//wAAAAAmAAAAZAAAABYAAABMAAAAAAAAAAAAAAAEAAAAAAAAAAEAAADu7OEKAAAAACgAAAAoAAAAZAAAAGQAAAAAAAAAzMzMAAAAAABQAAAAUAAAAGQAAABkAAAAAAAAABcAAAAUAAAAAAAAAAAAAAD/fwAA/38AAAAAAAAJAAAABAAAAAAAAAAMAAAAEAAAAAAAAAAAAAAAAAAAAAAAAAAeAAAAaAAAAAAAAAAAAAAAAAAAAAAAAAAAAAAAECcAABAnAAAAAAAAAAAAAAAAAAAAAAAAAAAAAAAAAAAAAAAAAAAAABQAAAAAAAAAwMD/AAAAAABkAAAAMgAAAAAAAABkAAAAAAAAAH9/fwAKAAAAHwAAAFQAAAD///8AAAAAAQAAAAAAAAAAAAAAAAAAAAAAAAAAAAAAAAAAAAAAAAAAAAAAAH9/fwAAAAADzMzMAMDA/wB/f38AAAAAAAAAAAAAAAAAAAAAAAAAAAAhAAAAGAAAABQAAADQAgAA3wkAAG81AABWIgAAEAAAACYAAAAIAAAAPAAAAAAAAAA="/>
+                <pr:smNativeData xmlns="" xmlns:p14="http://schemas.microsoft.com/office/powerpoint/2010/main" xmlns:pr="smNativeData" val="SMDATA_13_aDXlXhMAAAAlAAAAZAAAAA0AAAAAAAAAAAAAAAAAAAAAAAAAAAAAAAAAAAAAAAAAAAEAAABQAAAAAAAAAAAA4D8AAAAAAADgPwAAAAAAAOA/AAAAAAAA4D8AAAAAAADgPwAAAAAAAOA/AAAAAAAA4D8AAAAAAADgPwAAAAAAAOA/AAAAAAAA4D8CAAAAjAAAAAAAAAAAAAAA////AP///wgAAAAAAAAAAAAAAAAAAAAAAAAAAAAAAAAAAAAAeAAAAAEAAABAAAAAAAAAAAAAAABaAAAAAAAAAAAAAAAAAAAAAAAAAAAAAAAAAAAAAAAAAAAAAAAAAAAAAAAAAAAAAAAAAAAAAAAAAAAAAAAAAAAAAAAAAAAAAAAAAAAAFAAAADwAAAAAAAAAAAAAAAAAAAAPAAAAAQAAACMAAAAjAAAAIwAAAB4AAAAAAAAAZAAAAGQAAAAAAAAAZAAAAGQAAAAVAAAAYAAAAAAAAAAAAAAADwAAACADAAAAAAAAAAAAAAEAAACgMgAAVgcAAKr4//8BAAAAf39/AAEAAABkAAAAAAAAABQAAABAHwAAAAAAACYAAAAAAAAAwOD//wAAAAAmAAAAZAAAABYAAABMAAAAAAAAAAAAAAAEAAAAAAAAAAEAAADu7OEKAAAAACgAAAAoAAAAZAAAAGQAAAAAAAAAzMzMAAAAAABQAAAAUAAAAGQAAABkAAAAAAAAABcAAAAUAAAAAAAAAAAAAAD/fwAA/38AAAAAAAAJAAAABAAAAAAAAAAMAAAAEAAAAAAAAAAAAAAAAAAAAAAAAAAeAAAAaAAAAAAAAAAAAAAAAAAAAAAAAAAAAAAAECcAABAnAAAAAAAAAAAAAAAAAAAAAAAAAAAAAAAAAAAAAAAAAAAAABQAAAAAAAAAwMD/AAAAAABkAAAAMgAAAAAAAABkAAAAAAAAAH9/fwAKAAAAHwAAAFQAAAD///8AAAAAAQAAAAAAAAAAAAAAAAAAAAAAAAAAAAAAAAAAAAAAAAAAAAAAAH9/fwAAAAADzMzMAMDA/wB/f38AAAAAAAAAAAAAAAAAAAAAAAAAAAAhAAAAGAAAABQAAADQAgAA3wkAAG81AABWIgAAEAAAACYAAAAIAAAAPAAAAAAAAAA="/>
               </a:ext>
             </a:extLst>
           </p:cNvSpPr>
@@ -1999,7 +2000,7 @@
             <a:spLocks noGrp="1" noChangeArrowheads="1"/>
             <a:extLst>
               <a:ext uri="smNativeData">
-                <pr:smNativeData xmlns:pr="smNativeData" xmlns:p14="http://schemas.microsoft.com/office/powerpoint/2010/main" xmlns="" val="SMDATA_13_aDXlXhMAAAAlAAAAZAAAAA0AAAAAAAAAAAAAAAAAAAAAAAAAAAAAAAABAAAAAAAAAAEAAABQAAAAAAAAAAAA4D8AAAAAAADgPwAAAAAAAOA/AAAAAAAA4D8AAAAAAADgPwAAAAAAAOA/AAAAAAAA4D8AAAAAAADgPwAAAAAAAOA/AAAAAAAA4D8CAAAAjAAAAAAAAAAAAAAA////AP///wgAAAAAAAAAAAAAAAAAAAAAAAAAAAAAAAAAAAAAeAAAAAEAAABAAAAAAAAAAAAAAABaAAAAAAAAAAAAAAAAAAAAAAAAAAAAAAAAAAAAAAAAAAAAAAAAAAAAAAAAAAAAAAAAAAAAAAAAAAAAAAAAAAAAAAAAAAAAAAAAAAAAFAAAADwAAAAAAAAAAAAAAAAAAAAPAAAAAQAAACMAAAAjAAAAIwAAAB4AAAAAAAAAZAAAAGQAAAAAAAAAZAAAAGQAAAAVAAAAYAAAAAAAAAAAAAAADwAAACADAAAAAAAAAAAAAAEAAACgMgAAVgcAAKr4//8BAAAAf39/AAEAAABkAAAAAAAAABQAAABAHwAAAAAAACYAAAAAAAAAwOD//wAAAAAmAAAAZAAAABYAAABMAAAAAAAAAAAAAAAEAAAAAAAAAAEAAADu7OEKAAAAACgAAAAoAAAAZAAAAGQAAAAAAAAAzMzMAAAAAABQAAAAUAAAAGQAAABkAAAAAAAAABcAAAAUAAAAAAAAAAAAAAD/fwAA/38AAAAAAAAJAAAABAAAAAAAAAAMAAAAEAAAAAAAAAAAAAAAAAAAAAAAAAAeAAAAaAAAAAAAAAAAAAAAAAAAAAAAAAAAAAAAECcAABAnAAAAAAAAAAAAAAAAAAAAAAAAAAAAAAAAAAAAAAAAAAAAABQAAAAAAAAAwMD/AAAAAABkAAAAMgAAAAAAAABkAAAAAAAAAH9/fwAKAAAAHwAAAFQAAAD///8AAAAAAQAAAAAAAAAAAAAAAAAAAAAAAAAAAAAAAAAAAAAAAAAAAAAAAH9/fwAAAAADzMzMAMDA/wB/f38AAAAAAAAAAAAAAAAAAAAAAAAAAAAhAAAAGAAAABQAAADQAgAArwEAAG81AAC6CAAAEAAAACYAAAAIAAAAPAAAAAAAAAA="/>
+                <pr:smNativeData xmlns="" xmlns:p14="http://schemas.microsoft.com/office/powerpoint/2010/main" xmlns:pr="smNativeData" val="SMDATA_13_aDXlXhMAAAAlAAAAZAAAAA0AAAAAAAAAAAAAAAAAAAAAAAAAAAAAAAABAAAAAAAAAAEAAABQAAAAAAAAAAAA4D8AAAAAAADgPwAAAAAAAOA/AAAAAAAA4D8AAAAAAADgPwAAAAAAAOA/AAAAAAAA4D8AAAAAAADgPwAAAAAAAOA/AAAAAAAA4D8CAAAAjAAAAAAAAAAAAAAA////AP///wgAAAAAAAAAAAAAAAAAAAAAAAAAAAAAAAAAAAAAeAAAAAEAAABAAAAAAAAAAAAAAABaAAAAAAAAAAAAAAAAAAAAAAAAAAAAAAAAAAAAAAAAAAAAAAAAAAAAAAAAAAAAAAAAAAAAAAAAAAAAAAAAAAAAAAAAAAAAAAAAAAAAFAAAADwAAAAAAAAAAAAAAAAAAAAPAAAAAQAAACMAAAAjAAAAIwAAAB4AAAAAAAAAZAAAAGQAAAAAAAAAZAAAAGQAAAAVAAAAYAAAAAAAAAAAAAAADwAAACADAAAAAAAAAAAAAAEAAACgMgAAVgcAAKr4//8BAAAAf39/AAEAAABkAAAAAAAAABQAAABAHwAAAAAAACYAAAAAAAAAwOD//wAAAAAmAAAAZAAAABYAAABMAAAAAAAAAAAAAAAEAAAAAAAAAAEAAADu7OEKAAAAACgAAAAoAAAAZAAAAGQAAAAAAAAAzMzMAAAAAABQAAAAUAAAAGQAAABkAAAAAAAAABcAAAAUAAAAAAAAAAAAAAD/fwAA/38AAAAAAAAJAAAABAAAAAAAAAAMAAAAEAAAAAAAAAAAAAAAAAAAAAAAAAAeAAAAaAAAAAAAAAAAAAAAAAAAAAAAAAAAAAAAECcAABAnAAAAAAAAAAAAAAAAAAAAAAAAAAAAAAAAAAAAAAAAAAAAABQAAAAAAAAAwMD/AAAAAABkAAAAMgAAAAAAAABkAAAAAAAAAH9/fwAKAAAAHwAAAFQAAAD///8AAAAAAQAAAAAAAAAAAAAAAAAAAAAAAAAAAAAAAAAAAAAAAAAAAAAAAH9/fwAAAAADzMzMAMDA/wB/f38AAAAAAAAAAAAAAAAAAAAAAAAAAAAhAAAAGAAAABQAAADQAgAArwEAAG81AAC6CAAAEAAAACYAAAAIAAAAPAAAAAAAAAA="/>
               </a:ext>
             </a:extLst>
           </p:cNvSpPr>
@@ -2030,7 +2031,7 @@
             <a:spLocks noGrp="1" noChangeArrowheads="1"/>
             <a:extLst>
               <a:ext uri="smNativeData">
-                <pr:smNativeData xmlns:pr="smNativeData" xmlns:p14="http://schemas.microsoft.com/office/powerpoint/2010/main" xmlns="" val="SMDATA_13_aDXlXhMAAAAlAAAAZAAAAA0AAAAAAAAAAAAAAAAAAAAAAAAAAAAAAAAAAAAAAAAAAAEAAABQAAAAAAAAAAAA4D8AAAAAAADgPwAAAAAAAOA/AAAAAAAA4D8AAAAAAADgPwAAAAAAAOA/AAAAAAAA4D8AAAAAAADgPwAAAAAAAOA/AAAAAAAA4D8CAAAAjAAAAAAAAAAAAAAA////AP///wgAAAAAAAAAAAAAAAAAAAAAAAAAAAAAAAAAAAAAeAAAAAEAAABAAAAAAAAAAAAAAABaAAAAAAAAAAAAAAAAAAAAAAAAAAAAAAAAAAAAAAAAAAAAAAAAAAAAAAAAAAAAAAAAAAAAAAAAAAAAAAAAAAAAAAAAAAAAAAAAAAAAFAAAADwAAAAAAAAAAAAAAAAAAAAPAAAAAQAAACMAAAAjAAAAIwAAAB4AAAAAAAAAZAAAAGQAAAAAAAAAZAAAAGQAAAAVAAAAYAAAAAAAAAAAAAAADwAAACADAAAAAAAAAAAAAAEAAACgMgAAVgcAAKr4//8BAAAAf39/AAEAAABkAAAAAAAAABQAAABAHwAAAAAAACYAAAAAAAAAwOD//wAAAAAmAAAAZAAAABYAAABMAAAAAAAAAAAAAAAEAAAAAAAAAAEAAADu7OEKAAAAACgAAAAoAAAAZAAAAGQAAAAAAAAAzMzMAAAAAABQAAAAUAAAAGQAAABkAAAAAAAAABcAAAAUAAAAAAAAAAAAAAD/fwAA/38AAAAAAAAJAAAABAAAAAAAAAAMAAAAEAAAAAAAAAAAAAAAAAAAAAAAAAAeAAAAaAAAAAAAAAAAAAAAAAAAAAAAAAAAAAAAECcAABAnAAAAAAAAAAAAAAAAAAAAAAAAAAAAAAAAAAAAAAAAAAAAABQAAAAAAAAAwMD/AAAAAABkAAAAMgAAAAAAAABkAAAAAAAAAH9/fwAKAAAAHwAAAFQAAAD///8AAAAAAQAAAAAAAAAAAAAAAAAAAAAAAAAAAAAAAAAAAAAAAAAAAAAAAH9/fwAAAAADzMzMAMDA/wB/f38AAAAAAAAAAAAAAAAAAAAAAAAAAAAhAAAAGAAAABQAAADQAgAA3wkAAIQbAABWIgAAEAAAACYAAAAIAAAAPQAAAAAAAAA="/>
+                <pr:smNativeData xmlns="" xmlns:p14="http://schemas.microsoft.com/office/powerpoint/2010/main" xmlns:pr="smNativeData" val="SMDATA_13_aDXlXhMAAAAlAAAAZAAAAA0AAAAAAAAAAAAAAAAAAAAAAAAAAAAAAAAAAAAAAAAAAAEAAABQAAAAAAAAAAAA4D8AAAAAAADgPwAAAAAAAOA/AAAAAAAA4D8AAAAAAADgPwAAAAAAAOA/AAAAAAAA4D8AAAAAAADgPwAAAAAAAOA/AAAAAAAA4D8CAAAAjAAAAAAAAAAAAAAA////AP///wgAAAAAAAAAAAAAAAAAAAAAAAAAAAAAAAAAAAAAeAAAAAEAAABAAAAAAAAAAAAAAABaAAAAAAAAAAAAAAAAAAAAAAAAAAAAAAAAAAAAAAAAAAAAAAAAAAAAAAAAAAAAAAAAAAAAAAAAAAAAAAAAAAAAAAAAAAAAAAAAAAAAFAAAADwAAAAAAAAAAAAAAAAAAAAPAAAAAQAAACMAAAAjAAAAIwAAAB4AAAAAAAAAZAAAAGQAAAAAAAAAZAAAAGQAAAAVAAAAYAAAAAAAAAAAAAAADwAAACADAAAAAAAAAAAAAAEAAACgMgAAVgcAAKr4//8BAAAAf39/AAEAAABkAAAAAAAAABQAAABAHwAAAAAAACYAAAAAAAAAwOD//wAAAAAmAAAAZAAAABYAAABMAAAAAAAAAAAAAAAEAAAAAAAAAAEAAADu7OEKAAAAACgAAAAoAAAAZAAAAGQAAAAAAAAAzMzMAAAAAABQAAAAUAAAAGQAAABkAAAAAAAAABcAAAAUAAAAAAAAAAAAAAD/fwAA/38AAAAAAAAJAAAABAAAAAAAAAAMAAAAEAAAAAAAAAAAAAAAAAAAAAAAAAAeAAAAaAAAAAAAAAAAAAAAAAAAAAAAAAAAAAAAECcAABAnAAAAAAAAAAAAAAAAAAAAAAAAAAAAAAAAAAAAAAAAAAAAABQAAAAAAAAAwMD/AAAAAABkAAAAMgAAAAAAAABkAAAAAAAAAH9/fwAKAAAAHwAAAFQAAAD///8AAAAAAQAAAAAAAAAAAAAAAAAAAAAAAAAAAAAAAAAAAAAAAAAAAAAAAH9/fwAAAAADzMzMAMDA/wB/f38AAAAAAAAAAAAAAAAAAAAAAAAAAAAhAAAAGAAAABQAAADQAgAA3wkAAIQbAABWIgAAEAAAACYAAAAIAAAAPQAAAAAAAAA="/>
               </a:ext>
             </a:extLst>
           </p:cNvSpPr>
@@ -2066,7 +2067,7 @@
             <a:spLocks noGrp="1" noChangeArrowheads="1"/>
             <a:extLst>
               <a:ext uri="smNativeData">
-                <pr:smNativeData xmlns:pr="smNativeData" xmlns:p14="http://schemas.microsoft.com/office/powerpoint/2010/main" xmlns="" val="SMDATA_13_aDXlXhMAAAAlAAAAZAAAAA0AAAAAAAAAAAAAAAAAAAAAAAAAAAAAAAAAAAAAAAAAAAEAAABQAAAAAAAAAAAA4D8AAAAAAADgPwAAAAAAAOA/AAAAAAAA4D8AAAAAAADgPwAAAAAAAOA/AAAAAAAA4D8AAAAAAADgPwAAAAAAAOA/AAAAAAAA4D8CAAAAjAAAAAAAAAAAAAAA////AP///wgAAAAAAAAAAAAAAAAAAAAAAAAAAAAAAAAAAAAAeAAAAAEAAABAAAAAAAAAAAAAAABaAAAAAAAAAAAAAAAAAAAAAAAAAAAAAAAAAAAAAAAAAAAAAAAAAAAAAAAAAAAAAAAAAAAAAAAAAAAAAAAAAAAAAAAAAAAAAAAAAAAAFAAAADwAAAAAAAAAAAAAAAAAAAAPAAAAAQAAACMAAAAjAAAAIwAAAB4AAAAAAAAAZAAAAGQAAAAAAAAAZAAAAGQAAAAVAAAAYAAAAAAAAAAAAAAADwAAACADAAAAAAAAAAAAAAEAAACgMgAAVgcAAKr4//8BAAAAf39/AAEAAABkAAAAAAAAABQAAABAHwAAAAAAACYAAAAAAAAAwOD//wAAAAAmAAAAZAAAABYAAABMAAAAAAAAAAAAAAAEAAAAAAAAAAEAAADu7OEKAAAAACgAAAAoAAAAZAAAAGQAAAAAAAAAzMzMAAAAAABQAAAAUAAAAGQAAABkAAAAAAAAABcAAAAUAAAAAAAAAAAAAAD/fwAA/38AAAAAAAAJAAAABAAAAAAAAAAMAAAAEAAAAAAAAAAAAAAAAAAAAAAAAAAeAAAAaAAAAAAAAAAAAAAAAAAAAAAAAAAAAAAAECcAABAnAAAAAAAAAAAAAAAAAAAAAAAAAAAAAAAAAAAAAAAAAAAAABQAAAAAAAAAwMD/AAAAAABkAAAAMgAAAAAAAABkAAAAAAAAAH9/fwAKAAAAHwAAAFQAAAD///8AAAAAAQAAAAAAAAAAAAAAAAAAAAAAAAAAAAAAAAAAAAAAAAAAAAAAAH9/fwAAAAADzMzMAMDA/wB/f38AAAAAAAAAAAAAAAAAAAAAAAAAAAAhAAAAGAAAABQAAADBHAAA3wkAAHU1AABWIgAAEAAAACYAAAAIAAAAPQAAAAAAAAA="/>
+                <pr:smNativeData xmlns="" xmlns:p14="http://schemas.microsoft.com/office/powerpoint/2010/main" xmlns:pr="smNativeData" val="SMDATA_13_aDXlXhMAAAAlAAAAZAAAAA0AAAAAAAAAAAAAAAAAAAAAAAAAAAAAAAAAAAAAAAAAAAEAAABQAAAAAAAAAAAA4D8AAAAAAADgPwAAAAAAAOA/AAAAAAAA4D8AAAAAAADgPwAAAAAAAOA/AAAAAAAA4D8AAAAAAADgPwAAAAAAAOA/AAAAAAAA4D8CAAAAjAAAAAAAAAAAAAAA////AP///wgAAAAAAAAAAAAAAAAAAAAAAAAAAAAAAAAAAAAAeAAAAAEAAABAAAAAAAAAAAAAAABaAAAAAAAAAAAAAAAAAAAAAAAAAAAAAAAAAAAAAAAAAAAAAAAAAAAAAAAAAAAAAAAAAAAAAAAAAAAAAAAAAAAAAAAAAAAAAAAAAAAAFAAAADwAAAAAAAAAAAAAAAAAAAAPAAAAAQAAACMAAAAjAAAAIwAAAB4AAAAAAAAAZAAAAGQAAAAAAAAAZAAAAGQAAAAVAAAAYAAAAAAAAAAAAAAADwAAACADAAAAAAAAAAAAAAEAAACgMgAAVgcAAKr4//8BAAAAf39/AAEAAABkAAAAAAAAABQAAABAHwAAAAAAACYAAAAAAAAAwOD//wAAAAAmAAAAZAAAABYAAABMAAAAAAAAAAAAAAAEAAAAAAAAAAEAAADu7OEKAAAAACgAAAAoAAAAZAAAAGQAAAAAAAAAzMzMAAAAAABQAAAAUAAAAGQAAABkAAAAAAAAABcAAAAUAAAAAAAAAAAAAAD/fwAA/38AAAAAAAAJAAAABAAAAAAAAAAMAAAAEAAAAAAAAAAAAAAAAAAAAAAAAAAeAAAAaAAAAAAAAAAAAAAAAAAAAAAAAAAAAAAAECcAABAnAAAAAAAAAAAAAAAAAAAAAAAAAAAAAAAAAAAAAAAAAAAAABQAAAAAAAAAwMD/AAAAAABkAAAAMgAAAAAAAABkAAAAAAAAAH9/fwAKAAAAHwAAAFQAAAD///8AAAAAAQAAAAAAAAAAAAAAAAAAAAAAAAAAAAAAAAAAAAAAAAAAAAAAAH9/fwAAAAADzMzMAMDA/wB/f38AAAAAAAAAAAAAAAAAAAAAAAAAAAAhAAAAGAAAABQAAADBHAAA3wkAAHU1AABWIgAAEAAAACYAAAAIAAAAPQAAAAAAAAA="/>
               </a:ext>
             </a:extLst>
           </p:cNvSpPr>
@@ -2127,7 +2128,7 @@
             <a:spLocks noGrp="1" noChangeArrowheads="1"/>
             <a:extLst>
               <a:ext uri="smNativeData">
-                <pr:smNativeData xmlns:pr="smNativeData" xmlns:p14="http://schemas.microsoft.com/office/powerpoint/2010/main" xmlns="" val="SMDATA_13_aDXlXhMAAAAlAAAAZAAAAA0AAAAAAAAAAAAAAAAAAAAAAAAAAAAAAAABAAAAAAAAAAEAAABQAAAAAAAAAAAA4D8AAAAAAADgPwAAAAAAAOA/AAAAAAAA4D8AAAAAAADgPwAAAAAAAOA/AAAAAAAA4D8AAAAAAADgPwAAAAAAAOA/AAAAAAAA4D8CAAAAjAAAAAAAAAAAAAAA////AP///wgAAAAAAAAAAAAAAAAAAAAAAAAAAAAAAAAAAAAAeAAAAAEAAABAAAAAAAAAAAAAAABaAAAAAAAAAAAAAAAAAAAAAAAAAAAAAAAAAAAAAAAAAAAAAAAAAAAAAAAAAAAAAAAAAAAAAAAAAAAAAAAAAAAAAAAAAAAAAAAAAAAAFAAAADwAAAAAAAAAAAAAAAAAAAAPAAAAAQAAACMAAAAjAAAAIwAAAB4AAAAAAAAAZAAAAGQAAAAAAAAAZAAAAGQAAAAVAAAAYAAAAAAAAAAAAAAADwAAACADAAAAAAAAAAAAAAEAAACgMgAAVgcAAKr4//8BAAAAf39/AAEAAABkAAAAAAAAABQAAABAHwAAAAAAACYAAAAAAAAAwOD//wAAAAAmAAAAZAAAABYAAABMAAAAAAAAAAAAAAAEAAAAAAAAAAEAAADu7OEKAAAAACgAAAAoAAAAZAAAAGQAAAAAAAAAzMzMAAAAAABQAAAAUAAAAGQAAABkAAAAAAAAABcAAAAUAAAAAAAAAAAAAAD/fwAA/38AAAAAAAAJAAAABAAAAAAAAAAMAAAAEAAAAAAAAAAAAAAAAAAAAAAAAAAeAAAAaAAAAAAAAAAAAAAAAAAAAAAAAAAAAAAAECcAABAnAAAAAAAAAAAAAAAAAAAAAAAAAAAAAAAAAAAAAAAAAAAAABQAAAAAAAAAwMD/AAAAAABkAAAAMgAAAAAAAABkAAAAAAAAAH9/fwAKAAAAHwAAAFQAAAD///8AAAAAAQAAAAAAAAAAAAAAAAAAAAAAAAAAAAAAAAAAAAAAAAAAAAAAAH9/fwAAAAADzMzMAMDA/wB/f38AAAAAAAAAAAAAAAAAAAAAAAAAAAAhAAAAGAAAABQAAADQAgAArwEAAG81AAC6CAAAEAAAACYAAAAIAAAAPAAAAAAAAAA="/>
+                <pr:smNativeData xmlns="" xmlns:p14="http://schemas.microsoft.com/office/powerpoint/2010/main" xmlns:pr="smNativeData" val="SMDATA_13_aDXlXhMAAAAlAAAAZAAAAA0AAAAAAAAAAAAAAAAAAAAAAAAAAAAAAAABAAAAAAAAAAEAAABQAAAAAAAAAAAA4D8AAAAAAADgPwAAAAAAAOA/AAAAAAAA4D8AAAAAAADgPwAAAAAAAOA/AAAAAAAA4D8AAAAAAADgPwAAAAAAAOA/AAAAAAAA4D8CAAAAjAAAAAAAAAAAAAAA////AP///wgAAAAAAAAAAAAAAAAAAAAAAAAAAAAAAAAAAAAAeAAAAAEAAABAAAAAAAAAAAAAAABaAAAAAAAAAAAAAAAAAAAAAAAAAAAAAAAAAAAAAAAAAAAAAAAAAAAAAAAAAAAAAAAAAAAAAAAAAAAAAAAAAAAAAAAAAAAAAAAAAAAAFAAAADwAAAAAAAAAAAAAAAAAAAAPAAAAAQAAACMAAAAjAAAAIwAAAB4AAAAAAAAAZAAAAGQAAAAAAAAAZAAAAGQAAAAVAAAAYAAAAAAAAAAAAAAADwAAACADAAAAAAAAAAAAAAEAAACgMgAAVgcAAKr4//8BAAAAf39/AAEAAABkAAAAAAAAABQAAABAHwAAAAAAACYAAAAAAAAAwOD//wAAAAAmAAAAZAAAABYAAABMAAAAAAAAAAAAAAAEAAAAAAAAAAEAAADu7OEKAAAAACgAAAAoAAAAZAAAAGQAAAAAAAAAzMzMAAAAAABQAAAAUAAAAGQAAABkAAAAAAAAABcAAAAUAAAAAAAAAAAAAAD/fwAA/38AAAAAAAAJAAAABAAAAAAAAAAMAAAAEAAAAAAAAAAAAAAAAAAAAAAAAAAeAAAAaAAAAAAAAAAAAAAAAAAAAAAAAAAAAAAAECcAABAnAAAAAAAAAAAAAAAAAAAAAAAAAAAAAAAAAAAAAAAAAAAAABQAAAAAAAAAwMD/AAAAAABkAAAAMgAAAAAAAABkAAAAAAAAAH9/fwAKAAAAHwAAAFQAAAD///8AAAAAAQAAAAAAAAAAAAAAAAAAAAAAAAAAAAAAAAAAAAAAAAAAAAAAAH9/fwAAAAADzMzMAMDA/wB/f38AAAAAAAAAAAAAAAAAAAAAAAAAAAAhAAAAGAAAABQAAADQAgAArwEAAG81AAC6CAAAEAAAACYAAAAIAAAAPAAAAAAAAAA="/>
               </a:ext>
             </a:extLst>
           </p:cNvSpPr>
@@ -2183,7 +2184,7 @@
             <a:spLocks noGrp="1" noChangeArrowheads="1"/>
             <a:extLst>
               <a:ext uri="smNativeData">
-                <pr:smNativeData xmlns:pr="smNativeData" xmlns:p14="http://schemas.microsoft.com/office/powerpoint/2010/main" xmlns="" val="SMDATA_13_aDXlXhMAAAAlAAAAZAAAAA0AAAAAAAAAAAAAAAAAAAAAAAAAAAAAAAABAAAAAAAAAAEAAABQAAAAAAAAAAAA4D8AAAAAAADgPwAAAAAAAOA/AAAAAAAA4D8AAAAAAADgPwAAAAAAAOA/AAAAAAAA4D8AAAAAAADgPwAAAAAAAOA/AAAAAAAA4D8CAAAAjAAAAAAAAAAAAAAA////AP///wgAAAAAAAAAAAAAAAAAAAAAAAAAAAAAAAAAAAAAeAAAAAEAAABAAAAAAAAAAAAAAABaAAAAAAAAAAAAAAAAAAAAAAAAAAAAAAAAAAAAAAAAAAAAAAAAAAAAAAAAAAAAAAAAAAAAAAAAAAAAAAAAAAAAAAAAAAAAAAAAAAAAFAAAADwAAAAAAAAAAAAAAAAAAAAPAAAAAQAAACMAAAAjAAAAIwAAAB4AAAAAAAAAZAAAAGQAAAAAAAAAZAAAAGQAAAAVAAAAYAAAAAAAAAAAAAAADwAAACADAAAAAAAAAAAAAAEAAACgMgAAVgcAAKr4//8BAAAAf39/AAEAAABkAAAAAAAAABQAAABAHwAAAAAAACYAAAAAAAAAwOD//wAAAAAmAAAAZAAAABYAAABMAAAAAAAAAAAAAAAEAAAAAAAAAAEAAADu7OEKAAAAACgAAAAoAAAAZAAAAGQAAAAAAAAAzMzMAAAAAABQAAAAUAAAAGQAAABkAAAAAAAAABcAAAAUAAAAAAAAAAAAAAD/fwAA/38AAAAAAAAJAAAABAAAAAAAAAAMAAAAEAAAAAAAAAAAAAAAAAAAAAAAAAAeAAAAaAAAAAAAAAAAAAAAAAAAAAAAAAAAAAAAECcAABAnAAAAAAAAAAAAAAAAAAAAAAAAAAAAAAAAAAAAAAAAAAAAABQAAAAAAAAAwMD/AAAAAABkAAAAMgAAAAAAAABkAAAAAAAAAH9/fwAKAAAAHwAAAFQAAAD///8AAAAAAQAAAAAAAAAAAAAAAAAAAAAAAAAAAAAAAAAAAAAAAAAAAAAAAH9/fwAAAAADzMzMAMDA/wB/f38AAAAAAAAAAAAAAAAAAAAAAAAAAAAhAAAAGAAAABQAAADQAgAArwEAAG81AABWIgAAEAAAACYAAAAIAAAAvYAAAAAAAAA="/>
+                <pr:smNativeData xmlns="" xmlns:p14="http://schemas.microsoft.com/office/powerpoint/2010/main" xmlns:pr="smNativeData" val="SMDATA_13_aDXlXhMAAAAlAAAAZAAAAA0AAAAAAAAAAAAAAAAAAAAAAAAAAAAAAAABAAAAAAAAAAEAAABQAAAAAAAAAAAA4D8AAAAAAADgPwAAAAAAAOA/AAAAAAAA4D8AAAAAAADgPwAAAAAAAOA/AAAAAAAA4D8AAAAAAADgPwAAAAAAAOA/AAAAAAAA4D8CAAAAjAAAAAAAAAAAAAAA////AP///wgAAAAAAAAAAAAAAAAAAAAAAAAAAAAAAAAAAAAAeAAAAAEAAABAAAAAAAAAAAAAAABaAAAAAAAAAAAAAAAAAAAAAAAAAAAAAAAAAAAAAAAAAAAAAAAAAAAAAAAAAAAAAAAAAAAAAAAAAAAAAAAAAAAAAAAAAAAAAAAAAAAAFAAAADwAAAAAAAAAAAAAAAAAAAAPAAAAAQAAACMAAAAjAAAAIwAAAB4AAAAAAAAAZAAAAGQAAAAAAAAAZAAAAGQAAAAVAAAAYAAAAAAAAAAAAAAADwAAACADAAAAAAAAAAAAAAEAAACgMgAAVgcAAKr4//8BAAAAf39/AAEAAABkAAAAAAAAABQAAABAHwAAAAAAACYAAAAAAAAAwOD//wAAAAAmAAAAZAAAABYAAABMAAAAAAAAAAAAAAAEAAAAAAAAAAEAAADu7OEKAAAAACgAAAAoAAAAZAAAAGQAAAAAAAAAzMzMAAAAAABQAAAAUAAAAGQAAABkAAAAAAAAABcAAAAUAAAAAAAAAAAAAAD/fwAA/38AAAAAAAAJAAAABAAAAAAAAAAMAAAAEAAAAAAAAAAAAAAAAAAAAAAAAAAeAAAAaAAAAAAAAAAAAAAAAAAAAAAAAAAAAAAAECcAABAnAAAAAAAAAAAAAAAAAAAAAAAAAAAAAAAAAAAAAAAAAAAAABQAAAAAAAAAwMD/AAAAAABkAAAAMgAAAAAAAABkAAAAAAAAAH9/fwAKAAAAHwAAAFQAAAD///8AAAAAAQAAAAAAAAAAAAAAAAAAAAAAAAAAAAAAAAAAAAAAAAAAAAAAAH9/fwAAAAADzMzMAMDA/wB/f38AAAAAAAAAAAAAAAAAAAAAAAAAAAAhAAAAGAAAABQAAADQAgAArwEAAG81AABWIgAAEAAAACYAAAAIAAAAvYAAAAAAAAA="/>
               </a:ext>
             </a:extLst>
           </p:cNvSpPr>
@@ -2272,7 +2273,7 @@
             <a:spLocks noGrp="1" noChangeArrowheads="1"/>
             <a:extLst>
               <a:ext uri="smNativeData">
-                <pr:smNativeData xmlns:pr="smNativeData" xmlns:p14="http://schemas.microsoft.com/office/powerpoint/2010/main" xmlns="" val="SMDATA_13_aDXlXhMAAAAlAAAAZAAAAA0AAAAAAAAAAAAAAAAAAAAAAAAAAAAAAAABAAAAAAAAAAEAAABQAAAAAAAAAAAA4D8AAAAAAADgPwAAAAAAAOA/AAAAAAAA4D8AAAAAAADgPwAAAAAAAOA/AAAAAAAA4D8AAAAAAADgPwAAAAAAAOA/AAAAAAAA4D8CAAAAjAAAAAAAAAAAAAAA////AP///wgAAAAAAAAAAAAAAAAAAAAAAAAAAAAAAAAAAAAAeAAAAAEAAABAAAAAAAAAAAAAAABaAAAAAAAAAAAAAAAAAAAAAAAAAAAAAAAAAAAAAAAAAAAAAAAAAAAAAAAAAAAAAAAAAAAAAAAAAAAAAAAAAAAAAAAAAAAAAAAAAAAAFAAAADwAAAAAAAAAAAAAAAAAAAAPAAAAAQAAACMAAAAjAAAAIwAAAB4AAAAAAAAAZAAAAGQAAAAAAAAAZAAAAGQAAAAVAAAAYAAAAAAAAAAAAAAADwAAACADAAAAAAAAAAAAAAEAAACgMgAAVgcAAKr4//8BAAAAf39/AAEAAABkAAAAAAAAABQAAABAHwAAAAAAACYAAAAAAAAAwOD//wAAAAAmAAAAZAAAABYAAABMAAAAAAAAAAAAAAAEAAAAAAAAAAEAAADu7OEKAAAAACgAAAAoAAAAZAAAAGQAAAAAAAAAzMzMAAAAAABQAAAAUAAAAGQAAABkAAAAAAAAABcAAAAUAAAAAAAAAAAAAAD/fwAA/38AAAAAAAAJAAAABAAAAAAAAAAMAAAAEAAAAAAAAAAAAAAAAAAAAAAAAAAeAAAAaAAAAAAAAAAAAAAAAAAAAAAAAAAAAAAAECcAABAnAAAAAAAAAAAAAAAAAAAAAAAAAAAAAAAAAAAAAAAAAAAAABQAAAAAAAAAwMD/AAAAAABkAAAAMgAAAAAAAABkAAAAAAAAAH9/fwAKAAAAHwAAAFQAAAD///8AAAAAAQAAAAAAAAAAAAAAAAAAAAAAAAAAAAAAAAAAAAAAAAAAAAAAAH9/fwAAAAADzMzMAMDA/wB/f38AAAAAAAAAAAAAAAAAAAAAAAAAAAAhAAAAGAAAABQAAADQAgAArwEAAG81AAC6CAAAEAAAACYAAAAIAAAAPAAAAAAAAAA="/>
+                <pr:smNativeData xmlns="" xmlns:p14="http://schemas.microsoft.com/office/powerpoint/2010/main" xmlns:pr="smNativeData" val="SMDATA_13_aDXlXhMAAAAlAAAAZAAAAA0AAAAAAAAAAAAAAAAAAAAAAAAAAAAAAAABAAAAAAAAAAEAAABQAAAAAAAAAAAA4D8AAAAAAADgPwAAAAAAAOA/AAAAAAAA4D8AAAAAAADgPwAAAAAAAOA/AAAAAAAA4D8AAAAAAADgPwAAAAAAAOA/AAAAAAAA4D8CAAAAjAAAAAAAAAAAAAAA////AP///wgAAAAAAAAAAAAAAAAAAAAAAAAAAAAAAAAAAAAAeAAAAAEAAABAAAAAAAAAAAAAAABaAAAAAAAAAAAAAAAAAAAAAAAAAAAAAAAAAAAAAAAAAAAAAAAAAAAAAAAAAAAAAAAAAAAAAAAAAAAAAAAAAAAAAAAAAAAAAAAAAAAAFAAAADwAAAAAAAAAAAAAAAAAAAAPAAAAAQAAACMAAAAjAAAAIwAAAB4AAAAAAAAAZAAAAGQAAAAAAAAAZAAAAGQAAAAVAAAAYAAAAAAAAAAAAAAADwAAACADAAAAAAAAAAAAAAEAAACgMgAAVgcAAKr4//8BAAAAf39/AAEAAABkAAAAAAAAABQAAABAHwAAAAAAACYAAAAAAAAAwOD//wAAAAAmAAAAZAAAABYAAABMAAAAAAAAAAAAAAAEAAAAAAAAAAEAAADu7OEKAAAAACgAAAAoAAAAZAAAAGQAAAAAAAAAzMzMAAAAAABQAAAAUAAAAGQAAABkAAAAAAAAABcAAAAUAAAAAAAAAAAAAAD/fwAA/38AAAAAAAAJAAAABAAAAAAAAAAMAAAAEAAAAAAAAAAAAAAAAAAAAAAAAAAeAAAAaAAAAAAAAAAAAAAAAAAAAAAAAAAAAAAAECcAABAnAAAAAAAAAAAAAAAAAAAAAAAAAAAAAAAAAAAAAAAAAAAAABQAAAAAAAAAwMD/AAAAAABkAAAAMgAAAAAAAABkAAAAAAAAAH9/fwAKAAAAHwAAAFQAAAD///8AAAAAAQAAAAAAAAAAAAAAAAAAAAAAAAAAAAAAAAAAAAAAAAAAAAAAAH9/fwAAAAADzMzMAMDA/wB/f38AAAAAAAAAAAAAAAAAAAAAAAAAAAAhAAAAGAAAABQAAADQAgAArwEAAG81AAC6CAAAEAAAACYAAAAIAAAAPAAAAAAAAAA="/>
               </a:ext>
             </a:extLst>
           </p:cNvSpPr>
@@ -2303,7 +2304,7 @@
             <a:spLocks noGrp="1" noChangeArrowheads="1"/>
             <a:extLst>
               <a:ext uri="smNativeData">
-                <pr:smNativeData xmlns:pr="smNativeData" xmlns:p14="http://schemas.microsoft.com/office/powerpoint/2010/main" xmlns="" val="SMDATA_13_aDXlXhMAAAAlAAAAZAAAAA0AAAAAAAAAAAAAAAAAAAAAAAAAAAAAAAAAAAAAAAAAAAEAAABQAAAAAAAAAAAA4D8AAAAAAADgPwAAAAAAAOA/AAAAAAAA4D8AAAAAAADgPwAAAAAAAOA/AAAAAAAA4D8AAAAAAADgPwAAAAAAAOA/AAAAAAAA4D8CAAAAjAAAAAAAAAAAAAAA////AP///wgAAAAAAAAAAAAAAAAAAAAAAAAAAAAAAAAAAAAAeAAAAAEAAABAAAAAAAAAAAAAAABaAAAAAAAAAAAAAAAAAAAAAAAAAAAAAAAAAAAAAAAAAAAAAAAAAAAAAAAAAAAAAAAAAAAAAAAAAAAAAAAAAAAAAAAAAAAAAAAAAAAAFAAAADwAAAAAAAAAAAAAAAAAAAAPAAAAAQAAACMAAAAjAAAAIwAAAB4AAAAAAAAAZAAAAGQAAAAAAAAAZAAAAGQAAAAVAAAAYAAAAAAAAAAAAAAADwAAACADAAAAAAAAAAAAAAEAAACgMgAAVgcAAKr4//8BAAAAf39/AAEAAABkAAAAAAAAABQAAABAHwAAAAAAACYAAAAAAAAAwOD//wAAAAAmAAAAZAAAABYAAABMAAAAAAAAAAAAAAAEAAAAAAAAAAEAAADu7OEKAAAAACgAAAAoAAAAZAAAAGQAAAAAAAAAzMzMAAAAAABQAAAAUAAAAGQAAABkAAAAAAAAABcAAAAUAAAAAAAAAAAAAAD/fwAA/38AAAAAAAAJAAAABAAAAAAAAAAMAAAAEAAAAAAAAAAAAAAAAAAAAAAAAAAeAAAAaAAAAAAAAAAAAAAAAAAAAAAAAAAAAAAAECcAABAnAAAAAAAAAAAAAAAAAAAAAAAAAAAAAAAAAAAAAAAAAAAAABQAAAAAAAAAwMD/AAAAAABkAAAAMgAAAAAAAABkAAAAAAAAAH9/fwAKAAAAHwAAAFQAAAD///8AAAAAAQAAAAAAAAAAAAAAAAAAAAAAAAAAAAAAAAAAAAAAAAAAAAAAAH9/fwAAAAADzMzMAMDA/wB/f38AAAAAAAAAAAAAAAAAAAAAAAAAAAAhAAAAGAAAABQAAADQAgAA3wkAAIQbAACKFQAAEAAAACYAAAAIAAAAPQAAAAAAAAA="/>
+                <pr:smNativeData xmlns="" xmlns:p14="http://schemas.microsoft.com/office/powerpoint/2010/main" xmlns:pr="smNativeData" val="SMDATA_13_aDXlXhMAAAAlAAAAZAAAAA0AAAAAAAAAAAAAAAAAAAAAAAAAAAAAAAAAAAAAAAAAAAEAAABQAAAAAAAAAAAA4D8AAAAAAADgPwAAAAAAAOA/AAAAAAAA4D8AAAAAAADgPwAAAAAAAOA/AAAAAAAA4D8AAAAAAADgPwAAAAAAAOA/AAAAAAAA4D8CAAAAjAAAAAAAAAAAAAAA////AP///wgAAAAAAAAAAAAAAAAAAAAAAAAAAAAAAAAAAAAAeAAAAAEAAABAAAAAAAAAAAAAAABaAAAAAAAAAAAAAAAAAAAAAAAAAAAAAAAAAAAAAAAAAAAAAAAAAAAAAAAAAAAAAAAAAAAAAAAAAAAAAAAAAAAAAAAAAAAAAAAAAAAAFAAAADwAAAAAAAAAAAAAAAAAAAAPAAAAAQAAACMAAAAjAAAAIwAAAB4AAAAAAAAAZAAAAGQAAAAAAAAAZAAAAGQAAAAVAAAAYAAAAAAAAAAAAAAADwAAACADAAAAAAAAAAAAAAEAAACgMgAAVgcAAKr4//8BAAAAf39/AAEAAABkAAAAAAAAABQAAABAHwAAAAAAACYAAAAAAAAAwOD//wAAAAAmAAAAZAAAABYAAABMAAAAAAAAAAAAAAAEAAAAAAAAAAEAAADu7OEKAAAAACgAAAAoAAAAZAAAAGQAAAAAAAAAzMzMAAAAAABQAAAAUAAAAGQAAABkAAAAAAAAABcAAAAUAAAAAAAAAAAAAAD/fwAA/38AAAAAAAAJAAAABAAAAAAAAAAMAAAAEAAAAAAAAAAAAAAAAAAAAAAAAAAeAAAAaAAAAAAAAAAAAAAAAAAAAAAAAAAAAAAAECcAABAnAAAAAAAAAAAAAAAAAAAAAAAAAAAAAAAAAAAAAAAAAAAAABQAAAAAAAAAwMD/AAAAAABkAAAAMgAAAAAAAABkAAAAAAAAAH9/fwAKAAAAHwAAAFQAAAD///8AAAAAAQAAAAAAAAAAAAAAAAAAAAAAAAAAAAAAAAAAAAAAAAAAAAAAAH9/fwAAAAADzMzMAMDA/wB/f38AAAAAAAAAAAAAAAAAAAAAAAAAAAAhAAAAGAAAABQAAADQAgAA3wkAAIQbAACKFQAAEAAAACYAAAAIAAAAPQAAAAAAAAA="/>
               </a:ext>
             </a:extLst>
           </p:cNvSpPr>
@@ -2339,7 +2340,7 @@
             <a:spLocks noGrp="1" noChangeArrowheads="1"/>
             <a:extLst>
               <a:ext uri="smNativeData">
-                <pr:smNativeData xmlns:pr="smNativeData" xmlns:p14="http://schemas.microsoft.com/office/powerpoint/2010/main" xmlns="" val="SMDATA_13_aDXlXhMAAAAlAAAAZAAAAA0AAAAAAAAAAAAAAAAAAAAAAAAAAAAAAAAAAAAAAAAAAAEAAABQAAAAAAAAAAAA4D8AAAAAAADgPwAAAAAAAOA/AAAAAAAA4D8AAAAAAADgPwAAAAAAAOA/AAAAAAAA4D8AAAAAAADgPwAAAAAAAOA/AAAAAAAA4D8CAAAAjAAAAAAAAAAAAAAA////AP///wgAAAAAAAAAAAAAAAAAAAAAAAAAAAAAAAAAAAAAeAAAAAEAAABAAAAAAAAAAAAAAABaAAAAAAAAAAAAAAAAAAAAAAAAAAAAAAAAAAAAAAAAAAAAAAAAAAAAAAAAAAAAAAAAAAAAAAAAAAAAAAAAAAAAAAAAAAAAAAAAAAAAFAAAADwAAAAAAAAAAAAAAAAAAAAPAAAAAQAAACMAAAAjAAAAIwAAAB4AAAAAAAAAZAAAAGQAAAAAAAAAZAAAAGQAAAAVAAAAYAAAAAAAAAAAAAAADwAAACADAAAAAAAAAAAAAAEAAACgMgAAVgcAAKr4//8BAAAAf39/AAEAAABkAAAAAAAAABQAAABAHwAAAAAAACYAAAAAAAAAwOD//wAAAAAmAAAAZAAAABYAAABMAAAAAAAAAAAAAAAEAAAAAAAAAAEAAADu7OEKAAAAACgAAAAoAAAAZAAAAGQAAAAAAAAAzMzMAAAAAABQAAAAUAAAAGQAAABkAAAAAAAAABcAAAAUAAAAAAAAAAAAAAD/fwAA/38AAAAAAAAJAAAABAAAAAAAAAAMAAAAEAAAAAAAAAAAAAAAAAAAAAAAAAAeAAAAaAAAAAAAAAAAAAAAAAAAAAAAAAAAAAAAECcAABAnAAAAAAAAAAAAAAAAAAAAAAAAAAAAAAAAAAAAAAAAAAAAABQAAAAAAAAAwMD/AAAAAABkAAAAMgAAAAAAAABkAAAAAAAAAH9/fwAKAAAAHwAAAFQAAAD///8AAAAAAQAAAAAAAAAAAAAAAAAAAAAAAAAAAAAAAAAAAAAAAAAAAAAAAH9/fwAAAAADzMzMAMDA/wB/f38AAAAAAAAAAAAAAAAAAAAAAAAAAAAhAAAAGAAAABQAAADQAgAApxYAAIQbAABSIgAAEAAAACYAAAAIAAAAPQAAAAAAAAA="/>
+                <pr:smNativeData xmlns="" xmlns:p14="http://schemas.microsoft.com/office/powerpoint/2010/main" xmlns:pr="smNativeData" val="SMDATA_13_aDXlXhMAAAAlAAAAZAAAAA0AAAAAAAAAAAAAAAAAAAAAAAAAAAAAAAAAAAAAAAAAAAEAAABQAAAAAAAAAAAA4D8AAAAAAADgPwAAAAAAAOA/AAAAAAAA4D8AAAAAAADgPwAAAAAAAOA/AAAAAAAA4D8AAAAAAADgPwAAAAAAAOA/AAAAAAAA4D8CAAAAjAAAAAAAAAAAAAAA////AP///wgAAAAAAAAAAAAAAAAAAAAAAAAAAAAAAAAAAAAAeAAAAAEAAABAAAAAAAAAAAAAAABaAAAAAAAAAAAAAAAAAAAAAAAAAAAAAAAAAAAAAAAAAAAAAAAAAAAAAAAAAAAAAAAAAAAAAAAAAAAAAAAAAAAAAAAAAAAAAAAAAAAAFAAAADwAAAAAAAAAAAAAAAAAAAAPAAAAAQAAACMAAAAjAAAAIwAAAB4AAAAAAAAAZAAAAGQAAAAAAAAAZAAAAGQAAAAVAAAAYAAAAAAAAAAAAAAADwAAACADAAAAAAAAAAAAAAEAAACgMgAAVgcAAKr4//8BAAAAf39/AAEAAABkAAAAAAAAABQAAABAHwAAAAAAACYAAAAAAAAAwOD//wAAAAAmAAAAZAAAABYAAABMAAAAAAAAAAAAAAAEAAAAAAAAAAEAAADu7OEKAAAAACgAAAAoAAAAZAAAAGQAAAAAAAAAzMzMAAAAAABQAAAAUAAAAGQAAABkAAAAAAAAABcAAAAUAAAAAAAAAAAAAAD/fwAA/38AAAAAAAAJAAAABAAAAAAAAAAMAAAAEAAAAAAAAAAAAAAAAAAAAAAAAAAeAAAAaAAAAAAAAAAAAAAAAAAAAAAAAAAAAAAAECcAABAnAAAAAAAAAAAAAAAAAAAAAAAAAAAAAAAAAAAAAAAAAAAAABQAAAAAAAAAwMD/AAAAAABkAAAAMgAAAAAAAABkAAAAAAAAAH9/fwAKAAAAHwAAAFQAAAD///8AAAAAAQAAAAAAAAAAAAAAAAAAAAAAAAAAAAAAAAAAAAAAAAAAAAAAAH9/fwAAAAADzMzMAMDA/wB/f38AAAAAAAAAAAAAAAAAAAAAAAAAAAAhAAAAGAAAABQAAADQAgAApxYAAIQbAABSIgAAEAAAACYAAAAIAAAAPQAAAAAAAAA="/>
               </a:ext>
             </a:extLst>
           </p:cNvSpPr>
@@ -2375,7 +2376,7 @@
             <a:spLocks noGrp="1" noChangeArrowheads="1"/>
             <a:extLst>
               <a:ext uri="smNativeData">
-                <pr:smNativeData xmlns:pr="smNativeData" xmlns:p14="http://schemas.microsoft.com/office/powerpoint/2010/main" xmlns="" val="SMDATA_13_aDXlXhMAAAAlAAAAZAAAAA0AAAAAAAAAAAAAAAAAAAAAAAAAAAAAAAAAAAAAAAAAAAEAAABQAAAAAAAAAAAA4D8AAAAAAADgPwAAAAAAAOA/AAAAAAAA4D8AAAAAAADgPwAAAAAAAOA/AAAAAAAA4D8AAAAAAADgPwAAAAAAAOA/AAAAAAAA4D8CAAAAjAAAAAAAAAAAAAAA////AP///wgAAAAAAAAAAAAAAAAAAAAAAAAAAAAAAAAAAAAAeAAAAAEAAABAAAAAAAAAAAAAAABaAAAAAAAAAAAAAAAAAAAAAAAAAAAAAAAAAAAAAAAAAAAAAAAAAAAAAAAAAAAAAAAAAAAAAAAAAAAAAAAAAAAAAAAAAAAAAAAAAAAAFAAAADwAAAAAAAAAAAAAAAAAAAAPAAAAAQAAACMAAAAjAAAAIwAAAB4AAAAAAAAAZAAAAGQAAAAAAAAAZAAAAGQAAAAVAAAAYAAAAAAAAAAAAAAADwAAACADAAAAAAAAAAAAAAEAAACgMgAAVgcAAKr4//8BAAAAf39/AAEAAABkAAAAAAAAABQAAABAHwAAAAAAACYAAAAAAAAAwOD//wAAAAAmAAAAZAAAABYAAABMAAAAAAAAAAAAAAAEAAAAAAAAAAEAAADu7OEKAAAAACgAAAAoAAAAZAAAAGQAAAAAAAAAzMzMAAAAAABQAAAAUAAAAGQAAABkAAAAAAAAABcAAAAUAAAAAAAAAAAAAAD/fwAA/38AAAAAAAAJAAAABAAAAAAAAAAMAAAAEAAAAAAAAAAAAAAAAAAAAAAAAAAeAAAAaAAAAAAAAAAAAAAAAAAAAAAAAAAAAAAAECcAABAnAAAAAAAAAAAAAAAAAAAAAAAAAAAAAAAAAAAAAAAAAAAAABQAAAAAAAAAwMD/AAAAAABkAAAAMgAAAAAAAABkAAAAAAAAAH9/fwAKAAAAHwAAAFQAAAD///8AAAAAAQAAAAAAAAAAAAAAAAAAAAAAAAAAAAAAAAAAAAAAAAAAAAAAAH9/fwAAAAADzMzMAMDA/wB/f38AAAAAAAAAAAAAAAAAAAAAAAAAAAAhAAAAGAAAABQAAADBHAAA3wkAAHU1AABWIgAAEAAAACYAAAAIAAAAPQAAAAAAAAA="/>
+                <pr:smNativeData xmlns="" xmlns:p14="http://schemas.microsoft.com/office/powerpoint/2010/main" xmlns:pr="smNativeData" val="SMDATA_13_aDXlXhMAAAAlAAAAZAAAAA0AAAAAAAAAAAAAAAAAAAAAAAAAAAAAAAAAAAAAAAAAAAEAAABQAAAAAAAAAAAA4D8AAAAAAADgPwAAAAAAAOA/AAAAAAAA4D8AAAAAAADgPwAAAAAAAOA/AAAAAAAA4D8AAAAAAADgPwAAAAAAAOA/AAAAAAAA4D8CAAAAjAAAAAAAAAAAAAAA////AP///wgAAAAAAAAAAAAAAAAAAAAAAAAAAAAAAAAAAAAAeAAAAAEAAABAAAAAAAAAAAAAAABaAAAAAAAAAAAAAAAAAAAAAAAAAAAAAAAAAAAAAAAAAAAAAAAAAAAAAAAAAAAAAAAAAAAAAAAAAAAAAAAAAAAAAAAAAAAAAAAAAAAAFAAAADwAAAAAAAAAAAAAAAAAAAAPAAAAAQAAACMAAAAjAAAAIwAAAB4AAAAAAAAAZAAAAGQAAAAAAAAAZAAAAGQAAAAVAAAAYAAAAAAAAAAAAAAADwAAACADAAAAAAAAAAAAAAEAAACgMgAAVgcAAKr4//8BAAAAf39/AAEAAABkAAAAAAAAABQAAABAHwAAAAAAACYAAAAAAAAAwOD//wAAAAAmAAAAZAAAABYAAABMAAAAAAAAAAAAAAAEAAAAAAAAAAEAAADu7OEKAAAAACgAAAAoAAAAZAAAAGQAAAAAAAAAzMzMAAAAAABQAAAAUAAAAGQAAABkAAAAAAAAABcAAAAUAAAAAAAAAAAAAAD/fwAA/38AAAAAAAAJAAAABAAAAAAAAAAMAAAAEAAAAAAAAAAAAAAAAAAAAAAAAAAeAAAAaAAAAAAAAAAAAAAAAAAAAAAAAAAAAAAAECcAABAnAAAAAAAAAAAAAAAAAAAAAAAAAAAAAAAAAAAAAAAAAAAAABQAAAAAAAAAwMD/AAAAAABkAAAAMgAAAAAAAABkAAAAAAAAAH9/fwAKAAAAHwAAAFQAAAD///8AAAAAAQAAAAAAAAAAAAAAAAAAAAAAAAAAAAAAAAAAAAAAAAAAAAAAAH9/fwAAAAADzMzMAMDA/wB/f38AAAAAAAAAAAAAAAAAAAAAAAAAAAAhAAAAGAAAABQAAADBHAAA3wkAAHU1AABWIgAAEAAAACYAAAAIAAAAPQAAAAAAAAA="/>
               </a:ext>
             </a:extLst>
           </p:cNvSpPr>
@@ -2436,7 +2437,7 @@
             <a:spLocks noGrp="1" noChangeArrowheads="1"/>
             <a:extLst>
               <a:ext uri="smNativeData">
-                <pr:smNativeData xmlns:pr="smNativeData" xmlns:p14="http://schemas.microsoft.com/office/powerpoint/2010/main" xmlns="" val="SMDATA_13_aDXlXhMAAAAlAAAAZAAAAA0AAAAAAAAAAAAAAAAAAAAAAAAAAAAAAAABAAAAAAAAAAEAAABQAAAAAAAAAAAA4D8AAAAAAADgPwAAAAAAAOA/AAAAAAAA4D8AAAAAAADgPwAAAAAAAOA/AAAAAAAA4D8AAAAAAADgPwAAAAAAAOA/AAAAAAAA4D8CAAAAjAAAAAAAAAAAAAAA////AP///wgAAAAAAAAAAAAAAAAAAAAAAAAAAAAAAAAAAAAAeAAAAAEAAABAAAAAAAAAAAAAAABaAAAAAAAAAAAAAAAAAAAAAAAAAAAAAAAAAAAAAAAAAAAAAAAAAAAAAAAAAAAAAAAAAAAAAAAAAAAAAAAAAAAAAAAAAAAAAAAAAAAAFAAAADwAAAAAAAAAAAAAAAAAAAAPAAAAAQAAACMAAAAjAAAAIwAAAB4AAAAAAAAAZAAAAGQAAAAAAAAAZAAAAGQAAAAVAAAAYAAAAAAAAAAAAAAADwAAACADAAAAAAAAAAAAAAEAAACgMgAAVgcAAKr4//8BAAAAf39/AAEAAABkAAAAAAAAABQAAABAHwAAAAAAACYAAAAAAAAAwOD//wAAAAAmAAAAZAAAABYAAABMAAAAAAAAAAAAAAAEAAAAAAAAAAEAAADu7OEKAAAAACgAAAAoAAAAZAAAAGQAAAAAAAAAzMzMAAAAAABQAAAAUAAAAGQAAABkAAAAAAAAABcAAAAUAAAAAAAAAAAAAAD/fwAA/38AAAAAAAAJAAAABAAAAAAAAAAMAAAAEAAAAAAAAAAAAAAAAAAAAAAAAAAeAAAAaAAAAAAAAAAAAAAAAAAAAAAAAAAAAAAAECcAABAnAAAAAAAAAAAAAAAAAAAAAAAAAAAAAAAAAAAAAAAAAAAAABQAAAAAAAAAwMD/AAAAAABkAAAAMgAAAAAAAABkAAAAAAAAAH9/fwAKAAAAHwAAAFQAAAD///8AAAAAAQAAAAAAAAAAAAAAAAAAAAAAAAAAAAAAAAAAAAAAAAAAAAAAAH9/fwAAAAADzMzMAMDA/wB/f38AAAAAAAAAAAAAAAAAAAAAAAAAAAAhAAAAGAAAABQAAADQAgAArwEAAG81AAC6CAAAEAAAACYAAAAIAAAAPAAAAAAAAAA="/>
+                <pr:smNativeData xmlns="" xmlns:p14="http://schemas.microsoft.com/office/powerpoint/2010/main" xmlns:pr="smNativeData" val="SMDATA_13_aDXlXhMAAAAlAAAAZAAAAA0AAAAAAAAAAAAAAAAAAAAAAAAAAAAAAAABAAAAAAAAAAEAAABQAAAAAAAAAAAA4D8AAAAAAADgPwAAAAAAAOA/AAAAAAAA4D8AAAAAAADgPwAAAAAAAOA/AAAAAAAA4D8AAAAAAADgPwAAAAAAAOA/AAAAAAAA4D8CAAAAjAAAAAAAAAAAAAAA////AP///wgAAAAAAAAAAAAAAAAAAAAAAAAAAAAAAAAAAAAAeAAAAAEAAABAAAAAAAAAAAAAAABaAAAAAAAAAAAAAAAAAAAAAAAAAAAAAAAAAAAAAAAAAAAAAAAAAAAAAAAAAAAAAAAAAAAAAAAAAAAAAAAAAAAAAAAAAAAAAAAAAAAAFAAAADwAAAAAAAAAAAAAAAAAAAAPAAAAAQAAACMAAAAjAAAAIwAAAB4AAAAAAAAAZAAAAGQAAAAAAAAAZAAAAGQAAAAVAAAAYAAAAAAAAAAAAAAADwAAACADAAAAAAAAAAAAAAEAAACgMgAAVgcAAKr4//8BAAAAf39/AAEAAABkAAAAAAAAABQAAABAHwAAAAAAACYAAAAAAAAAwOD//wAAAAAmAAAAZAAAABYAAABMAAAAAAAAAAAAAAAEAAAAAAAAAAEAAADu7OEKAAAAACgAAAAoAAAAZAAAAGQAAAAAAAAAzMzMAAAAAABQAAAAUAAAAGQAAABkAAAAAAAAABcAAAAUAAAAAAAAAAAAAAD/fwAA/38AAAAAAAAJAAAABAAAAAAAAAAMAAAAEAAAAAAAAAAAAAAAAAAAAAAAAAAeAAAAaAAAAAAAAAAAAAAAAAAAAAAAAAAAAAAAECcAABAnAAAAAAAAAAAAAAAAAAAAAAAAAAAAAAAAAAAAAAAAAAAAABQAAAAAAAAAwMD/AAAAAABkAAAAMgAAAAAAAABkAAAAAAAAAH9/fwAKAAAAHwAAAFQAAAD///8AAAAAAQAAAAAAAAAAAAAAAAAAAAAAAAAAAAAAAAAAAAAAAAAAAAAAAH9/fwAAAAADzMzMAMDA/wB/f38AAAAAAAAAAAAAAAAAAAAAAAAAAAAhAAAAGAAAABQAAADQAgAArwEAAG81AAC6CAAAEAAAACYAAAAIAAAAPAAAAAAAAAA="/>
               </a:ext>
             </a:extLst>
           </p:cNvSpPr>
@@ -2467,7 +2468,7 @@
             <a:spLocks noGrp="1" noChangeArrowheads="1"/>
             <a:extLst>
               <a:ext uri="smNativeData">
-                <pr:smNativeData xmlns:pr="smNativeData" xmlns:p14="http://schemas.microsoft.com/office/powerpoint/2010/main" xmlns="" val="SMDATA_13_aDXlXhMAAAAlAAAAZAAAAA0AAAAAAAAAAAAAAAAAAAAAAAAAAAAAAAAAAAAAAAAAAAEAAABQAAAAAAAAAAAA4D8AAAAAAADgPwAAAAAAAOA/AAAAAAAA4D8AAAAAAADgPwAAAAAAAOA/AAAAAAAA4D8AAAAAAADgPwAAAAAAAOA/AAAAAAAA4D8CAAAAjAAAAAAAAAAAAAAA////AP///wgAAAAAAAAAAAAAAAAAAAAAAAAAAAAAAAAAAAAAeAAAAAEAAABAAAAAAAAAAAAAAABaAAAAAAAAAAAAAAAAAAAAAAAAAAAAAAAAAAAAAAAAAAAAAAAAAAAAAAAAAAAAAAAAAAAAAAAAAAAAAAAAAAAAAAAAAAAAAAAAAAAAFAAAADwAAAAAAAAAAAAAAAAAAAAPAAAAAQAAACMAAAAjAAAAIwAAAB4AAAAAAAAAZAAAAGQAAAAAAAAAZAAAAGQAAAAVAAAAYAAAAAAAAAAAAAAADwAAACADAAAAAAAAAAAAAAEAAACgMgAAVgcAAKr4//8BAAAAf39/AAEAAABkAAAAAAAAABQAAABAHwAAAAAAACYAAAAAAAAAwOD//wAAAAAmAAAAZAAAABYAAABMAAAAAAAAAAAAAAAEAAAAAAAAAAEAAADu7OEKAAAAACgAAAAoAAAAZAAAAGQAAAAAAAAAzMzMAAAAAABQAAAAUAAAAGQAAABkAAAAAAAAABcAAAAUAAAAAAAAAAAAAAD/fwAA/38AAAAAAAAJAAAABAAAAAAAAAAMAAAAEAAAAAAAAAAAAAAAAAAAAAAAAAAeAAAAaAAAAAAAAAAAAAAAAAAAAAAAAAAAAAAAECcAABAnAAAAAAAAAAAAAAAAAAAAAAAAAAAAAAAAAAAAAAAAAAAAABQAAAAAAAAAwMD/AAAAAABkAAAAMgAAAAAAAABkAAAAAAAAAH9/fwAKAAAAHwAAAFQAAAD///8AAAAAAQAAAAAAAAAAAAAAAAAAAAAAAAAAAAAAAAAAAAAAAAAAAAAAAH9/fwAAAAADzMzMAMDA/wB/f38AAAAAAAAAAAAAAAAAAAAAAAAAAAAhAAAAGAAAABQAAADQAgAA3wkAAIQbAABWIgAAEAAAACYAAAAIAAAAPQAAAAAAAAA="/>
+                <pr:smNativeData xmlns="" xmlns:p14="http://schemas.microsoft.com/office/powerpoint/2010/main" xmlns:pr="smNativeData" val="SMDATA_13_aDXlXhMAAAAlAAAAZAAAAA0AAAAAAAAAAAAAAAAAAAAAAAAAAAAAAAAAAAAAAAAAAAEAAABQAAAAAAAAAAAA4D8AAAAAAADgPwAAAAAAAOA/AAAAAAAA4D8AAAAAAADgPwAAAAAAAOA/AAAAAAAA4D8AAAAAAADgPwAAAAAAAOA/AAAAAAAA4D8CAAAAjAAAAAAAAAAAAAAA////AP///wgAAAAAAAAAAAAAAAAAAAAAAAAAAAAAAAAAAAAAeAAAAAEAAABAAAAAAAAAAAAAAABaAAAAAAAAAAAAAAAAAAAAAAAAAAAAAAAAAAAAAAAAAAAAAAAAAAAAAAAAAAAAAAAAAAAAAAAAAAAAAAAAAAAAAAAAAAAAAAAAAAAAFAAAADwAAAAAAAAAAAAAAAAAAAAPAAAAAQAAACMAAAAjAAAAIwAAAB4AAAAAAAAAZAAAAGQAAAAAAAAAZAAAAGQAAAAVAAAAYAAAAAAAAAAAAAAADwAAACADAAAAAAAAAAAAAAEAAACgMgAAVgcAAKr4//8BAAAAf39/AAEAAABkAAAAAAAAABQAAABAHwAAAAAAACYAAAAAAAAAwOD//wAAAAAmAAAAZAAAABYAAABMAAAAAAAAAAAAAAAEAAAAAAAAAAEAAADu7OEKAAAAACgAAAAoAAAAZAAAAGQAAAAAAAAAzMzMAAAAAABQAAAAUAAAAGQAAABkAAAAAAAAABcAAAAUAAAAAAAAAAAAAAD/fwAA/38AAAAAAAAJAAAABAAAAAAAAAAMAAAAEAAAAAAAAAAAAAAAAAAAAAAAAAAeAAAAaAAAAAAAAAAAAAAAAAAAAAAAAAAAAAAAECcAABAnAAAAAAAAAAAAAAAAAAAAAAAAAAAAAAAAAAAAAAAAAAAAABQAAAAAAAAAwMD/AAAAAABkAAAAMgAAAAAAAABkAAAAAAAAAH9/fwAKAAAAHwAAAFQAAAD///8AAAAAAQAAAAAAAAAAAAAAAAAAAAAAAAAAAAAAAAAAAAAAAAAAAAAAAH9/fwAAAAADzMzMAMDA/wB/f38AAAAAAAAAAAAAAAAAAAAAAAAAAAAhAAAAGAAAABQAAADQAgAA3wkAAIQbAABWIgAAEAAAACYAAAAIAAAAPQAAAAAAAAA="/>
               </a:ext>
             </a:extLst>
           </p:cNvSpPr>
@@ -2503,7 +2504,7 @@
             <a:spLocks noGrp="1" noChangeArrowheads="1"/>
             <a:extLst>
               <a:ext uri="smNativeData">
-                <pr:smNativeData xmlns:pr="smNativeData" xmlns:p14="http://schemas.microsoft.com/office/powerpoint/2010/main" xmlns="" val="SMDATA_13_aDXlXhMAAAAlAAAAZAAAAA0AAAAAAAAAAAAAAAAAAAAAAAAAAAAAAAAAAAAAAAAAAAEAAABQAAAAAAAAAAAA4D8AAAAAAADgPwAAAAAAAOA/AAAAAAAA4D8AAAAAAADgPwAAAAAAAOA/AAAAAAAA4D8AAAAAAADgPwAAAAAAAOA/AAAAAAAA4D8CAAAAjAAAAAAAAAAAAAAA////AP///wgAAAAAAAAAAAAAAAAAAAAAAAAAAAAAAAAAAAAAeAAAAAEAAABAAAAAAAAAAAAAAABaAAAAAAAAAAAAAAAAAAAAAAAAAAAAAAAAAAAAAAAAAAAAAAAAAAAAAAAAAAAAAAAAAAAAAAAAAAAAAAAAAAAAAAAAAAAAAAAAAAAAFAAAADwAAAAAAAAAAAAAAAAAAAAPAAAAAQAAACMAAAAjAAAAIwAAAB4AAAAAAAAAZAAAAGQAAAAAAAAAZAAAAGQAAAAVAAAAYAAAAAAAAAAAAAAADwAAACADAAAAAAAAAAAAAAEAAACgMgAAVgcAAKr4//8BAAAAf39/AAEAAABkAAAAAAAAABQAAABAHwAAAAAAACYAAAAAAAAAwOD//wAAAAAmAAAAZAAAABYAAABMAAAAAAAAAAAAAAAEAAAAAAAAAAEAAADu7OEKAAAAACgAAAAoAAAAZAAAAGQAAAAAAAAAzMzMAAAAAABQAAAAUAAAAGQAAABkAAAAAAAAABcAAAAUAAAAAAAAAAAAAAD/fwAA/38AAAAAAAAJAAAABAAAAAAAAAAMAAAAEAAAAAAAAAAAAAAAAAAAAAAAAAAeAAAAaAAAAAAAAAAAAAAAAAAAAAAAAAAAAAAAECcAABAnAAAAAAAAAAAAAAAAAAAAAAAAAAAAAAAAAAAAAAAAAAAAABQAAAAAAAAAwMD/AAAAAABkAAAAMgAAAAAAAABkAAAAAAAAAH9/fwAKAAAAHwAAAFQAAAD///8AAAAAAQAAAAAAAAAAAAAAAAAAAAAAAAAAAAAAAAAAAAAAAAAAAAAAAH9/fwAAAAADzMzMAMDA/wB/f38AAAAAAAAAAAAAAAAAAAAAAAAAAAAhAAAAGAAAABQAAADBHAAA3wkAAHU1AACKFQAAEAAAACYAAAAIAAAAPQAAAAAAAAA="/>
+                <pr:smNativeData xmlns="" xmlns:p14="http://schemas.microsoft.com/office/powerpoint/2010/main" xmlns:pr="smNativeData" val="SMDATA_13_aDXlXhMAAAAlAAAAZAAAAA0AAAAAAAAAAAAAAAAAAAAAAAAAAAAAAAAAAAAAAAAAAAEAAABQAAAAAAAAAAAA4D8AAAAAAADgPwAAAAAAAOA/AAAAAAAA4D8AAAAAAADgPwAAAAAAAOA/AAAAAAAA4D8AAAAAAADgPwAAAAAAAOA/AAAAAAAA4D8CAAAAjAAAAAAAAAAAAAAA////AP///wgAAAAAAAAAAAAAAAAAAAAAAAAAAAAAAAAAAAAAeAAAAAEAAABAAAAAAAAAAAAAAABaAAAAAAAAAAAAAAAAAAAAAAAAAAAAAAAAAAAAAAAAAAAAAAAAAAAAAAAAAAAAAAAAAAAAAAAAAAAAAAAAAAAAAAAAAAAAAAAAAAAAFAAAADwAAAAAAAAAAAAAAAAAAAAPAAAAAQAAACMAAAAjAAAAIwAAAB4AAAAAAAAAZAAAAGQAAAAAAAAAZAAAAGQAAAAVAAAAYAAAAAAAAAAAAAAADwAAACADAAAAAAAAAAAAAAEAAACgMgAAVgcAAKr4//8BAAAAf39/AAEAAABkAAAAAAAAABQAAABAHwAAAAAAACYAAAAAAAAAwOD//wAAAAAmAAAAZAAAABYAAABMAAAAAAAAAAAAAAAEAAAAAAAAAAEAAADu7OEKAAAAACgAAAAoAAAAZAAAAGQAAAAAAAAAzMzMAAAAAABQAAAAUAAAAGQAAABkAAAAAAAAABcAAAAUAAAAAAAAAAAAAAD/fwAA/38AAAAAAAAJAAAABAAAAAAAAAAMAAAAEAAAAAAAAAAAAAAAAAAAAAAAAAAeAAAAaAAAAAAAAAAAAAAAAAAAAAAAAAAAAAAAECcAABAnAAAAAAAAAAAAAAAAAAAAAAAAAAAAAAAAAAAAAAAAAAAAABQAAAAAAAAAwMD/AAAAAABkAAAAMgAAAAAAAABkAAAAAAAAAH9/fwAKAAAAHwAAAFQAAAD///8AAAAAAQAAAAAAAAAAAAAAAAAAAAAAAAAAAAAAAAAAAAAAAAAAAAAAAH9/fwAAAAADzMzMAMDA/wB/f38AAAAAAAAAAAAAAAAAAAAAAAAAAAAhAAAAGAAAABQAAADBHAAA3wkAAHU1AACKFQAAEAAAACYAAAAIAAAAPQAAAAAAAAA="/>
               </a:ext>
             </a:extLst>
           </p:cNvSpPr>
@@ -2539,7 +2540,7 @@
             <a:spLocks noGrp="1" noChangeArrowheads="1"/>
             <a:extLst>
               <a:ext uri="smNativeData">
-                <pr:smNativeData xmlns:pr="smNativeData" xmlns:p14="http://schemas.microsoft.com/office/powerpoint/2010/main" xmlns="" val="SMDATA_13_aDXlXhMAAAAlAAAAZAAAAA0AAAAAAAAAAAAAAAAAAAAAAAAAAAAAAAAAAAAAAAAAAAEAAABQAAAAAAAAAAAA4D8AAAAAAADgPwAAAAAAAOA/AAAAAAAA4D8AAAAAAADgPwAAAAAAAOA/AAAAAAAA4D8AAAAAAADgPwAAAAAAAOA/AAAAAAAA4D8CAAAAjAAAAAAAAAAAAAAA////AP///wgAAAAAAAAAAAAAAAAAAAAAAAAAAAAAAAAAAAAAeAAAAAEAAABAAAAAAAAAAAAAAABaAAAAAAAAAAAAAAAAAAAAAAAAAAAAAAAAAAAAAAAAAAAAAAAAAAAAAAAAAAAAAAAAAAAAAAAAAAAAAAAAAAAAAAAAAAAAAAAAAAAAFAAAADwAAAAAAAAAAAAAAAAAAAAPAAAAAQAAACMAAAAjAAAAIwAAAB4AAAAAAAAAZAAAAGQAAAAAAAAAZAAAAGQAAAAVAAAAYAAAAAAAAAAAAAAADwAAACADAAAAAAAAAAAAAAEAAACgMgAAVgcAAKr4//8BAAAAf39/AAEAAABkAAAAAAAAABQAAABAHwAAAAAAACYAAAAAAAAAwOD//wAAAAAmAAAAZAAAABYAAABMAAAAAAAAAAAAAAAEAAAAAAAAAAEAAADu7OEKAAAAACgAAAAoAAAAZAAAAGQAAAAAAAAAzMzMAAAAAABQAAAAUAAAAGQAAABkAAAAAAAAABcAAAAUAAAAAAAAAAAAAAD/fwAA/38AAAAAAAAJAAAABAAAAAAAAAAMAAAAEAAAAAAAAAAAAAAAAAAAAAAAAAAeAAAAaAAAAAAAAAAAAAAAAAAAAAAAAAAAAAAAECcAABAnAAAAAAAAAAAAAAAAAAAAAAAAAAAAAAAAAAAAAAAAAAAAABQAAAAAAAAAwMD/AAAAAABkAAAAMgAAAAAAAABkAAAAAAAAAH9/fwAKAAAAHwAAAFQAAAD///8AAAAAAQAAAAAAAAAAAAAAAAAAAAAAAAAAAAAAAAAAAAAAAAAAAAAAAH9/fwAAAAADzMzMAMDA/wB/f38AAAAAAAAAAAAAAAAAAAAAAAAAAAAhAAAAGAAAABQAAADBHAAApxYAAHU1AABSIgAAEAAAACYAAAAIAAAAPQAAAAAAAAA="/>
+                <pr:smNativeData xmlns="" xmlns:p14="http://schemas.microsoft.com/office/powerpoint/2010/main" xmlns:pr="smNativeData" val="SMDATA_13_aDXlXhMAAAAlAAAAZAAAAA0AAAAAAAAAAAAAAAAAAAAAAAAAAAAAAAAAAAAAAAAAAAEAAABQAAAAAAAAAAAA4D8AAAAAAADgPwAAAAAAAOA/AAAAAAAA4D8AAAAAAADgPwAAAAAAAOA/AAAAAAAA4D8AAAAAAADgPwAAAAAAAOA/AAAAAAAA4D8CAAAAjAAAAAAAAAAAAAAA////AP///wgAAAAAAAAAAAAAAAAAAAAAAAAAAAAAAAAAAAAAeAAAAAEAAABAAAAAAAAAAAAAAABaAAAAAAAAAAAAAAAAAAAAAAAAAAAAAAAAAAAAAAAAAAAAAAAAAAAAAAAAAAAAAAAAAAAAAAAAAAAAAAAAAAAAAAAAAAAAAAAAAAAAFAAAADwAAAAAAAAAAAAAAAAAAAAPAAAAAQAAACMAAAAjAAAAIwAAAB4AAAAAAAAAZAAAAGQAAAAAAAAAZAAAAGQAAAAVAAAAYAAAAAAAAAAAAAAADwAAACADAAAAAAAAAAAAAAEAAACgMgAAVgcAAKr4//8BAAAAf39/AAEAAABkAAAAAAAAABQAAABAHwAAAAAAACYAAAAAAAAAwOD//wAAAAAmAAAAZAAAABYAAABMAAAAAAAAAAAAAAAEAAAAAAAAAAEAAADu7OEKAAAAACgAAAAoAAAAZAAAAGQAAAAAAAAAzMzMAAAAAABQAAAAUAAAAGQAAABkAAAAAAAAABcAAAAUAAAAAAAAAAAAAAD/fwAA/38AAAAAAAAJAAAABAAAAAAAAAAMAAAAEAAAAAAAAAAAAAAAAAAAAAAAAAAeAAAAaAAAAAAAAAAAAAAAAAAAAAAAAAAAAAAAECcAABAnAAAAAAAAAAAAAAAAAAAAAAAAAAAAAAAAAAAAAAAAAAAAABQAAAAAAAAAwMD/AAAAAABkAAAAMgAAAAAAAABkAAAAAAAAAH9/fwAKAAAAHwAAAFQAAAD///8AAAAAAQAAAAAAAAAAAAAAAAAAAAAAAAAAAAAAAAAAAAAAAAAAAAAAAH9/fwAAAAADzMzMAMDA/wB/f38AAAAAAAAAAAAAAAAAAAAAAAAAAAAhAAAAGAAAABQAAADBHAAApxYAAHU1AABSIgAAEAAAACYAAAAIAAAAPQAAAAAAAAA="/>
               </a:ext>
             </a:extLst>
           </p:cNvSpPr>
@@ -2600,7 +2601,7 @@
             <a:spLocks noGrp="1" noChangeArrowheads="1"/>
             <a:extLst>
               <a:ext uri="smNativeData">
-                <pr:smNativeData xmlns:pr="smNativeData" xmlns:p14="http://schemas.microsoft.com/office/powerpoint/2010/main" xmlns="" val="SMDATA_13_aDXlXhMAAAAlAAAAZAAAAA0AAAAAAAAAAAAAAAAAAAAAAAAAAAAAAAABAAAAAAAAAAEAAABQAAAAAAAAAAAA4D8AAAAAAADgPwAAAAAAAOA/AAAAAAAA4D8AAAAAAADgPwAAAAAAAOA/AAAAAAAA4D8AAAAAAADgPwAAAAAAAOA/AAAAAAAA4D8CAAAAjAAAAAAAAAAAAAAA////AP///wgAAAAAAAAAAAAAAAAAAAAAAAAAAAAAAAAAAAAAeAAAAAEAAABAAAAAAAAAAAAAAABaAAAAAAAAAAAAAAAAAAAAAAAAAAAAAAAAAAAAAAAAAAAAAAAAAAAAAAAAAAAAAAAAAAAAAAAAAAAAAAAAAAAAAAAAAAAAAAAAAAAAFAAAADwAAAAAAAAAAAAAAAAAAAAPAAAAAQAAACMAAAAjAAAAIwAAAB4AAAAAAAAAZAAAAGQAAAAAAAAAZAAAAGQAAAAVAAAAYAAAAAAAAAAAAAAADwAAACADAAAAAAAAAAAAAAEAAACgMgAAVgcAAKr4//8BAAAAf39/AAEAAABkAAAAAAAAABQAAABAHwAAAAAAACYAAAAAAAAAwOD//wAAAAAmAAAAZAAAABYAAABMAAAAAAAAAAAAAAAEAAAAAAAAAAEAAADu7OEKAAAAACgAAAAoAAAAZAAAAGQAAAAAAAAAzMzMAAAAAABQAAAAUAAAAGQAAABkAAAAAAAAABcAAAAUAAAAAAAAAAAAAAD/fwAA/38AAAAAAAAJAAAABAAAAAAAAAAMAAAAEAAAAAAAAAAAAAAAAAAAAAAAAAAeAAAAaAAAAAAAAAAAAAAAAAAAAAAAAAAAAAAAECcAABAnAAAAAAAAAAAAAAAAAAAAAAAAAAAAAAAAAAAAAAAAAAAAABQAAAAAAAAAwMD/AAAAAABkAAAAMgAAAAAAAABkAAAAAAAAAH9/fwAKAAAAHwAAAFQAAAD///8AAAAAAQAAAAAAAAAAAAAAAAAAAAAAAAAAAAAAAAAAAAAAAAAAAAAAAH9/fwAAAAADzMzMAMDA/wB/f38AAAAAAAAAAAAAAAAAAAAAAAAAAAAhAAAAGAAAABQAAADQAgAArwEAAG81AAC6CAAAEAAAACYAAAAIAAAAPAAAAAAAAAA="/>
+                <pr:smNativeData xmlns="" xmlns:p14="http://schemas.microsoft.com/office/powerpoint/2010/main" xmlns:pr="smNativeData" val="SMDATA_13_aDXlXhMAAAAlAAAAZAAAAA0AAAAAAAAAAAAAAAAAAAAAAAAAAAAAAAABAAAAAAAAAAEAAABQAAAAAAAAAAAA4D8AAAAAAADgPwAAAAAAAOA/AAAAAAAA4D8AAAAAAADgPwAAAAAAAOA/AAAAAAAA4D8AAAAAAADgPwAAAAAAAOA/AAAAAAAA4D8CAAAAjAAAAAAAAAAAAAAA////AP///wgAAAAAAAAAAAAAAAAAAAAAAAAAAAAAAAAAAAAAeAAAAAEAAABAAAAAAAAAAAAAAABaAAAAAAAAAAAAAAAAAAAAAAAAAAAAAAAAAAAAAAAAAAAAAAAAAAAAAAAAAAAAAAAAAAAAAAAAAAAAAAAAAAAAAAAAAAAAAAAAAAAAFAAAADwAAAAAAAAAAAAAAAAAAAAPAAAAAQAAACMAAAAjAAAAIwAAAB4AAAAAAAAAZAAAAGQAAAAAAAAAZAAAAGQAAAAVAAAAYAAAAAAAAAAAAAAADwAAACADAAAAAAAAAAAAAAEAAACgMgAAVgcAAKr4//8BAAAAf39/AAEAAABkAAAAAAAAABQAAABAHwAAAAAAACYAAAAAAAAAwOD//wAAAAAmAAAAZAAAABYAAABMAAAAAAAAAAAAAAAEAAAAAAAAAAEAAADu7OEKAAAAACgAAAAoAAAAZAAAAGQAAAAAAAAAzMzMAAAAAABQAAAAUAAAAGQAAABkAAAAAAAAABcAAAAUAAAAAAAAAAAAAAD/fwAA/38AAAAAAAAJAAAABAAAAAAAAAAMAAAAEAAAAAAAAAAAAAAAAAAAAAAAAAAeAAAAaAAAAAAAAAAAAAAAAAAAAAAAAAAAAAAAECcAABAnAAAAAAAAAAAAAAAAAAAAAAAAAAAAAAAAAAAAAAAAAAAAABQAAAAAAAAAwMD/AAAAAABkAAAAMgAAAAAAAABkAAAAAAAAAH9/fwAKAAAAHwAAAFQAAAD///8AAAAAAQAAAAAAAAAAAAAAAAAAAAAAAAAAAAAAAAAAAAAAAAAAAAAAAH9/fwAAAAADzMzMAMDA/wB/f38AAAAAAAAAAAAAAAAAAAAAAAAAAAAhAAAAGAAAABQAAADQAgAArwEAAG81AAC6CAAAEAAAACYAAAAIAAAAPAAAAAAAAAA="/>
               </a:ext>
             </a:extLst>
           </p:cNvSpPr>
@@ -2631,7 +2632,7 @@
             <a:spLocks noGrp="1" noChangeArrowheads="1"/>
             <a:extLst>
               <a:ext uri="smNativeData">
-                <pr:smNativeData xmlns:pr="smNativeData" xmlns:p14="http://schemas.microsoft.com/office/powerpoint/2010/main" xmlns="" val="SMDATA_13_aDXlXhMAAAAlAAAAZAAAAA0AAAAAAAAAAAAAAAAAAAAAAAAAAAAAAAAAAAAAAAAAAAEAAABQAAAAAAAAAAAA4D8AAAAAAADgPwAAAAAAAOA/AAAAAAAA4D8AAAAAAADgPwAAAAAAAOA/AAAAAAAA4D8AAAAAAADgPwAAAAAAAOA/AAAAAAAA4D8CAAAAjAAAAAAAAAAAAAAA////AP///wgAAAAAAAAAAAAAAAAAAAAAAAAAAAAAAAAAAAAAeAAAAAEAAABAAAAAAAAAAAAAAABaAAAAAAAAAAAAAAAAAAAAAAAAAAAAAAAAAAAAAAAAAAAAAAAAAAAAAAAAAAAAAAAAAAAAAAAAAAAAAAAAAAAAAAAAAAAAAAAAAAAAFAAAADwAAAAAAAAAAAAAAAAAAAAPAAAAAQAAACMAAAAjAAAAIwAAAB4AAAAAAAAAZAAAAGQAAAAAAAAAZAAAAGQAAAAVAAAAYAAAAAAAAAAAAAAADwAAACADAAAAAAAAAAAAAAEAAACgMgAAVgcAAKr4//8BAAAAf39/AAEAAABkAAAAAAAAABQAAABAHwAAAAAAACYAAAAAAAAAwOD//wAAAAAmAAAAZAAAABYAAABMAAAAAAAAAAAAAAAEAAAAAAAAAAEAAADu7OEKAAAAACgAAAAoAAAAZAAAAGQAAAAAAAAAzMzMAAAAAABQAAAAUAAAAGQAAABkAAAAAAAAABcAAAAUAAAAAAAAAAAAAAD/fwAA/38AAAAAAAAJAAAABAAAAAAAAAAMAAAAEAAAAAAAAAAAAAAAAAAAAAAAAAAeAAAAaAAAAAAAAAAAAAAAAAAAAAAAAAAAAAAAECcAABAnAAAAAAAAAAAAAAAAAAAAAAAAAAAAAAAAAAAAAAAAAAAAABQAAAAAAAAAwMD/AAAAAABkAAAAMgAAAAAAAABkAAAAAAAAAH9/fwAKAAAAHwAAAFQAAAD///8AAAAAAQAAAAAAAAAAAAAAAAAAAAAAAAAAAAAAAAAAAAAAAAAAAAAAAH9/fwAAAAADzMzMAMDA/wB/f38AAAAAAAAAAAAAAAAAAAAAAAAAAAAhAAAAGAAAABQAAADQAgAA3wkAAIQbAACKFQAAEAAAACYAAAAIAAAAPQAAAAAAAAA="/>
+                <pr:smNativeData xmlns="" xmlns:p14="http://schemas.microsoft.com/office/powerpoint/2010/main" xmlns:pr="smNativeData" val="SMDATA_13_aDXlXhMAAAAlAAAAZAAAAA0AAAAAAAAAAAAAAAAAAAAAAAAAAAAAAAAAAAAAAAAAAAEAAABQAAAAAAAAAAAA4D8AAAAAAADgPwAAAAAAAOA/AAAAAAAA4D8AAAAAAADgPwAAAAAAAOA/AAAAAAAA4D8AAAAAAADgPwAAAAAAAOA/AAAAAAAA4D8CAAAAjAAAAAAAAAAAAAAA////AP///wgAAAAAAAAAAAAAAAAAAAAAAAAAAAAAAAAAAAAAeAAAAAEAAABAAAAAAAAAAAAAAABaAAAAAAAAAAAAAAAAAAAAAAAAAAAAAAAAAAAAAAAAAAAAAAAAAAAAAAAAAAAAAAAAAAAAAAAAAAAAAAAAAAAAAAAAAAAAAAAAAAAAFAAAADwAAAAAAAAAAAAAAAAAAAAPAAAAAQAAACMAAAAjAAAAIwAAAB4AAAAAAAAAZAAAAGQAAAAAAAAAZAAAAGQAAAAVAAAAYAAAAAAAAAAAAAAADwAAACADAAAAAAAAAAAAAAEAAACgMgAAVgcAAKr4//8BAAAAf39/AAEAAABkAAAAAAAAABQAAABAHwAAAAAAACYAAAAAAAAAwOD//wAAAAAmAAAAZAAAABYAAABMAAAAAAAAAAAAAAAEAAAAAAAAAAEAAADu7OEKAAAAACgAAAAoAAAAZAAAAGQAAAAAAAAAzMzMAAAAAABQAAAAUAAAAGQAAABkAAAAAAAAABcAAAAUAAAAAAAAAAAAAAD/fwAA/38AAAAAAAAJAAAABAAAAAAAAAAMAAAAEAAAAAAAAAAAAAAAAAAAAAAAAAAeAAAAaAAAAAAAAAAAAAAAAAAAAAAAAAAAAAAAECcAABAnAAAAAAAAAAAAAAAAAAAAAAAAAAAAAAAAAAAAAAAAAAAAABQAAAAAAAAAwMD/AAAAAABkAAAAMgAAAAAAAABkAAAAAAAAAH9/fwAKAAAAHwAAAFQAAAD///8AAAAAAQAAAAAAAAAAAAAAAAAAAAAAAAAAAAAAAAAAAAAAAAAAAAAAAH9/fwAAAAADzMzMAMDA/wB/f38AAAAAAAAAAAAAAAAAAAAAAAAAAAAhAAAAGAAAABQAAADQAgAA3wkAAIQbAACKFQAAEAAAACYAAAAIAAAAPQAAAAAAAAA="/>
               </a:ext>
             </a:extLst>
           </p:cNvSpPr>
@@ -2667,7 +2668,7 @@
             <a:spLocks noGrp="1" noChangeArrowheads="1"/>
             <a:extLst>
               <a:ext uri="smNativeData">
-                <pr:smNativeData xmlns:pr="smNativeData" xmlns:p14="http://schemas.microsoft.com/office/powerpoint/2010/main" xmlns="" val="SMDATA_13_aDXlXhMAAAAlAAAAZAAAAA0AAAAAAAAAAAAAAAAAAAAAAAAAAAAAAAAAAAAAAAAAAAEAAABQAAAAAAAAAAAA4D8AAAAAAADgPwAAAAAAAOA/AAAAAAAA4D8AAAAAAADgPwAAAAAAAOA/AAAAAAAA4D8AAAAAAADgPwAAAAAAAOA/AAAAAAAA4D8CAAAAjAAAAAAAAAAAAAAA////AP///wgAAAAAAAAAAAAAAAAAAAAAAAAAAAAAAAAAAAAAeAAAAAEAAABAAAAAAAAAAAAAAABaAAAAAAAAAAAAAAAAAAAAAAAAAAAAAAAAAAAAAAAAAAAAAAAAAAAAAAAAAAAAAAAAAAAAAAAAAAAAAAAAAAAAAAAAAAAAAAAAAAAAFAAAADwAAAAAAAAAAAAAAAAAAAAPAAAAAQAAACMAAAAjAAAAIwAAAB4AAAAAAAAAZAAAAGQAAAAAAAAAZAAAAGQAAAAVAAAAYAAAAAAAAAAAAAAADwAAACADAAAAAAAAAAAAAAEAAACgMgAAVgcAAKr4//8BAAAAf39/AAEAAABkAAAAAAAAABQAAABAHwAAAAAAACYAAAAAAAAAwOD//wAAAAAmAAAAZAAAABYAAABMAAAAAAAAAAAAAAAEAAAAAAAAAAEAAADu7OEKAAAAACgAAAAoAAAAZAAAAGQAAAAAAAAAzMzMAAAAAABQAAAAUAAAAGQAAABkAAAAAAAAABcAAAAUAAAAAAAAAAAAAAD/fwAA/38AAAAAAAAJAAAABAAAAAAAAAAMAAAAEAAAAAAAAAAAAAAAAAAAAAAAAAAeAAAAaAAAAAAAAAAAAAAAAAAAAAAAAAAAAAAAECcAABAnAAAAAAAAAAAAAAAAAAAAAAAAAAAAAAAAAAAAAAAAAAAAABQAAAAAAAAAwMD/AAAAAABkAAAAMgAAAAAAAABkAAAAAAAAAH9/fwAKAAAAHwAAAFQAAAD///8AAAAAAQAAAAAAAAAAAAAAAAAAAAAAAAAAAAAAAAAAAAAAAAAAAAAAAH9/fwAAAAADzMzMAMDA/wB/f38AAAAAAAAAAAAAAAAAAAAAAAAAAAAhAAAAGAAAABQAAADBHAAA3wkAAHU1AACKFQAAEAAAACYAAAAIAAAAPQAAAAAAAAA="/>
+                <pr:smNativeData xmlns="" xmlns:p14="http://schemas.microsoft.com/office/powerpoint/2010/main" xmlns:pr="smNativeData" val="SMDATA_13_aDXlXhMAAAAlAAAAZAAAAA0AAAAAAAAAAAAAAAAAAAAAAAAAAAAAAAAAAAAAAAAAAAEAAABQAAAAAAAAAAAA4D8AAAAAAADgPwAAAAAAAOA/AAAAAAAA4D8AAAAAAADgPwAAAAAAAOA/AAAAAAAA4D8AAAAAAADgPwAAAAAAAOA/AAAAAAAA4D8CAAAAjAAAAAAAAAAAAAAA////AP///wgAAAAAAAAAAAAAAAAAAAAAAAAAAAAAAAAAAAAAeAAAAAEAAABAAAAAAAAAAAAAAABaAAAAAAAAAAAAAAAAAAAAAAAAAAAAAAAAAAAAAAAAAAAAAAAAAAAAAAAAAAAAAAAAAAAAAAAAAAAAAAAAAAAAAAAAAAAAAAAAAAAAFAAAADwAAAAAAAAAAAAAAAAAAAAPAAAAAQAAACMAAAAjAAAAIwAAAB4AAAAAAAAAZAAAAGQAAAAAAAAAZAAAAGQAAAAVAAAAYAAAAAAAAAAAAAAADwAAACADAAAAAAAAAAAAAAEAAACgMgAAVgcAAKr4//8BAAAAf39/AAEAAABkAAAAAAAAABQAAABAHwAAAAAAACYAAAAAAAAAwOD//wAAAAAmAAAAZAAAABYAAABMAAAAAAAAAAAAAAAEAAAAAAAAAAEAAADu7OEKAAAAACgAAAAoAAAAZAAAAGQAAAAAAAAAzMzMAAAAAABQAAAAUAAAAGQAAABkAAAAAAAAABcAAAAUAAAAAAAAAAAAAAD/fwAA/38AAAAAAAAJAAAABAAAAAAAAAAMAAAAEAAAAAAAAAAAAAAAAAAAAAAAAAAeAAAAaAAAAAAAAAAAAAAAAAAAAAAAAAAAAAAAECcAABAnAAAAAAAAAAAAAAAAAAAAAAAAAAAAAAAAAAAAAAAAAAAAABQAAAAAAAAAwMD/AAAAAABkAAAAMgAAAAAAAABkAAAAAAAAAH9/fwAKAAAAHwAAAFQAAAD///8AAAAAAQAAAAAAAAAAAAAAAAAAAAAAAAAAAAAAAAAAAAAAAAAAAAAAAH9/fwAAAAADzMzMAMDA/wB/f38AAAAAAAAAAAAAAAAAAAAAAAAAAAAhAAAAGAAAABQAAADBHAAA3wkAAHU1AACKFQAAEAAAACYAAAAIAAAAPQAAAAAAAAA="/>
               </a:ext>
             </a:extLst>
           </p:cNvSpPr>
@@ -2703,7 +2704,7 @@
             <a:spLocks noGrp="1" noChangeArrowheads="1"/>
             <a:extLst>
               <a:ext uri="smNativeData">
-                <pr:smNativeData xmlns:pr="smNativeData" xmlns:p14="http://schemas.microsoft.com/office/powerpoint/2010/main" xmlns="" val="SMDATA_13_aDXlXhMAAAAlAAAAZAAAAA0AAAAAAAAAAAAAAAAAAAAAAAAAAAAAAAAAAAAAAAAAAAEAAABQAAAAAAAAAAAA4D8AAAAAAADgPwAAAAAAAOA/AAAAAAAA4D8AAAAAAADgPwAAAAAAAOA/AAAAAAAA4D8AAAAAAADgPwAAAAAAAOA/AAAAAAAA4D8CAAAAjAAAAAAAAAAAAAAA////AP///wgAAAAAAAAAAAAAAAAAAAAAAAAAAAAAAAAAAAAAeAAAAAEAAABAAAAAAAAAAAAAAABaAAAAAAAAAAAAAAAAAAAAAAAAAAAAAAAAAAAAAAAAAAAAAAAAAAAAAAAAAAAAAAAAAAAAAAAAAAAAAAAAAAAAAAAAAAAAAAAAAAAAFAAAADwAAAAAAAAAAAAAAAAAAAAPAAAAAQAAACMAAAAjAAAAIwAAAB4AAAAAAAAAZAAAAGQAAAAAAAAAZAAAAGQAAAAVAAAAYAAAAAAAAAAAAAAADwAAACADAAAAAAAAAAAAAAEAAACgMgAAVgcAAKr4//8BAAAAf39/AAEAAABkAAAAAAAAABQAAABAHwAAAAAAACYAAAAAAAAAwOD//wAAAAAmAAAAZAAAABYAAABMAAAAAAAAAAAAAAAEAAAAAAAAAAEAAADu7OEKAAAAACgAAAAoAAAAZAAAAGQAAAAAAAAAzMzMAAAAAABQAAAAUAAAAGQAAABkAAAAAAAAABcAAAAUAAAAAAAAAAAAAAD/fwAA/38AAAAAAAAJAAAABAAAAAAAAAAMAAAAEAAAAAAAAAAAAAAAAAAAAAAAAAAeAAAAaAAAAAAAAAAAAAAAAAAAAAAAAAAAAAAAECcAABAnAAAAAAAAAAAAAAAAAAAAAAAAAAAAAAAAAAAAAAAAAAAAABQAAAAAAAAAwMD/AAAAAABkAAAAMgAAAAAAAABkAAAAAAAAAH9/fwAKAAAAHwAAAFQAAAD///8AAAAAAQAAAAAAAAAAAAAAAAAAAAAAAAAAAAAAAAAAAAAAAAAAAAAAAH9/fwAAAAADzMzMAMDA/wB/f38AAAAAAAAAAAAAAAAAAAAAAAAAAAAhAAAAGAAAABQAAADQAgAApxYAAG81AABSIgAAEAAAACYAAAAIAAAAPQAAAAAAAAA="/>
+                <pr:smNativeData xmlns="" xmlns:p14="http://schemas.microsoft.com/office/powerpoint/2010/main" xmlns:pr="smNativeData" val="SMDATA_13_aDXlXhMAAAAlAAAAZAAAAA0AAAAAAAAAAAAAAAAAAAAAAAAAAAAAAAAAAAAAAAAAAAEAAABQAAAAAAAAAAAA4D8AAAAAAADgPwAAAAAAAOA/AAAAAAAA4D8AAAAAAADgPwAAAAAAAOA/AAAAAAAA4D8AAAAAAADgPwAAAAAAAOA/AAAAAAAA4D8CAAAAjAAAAAAAAAAAAAAA////AP///wgAAAAAAAAAAAAAAAAAAAAAAAAAAAAAAAAAAAAAeAAAAAEAAABAAAAAAAAAAAAAAABaAAAAAAAAAAAAAAAAAAAAAAAAAAAAAAAAAAAAAAAAAAAAAAAAAAAAAAAAAAAAAAAAAAAAAAAAAAAAAAAAAAAAAAAAAAAAAAAAAAAAFAAAADwAAAAAAAAAAAAAAAAAAAAPAAAAAQAAACMAAAAjAAAAIwAAAB4AAAAAAAAAZAAAAGQAAAAAAAAAZAAAAGQAAAAVAAAAYAAAAAAAAAAAAAAADwAAACADAAAAAAAAAAAAAAEAAACgMgAAVgcAAKr4//8BAAAAf39/AAEAAABkAAAAAAAAABQAAABAHwAAAAAAACYAAAAAAAAAwOD//wAAAAAmAAAAZAAAABYAAABMAAAAAAAAAAAAAAAEAAAAAAAAAAEAAADu7OEKAAAAACgAAAAoAAAAZAAAAGQAAAAAAAAAzMzMAAAAAABQAAAAUAAAAGQAAABkAAAAAAAAABcAAAAUAAAAAAAAAAAAAAD/fwAA/38AAAAAAAAJAAAABAAAAAAAAAAMAAAAEAAAAAAAAAAAAAAAAAAAAAAAAAAeAAAAaAAAAAAAAAAAAAAAAAAAAAAAAAAAAAAAECcAABAnAAAAAAAAAAAAAAAAAAAAAAAAAAAAAAAAAAAAAAAAAAAAABQAAAAAAAAAwMD/AAAAAABkAAAAMgAAAAAAAABkAAAAAAAAAH9/fwAKAAAAHwAAAFQAAAD///8AAAAAAQAAAAAAAAAAAAAAAAAAAAAAAAAAAAAAAAAAAAAAAAAAAAAAAH9/fwAAAAADzMzMAMDA/wB/f38AAAAAAAAAAAAAAAAAAAAAAAAAAAAhAAAAGAAAABQAAADQAgAApxYAAG81AABSIgAAEAAAACYAAAAIAAAAPQAAAAAAAAA="/>
               </a:ext>
             </a:extLst>
           </p:cNvSpPr>
@@ -2771,7 +2772,7 @@
           <p:cNvPicPr>
             <a:extLst>
               <a:ext uri="smNativeData">
-                <pr:smNativeData xmlns:pr="smNativeData" xmlns:p14="http://schemas.microsoft.com/office/powerpoint/2010/main" xmlns="" val="SMDATA_15_aDXlXhMAAAAlAAAAEQAAAA0AAAAAkAAAAEgAAACQAAAASAAAAAAAAAAAAAAAAAAAAAEAAABQAAAAAAAAAAAA4D8AAAAAAADgPwAAAAAAAOA/AAAAAAAA4D8AAAAAAADgPwAAAAAAAOA/AAAAAAAA4D8AAAAAAADgPwAAAAAAAOA/AAAAAAAA4D8CAAAAjAAAAAAAAAAAAAAAT4G9DP///wgAAAAAAAAAAAAAAAAAAAAAAAAAAAAAAAAAAAAAZAAAAAEAAABAAAAAAAAAAAAAAAAAAAAAAAAAAAAAAAAAAAAAAAAAAAAAAAAAAAAAAAAAAAAAAAAAAAAAAAAAAAAAAAAAAAAAAAAAAAAAAAAAAAAAAAAAAAAAAAAAAAAAFAAAADwAAAAAAAAAAAAAAAAAAAkUAAAAAQAAABQAAAAUAAAAFAAAAAEAAAAAAAAAZAAAAGQAAAAAAAAAZAAAAGQAAAAVAAAAYAAAAAAAAAAAAAAADwAAACADAAAAAAAAAAAAAAEAAACgMgAAVgcAAKr4//8BAAAAf39/AAEAAABkAAAAAAAAABQAAABAHwAAAAAAACYAAAAAAAAAwOD//wAAAAAmAAAAZAAAABYAAABMAAAAAAAAAAAAAAAEAAAAAAAAAAEAAADu7OEKAAAAACgAAAAoAAAAZAAAAGQAAAAAAAAAzMzMAAAAAABQAAAAUAAAAGQAAABkAAAAAAAAAAcAAAA4AAAAAAAAAAAAAAAAAAAA////AAAAAAAAAAAAAAAAAAAAAAAAAAAAAAAAAAAAAABkAAAAZAAAAAAAAAAjAAAABAAAAGQAAAAXAAAAFAAAAAAAAAAAAAAA/38AAP9/AAAAAAAACQAAAAQAAAAAAAAADAAAABAAAAAAAAAAAAAAAAAAAAAAAAAAHgAAAGgAAAAAAAAAAAAAAAAAAAAAAAAAAAAAABAnAAAQJwAAAAAAAAAAAAAAAAAAAAAAAAAAAAAAAAAAAAAAAAAAAAAUAAAAAAAAAMDA/wAAAAAAZAAAADIAAAAAAAAAZAAAAAAAAAB/f38ACgAAAB8AAABUAAAAT4G9Bf///wEAAAAAAAAAAAAAAAAAAAAAAAAAAAAAAAAAAAAAAAAAAAAAAAJ/f38A7uzhA8zMzADAwP8Af39/AAAAAAAAAAAAAAAAAP///wAAAAAAIQAAABgAAAAUAAAAAAAAAMj///8+OAAAbyoAABAAAAAmAAAACAAAAP//////////"/>
+                <pr:smNativeData xmlns="" xmlns:p14="http://schemas.microsoft.com/office/powerpoint/2010/main" xmlns:pr="smNativeData" val="SMDATA_15_aDXlXhMAAAAlAAAAEQAAAA0AAAAAkAAAAEgAAACQAAAASAAAAAAAAAAAAAAAAAAAAAEAAABQAAAAAAAAAAAA4D8AAAAAAADgPwAAAAAAAOA/AAAAAAAA4D8AAAAAAADgPwAAAAAAAOA/AAAAAAAA4D8AAAAAAADgPwAAAAAAAOA/AAAAAAAA4D8CAAAAjAAAAAAAAAAAAAAAT4G9DP///wgAAAAAAAAAAAAAAAAAAAAAAAAAAAAAAAAAAAAAZAAAAAEAAABAAAAAAAAAAAAAAAAAAAAAAAAAAAAAAAAAAAAAAAAAAAAAAAAAAAAAAAAAAAAAAAAAAAAAAAAAAAAAAAAAAAAAAAAAAAAAAAAAAAAAAAAAAAAAAAAAAAAAFAAAADwAAAAAAAAAAAAAAAAAAAkUAAAAAQAAABQAAAAUAAAAFAAAAAEAAAAAAAAAZAAAAGQAAAAAAAAAZAAAAGQAAAAVAAAAYAAAAAAAAAAAAAAADwAAACADAAAAAAAAAAAAAAEAAACgMgAAVgcAAKr4//8BAAAAf39/AAEAAABkAAAAAAAAABQAAABAHwAAAAAAACYAAAAAAAAAwOD//wAAAAAmAAAAZAAAABYAAABMAAAAAAAAAAAAAAAEAAAAAAAAAAEAAADu7OEKAAAAACgAAAAoAAAAZAAAAGQAAAAAAAAAzMzMAAAAAABQAAAAUAAAAGQAAABkAAAAAAAAAAcAAAA4AAAAAAAAAAAAAAAAAAAA////AAAAAAAAAAAAAAAAAAAAAAAAAAAAAAAAAAAAAABkAAAAZAAAAAAAAAAjAAAABAAAAGQAAAAXAAAAFAAAAAAAAAAAAAAA/38AAP9/AAAAAAAACQAAAAQAAAAAAAAADAAAABAAAAAAAAAAAAAAAAAAAAAAAAAAHgAAAGgAAAAAAAAAAAAAAAAAAAAAAAAAAAAAABAnAAAQJwAAAAAAAAAAAAAAAAAAAAAAAAAAAAAAAAAAAAAAAAAAAAAUAAAAAAAAAMDA/wAAAAAAZAAAADIAAAAAAAAAZAAAAAAAAAB/f38ACgAAAB8AAABUAAAAT4G9Bf///wEAAAAAAAAAAAAAAAAAAAAAAAAAAAAAAAAAAAAAAAAAAAAAAAJ/f38A7uzhA8zMzADAwP8Af39/AAAAAAAAAAAAAAAAAP///wAAAAAAIQAAABgAAAAUAAAAAAAAAMj///8+OAAAbyoAABAAAAAmAAAACAAAAP//////////"/>
               </a:ext>
             </a:extLst>
           </p:cNvPicPr>
@@ -2804,7 +2805,7 @@
           <p:cNvSpPr>
             <a:extLst>
               <a:ext uri="smNativeData">
-                <pr:smNativeData xmlns:pr="smNativeData" xmlns:p14="http://schemas.microsoft.com/office/powerpoint/2010/main" xmlns="" val="SMDATA_13_aDXlXhMAAAAlAAAAZAAAAA0AAAAAjgAAAEcAAACOAAAARwAAAAAAAAAAAAAAAAAAAAEAAABQAAAAAAAAAAAA4D8AAAAAAADgPwAAAAAAAOA/AAAAAAAA4D8AAAAAAADgPwAAAAAAAOA/AAAAAAAA4D8AAAAAAADgPwAAAAAAAOA/AAAAAAAA4D8CAAAAjAAAAAEAAAAAAAAA////AP///wgAAAAAAAAAAAAAAAAAAAAAAAAAAAAAAAAAAAAAeAAAAAEAAABAAAAAAAAAAAAAAABaAAAAAAAAAAAAAAAAAAAAAAAAAAAAAAAAAAAAAAAAAAAAAAAAAAAAAAAAAAAAAAAAAAAAAAAAAAAAAAAAAAAAAAAAAAAAAAAAAAAAFAAAADwAAAAAAAAAAAAAAAAAAAkUAAAAAQAAABQAAAAUAAAAFAAAAAEAAAAAAAAAZAAAAGQAAAAAAAAAZAAAAGQAAAAVAAAAYAAAAAAAAAAAAAAADwAAACADAAAAAAAAAAAAAAEAAACgMgAAVgcAAKr4//8BAAAAf39/AAEAAABkAAAAAAAAABQAAABAHwAAAAAAACYAAAAAAAAAwOD//wAAAAAmAAAAZAAAABYAAABMAAAAAAAAAAAAAAAEAAAAAAAAAAEAAADu7OEKAAAAACgAAAAoAAAAZAAAAGQAAAAAAAAAzMzMAAAAAABQAAAAUAAAAGQAAABkAAAAAAAAABcAAAAUAAAAAAAAAAAAAAD/fwAA/38AAAAAAAAJAAAABAAAAAAAAAAMAAAAEAAAAAAAAAAAAAAAAAAAAAAAAAAeAAAAaAAAAAAAAAAAAAAAAAAAAAAAAAAAAAAAECcAABAnAAAAAAAAAAAAAAAAAAAAAAAAAAAAAAAAAAAAAAAAAAAAABQAAAAAAAAAwMD/AAAAAABkAAAAMgAAAAAAAABkAAAAAAAAAH9/fwAKAAAAHwAAAFQAAAD///8A////AQAAAAAAAAAAAAAAAAAAAAAAAAAAAAAAAAAAAAAAAAAAAAAAAn9/fwDu7OEDzMzMAMDA/wB/f38AAAAAAAAAAAAAAAAAAAAAAAAAAAAhAAAAGAAAABQAAAAAAAAA8AAAAOYIAABQCAAAEAAAACYAAAAIAAAA//////////8="/>
+                <pr:smNativeData xmlns="" xmlns:p14="http://schemas.microsoft.com/office/powerpoint/2010/main" xmlns:pr="smNativeData" val="SMDATA_13_aDXlXhMAAAAlAAAAZAAAAA0AAAAAjgAAAEcAAACOAAAARwAAAAAAAAAAAAAAAAAAAAEAAABQAAAAAAAAAAAA4D8AAAAAAADgPwAAAAAAAOA/AAAAAAAA4D8AAAAAAADgPwAAAAAAAOA/AAAAAAAA4D8AAAAAAADgPwAAAAAAAOA/AAAAAAAA4D8CAAAAjAAAAAEAAAAAAAAA////AP///wgAAAAAAAAAAAAAAAAAAAAAAAAAAAAAAAAAAAAAeAAAAAEAAABAAAAAAAAAAAAAAABaAAAAAAAAAAAAAAAAAAAAAAAAAAAAAAAAAAAAAAAAAAAAAAAAAAAAAAAAAAAAAAAAAAAAAAAAAAAAAAAAAAAAAAAAAAAAAAAAAAAAFAAAADwAAAAAAAAAAAAAAAAAAAkUAAAAAQAAABQAAAAUAAAAFAAAAAEAAAAAAAAAZAAAAGQAAAAAAAAAZAAAAGQAAAAVAAAAYAAAAAAAAAAAAAAADwAAACADAAAAAAAAAAAAAAEAAACgMgAAVgcAAKr4//8BAAAAf39/AAEAAABkAAAAAAAAABQAAABAHwAAAAAAACYAAAAAAAAAwOD//wAAAAAmAAAAZAAAABYAAABMAAAAAAAAAAAAAAAEAAAAAAAAAAEAAADu7OEKAAAAACgAAAAoAAAAZAAAAGQAAAAAAAAAzMzMAAAAAABQAAAAUAAAAGQAAABkAAAAAAAAABcAAAAUAAAAAAAAAAAAAAD/fwAA/38AAAAAAAAJAAAABAAAAAAAAAAMAAAAEAAAAAAAAAAAAAAAAAAAAAAAAAAeAAAAaAAAAAAAAAAAAAAAAAAAAAAAAAAAAAAAECcAABAnAAAAAAAAAAAAAAAAAAAAAAAAAAAAAAAAAAAAAAAAAAAAABQAAAAAAAAAwMD/AAAAAABkAAAAMgAAAAAAAABkAAAAAAAAAH9/fwAKAAAAHwAAAFQAAAD///8A////AQAAAAAAAAAAAAAAAAAAAAAAAAAAAAAAAAAAAAAAAAAAAAAAAn9/fwDu7OEDzMzMAMDA/wB/f38AAAAAAAAAAAAAAAAAAAAAAAAAAAAhAAAAGAAAABQAAAAAAAAA8AAAAOYIAABQCAAAEAAAACYAAAAIAAAA//////////8="/>
               </a:ext>
             </a:extLst>
           </p:cNvSpPr>
@@ -2873,7 +2874,7 @@
           <p:cNvPicPr>
             <a:extLst>
               <a:ext uri="smNativeData">
-                <pr:smNativeData xmlns:pr="smNativeData" xmlns:p14="http://schemas.microsoft.com/office/powerpoint/2010/main" xmlns="" val="SMDATA_15_aDXlXhMAAAAlAAAAEQAAAA0AAAAAkAAAAEgAAACQAAAASAAAAAAAAAAAAAAAAAAAAAEAAABQAAAAAAAAAAAA4D8AAAAAAADgPwAAAAAAAOA/AAAAAAAA4D8AAAAAAADgPwAAAAAAAOA/AAAAAAAA4D8AAAAAAADgPwAAAAAAAOA/AAAAAAAA4D8CAAAAjAAAAAAAAAAAAAAAT4G9DP///wgAAAAAAAAAAAAAAAAAAAAAAAAAAAAAAAAAAAAAZAAAAAEAAABAAAAAAAAAAAAAAAAAAAAAAAAAAAAAAAAAAAAAAAAAAAAAAAAAAAAAAAAAAAAAAAAAAAAAAAAAAAAAAAAAAAAAAAAAAAAAAAAAAAAAAAAAAAAAAAAAAAAAFAAAADwAAAAAAAAAAAAAAAAAAAkUAAAAAQAAABQAAAAUAAAAFAAAAAEAAAAAAAAAZAAAAGQAAAAAAAAAZAAAAGQAAAAVAAAAYAAAAAAAAAAAAAAADwAAACADAAAAAAAAAAAAAAEAAACgMgAAVgcAAKr4//8BAAAAf39/AAEAAABkAAAAAAAAABQAAABAHwAAAAAAACYAAAAAAAAAwOD//wAAAAAmAAAAZAAAABYAAABMAAAAAAAAAAAAAAAEAAAAAAAAAAEAAADu7OEKAAAAACgAAAAoAAAAZAAAAGQAAAAAAAAAzMzMAAAAAABQAAAAUAAAAGQAAABkAAAAAAAAAAcAAAA4AAAAAAAAAAAAAAAAAAAA////AAAAAAAAAAAAAAAAAAAAAAAAAAAAAAAAAAAAAABkAAAAZAAAAAAAAAAjAAAABAAAAGQAAAAXAAAAFAAAAAAAAAAAAAAA/38AAP9/AAAAAAAACQAAAAQAAADgHbMCDAAAABAAAAAAAAAAAAAAAAAAAAAAAAAAHgAAAGgAAAAAAAAAAAAAAAAAAAAAAAAAAAAAABAnAAAQJwAAAAAAAAAAAAAAAAAAAAAAAAAAAAAAAAAAAAAAAAAAAAAUAAAAAAAAAMDA/wAAAAAAZAAAADIAAAAAAAAAZAAAAAAAAAB/f38ACgAAAB8AAABUAAAAT4G9Bf///wEAAAAAAAAAAAAAAAAAAAAAAAAAAAAAAAAAAAAAAAAAAAAAAAJ/f38A7uzhA8zMzADAwP8Af39/AAAAAAAAAAAAAAAAAP///wAAAAAAIQAAABgAAAAUAAAAGwEAANoAAABxBgAA0wYAABAAAAAmAAAACAAAAP//////////"/>
+                <pr:smNativeData xmlns="" xmlns:p14="http://schemas.microsoft.com/office/powerpoint/2010/main" xmlns:pr="smNativeData" val="SMDATA_15_aDXlXhMAAAAlAAAAEQAAAA0AAAAAkAAAAEgAAACQAAAASAAAAAAAAAAAAAAAAAAAAAEAAABQAAAAAAAAAAAA4D8AAAAAAADgPwAAAAAAAOA/AAAAAAAA4D8AAAAAAADgPwAAAAAAAOA/AAAAAAAA4D8AAAAAAADgPwAAAAAAAOA/AAAAAAAA4D8CAAAAjAAAAAAAAAAAAAAAT4G9DP///wgAAAAAAAAAAAAAAAAAAAAAAAAAAAAAAAAAAAAAZAAAAAEAAABAAAAAAAAAAAAAAAAAAAAAAAAAAAAAAAAAAAAAAAAAAAAAAAAAAAAAAAAAAAAAAAAAAAAAAAAAAAAAAAAAAAAAAAAAAAAAAAAAAAAAAAAAAAAAAAAAAAAAFAAAADwAAAAAAAAAAAAAAAAAAAkUAAAAAQAAABQAAAAUAAAAFAAAAAEAAAAAAAAAZAAAAGQAAAAAAAAAZAAAAGQAAAAVAAAAYAAAAAAAAAAAAAAADwAAACADAAAAAAAAAAAAAAEAAACgMgAAVgcAAKr4//8BAAAAf39/AAEAAABkAAAAAAAAABQAAABAHwAAAAAAACYAAAAAAAAAwOD//wAAAAAmAAAAZAAAABYAAABMAAAAAAAAAAAAAAAEAAAAAAAAAAEAAADu7OEKAAAAACgAAAAoAAAAZAAAAGQAAAAAAAAAzMzMAAAAAABQAAAAUAAAAGQAAABkAAAAAAAAAAcAAAA4AAAAAAAAAAAAAAAAAAAA////AAAAAAAAAAAAAAAAAAAAAAAAAAAAAAAAAAAAAABkAAAAZAAAAAAAAAAjAAAABAAAAGQAAAAXAAAAFAAAAAAAAAAAAAAA/38AAP9/AAAAAAAACQAAAAQAAADgHbMCDAAAABAAAAAAAAAAAAAAAAAAAAAAAAAAHgAAAGgAAAAAAAAAAAAAAAAAAAAAAAAAAAAAABAnAAAQJwAAAAAAAAAAAAAAAAAAAAAAAAAAAAAAAAAAAAAAAAAAAAAUAAAAAAAAAMDA/wAAAAAAZAAAADIAAAAAAAAAZAAAAAAAAAB/f38ACgAAAB8AAABUAAAAT4G9Bf///wEAAAAAAAAAAAAAAAAAAAAAAAAAAAAAAAAAAAAAAAAAAAAAAAJ/f38A7uzhA8zMzADAwP8Af39/AAAAAAAAAAAAAAAAAP///wAAAAAAIQAAABgAAAAUAAAAGwEAANoAAABxBgAA0wYAABAAAAAmAAAACAAAAP//////////"/>
               </a:ext>
             </a:extLst>
           </p:cNvPicPr>
@@ -2906,7 +2907,7 @@
           <p:cNvPicPr>
             <a:extLst>
               <a:ext uri="smNativeData">
-                <pr:smNativeData xmlns:pr="smNativeData" xmlns:p14="http://schemas.microsoft.com/office/powerpoint/2010/main" xmlns="" val="SMDATA_15_aDXlXhMAAAAlAAAAEQAAAA0AAAAAkAAAAEgAAACQAAAASAAAAAAAAAAAAAAAAAAAAAEAAABQAAAAAAAAAAAA4D8AAAAAAADgPwAAAAAAAOA/AAAAAAAA4D8AAAAAAADgPwAAAAAAAOA/AAAAAAAA4D8AAAAAAADgPwAAAAAAAOA/AAAAAAAA4D8CAAAAjAAAAAAAAAAAAAAAT4G9DP///wgAAAAAAAAAAAAAAAAAAAAAAAAAAAAAAAAAAAAAZAAAAAEAAABAAAAAAAAAAAAAAAAAAAAAAAAAAAAAAAAAAAAAAAAAAAAAAAAAAAAAAAAAAAAAAAAAAAAAAAAAAAAAAAAAAAAAAAAAAAAAAAAAAAAAAAAAAAAAAAAAAAAAFAAAADwAAAAAAAAAAAAAAAAAAAkUAAAAAQAAABQAAAAUAAAAFAAAAAEAAAAAAAAAZAAAAGQAAAAAAAAAZAAAAGQAAAAVAAAAYAAAAAAAAAAAAAAADwAAACADAAAAAAAAAAAAAAEAAACgMgAAVgcAAKr4//8BAAAAf39/AAEAAABkAAAAAAAAABQAAABAHwAAAAAAACYAAAAAAAAAwOD//wAAAAAmAAAAZAAAABYAAABMAAAAAAAAAAAAAAAEAAAAAAAAAAEAAADu7OEKAAAAACgAAAAoAAAAZAAAAGQAAAAAAAAAzMzMAAAAAABQAAAAUAAAAGQAAABkAAAAAAAAAAcAAAA4AAAAAAAAAAAAAAAAAAAA////AAAAAAAAAAAAAAAAAAAAAAAAAAAAAAAAAAAAAABkAAAAZAAAAAAAAAAjAAAABAAAAGQAAAAXAAAAFAAAAAAAAAAAAAAA/38AAP9/AAAAAAAACQAAAAQAAAAAAAAADAAAABAAAAAAAAAAAAAAAAAAAAAAAAAAHgAAAGgAAAAAAAAAAAAAAAAAAAAAAAAAAAAAABAnAAAQJwAAAAAAAAAAAAAAAAAAAAAAAAAAAAAAAAAAAAAAAAAAAAAUAAAAAAAAAMDA/wAAAAAAZAAAADIAAAAAAAAAZAAAAAAAAAB/f38ACgAAAB8AAABUAAAAT4G9Bf///wEAAAAAAAAAAAAAAAAAAAAAAAAAAAAAAAAAAAAAAAAAAAAAAAJ/f38A7uzhA8zMzADAwP8Af39/AAAAAAAAAAAAAAAAAP///wAAAAAAIQAAABgAAAAUAAAAoBAAAKMAAACXGgAAuQYAABAAAAAmAAAACAAAAP//////////"/>
+                <pr:smNativeData xmlns="" xmlns:p14="http://schemas.microsoft.com/office/powerpoint/2010/main" xmlns:pr="smNativeData" val="SMDATA_15_aDXlXhMAAAAlAAAAEQAAAA0AAAAAkAAAAEgAAACQAAAASAAAAAAAAAAAAAAAAAAAAAEAAABQAAAAAAAAAAAA4D8AAAAAAADgPwAAAAAAAOA/AAAAAAAA4D8AAAAAAADgPwAAAAAAAOA/AAAAAAAA4D8AAAAAAADgPwAAAAAAAOA/AAAAAAAA4D8CAAAAjAAAAAAAAAAAAAAAT4G9DP///wgAAAAAAAAAAAAAAAAAAAAAAAAAAAAAAAAAAAAAZAAAAAEAAABAAAAAAAAAAAAAAAAAAAAAAAAAAAAAAAAAAAAAAAAAAAAAAAAAAAAAAAAAAAAAAAAAAAAAAAAAAAAAAAAAAAAAAAAAAAAAAAAAAAAAAAAAAAAAAAAAAAAAFAAAADwAAAAAAAAAAAAAAAAAAAkUAAAAAQAAABQAAAAUAAAAFAAAAAEAAAAAAAAAZAAAAGQAAAAAAAAAZAAAAGQAAAAVAAAAYAAAAAAAAAAAAAAADwAAACADAAAAAAAAAAAAAAEAAACgMgAAVgcAAKr4//8BAAAAf39/AAEAAABkAAAAAAAAABQAAABAHwAAAAAAACYAAAAAAAAAwOD//wAAAAAmAAAAZAAAABYAAABMAAAAAAAAAAAAAAAEAAAAAAAAAAEAAADu7OEKAAAAACgAAAAoAAAAZAAAAGQAAAAAAAAAzMzMAAAAAABQAAAAUAAAAGQAAABkAAAAAAAAAAcAAAA4AAAAAAAAAAAAAAAAAAAA////AAAAAAAAAAAAAAAAAAAAAAAAAAAAAAAAAAAAAABkAAAAZAAAAAAAAAAjAAAABAAAAGQAAAAXAAAAFAAAAAAAAAAAAAAA/38AAP9/AAAAAAAACQAAAAQAAAAAAAAADAAAABAAAAAAAAAAAAAAAAAAAAAAAAAAHgAAAGgAAAAAAAAAAAAAAAAAAAAAAAAAAAAAABAnAAAQJwAAAAAAAAAAAAAAAAAAAAAAAAAAAAAAAAAAAAAAAAAAAAAUAAAAAAAAAMDA/wAAAAAAZAAAADIAAAAAAAAAZAAAAAAAAAB/f38ACgAAAB8AAABUAAAAT4G9Bf///wEAAAAAAAAAAAAAAAAAAAAAAAAAAAAAAAAAAAAAAAAAAAAAAAJ/f38A7uzhA8zMzADAwP8Af39/AAAAAAAAAAAAAAAAAP///wAAAAAAIQAAABgAAAAUAAAAoBAAAKMAAACXGgAAuQYAABAAAAAmAAAACAAAAP//////////"/>
               </a:ext>
             </a:extLst>
           </p:cNvPicPr>
@@ -2939,7 +2940,7 @@
           <p:cNvPicPr>
             <a:extLst>
               <a:ext uri="smNativeData">
-                <pr:smNativeData xmlns:pr="smNativeData" xmlns:p14="http://schemas.microsoft.com/office/powerpoint/2010/main" xmlns="" val="SMDATA_15_aDXlXhMAAAAlAAAAEQAAAA0AAAAAkAAAAEgAAACQAAAASAAAAAAAAAAAAAAAAAAAAAEAAABQAAAAAAAAAAAA4D8AAAAAAADgPwAAAAAAAOA/AAAAAAAA4D8AAAAAAADgPwAAAAAAAOA/AAAAAAAA4D8AAAAAAADgPwAAAAAAAOA/AAAAAAAA4D8CAAAAjAAAAAAAAAAAAAAAT4G9DP///wgAAAAAAAAAAAAAAAAAAAAAAAAAAAAAAAAAAAAAZAAAAAEAAABAAAAAAAAAAAAAAAAAAAAAAAAAAAAAAAAAAAAAAAAAAAAAAAAAAAAAAAAAAAAAAAAAAAAAAAAAAAAAAAAAAAAAAAAAAAAAAAAAAAAAAAAAAAAAAAAAAAAAFAAAADwAAAAAAAAAAAAAAAAAAAkUAAAAAQAAABQAAAAUAAAAFAAAAAEAAAAAAAAAZAAAAGQAAAAAAAAAZAAAAGQAAAAVAAAAYAAAAAAAAAAAAAAADwAAACADAAAAAAAAAAAAAAEAAACgMgAAVgcAAKr4//8BAAAAf39/AAEAAABkAAAAAAAAABQAAABAHwAAAAAAACYAAAAAAAAAwOD//wAAAAAmAAAAZAAAABYAAABMAAAAAAAAAAAAAAAEAAAAAAAAAAEAAADu7OEKAAAAACgAAAAoAAAAZAAAAGQAAAAAAAAAzMzMAAAAAABQAAAAUAAAAGQAAABkAAAAAAAAAAcAAAA4AAAAAAAAAAAAAAAAAAAA////AAAAAAAAAAAAAAAAAAAAAAAAAAAAAAAAAAAAAABkAAAAZAAAAAAAAAAjAAAABAAAAGQAAAAXAAAAFAAAAAAAAAAAAAAA/38AAP9/AAAAAAAACQAAAAQAAAAAAAAADAAAABAAAAAAAAAAAAAAAAAAAAAAAAAAHgAAAGgAAAAAAAAAAAAAAAAAAAAAAAAAAAAAABAnAAAQJwAAAAAAAAAAAAAAAAAAAAAAAAAAAAAAAAAAAAAAAAAAAAAUAAAAAAAAAMDA/wAAAAAAZAAAADIAAAAAAAAAZAAAAAAAAAB/f38ACgAAAB8AAABUAAAAT4G9Bf///wEAAAAAAAAAAAAAAAAAAAAAAAAAAAAAAAAAAAAAAAAAAAAAAAJ/f38A7uzhA8zMzADAwP8Af39/AAAAAAAAAAAAAAAAAP///wAAAAAAIQAAABgAAAAUAAAAmRoAAKgAAACOJAAAuwYAABAAAAAmAAAACAAAAP//////////"/>
+                <pr:smNativeData xmlns="" xmlns:p14="http://schemas.microsoft.com/office/powerpoint/2010/main" xmlns:pr="smNativeData" val="SMDATA_15_aDXlXhMAAAAlAAAAEQAAAA0AAAAAkAAAAEgAAACQAAAASAAAAAAAAAAAAAAAAAAAAAEAAABQAAAAAAAAAAAA4D8AAAAAAADgPwAAAAAAAOA/AAAAAAAA4D8AAAAAAADgPwAAAAAAAOA/AAAAAAAA4D8AAAAAAADgPwAAAAAAAOA/AAAAAAAA4D8CAAAAjAAAAAAAAAAAAAAAT4G9DP///wgAAAAAAAAAAAAAAAAAAAAAAAAAAAAAAAAAAAAAZAAAAAEAAABAAAAAAAAAAAAAAAAAAAAAAAAAAAAAAAAAAAAAAAAAAAAAAAAAAAAAAAAAAAAAAAAAAAAAAAAAAAAAAAAAAAAAAAAAAAAAAAAAAAAAAAAAAAAAAAAAAAAAFAAAADwAAAAAAAAAAAAAAAAAAAkUAAAAAQAAABQAAAAUAAAAFAAAAAEAAAAAAAAAZAAAAGQAAAAAAAAAZAAAAGQAAAAVAAAAYAAAAAAAAAAAAAAADwAAACADAAAAAAAAAAAAAAEAAACgMgAAVgcAAKr4//8BAAAAf39/AAEAAABkAAAAAAAAABQAAABAHwAAAAAAACYAAAAAAAAAwOD//wAAAAAmAAAAZAAAABYAAABMAAAAAAAAAAAAAAAEAAAAAAAAAAEAAADu7OEKAAAAACgAAAAoAAAAZAAAAGQAAAAAAAAAzMzMAAAAAABQAAAAUAAAAGQAAABkAAAAAAAAAAcAAAA4AAAAAAAAAAAAAAAAAAAA////AAAAAAAAAAAAAAAAAAAAAAAAAAAAAAAAAAAAAABkAAAAZAAAAAAAAAAjAAAABAAAAGQAAAAXAAAAFAAAAAAAAAAAAAAA/38AAP9/AAAAAAAACQAAAAQAAAAAAAAADAAAABAAAAAAAAAAAAAAAAAAAAAAAAAAHgAAAGgAAAAAAAAAAAAAAAAAAAAAAAAAAAAAABAnAAAQJwAAAAAAAAAAAAAAAAAAAAAAAAAAAAAAAAAAAAAAAAAAAAAUAAAAAAAAAMDA/wAAAAAAZAAAADIAAAAAAAAAZAAAAAAAAAB/f38ACgAAAB8AAABUAAAAT4G9Bf///wEAAAAAAAAAAAAAAAAAAAAAAAAAAAAAAAAAAAAAAAAAAAAAAAJ/f38A7uzhA8zMzADAwP8Af39/AAAAAAAAAAAAAAAAAP///wAAAAAAIQAAABgAAAAUAAAAmRoAAKgAAACOJAAAuwYAABAAAAAmAAAACAAAAP//////////"/>
               </a:ext>
             </a:extLst>
           </p:cNvPicPr>
@@ -2972,7 +2973,7 @@
           <p:cNvPicPr>
             <a:extLst>
               <a:ext uri="smNativeData">
-                <pr:smNativeData xmlns:pr="smNativeData" xmlns:p14="http://schemas.microsoft.com/office/powerpoint/2010/main" xmlns="" val="SMDATA_15_aDXlXhMAAAAlAAAAEQAAAA0AAAAAkAAAAEgAAACQAAAASAAAAAAAAAAAAAAAAAAAAAEAAABQAAAAAAAAAAAA4D8AAAAAAADgPwAAAAAAAOA/AAAAAAAA4D8AAAAAAADgPwAAAAAAAOA/AAAAAAAA4D8AAAAAAADgPwAAAAAAAOA/AAAAAAAA4D8CAAAAjAAAAAAAAAAAAAAAT4G9DP///wgAAAAAAAAAAAAAAAAAAAAAAAAAAAAAAAAAAAAAZAAAAAEAAABAAAAAAAAAAAAAAAAAAAAAAAAAAAAAAAAAAAAAAAAAAAAAAAAAAAAAAAAAAAAAAAAAAAAAAAAAAAAAAAAAAAAAAAAAAAAAAAAAAAAAAAAAAAAAAAAAAAAAFAAAADwAAAAAAAAAAAAAAAAAAAkUAAAAAQAAABQAAAAUAAAAFAAAAAEAAAAAAAAAZAAAAGQAAAAAAAAAZAAAAGQAAAAVAAAAYAAAAAAAAAAAAAAADwAAACADAAAAAAAAAAAAAAEAAACgMgAAVgcAAKr4//8BAAAAf39/AAEAAABkAAAAAAAAABQAAABAHwAAAAAAACYAAAAAAAAAwOD//wAAAAAmAAAAZAAAABYAAABMAAAAAAAAAAAAAAAEAAAAAAAAAAEAAADu7OEKAAAAACgAAAAoAAAAZAAAAGQAAAAAAAAAzMzMAAAAAABQAAAAUAAAAGQAAABkAAAAAAAAAAcAAAA4AAAAAAAAAAAAAAAAAAAA////AAAAAAAAAAAAAAAAAAAAAAAAAAAAAAAAAAAAAABkAAAAZAAAAAAAAAAjAAAABAAAAGQAAAAXAAAAFAAAAAAAAAAAAAAA/38AAP9/AAAAAAAACQAAAAQAAAAAAAAADAAAABAAAAAAAAAAAAAAAAAAAAAAAAAAHgAAAGgAAAAAAAAAAAAAAAAAAAAAAAAAAAAAABAnAAAQJwAAAAAAAAAAAAAAAAAAAAAAAAAAAAAAAAAAAAAAAAAAAAAUAAAAAAAAAMDA/wAAAAAAZAAAADIAAAAAAAAAZAAAAAAAAAB/f38ACgAAAB8AAABUAAAAT4G9Bf///wEAAAAAAAAAAAAAAAAAAAAAAAAAAAAAAAAAAAAAAAAAAAAAAAJ/f38A7uzhA8zMzADAwP8Af39/AAAAAAAAAAAAAAAAAP///wAAAAAAIQAAABgAAAAUAAAAcSQAALgAAABmLgAAzgYAABAAAAAmAAAACAAAAP//////////"/>
+                <pr:smNativeData xmlns="" xmlns:p14="http://schemas.microsoft.com/office/powerpoint/2010/main" xmlns:pr="smNativeData" val="SMDATA_15_aDXlXhMAAAAlAAAAEQAAAA0AAAAAkAAAAEgAAACQAAAASAAAAAAAAAAAAAAAAAAAAAEAAABQAAAAAAAAAAAA4D8AAAAAAADgPwAAAAAAAOA/AAAAAAAA4D8AAAAAAADgPwAAAAAAAOA/AAAAAAAA4D8AAAAAAADgPwAAAAAAAOA/AAAAAAAA4D8CAAAAjAAAAAAAAAAAAAAAT4G9DP///wgAAAAAAAAAAAAAAAAAAAAAAAAAAAAAAAAAAAAAZAAAAAEAAABAAAAAAAAAAAAAAAAAAAAAAAAAAAAAAAAAAAAAAAAAAAAAAAAAAAAAAAAAAAAAAAAAAAAAAAAAAAAAAAAAAAAAAAAAAAAAAAAAAAAAAAAAAAAAAAAAAAAAFAAAADwAAAAAAAAAAAAAAAAAAAkUAAAAAQAAABQAAAAUAAAAFAAAAAEAAAAAAAAAZAAAAGQAAAAAAAAAZAAAAGQAAAAVAAAAYAAAAAAAAAAAAAAADwAAACADAAAAAAAAAAAAAAEAAACgMgAAVgcAAKr4//8BAAAAf39/AAEAAABkAAAAAAAAABQAAABAHwAAAAAAACYAAAAAAAAAwOD//wAAAAAmAAAAZAAAABYAAABMAAAAAAAAAAAAAAAEAAAAAAAAAAEAAADu7OEKAAAAACgAAAAoAAAAZAAAAGQAAAAAAAAAzMzMAAAAAABQAAAAUAAAAGQAAABkAAAAAAAAAAcAAAA4AAAAAAAAAAAAAAAAAAAA////AAAAAAAAAAAAAAAAAAAAAAAAAAAAAAAAAAAAAABkAAAAZAAAAAAAAAAjAAAABAAAAGQAAAAXAAAAFAAAAAAAAAAAAAAA/38AAP9/AAAAAAAACQAAAAQAAAAAAAAADAAAABAAAAAAAAAAAAAAAAAAAAAAAAAAHgAAAGgAAAAAAAAAAAAAAAAAAAAAAAAAAAAAABAnAAAQJwAAAAAAAAAAAAAAAAAAAAAAAAAAAAAAAAAAAAAAAAAAAAAUAAAAAAAAAMDA/wAAAAAAZAAAADIAAAAAAAAAZAAAAAAAAAB/f38ACgAAAB8AAABUAAAAT4G9Bf///wEAAAAAAAAAAAAAAAAAAAAAAAAAAAAAAAAAAAAAAAAAAAAAAAJ/f38A7uzhA8zMzADAwP8Af39/AAAAAAAAAAAAAAAAAP///wAAAAAAIQAAABgAAAAUAAAAcSQAALgAAABmLgAAzgYAABAAAAAmAAAACAAAAP//////////"/>
               </a:ext>
             </a:extLst>
           </p:cNvPicPr>
@@ -3005,7 +3006,7 @@
           <p:cNvPicPr>
             <a:extLst>
               <a:ext uri="smNativeData">
-                <pr:smNativeData xmlns:pr="smNativeData" xmlns:p14="http://schemas.microsoft.com/office/powerpoint/2010/main" xmlns="" val="SMDATA_15_aDXlXhMAAAAlAAAAEQAAAA0AAAAAkAAAAEgAAACQAAAASAAAAAAAAAAAAAAAAAAAAAEAAABQAAAAAAAAAAAA4D8AAAAAAADgPwAAAAAAAOA/AAAAAAAA4D8AAAAAAADgPwAAAAAAAOA/AAAAAAAA4D8AAAAAAADgPwAAAAAAAOA/AAAAAAAA4D8CAAAAjAAAAAAAAAAAAAAAT4G9DP///wgAAAAAAAAAAAAAAAAAAAAAAAAAAAAAAAAAAAAAZAAAAAEAAABAAAAAAAAAAAAAAAAAAAAAAAAAAAAAAAAAAAAAAAAAAAAAAAAAAAAAAAAAAAAAAAAAAAAAAAAAAAAAAAAAAAAAAAAAAAAAAAAAAAAAAAAAAAAAAAAAAAAAFAAAADwAAAAAAAAAAAAAAAAAAAkUAAAAAQAAABQAAAAUAAAAFAAAAAEAAAAAAAAAZAAAAGQAAAAAAAAAZAAAAGQAAAAVAAAAYAAAAAAAAAAAAAAADwAAACADAAAAAAAAAAAAAAEAAACgMgAAVgcAAKr4//8BAAAAf39/AAEAAABkAAAAAAAAABQAAABAHwAAAAAAACYAAAAAAAAAwOD//wAAAAAmAAAAZAAAABYAAABMAAAAAAAAAAAAAAAEAAAAAAAAAAEAAADu7OEKAAAAACgAAAAoAAAAZAAAAGQAAAAAAAAAzMzMAAAAAABQAAAAUAAAAGQAAABkAAAAAAAAAAcAAAA4AAAAAAAAAAAAAAAAAAAA////AAAAAAAAAAAAAAAAAAAAAAAAAAAAAAAAAAAAAABkAAAAZAAAAAAAAAAjAAAABAAAAGQAAAAXAAAAFAAAAAAAAAAAAAAA/38AAP9/AAAAAAAACQAAAAQAAAAAAAAADAAAABAAAAAAAAAAAAAAAAAAAAAAAAAAHgAAAGgAAAAAAAAAAAAAAAAAAAAAAAAAAAAAABAnAAAQJwAAAAAAAAAAAAAAAAAAAAAAAAAAAAAAAAAAAAAAAAAAAAAUAAAAAAAAAMDA/wAAAAAAZAAAADIAAAAAAAAAZAAAAAAAAAB/f38ACgAAAB8AAABUAAAAT4G9Bf///wEAAAAAAAAAAAAAAAAAAAAAAAAAAAAAAAAAAAAAAAAAAAAAAAJ/f38A7uzhA8zMzADAwP8Af39/AAAAAAAAAAAAAAAAAP///wAAAAAAIQAAABgAAAAUAAAASS4AALAAAAA+OAAAxgYAABAAAAAmAAAACAAAAP//////////"/>
+                <pr:smNativeData xmlns="" xmlns:p14="http://schemas.microsoft.com/office/powerpoint/2010/main" xmlns:pr="smNativeData" val="SMDATA_15_aDXlXhMAAAAlAAAAEQAAAA0AAAAAkAAAAEgAAACQAAAASAAAAAAAAAAAAAAAAAAAAAEAAABQAAAAAAAAAAAA4D8AAAAAAADgPwAAAAAAAOA/AAAAAAAA4D8AAAAAAADgPwAAAAAAAOA/AAAAAAAA4D8AAAAAAADgPwAAAAAAAOA/AAAAAAAA4D8CAAAAjAAAAAAAAAAAAAAAT4G9DP///wgAAAAAAAAAAAAAAAAAAAAAAAAAAAAAAAAAAAAAZAAAAAEAAABAAAAAAAAAAAAAAAAAAAAAAAAAAAAAAAAAAAAAAAAAAAAAAAAAAAAAAAAAAAAAAAAAAAAAAAAAAAAAAAAAAAAAAAAAAAAAAAAAAAAAAAAAAAAAAAAAAAAAFAAAADwAAAAAAAAAAAAAAAAAAAkUAAAAAQAAABQAAAAUAAAAFAAAAAEAAAAAAAAAZAAAAGQAAAAAAAAAZAAAAGQAAAAVAAAAYAAAAAAAAAAAAAAADwAAACADAAAAAAAAAAAAAAEAAACgMgAAVgcAAKr4//8BAAAAf39/AAEAAABkAAAAAAAAABQAAABAHwAAAAAAACYAAAAAAAAAwOD//wAAAAAmAAAAZAAAABYAAABMAAAAAAAAAAAAAAAEAAAAAAAAAAEAAADu7OEKAAAAACgAAAAoAAAAZAAAAGQAAAAAAAAAzMzMAAAAAABQAAAAUAAAAGQAAABkAAAAAAAAAAcAAAA4AAAAAAAAAAAAAAAAAAAA////AAAAAAAAAAAAAAAAAAAAAAAAAAAAAAAAAAAAAABkAAAAZAAAAAAAAAAjAAAABAAAAGQAAAAXAAAAFAAAAAAAAAAAAAAA/38AAP9/AAAAAAAACQAAAAQAAAAAAAAADAAAABAAAAAAAAAAAAAAAAAAAAAAAAAAHgAAAGgAAAAAAAAAAAAAAAAAAAAAAAAAAAAAABAnAAAQJwAAAAAAAAAAAAAAAAAAAAAAAAAAAAAAAAAAAAAAAAAAAAAUAAAAAAAAAMDA/wAAAAAAZAAAADIAAAAAAAAAZAAAAAAAAAB/f38ACgAAAB8AAABUAAAAT4G9Bf///wEAAAAAAAAAAAAAAAAAAAAAAAAAAAAAAAAAAAAAAAAAAAAAAAJ/f38A7uzhA8zMzADAwP8Af39/AAAAAAAAAAAAAAAAAP///wAAAAAAIQAAABgAAAAUAAAASS4AALAAAAA+OAAAxgYAABAAAAAmAAAACAAAAP//////////"/>
               </a:ext>
             </a:extLst>
           </p:cNvPicPr>
@@ -3038,7 +3039,7 @@
           <p:cNvPicPr>
             <a:extLst>
               <a:ext uri="smNativeData">
-                <pr:smNativeData xmlns:pr="smNativeData" xmlns:p14="http://schemas.microsoft.com/office/powerpoint/2010/main" xmlns="" val="SMDATA_15_aDXlXhMAAAAlAAAAEQAAAA0AAAAAkAAAAEgAAACQAAAASAAAAAAAAAAAAAAAAAAAAAEAAABQAAAAAAAAAAAA4D8AAAAAAADgPwAAAAAAAOA/AAAAAAAA4D8AAAAAAADgPwAAAAAAAOA/AAAAAAAA4D8AAAAAAADgPwAAAAAAAOA/AAAAAAAA4D8CAAAAjAAAAAAAAAAAAAAAT4G9DP///wgAAAAAAAAAAAAAAAAAAAAAAAAAAAAAAAAAAAAAZAAAAAEAAABAAAAAAAAAAAAAAAAAAAAAAAAAAAAAAAAAAAAAAAAAAAAAAAAAAAAAAAAAAAAAAAAAAAAAAAAAAAAAAAAAAAAAAAAAAAAAAAAAAAAAAAAAAAAAAAAAAAAAFAAAADwAAAAAAAAAAAAAAAAAAAkUAAAAAQAAABQAAAAUAAAAFAAAAAEAAAAAAAAAZAAAAGQAAAAAAAAAZAAAAGQAAAAVAAAAYAAAAAAAAAAAAAAADwAAACADAAAAAAAAAAAAAAEAAACgMgAAVgcAAKr4//8BAAAAf39/AAEAAABkAAAAAAAAABQAAABAHwAAAAAAACYAAAAAAAAAwOD//wAAAAAmAAAAZAAAABYAAABMAAAAAAAAAAAAAAAEAAAAAAAAAAEAAADu7OEKAAAAACgAAAAoAAAAZAAAAGQAAAAAAAAAzMzMAAAAAABQAAAAUAAAAGQAAABkAAAAAAAAAAcAAAA4AAAAAAAAAAAAAAAAAAAA////AAAAAAAAAAAAAAAAAAAAAAAAAAAAAAAAAAAAAABkAAAAZAAAAAAAAAAjAAAABAAAAGQAAAAXAAAAFAAAAAAAAAAAAAAA/38AAP9/AAAAAAAACQAAAAQAAAAAAAAADAAAABAAAAAAAAAAAAAAAAAAAAAAAAAAHgAAAGgAAAAAAAAAAAAAAAAAAAAAAAAAAAAAABAnAAAQJwAAAAAAAAAAAAAAAAAAAAAAAAAAAAAAAAAAAAAAAAAAAAAUAAAAAAAAAMDA/wAAAAAAZAAAADIAAAAAAAAAZAAAAAAAAAB/f38ACgAAAB8AAABUAAAAT4G9Bf///wEAAAAAAAAAAAAAAAAAAAAAAAAAAAAAAAAAAAAAAAAAAAAAAAJ/f38A7uzhA8zMzADAwP8Af39/AAAAAAAAAAAAAAAAAP///wAAAAAAIQAAABgAAAAUAAAAgAcAAKEAAAB2EQAAtgYAABAAAAAmAAAACAAAAP//////////"/>
+                <pr:smNativeData xmlns="" xmlns:p14="http://schemas.microsoft.com/office/powerpoint/2010/main" xmlns:pr="smNativeData" val="SMDATA_15_aDXlXhMAAAAlAAAAEQAAAA0AAAAAkAAAAEgAAACQAAAASAAAAAAAAAAAAAAAAAAAAAEAAABQAAAAAAAAAAAA4D8AAAAAAADgPwAAAAAAAOA/AAAAAAAA4D8AAAAAAADgPwAAAAAAAOA/AAAAAAAA4D8AAAAAAADgPwAAAAAAAOA/AAAAAAAA4D8CAAAAjAAAAAAAAAAAAAAAT4G9DP///wgAAAAAAAAAAAAAAAAAAAAAAAAAAAAAAAAAAAAAZAAAAAEAAABAAAAAAAAAAAAAAAAAAAAAAAAAAAAAAAAAAAAAAAAAAAAAAAAAAAAAAAAAAAAAAAAAAAAAAAAAAAAAAAAAAAAAAAAAAAAAAAAAAAAAAAAAAAAAAAAAAAAAFAAAADwAAAAAAAAAAAAAAAAAAAkUAAAAAQAAABQAAAAUAAAAFAAAAAEAAAAAAAAAZAAAAGQAAAAAAAAAZAAAAGQAAAAVAAAAYAAAAAAAAAAAAAAADwAAACADAAAAAAAAAAAAAAEAAACgMgAAVgcAAKr4//8BAAAAf39/AAEAAABkAAAAAAAAABQAAABAHwAAAAAAACYAAAAAAAAAwOD//wAAAAAmAAAAZAAAABYAAABMAAAAAAAAAAAAAAAEAAAAAAAAAAEAAADu7OEKAAAAACgAAAAoAAAAZAAAAGQAAAAAAAAAzMzMAAAAAABQAAAAUAAAAGQAAABkAAAAAAAAAAcAAAA4AAAAAAAAAAAAAAAAAAAA////AAAAAAAAAAAAAAAAAAAAAAAAAAAAAAAAAAAAAABkAAAAZAAAAAAAAAAjAAAABAAAAGQAAAAXAAAAFAAAAAAAAAAAAAAA/38AAP9/AAAAAAAACQAAAAQAAAAAAAAADAAAABAAAAAAAAAAAAAAAAAAAAAAAAAAHgAAAGgAAAAAAAAAAAAAAAAAAAAAAAAAAAAAABAnAAAQJwAAAAAAAAAAAAAAAAAAAAAAAAAAAAAAAAAAAAAAAAAAAAAUAAAAAAAAAMDA/wAAAAAAZAAAADIAAAAAAAAAZAAAAAAAAAB/f38ACgAAAB8AAABUAAAAT4G9Bf///wEAAAAAAAAAAAAAAAAAAAAAAAAAAAAAAAAAAAAAAAAAAAAAAAJ/f38A7uzhA8zMzADAwP8Af39/AAAAAAAAAAAAAAAAAP///wAAAAAAIQAAABgAAAAUAAAAgAcAAKEAAAB2EQAAtgYAABAAAAAmAAAACAAAAP//////////"/>
               </a:ext>
             </a:extLst>
           </p:cNvPicPr>
@@ -3071,7 +3072,7 @@
           <p:cNvPicPr>
             <a:extLst>
               <a:ext uri="smNativeData">
-                <pr:smNativeData xmlns:pr="smNativeData" xmlns:p14="http://schemas.microsoft.com/office/powerpoint/2010/main" xmlns="" val="SMDATA_15_aDXlXhMAAAAlAAAAEQAAAA0AAAAAkAAAAEgAAACQAAAASAAAAAAAAAAAAAAAAAAAAAEAAABQAAAAAAAAAAAA4D8AAAAAAADgPwAAAAAAAOA/AAAAAAAA4D8AAAAAAADgPwAAAAAAAOA/AAAAAAAA4D8AAAAAAADgPwAAAAAAAOA/AAAAAAAA4D8CAAAAjAAAAAAAAAAAAAAAT4G9DP///wgAAAAAAAAAAAAAAAAAAAAAAAAAAAAAAAAAAAAAZAAAAAEAAABAAAAAAAAAAAAAAAAAAAAAAAAAAAAAAAAAAAAAAAAAAAAAAAAAAAAAAAAAAAAAAAAAAAAAAAAAAAAAAAAAAAAAAAAAAAAAAAAAAAAAAAAAAAAAAAAAAAAAFAAAADwAAAAAAAAAAAAAAAAAAAkUAAAAAQAAABQAAAAUAAAAFAAAAAEAAAAAAAAAZAAAAGQAAAAAAAAAZAAAAGQAAAAVAAAAYAAAAAAAAAAAAAAADwAAACADAAAAAAAAAAAAAAEAAACgMgAAVgcAAKr4//8BAAAAf39/AAEAAABkAAAAAAAAABQAAABAHwAAAAAAACYAAAAAAAAAwOD//wAAAAAmAAAAZAAAABYAAABMAAAAAAAAAAAAAAAEAAAAAAAAAAEAAADu7OEKAAAAACgAAAAoAAAAZAAAAGQAAAAAAAAAzMzMAAAAAABQAAAAUAAAAGQAAABkAAAAAAAAAAcAAAA4AAAAAAAAAAAAAAAAAAAA////AAAAAAAAAAAAAAAAAAAAAAAAAAAAAAAAAAAAAABkAAAAZAAAAAAAAAAjAAAABAAAAGQAAAAXAAAAFAAAAAAAAAAAAAAA/38AAP9/AAAAAAAACQAAAAQAAAAAAAAADAAAABAAAAAAAAAAAAAAAAAAAAAAAAAAHgAAAGgAAAAAAAAAAAAAAAAAAAAAAAAAAAAAABAnAAAQJwAAAAAAAAAAAAAAAAAAAAAAAAAAAAAAAAAAAAAAAAAAAAAUAAAAAAAAAMDA/wAAAAAAZAAAADIAAAAAAAAAZAAAAAAAAAB/f38ACgAAAB8AAABUAAAAT4G9Bf///wEAAAAAAAAAAAAAAAAAAAAAAAAAAAAAAAAAAAAAAAAAAAAAAAJ/f38A7uzhA8zMzADAwP8Af39/AAAAAAAAAAAAAAAAAP///wAAAAAAIQAAABgAAAAUAAAAUi4AANgJAAApOAAAYSkAABAAAAAmAAAACAAAAP//////////"/>
+                <pr:smNativeData xmlns="" xmlns:p14="http://schemas.microsoft.com/office/powerpoint/2010/main" xmlns:pr="smNativeData" val="SMDATA_15_aDXlXhMAAAAlAAAAEQAAAA0AAAAAkAAAAEgAAACQAAAASAAAAAAAAAAAAAAAAAAAAAEAAABQAAAAAAAAAAAA4D8AAAAAAADgPwAAAAAAAOA/AAAAAAAA4D8AAAAAAADgPwAAAAAAAOA/AAAAAAAA4D8AAAAAAADgPwAAAAAAAOA/AAAAAAAA4D8CAAAAjAAAAAAAAAAAAAAAT4G9DP///wgAAAAAAAAAAAAAAAAAAAAAAAAAAAAAAAAAAAAAZAAAAAEAAABAAAAAAAAAAAAAAAAAAAAAAAAAAAAAAAAAAAAAAAAAAAAAAAAAAAAAAAAAAAAAAAAAAAAAAAAAAAAAAAAAAAAAAAAAAAAAAAAAAAAAAAAAAAAAAAAAAAAAFAAAADwAAAAAAAAAAAAAAAAAAAkUAAAAAQAAABQAAAAUAAAAFAAAAAEAAAAAAAAAZAAAAGQAAAAAAAAAZAAAAGQAAAAVAAAAYAAAAAAAAAAAAAAADwAAACADAAAAAAAAAAAAAAEAAACgMgAAVgcAAKr4//8BAAAAf39/AAEAAABkAAAAAAAAABQAAABAHwAAAAAAACYAAAAAAAAAwOD//wAAAAAmAAAAZAAAABYAAABMAAAAAAAAAAAAAAAEAAAAAAAAAAEAAADu7OEKAAAAACgAAAAoAAAAZAAAAGQAAAAAAAAAzMzMAAAAAABQAAAAUAAAAGQAAABkAAAAAAAAAAcAAAA4AAAAAAAAAAAAAAAAAAAA////AAAAAAAAAAAAAAAAAAAAAAAAAAAAAAAAAAAAAABkAAAAZAAAAAAAAAAjAAAABAAAAGQAAAAXAAAAFAAAAAAAAAAAAAAA/38AAP9/AAAAAAAACQAAAAQAAAAAAAAADAAAABAAAAAAAAAAAAAAAAAAAAAAAAAAHgAAAGgAAAAAAAAAAAAAAAAAAAAAAAAAAAAAABAnAAAQJwAAAAAAAAAAAAAAAAAAAAAAAAAAAAAAAAAAAAAAAAAAAAAUAAAAAAAAAMDA/wAAAAAAZAAAADIAAAAAAAAAZAAAAAAAAAB/f38ACgAAAB8AAABUAAAAT4G9Bf///wEAAAAAAAAAAAAAAAAAAAAAAAAAAAAAAAAAAAAAAAAAAAAAAAJ/f38A7uzhA8zMzADAwP8Af39/AAAAAAAAAAAAAAAAAP///wAAAAAAIQAAABgAAAAUAAAAUi4AANgJAAApOAAAYSkAABAAAAAmAAAACAAAAP//////////"/>
               </a:ext>
             </a:extLst>
           </p:cNvPicPr>
@@ -3105,7 +3106,7 @@
             <a:spLocks noGrp="1" noChangeArrowheads="1"/>
             <a:extLst>
               <a:ext uri="smNativeData">
-                <pr:smNativeData xmlns:pr="smNativeData" xmlns:p14="http://schemas.microsoft.com/office/powerpoint/2010/main" xmlns="" val="SMDATA_13_aDXlXhMAAAAlAAAAZAAAAA0AAAAAAAAAAAAAAAAAAAAAAAAAAAAAAAABAAAAAAAAAAEAAABQAAAAAAAAAAAA4D8AAAAAAADgPwAAAAAAAOA/AAAAAAAA4D8AAAAAAADgPwAAAAAAAOA/AAAAAAAA4D8AAAAAAADgPwAAAAAAAOA/AAAAAAAA4D8CAAAAjAAAAAAAAAAAAAAA////AP///wgAAAAAAAAAAAAAAAAAAAAAAAAAAAAAAAAAAAAAeAAAAAEAAABAAAAAAAAAAAAAAABaAAAAAAAAAAAAAAAAAAAAAAAAAAAAAAAAAAAAAAAAAAAAAAAAAAAAAAAAAAAAAAAAAAAAAAAAAAAAAAAAAAAAAAAAAAAAAAAAAAAAFAAAADwAAAAAAAAAAAAAAAAAAAAPAAAAAQAAACMAAAAjAAAAIwAAAB4AAAAAAAAAZAAAAGQAAAAAAAAAZAAAAGQAAAAVAAAAYAAAAAAAAAAAAAAADwAAACADAAAAAAAAAAAAAAEAAACgMgAAVgcAAKr4//8BAAAAf39/AAEAAABkAAAAAAAAABQAAABAHwAAAAAAACYAAAAAAAAAwOD//wAAAAAmAAAAZAAAABYAAABMAAAAAAAAAAAAAAAEAAAAAAAAAAEAAADu7OEKAAAAACgAAAAoAAAAZAAAAGQAAAAAAAAAzMzMAAAAAABQAAAAUAAAAGQAAABkAAAAAAAAABcAAAAUAAAAAAAAAAAAAAD/fwAA/38AAAAAAAAJAAAABAAAAAAAAAAMAAAAEAAAAAAAAAAAAAAAAAAAAAAAAAAeAAAAaAAAAAAAAAAAAAAAAAAAAAAAAAAAAAAAECcAABAnAAAAAAAAAAAAAAAAAAAAAAAAAAAAAAAAAAAAAAAAAAAAABQAAAAAAAAAwMD/AAAAAABkAAAAMgAAAAAAAABkAAAAAAAAAH9/fwAKAAAAHwAAAFQAAAD///8AAAAAAQAAAAAAAAAAAAAAAAAAAAAAAAAAAAAAAAAAAAAAAAAAAAAAAH9/fwAAAAADzMzMAMDA/wB/f38AAAAAAAAAAAAAAAAAAAAAAAAAAAAhAAAAGAAAABQAAADQAgAArwEAAG81AAC6CAAAEAAAACYAAAAIAAAAvQ8AAP8fAAA="/>
+                <pr:smNativeData xmlns="" xmlns:p14="http://schemas.microsoft.com/office/powerpoint/2010/main" xmlns:pr="smNativeData" val="SMDATA_13_aDXlXhMAAAAlAAAAZAAAAA0AAAAAAAAAAAAAAAAAAAAAAAAAAAAAAAABAAAAAAAAAAEAAABQAAAAAAAAAAAA4D8AAAAAAADgPwAAAAAAAOA/AAAAAAAA4D8AAAAAAADgPwAAAAAAAOA/AAAAAAAA4D8AAAAAAADgPwAAAAAAAOA/AAAAAAAA4D8CAAAAjAAAAAAAAAAAAAAA////AP///wgAAAAAAAAAAAAAAAAAAAAAAAAAAAAAAAAAAAAAeAAAAAEAAABAAAAAAAAAAAAAAABaAAAAAAAAAAAAAAAAAAAAAAAAAAAAAAAAAAAAAAAAAAAAAAAAAAAAAAAAAAAAAAAAAAAAAAAAAAAAAAAAAAAAAAAAAAAAAAAAAAAAFAAAADwAAAAAAAAAAAAAAAAAAAAPAAAAAQAAACMAAAAjAAAAIwAAAB4AAAAAAAAAZAAAAGQAAAAAAAAAZAAAAGQAAAAVAAAAYAAAAAAAAAAAAAAADwAAACADAAAAAAAAAAAAAAEAAACgMgAAVgcAAKr4//8BAAAAf39/AAEAAABkAAAAAAAAABQAAABAHwAAAAAAACYAAAAAAAAAwOD//wAAAAAmAAAAZAAAABYAAABMAAAAAAAAAAAAAAAEAAAAAAAAAAEAAADu7OEKAAAAACgAAAAoAAAAZAAAAGQAAAAAAAAAzMzMAAAAAABQAAAAUAAAAGQAAABkAAAAAAAAABcAAAAUAAAAAAAAAAAAAAD/fwAA/38AAAAAAAAJAAAABAAAAAAAAAAMAAAAEAAAAAAAAAAAAAAAAAAAAAAAAAAeAAAAaAAAAAAAAAAAAAAAAAAAAAAAAAAAAAAAECcAABAnAAAAAAAAAAAAAAAAAAAAAAAAAAAAAAAAAAAAAAAAAAAAABQAAAAAAAAAwMD/AAAAAABkAAAAMgAAAAAAAABkAAAAAAAAAH9/fwAKAAAAHwAAAFQAAAD///8AAAAAAQAAAAAAAAAAAAAAAAAAAAAAAAAAAAAAAAAAAAAAAAAAAAAAAH9/fwAAAAADzMzMAMDA/wB/f38AAAAAAAAAAAAAAAAAAAAAAAAAAAAhAAAAGAAAABQAAADQAgAArwEAAG81AAC6CAAAEAAAACYAAAAIAAAAvQ8AAP8fAAA="/>
               </a:ext>
             </a:extLst>
           </p:cNvSpPr>
@@ -3150,7 +3151,7 @@
             <a:spLocks noGrp="1" noChangeArrowheads="1"/>
             <a:extLst>
               <a:ext uri="smNativeData">
-                <pr:smNativeData xmlns:pr="smNativeData" xmlns:p14="http://schemas.microsoft.com/office/powerpoint/2010/main" xmlns="" val="SMDATA_13_aDXlXhMAAAAlAAAAZAAAAA0AAAAAAAAAAAAAAAAAAAAAAAAAAAAAAAAAAAAAAAAAAAEAAABQAAAAAAAAAAAA4D8AAAAAAADgPwAAAAAAAOA/AAAAAAAA4D8AAAAAAADgPwAAAAAAAOA/AAAAAAAA4D8AAAAAAADgPwAAAAAAAOA/AAAAAAAA4D8CAAAAjAAAAAAAAAAAAAAA////AP///wgAAAAAAAAAAAAAAAAAAAAAAAAAAAAAAAAAAAAAeAAAAAEAAABAAAAAAAAAAAAAAABaAAAAAAAAAAAAAAAAAAAAAAAAAAAAAAAAAAAAAAAAAAAAAAAAAAAAAAAAAAAAAAAAAAAAAAAAAAAAAAAAAAAAAAAAAAAAAAAAAAAAFAAAADwAAAAAAAAAAAAAAAAAAAAPAAAAAQAAACMAAAAjAAAAIwAAAB4AAAAAAAAAZAAAAGQAAAAAAAAAZAAAAGQAAAAVAAAAYAAAAAAAAAAAAAAADwAAACADAAAAAAAAAAAAAAEAAACgMgAAVgcAAKr4//8BAAAAf39/AAEAAABkAAAAAAAAABQAAABAHwAAAAAAACYAAAAAAAAAwOD//wAAAAAmAAAAZAAAABYAAABMAAAAAAAAAAAAAAAEAAAAAAAAAAEAAADu7OEKAAAAACgAAAAoAAAAZAAAAGQAAAAAAAAAzMzMAAAAAABQAAAAUAAAAGQAAABkAAAAAAAAABcAAAAUAAAAAAAAAAAAAAD/fwAA/38AAAAAAAAJAAAABAAAAAAAAAAMAAAAEAAAAAAAAAAAAAAAAAAAAAAAAAAeAAAAaAAAAAAAAAAAAAAAAAAAAAAAAAAAAAAAECcAABAnAAAAAAAAAAAAAAAAAAAAAAAAAAAAAAAAAAAAAAAAAAAAABQAAAAAAAAAwMD/AAAAAABkAAAAMgAAAAAAAABkAAAAAAAAAH9/fwAKAAAAHwAAAFQAAAD///8AAAAAAQAAAAAAAAAAAAAAAAAAAAAAAAAAAAAAAAAAAAAAAAAAAAAAAH9/fwAAAAADzMzMAMDA/wB/f38AAAAAAAAAAAAAAAAAAAAAAAAAAAAhAAAAGAAAABQAAADQAgAA3wkAAG81AABWIgAAEAAAACYAAAAIAAAAPQ8AAP8fAAA="/>
+                <pr:smNativeData xmlns="" xmlns:p14="http://schemas.microsoft.com/office/powerpoint/2010/main" xmlns:pr="smNativeData" val="SMDATA_13_aDXlXhMAAAAlAAAAZAAAAA0AAAAAAAAAAAAAAAAAAAAAAAAAAAAAAAAAAAAAAAAAAAEAAABQAAAAAAAAAAAA4D8AAAAAAADgPwAAAAAAAOA/AAAAAAAA4D8AAAAAAADgPwAAAAAAAOA/AAAAAAAA4D8AAAAAAADgPwAAAAAAAOA/AAAAAAAA4D8CAAAAjAAAAAAAAAAAAAAA////AP///wgAAAAAAAAAAAAAAAAAAAAAAAAAAAAAAAAAAAAAeAAAAAEAAABAAAAAAAAAAAAAAABaAAAAAAAAAAAAAAAAAAAAAAAAAAAAAAAAAAAAAAAAAAAAAAAAAAAAAAAAAAAAAAAAAAAAAAAAAAAAAAAAAAAAAAAAAAAAAAAAAAAAFAAAADwAAAAAAAAAAAAAAAAAAAAPAAAAAQAAACMAAAAjAAAAIwAAAB4AAAAAAAAAZAAAAGQAAAAAAAAAZAAAAGQAAAAVAAAAYAAAAAAAAAAAAAAADwAAACADAAAAAAAAAAAAAAEAAACgMgAAVgcAAKr4//8BAAAAf39/AAEAAABkAAAAAAAAABQAAABAHwAAAAAAACYAAAAAAAAAwOD//wAAAAAmAAAAZAAAABYAAABMAAAAAAAAAAAAAAAEAAAAAAAAAAEAAADu7OEKAAAAACgAAAAoAAAAZAAAAGQAAAAAAAAAzMzMAAAAAABQAAAAUAAAAGQAAABkAAAAAAAAABcAAAAUAAAAAAAAAAAAAAD/fwAA/38AAAAAAAAJAAAABAAAAAAAAAAMAAAAEAAAAAAAAAAAAAAAAAAAAAAAAAAeAAAAaAAAAAAAAAAAAAAAAAAAAAAAAAAAAAAAECcAABAnAAAAAAAAAAAAAAAAAAAAAAAAAAAAAAAAAAAAAAAAAAAAABQAAAAAAAAAwMD/AAAAAABkAAAAMgAAAAAAAABkAAAAAAAAAH9/fwAKAAAAHwAAAFQAAAD///8AAAAAAQAAAAAAAAAAAAAAAAAAAAAAAAAAAAAAAAAAAAAAAAAAAAAAAH9/fwAAAAADzMzMAMDA/wB/f38AAAAAAAAAAAAAAAAAAAAAAAAAAAAhAAAAGAAAABQAAADQAgAA3wkAAG81AABWIgAAEAAAACYAAAAIAAAAPQ8AAP8fAAA="/>
               </a:ext>
             </a:extLst>
           </p:cNvSpPr>
@@ -3909,7 +3910,7 @@
           <p:cNvSpPr>
             <a:extLst>
               <a:ext uri="smNativeData">
-                <pr:smNativeData xmlns:pr="smNativeData" xmlns:p14="http://schemas.microsoft.com/office/powerpoint/2010/main" xmlns="" val="SMDATA_13_aDXlXhMAAAAlAAAAZAAAAA0AAAAAjgAAAEcAAACOAAAARwAAAAAAAAAAAAAAAAAAAAEAAABQAAAAAAAAAAAA4D8AAAAAAADgPwAAAAAAAOA/AAAAAAAA4D8AAAAAAADgPwAAAAAAAOA/AAAAAAAA4D8AAAAAAADgPwAAAAAAAOA/AAAAAAAA4D8CAAAAjAAAAAAAAAAAAAAAT4G9DP///wgAAAAAAAAAAAAAAAAAAAAAAAAAAAAAAAAAAAAAZAAAAAEAAABAAAAAAAAAAAAAAAAAAAAAAAAAAAAAAAAAAAAAAAAAAAAAAAAAAAAAAAAAAAAAAAAAAAAAAAAAAAAAAAAAAAAAAAAAAAAAAAAAAAAAAAAAAAAAAAAAAAAAFAAAADwAAAAAAAAAAAAAAAAAAAkUAAAAAQAAABQAAAAUAAAAFAAAAAEAAAAAAAAAZAAAAGQAAAAAAAAAZAAAAGQAAAAVAAAAYAAAAAAAAAAAAAAADwAAACADAAAAAAAAAAAAAAEAAACgMgAAVgcAAKr4//8BAAAAf39/AAEAAABkAAAAAAAAABQAAABAHwAAAAAAACYAAAAAAAAAwOD//wAAAAAmAAAAZAAAABYAAABMAAAAAAAAAAAAAAAEAAAAAAAAAAEAAADu7OEKAAAAACgAAAAoAAAAZAAAAGQAAAAAAAAAzMzMAAAAAABQAAAAUAAAAGQAAABkAAAAAAAAABcAAAAUAAAAAAAAAAAAAAD/fwAA/38AAAAAAAAJAAAABAAAAFQibAUMAAAAEAAAAAAAAAAAAAAAAAAAAAAAAAAeAAAAaAAAAAAAAAAAAAAAAAAAAAAAAAAAAAAAECcAABAnAAAAAAAAAAAAAAAAAAAAAAAAAAAAAAAAAAAAAAAAAAAAABQAAAAAAAAAwMD/AAAAAABkAAAAMgAAAAAAAABkAAAAAAAAAH9/fwAKAAAAHwAAAFQAAABPgb0F////AQAAAAAAAAAAAAAAAAAAAAAAAAAAAAAAAAAAAAAAAAAAAAAAAn9/fwDu7OEDzMzMAMDA/wB/f38AAAAAAAAAAAAAAAAAAAAAAAAAAAAhAAAAGAAAABQAAAClAQAAowsAALQ0AACZEgAAEAAAACYAAAAIAAAA//////////8="/>
+                <pr:smNativeData xmlns="" xmlns:p14="http://schemas.microsoft.com/office/powerpoint/2010/main" xmlns:pr="smNativeData" val="SMDATA_13_aDXlXhMAAAAlAAAAZAAAAA0AAAAAjgAAAEcAAACOAAAARwAAAAAAAAAAAAAAAAAAAAEAAABQAAAAAAAAAAAA4D8AAAAAAADgPwAAAAAAAOA/AAAAAAAA4D8AAAAAAADgPwAAAAAAAOA/AAAAAAAA4D8AAAAAAADgPwAAAAAAAOA/AAAAAAAA4D8CAAAAjAAAAAAAAAAAAAAAT4G9DP///wgAAAAAAAAAAAAAAAAAAAAAAAAAAAAAAAAAAAAAZAAAAAEAAABAAAAAAAAAAAAAAAAAAAAAAAAAAAAAAAAAAAAAAAAAAAAAAAAAAAAAAAAAAAAAAAAAAAAAAAAAAAAAAAAAAAAAAAAAAAAAAAAAAAAAAAAAAAAAAAAAAAAAFAAAADwAAAAAAAAAAAAAAAAAAAkUAAAAAQAAABQAAAAUAAAAFAAAAAEAAAAAAAAAZAAAAGQAAAAAAAAAZAAAAGQAAAAVAAAAYAAAAAAAAAAAAAAADwAAACADAAAAAAAAAAAAAAEAAACgMgAAVgcAAKr4//8BAAAAf39/AAEAAABkAAAAAAAAABQAAABAHwAAAAAAACYAAAAAAAAAwOD//wAAAAAmAAAAZAAAABYAAABMAAAAAAAAAAAAAAAEAAAAAAAAAAEAAADu7OEKAAAAACgAAAAoAAAAZAAAAGQAAAAAAAAAzMzMAAAAAABQAAAAUAAAAGQAAABkAAAAAAAAABcAAAAUAAAAAAAAAAAAAAD/fwAA/38AAAAAAAAJAAAABAAAAFQibAUMAAAAEAAAAAAAAAAAAAAAAAAAAAAAAAAeAAAAaAAAAAAAAAAAAAAAAAAAAAAAAAAAAAAAECcAABAnAAAAAAAAAAAAAAAAAAAAAAAAAAAAAAAAAAAAAAAAAAAAABQAAAAAAAAAwMD/AAAAAABkAAAAMgAAAAAAAABkAAAAAAAAAH9/fwAKAAAAHwAAAFQAAABPgb0F////AQAAAAAAAAAAAAAAAAAAAAAAAAAAAAAAAAAAAAAAAAAAAAAAAn9/fwDu7OEDzMzMAMDA/wB/f38AAAAAAAAAAAAAAAAAAAAAAAAAAAAhAAAAGAAAABQAAAClAQAAowsAALQ0AACZEgAAEAAAACYAAAAIAAAA//////////8="/>
               </a:ext>
             </a:extLst>
           </p:cNvSpPr>
@@ -4002,7 +4003,7 @@
           <p:cNvSpPr>
             <a:extLst>
               <a:ext uri="smNativeData">
-                <pr:smNativeData xmlns:pr="smNativeData" xmlns:p14="http://schemas.microsoft.com/office/powerpoint/2010/main" xmlns="" val="SMDATA_13_aDXlXhMAAAAlAAAAZAAAAA0AAAAAjgAAAEcAAACOAAAARwAAAAAAAAAAAAAAAAAAAAEAAABQAAAAAAAAAAAA4D8AAAAAAADgPwAAAAAAAOA/AAAAAAAA4D8AAAAAAADgPwAAAAAAAOA/AAAAAAAA4D8AAAAAAADgPwAAAAAAAOA/AAAAAAAA4D8CAAAAjAAAAAAAAAAAAAAAT4G9DP///wgAAAAAAAAAAAAAAAAAAAAAAAAAAAAAAAAAAAAAZAAAAAEAAABAAAAAAAAAAAAAAAAAAAAAAAAAAAAAAAAAAAAAAAAAAAAAAAAAAAAAAAAAAAAAAAAAAAAAAAAAAAAAAAAAAAAAAAAAAAAAAAAAAAAAAAAAAAAAAAAAAAAAFAAAADwAAAAAAAAAAAAAAAAAAAkUAAAAAQAAABQAAAAUAAAAFAAAAAEAAAAAAAAAZAAAAGQAAAAAAAAAZAAAAGQAAAAVAAAAYAAAAAAAAAAAAAAADwAAACADAAAAAAAAAAAAAAEAAACgMgAAVgcAAKr4//8BAAAAf39/AAEAAABkAAAAAAAAABQAAABAHwAAAAAAACYAAAAAAAAAwOD//wAAAAAmAAAAZAAAABYAAABMAAAAAAAAAAAAAAAEAAAAAAAAAAEAAADu7OEKAAAAACgAAAAoAAAAZAAAAGQAAAAAAAAAzMzMAAAAAABQAAAAUAAAAGQAAABkAAAAAAAAABcAAAAUAAAAAAAAAAAAAAD/fwAA/38AAAAAAAAJAAAABAAAAEwbVmwMAAAAEAAAAAAAAAAAAAAAAAAAAAAAAAAeAAAAaAAAAAAAAAAAAAAAAAAAAAAAAAAAAAAAECcAABAnAAAAAAAAAAAAAAAAAAAAAAAAAAAAAAAAAAAAAAAAAAAAABQAAAAAAAAAwMD/AAAAAABkAAAAMgAAAAAAAABkAAAAAAAAAH9/fwAKAAAAHwAAAFQAAABPgb0F////AQAAAAAAAAAAAAAAAAAAAAAAAAAAAAAAAAAAAAAAAAAAAAAAAn9/fwDu7OEDzMzMAMDA/wB/f38AAAAAAAAAAAAAAAAAAAAAAAAAAAAhAAAAGAAAABQAAACIAgAAtBUAAI42AACnIgAAAAAAACYAAAAIAAAA//////////8="/>
+                <pr:smNativeData xmlns="" xmlns:p14="http://schemas.microsoft.com/office/powerpoint/2010/main" xmlns:pr="smNativeData" val="SMDATA_13_aDXlXhMAAAAlAAAAZAAAAA0AAAAAjgAAAEcAAACOAAAARwAAAAAAAAAAAAAAAAAAAAEAAABQAAAAAAAAAAAA4D8AAAAAAADgPwAAAAAAAOA/AAAAAAAA4D8AAAAAAADgPwAAAAAAAOA/AAAAAAAA4D8AAAAAAADgPwAAAAAAAOA/AAAAAAAA4D8CAAAAjAAAAAAAAAAAAAAAT4G9DP///wgAAAAAAAAAAAAAAAAAAAAAAAAAAAAAAAAAAAAAZAAAAAEAAABAAAAAAAAAAAAAAAAAAAAAAAAAAAAAAAAAAAAAAAAAAAAAAAAAAAAAAAAAAAAAAAAAAAAAAAAAAAAAAAAAAAAAAAAAAAAAAAAAAAAAAAAAAAAAAAAAAAAAFAAAADwAAAAAAAAAAAAAAAAAAAkUAAAAAQAAABQAAAAUAAAAFAAAAAEAAAAAAAAAZAAAAGQAAAAAAAAAZAAAAGQAAAAVAAAAYAAAAAAAAAAAAAAADwAAACADAAAAAAAAAAAAAAEAAACgMgAAVgcAAKr4//8BAAAAf39/AAEAAABkAAAAAAAAABQAAABAHwAAAAAAACYAAAAAAAAAwOD//wAAAAAmAAAAZAAAABYAAABMAAAAAAAAAAAAAAAEAAAAAAAAAAEAAADu7OEKAAAAACgAAAAoAAAAZAAAAGQAAAAAAAAAzMzMAAAAAABQAAAAUAAAAGQAAABkAAAAAAAAABcAAAAUAAAAAAAAAAAAAAD/fwAA/38AAAAAAAAJAAAABAAAAEwbVmwMAAAAEAAAAAAAAAAAAAAAAAAAAAAAAAAeAAAAaAAAAAAAAAAAAAAAAAAAAAAAAAAAAAAAECcAABAnAAAAAAAAAAAAAAAAAAAAAAAAAAAAAAAAAAAAAAAAAAAAABQAAAAAAAAAwMD/AAAAAABkAAAAMgAAAAAAAABkAAAAAAAAAH9/fwAKAAAAHwAAAFQAAABPgb0F////AQAAAAAAAAAAAAAAAAAAAAAAAAAAAAAAAAAAAAAAAAAAAAAAAn9/fwDu7OEDzMzMAMDA/wB/f38AAAAAAAAAAAAAAAAAAAAAAAAAAAAhAAAAGAAAABQAAACIAgAAtBUAAI42AACnIgAAAAAAACYAAAAIAAAA//////////8="/>
               </a:ext>
             </a:extLst>
           </p:cNvSpPr>
@@ -4409,7 +4410,7 @@
           <p:cNvSpPr>
             <a:extLst>
               <a:ext uri="smNativeData">
-                <pr:smNativeData xmlns:pr="smNativeData" xmlns:p14="http://schemas.microsoft.com/office/powerpoint/2010/main" xmlns="" val="SMDATA_13_aDXlXhMAAAAlAAAAZAAAAA0AAAAAkAAAAEgAAACQAAAASAAAAAAAAAAAAAAAAAAAAAEAAABQAAAAAAAAAAAA4D8AAAAAAADgPwAAAAAAAOA/AAAAAAAA4D8AAAAAAADgPwAAAAAAAOA/AAAAAAAA4D8AAAAAAADgPwAAAAAAAOA/AAAAAAAA4D8CAAAAjAAAAAEAAAAAAAAAM8zMAP///wgAAAAAAAAAAAAAAAAAAAAAAAAAAAAAAAAAAAAAeAAAAAEAAABAAAAAAAAAAAAAAABaAAAAAAAAAAAAAAAAAAAAAAAAAAAAAAAAAAAAAAAAAAAAAAAAAAAAAAAAAAAAAAAAAAAAAAAAAAAAAAAAAAAAAAAAAAAAAAAAAAAAFAAAADwAAAAAAAAAAAAAAAAAAAkUAAAAAQAAABQAAAAUAAAAFAAAAAEAAAAAAAAAZAAAAGQAAAAAAAAAZAAAAGQAAAAVAAAAYAAAAAAAAAAAAAAADwAAACADAAAAAAAAAAAAAAEAAACgMgAAVgcAAKr4//8BAAAAf39/AAEAAABkAAAAAAAAABQAAABAHwAAAAAAACYAAAAAAAAAwOD//wAAAAAmAAAAZAAAABYAAABMAAAAAAAAAAAAAAAEAAAAAAAAAAEAAADu7OEKAAAAACgAAAAoAAAAZAAAAGQAAAAAAAAAzMzMAAAAAABQAAAAUAAAAGQAAABkAAAAAAAAABcAAAAUAAAAAAAAAAAAAAD/fwAA/38AAAAAAAAJAAAABAAAAAAAAAAMAAAAEAAAAAAAAAAAAAAAAAAAAAAAAAAeAAAAaAAAAAAAAAAAAAAAAAAAAAAAAAAAAAAAECcAABAnAAAAAAAAAAAAAAAAAAAAAAAAAAAAAAAAAAAAAAAAAAAAABQAAAAAAAAAwMD/AAAAAABkAAAAMgAAAAAAAABkAAAAAAAAAH9/fwAKAAAAHwAAAFQAAAAzzMwA////AQAAAAAAAAAAAAAAAAAAAAAAAAAAAAAAAAAAAAAAAAAAAAAAAn9/fwDu7OEDzMzMAMDA/wB/f38AAAAAAAAAAAAAAAAAAAAAAAAAAAAhAAAAGAAAABQAAABgCQAAugkAAD44AADyCQAAEAAAACYAAAAIAAAA//////////8="/>
+                <pr:smNativeData xmlns="" xmlns:p14="http://schemas.microsoft.com/office/powerpoint/2010/main" xmlns:pr="smNativeData" val="SMDATA_13_aDXlXhMAAAAlAAAAZAAAAA0AAAAAkAAAAEgAAACQAAAASAAAAAAAAAAAAAAAAAAAAAEAAABQAAAAAAAAAAAA4D8AAAAAAADgPwAAAAAAAOA/AAAAAAAA4D8AAAAAAADgPwAAAAAAAOA/AAAAAAAA4D8AAAAAAADgPwAAAAAAAOA/AAAAAAAA4D8CAAAAjAAAAAEAAAAAAAAAM8zMAP///wgAAAAAAAAAAAAAAAAAAAAAAAAAAAAAAAAAAAAAeAAAAAEAAABAAAAAAAAAAAAAAABaAAAAAAAAAAAAAAAAAAAAAAAAAAAAAAAAAAAAAAAAAAAAAAAAAAAAAAAAAAAAAAAAAAAAAAAAAAAAAAAAAAAAAAAAAAAAAAAAAAAAFAAAADwAAAAAAAAAAAAAAAAAAAkUAAAAAQAAABQAAAAUAAAAFAAAAAEAAAAAAAAAZAAAAGQAAAAAAAAAZAAAAGQAAAAVAAAAYAAAAAAAAAAAAAAADwAAACADAAAAAAAAAAAAAAEAAACgMgAAVgcAAKr4//8BAAAAf39/AAEAAABkAAAAAAAAABQAAABAHwAAAAAAACYAAAAAAAAAwOD//wAAAAAmAAAAZAAAABYAAABMAAAAAAAAAAAAAAAEAAAAAAAAAAEAAADu7OEKAAAAACgAAAAoAAAAZAAAAGQAAAAAAAAAzMzMAAAAAABQAAAAUAAAAGQAAABkAAAAAAAAABcAAAAUAAAAAAAAAAAAAAD/fwAA/38AAAAAAAAJAAAABAAAAAAAAAAMAAAAEAAAAAAAAAAAAAAAAAAAAAAAAAAeAAAAaAAAAAAAAAAAAAAAAAAAAAAAAAAAAAAAECcAABAnAAAAAAAAAAAAAAAAAAAAAAAAAAAAAAAAAAAAAAAAAAAAABQAAAAAAAAAwMD/AAAAAABkAAAAMgAAAAAAAABkAAAAAAAAAH9/fwAKAAAAHwAAAFQAAAAzzMwA////AQAAAAAAAAAAAAAAAAAAAAAAAAAAAAAAAAAAAAAAAAAAAAAAAn9/fwDu7OEDzMzMAMDA/wB/f38AAAAAAAAAAAAAAAAAAAAAAAAAAAAhAAAAGAAAABQAAABgCQAAugkAAD44AADyCQAAEAAAACYAAAAIAAAA//////////8="/>
               </a:ext>
             </a:extLst>
           </p:cNvSpPr>
@@ -4438,7 +4439,7 @@
           <p:cNvSpPr>
             <a:extLst>
               <a:ext uri="smNativeData">
-                <pr:smNativeData xmlns:pr="smNativeData" xmlns:p14="http://schemas.microsoft.com/office/powerpoint/2010/main" xmlns="" val="SMDATA_13_aDXlXhMAAAAlAAAAZAAAAA0AAAAAjgAAAEcAAACOAAAARwAAAAAAAAAAAAAAAAAAAAEAAABQAAAAAAAAAAAA4D8AAAAAAADgPwAAAAAAAOA/AAAAAAAA4D8AAAAAAADgPwAAAAAAAOA/AAAAAAAA4D8AAAAAAADgPwAAAAAAAOA/AAAAAAAA4D8CAAAAjAAAAAAAAAAAAAAAT4G9DP///wgAAAAAAAAAAAAAAAAAAAAAAAAAAAAAAAAAAAAAZAAAAAEAAABAAAAAAAAAAAAAAAAAAAAAAAAAAAAAAAAAAAAAAAAAAAAAAAAAAAAAAAAAAAAAAAAAAAAAAAAAAAAAAAAAAAAAAAAAAAAAAAAAAAAAAAAAAAAAAAAAAAAAFAAAADwAAAAAAAAAAAAAAAAAAAkUAAAAAQAAABQAAAAUAAAAFAAAAAEAAAAAAAAAZAAAAGQAAAAAAAAAZAAAAGQAAAAVAAAAYAAAAAAAAAAAAAAADwAAACADAAAAAAAAAAAAAAEAAACgMgAAVgcAAKr4//8BAAAAf39/AAEAAABkAAAAAAAAABQAAABAHwAAAAAAACYAAAAAAAAAwOD//wAAAAAmAAAAZAAAABYAAABMAAAAAAAAAAAAAAAEAAAAAAAAAAEAAADu7OEKAAAAACgAAAAoAAAAZAAAAGQAAAAAAAAAzMzMAAAAAABQAAAAUAAAAGQAAABkAAAAAAAAABcAAAAUAAAAAAAAAAAAAAD/fwAA/38AAAAAAAAJAAAABAAAAAAAAAAMAAAAEAAAAAAAAAAAAAAAAAAAAAAAAAAeAAAAaAAAAAAAAAAAAAAAAAAAAAAAAAAAAAAAECcAABAnAAAAAAAAAAAAAAAAAAAAAAAAAAAAAAAAAAAAAAAAAAAAABQAAAAAAAAAwMD/AAAAAABkAAAAMgAAAAAAAABkAAAAAAAAAH9/fwAKAAAAHwAAAFQAAABPgb0F////AQAAAAAAAAAAAAAAAAAAAAAAAAAAAAAAAAAAAAAAAAAAAAAAAn9/fwDu7OEDzMzMAMDA/wB/f38AAAAAAAAAAAAAAAAAAAAAAAAAAAAhAAAAGAAAABQAAABwCAAACAcAAD44AADeCQAAEAAAACYAAAAIAAAA//////////8="/>
+                <pr:smNativeData xmlns="" xmlns:p14="http://schemas.microsoft.com/office/powerpoint/2010/main" xmlns:pr="smNativeData" val="SMDATA_13_aDXlXhMAAAAlAAAAZAAAAA0AAAAAjgAAAEcAAACOAAAARwAAAAAAAAAAAAAAAAAAAAEAAABQAAAAAAAAAAAA4D8AAAAAAADgPwAAAAAAAOA/AAAAAAAA4D8AAAAAAADgPwAAAAAAAOA/AAAAAAAA4D8AAAAAAADgPwAAAAAAAOA/AAAAAAAA4D8CAAAAjAAAAAAAAAAAAAAAT4G9DP///wgAAAAAAAAAAAAAAAAAAAAAAAAAAAAAAAAAAAAAZAAAAAEAAABAAAAAAAAAAAAAAAAAAAAAAAAAAAAAAAAAAAAAAAAAAAAAAAAAAAAAAAAAAAAAAAAAAAAAAAAAAAAAAAAAAAAAAAAAAAAAAAAAAAAAAAAAAAAAAAAAAAAAFAAAADwAAAAAAAAAAAAAAAAAAAkUAAAAAQAAABQAAAAUAAAAFAAAAAEAAAAAAAAAZAAAAGQAAAAAAAAAZAAAAGQAAAAVAAAAYAAAAAAAAAAAAAAADwAAACADAAAAAAAAAAAAAAEAAACgMgAAVgcAAKr4//8BAAAAf39/AAEAAABkAAAAAAAAABQAAABAHwAAAAAAACYAAAAAAAAAwOD//wAAAAAmAAAAZAAAABYAAABMAAAAAAAAAAAAAAAEAAAAAAAAAAEAAADu7OEKAAAAACgAAAAoAAAAZAAAAGQAAAAAAAAAzMzMAAAAAABQAAAAUAAAAGQAAABkAAAAAAAAABcAAAAUAAAAAAAAAAAAAAD/fwAA/38AAAAAAAAJAAAABAAAAAAAAAAMAAAAEAAAAAAAAAAAAAAAAAAAAAAAAAAeAAAAaAAAAAAAAAAAAAAAAAAAAAAAAAAAAAAAECcAABAnAAAAAAAAAAAAAAAAAAAAAAAAAAAAAAAAAAAAAAAAAAAAABQAAAAAAAAAwMD/AAAAAABkAAAAMgAAAAAAAABkAAAAAAAAAH9/fwAKAAAAHwAAAFQAAABPgb0F////AQAAAAAAAAAAAAAAAAAAAAAAAAAAAAAAAAAAAAAAAAAAAAAAAn9/fwDu7OEDzMzMAMDA/wB/f38AAAAAAAAAAAAAAAAAAAAAAAAAAAAhAAAAGAAAABQAAABwCAAACAcAAD44AADeCQAAEAAAACYAAAAIAAAA//////////8="/>
               </a:ext>
             </a:extLst>
           </p:cNvSpPr>
@@ -4477,7 +4478,7 @@
                 <a:ea typeface="Trebuchet MS" charset="0"/>
                 <a:cs typeface="DejaVu Sans" pitchFamily="1" charset="0"/>
               </a:rPr>
-              <a:t>Alternate Algorithm</a:t>
+              <a:t>Custom Zone Layout</a:t>
             </a:r>
             <a:endParaRPr lang="en-in" sz="2400" dirty="0">
               <a:solidFill>
@@ -4492,7 +4493,7 @@
       </p:sp>
       <p:pic>
         <p:nvPicPr>
-          <p:cNvPr id="4" name="Picture 3"/>
+          <p:cNvPr id="5" name="Picture 4"/>
           <p:cNvPicPr>
             <a:picLocks noChangeAspect="1"/>
           </p:cNvPicPr>
@@ -4512,8 +4513,31 @@
         </p:blipFill>
         <p:spPr>
           <a:xfrm>
-            <a:off x="575734" y="1684443"/>
-            <a:ext cx="7179733" cy="4644469"/>
+            <a:off x="685800" y="1616710"/>
+            <a:ext cx="7763934" cy="4655840"/>
+          </a:xfrm>
+          <a:prstGeom prst="rect">
+            <a:avLst/>
+          </a:prstGeom>
+        </p:spPr>
+      </p:pic>
+      <p:pic>
+        <p:nvPicPr>
+          <p:cNvPr id="6" name="Picture 5"/>
+          <p:cNvPicPr>
+            <a:picLocks noChangeAspect="1"/>
+          </p:cNvPicPr>
+          <p:nvPr/>
+        </p:nvPicPr>
+        <p:blipFill rotWithShape="1">
+          <a:blip r:embed="rId3"/>
+          <a:srcRect l="4135" t="28167" r="-1" b="34336"/>
+          <a:stretch/>
+        </p:blipFill>
+        <p:spPr>
+          <a:xfrm>
+            <a:off x="3999345" y="4488874"/>
+            <a:ext cx="618836" cy="106785"/>
           </a:xfrm>
           <a:prstGeom prst="rect">
             <a:avLst/>
@@ -4523,7 +4547,7 @@
     </p:spTree>
     <p:extLst>
       <p:ext uri="{BB962C8B-B14F-4D97-AF65-F5344CB8AC3E}">
-        <p14:creationId xmlns:p14="http://schemas.microsoft.com/office/powerpoint/2010/main" val="599193099"/>
+        <p14:creationId xmlns:p14="http://schemas.microsoft.com/office/powerpoint/2010/main" val="4064441371"/>
       </p:ext>
     </p:extLst>
   </p:cSld>
@@ -4569,7 +4593,7 @@
           <p:cNvSpPr>
             <a:extLst>
               <a:ext uri="smNativeData">
-                <pr:smNativeData xmlns:pr="smNativeData" xmlns:p14="http://schemas.microsoft.com/office/powerpoint/2010/main" xmlns="" val="SMDATA_13_aDXlXhMAAAAlAAAAZAAAAA0AAAAAkAAAAEgAAACQAAAASAAAAAAAAAAAAAAAAAAAAAEAAABQAAAAAAAAAAAA4D8AAAAAAADgPwAAAAAAAOA/AAAAAAAA4D8AAAAAAADgPwAAAAAAAOA/AAAAAAAA4D8AAAAAAADgPwAAAAAAAOA/AAAAAAAA4D8CAAAAjAAAAAEAAAAAAAAAM8zMAP///wgAAAAAAAAAAAAAAAAAAAAAAAAAAAAAAAAAAAAAeAAAAAEAAABAAAAAAAAAAAAAAABaAAAAAAAAAAAAAAAAAAAAAAAAAAAAAAAAAAAAAAAAAAAAAAAAAAAAAAAAAAAAAAAAAAAAAAAAAAAAAAAAAAAAAAAAAAAAAAAAAAAAFAAAADwAAAAAAAAAAAAAAAAAAAkUAAAAAQAAABQAAAAUAAAAFAAAAAEAAAAAAAAAZAAAAGQAAAAAAAAAZAAAAGQAAAAVAAAAYAAAAAAAAAAAAAAADwAAACADAAAAAAAAAAAAAAEAAACgMgAAVgcAAKr4//8BAAAAf39/AAEAAABkAAAAAAAAABQAAABAHwAAAAAAACYAAAAAAAAAwOD//wAAAAAmAAAAZAAAABYAAABMAAAAAAAAAAAAAAAEAAAAAAAAAAEAAADu7OEKAAAAACgAAAAoAAAAZAAAAGQAAAAAAAAAzMzMAAAAAABQAAAAUAAAAGQAAABkAAAAAAAAABcAAAAUAAAAAAAAAAAAAAD/fwAA/38AAAAAAAAJAAAABAAAAAAAAAAMAAAAEAAAAAAAAAAAAAAAAAAAAAAAAAAeAAAAaAAAAAAAAAAAAAAAAAAAAAAAAAAAAAAAECcAABAnAAAAAAAAAAAAAAAAAAAAAAAAAAAAAAAAAAAAAAAAAAAAABQAAAAAAAAAwMD/AAAAAABkAAAAMgAAAAAAAABkAAAAAAAAAH9/fwAKAAAAHwAAAFQAAAAzzMwA////AQAAAAAAAAAAAAAAAAAAAAAAAAAAAAAAAAAAAAAAAAAAAAAAAn9/fwDu7OEDzMzMAMDA/wB/f38AAAAAAAAAAAAAAAAAAAAAAAAAAAAhAAAAGAAAABQAAABgCQAAugkAAD44AADyCQAAEAAAACYAAAAIAAAA//////////8="/>
+                <pr:smNativeData xmlns="" xmlns:p14="http://schemas.microsoft.com/office/powerpoint/2010/main" xmlns:pr="smNativeData" val="SMDATA_13_aDXlXhMAAAAlAAAAZAAAAA0AAAAAkAAAAEgAAACQAAAASAAAAAAAAAAAAAAAAAAAAAEAAABQAAAAAAAAAAAA4D8AAAAAAADgPwAAAAAAAOA/AAAAAAAA4D8AAAAAAADgPwAAAAAAAOA/AAAAAAAA4D8AAAAAAADgPwAAAAAAAOA/AAAAAAAA4D8CAAAAjAAAAAEAAAAAAAAAM8zMAP///wgAAAAAAAAAAAAAAAAAAAAAAAAAAAAAAAAAAAAAeAAAAAEAAABAAAAAAAAAAAAAAABaAAAAAAAAAAAAAAAAAAAAAAAAAAAAAAAAAAAAAAAAAAAAAAAAAAAAAAAAAAAAAAAAAAAAAAAAAAAAAAAAAAAAAAAAAAAAAAAAAAAAFAAAADwAAAAAAAAAAAAAAAAAAAkUAAAAAQAAABQAAAAUAAAAFAAAAAEAAAAAAAAAZAAAAGQAAAAAAAAAZAAAAGQAAAAVAAAAYAAAAAAAAAAAAAAADwAAACADAAAAAAAAAAAAAAEAAACgMgAAVgcAAKr4//8BAAAAf39/AAEAAABkAAAAAAAAABQAAABAHwAAAAAAACYAAAAAAAAAwOD//wAAAAAmAAAAZAAAABYAAABMAAAAAAAAAAAAAAAEAAAAAAAAAAEAAADu7OEKAAAAACgAAAAoAAAAZAAAAGQAAAAAAAAAzMzMAAAAAABQAAAAUAAAAGQAAABkAAAAAAAAABcAAAAUAAAAAAAAAAAAAAD/fwAA/38AAAAAAAAJAAAABAAAAAAAAAAMAAAAEAAAAAAAAAAAAAAAAAAAAAAAAAAeAAAAaAAAAAAAAAAAAAAAAAAAAAAAAAAAAAAAECcAABAnAAAAAAAAAAAAAAAAAAAAAAAAAAAAAAAAAAAAAAAAAAAAABQAAAAAAAAAwMD/AAAAAABkAAAAMgAAAAAAAABkAAAAAAAAAH9/fwAKAAAAHwAAAFQAAAAzzMwA////AQAAAAAAAAAAAAAAAAAAAAAAAAAAAAAAAAAAAAAAAAAAAAAAAn9/fwDu7OEDzMzMAMDA/wB/f38AAAAAAAAAAAAAAAAAAAAAAAAAAAAhAAAAGAAAABQAAABgCQAAugkAAD44AADyCQAAEAAAACYAAAAIAAAA//////////8="/>
               </a:ext>
             </a:extLst>
           </p:cNvSpPr>
@@ -4598,7 +4622,7 @@
           <p:cNvSpPr>
             <a:extLst>
               <a:ext uri="smNativeData">
-                <pr:smNativeData xmlns:pr="smNativeData" xmlns:p14="http://schemas.microsoft.com/office/powerpoint/2010/main" xmlns="" val="SMDATA_13_aDXlXhMAAAAlAAAAZAAAAA0AAAAAjgAAAEcAAACOAAAARwAAAAAAAAAAAAAAAAAAAAEAAABQAAAAAAAAAAAA4D8AAAAAAADgPwAAAAAAAOA/AAAAAAAA4D8AAAAAAADgPwAAAAAAAOA/AAAAAAAA4D8AAAAAAADgPwAAAAAAAOA/AAAAAAAA4D8CAAAAjAAAAAAAAAAAAAAAT4G9DP///wgAAAAAAAAAAAAAAAAAAAAAAAAAAAAAAAAAAAAAZAAAAAEAAABAAAAAAAAAAAAAAAAAAAAAAAAAAAAAAAAAAAAAAAAAAAAAAAAAAAAAAAAAAAAAAAAAAAAAAAAAAAAAAAAAAAAAAAAAAAAAAAAAAAAAAAAAAAAAAAAAAAAAFAAAADwAAAAAAAAAAAAAAAAAAAkUAAAAAQAAABQAAAAUAAAAFAAAAAEAAAAAAAAAZAAAAGQAAAAAAAAAZAAAAGQAAAAVAAAAYAAAAAAAAAAAAAAADwAAACADAAAAAAAAAAAAAAEAAACgMgAAVgcAAKr4//8BAAAAf39/AAEAAABkAAAAAAAAABQAAABAHwAAAAAAACYAAAAAAAAAwOD//wAAAAAmAAAAZAAAABYAAABMAAAAAAAAAAAAAAAEAAAAAAAAAAEAAADu7OEKAAAAACgAAAAoAAAAZAAAAGQAAAAAAAAAzMzMAAAAAABQAAAAUAAAAGQAAABkAAAAAAAAABcAAAAUAAAAAAAAAAAAAAD/fwAA/38AAAAAAAAJAAAABAAAAAAAAAAMAAAAEAAAAAAAAAAAAAAAAAAAAAAAAAAeAAAAaAAAAAAAAAAAAAAAAAAAAAAAAAAAAAAAECcAABAnAAAAAAAAAAAAAAAAAAAAAAAAAAAAAAAAAAAAAAAAAAAAABQAAAAAAAAAwMD/AAAAAABkAAAAMgAAAAAAAABkAAAAAAAAAH9/fwAKAAAAHwAAAFQAAABPgb0F////AQAAAAAAAAAAAAAAAAAAAAAAAAAAAAAAAAAAAAAAAAAAAAAAAn9/fwDu7OEDzMzMAMDA/wB/f38AAAAAAAAAAAAAAAAAAAAAAAAAAAAhAAAAGAAAABQAAABwCAAACAcAAD44AADeCQAAEAAAACYAAAAIAAAA//////////8="/>
+                <pr:smNativeData xmlns="" xmlns:p14="http://schemas.microsoft.com/office/powerpoint/2010/main" xmlns:pr="smNativeData" val="SMDATA_13_aDXlXhMAAAAlAAAAZAAAAA0AAAAAjgAAAEcAAACOAAAARwAAAAAAAAAAAAAAAAAAAAEAAABQAAAAAAAAAAAA4D8AAAAAAADgPwAAAAAAAOA/AAAAAAAA4D8AAAAAAADgPwAAAAAAAOA/AAAAAAAA4D8AAAAAAADgPwAAAAAAAOA/AAAAAAAA4D8CAAAAjAAAAAAAAAAAAAAAT4G9DP///wgAAAAAAAAAAAAAAAAAAAAAAAAAAAAAAAAAAAAAZAAAAAEAAABAAAAAAAAAAAAAAAAAAAAAAAAAAAAAAAAAAAAAAAAAAAAAAAAAAAAAAAAAAAAAAAAAAAAAAAAAAAAAAAAAAAAAAAAAAAAAAAAAAAAAAAAAAAAAAAAAAAAAFAAAADwAAAAAAAAAAAAAAAAAAAkUAAAAAQAAABQAAAAUAAAAFAAAAAEAAAAAAAAAZAAAAGQAAAAAAAAAZAAAAGQAAAAVAAAAYAAAAAAAAAAAAAAADwAAACADAAAAAAAAAAAAAAEAAACgMgAAVgcAAKr4//8BAAAAf39/AAEAAABkAAAAAAAAABQAAABAHwAAAAAAACYAAAAAAAAAwOD//wAAAAAmAAAAZAAAABYAAABMAAAAAAAAAAAAAAAEAAAAAAAAAAEAAADu7OEKAAAAACgAAAAoAAAAZAAAAGQAAAAAAAAAzMzMAAAAAABQAAAAUAAAAGQAAABkAAAAAAAAABcAAAAUAAAAAAAAAAAAAAD/fwAA/38AAAAAAAAJAAAABAAAAAAAAAAMAAAAEAAAAAAAAAAAAAAAAAAAAAAAAAAeAAAAaAAAAAAAAAAAAAAAAAAAAAAAAAAAAAAAECcAABAnAAAAAAAAAAAAAAAAAAAAAAAAAAAAAAAAAAAAAAAAAAAAABQAAAAAAAAAwMD/AAAAAABkAAAAMgAAAAAAAABkAAAAAAAAAH9/fwAKAAAAHwAAAFQAAABPgb0F////AQAAAAAAAAAAAAAAAAAAAAAAAAAAAAAAAAAAAAAAAAAAAAAAAn9/fwDu7OEDzMzMAMDA/wB/f38AAAAAAAAAAAAAAAAAAAAAAAAAAAAhAAAAGAAAABQAAABwCAAACAcAAD44AADeCQAAEAAAACYAAAAIAAAA//////////8="/>
               </a:ext>
             </a:extLst>
           </p:cNvSpPr>
@@ -4629,7 +4653,7 @@
               <a:defRPr lang="en-us"/>
             </a:pPr>
             <a:r>
-              <a:rPr lang="en-in" sz="2400">
+              <a:rPr lang="en-in" sz="2400" dirty="0" smtClean="0">
                 <a:solidFill>
                   <a:srgbClr val="FF0000"/>
                 </a:solidFill>
@@ -4637,227 +4661,78 @@
                 <a:ea typeface="Trebuchet MS" charset="0"/>
                 <a:cs typeface="DejaVu Sans" pitchFamily="1" charset="0"/>
               </a:rPr>
-              <a:t>Technologies Used</a:t>
-            </a:r>
+              <a:t>Alternate Algorithm</a:t>
+            </a:r>
+            <a:endParaRPr lang="en-in" sz="2400" dirty="0">
+              <a:solidFill>
+                <a:srgbClr val="FF0000"/>
+              </a:solidFill>
+              <a:latin typeface="Trebuchet MS" charset="0"/>
+              <a:ea typeface="Trebuchet MS" charset="0"/>
+              <a:cs typeface="DejaVu Sans" pitchFamily="1" charset="0"/>
+            </a:endParaRPr>
           </a:p>
         </p:txBody>
       </p:sp>
-      <p:sp>
-        <p:nvSpPr>
-          <p:cNvPr id="4" name="CustomShape 3"/>
-          <p:cNvSpPr>
-            <a:extLst>
-              <a:ext uri="smNativeData">
-                <pr:smNativeData xmlns:pr="smNativeData" xmlns:p14="http://schemas.microsoft.com/office/powerpoint/2010/main" xmlns="" val="SMDATA_13_aDXlXhMAAAAlAAAAZAAAAA0AAAAAjgAAAEcAAACOAAAARwAAAAAAAAABAAAAAAAAAAEAAABQAAAAAAAAAAAA4D8AAAAAAADgPwAAAAAAAOA/AAAAAAAA4D8AAAAAAADgPwAAAAAAAOA/AAAAAAAA4D8AAAAAAADgPwAAAAAAAOA/AAAAAAAA4D8CAAAAjAAAAAAAAAAAAAAAT4G9DP///wgAAAAAAAAAAAAAAAAAAAAAAAAAAAAAAAAAAAAAZAAAAAEAAABAAAAAAAAAAAAAAAAAAAAAAAAAAAAAAAAAAAAAAAAAAAAAAAAAAAAAAAAAAAAAAAAAAAAAAAAAAAAAAAAAAAAAAAAAAAAAAAAAAAAAAAAAAAAAAAAAAAAAFAAAADwAAAAAAAAAAAAAAAAAAAkUAAAAAQAAABQAAAAUAAAAFAAAAAEAAAAAAAAAZAAAAGQAAAAAAAAAZAAAAGQAAAAVAAAAYAAAAAAAAAAAAAAADwAAACADAAAAAAAAAAAAAAEAAACgMgAAVgcAAKr4//8BAAAAf39/AAEAAABkAAAAAAAAABQAAABAHwAAAAAAACYAAAAAAAAAwOD//wAAAAAmAAAAZAAAABYAAABMAAAAAAAAAAAAAAAEAAAAAAAAAAEAAADu7OEKAAAAACgAAAAoAAAAZAAAAGQAAAAAAAAAzMzMAAAAAABQAAAAUAAAAGQAAABkAAAAAAAAABcAAAAUAAAAAAAAAAAAAAD/fwAA/38AAAAAAAAJAAAABAAAAAAAAAAMAAAAEAAAAAAAAAAAAAAAAAAAAAAAAAAeAAAAaAAAAAAAAAAAAAAAAAAAAAAAAAAAAAAAECcAABAnAAAAAAAAAAAAAAAAAAAAAAAAAAAAAAAAAAAAAAAAAAAAABQAAAAAAAAAwMD/AAAAAABkAAAAMgAAAAAAAABkAAAAAAAAAH9/fwAKAAAAHwAAAFQAAABPgb0F////AQAAAAAAAAAAAAAAAAAAAAAAAAAAAAAAAAAAAAAAAAAAAAAAAn9/fwDu7OEDzMzMAMDA/wB/f38AAAAAAAAAAAAAAAAAAAAAAAAAAAAhAAAAGAAAABQAAAAwAwAAQAsAAGgtAABOKAAAEAAAACYAAAAIAAAA//////////8="/>
-              </a:ext>
-            </a:extLst>
-          </p:cNvSpPr>
+      <p:pic>
+        <p:nvPicPr>
+          <p:cNvPr id="4" name="Picture 3"/>
+          <p:cNvPicPr>
+            <a:picLocks noChangeAspect="1"/>
+          </p:cNvPicPr>
           <p:nvPr/>
-        </p:nvSpPr>
-        <p:spPr>
-          <a:xfrm>
-            <a:off x="518160" y="1828800"/>
-            <a:ext cx="6863080" cy="3752850"/>
+        </p:nvPicPr>
+        <p:blipFill>
+          <a:blip r:embed="rId2">
+            <a:extLst>
+              <a:ext uri="{28A0092B-C50C-407E-A947-70E740481C1C}">
+                <a14:useLocalDpi xmlns:a14="http://schemas.microsoft.com/office/drawing/2010/main" val="0"/>
+              </a:ext>
+            </a:extLst>
+          </a:blip>
+          <a:stretch>
+            <a:fillRect/>
+          </a:stretch>
+        </p:blipFill>
+        <p:spPr>
+          <a:xfrm>
+            <a:off x="575734" y="1684443"/>
+            <a:ext cx="7179733" cy="4644469"/>
           </a:xfrm>
           <a:prstGeom prst="rect">
             <a:avLst/>
           </a:prstGeom>
-          <a:noFill/>
-          <a:ln>
-            <a:noFill/>
-          </a:ln>
-          <a:effectLst/>
-        </p:spPr>
-        <p:txBody>
-          <a:bodyPr vert="horz" wrap="square" lIns="90170" tIns="45085" rIns="90170" bIns="45085" numCol="1" spcCol="215900" anchor="ctr"/>
-          <a:lstStyle/>
-          <a:p>
-            <a:pPr marL="285840" indent="-284040">
-              <a:buClr>
-                <a:srgbClr val="000000"/>
-              </a:buClr>
-              <a:buFont typeface="Arial"/>
-              <a:buChar char="•"/>
-            </a:pPr>
-            <a:r>
-              <a:rPr lang="en-IN" sz="2000" spc="-1" dirty="0">
-                <a:solidFill>
-                  <a:srgbClr val="000000"/>
-                </a:solidFill>
-                <a:latin typeface="Calibri" panose="020F0502020204030204" pitchFamily="34" charset="0"/>
-                <a:ea typeface="Arial"/>
-                <a:cs typeface="Calibri" panose="020F0502020204030204" pitchFamily="34" charset="0"/>
-              </a:rPr>
-              <a:t>HDFS replication simulator</a:t>
-            </a:r>
-            <a:endParaRPr lang="en-IN" sz="2000" spc="-1" dirty="0">
-              <a:latin typeface="Calibri" panose="020F0502020204030204" pitchFamily="34" charset="0"/>
-              <a:cs typeface="Calibri" panose="020F0502020204030204" pitchFamily="34" charset="0"/>
-            </a:endParaRPr>
-          </a:p>
-          <a:p>
-            <a:endParaRPr lang="en-IN" sz="2000" spc="-1" dirty="0">
-              <a:latin typeface="Calibri" panose="020F0502020204030204" pitchFamily="34" charset="0"/>
-              <a:cs typeface="Calibri" panose="020F0502020204030204" pitchFamily="34" charset="0"/>
-            </a:endParaRPr>
-          </a:p>
-          <a:p>
-            <a:pPr marL="285840" indent="-284040">
-              <a:buClr>
-                <a:srgbClr val="000000"/>
-              </a:buClr>
-              <a:buFont typeface="Arial"/>
-              <a:buChar char="•"/>
-            </a:pPr>
-            <a:r>
-              <a:rPr lang="en-IN" sz="2000" spc="-1" dirty="0">
-                <a:solidFill>
-                  <a:srgbClr val="000000"/>
-                </a:solidFill>
-                <a:latin typeface="Calibri" panose="020F0502020204030204" pitchFamily="34" charset="0"/>
-                <a:cs typeface="Calibri" panose="020F0502020204030204" pitchFamily="34" charset="0"/>
-              </a:rPr>
-              <a:t>IntelliJ </a:t>
-            </a:r>
-            <a:r>
-              <a:rPr lang="en-IN" sz="2000" spc="-1" dirty="0" smtClean="0">
-                <a:solidFill>
-                  <a:srgbClr val="000000"/>
-                </a:solidFill>
-                <a:latin typeface="Calibri" panose="020F0502020204030204" pitchFamily="34" charset="0"/>
-                <a:cs typeface="Calibri" panose="020F0502020204030204" pitchFamily="34" charset="0"/>
-              </a:rPr>
-              <a:t>IDEA</a:t>
-            </a:r>
-            <a:r>
-              <a:rPr lang="en-IN" sz="2000" spc="-1" dirty="0" smtClean="0">
-                <a:latin typeface="Calibri" panose="020F0502020204030204" pitchFamily="34" charset="0"/>
-                <a:cs typeface="Calibri" panose="020F0502020204030204" pitchFamily="34" charset="0"/>
-              </a:rPr>
-              <a:t>, </a:t>
-            </a:r>
-            <a:r>
-              <a:rPr lang="en-IN" sz="2000" spc="-1" dirty="0" smtClean="0">
-                <a:solidFill>
-                  <a:srgbClr val="000000"/>
-                </a:solidFill>
-                <a:latin typeface="Calibri" panose="020F0502020204030204" pitchFamily="34" charset="0"/>
-                <a:ea typeface="Arial"/>
-                <a:cs typeface="Calibri" panose="020F0502020204030204" pitchFamily="34" charset="0"/>
-              </a:rPr>
-              <a:t>Java</a:t>
-            </a:r>
-          </a:p>
-          <a:p>
-            <a:pPr marL="285840" indent="-284040">
-              <a:buClr>
-                <a:srgbClr val="000000"/>
-              </a:buClr>
-              <a:buFont typeface="Arial"/>
-              <a:buChar char="•"/>
-            </a:pPr>
-            <a:endParaRPr lang="en-IN" sz="2000" spc="-1" dirty="0">
-              <a:solidFill>
-                <a:srgbClr val="000000"/>
-              </a:solidFill>
-              <a:latin typeface="Calibri" panose="020F0502020204030204" pitchFamily="34" charset="0"/>
-              <a:cs typeface="Calibri" panose="020F0502020204030204" pitchFamily="34" charset="0"/>
-            </a:endParaRPr>
-          </a:p>
-          <a:p>
-            <a:pPr marL="285840" indent="-284040">
-              <a:buClr>
-                <a:srgbClr val="000000"/>
-              </a:buClr>
-              <a:buFont typeface="Arial"/>
-              <a:buChar char="•"/>
-            </a:pPr>
-            <a:r>
-              <a:rPr lang="en-IN" sz="2000" spc="-1" dirty="0" smtClean="0">
-                <a:solidFill>
-                  <a:srgbClr val="000000"/>
-                </a:solidFill>
-                <a:latin typeface="Calibri" panose="020F0502020204030204" pitchFamily="34" charset="0"/>
-                <a:cs typeface="Calibri" panose="020F0502020204030204" pitchFamily="34" charset="0"/>
-              </a:rPr>
-              <a:t>Apache Hadoop</a:t>
-            </a:r>
-          </a:p>
-          <a:p>
-            <a:pPr marL="285840" indent="-284040">
-              <a:buClr>
-                <a:srgbClr val="000000"/>
-              </a:buClr>
-              <a:buFont typeface="Arial"/>
-              <a:buChar char="•"/>
-            </a:pPr>
-            <a:endParaRPr lang="en-IN" sz="2000" spc="-1" dirty="0">
-              <a:solidFill>
-                <a:srgbClr val="000000"/>
-              </a:solidFill>
-              <a:latin typeface="Calibri" panose="020F0502020204030204" pitchFamily="34" charset="0"/>
-              <a:cs typeface="Calibri" panose="020F0502020204030204" pitchFamily="34" charset="0"/>
-            </a:endParaRPr>
-          </a:p>
-          <a:p>
-            <a:pPr marL="285840" indent="-284040">
-              <a:buClr>
-                <a:srgbClr val="000000"/>
-              </a:buClr>
-              <a:buFont typeface="Arial"/>
-              <a:buChar char="•"/>
-            </a:pPr>
-            <a:r>
-              <a:rPr lang="en-IN" sz="2000" spc="-1" dirty="0" smtClean="0">
-                <a:solidFill>
-                  <a:srgbClr val="000000"/>
-                </a:solidFill>
-                <a:latin typeface="Calibri" panose="020F0502020204030204" pitchFamily="34" charset="0"/>
-                <a:cs typeface="Calibri" panose="020F0502020204030204" pitchFamily="34" charset="0"/>
-              </a:rPr>
-              <a:t>Vagrant, Virtual Box</a:t>
-            </a:r>
-            <a:endParaRPr lang="en-IN" sz="2000" spc="-1" dirty="0">
-              <a:solidFill>
-                <a:srgbClr val="000000"/>
-              </a:solidFill>
-              <a:latin typeface="Calibri" panose="020F0502020204030204" pitchFamily="34" charset="0"/>
-              <a:cs typeface="Calibri" panose="020F0502020204030204" pitchFamily="34" charset="0"/>
-            </a:endParaRPr>
-          </a:p>
-          <a:p>
-            <a:endParaRPr lang="en-IN" sz="2000" spc="-1" dirty="0">
-              <a:latin typeface="Calibri" panose="020F0502020204030204" pitchFamily="34" charset="0"/>
-              <a:cs typeface="Calibri" panose="020F0502020204030204" pitchFamily="34" charset="0"/>
-            </a:endParaRPr>
-          </a:p>
-          <a:p>
-            <a:pPr marL="285840" indent="-284040">
-              <a:buClr>
-                <a:srgbClr val="000000"/>
-              </a:buClr>
-              <a:buFont typeface="Arial"/>
-              <a:buChar char="•"/>
-            </a:pPr>
-            <a:r>
-              <a:rPr lang="en-IN" sz="2000" spc="-1" dirty="0" smtClean="0">
-                <a:solidFill>
-                  <a:srgbClr val="000000"/>
-                </a:solidFill>
-                <a:latin typeface="Calibri" panose="020F0502020204030204" pitchFamily="34" charset="0"/>
-                <a:ea typeface="Arial"/>
-                <a:cs typeface="Calibri" panose="020F0502020204030204" pitchFamily="34" charset="0"/>
-              </a:rPr>
-              <a:t>Draw.io</a:t>
-            </a:r>
-            <a:endParaRPr lang="en-IN" sz="2000" spc="-1" dirty="0">
-              <a:latin typeface="Calibri" panose="020F0502020204030204" pitchFamily="34" charset="0"/>
-              <a:cs typeface="Calibri" panose="020F0502020204030204" pitchFamily="34" charset="0"/>
-            </a:endParaRPr>
-          </a:p>
-        </p:txBody>
-      </p:sp>
+        </p:spPr>
+      </p:pic>
+      <p:pic>
+        <p:nvPicPr>
+          <p:cNvPr id="5" name="Picture 4"/>
+          <p:cNvPicPr>
+            <a:picLocks noChangeAspect="1"/>
+          </p:cNvPicPr>
+          <p:nvPr/>
+        </p:nvPicPr>
+        <p:blipFill rotWithShape="1">
+          <a:blip r:embed="rId3"/>
+          <a:srcRect l="4135" t="28167" r="7488" b="31089"/>
+          <a:stretch/>
+        </p:blipFill>
+        <p:spPr>
+          <a:xfrm>
+            <a:off x="3500584" y="4572001"/>
+            <a:ext cx="544943" cy="110835"/>
+          </a:xfrm>
+          <a:prstGeom prst="rect">
+            <a:avLst/>
+          </a:prstGeom>
+        </p:spPr>
+      </p:pic>
     </p:spTree>
+    <p:extLst>
+      <p:ext uri="{BB962C8B-B14F-4D97-AF65-F5344CB8AC3E}">
+        <p14:creationId xmlns:p14="http://schemas.microsoft.com/office/powerpoint/2010/main" val="599193099"/>
+      </p:ext>
+    </p:extLst>
   </p:cSld>
   <p:clrMapOvr>
     <a:masterClrMapping/>
@@ -4901,7 +4776,7 @@
           <p:cNvSpPr>
             <a:extLst>
               <a:ext uri="smNativeData">
-                <pr:smNativeData xmlns:pr="smNativeData" xmlns:p14="http://schemas.microsoft.com/office/powerpoint/2010/main" xmlns="" val="SMDATA_13_aDXlXhMAAAAlAAAAZAAAAA0AAAAAkAAAAEgAAACQAAAASAAAAAAAAAAAAAAAAAAAAAEAAABQAAAAAAAAAAAA4D8AAAAAAADgPwAAAAAAAOA/AAAAAAAA4D8AAAAAAADgPwAAAAAAAOA/AAAAAAAA4D8AAAAAAADgPwAAAAAAAOA/AAAAAAAA4D8CAAAAjAAAAAEAAAAAAAAAM8zMAP///wgAAAAAAAAAAAAAAAAAAAAAAAAAAAAAAAAAAAAAeAAAAAEAAABAAAAAAAAAAAAAAABaAAAAAAAAAAAAAAAAAAAAAAAAAAAAAAAAAAAAAAAAAAAAAAAAAAAAAAAAAAAAAAAAAAAAAAAAAAAAAAAAAAAAAAAAAAAAAAAAAAAAFAAAADwAAAAAAAAAAAAAAAAAAAkUAAAAAQAAABQAAAAUAAAAFAAAAAEAAAAAAAAAZAAAAGQAAAAAAAAAZAAAAGQAAAAVAAAAYAAAAAAAAAAAAAAADwAAACADAAAAAAAAAAAAAAEAAACgMgAAVgcAAKr4//8BAAAAf39/AAEAAABkAAAAAAAAABQAAABAHwAAAAAAACYAAAAAAAAAwOD//wAAAAAmAAAAZAAAABYAAABMAAAAAAAAAAAAAAAEAAAAAAAAAAEAAADu7OEKAAAAACgAAAAoAAAAZAAAAGQAAAAAAAAAzMzMAAAAAABQAAAAUAAAAGQAAABkAAAAAAAAABcAAAAUAAAAAAAAAAAAAAD/fwAA/38AAAAAAAAJAAAABAAAAAAAAAAMAAAAEAAAAAAAAAAAAAAAAAAAAAAAAAAeAAAAaAAAAAAAAAAAAAAAAAAAAAAAAAAAAAAAECcAABAnAAAAAAAAAAAAAAAAAAAAAAAAAAAAAAAAAAAAAAAAAAAAABQAAAAAAAAAwMD/AAAAAABkAAAAMgAAAAAAAABkAAAAAAAAAH9/fwAKAAAAHwAAAFQAAAAzzMwA////AQAAAAAAAAAAAAAAAAAAAAAAAAAAAAAAAAAAAAAAAAAAAAAAAn9/fwDu7OEDzMzMAMDA/wB/f38AAAAAAAAAAAAAAAAAAAAAAAAAAAAhAAAAGAAAABQAAABgCQAAugkAAD44AADyCQAAEAAAACYAAAAIAAAA//////////8="/>
+                <pr:smNativeData xmlns="" xmlns:p14="http://schemas.microsoft.com/office/powerpoint/2010/main" xmlns:pr="smNativeData" val="SMDATA_13_aDXlXhMAAAAlAAAAZAAAAA0AAAAAkAAAAEgAAACQAAAASAAAAAAAAAAAAAAAAAAAAAEAAABQAAAAAAAAAAAA4D8AAAAAAADgPwAAAAAAAOA/AAAAAAAA4D8AAAAAAADgPwAAAAAAAOA/AAAAAAAA4D8AAAAAAADgPwAAAAAAAOA/AAAAAAAA4D8CAAAAjAAAAAEAAAAAAAAAM8zMAP///wgAAAAAAAAAAAAAAAAAAAAAAAAAAAAAAAAAAAAAeAAAAAEAAABAAAAAAAAAAAAAAABaAAAAAAAAAAAAAAAAAAAAAAAAAAAAAAAAAAAAAAAAAAAAAAAAAAAAAAAAAAAAAAAAAAAAAAAAAAAAAAAAAAAAAAAAAAAAAAAAAAAAFAAAADwAAAAAAAAAAAAAAAAAAAkUAAAAAQAAABQAAAAUAAAAFAAAAAEAAAAAAAAAZAAAAGQAAAAAAAAAZAAAAGQAAAAVAAAAYAAAAAAAAAAAAAAADwAAACADAAAAAAAAAAAAAAEAAACgMgAAVgcAAKr4//8BAAAAf39/AAEAAABkAAAAAAAAABQAAABAHwAAAAAAACYAAAAAAAAAwOD//wAAAAAmAAAAZAAAABYAAABMAAAAAAAAAAAAAAAEAAAAAAAAAAEAAADu7OEKAAAAACgAAAAoAAAAZAAAAGQAAAAAAAAAzMzMAAAAAABQAAAAUAAAAGQAAABkAAAAAAAAABcAAAAUAAAAAAAAAAAAAAD/fwAA/38AAAAAAAAJAAAABAAAAAAAAAAMAAAAEAAAAAAAAAAAAAAAAAAAAAAAAAAeAAAAaAAAAAAAAAAAAAAAAAAAAAAAAAAAAAAAECcAABAnAAAAAAAAAAAAAAAAAAAAAAAAAAAAAAAAAAAAAAAAAAAAABQAAAAAAAAAwMD/AAAAAABkAAAAMgAAAAAAAABkAAAAAAAAAH9/fwAKAAAAHwAAAFQAAAAzzMwA////AQAAAAAAAAAAAAAAAAAAAAAAAAAAAAAAAAAAAAAAAAAAAAAAAn9/fwDu7OEDzMzMAMDA/wB/f38AAAAAAAAAAAAAAAAAAAAAAAAAAAAhAAAAGAAAABQAAABgCQAAugkAAD44AADyCQAAEAAAACYAAAAIAAAA//////////8="/>
               </a:ext>
             </a:extLst>
           </p:cNvSpPr>
@@ -4930,7 +4805,7 @@
           <p:cNvSpPr>
             <a:extLst>
               <a:ext uri="smNativeData">
-                <pr:smNativeData xmlns:pr="smNativeData" xmlns:p14="http://schemas.microsoft.com/office/powerpoint/2010/main" xmlns="" val="SMDATA_13_aDXlXhMAAAAlAAAAZAAAAA0AAAAAjgAAAEcAAACOAAAARwAAAAAAAAAAAAAAAAAAAAEAAABQAAAAAAAAAAAA4D8AAAAAAADgPwAAAAAAAOA/AAAAAAAA4D8AAAAAAADgPwAAAAAAAOA/AAAAAAAA4D8AAAAAAADgPwAAAAAAAOA/AAAAAAAA4D8CAAAAjAAAAAAAAAAAAAAAT4G9DP///wgAAAAAAAAAAAAAAAAAAAAAAAAAAAAAAAAAAAAAZAAAAAEAAABAAAAAAAAAAAAAAAAAAAAAAAAAAAAAAAAAAAAAAAAAAAAAAAAAAAAAAAAAAAAAAAAAAAAAAAAAAAAAAAAAAAAAAAAAAAAAAAAAAAAAAAAAAAAAAAAAAAAAFAAAADwAAAAAAAAAAAAAAAAAAAkUAAAAAQAAABQAAAAUAAAAFAAAAAEAAAAAAAAAZAAAAGQAAAAAAAAAZAAAAGQAAAAVAAAAYAAAAAAAAAAAAAAADwAAACADAAAAAAAAAAAAAAEAAACgMgAAVgcAAKr4//8BAAAAf39/AAEAAABkAAAAAAAAABQAAABAHwAAAAAAACYAAAAAAAAAwOD//wAAAAAmAAAAZAAAABYAAABMAAAAAAAAAAAAAAAEAAAAAAAAAAEAAADu7OEKAAAAACgAAAAoAAAAZAAAAGQAAAAAAAAAzMzMAAAAAABQAAAAUAAAAGQAAABkAAAAAAAAABcAAAAUAAAAAAAAAAAAAAD/fwAA/38AAAAAAAAJAAAABAAAAAAAAAAMAAAAEAAAAAAAAAAAAAAAAAAAAAAAAAAeAAAAaAAAAAAAAAAAAAAAAAAAAAAAAAAAAAAAECcAABAnAAAAAAAAAAAAAAAAAAAAAAAAAAAAAAAAAAAAAAAAAAAAABQAAAAAAAAAwMD/AAAAAABkAAAAMgAAAAAAAABkAAAAAAAAAH9/fwAKAAAAHwAAAFQAAABPgb0F////AQAAAAAAAAAAAAAAAAAAAAAAAAAAAAAAAAAAAAAAAAAAAAAAAn9/fwDu7OEDzMzMAMDA/wB/f38AAAAAAAAAAAAAAAAAAAAAAAAAAAAhAAAAGAAAABQAAABwCAAACAcAAD44AADeCQAAEAAAACYAAAAIAAAA//////////8="/>
+                <pr:smNativeData xmlns="" xmlns:p14="http://schemas.microsoft.com/office/powerpoint/2010/main" xmlns:pr="smNativeData" val="SMDATA_13_aDXlXhMAAAAlAAAAZAAAAA0AAAAAjgAAAEcAAACOAAAARwAAAAAAAAAAAAAAAAAAAAEAAABQAAAAAAAAAAAA4D8AAAAAAADgPwAAAAAAAOA/AAAAAAAA4D8AAAAAAADgPwAAAAAAAOA/AAAAAAAA4D8AAAAAAADgPwAAAAAAAOA/AAAAAAAA4D8CAAAAjAAAAAAAAAAAAAAAT4G9DP///wgAAAAAAAAAAAAAAAAAAAAAAAAAAAAAAAAAAAAAZAAAAAEAAABAAAAAAAAAAAAAAAAAAAAAAAAAAAAAAAAAAAAAAAAAAAAAAAAAAAAAAAAAAAAAAAAAAAAAAAAAAAAAAAAAAAAAAAAAAAAAAAAAAAAAAAAAAAAAAAAAAAAAFAAAADwAAAAAAAAAAAAAAAAAAAkUAAAAAQAAABQAAAAUAAAAFAAAAAEAAAAAAAAAZAAAAGQAAAAAAAAAZAAAAGQAAAAVAAAAYAAAAAAAAAAAAAAADwAAACADAAAAAAAAAAAAAAEAAACgMgAAVgcAAKr4//8BAAAAf39/AAEAAABkAAAAAAAAABQAAABAHwAAAAAAACYAAAAAAAAAwOD//wAAAAAmAAAAZAAAABYAAABMAAAAAAAAAAAAAAAEAAAAAAAAAAEAAADu7OEKAAAAACgAAAAoAAAAZAAAAGQAAAAAAAAAzMzMAAAAAABQAAAAUAAAAGQAAABkAAAAAAAAABcAAAAUAAAAAAAAAAAAAAD/fwAA/38AAAAAAAAJAAAABAAAAAAAAAAMAAAAEAAAAAAAAAAAAAAAAAAAAAAAAAAeAAAAaAAAAAAAAAAAAAAAAAAAAAAAAAAAAAAAECcAABAnAAAAAAAAAAAAAAAAAAAAAAAAAAAAAAAAAAAAAAAAAAAAABQAAAAAAAAAwMD/AAAAAABkAAAAMgAAAAAAAABkAAAAAAAAAH9/fwAKAAAAHwAAAFQAAABPgb0F////AQAAAAAAAAAAAAAAAAAAAAAAAAAAAAAAAAAAAAAAAAAAAAAAAn9/fwDu7OEDzMzMAMDA/wB/f38AAAAAAAAAAAAAAAAAAAAAAAAAAAAhAAAAGAAAABQAAABwCAAACAcAAD44AADeCQAAEAAAACYAAAAIAAAA//////////8="/>
               </a:ext>
             </a:extLst>
           </p:cNvSpPr>
@@ -4938,8 +4813,8 @@
         </p:nvSpPr>
         <p:spPr>
           <a:xfrm>
-            <a:off x="2162175" y="3035300"/>
-            <a:ext cx="4460662" cy="1676400"/>
+            <a:off x="1371600" y="1143000"/>
+            <a:ext cx="7771130" cy="461010"/>
           </a:xfrm>
           <a:prstGeom prst="rect">
             <a:avLst/>
@@ -4954,14 +4829,14 @@
           <a:bodyPr vert="horz" wrap="square" lIns="90170" tIns="45085" rIns="90170" bIns="45085" numCol="1" spcCol="215900" anchor="t"/>
           <a:lstStyle/>
           <a:p>
-            <a:pPr algn="ctr">
+            <a:pPr algn="r">
               <a:lnSpc>
                 <a:spcPct val="100000"/>
               </a:lnSpc>
               <a:defRPr lang="en-us"/>
             </a:pPr>
             <a:r>
-              <a:rPr lang="en-in" sz="4400" dirty="0" smtClean="0">
+              <a:rPr lang="en-in" sz="2400">
                 <a:solidFill>
                   <a:srgbClr val="FF0000"/>
                 </a:solidFill>
@@ -4969,45 +4844,227 @@
                 <a:ea typeface="Trebuchet MS" charset="0"/>
                 <a:cs typeface="DejaVu Sans" pitchFamily="1" charset="0"/>
               </a:rPr>
-              <a:t>Project</a:t>
-            </a:r>
-            <a:br>
-              <a:rPr lang="en-in" sz="4400" dirty="0" smtClean="0">
+              <a:t>Technologies Used</a:t>
+            </a:r>
+          </a:p>
+        </p:txBody>
+      </p:sp>
+      <p:sp>
+        <p:nvSpPr>
+          <p:cNvPr id="4" name="CustomShape 3"/>
+          <p:cNvSpPr>
+            <a:extLst>
+              <a:ext uri="smNativeData">
+                <pr:smNativeData xmlns="" xmlns:p14="http://schemas.microsoft.com/office/powerpoint/2010/main" xmlns:pr="smNativeData" val="SMDATA_13_aDXlXhMAAAAlAAAAZAAAAA0AAAAAjgAAAEcAAACOAAAARwAAAAAAAAABAAAAAAAAAAEAAABQAAAAAAAAAAAA4D8AAAAAAADgPwAAAAAAAOA/AAAAAAAA4D8AAAAAAADgPwAAAAAAAOA/AAAAAAAA4D8AAAAAAADgPwAAAAAAAOA/AAAAAAAA4D8CAAAAjAAAAAAAAAAAAAAAT4G9DP///wgAAAAAAAAAAAAAAAAAAAAAAAAAAAAAAAAAAAAAZAAAAAEAAABAAAAAAAAAAAAAAAAAAAAAAAAAAAAAAAAAAAAAAAAAAAAAAAAAAAAAAAAAAAAAAAAAAAAAAAAAAAAAAAAAAAAAAAAAAAAAAAAAAAAAAAAAAAAAAAAAAAAAFAAAADwAAAAAAAAAAAAAAAAAAAkUAAAAAQAAABQAAAAUAAAAFAAAAAEAAAAAAAAAZAAAAGQAAAAAAAAAZAAAAGQAAAAVAAAAYAAAAAAAAAAAAAAADwAAACADAAAAAAAAAAAAAAEAAACgMgAAVgcAAKr4//8BAAAAf39/AAEAAABkAAAAAAAAABQAAABAHwAAAAAAACYAAAAAAAAAwOD//wAAAAAmAAAAZAAAABYAAABMAAAAAAAAAAAAAAAEAAAAAAAAAAEAAADu7OEKAAAAACgAAAAoAAAAZAAAAGQAAAAAAAAAzMzMAAAAAABQAAAAUAAAAGQAAABkAAAAAAAAABcAAAAUAAAAAAAAAAAAAAD/fwAA/38AAAAAAAAJAAAABAAAAAAAAAAMAAAAEAAAAAAAAAAAAAAAAAAAAAAAAAAeAAAAaAAAAAAAAAAAAAAAAAAAAAAAAAAAAAAAECcAABAnAAAAAAAAAAAAAAAAAAAAAAAAAAAAAAAAAAAAAAAAAAAAABQAAAAAAAAAwMD/AAAAAABkAAAAMgAAAAAAAABkAAAAAAAAAH9/fwAKAAAAHwAAAFQAAABPgb0F////AQAAAAAAAAAAAAAAAAAAAAAAAAAAAAAAAAAAAAAAAAAAAAAAAn9/fwDu7OEDzMzMAMDA/wB/f38AAAAAAAAAAAAAAAAAAAAAAAAAAAAhAAAAGAAAABQAAAAwAwAAQAsAAGgtAABOKAAAEAAAACYAAAAIAAAA//////////8="/>
+              </a:ext>
+            </a:extLst>
+          </p:cNvSpPr>
+          <p:nvPr/>
+        </p:nvSpPr>
+        <p:spPr>
+          <a:xfrm>
+            <a:off x="518160" y="1828800"/>
+            <a:ext cx="6863080" cy="3752850"/>
+          </a:xfrm>
+          <a:prstGeom prst="rect">
+            <a:avLst/>
+          </a:prstGeom>
+          <a:noFill/>
+          <a:ln>
+            <a:noFill/>
+          </a:ln>
+          <a:effectLst/>
+        </p:spPr>
+        <p:txBody>
+          <a:bodyPr vert="horz" wrap="square" lIns="90170" tIns="45085" rIns="90170" bIns="45085" numCol="1" spcCol="215900" anchor="ctr"/>
+          <a:lstStyle/>
+          <a:p>
+            <a:pPr marL="285840" indent="-284040">
+              <a:buClr>
+                <a:srgbClr val="000000"/>
+              </a:buClr>
+              <a:buFont typeface="Arial"/>
+              <a:buChar char="•"/>
+            </a:pPr>
+            <a:r>
+              <a:rPr lang="en-IN" sz="2000" spc="-1" dirty="0">
                 <a:solidFill>
-                  <a:srgbClr val="FF0000"/>
+                  <a:srgbClr val="000000"/>
                 </a:solidFill>
-                <a:latin typeface="Trebuchet MS" charset="0"/>
-                <a:ea typeface="Trebuchet MS" charset="0"/>
-                <a:cs typeface="DejaVu Sans" pitchFamily="1" charset="0"/>
-              </a:rPr>
-            </a:br>
-            <a:r>
-              <a:rPr lang="en-in" sz="4400" dirty="0" smtClean="0">
+                <a:latin typeface="Calibri" panose="020F0502020204030204" pitchFamily="34" charset="0"/>
+                <a:ea typeface="Arial"/>
+                <a:cs typeface="Calibri" panose="020F0502020204030204" pitchFamily="34" charset="0"/>
+              </a:rPr>
+              <a:t>HDFS replication simulator</a:t>
+            </a:r>
+            <a:endParaRPr lang="en-IN" sz="2000" spc="-1" dirty="0">
+              <a:latin typeface="Calibri" panose="020F0502020204030204" pitchFamily="34" charset="0"/>
+              <a:cs typeface="Calibri" panose="020F0502020204030204" pitchFamily="34" charset="0"/>
+            </a:endParaRPr>
+          </a:p>
+          <a:p>
+            <a:endParaRPr lang="en-IN" sz="2000" spc="-1" dirty="0">
+              <a:latin typeface="Calibri" panose="020F0502020204030204" pitchFamily="34" charset="0"/>
+              <a:cs typeface="Calibri" panose="020F0502020204030204" pitchFamily="34" charset="0"/>
+            </a:endParaRPr>
+          </a:p>
+          <a:p>
+            <a:pPr marL="285840" indent="-284040">
+              <a:buClr>
+                <a:srgbClr val="000000"/>
+              </a:buClr>
+              <a:buFont typeface="Arial"/>
+              <a:buChar char="•"/>
+            </a:pPr>
+            <a:r>
+              <a:rPr lang="en-IN" sz="2000" spc="-1" dirty="0">
                 <a:solidFill>
-                  <a:srgbClr val="FF0000"/>
+                  <a:srgbClr val="000000"/>
                 </a:solidFill>
-                <a:latin typeface="Trebuchet MS" charset="0"/>
-                <a:ea typeface="Trebuchet MS" charset="0"/>
-              </a:rPr>
-              <a:t>Demo</a:t>
-            </a:r>
-            <a:endParaRPr lang="en-in" sz="4400" dirty="0">
+                <a:latin typeface="Calibri" panose="020F0502020204030204" pitchFamily="34" charset="0"/>
+                <a:cs typeface="Calibri" panose="020F0502020204030204" pitchFamily="34" charset="0"/>
+              </a:rPr>
+              <a:t>IntelliJ </a:t>
+            </a:r>
+            <a:r>
+              <a:rPr lang="en-IN" sz="2000" spc="-1" dirty="0" smtClean="0">
+                <a:solidFill>
+                  <a:srgbClr val="000000"/>
+                </a:solidFill>
+                <a:latin typeface="Calibri" panose="020F0502020204030204" pitchFamily="34" charset="0"/>
+                <a:cs typeface="Calibri" panose="020F0502020204030204" pitchFamily="34" charset="0"/>
+              </a:rPr>
+              <a:t>IDEA</a:t>
+            </a:r>
+            <a:r>
+              <a:rPr lang="en-IN" sz="2000" spc="-1" dirty="0" smtClean="0">
+                <a:latin typeface="Calibri" panose="020F0502020204030204" pitchFamily="34" charset="0"/>
+                <a:cs typeface="Calibri" panose="020F0502020204030204" pitchFamily="34" charset="0"/>
+              </a:rPr>
+              <a:t>, </a:t>
+            </a:r>
+            <a:r>
+              <a:rPr lang="en-IN" sz="2000" spc="-1" dirty="0" smtClean="0">
+                <a:solidFill>
+                  <a:srgbClr val="000000"/>
+                </a:solidFill>
+                <a:latin typeface="Calibri" panose="020F0502020204030204" pitchFamily="34" charset="0"/>
+                <a:ea typeface="Arial"/>
+                <a:cs typeface="Calibri" panose="020F0502020204030204" pitchFamily="34" charset="0"/>
+              </a:rPr>
+              <a:t>Java</a:t>
+            </a:r>
+          </a:p>
+          <a:p>
+            <a:pPr marL="285840" indent="-284040">
+              <a:buClr>
+                <a:srgbClr val="000000"/>
+              </a:buClr>
+              <a:buFont typeface="Arial"/>
+              <a:buChar char="•"/>
+            </a:pPr>
+            <a:endParaRPr lang="en-IN" sz="2000" spc="-1" dirty="0">
               <a:solidFill>
-                <a:srgbClr val="FF0000"/>
+                <a:srgbClr val="000000"/>
               </a:solidFill>
-              <a:latin typeface="Trebuchet MS" charset="0"/>
-              <a:ea typeface="Trebuchet MS" charset="0"/>
-              <a:cs typeface="DejaVu Sans" pitchFamily="1" charset="0"/>
+              <a:latin typeface="Calibri" panose="020F0502020204030204" pitchFamily="34" charset="0"/>
+              <a:cs typeface="Calibri" panose="020F0502020204030204" pitchFamily="34" charset="0"/>
             </a:endParaRPr>
           </a:p>
+          <a:p>
+            <a:pPr marL="285840" indent="-284040">
+              <a:buClr>
+                <a:srgbClr val="000000"/>
+              </a:buClr>
+              <a:buFont typeface="Arial"/>
+              <a:buChar char="•"/>
+            </a:pPr>
+            <a:r>
+              <a:rPr lang="en-IN" sz="2000" spc="-1" dirty="0" smtClean="0">
+                <a:solidFill>
+                  <a:srgbClr val="000000"/>
+                </a:solidFill>
+                <a:latin typeface="Calibri" panose="020F0502020204030204" pitchFamily="34" charset="0"/>
+                <a:cs typeface="Calibri" panose="020F0502020204030204" pitchFamily="34" charset="0"/>
+              </a:rPr>
+              <a:t>Apache Hadoop</a:t>
+            </a:r>
+          </a:p>
+          <a:p>
+            <a:pPr marL="285840" indent="-284040">
+              <a:buClr>
+                <a:srgbClr val="000000"/>
+              </a:buClr>
+              <a:buFont typeface="Arial"/>
+              <a:buChar char="•"/>
+            </a:pPr>
+            <a:endParaRPr lang="en-IN" sz="2000" spc="-1" dirty="0">
+              <a:solidFill>
+                <a:srgbClr val="000000"/>
+              </a:solidFill>
+              <a:latin typeface="Calibri" panose="020F0502020204030204" pitchFamily="34" charset="0"/>
+              <a:cs typeface="Calibri" panose="020F0502020204030204" pitchFamily="34" charset="0"/>
+            </a:endParaRPr>
+          </a:p>
+          <a:p>
+            <a:pPr marL="285840" indent="-284040">
+              <a:buClr>
+                <a:srgbClr val="000000"/>
+              </a:buClr>
+              <a:buFont typeface="Arial"/>
+              <a:buChar char="•"/>
+            </a:pPr>
+            <a:r>
+              <a:rPr lang="en-IN" sz="2000" spc="-1" dirty="0" smtClean="0">
+                <a:solidFill>
+                  <a:srgbClr val="000000"/>
+                </a:solidFill>
+                <a:latin typeface="Calibri" panose="020F0502020204030204" pitchFamily="34" charset="0"/>
+                <a:cs typeface="Calibri" panose="020F0502020204030204" pitchFamily="34" charset="0"/>
+              </a:rPr>
+              <a:t>Vagrant, Virtual Box</a:t>
+            </a:r>
+            <a:endParaRPr lang="en-IN" sz="2000" spc="-1" dirty="0">
+              <a:solidFill>
+                <a:srgbClr val="000000"/>
+              </a:solidFill>
+              <a:latin typeface="Calibri" panose="020F0502020204030204" pitchFamily="34" charset="0"/>
+              <a:cs typeface="Calibri" panose="020F0502020204030204" pitchFamily="34" charset="0"/>
+            </a:endParaRPr>
+          </a:p>
+          <a:p>
+            <a:endParaRPr lang="en-IN" sz="2000" spc="-1" dirty="0">
+              <a:latin typeface="Calibri" panose="020F0502020204030204" pitchFamily="34" charset="0"/>
+              <a:cs typeface="Calibri" panose="020F0502020204030204" pitchFamily="34" charset="0"/>
+            </a:endParaRPr>
+          </a:p>
+          <a:p>
+            <a:pPr marL="285840" indent="-284040">
+              <a:buClr>
+                <a:srgbClr val="000000"/>
+              </a:buClr>
+              <a:buFont typeface="Arial"/>
+              <a:buChar char="•"/>
+            </a:pPr>
+            <a:r>
+              <a:rPr lang="en-IN" sz="2000" spc="-1" dirty="0" smtClean="0">
+                <a:solidFill>
+                  <a:srgbClr val="000000"/>
+                </a:solidFill>
+                <a:latin typeface="Calibri" panose="020F0502020204030204" pitchFamily="34" charset="0"/>
+                <a:ea typeface="Arial"/>
+                <a:cs typeface="Calibri" panose="020F0502020204030204" pitchFamily="34" charset="0"/>
+              </a:rPr>
+              <a:t>Draw.io</a:t>
+            </a:r>
+            <a:endParaRPr lang="en-IN" sz="2000" spc="-1" dirty="0">
+              <a:latin typeface="Calibri" panose="020F0502020204030204" pitchFamily="34" charset="0"/>
+              <a:cs typeface="Calibri" panose="020F0502020204030204" pitchFamily="34" charset="0"/>
+            </a:endParaRPr>
+          </a:p>
         </p:txBody>
       </p:sp>
     </p:spTree>
-    <p:extLst>
-      <p:ext uri="{BB962C8B-B14F-4D97-AF65-F5344CB8AC3E}">
-        <p14:creationId xmlns:p14="http://schemas.microsoft.com/office/powerpoint/2010/main" val="3408120026"/>
-      </p:ext>
-    </p:extLst>
   </p:cSld>
   <p:clrMapOvr>
     <a:masterClrMapping/>
@@ -5051,7 +5108,7 @@
           <p:cNvSpPr>
             <a:extLst>
               <a:ext uri="smNativeData">
-                <pr:smNativeData xmlns:pr="smNativeData" xmlns:p14="http://schemas.microsoft.com/office/powerpoint/2010/main" xmlns="" val="SMDATA_13_aDXlXhMAAAAlAAAAZAAAAA0AAAAAkAAAAEgAAACQAAAASAAAAAAAAAAAAAAAAAAAAAEAAABQAAAAAAAAAAAA4D8AAAAAAADgPwAAAAAAAOA/AAAAAAAA4D8AAAAAAADgPwAAAAAAAOA/AAAAAAAA4D8AAAAAAADgPwAAAAAAAOA/AAAAAAAA4D8CAAAAjAAAAAEAAAAAAAAAM8zMAP///wgAAAAAAAAAAAAAAAAAAAAAAAAAAAAAAAAAAAAAeAAAAAEAAABAAAAAAAAAAAAAAABaAAAAAAAAAAAAAAAAAAAAAAAAAAAAAAAAAAAAAAAAAAAAAAAAAAAAAAAAAAAAAAAAAAAAAAAAAAAAAAAAAAAAAAAAAAAAAAAAAAAAFAAAADwAAAAAAAAAAAAAAAAAAAkUAAAAAQAAABQAAAAUAAAAFAAAAAEAAAAAAAAAZAAAAGQAAAAAAAAAZAAAAGQAAAAVAAAAYAAAAAAAAAAAAAAADwAAACADAAAAAAAAAAAAAAEAAACgMgAAVgcAAKr4//8BAAAAf39/AAEAAABkAAAAAAAAABQAAABAHwAAAAAAACYAAAAAAAAAwOD//wAAAAAmAAAAZAAAABYAAABMAAAAAAAAAAAAAAAEAAAAAAAAAAEAAADu7OEKAAAAACgAAAAoAAAAZAAAAGQAAAAAAAAAzMzMAAAAAABQAAAAUAAAAGQAAABkAAAAAAAAABcAAAAUAAAAAAAAAAAAAAD/fwAA/38AAAAAAAAJAAAABAAAAAAAAAAMAAAAEAAAAAAAAAAAAAAAAAAAAAAAAAAeAAAAaAAAAAAAAAAAAAAAAAAAAAAAAAAAAAAAECcAABAnAAAAAAAAAAAAAAAAAAAAAAAAAAAAAAAAAAAAAAAAAAAAABQAAAAAAAAAwMD/AAAAAABkAAAAMgAAAAAAAABkAAAAAAAAAH9/fwAKAAAAHwAAAFQAAAAzzMwA////AQAAAAAAAAAAAAAAAAAAAAAAAAAAAAAAAAAAAAAAAAAAAAAAAn9/fwDu7OEDzMzMAMDA/wB/f38AAAAAAAAAAAAAAAAAAAAAAAAAAAAhAAAAGAAAABQAAABgCQAAugkAAD44AADyCQAAEAAAACYAAAAIAAAA//////////8="/>
+                <pr:smNativeData xmlns="" xmlns:p14="http://schemas.microsoft.com/office/powerpoint/2010/main" xmlns:pr="smNativeData" val="SMDATA_13_aDXlXhMAAAAlAAAAZAAAAA0AAAAAkAAAAEgAAACQAAAASAAAAAAAAAAAAAAAAAAAAAEAAABQAAAAAAAAAAAA4D8AAAAAAADgPwAAAAAAAOA/AAAAAAAA4D8AAAAAAADgPwAAAAAAAOA/AAAAAAAA4D8AAAAAAADgPwAAAAAAAOA/AAAAAAAA4D8CAAAAjAAAAAEAAAAAAAAAM8zMAP///wgAAAAAAAAAAAAAAAAAAAAAAAAAAAAAAAAAAAAAeAAAAAEAAABAAAAAAAAAAAAAAABaAAAAAAAAAAAAAAAAAAAAAAAAAAAAAAAAAAAAAAAAAAAAAAAAAAAAAAAAAAAAAAAAAAAAAAAAAAAAAAAAAAAAAAAAAAAAAAAAAAAAFAAAADwAAAAAAAAAAAAAAAAAAAkUAAAAAQAAABQAAAAUAAAAFAAAAAEAAAAAAAAAZAAAAGQAAAAAAAAAZAAAAGQAAAAVAAAAYAAAAAAAAAAAAAAADwAAACADAAAAAAAAAAAAAAEAAACgMgAAVgcAAKr4//8BAAAAf39/AAEAAABkAAAAAAAAABQAAABAHwAAAAAAACYAAAAAAAAAwOD//wAAAAAmAAAAZAAAABYAAABMAAAAAAAAAAAAAAAEAAAAAAAAAAEAAADu7OEKAAAAACgAAAAoAAAAZAAAAGQAAAAAAAAAzMzMAAAAAABQAAAAUAAAAGQAAABkAAAAAAAAABcAAAAUAAAAAAAAAAAAAAD/fwAA/38AAAAAAAAJAAAABAAAAAAAAAAMAAAAEAAAAAAAAAAAAAAAAAAAAAAAAAAeAAAAaAAAAAAAAAAAAAAAAAAAAAAAAAAAAAAAECcAABAnAAAAAAAAAAAAAAAAAAAAAAAAAAAAAAAAAAAAAAAAAAAAABQAAAAAAAAAwMD/AAAAAABkAAAAMgAAAAAAAABkAAAAAAAAAH9/fwAKAAAAHwAAAFQAAAAzzMwA////AQAAAAAAAAAAAAAAAAAAAAAAAAAAAAAAAAAAAAAAAAAAAAAAAn9/fwDu7OEDzMzMAMDA/wB/f38AAAAAAAAAAAAAAAAAAAAAAAAAAAAhAAAAGAAAABQAAABgCQAAugkAAD44AADyCQAAEAAAACYAAAAIAAAA//////////8="/>
               </a:ext>
             </a:extLst>
           </p:cNvSpPr>
@@ -5080,7 +5137,7 @@
           <p:cNvSpPr>
             <a:extLst>
               <a:ext uri="smNativeData">
-                <pr:smNativeData xmlns:pr="smNativeData" xmlns:p14="http://schemas.microsoft.com/office/powerpoint/2010/main" xmlns="" val="SMDATA_13_aDXlXhMAAAAlAAAAZAAAAA0AAAAAjgAAAEcAAACOAAAARwAAAAAAAAAAAAAAAAAAAAEAAABQAAAAAAAAAAAA4D8AAAAAAADgPwAAAAAAAOA/AAAAAAAA4D8AAAAAAADgPwAAAAAAAOA/AAAAAAAA4D8AAAAAAADgPwAAAAAAAOA/AAAAAAAA4D8CAAAAjAAAAAAAAAAAAAAAT4G9DP///wgAAAAAAAAAAAAAAAAAAAAAAAAAAAAAAAAAAAAAZAAAAAEAAABAAAAAAAAAAAAAAAAAAAAAAAAAAAAAAAAAAAAAAAAAAAAAAAAAAAAAAAAAAAAAAAAAAAAAAAAAAAAAAAAAAAAAAAAAAAAAAAAAAAAAAAAAAAAAAAAAAAAAFAAAADwAAAAAAAAAAAAAAAAAAAkUAAAAAQAAABQAAAAUAAAAFAAAAAEAAAAAAAAAZAAAAGQAAAAAAAAAZAAAAGQAAAAVAAAAYAAAAAAAAAAAAAAADwAAACADAAAAAAAAAAAAAAEAAACgMgAAVgcAAKr4//8BAAAAf39/AAEAAABkAAAAAAAAABQAAABAHwAAAAAAACYAAAAAAAAAwOD//wAAAAAmAAAAZAAAABYAAABMAAAAAAAAAAAAAAAEAAAAAAAAAAEAAADu7OEKAAAAACgAAAAoAAAAZAAAAGQAAAAAAAAAzMzMAAAAAABQAAAAUAAAAGQAAABkAAAAAAAAABcAAAAUAAAAAAAAAAAAAAD/fwAA/38AAAAAAAAJAAAABAAAAAAAAAAMAAAAEAAAAAAAAAAAAAAAAAAAAAAAAAAeAAAAaAAAAAAAAAAAAAAAAAAAAAAAAAAAAAAAECcAABAnAAAAAAAAAAAAAAAAAAAAAAAAAAAAAAAAAAAAAAAAAAAAABQAAAAAAAAAwMD/AAAAAABkAAAAMgAAAAAAAABkAAAAAAAAAH9/fwAKAAAAHwAAAFQAAABPgb0F////AQAAAAAAAAAAAAAAAAAAAAAAAAAAAAAAAAAAAAAAAAAAAAAAAn9/fwDu7OEDzMzMAMDA/wB/f38AAAAAAAAAAAAAAAAAAAAAAAAAAAAhAAAAGAAAABQAAABwCAAACAcAAD44AADeCQAAEAAAACYAAAAIAAAA//////////8="/>
+                <pr:smNativeData xmlns="" xmlns:p14="http://schemas.microsoft.com/office/powerpoint/2010/main" xmlns:pr="smNativeData" val="SMDATA_13_aDXlXhMAAAAlAAAAZAAAAA0AAAAAjgAAAEcAAACOAAAARwAAAAAAAAAAAAAAAAAAAAEAAABQAAAAAAAAAAAA4D8AAAAAAADgPwAAAAAAAOA/AAAAAAAA4D8AAAAAAADgPwAAAAAAAOA/AAAAAAAA4D8AAAAAAADgPwAAAAAAAOA/AAAAAAAA4D8CAAAAjAAAAAAAAAAAAAAAT4G9DP///wgAAAAAAAAAAAAAAAAAAAAAAAAAAAAAAAAAAAAAZAAAAAEAAABAAAAAAAAAAAAAAAAAAAAAAAAAAAAAAAAAAAAAAAAAAAAAAAAAAAAAAAAAAAAAAAAAAAAAAAAAAAAAAAAAAAAAAAAAAAAAAAAAAAAAAAAAAAAAAAAAAAAAFAAAADwAAAAAAAAAAAAAAAAAAAkUAAAAAQAAABQAAAAUAAAAFAAAAAEAAAAAAAAAZAAAAGQAAAAAAAAAZAAAAGQAAAAVAAAAYAAAAAAAAAAAAAAADwAAACADAAAAAAAAAAAAAAEAAACgMgAAVgcAAKr4//8BAAAAf39/AAEAAABkAAAAAAAAABQAAABAHwAAAAAAACYAAAAAAAAAwOD//wAAAAAmAAAAZAAAABYAAABMAAAAAAAAAAAAAAAEAAAAAAAAAAEAAADu7OEKAAAAACgAAAAoAAAAZAAAAGQAAAAAAAAAzMzMAAAAAABQAAAAUAAAAGQAAABkAAAAAAAAABcAAAAUAAAAAAAAAAAAAAD/fwAA/38AAAAAAAAJAAAABAAAAAAAAAAMAAAAEAAAAAAAAAAAAAAAAAAAAAAAAAAeAAAAaAAAAAAAAAAAAAAAAAAAAAAAAAAAAAAAECcAABAnAAAAAAAAAAAAAAAAAAAAAAAAAAAAAAAAAAAAAAAAAAAAABQAAAAAAAAAwMD/AAAAAABkAAAAMgAAAAAAAABkAAAAAAAAAH9/fwAKAAAAHwAAAFQAAABPgb0F////AQAAAAAAAAAAAAAAAAAAAAAAAAAAAAAAAAAAAAAAAAAAAAAAAn9/fwDu7OEDzMzMAMDA/wB/f38AAAAAAAAAAAAAAAAAAAAAAAAAAAAhAAAAGAAAABQAAABwCAAACAcAAD44AADeCQAAEAAAACYAAAAIAAAA//////////8="/>
               </a:ext>
             </a:extLst>
           </p:cNvSpPr>
@@ -5119,7 +5176,27 @@
                 <a:ea typeface="Trebuchet MS" charset="0"/>
                 <a:cs typeface="DejaVu Sans" pitchFamily="1" charset="0"/>
               </a:rPr>
-              <a:t>Evaluation Results</a:t>
+              <a:t>Project</a:t>
+            </a:r>
+            <a:br>
+              <a:rPr lang="en-in" sz="4400" dirty="0" smtClean="0">
+                <a:solidFill>
+                  <a:srgbClr val="FF0000"/>
+                </a:solidFill>
+                <a:latin typeface="Trebuchet MS" charset="0"/>
+                <a:ea typeface="Trebuchet MS" charset="0"/>
+                <a:cs typeface="DejaVu Sans" pitchFamily="1" charset="0"/>
+              </a:rPr>
+            </a:br>
+            <a:r>
+              <a:rPr lang="en-in" sz="4400" dirty="0" smtClean="0">
+                <a:solidFill>
+                  <a:srgbClr val="FF0000"/>
+                </a:solidFill>
+                <a:latin typeface="Trebuchet MS" charset="0"/>
+                <a:ea typeface="Trebuchet MS" charset="0"/>
+              </a:rPr>
+              <a:t>Demo</a:t>
             </a:r>
             <a:endParaRPr lang="en-in" sz="4400" dirty="0">
               <a:solidFill>
@@ -5135,7 +5212,7 @@
     </p:spTree>
     <p:extLst>
       <p:ext uri="{BB962C8B-B14F-4D97-AF65-F5344CB8AC3E}">
-        <p14:creationId xmlns:p14="http://schemas.microsoft.com/office/powerpoint/2010/main" val="2205016731"/>
+        <p14:creationId xmlns:p14="http://schemas.microsoft.com/office/powerpoint/2010/main" val="3408120026"/>
       </p:ext>
     </p:extLst>
   </p:cSld>
@@ -5181,7 +5258,7 @@
           <p:cNvSpPr>
             <a:extLst>
               <a:ext uri="smNativeData">
-                <pr:smNativeData xmlns:pr="smNativeData" xmlns:p14="http://schemas.microsoft.com/office/powerpoint/2010/main" xmlns="" val="SMDATA_13_aDXlXhMAAAAlAAAAZAAAAA0AAAAAkAAAAEgAAACQAAAASAAAAAAAAAAAAAAAAAAAAAEAAABQAAAAAAAAAAAA4D8AAAAAAADgPwAAAAAAAOA/AAAAAAAA4D8AAAAAAADgPwAAAAAAAOA/AAAAAAAA4D8AAAAAAADgPwAAAAAAAOA/AAAAAAAA4D8CAAAAjAAAAAEAAAAAAAAAM8zMAP///wgAAAAAAAAAAAAAAAAAAAAAAAAAAAAAAAAAAAAAeAAAAAEAAABAAAAAAAAAAAAAAABaAAAAAAAAAAAAAAAAAAAAAAAAAAAAAAAAAAAAAAAAAAAAAAAAAAAAAAAAAAAAAAAAAAAAAAAAAAAAAAAAAAAAAAAAAAAAAAAAAAAAFAAAADwAAAAAAAAAAAAAAAAAAAkUAAAAAQAAABQAAAAUAAAAFAAAAAEAAAAAAAAAZAAAAGQAAAAAAAAAZAAAAGQAAAAVAAAAYAAAAAAAAAAAAAAADwAAACADAAAAAAAAAAAAAAEAAACgMgAAVgcAAKr4//8BAAAAf39/AAEAAABkAAAAAAAAABQAAABAHwAAAAAAACYAAAAAAAAAwOD//wAAAAAmAAAAZAAAABYAAABMAAAAAAAAAAAAAAAEAAAAAAAAAAEAAADu7OEKAAAAACgAAAAoAAAAZAAAAGQAAAAAAAAAzMzMAAAAAABQAAAAUAAAAGQAAABkAAAAAAAAABcAAAAUAAAAAAAAAAAAAAD/fwAA/38AAAAAAAAJAAAABAAAAAAAAAAMAAAAEAAAAAAAAAAAAAAAAAAAAAAAAAAeAAAAaAAAAAAAAAAAAAAAAAAAAAAAAAAAAAAAECcAABAnAAAAAAAAAAAAAAAAAAAAAAAAAAAAAAAAAAAAAAAAAAAAABQAAAAAAAAAwMD/AAAAAABkAAAAMgAAAAAAAABkAAAAAAAAAH9/fwAKAAAAHwAAAFQAAAAzzMwA////AQAAAAAAAAAAAAAAAAAAAAAAAAAAAAAAAAAAAAAAAAAAAAAAAn9/fwDu7OEDzMzMAMDA/wB/f38AAAAAAAAAAAAAAAAAAAAAAAAAAAAhAAAAGAAAABQAAABgCQAAugkAAD44AADyCQAAEAAAACYAAAAIAAAA//////////8="/>
+                <pr:smNativeData xmlns="" xmlns:p14="http://schemas.microsoft.com/office/powerpoint/2010/main" xmlns:pr="smNativeData" val="SMDATA_13_aDXlXhMAAAAlAAAAZAAAAA0AAAAAkAAAAEgAAACQAAAASAAAAAAAAAAAAAAAAAAAAAEAAABQAAAAAAAAAAAA4D8AAAAAAADgPwAAAAAAAOA/AAAAAAAA4D8AAAAAAADgPwAAAAAAAOA/AAAAAAAA4D8AAAAAAADgPwAAAAAAAOA/AAAAAAAA4D8CAAAAjAAAAAEAAAAAAAAAM8zMAP///wgAAAAAAAAAAAAAAAAAAAAAAAAAAAAAAAAAAAAAeAAAAAEAAABAAAAAAAAAAAAAAABaAAAAAAAAAAAAAAAAAAAAAAAAAAAAAAAAAAAAAAAAAAAAAAAAAAAAAAAAAAAAAAAAAAAAAAAAAAAAAAAAAAAAAAAAAAAAAAAAAAAAFAAAADwAAAAAAAAAAAAAAAAAAAkUAAAAAQAAABQAAAAUAAAAFAAAAAEAAAAAAAAAZAAAAGQAAAAAAAAAZAAAAGQAAAAVAAAAYAAAAAAAAAAAAAAADwAAACADAAAAAAAAAAAAAAEAAACgMgAAVgcAAKr4//8BAAAAf39/AAEAAABkAAAAAAAAABQAAABAHwAAAAAAACYAAAAAAAAAwOD//wAAAAAmAAAAZAAAABYAAABMAAAAAAAAAAAAAAAEAAAAAAAAAAEAAADu7OEKAAAAACgAAAAoAAAAZAAAAGQAAAAAAAAAzMzMAAAAAABQAAAAUAAAAGQAAABkAAAAAAAAABcAAAAUAAAAAAAAAAAAAAD/fwAA/38AAAAAAAAJAAAABAAAAAAAAAAMAAAAEAAAAAAAAAAAAAAAAAAAAAAAAAAeAAAAaAAAAAAAAAAAAAAAAAAAAAAAAAAAAAAAECcAABAnAAAAAAAAAAAAAAAAAAAAAAAAAAAAAAAAAAAAAAAAAAAAABQAAAAAAAAAwMD/AAAAAABkAAAAMgAAAAAAAABkAAAAAAAAAH9/fwAKAAAAHwAAAFQAAAAzzMwA////AQAAAAAAAAAAAAAAAAAAAAAAAAAAAAAAAAAAAAAAAAAAAAAAAn9/fwDu7OEDzMzMAMDA/wB/f38AAAAAAAAAAAAAAAAAAAAAAAAAAAAhAAAAGAAAABQAAABgCQAAugkAAD44AADyCQAAEAAAACYAAAAIAAAA//////////8="/>
               </a:ext>
             </a:extLst>
           </p:cNvSpPr>
@@ -5210,7 +5287,7 @@
           <p:cNvSpPr>
             <a:extLst>
               <a:ext uri="smNativeData">
-                <pr:smNativeData xmlns:pr="smNativeData" xmlns:p14="http://schemas.microsoft.com/office/powerpoint/2010/main" xmlns="" val="SMDATA_13_aDXlXhMAAAAlAAAAZAAAAA0AAAAAjgAAAEcAAACOAAAARwAAAAAAAAAAAAAAAAAAAAEAAABQAAAAAAAAAAAA4D8AAAAAAADgPwAAAAAAAOA/AAAAAAAA4D8AAAAAAADgPwAAAAAAAOA/AAAAAAAA4D8AAAAAAADgPwAAAAAAAOA/AAAAAAAA4D8CAAAAjAAAAAAAAAAAAAAAT4G9DP///wgAAAAAAAAAAAAAAAAAAAAAAAAAAAAAAAAAAAAAZAAAAAEAAABAAAAAAAAAAAAAAAAAAAAAAAAAAAAAAAAAAAAAAAAAAAAAAAAAAAAAAAAAAAAAAAAAAAAAAAAAAAAAAAAAAAAAAAAAAAAAAAAAAAAAAAAAAAAAAAAAAAAAFAAAADwAAAAAAAAAAAAAAAAAAAkUAAAAAQAAABQAAAAUAAAAFAAAAAEAAAAAAAAAZAAAAGQAAAAAAAAAZAAAAGQAAAAVAAAAYAAAAAAAAAAAAAAADwAAACADAAAAAAAAAAAAAAEAAACgMgAAVgcAAKr4//8BAAAAf39/AAEAAABkAAAAAAAAABQAAABAHwAAAAAAACYAAAAAAAAAwOD//wAAAAAmAAAAZAAAABYAAABMAAAAAAAAAAAAAAAEAAAAAAAAAAEAAADu7OEKAAAAACgAAAAoAAAAZAAAAGQAAAAAAAAAzMzMAAAAAABQAAAAUAAAAGQAAABkAAAAAAAAABcAAAAUAAAAAAAAAAAAAAD/fwAA/38AAAAAAAAJAAAABAAAADYDAAAMAAAAEAAAAAAAAAAAAAAAAAAAAAAAAAAeAAAAaAAAAAAAAAAAAAAAAAAAAAAAAAAAAAAAECcAABAnAAAAAAAAAAAAAAAAAAAAAAAAAAAAAAAAAAAAAAAAAAAAABQAAAAAAAAAwMD/AAAAAABkAAAAMgAAAAAAAABkAAAAAAAAAH9/fwAKAAAAHwAAAFQAAABPgb0F////AQAAAAAAAAAAAAAAAAAAAAAAAAAAAAAAAAAAAAAAAAAAAAAAAn9/fwDu7OEDzMzMAMDA/wB/f38AAAAAAAAAAAAAAAAAAAAAAAAAAAAhAAAAGAAAABQAAABwCAAACAcAAD44AADeCQAAEAAAACYAAAAIAAAA//////////8="/>
+                <pr:smNativeData xmlns="" xmlns:p14="http://schemas.microsoft.com/office/powerpoint/2010/main" xmlns:pr="smNativeData" val="SMDATA_13_aDXlXhMAAAAlAAAAZAAAAA0AAAAAjgAAAEcAAACOAAAARwAAAAAAAAAAAAAAAAAAAAEAAABQAAAAAAAAAAAA4D8AAAAAAADgPwAAAAAAAOA/AAAAAAAA4D8AAAAAAADgPwAAAAAAAOA/AAAAAAAA4D8AAAAAAADgPwAAAAAAAOA/AAAAAAAA4D8CAAAAjAAAAAAAAAAAAAAAT4G9DP///wgAAAAAAAAAAAAAAAAAAAAAAAAAAAAAAAAAAAAAZAAAAAEAAABAAAAAAAAAAAAAAAAAAAAAAAAAAAAAAAAAAAAAAAAAAAAAAAAAAAAAAAAAAAAAAAAAAAAAAAAAAAAAAAAAAAAAAAAAAAAAAAAAAAAAAAAAAAAAAAAAAAAAFAAAADwAAAAAAAAAAAAAAAAAAAkUAAAAAQAAABQAAAAUAAAAFAAAAAEAAAAAAAAAZAAAAGQAAAAAAAAAZAAAAGQAAAAVAAAAYAAAAAAAAAAAAAAADwAAACADAAAAAAAAAAAAAAEAAACgMgAAVgcAAKr4//8BAAAAf39/AAEAAABkAAAAAAAAABQAAABAHwAAAAAAACYAAAAAAAAAwOD//wAAAAAmAAAAZAAAABYAAABMAAAAAAAAAAAAAAAEAAAAAAAAAAEAAADu7OEKAAAAACgAAAAoAAAAZAAAAGQAAAAAAAAAzMzMAAAAAABQAAAAUAAAAGQAAABkAAAAAAAAABcAAAAUAAAAAAAAAAAAAAD/fwAA/38AAAAAAAAJAAAABAAAAAAAAAAMAAAAEAAAAAAAAAAAAAAAAAAAAAAAAAAeAAAAaAAAAAAAAAAAAAAAAAAAAAAAAAAAAAAAECcAABAnAAAAAAAAAAAAAAAAAAAAAAAAAAAAAAAAAAAAAAAAAAAAABQAAAAAAAAAwMD/AAAAAABkAAAAMgAAAAAAAABkAAAAAAAAAH9/fwAKAAAAHwAAAFQAAABPgb0F////AQAAAAAAAAAAAAAAAAAAAAAAAAAAAAAAAAAAAAAAAAAAAAAAAn9/fwDu7OEDzMzMAMDA/wB/f38AAAAAAAAAAAAAAAAAAAAAAAAAAAAhAAAAGAAAABQAAABwCAAACAcAAD44AADeCQAAEAAAACYAAAAIAAAA//////////8="/>
               </a:ext>
             </a:extLst>
           </p:cNvSpPr>
@@ -5218,8 +5295,8 @@
         </p:nvSpPr>
         <p:spPr>
           <a:xfrm>
-            <a:off x="1371600" y="1143000"/>
-            <a:ext cx="7771130" cy="461010"/>
+            <a:off x="2162175" y="3035300"/>
+            <a:ext cx="4460662" cy="1676400"/>
           </a:xfrm>
           <a:prstGeom prst="rect">
             <a:avLst/>
@@ -5234,184 +5311,40 @@
           <a:bodyPr vert="horz" wrap="square" lIns="90170" tIns="45085" rIns="90170" bIns="45085" numCol="1" spcCol="215900" anchor="t"/>
           <a:lstStyle/>
           <a:p>
-            <a:pPr algn="r">
+            <a:pPr algn="ctr">
+              <a:lnSpc>
+                <a:spcPct val="100000"/>
+              </a:lnSpc>
               <a:defRPr lang="en-us"/>
             </a:pPr>
             <a:r>
-              <a:rPr lang="en-IN" sz="2400" dirty="0">
+              <a:rPr lang="en-in" sz="4400" dirty="0" smtClean="0">
                 <a:solidFill>
                   <a:srgbClr val="FF0000"/>
                 </a:solidFill>
                 <a:latin typeface="Trebuchet MS" charset="0"/>
                 <a:ea typeface="Trebuchet MS" charset="0"/>
-              </a:rPr>
-              <a:t>Energy v/s Hot Zone Percentage</a:t>
-            </a:r>
+                <a:cs typeface="DejaVu Sans" pitchFamily="1" charset="0"/>
+              </a:rPr>
+              <a:t>Evaluation Results</a:t>
+            </a:r>
+            <a:endParaRPr lang="en-in" sz="4400" dirty="0">
+              <a:solidFill>
+                <a:srgbClr val="FF0000"/>
+              </a:solidFill>
+              <a:latin typeface="Trebuchet MS" charset="0"/>
+              <a:ea typeface="Trebuchet MS" charset="0"/>
+              <a:cs typeface="DejaVu Sans" pitchFamily="1" charset="0"/>
+            </a:endParaRPr>
           </a:p>
         </p:txBody>
       </p:sp>
-      <p:pic>
-        <p:nvPicPr>
-          <p:cNvPr id="5" name="Picture 4"/>
-          <p:cNvPicPr/>
-          <p:nvPr/>
-        </p:nvPicPr>
-        <p:blipFill>
-          <a:blip r:embed="rId3" cstate="print">
-            <a:extLst>
-              <a:ext uri="{28A0092B-C50C-407E-A947-70E740481C1C}">
-                <a14:useLocalDpi xmlns:a14="http://schemas.microsoft.com/office/drawing/2010/main" val="0"/>
-              </a:ext>
-            </a:extLst>
-          </a:blip>
-          <a:srcRect/>
-          <a:stretch>
-            <a:fillRect/>
-          </a:stretch>
-        </p:blipFill>
-        <p:spPr bwMode="auto">
-          <a:xfrm>
-            <a:off x="4962525" y="2334260"/>
-            <a:ext cx="3904085" cy="3692526"/>
-          </a:xfrm>
-          <a:prstGeom prst="rect">
-            <a:avLst/>
-          </a:prstGeom>
-          <a:noFill/>
-          <a:ln>
-            <a:noFill/>
-          </a:ln>
-        </p:spPr>
-      </p:pic>
-      <p:sp>
-        <p:nvSpPr>
-          <p:cNvPr id="8" name="Rectangle 7"/>
-          <p:cNvSpPr/>
-          <p:nvPr/>
-        </p:nvSpPr>
-        <p:spPr>
-          <a:xfrm>
-            <a:off x="413385" y="1918365"/>
-            <a:ext cx="4339590" cy="4801314"/>
-          </a:xfrm>
-          <a:prstGeom prst="rect">
-            <a:avLst/>
-          </a:prstGeom>
-        </p:spPr>
-        <p:txBody>
-          <a:bodyPr wrap="square">
-            <a:spAutoFit/>
-          </a:bodyPr>
-          <a:lstStyle/>
-          <a:p>
-            <a:r>
-              <a:rPr lang="en-US" dirty="0">
-                <a:latin typeface="Calibri" panose="020F0502020204030204" pitchFamily="34" charset="0"/>
-                <a:ea typeface="SimSun" panose="02010600030101010101" pitchFamily="2" charset="-122"/>
-                <a:cs typeface="Calibri" panose="020F0502020204030204" pitchFamily="34" charset="0"/>
-              </a:rPr>
-              <a:t>The </a:t>
-            </a:r>
-            <a:r>
-              <a:rPr lang="en-US" dirty="0" smtClean="0">
-                <a:latin typeface="Calibri" panose="020F0502020204030204" pitchFamily="34" charset="0"/>
-                <a:ea typeface="SimSun" panose="02010600030101010101" pitchFamily="2" charset="-122"/>
-                <a:cs typeface="Calibri" panose="020F0502020204030204" pitchFamily="34" charset="0"/>
-              </a:rPr>
-              <a:t>graph </a:t>
-            </a:r>
-            <a:r>
-              <a:rPr lang="en-US" dirty="0">
-                <a:latin typeface="Calibri" panose="020F0502020204030204" pitchFamily="34" charset="0"/>
-                <a:ea typeface="SimSun" panose="02010600030101010101" pitchFamily="2" charset="-122"/>
-                <a:cs typeface="Calibri" panose="020F0502020204030204" pitchFamily="34" charset="0"/>
-              </a:rPr>
-              <a:t>shows how the total energy consumed varies when we vary the Hot-Zone percentage in the cluster. </a:t>
-            </a:r>
-            <a:endParaRPr lang="en-US" dirty="0" smtClean="0">
-              <a:latin typeface="Calibri" panose="020F0502020204030204" pitchFamily="34" charset="0"/>
-              <a:ea typeface="SimSun" panose="02010600030101010101" pitchFamily="2" charset="-122"/>
-              <a:cs typeface="Calibri" panose="020F0502020204030204" pitchFamily="34" charset="0"/>
-            </a:endParaRPr>
-          </a:p>
-          <a:p>
-            <a:endParaRPr lang="en-US" dirty="0">
-              <a:latin typeface="Calibri" panose="020F0502020204030204" pitchFamily="34" charset="0"/>
-              <a:ea typeface="SimSun" panose="02010600030101010101" pitchFamily="2" charset="-122"/>
-              <a:cs typeface="Calibri" panose="020F0502020204030204" pitchFamily="34" charset="0"/>
-            </a:endParaRPr>
-          </a:p>
-          <a:p>
-            <a:r>
-              <a:rPr lang="en-US" dirty="0" smtClean="0">
-                <a:latin typeface="Calibri" panose="020F0502020204030204" pitchFamily="34" charset="0"/>
-                <a:ea typeface="SimSun" panose="02010600030101010101" pitchFamily="2" charset="-122"/>
-                <a:cs typeface="Calibri" panose="020F0502020204030204" pitchFamily="34" charset="0"/>
-              </a:rPr>
-              <a:t>Here </a:t>
-            </a:r>
-            <a:r>
-              <a:rPr lang="en-US" dirty="0">
-                <a:latin typeface="Calibri" panose="020F0502020204030204" pitchFamily="34" charset="0"/>
-                <a:ea typeface="SimSun" panose="02010600030101010101" pitchFamily="2" charset="-122"/>
-                <a:cs typeface="Calibri" panose="020F0502020204030204" pitchFamily="34" charset="0"/>
-              </a:rPr>
-              <a:t>there is a sudden drop in the energy consumption </a:t>
-            </a:r>
-            <a:r>
-              <a:rPr lang="en-IN" dirty="0">
-                <a:latin typeface="Calibri" panose="020F0502020204030204" pitchFamily="34" charset="0"/>
-                <a:ea typeface="SimSun" panose="02010600030101010101" pitchFamily="2" charset="-122"/>
-                <a:cs typeface="Calibri" panose="020F0502020204030204" pitchFamily="34" charset="0"/>
-              </a:rPr>
-              <a:t>at around, Hot Zone </a:t>
-            </a:r>
-            <a:r>
-              <a:rPr lang="en-US" dirty="0">
-                <a:latin typeface="Calibri" panose="020F0502020204030204" pitchFamily="34" charset="0"/>
-                <a:ea typeface="SimSun" panose="02010600030101010101" pitchFamily="2" charset="-122"/>
-                <a:cs typeface="Calibri" panose="020F0502020204030204" pitchFamily="34" charset="0"/>
-              </a:rPr>
-              <a:t>% = 30 because, a minimum of about 30% of the cluster must belong to the hot zone to handle peak workloads, else it defaults to the default Hadoop configuration (no hot/cold zone). </a:t>
-            </a:r>
-            <a:endParaRPr lang="en-US" dirty="0" smtClean="0">
-              <a:latin typeface="Calibri" panose="020F0502020204030204" pitchFamily="34" charset="0"/>
-              <a:ea typeface="SimSun" panose="02010600030101010101" pitchFamily="2" charset="-122"/>
-              <a:cs typeface="Calibri" panose="020F0502020204030204" pitchFamily="34" charset="0"/>
-            </a:endParaRPr>
-          </a:p>
-          <a:p>
-            <a:endParaRPr lang="en-US" dirty="0">
-              <a:latin typeface="Calibri" panose="020F0502020204030204" pitchFamily="34" charset="0"/>
-              <a:ea typeface="SimSun" panose="02010600030101010101" pitchFamily="2" charset="-122"/>
-              <a:cs typeface="Calibri" panose="020F0502020204030204" pitchFamily="34" charset="0"/>
-            </a:endParaRPr>
-          </a:p>
-          <a:p>
-            <a:r>
-              <a:rPr lang="en-US" dirty="0" smtClean="0">
-                <a:latin typeface="Calibri" panose="020F0502020204030204" pitchFamily="34" charset="0"/>
-                <a:ea typeface="SimSun" panose="02010600030101010101" pitchFamily="2" charset="-122"/>
-                <a:cs typeface="Calibri" panose="020F0502020204030204" pitchFamily="34" charset="0"/>
-              </a:rPr>
-              <a:t>The </a:t>
-            </a:r>
-            <a:r>
-              <a:rPr lang="en-US" dirty="0">
-                <a:latin typeface="Calibri" panose="020F0502020204030204" pitchFamily="34" charset="0"/>
-                <a:ea typeface="SimSun" panose="02010600030101010101" pitchFamily="2" charset="-122"/>
-                <a:cs typeface="Calibri" panose="020F0502020204030204" pitchFamily="34" charset="0"/>
-              </a:rPr>
-              <a:t>second dip at HZ% 100 is because there are no HDDs in the cluster, this indicates that all the nodes in the cluster make use of SSDs, thus saving a significant amount of energy</a:t>
-            </a:r>
-            <a:endParaRPr lang="en-IN" dirty="0">
-              <a:latin typeface="Calibri" panose="020F0502020204030204" pitchFamily="34" charset="0"/>
-              <a:cs typeface="Calibri" panose="020F0502020204030204" pitchFamily="34" charset="0"/>
-            </a:endParaRPr>
-          </a:p>
-        </p:txBody>
-      </p:sp>
     </p:spTree>
+    <p:extLst>
+      <p:ext uri="{BB962C8B-B14F-4D97-AF65-F5344CB8AC3E}">
+        <p14:creationId xmlns:p14="http://schemas.microsoft.com/office/powerpoint/2010/main" val="2205016731"/>
+      </p:ext>
+    </p:extLst>
   </p:cSld>
   <p:clrMapOvr>
     <a:masterClrMapping/>
@@ -5455,7 +5388,7 @@
           <p:cNvSpPr>
             <a:extLst>
               <a:ext uri="smNativeData">
-                <pr:smNativeData xmlns:pr="smNativeData" xmlns:p14="http://schemas.microsoft.com/office/powerpoint/2010/main" xmlns="" val="SMDATA_13_aDXlXhMAAAAlAAAAZAAAAA0AAAAAkAAAAEgAAACQAAAASAAAAAAAAAAAAAAAAAAAAAEAAABQAAAAAAAAAAAA4D8AAAAAAADgPwAAAAAAAOA/AAAAAAAA4D8AAAAAAADgPwAAAAAAAOA/AAAAAAAA4D8AAAAAAADgPwAAAAAAAOA/AAAAAAAA4D8CAAAAjAAAAAEAAAAAAAAAM8zMAP///wgAAAAAAAAAAAAAAAAAAAAAAAAAAAAAAAAAAAAAeAAAAAEAAABAAAAAAAAAAAAAAABaAAAAAAAAAAAAAAAAAAAAAAAAAAAAAAAAAAAAAAAAAAAAAAAAAAAAAAAAAAAAAAAAAAAAAAAAAAAAAAAAAAAAAAAAAAAAAAAAAAAAFAAAADwAAAAAAAAAAAAAAAAAAAkUAAAAAQAAABQAAAAUAAAAFAAAAAEAAAAAAAAAZAAAAGQAAAAAAAAAZAAAAGQAAAAVAAAAYAAAAAAAAAAAAAAADwAAACADAAAAAAAAAAAAAAEAAACgMgAAVgcAAKr4//8BAAAAf39/AAEAAABkAAAAAAAAABQAAABAHwAAAAAAACYAAAAAAAAAwOD//wAAAAAmAAAAZAAAABYAAABMAAAAAAAAAAAAAAAEAAAAAAAAAAEAAADu7OEKAAAAACgAAAAoAAAAZAAAAGQAAAAAAAAAzMzMAAAAAABQAAAAUAAAAGQAAABkAAAAAAAAABcAAAAUAAAAAAAAAAAAAAD/fwAA/38AAAAAAAAJAAAABAAAAAAAAAAMAAAAEAAAAAAAAAAAAAAAAAAAAAAAAAAeAAAAaAAAAAAAAAAAAAAAAAAAAAAAAAAAAAAAECcAABAnAAAAAAAAAAAAAAAAAAAAAAAAAAAAAAAAAAAAAAAAAAAAABQAAAAAAAAAwMD/AAAAAABkAAAAMgAAAAAAAABkAAAAAAAAAH9/fwAKAAAAHwAAAFQAAAAzzMwA////AQAAAAAAAAAAAAAAAAAAAAAAAAAAAAAAAAAAAAAAAAAAAAAAAn9/fwDu7OEDzMzMAMDA/wB/f38AAAAAAAAAAAAAAAAAAAAAAAAAAAAhAAAAGAAAABQAAABgCQAAugkAAD44AADyCQAAEAAAACYAAAAIAAAA//////////8="/>
+                <pr:smNativeData xmlns="" xmlns:p14="http://schemas.microsoft.com/office/powerpoint/2010/main" xmlns:pr="smNativeData" val="SMDATA_13_aDXlXhMAAAAlAAAAZAAAAA0AAAAAkAAAAEgAAACQAAAASAAAAAAAAAAAAAAAAAAAAAEAAABQAAAAAAAAAAAA4D8AAAAAAADgPwAAAAAAAOA/AAAAAAAA4D8AAAAAAADgPwAAAAAAAOA/AAAAAAAA4D8AAAAAAADgPwAAAAAAAOA/AAAAAAAA4D8CAAAAjAAAAAEAAAAAAAAAM8zMAP///wgAAAAAAAAAAAAAAAAAAAAAAAAAAAAAAAAAAAAAeAAAAAEAAABAAAAAAAAAAAAAAABaAAAAAAAAAAAAAAAAAAAAAAAAAAAAAAAAAAAAAAAAAAAAAAAAAAAAAAAAAAAAAAAAAAAAAAAAAAAAAAAAAAAAAAAAAAAAAAAAAAAAFAAAADwAAAAAAAAAAAAAAAAAAAkUAAAAAQAAABQAAAAUAAAAFAAAAAEAAAAAAAAAZAAAAGQAAAAAAAAAZAAAAGQAAAAVAAAAYAAAAAAAAAAAAAAADwAAACADAAAAAAAAAAAAAAEAAACgMgAAVgcAAKr4//8BAAAAf39/AAEAAABkAAAAAAAAABQAAABAHwAAAAAAACYAAAAAAAAAwOD//wAAAAAmAAAAZAAAABYAAABMAAAAAAAAAAAAAAAEAAAAAAAAAAEAAADu7OEKAAAAACgAAAAoAAAAZAAAAGQAAAAAAAAAzMzMAAAAAABQAAAAUAAAAGQAAABkAAAAAAAAABcAAAAUAAAAAAAAAAAAAAD/fwAA/38AAAAAAAAJAAAABAAAAAAAAAAMAAAAEAAAAAAAAAAAAAAAAAAAAAAAAAAeAAAAaAAAAAAAAAAAAAAAAAAAAAAAAAAAAAAAECcAABAnAAAAAAAAAAAAAAAAAAAAAAAAAAAAAAAAAAAAAAAAAAAAABQAAAAAAAAAwMD/AAAAAABkAAAAMgAAAAAAAABkAAAAAAAAAH9/fwAKAAAAHwAAAFQAAAAzzMwA////AQAAAAAAAAAAAAAAAAAAAAAAAAAAAAAAAAAAAAAAAAAAAAAAAn9/fwDu7OEDzMzMAMDA/wB/f38AAAAAAAAAAAAAAAAAAAAAAAAAAAAhAAAAGAAAABQAAABgCQAAugkAAD44AADyCQAAEAAAACYAAAAIAAAA//////////8="/>
               </a:ext>
             </a:extLst>
           </p:cNvSpPr>
@@ -5484,7 +5417,7 @@
           <p:cNvSpPr>
             <a:extLst>
               <a:ext uri="smNativeData">
-                <pr:smNativeData xmlns:pr="smNativeData" xmlns:p14="http://schemas.microsoft.com/office/powerpoint/2010/main" xmlns="" val="SMDATA_13_aDXlXhMAAAAlAAAAZAAAAA0AAAAAjgAAAEcAAACOAAAARwAAAAAAAAAAAAAAAAAAAAEAAABQAAAAAAAAAAAA4D8AAAAAAADgPwAAAAAAAOA/AAAAAAAA4D8AAAAAAADgPwAAAAAAAOA/AAAAAAAA4D8AAAAAAADgPwAAAAAAAOA/AAAAAAAA4D8CAAAAjAAAAAAAAAAAAAAAT4G9DP///wgAAAAAAAAAAAAAAAAAAAAAAAAAAAAAAAAAAAAAZAAAAAEAAABAAAAAAAAAAAAAAAAAAAAAAAAAAAAAAAAAAAAAAAAAAAAAAAAAAAAAAAAAAAAAAAAAAAAAAAAAAAAAAAAAAAAAAAAAAAAAAAAAAAAAAAAAAAAAAAAAAAAAFAAAADwAAAAAAAAAAAAAAAAAAAkUAAAAAQAAABQAAAAUAAAAFAAAAAEAAAAAAAAAZAAAAGQAAAAAAAAAZAAAAGQAAAAVAAAAYAAAAAAAAAAAAAAADwAAACADAAAAAAAAAAAAAAEAAACgMgAAVgcAAKr4//8BAAAAf39/AAEAAABkAAAAAAAAABQAAABAHwAAAAAAACYAAAAAAAAAwOD//wAAAAAmAAAAZAAAABYAAABMAAAAAAAAAAAAAAAEAAAAAAAAAAEAAADu7OEKAAAAACgAAAAoAAAAZAAAAGQAAAAAAAAAzMzMAAAAAABQAAAAUAAAAGQAAABkAAAAAAAAABcAAAAUAAAAAAAAAAAAAAD/fwAA/38AAAAAAAAJAAAABAAAADYDAAAMAAAAEAAAAAAAAAAAAAAAAAAAAAAAAAAeAAAAaAAAAAAAAAAAAAAAAAAAAAAAAAAAAAAAECcAABAnAAAAAAAAAAAAAAAAAAAAAAAAAAAAAAAAAAAAAAAAAAAAABQAAAAAAAAAwMD/AAAAAABkAAAAMgAAAAAAAABkAAAAAAAAAH9/fwAKAAAAHwAAAFQAAABPgb0F////AQAAAAAAAAAAAAAAAAAAAAAAAAAAAAAAAAAAAAAAAAAAAAAAAn9/fwDu7OEDzMzMAMDA/wB/f38AAAAAAAAAAAAAAAAAAAAAAAAAAAAhAAAAGAAAABQAAABwCAAACAcAAD44AADeCQAAEAAAACYAAAAIAAAA//////////8="/>
+                <pr:smNativeData xmlns="" xmlns:p14="http://schemas.microsoft.com/office/powerpoint/2010/main" xmlns:pr="smNativeData" val="SMDATA_13_aDXlXhMAAAAlAAAAZAAAAA0AAAAAjgAAAEcAAACOAAAARwAAAAAAAAAAAAAAAAAAAAEAAABQAAAAAAAAAAAA4D8AAAAAAADgPwAAAAAAAOA/AAAAAAAA4D8AAAAAAADgPwAAAAAAAOA/AAAAAAAA4D8AAAAAAADgPwAAAAAAAOA/AAAAAAAA4D8CAAAAjAAAAAAAAAAAAAAAT4G9DP///wgAAAAAAAAAAAAAAAAAAAAAAAAAAAAAAAAAAAAAZAAAAAEAAABAAAAAAAAAAAAAAAAAAAAAAAAAAAAAAAAAAAAAAAAAAAAAAAAAAAAAAAAAAAAAAAAAAAAAAAAAAAAAAAAAAAAAAAAAAAAAAAAAAAAAAAAAAAAAAAAAAAAAFAAAADwAAAAAAAAAAAAAAAAAAAkUAAAAAQAAABQAAAAUAAAAFAAAAAEAAAAAAAAAZAAAAGQAAAAAAAAAZAAAAGQAAAAVAAAAYAAAAAAAAAAAAAAADwAAACADAAAAAAAAAAAAAAEAAACgMgAAVgcAAKr4//8BAAAAf39/AAEAAABkAAAAAAAAABQAAABAHwAAAAAAACYAAAAAAAAAwOD//wAAAAAmAAAAZAAAABYAAABMAAAAAAAAAAAAAAAEAAAAAAAAAAEAAADu7OEKAAAAACgAAAAoAAAAZAAAAGQAAAAAAAAAzMzMAAAAAABQAAAAUAAAAGQAAABkAAAAAAAAABcAAAAUAAAAAAAAAAAAAAD/fwAA/38AAAAAAAAJAAAABAAAADYDAAAMAAAAEAAAAAAAAAAAAAAAAAAAAAAAAAAeAAAAaAAAAAAAAAAAAAAAAAAAAAAAAAAAAAAAECcAABAnAAAAAAAAAAAAAAAAAAAAAAAAAAAAAAAAAAAAAAAAAAAAABQAAAAAAAAAwMD/AAAAAABkAAAAMgAAAAAAAABkAAAAAAAAAH9/fwAKAAAAHwAAAFQAAABPgb0F////AQAAAAAAAAAAAAAAAAAAAAAAAAAAAAAAAAAAAAAAAAAAAAAAAn9/fwDu7OEDzMzMAMDA/wB/f38AAAAAAAAAAAAAAAAAAAAAAAAAAAAhAAAAGAAAABQAAABwCAAACAcAAD44AADeCQAAEAAAACYAAAAIAAAA//////////8="/>
               </a:ext>
             </a:extLst>
           </p:cNvSpPr>
@@ -5615,7 +5548,7 @@
           <p:cNvSpPr>
             <a:extLst>
               <a:ext uri="smNativeData">
-                <pr:smNativeData xmlns:pr="smNativeData" xmlns:p14="http://schemas.microsoft.com/office/powerpoint/2010/main" xmlns="" val="SMDATA_13_aDXlXhMAAAAlAAAAZAAAAA0AAAAAkAAAAEgAAACQAAAASAAAAAAAAAAAAAAAAAAAAAEAAABQAAAAAAAAAAAA4D8AAAAAAADgPwAAAAAAAOA/AAAAAAAA4D8AAAAAAADgPwAAAAAAAOA/AAAAAAAA4D8AAAAAAADgPwAAAAAAAOA/AAAAAAAA4D8CAAAAjAAAAAEAAAAAAAAAM8zMAP///wgAAAAAAAAAAAAAAAAAAAAAAAAAAAAAAAAAAAAAeAAAAAEAAABAAAAAAAAAAAAAAABaAAAAAAAAAAAAAAAAAAAAAAAAAAAAAAAAAAAAAAAAAAAAAAAAAAAAAAAAAAAAAAAAAAAAAAAAAAAAAAAAAAAAAAAAAAAAAAAAAAAAFAAAADwAAAAAAAAAAAAAAAAAAAkUAAAAAQAAABQAAAAUAAAAFAAAAAEAAAAAAAAAZAAAAGQAAAAAAAAAZAAAAGQAAAAVAAAAYAAAAAAAAAAAAAAADwAAACADAAAAAAAAAAAAAAEAAACgMgAAVgcAAKr4//8BAAAAf39/AAEAAABkAAAAAAAAABQAAABAHwAAAAAAACYAAAAAAAAAwOD//wAAAAAmAAAAZAAAABYAAABMAAAAAAAAAAAAAAAEAAAAAAAAAAEAAADu7OEKAAAAACgAAAAoAAAAZAAAAGQAAAAAAAAAzMzMAAAAAABQAAAAUAAAAGQAAABkAAAAAAAAABcAAAAUAAAAAAAAAAAAAAD/fwAA/38AAAAAAAAJAAAABAAAAAAAAAAMAAAAEAAAAAAAAAAAAAAAAAAAAAAAAAAeAAAAaAAAAAAAAAAAAAAAAAAAAAAAAAAAAAAAECcAABAnAAAAAAAAAAAAAAAAAAAAAAAAAAAAAAAAAAAAAAAAAAAAABQAAAAAAAAAwMD/AAAAAABkAAAAMgAAAAAAAABkAAAAAAAAAH9/fwAKAAAAHwAAAFQAAAAzzMwA////AQAAAAAAAAAAAAAAAAAAAAAAAAAAAAAAAAAAAAAAAAAAAAAAAn9/fwDu7OEDzMzMAMDA/wB/f38AAAAAAAAAAAAAAAAAAAAAAAAAAAAhAAAAGAAAABQAAABgCQAAugkAAD44AADyCQAAEAAAACYAAAAIAAAA//////////8="/>
+                <pr:smNativeData xmlns="" xmlns:p14="http://schemas.microsoft.com/office/powerpoint/2010/main" xmlns:pr="smNativeData" val="SMDATA_13_aDXlXhMAAAAlAAAAZAAAAA0AAAAAkAAAAEgAAACQAAAASAAAAAAAAAAAAAAAAAAAAAEAAABQAAAAAAAAAAAA4D8AAAAAAADgPwAAAAAAAOA/AAAAAAAA4D8AAAAAAADgPwAAAAAAAOA/AAAAAAAA4D8AAAAAAADgPwAAAAAAAOA/AAAAAAAA4D8CAAAAjAAAAAEAAAAAAAAAM8zMAP///wgAAAAAAAAAAAAAAAAAAAAAAAAAAAAAAAAAAAAAeAAAAAEAAABAAAAAAAAAAAAAAABaAAAAAAAAAAAAAAAAAAAAAAAAAAAAAAAAAAAAAAAAAAAAAAAAAAAAAAAAAAAAAAAAAAAAAAAAAAAAAAAAAAAAAAAAAAAAAAAAAAAAFAAAADwAAAAAAAAAAAAAAAAAAAkUAAAAAQAAABQAAAAUAAAAFAAAAAEAAAAAAAAAZAAAAGQAAAAAAAAAZAAAAGQAAAAVAAAAYAAAAAAAAAAAAAAADwAAACADAAAAAAAAAAAAAAEAAACgMgAAVgcAAKr4//8BAAAAf39/AAEAAABkAAAAAAAAABQAAABAHwAAAAAAACYAAAAAAAAAwOD//wAAAAAmAAAAZAAAABYAAABMAAAAAAAAAAAAAAAEAAAAAAAAAAEAAADu7OEKAAAAACgAAAAoAAAAZAAAAGQAAAAAAAAAzMzMAAAAAABQAAAAUAAAAGQAAABkAAAAAAAAABcAAAAUAAAAAAAAAAAAAAD/fwAA/38AAAAAAAAJAAAABAAAAAAAAAAMAAAAEAAAAAAAAAAAAAAAAAAAAAAAAAAeAAAAaAAAAAAAAAAAAAAAAAAAAAAAAAAAAAAAECcAABAnAAAAAAAAAAAAAAAAAAAAAAAAAAAAAAAAAAAAAAAAAAAAABQAAAAAAAAAwMD/AAAAAABkAAAAMgAAAAAAAABkAAAAAAAAAH9/fwAKAAAAHwAAAFQAAAAzzMwA////AQAAAAAAAAAAAAAAAAAAAAAAAAAAAAAAAAAAAAAAAAAAAAAAAn9/fwDu7OEDzMzMAMDA/wB/f38AAAAAAAAAAAAAAAAAAAAAAAAAAAAhAAAAGAAAABQAAABgCQAAugkAAD44AADyCQAAEAAAACYAAAAIAAAA//////////8="/>
               </a:ext>
             </a:extLst>
           </p:cNvSpPr>
@@ -5644,7 +5577,7 @@
           <p:cNvSpPr>
             <a:extLst>
               <a:ext uri="smNativeData">
-                <pr:smNativeData xmlns:pr="smNativeData" xmlns:p14="http://schemas.microsoft.com/office/powerpoint/2010/main" xmlns="" val="SMDATA_13_aDXlXhMAAAAlAAAAZAAAAA0AAAAAjgAAAEcAAACOAAAARwAAAAAAAAAAAAAAAAAAAAEAAABQAAAAAAAAAAAA4D8AAAAAAADgPwAAAAAAAOA/AAAAAAAA4D8AAAAAAADgPwAAAAAAAOA/AAAAAAAA4D8AAAAAAADgPwAAAAAAAOA/AAAAAAAA4D8CAAAAjAAAAAAAAAAAAAAAT4G9DP///wgAAAAAAAAAAAAAAAAAAAAAAAAAAAAAAAAAAAAAZAAAAAEAAABAAAAAAAAAAAAAAAAAAAAAAAAAAAAAAAAAAAAAAAAAAAAAAAAAAAAAAAAAAAAAAAAAAAAAAAAAAAAAAAAAAAAAAAAAAAAAAAAAAAAAAAAAAAAAAAAAAAAAFAAAADwAAAAAAAAAAAAAAAAAAAkUAAAAAQAAABQAAAAUAAAAFAAAAAEAAAAAAAAAZAAAAGQAAAAAAAAAZAAAAGQAAAAVAAAAYAAAAAAAAAAAAAAADwAAACADAAAAAAAAAAAAAAEAAACgMgAAVgcAAKr4//8BAAAAf39/AAEAAABkAAAAAAAAABQAAABAHwAAAAAAACYAAAAAAAAAwOD//wAAAAAmAAAAZAAAABYAAABMAAAAAAAAAAAAAAAEAAAAAAAAAAEAAADu7OEKAAAAACgAAAAoAAAAZAAAAGQAAAAAAAAAzMzMAAAAAABQAAAAUAAAAGQAAABkAAAAAAAAABcAAAAUAAAAAAAAAAAAAAD/fwAA/38AAAAAAAAJAAAABAAAADYDAAAMAAAAEAAAAAAAAAAAAAAAAAAAAAAAAAAeAAAAaAAAAAAAAAAAAAAAAAAAAAAAAAAAAAAAECcAABAnAAAAAAAAAAAAAAAAAAAAAAAAAAAAAAAAAAAAAAAAAAAAABQAAAAAAAAAwMD/AAAAAABkAAAAMgAAAAAAAABkAAAAAAAAAH9/fwAKAAAAHwAAAFQAAABPgb0F////AQAAAAAAAAAAAAAAAAAAAAAAAAAAAAAAAAAAAAAAAAAAAAAAAn9/fwDu7OEDzMzMAMDA/wB/f38AAAAAAAAAAAAAAAAAAAAAAAAAAAAhAAAAGAAAABQAAABwCAAACAcAAD44AADeCQAAEAAAACYAAAAIAAAA//////////8="/>
+                <pr:smNativeData xmlns="" xmlns:p14="http://schemas.microsoft.com/office/powerpoint/2010/main" xmlns:pr="smNativeData" val="SMDATA_13_aDXlXhMAAAAlAAAAZAAAAA0AAAAAjgAAAEcAAACOAAAARwAAAAAAAAAAAAAAAAAAAAEAAABQAAAAAAAAAAAA4D8AAAAAAADgPwAAAAAAAOA/AAAAAAAA4D8AAAAAAADgPwAAAAAAAOA/AAAAAAAA4D8AAAAAAADgPwAAAAAAAOA/AAAAAAAA4D8CAAAAjAAAAAAAAAAAAAAAT4G9DP///wgAAAAAAAAAAAAAAAAAAAAAAAAAAAAAAAAAAAAAZAAAAAEAAABAAAAAAAAAAAAAAAAAAAAAAAAAAAAAAAAAAAAAAAAAAAAAAAAAAAAAAAAAAAAAAAAAAAAAAAAAAAAAAAAAAAAAAAAAAAAAAAAAAAAAAAAAAAAAAAAAAAAAFAAAADwAAAAAAAAAAAAAAAAAAAkUAAAAAQAAABQAAAAUAAAAFAAAAAEAAAAAAAAAZAAAAGQAAAAAAAAAZAAAAGQAAAAVAAAAYAAAAAAAAAAAAAAADwAAACADAAAAAAAAAAAAAAEAAACgMgAAVgcAAKr4//8BAAAAf39/AAEAAABkAAAAAAAAABQAAABAHwAAAAAAACYAAAAAAAAAwOD//wAAAAAmAAAAZAAAABYAAABMAAAAAAAAAAAAAAAEAAAAAAAAAAEAAADu7OEKAAAAACgAAAAoAAAAZAAAAGQAAAAAAAAAzMzMAAAAAABQAAAAUAAAAGQAAABkAAAAAAAAABcAAAAUAAAAAAAAAAAAAAD/fwAA/38AAAAAAAAJAAAABAAAADYDAAAMAAAAEAAAAAAAAAAAAAAAAAAAAAAAAAAeAAAAaAAAAAAAAAAAAAAAAAAAAAAAAAAAAAAAECcAABAnAAAAAAAAAAAAAAAAAAAAAAAAAAAAAAAAAAAAAAAAAAAAABQAAAAAAAAAwMD/AAAAAABkAAAAMgAAAAAAAABkAAAAAAAAAH9/fwAKAAAAHwAAAFQAAABPgb0F////AQAAAAAAAAAAAAAAAAAAAAAAAAAAAAAAAAAAAAAAAAAAAAAAAn9/fwDu7OEDzMzMAMDA/wB/f38AAAAAAAAAAAAAAAAAAAAAAAAAAAAhAAAAGAAAABQAAABwCAAACAcAAD44AADeCQAAEAAAACYAAAAIAAAA//////////8="/>
               </a:ext>
             </a:extLst>
           </p:cNvSpPr>
@@ -5669,30 +5602,18 @@
           <a:lstStyle/>
           <a:p>
             <a:pPr algn="r">
-              <a:lnSpc>
-                <a:spcPct val="100000"/>
-              </a:lnSpc>
               <a:defRPr lang="en-us"/>
             </a:pPr>
             <a:r>
-              <a:rPr lang="en-in" sz="2400" dirty="0" smtClean="0">
+              <a:rPr lang="en-IN" sz="2400" dirty="0">
                 <a:solidFill>
                   <a:srgbClr val="FF0000"/>
                 </a:solidFill>
                 <a:latin typeface="Trebuchet MS" charset="0"/>
                 <a:ea typeface="Trebuchet MS" charset="0"/>
-                <a:cs typeface="DejaVu Sans" pitchFamily="1" charset="0"/>
-              </a:rPr>
-              <a:t>Scalability of Algorithm</a:t>
-            </a:r>
-            <a:endParaRPr lang="en-in" sz="2400" dirty="0">
-              <a:solidFill>
-                <a:srgbClr val="FF0000"/>
-              </a:solidFill>
-              <a:latin typeface="Trebuchet MS" charset="0"/>
-              <a:ea typeface="Trebuchet MS" charset="0"/>
-              <a:cs typeface="DejaVu Sans" pitchFamily="1" charset="0"/>
-            </a:endParaRPr>
+              </a:rPr>
+              <a:t>Energy v/s Hot Zone Percentage</a:t>
+            </a:r>
           </a:p>
         </p:txBody>
       </p:sp>
@@ -5717,8 +5638,8 @@
         </p:blipFill>
         <p:spPr bwMode="auto">
           <a:xfrm>
-            <a:off x="331470" y="2054859"/>
-            <a:ext cx="4114800" cy="3898265"/>
+            <a:off x="4962525" y="2334260"/>
+            <a:ext cx="3904085" cy="3692526"/>
           </a:xfrm>
           <a:prstGeom prst="rect">
             <a:avLst/>
@@ -5729,45 +5650,135 @@
           </a:ln>
         </p:spPr>
       </p:pic>
-      <p:pic>
-        <p:nvPicPr>
-          <p:cNvPr id="6" name="Picture 5"/>
-          <p:cNvPicPr/>
+      <p:sp>
+        <p:nvSpPr>
+          <p:cNvPr id="8" name="Rectangle 7"/>
+          <p:cNvSpPr/>
           <p:nvPr/>
-        </p:nvPicPr>
-        <p:blipFill>
-          <a:blip r:embed="rId4" cstate="print">
-            <a:extLst>
-              <a:ext uri="{28A0092B-C50C-407E-A947-70E740481C1C}">
-                <a14:useLocalDpi xmlns:a14="http://schemas.microsoft.com/office/drawing/2010/main" val="0"/>
-              </a:ext>
-            </a:extLst>
-          </a:blip>
-          <a:srcRect/>
-          <a:stretch>
-            <a:fillRect/>
-          </a:stretch>
-        </p:blipFill>
-        <p:spPr bwMode="auto">
-          <a:xfrm>
-            <a:off x="4446270" y="2042160"/>
-            <a:ext cx="4431030" cy="3910965"/>
+        </p:nvSpPr>
+        <p:spPr>
+          <a:xfrm>
+            <a:off x="413385" y="1918365"/>
+            <a:ext cx="4339590" cy="4801314"/>
           </a:xfrm>
           <a:prstGeom prst="rect">
             <a:avLst/>
           </a:prstGeom>
-          <a:noFill/>
-          <a:ln>
-            <a:noFill/>
-          </a:ln>
-        </p:spPr>
-      </p:pic>
+        </p:spPr>
+        <p:txBody>
+          <a:bodyPr wrap="square">
+            <a:spAutoFit/>
+          </a:bodyPr>
+          <a:lstStyle/>
+          <a:p>
+            <a:r>
+              <a:rPr lang="en-US" dirty="0">
+                <a:latin typeface="Calibri" panose="020F0502020204030204" pitchFamily="34" charset="0"/>
+                <a:ea typeface="SimSun" panose="02010600030101010101" pitchFamily="2" charset="-122"/>
+                <a:cs typeface="Calibri" panose="020F0502020204030204" pitchFamily="34" charset="0"/>
+              </a:rPr>
+              <a:t>The </a:t>
+            </a:r>
+            <a:r>
+              <a:rPr lang="en-US" dirty="0" smtClean="0">
+                <a:latin typeface="Calibri" panose="020F0502020204030204" pitchFamily="34" charset="0"/>
+                <a:ea typeface="SimSun" panose="02010600030101010101" pitchFamily="2" charset="-122"/>
+                <a:cs typeface="Calibri" panose="020F0502020204030204" pitchFamily="34" charset="0"/>
+              </a:rPr>
+              <a:t>graph </a:t>
+            </a:r>
+            <a:r>
+              <a:rPr lang="en-US" dirty="0">
+                <a:latin typeface="Calibri" panose="020F0502020204030204" pitchFamily="34" charset="0"/>
+                <a:ea typeface="SimSun" panose="02010600030101010101" pitchFamily="2" charset="-122"/>
+                <a:cs typeface="Calibri" panose="020F0502020204030204" pitchFamily="34" charset="0"/>
+              </a:rPr>
+              <a:t>shows how the total energy consumed varies when we vary the Hot-Zone percentage in the cluster. </a:t>
+            </a:r>
+            <a:endParaRPr lang="en-US" dirty="0" smtClean="0">
+              <a:latin typeface="Calibri" panose="020F0502020204030204" pitchFamily="34" charset="0"/>
+              <a:ea typeface="SimSun" panose="02010600030101010101" pitchFamily="2" charset="-122"/>
+              <a:cs typeface="Calibri" panose="020F0502020204030204" pitchFamily="34" charset="0"/>
+            </a:endParaRPr>
+          </a:p>
+          <a:p>
+            <a:endParaRPr lang="en-US" dirty="0">
+              <a:latin typeface="Calibri" panose="020F0502020204030204" pitchFamily="34" charset="0"/>
+              <a:ea typeface="SimSun" panose="02010600030101010101" pitchFamily="2" charset="-122"/>
+              <a:cs typeface="Calibri" panose="020F0502020204030204" pitchFamily="34" charset="0"/>
+            </a:endParaRPr>
+          </a:p>
+          <a:p>
+            <a:r>
+              <a:rPr lang="en-US" dirty="0" smtClean="0">
+                <a:latin typeface="Calibri" panose="020F0502020204030204" pitchFamily="34" charset="0"/>
+                <a:ea typeface="SimSun" panose="02010600030101010101" pitchFamily="2" charset="-122"/>
+                <a:cs typeface="Calibri" panose="020F0502020204030204" pitchFamily="34" charset="0"/>
+              </a:rPr>
+              <a:t>Here </a:t>
+            </a:r>
+            <a:r>
+              <a:rPr lang="en-US" dirty="0">
+                <a:latin typeface="Calibri" panose="020F0502020204030204" pitchFamily="34" charset="0"/>
+                <a:ea typeface="SimSun" panose="02010600030101010101" pitchFamily="2" charset="-122"/>
+                <a:cs typeface="Calibri" panose="020F0502020204030204" pitchFamily="34" charset="0"/>
+              </a:rPr>
+              <a:t>there is a sudden drop in the energy consumption </a:t>
+            </a:r>
+            <a:r>
+              <a:rPr lang="en-IN" dirty="0">
+                <a:latin typeface="Calibri" panose="020F0502020204030204" pitchFamily="34" charset="0"/>
+                <a:ea typeface="SimSun" panose="02010600030101010101" pitchFamily="2" charset="-122"/>
+                <a:cs typeface="Calibri" panose="020F0502020204030204" pitchFamily="34" charset="0"/>
+              </a:rPr>
+              <a:t>at around, Hot Zone </a:t>
+            </a:r>
+            <a:r>
+              <a:rPr lang="en-US" dirty="0">
+                <a:latin typeface="Calibri" panose="020F0502020204030204" pitchFamily="34" charset="0"/>
+                <a:ea typeface="SimSun" panose="02010600030101010101" pitchFamily="2" charset="-122"/>
+                <a:cs typeface="Calibri" panose="020F0502020204030204" pitchFamily="34" charset="0"/>
+              </a:rPr>
+              <a:t>% = 30 because, a minimum of about 30% of the cluster must belong to the hot zone to handle peak workloads, else it defaults to the default Hadoop configuration (no hot/cold zone). </a:t>
+            </a:r>
+            <a:endParaRPr lang="en-US" dirty="0" smtClean="0">
+              <a:latin typeface="Calibri" panose="020F0502020204030204" pitchFamily="34" charset="0"/>
+              <a:ea typeface="SimSun" panose="02010600030101010101" pitchFamily="2" charset="-122"/>
+              <a:cs typeface="Calibri" panose="020F0502020204030204" pitchFamily="34" charset="0"/>
+            </a:endParaRPr>
+          </a:p>
+          <a:p>
+            <a:endParaRPr lang="en-US" dirty="0">
+              <a:latin typeface="Calibri" panose="020F0502020204030204" pitchFamily="34" charset="0"/>
+              <a:ea typeface="SimSun" panose="02010600030101010101" pitchFamily="2" charset="-122"/>
+              <a:cs typeface="Calibri" panose="020F0502020204030204" pitchFamily="34" charset="0"/>
+            </a:endParaRPr>
+          </a:p>
+          <a:p>
+            <a:r>
+              <a:rPr lang="en-US" dirty="0" smtClean="0">
+                <a:latin typeface="Calibri" panose="020F0502020204030204" pitchFamily="34" charset="0"/>
+                <a:ea typeface="SimSun" panose="02010600030101010101" pitchFamily="2" charset="-122"/>
+                <a:cs typeface="Calibri" panose="020F0502020204030204" pitchFamily="34" charset="0"/>
+              </a:rPr>
+              <a:t>The </a:t>
+            </a:r>
+            <a:r>
+              <a:rPr lang="en-US" dirty="0">
+                <a:latin typeface="Calibri" panose="020F0502020204030204" pitchFamily="34" charset="0"/>
+                <a:ea typeface="SimSun" panose="02010600030101010101" pitchFamily="2" charset="-122"/>
+                <a:cs typeface="Calibri" panose="020F0502020204030204" pitchFamily="34" charset="0"/>
+              </a:rPr>
+              <a:t>second dip at HZ% 100 is because there are no HDDs in the cluster, this indicates that all the nodes in the cluster make use of SSDs, thus saving a significant amount of energy</a:t>
+            </a:r>
+            <a:endParaRPr lang="en-IN" dirty="0">
+              <a:latin typeface="Calibri" panose="020F0502020204030204" pitchFamily="34" charset="0"/>
+              <a:cs typeface="Calibri" panose="020F0502020204030204" pitchFamily="34" charset="0"/>
+            </a:endParaRPr>
+          </a:p>
+        </p:txBody>
+      </p:sp>
     </p:spTree>
-    <p:extLst>
-      <p:ext uri="{BB962C8B-B14F-4D97-AF65-F5344CB8AC3E}">
-        <p14:creationId xmlns:p14="http://schemas.microsoft.com/office/powerpoint/2010/main" val="2327667989"/>
-      </p:ext>
-    </p:extLst>
   </p:cSld>
   <p:clrMapOvr>
     <a:masterClrMapping/>
@@ -5811,7 +5822,203 @@
           <p:cNvSpPr>
             <a:extLst>
               <a:ext uri="smNativeData">
-                <pr:smNativeData xmlns:pr="smNativeData" xmlns:p14="http://schemas.microsoft.com/office/powerpoint/2010/main" xmlns="" val="SMDATA_13_aDXlXhMAAAAlAAAAZAAAAA0AAAAAjgAAAEcAAACOAAAARwAAAAAAAAAAAAAAAAAAAAEAAABQAAAAAAAAAAAA4D8AAAAAAADgPwAAAAAAAOA/AAAAAAAA4D8AAAAAAADgPwAAAAAAAOA/AAAAAAAA4D8AAAAAAADgPwAAAAAAAOA/AAAAAAAA4D8CAAAAjAAAAAAAAAAAAAAAT4G9DP///wgAAAAAAAAAAAAAAAAAAAAAAAAAAAAAAAAAAAAAZAAAAAEAAABAAAAAAAAAAAAAAAAAAAAAAAAAAAAAAAAAAAAAAAAAAAAAAAAAAAAAAAAAAAAAAAAAAAAAAAAAAAAAAAAAAAAAAAAAAAAAAAAAAAAAAAAAAAAAAAAAAAAAFAAAADwAAAAAAAAAAAAAAAAAAAkUAAAAAQAAABQAAAAUAAAAFAAAAAEAAAAAAAAAZAAAAGQAAAAAAAAAZAAAAGQAAAAVAAAAYAAAAAAAAAAAAAAADwAAACADAAAAAAAAAAAAAAEAAACgMgAAVgcAAKr4//8BAAAAf39/AAEAAABkAAAAAAAAABQAAABAHwAAAAAAACYAAAAAAAAAwOD//wAAAAAmAAAAZAAAABYAAABMAAAAAAAAAAAAAAAEAAAAAAAAAAEAAADu7OEKAAAAACgAAAAoAAAAZAAAAGQAAAAAAAAAzMzMAAAAAABQAAAAUAAAAGQAAABkAAAAAAAAABcAAAAUAAAAAAAAAAAAAAD/fwAA/38AAAAAAAAJAAAABAAAAIAeAAAMAAAAEAAAAAAAAAAAAAAAAAAAAAAAAAAeAAAAaAAAAAAAAAAAAAAAAAAAAAAAAAAAAAAAECcAABAnAAAAAAAAAAAAAAAAAAAAAAAAAAAAAAAAAAAAAAAAAAAAABQAAAAAAAAAwMD/AAAAAABkAAAAMgAAAAAAAABkAAAAAAAAAH9/fwAKAAAAHwAAAFQAAABPgb0F////AQAAAAAAAAAAAAAAAAAAAAAAAAAAAAAAAAAAAAAAAAAAAAAAAn9/fwDu7OEDzMzMAMDA/wB/f38AAAAAAAAAAAAAAAAAAAAAAAAAAAAhAAAAGAAAABQAAACEEQAAoBQAAH8jAAD5GAAAEAAAACYAAAAIAAAA//////////8="/>
+                <pr:smNativeData xmlns="" xmlns:p14="http://schemas.microsoft.com/office/powerpoint/2010/main" xmlns:pr="smNativeData" val="SMDATA_13_aDXlXhMAAAAlAAAAZAAAAA0AAAAAkAAAAEgAAACQAAAASAAAAAAAAAAAAAAAAAAAAAEAAABQAAAAAAAAAAAA4D8AAAAAAADgPwAAAAAAAOA/AAAAAAAA4D8AAAAAAADgPwAAAAAAAOA/AAAAAAAA4D8AAAAAAADgPwAAAAAAAOA/AAAAAAAA4D8CAAAAjAAAAAEAAAAAAAAAM8zMAP///wgAAAAAAAAAAAAAAAAAAAAAAAAAAAAAAAAAAAAAeAAAAAEAAABAAAAAAAAAAAAAAABaAAAAAAAAAAAAAAAAAAAAAAAAAAAAAAAAAAAAAAAAAAAAAAAAAAAAAAAAAAAAAAAAAAAAAAAAAAAAAAAAAAAAAAAAAAAAAAAAAAAAFAAAADwAAAAAAAAAAAAAAAAAAAkUAAAAAQAAABQAAAAUAAAAFAAAAAEAAAAAAAAAZAAAAGQAAAAAAAAAZAAAAGQAAAAVAAAAYAAAAAAAAAAAAAAADwAAACADAAAAAAAAAAAAAAEAAACgMgAAVgcAAKr4//8BAAAAf39/AAEAAABkAAAAAAAAABQAAABAHwAAAAAAACYAAAAAAAAAwOD//wAAAAAmAAAAZAAAABYAAABMAAAAAAAAAAAAAAAEAAAAAAAAAAEAAADu7OEKAAAAACgAAAAoAAAAZAAAAGQAAAAAAAAAzMzMAAAAAABQAAAAUAAAAGQAAABkAAAAAAAAABcAAAAUAAAAAAAAAAAAAAD/fwAA/38AAAAAAAAJAAAABAAAAAAAAAAMAAAAEAAAAAAAAAAAAAAAAAAAAAAAAAAeAAAAaAAAAAAAAAAAAAAAAAAAAAAAAAAAAAAAECcAABAnAAAAAAAAAAAAAAAAAAAAAAAAAAAAAAAAAAAAAAAAAAAAABQAAAAAAAAAwMD/AAAAAABkAAAAMgAAAAAAAABkAAAAAAAAAH9/fwAKAAAAHwAAAFQAAAAzzMwA////AQAAAAAAAAAAAAAAAAAAAAAAAAAAAAAAAAAAAAAAAAAAAAAAAn9/fwDu7OEDzMzMAMDA/wB/f38AAAAAAAAAAAAAAAAAAAAAAAAAAAAhAAAAGAAAABQAAABgCQAAugkAAD44AADyCQAAEAAAACYAAAAIAAAA//////////8="/>
+              </a:ext>
+            </a:extLst>
+          </p:cNvSpPr>
+          <p:nvPr/>
+        </p:nvSpPr>
+        <p:spPr>
+          <a:xfrm>
+            <a:off x="1524000" y="1581150"/>
+            <a:ext cx="7618730" cy="35560"/>
+          </a:xfrm>
+          <a:prstGeom prst="rect">
+            <a:avLst/>
+          </a:prstGeom>
+          <a:solidFill>
+            <a:srgbClr val="33CCCC"/>
+          </a:solidFill>
+          <a:ln>
+            <a:noFill/>
+          </a:ln>
+          <a:effectLst/>
+        </p:spPr>
+      </p:sp>
+      <p:sp>
+        <p:nvSpPr>
+          <p:cNvPr id="3" name="CustomShape 2"/>
+          <p:cNvSpPr>
+            <a:extLst>
+              <a:ext uri="smNativeData">
+                <pr:smNativeData xmlns="" xmlns:p14="http://schemas.microsoft.com/office/powerpoint/2010/main" xmlns:pr="smNativeData" val="SMDATA_13_aDXlXhMAAAAlAAAAZAAAAA0AAAAAjgAAAEcAAACOAAAARwAAAAAAAAAAAAAAAAAAAAEAAABQAAAAAAAAAAAA4D8AAAAAAADgPwAAAAAAAOA/AAAAAAAA4D8AAAAAAADgPwAAAAAAAOA/AAAAAAAA4D8AAAAAAADgPwAAAAAAAOA/AAAAAAAA4D8CAAAAjAAAAAAAAAAAAAAAT4G9DP///wgAAAAAAAAAAAAAAAAAAAAAAAAAAAAAAAAAAAAAZAAAAAEAAABAAAAAAAAAAAAAAAAAAAAAAAAAAAAAAAAAAAAAAAAAAAAAAAAAAAAAAAAAAAAAAAAAAAAAAAAAAAAAAAAAAAAAAAAAAAAAAAAAAAAAAAAAAAAAAAAAAAAAFAAAADwAAAAAAAAAAAAAAAAAAAkUAAAAAQAAABQAAAAUAAAAFAAAAAEAAAAAAAAAZAAAAGQAAAAAAAAAZAAAAGQAAAAVAAAAYAAAAAAAAAAAAAAADwAAACADAAAAAAAAAAAAAAEAAACgMgAAVgcAAKr4//8BAAAAf39/AAEAAABkAAAAAAAAABQAAABAHwAAAAAAACYAAAAAAAAAwOD//wAAAAAmAAAAZAAAABYAAABMAAAAAAAAAAAAAAAEAAAAAAAAAAEAAADu7OEKAAAAACgAAAAoAAAAZAAAAGQAAAAAAAAAzMzMAAAAAABQAAAAUAAAAGQAAABkAAAAAAAAABcAAAAUAAAAAAAAAAAAAAD/fwAA/38AAAAAAAAJAAAABAAAADYDAAAMAAAAEAAAAAAAAAAAAAAAAAAAAAAAAAAeAAAAaAAAAAAAAAAAAAAAAAAAAAAAAAAAAAAAECcAABAnAAAAAAAAAAAAAAAAAAAAAAAAAAAAAAAAAAAAAAAAAAAAABQAAAAAAAAAwMD/AAAAAABkAAAAMgAAAAAAAABkAAAAAAAAAH9/fwAKAAAAHwAAAFQAAABPgb0F////AQAAAAAAAAAAAAAAAAAAAAAAAAAAAAAAAAAAAAAAAAAAAAAAAn9/fwDu7OEDzMzMAMDA/wB/f38AAAAAAAAAAAAAAAAAAAAAAAAAAAAhAAAAGAAAABQAAABwCAAACAcAAD44AADeCQAAEAAAACYAAAAIAAAA//////////8="/>
+              </a:ext>
+            </a:extLst>
+          </p:cNvSpPr>
+          <p:nvPr/>
+        </p:nvSpPr>
+        <p:spPr>
+          <a:xfrm>
+            <a:off x="1371600" y="1143000"/>
+            <a:ext cx="7771130" cy="461010"/>
+          </a:xfrm>
+          <a:prstGeom prst="rect">
+            <a:avLst/>
+          </a:prstGeom>
+          <a:noFill/>
+          <a:ln>
+            <a:noFill/>
+          </a:ln>
+          <a:effectLst/>
+        </p:spPr>
+        <p:txBody>
+          <a:bodyPr vert="horz" wrap="square" lIns="90170" tIns="45085" rIns="90170" bIns="45085" numCol="1" spcCol="215900" anchor="t"/>
+          <a:lstStyle/>
+          <a:p>
+            <a:pPr algn="r">
+              <a:lnSpc>
+                <a:spcPct val="100000"/>
+              </a:lnSpc>
+              <a:defRPr lang="en-us"/>
+            </a:pPr>
+            <a:r>
+              <a:rPr lang="en-in" sz="2400" dirty="0" smtClean="0">
+                <a:solidFill>
+                  <a:srgbClr val="FF0000"/>
+                </a:solidFill>
+                <a:latin typeface="Trebuchet MS" charset="0"/>
+                <a:ea typeface="Trebuchet MS" charset="0"/>
+                <a:cs typeface="DejaVu Sans" pitchFamily="1" charset="0"/>
+              </a:rPr>
+              <a:t>Scalability of Algorithm</a:t>
+            </a:r>
+            <a:endParaRPr lang="en-in" sz="2400" dirty="0">
+              <a:solidFill>
+                <a:srgbClr val="FF0000"/>
+              </a:solidFill>
+              <a:latin typeface="Trebuchet MS" charset="0"/>
+              <a:ea typeface="Trebuchet MS" charset="0"/>
+              <a:cs typeface="DejaVu Sans" pitchFamily="1" charset="0"/>
+            </a:endParaRPr>
+          </a:p>
+        </p:txBody>
+      </p:sp>
+      <p:pic>
+        <p:nvPicPr>
+          <p:cNvPr id="5" name="Picture 4"/>
+          <p:cNvPicPr/>
+          <p:nvPr/>
+        </p:nvPicPr>
+        <p:blipFill>
+          <a:blip r:embed="rId3" cstate="print">
+            <a:extLst>
+              <a:ext uri="{28A0092B-C50C-407E-A947-70E740481C1C}">
+                <a14:useLocalDpi xmlns:a14="http://schemas.microsoft.com/office/drawing/2010/main" val="0"/>
+              </a:ext>
+            </a:extLst>
+          </a:blip>
+          <a:srcRect/>
+          <a:stretch>
+            <a:fillRect/>
+          </a:stretch>
+        </p:blipFill>
+        <p:spPr bwMode="auto">
+          <a:xfrm>
+            <a:off x="331470" y="2054859"/>
+            <a:ext cx="4114800" cy="3898265"/>
+          </a:xfrm>
+          <a:prstGeom prst="rect">
+            <a:avLst/>
+          </a:prstGeom>
+          <a:noFill/>
+          <a:ln>
+            <a:noFill/>
+          </a:ln>
+        </p:spPr>
+      </p:pic>
+      <p:pic>
+        <p:nvPicPr>
+          <p:cNvPr id="6" name="Picture 5"/>
+          <p:cNvPicPr/>
+          <p:nvPr/>
+        </p:nvPicPr>
+        <p:blipFill>
+          <a:blip r:embed="rId4" cstate="print">
+            <a:extLst>
+              <a:ext uri="{28A0092B-C50C-407E-A947-70E740481C1C}">
+                <a14:useLocalDpi xmlns:a14="http://schemas.microsoft.com/office/drawing/2010/main" val="0"/>
+              </a:ext>
+            </a:extLst>
+          </a:blip>
+          <a:srcRect/>
+          <a:stretch>
+            <a:fillRect/>
+          </a:stretch>
+        </p:blipFill>
+        <p:spPr bwMode="auto">
+          <a:xfrm>
+            <a:off x="4446270" y="2042160"/>
+            <a:ext cx="4431030" cy="3910965"/>
+          </a:xfrm>
+          <a:prstGeom prst="rect">
+            <a:avLst/>
+          </a:prstGeom>
+          <a:noFill/>
+          <a:ln>
+            <a:noFill/>
+          </a:ln>
+        </p:spPr>
+      </p:pic>
+    </p:spTree>
+    <p:extLst>
+      <p:ext uri="{BB962C8B-B14F-4D97-AF65-F5344CB8AC3E}">
+        <p14:creationId xmlns:p14="http://schemas.microsoft.com/office/powerpoint/2010/main" val="2327667989"/>
+      </p:ext>
+    </p:extLst>
+  </p:cSld>
+  <p:clrMapOvr>
+    <a:masterClrMapping/>
+  </p:clrMapOvr>
+  <p:timing>
+    <p:tnLst>
+      <p:par>
+        <p:cTn id="1" dur="indefinite" restart="never" nodeType="tmRoot">
+          <p:childTnLst>
+            <p:par>
+              <p:cTn id="2"/>
+            </p:par>
+          </p:childTnLst>
+        </p:cTn>
+      </p:par>
+    </p:tnLst>
+  </p:timing>
+</p:sld>
+</file>
+
+<file path=ppt/slides/slide18.xml><?xml version="1.0" encoding="utf-8"?>
+<p:sld xmlns:a="http://schemas.openxmlformats.org/drawingml/2006/main" xmlns:r="http://schemas.openxmlformats.org/officeDocument/2006/relationships" xmlns:p="http://schemas.openxmlformats.org/presentationml/2006/main">
+  <p:cSld>
+    <p:spTree>
+      <p:nvGrpSpPr>
+        <p:cNvPr id="1" name=""/>
+        <p:cNvGrpSpPr/>
+        <p:nvPr/>
+      </p:nvGrpSpPr>
+      <p:grpSpPr>
+        <a:xfrm>
+          <a:off x="0" y="0"/>
+          <a:ext cx="0" cy="0"/>
+          <a:chOff x="0" y="0"/>
+          <a:chExt cx="0" cy="0"/>
+        </a:xfrm>
+      </p:grpSpPr>
+      <p:sp>
+        <p:nvSpPr>
+          <p:cNvPr id="2" name="CustomShape 1"/>
+          <p:cNvSpPr>
+            <a:extLst>
+              <a:ext uri="smNativeData">
+                <pr:smNativeData xmlns="" xmlns:p14="http://schemas.microsoft.com/office/powerpoint/2010/main" xmlns:pr="smNativeData" val="SMDATA_13_aDXlXhMAAAAlAAAAZAAAAA0AAAAAjgAAAEcAAACOAAAARwAAAAAAAAAAAAAAAAAAAAEAAABQAAAAAAAAAAAA4D8AAAAAAADgPwAAAAAAAOA/AAAAAAAA4D8AAAAAAADgPwAAAAAAAOA/AAAAAAAA4D8AAAAAAADgPwAAAAAAAOA/AAAAAAAA4D8CAAAAjAAAAAAAAAAAAAAAT4G9DP///wgAAAAAAAAAAAAAAAAAAAAAAAAAAAAAAAAAAAAAZAAAAAEAAABAAAAAAAAAAAAAAAAAAAAAAAAAAAAAAAAAAAAAAAAAAAAAAAAAAAAAAAAAAAAAAAAAAAAAAAAAAAAAAAAAAAAAAAAAAAAAAAAAAAAAAAAAAAAAAAAAAAAAFAAAADwAAAAAAAAAAAAAAAAAAAkUAAAAAQAAABQAAAAUAAAAFAAAAAEAAAAAAAAAZAAAAGQAAAAAAAAAZAAAAGQAAAAVAAAAYAAAAAAAAAAAAAAADwAAACADAAAAAAAAAAAAAAEAAACgMgAAVgcAAKr4//8BAAAAf39/AAEAAABkAAAAAAAAABQAAABAHwAAAAAAACYAAAAAAAAAwOD//wAAAAAmAAAAZAAAABYAAABMAAAAAAAAAAAAAAAEAAAAAAAAAAEAAADu7OEKAAAAACgAAAAoAAAAZAAAAGQAAAAAAAAAzMzMAAAAAABQAAAAUAAAAGQAAABkAAAAAAAAABcAAAAUAAAAAAAAAAAAAAD/fwAA/38AAAAAAAAJAAAABAAAAIAeAAAMAAAAEAAAAAAAAAAAAAAAAAAAAAAAAAAeAAAAaAAAAAAAAAAAAAAAAAAAAAAAAAAAAAAAECcAABAnAAAAAAAAAAAAAAAAAAAAAAAAAAAAAAAAAAAAAAAAAAAAABQAAAAAAAAAwMD/AAAAAABkAAAAMgAAAAAAAABkAAAAAAAAAH9/fwAKAAAAHwAAAFQAAABPgb0F////AQAAAAAAAAAAAAAAAAAAAAAAAAAAAAAAAAAAAAAAAAAAAAAAAn9/fwDu7OEDzMzMAMDA/wB/f38AAAAAAAAAAAAAAAAAAAAAAAAAAAAhAAAAGAAAABQAAACEEQAAoBQAAH8jAAD5GAAAEAAAACYAAAAIAAAA//////////8="/>
               </a:ext>
             </a:extLst>
           </p:cNvSpPr>
@@ -5899,7 +6106,7 @@
           <p:cNvSpPr>
             <a:extLst>
               <a:ext uri="smNativeData">
-                <pr:smNativeData xmlns:pr="smNativeData" xmlns:p14="http://schemas.microsoft.com/office/powerpoint/2010/main" xmlns="" val="SMDATA_13_aDXlXhMAAAAlAAAAZAAAAA0AAAAAkAAAAEgAAACQAAAASAAAAAAAAAAAAAAAAAAAAAEAAABQAAAAAAAAAAAA4D8AAAAAAADgPwAAAAAAAOA/AAAAAAAA4D8AAAAAAADgPwAAAAAAAOA/AAAAAAAA4D8AAAAAAADgPwAAAAAAAOA/AAAAAAAA4D8CAAAAjAAAAAEAAAAAAAAAM8zMAP///wgAAAAAAAAAAAAAAAAAAAAAAAAAAAAAAAAAAAAAeAAAAAEAAABAAAAAAAAAAAAAAABaAAAAAAAAAAAAAAAAAAAAAAAAAAAAAAAAAAAAAAAAAAAAAAAAAAAAAAAAAAAAAAAAAAAAAAAAAAAAAAAAAAAAAAAAAAAAAAAAAAAAFAAAADwAAAAAAAAAAAAAAAAAAAkUAAAAAQAAABQAAAAUAAAAFAAAAAEAAAAAAAAAZAAAAGQAAAAAAAAAZAAAAGQAAAAVAAAAYAAAAAAAAAAAAAAADwAAACADAAAAAAAAAAAAAAEAAACgMgAAVgcAAKr4//8BAAAAf39/AAEAAABkAAAAAAAAABQAAABAHwAAAAAAACYAAAAAAAAAwOD//wAAAAAmAAAAZAAAABYAAABMAAAAAAAAAAAAAAAEAAAAAAAAAAEAAADu7OEKAAAAACgAAAAoAAAAZAAAAGQAAAAAAAAAzMzMAAAAAABQAAAAUAAAAGQAAABkAAAAAAAAABcAAAAUAAAAAAAAAAAAAAD/fwAA/38AAAAAAAAJAAAABAAAAAAAAAAMAAAAEAAAAAAAAAAAAAAAAAAAAAAAAAAeAAAAaAAAAAAAAAAAAAAAAAAAAAAAAAAAAAAAECcAABAnAAAAAAAAAAAAAAAAAAAAAAAAAAAAAAAAAAAAAAAAAAAAABQAAAAAAAAAwMD/AAAAAABkAAAAMgAAAAAAAABkAAAAAAAAAH9/fwAKAAAAHwAAAFQAAAAzzMwA////AQAAAAAAAAAAAAAAAAAAAAAAAAAAAAAAAAAAAAAAAAAAAAAAAn9/fwDu7OEDzMzMAMDA/wB/f38AAAAAAAAAAAAAAAAAAAAAAAAAAAAhAAAAGAAAABQAAABgCQAAugkAAD44AADyCQAAEAAAACYAAAAIAAAA//////////8="/>
+                <pr:smNativeData xmlns="" xmlns:p14="http://schemas.microsoft.com/office/powerpoint/2010/main" xmlns:pr="smNativeData" val="SMDATA_13_aDXlXhMAAAAlAAAAZAAAAA0AAAAAkAAAAEgAAACQAAAASAAAAAAAAAAAAAAAAAAAAAEAAABQAAAAAAAAAAAA4D8AAAAAAADgPwAAAAAAAOA/AAAAAAAA4D8AAAAAAADgPwAAAAAAAOA/AAAAAAAA4D8AAAAAAADgPwAAAAAAAOA/AAAAAAAA4D8CAAAAjAAAAAEAAAAAAAAAM8zMAP///wgAAAAAAAAAAAAAAAAAAAAAAAAAAAAAAAAAAAAAeAAAAAEAAABAAAAAAAAAAAAAAABaAAAAAAAAAAAAAAAAAAAAAAAAAAAAAAAAAAAAAAAAAAAAAAAAAAAAAAAAAAAAAAAAAAAAAAAAAAAAAAAAAAAAAAAAAAAAAAAAAAAAFAAAADwAAAAAAAAAAAAAAAAAAAkUAAAAAQAAABQAAAAUAAAAFAAAAAEAAAAAAAAAZAAAAGQAAAAAAAAAZAAAAGQAAAAVAAAAYAAAAAAAAAAAAAAADwAAACADAAAAAAAAAAAAAAEAAACgMgAAVgcAAKr4//8BAAAAf39/AAEAAABkAAAAAAAAABQAAABAHwAAAAAAACYAAAAAAAAAwOD//wAAAAAmAAAAZAAAABYAAABMAAAAAAAAAAAAAAAEAAAAAAAAAAEAAADu7OEKAAAAACgAAAAoAAAAZAAAAGQAAAAAAAAAzMzMAAAAAABQAAAAUAAAAGQAAABkAAAAAAAAABcAAAAUAAAAAAAAAAAAAAD/fwAA/38AAAAAAAAJAAAABAAAAAAAAAAMAAAAEAAAAAAAAAAAAAAAAAAAAAAAAAAeAAAAaAAAAAAAAAAAAAAAAAAAAAAAAAAAAAAAECcAABAnAAAAAAAAAAAAAAAAAAAAAAAAAAAAAAAAAAAAAAAAAAAAABQAAAAAAAAAwMD/AAAAAABkAAAAMgAAAAAAAABkAAAAAAAAAH9/fwAKAAAAHwAAAFQAAAAzzMwA////AQAAAAAAAAAAAAAAAAAAAAAAAAAAAAAAAAAAAAAAAAAAAAAAAn9/fwDu7OEDzMzMAMDA/wB/f38AAAAAAAAAAAAAAAAAAAAAAAAAAAAhAAAAGAAAABQAAABgCQAAugkAAD44AADyCQAAEAAAACYAAAAIAAAA//////////8="/>
               </a:ext>
             </a:extLst>
           </p:cNvSpPr>
@@ -5928,7 +6135,7 @@
           <p:cNvSpPr>
             <a:extLst>
               <a:ext uri="smNativeData">
-                <pr:smNativeData xmlns:pr="smNativeData" xmlns:p14="http://schemas.microsoft.com/office/powerpoint/2010/main" xmlns="" val="SMDATA_13_aDXlXhMAAAAlAAAAZAAAAA0AAAAAjgAAAEcAAACOAAAARwAAAAAAAAAAAAAAAAAAAAEAAABQAAAAAAAAAAAA4D8AAAAAAADgPwAAAAAAAOA/AAAAAAAA4D8AAAAAAADgPwAAAAAAAOA/AAAAAAAA4D8AAAAAAADgPwAAAAAAAOA/AAAAAAAA4D8CAAAAjAAAAAAAAAAAAAAAT4G9DP///wgAAAAAAAAAAAAAAAAAAAAAAAAAAAAAAAAAAAAAZAAAAAEAAABAAAAAAAAAAAAAAAAAAAAAAAAAAAAAAAAAAAAAAAAAAAAAAAAAAAAAAAAAAAAAAAAAAAAAAAAAAAAAAAAAAAAAAAAAAAAAAAAAAAAAAAAAAAAAAAAAAAAAFAAAADwAAAAAAAAAAAAAAAAAAAkUAAAAAQAAABQAAAAUAAAAFAAAAAEAAAAAAAAAZAAAAGQAAAAAAAAAZAAAAGQAAAAVAAAAYAAAAAAAAAAAAAAADwAAACADAAAAAAAAAAAAAAEAAACgMgAAVgcAAKr4//8BAAAAf39/AAEAAABkAAAAAAAAABQAAABAHwAAAAAAACYAAAAAAAAAwOD//wAAAAAmAAAAZAAAABYAAABMAAAAAAAAAAAAAAAEAAAAAAAAAAEAAADu7OEKAAAAACgAAAAoAAAAZAAAAGQAAAAAAAAAzMzMAAAAAABQAAAAUAAAAGQAAABkAAAAAAAAABcAAAAUAAAAAAAAAAAAAAD/fwAA/38AAAAAAAAJAAAABAAAAAAAAAAMAAAAEAAAAAAAAAAAAAAAAAAAAAAAAAAeAAAAaAAAAAAAAAAAAAAAAAAAAAAAAAAAAAAAECcAABAnAAAAAAAAAAAAAAAAAAAAAAAAAAAAAAAAAAAAAAAAAAAAABQAAAAAAAAAwMD/AAAAAABkAAAAMgAAAAAAAABkAAAAAAAAAH9/fwAKAAAAHwAAAFQAAABPgb0F////AQAAAAAAAAAAAAAAAAAAAAAAAAAAAAAAAAAAAAAAAAAAAAAAAn9/fwDu7OEDzMzMAMDA/wB/f38AAAAAAAAAAAAAAAAAAAAAAAAAAAAhAAAAGAAAABQAAABoEAAACAcAAD44AADdCQAAEAAAACYAAAAIAAAA//////////8="/>
+                <pr:smNativeData xmlns="" xmlns:p14="http://schemas.microsoft.com/office/powerpoint/2010/main" xmlns:pr="smNativeData" val="SMDATA_13_aDXlXhMAAAAlAAAAZAAAAA0AAAAAjgAAAEcAAACOAAAARwAAAAAAAAAAAAAAAAAAAAEAAABQAAAAAAAAAAAA4D8AAAAAAADgPwAAAAAAAOA/AAAAAAAA4D8AAAAAAADgPwAAAAAAAOA/AAAAAAAA4D8AAAAAAADgPwAAAAAAAOA/AAAAAAAA4D8CAAAAjAAAAAAAAAAAAAAAT4G9DP///wgAAAAAAAAAAAAAAAAAAAAAAAAAAAAAAAAAAAAAZAAAAAEAAABAAAAAAAAAAAAAAAAAAAAAAAAAAAAAAAAAAAAAAAAAAAAAAAAAAAAAAAAAAAAAAAAAAAAAAAAAAAAAAAAAAAAAAAAAAAAAAAAAAAAAAAAAAAAAAAAAAAAAFAAAADwAAAAAAAAAAAAAAAAAAAkUAAAAAQAAABQAAAAUAAAAFAAAAAEAAAAAAAAAZAAAAGQAAAAAAAAAZAAAAGQAAAAVAAAAYAAAAAAAAAAAAAAADwAAACADAAAAAAAAAAAAAAEAAACgMgAAVgcAAKr4//8BAAAAf39/AAEAAABkAAAAAAAAABQAAABAHwAAAAAAACYAAAAAAAAAwOD//wAAAAAmAAAAZAAAABYAAABMAAAAAAAAAAAAAAAEAAAAAAAAAAEAAADu7OEKAAAAACgAAAAoAAAAZAAAAGQAAAAAAAAAzMzMAAAAAABQAAAAUAAAAGQAAABkAAAAAAAAABcAAAAUAAAAAAAAAAAAAAD/fwAA/38AAAAAAAAJAAAABAAAAAAAAAAMAAAAEAAAAAAAAAAAAAAAAAAAAAAAAAAeAAAAaAAAAAAAAAAAAAAAAAAAAAAAAAAAAAAAECcAABAnAAAAAAAAAAAAAAAAAAAAAAAAAAAAAAAAAAAAAAAAAAAAABQAAAAAAAAAwMD/AAAAAABkAAAAMgAAAAAAAABkAAAAAAAAAH9/fwAKAAAAHwAAAFQAAABPgb0F////AQAAAAAAAAAAAAAAAAAAAAAAAAAAAAAAAAAAAAAAAAAAAAAAAn9/fwDu7OEDzMzMAMDA/wB/f38AAAAAAAAAAAAAAAAAAAAAAAAAAAAhAAAAGAAAABQAAABoEAAACAcAAD44AADdCQAAEAAAACYAAAAIAAAA//////////8="/>
               </a:ext>
             </a:extLst>
           </p:cNvSpPr>
@@ -5978,7 +6185,7 @@
           <p:cNvSpPr>
             <a:extLst>
               <a:ext uri="smNativeData">
-                <pr:smNativeData xmlns:pr="smNativeData" xmlns:p14="http://schemas.microsoft.com/office/powerpoint/2010/main" xmlns="" val="SMDATA_13_aDXlXhMAAAAlAAAAZAAAAA0AAAAAjgAAAEcAAACOAAAARwAAAAAAAAABAAAAAAAAAAEAAABQAAAAAAAAAAAA4D8AAAAAAADgPwAAAAAAAOA/AAAAAAAA4D8AAAAAAADgPwAAAAAAAOA/AAAAAAAA4D8AAAAAAADgPwAAAAAAAOA/AAAAAAAA4D8CAAAAjAAAAAAAAAAAAAAAT4G9DP///wgAAAAAAAAAAAAAAAAAAAAAAAAAAAAAAAAAAAAAZAAAAAEAAABAAAAAAAAAAAAAAAAAAAAAAAAAAAAAAAAAAAAAAAAAAAAAAAAAAAAAAAAAAAAAAAAAAAAAAAAAAAAAAAAAAAAAAAAAAAAAAAAAAAAAAAAAAAAAAAAAAAAAFAAAADwAAAAAAAAAAAAAAAAAAAkUAAAAAQAAABQAAAAUAAAAFAAAAAEAAAAAAAAAZAAAAGQAAAAAAAAAZAAAAGQAAAAVAAAAYAAAAAAAAAAAAAAADwAAACADAAAAAAAAAAAAAAEAAACgMgAAVgcAAKr4//8BAAAAf39/AAEAAABkAAAAAAAAABQAAABAHwAAAAAAACYAAAAAAAAAwOD//wAAAAAmAAAAZAAAABYAAABMAAAAAAAAAAAAAAAEAAAAAAAAAAEAAADu7OEKAAAAACgAAAAoAAAAZAAAAGQAAAAAAAAAzMzMAAAAAABQAAAAUAAAAGQAAABkAAAAAAAAABcAAAAUAAAAAAAAAAAAAAD/fwAA/38AAAAAAAAJAAAABAAAAAAAAAAMAAAAEAAAAAAAAAAAAAAAAAAAAAAAAAAeAAAAaAAAAAAAAAAAAAAAAAAAAAAAAAAAAAAAECcAABAnAAAAAAAAAAAAAAAAAAAAAAAAAAAAAAAAAAAAAAAAAAAAABQAAAAAAAAAwMD/AAAAAABkAAAAMgAAAAAAAABkAAAAAAAAAH9/fwAKAAAAHwAAAFQAAABPgb0F////AQAAAAAAAAAAAAAAAAAAAAAAAAAAAAAAAAAAAAAAAAAAAAAAAn9/fwDu7OEDzMzMAMDA/wB/f38AAAAAAAAAAAAAAAAAAAAAAAAAAAAhAAAAGAAAABQAAAAAAAAA9AkAAFwtAAACJwAAEAAAACYAAAAIAAAA//////////8="/>
+                <pr:smNativeData xmlns="" xmlns:p14="http://schemas.microsoft.com/office/powerpoint/2010/main" xmlns:pr="smNativeData" val="SMDATA_13_aDXlXhMAAAAlAAAAZAAAAA0AAAAAjgAAAEcAAACOAAAARwAAAAAAAAABAAAAAAAAAAEAAABQAAAAAAAAAAAA4D8AAAAAAADgPwAAAAAAAOA/AAAAAAAA4D8AAAAAAADgPwAAAAAAAOA/AAAAAAAA4D8AAAAAAADgPwAAAAAAAOA/AAAAAAAA4D8CAAAAjAAAAAAAAAAAAAAAT4G9DP///wgAAAAAAAAAAAAAAAAAAAAAAAAAAAAAAAAAAAAAZAAAAAEAAABAAAAAAAAAAAAAAAAAAAAAAAAAAAAAAAAAAAAAAAAAAAAAAAAAAAAAAAAAAAAAAAAAAAAAAAAAAAAAAAAAAAAAAAAAAAAAAAAAAAAAAAAAAAAAAAAAAAAAFAAAADwAAAAAAAAAAAAAAAAAAAkUAAAAAQAAABQAAAAUAAAAFAAAAAEAAAAAAAAAZAAAAGQAAAAAAAAAZAAAAGQAAAAVAAAAYAAAAAAAAAAAAAAADwAAACADAAAAAAAAAAAAAAEAAACgMgAAVgcAAKr4//8BAAAAf39/AAEAAABkAAAAAAAAABQAAABAHwAAAAAAACYAAAAAAAAAwOD//wAAAAAmAAAAZAAAABYAAABMAAAAAAAAAAAAAAAEAAAAAAAAAAEAAADu7OEKAAAAACgAAAAoAAAAZAAAAGQAAAAAAAAAzMzMAAAAAABQAAAAUAAAAGQAAABkAAAAAAAAABcAAAAUAAAAAAAAAAAAAAD/fwAA/38AAAAAAAAJAAAABAAAAAAAAAAMAAAAEAAAAAAAAAAAAAAAAAAAAAAAAAAeAAAAaAAAAAAAAAAAAAAAAAAAAAAAAAAAAAAAECcAABAnAAAAAAAAAAAAAAAAAAAAAAAAAAAAAAAAAAAAAAAAAAAAABQAAAAAAAAAwMD/AAAAAABkAAAAMgAAAAAAAABkAAAAAAAAAH9/fwAKAAAAHwAAAFQAAABPgb0F////AQAAAAAAAAAAAAAAAAAAAAAAAAAAAAAAAAAAAAAAAAAAAAAAAn9/fwDu7OEDzMzMAMDA/wB/f38AAAAAAAAAAAAAAAAAAAAAAAAAAAAhAAAAGAAAABQAAAAAAAAA9AkAAFwtAAACJwAAEAAAACYAAAAIAAAA//////////8="/>
               </a:ext>
             </a:extLst>
           </p:cNvSpPr>
@@ -6121,7 +6328,7 @@
           <p:cNvSpPr>
             <a:extLst>
               <a:ext uri="smNativeData">
-                <pr:smNativeData xmlns:pr="smNativeData" xmlns:p14="http://schemas.microsoft.com/office/powerpoint/2010/main" xmlns="" val="SMDATA_13_aDXlXhMAAAAlAAAAZAAAAA0AAAAAkAAAAEgAAACQAAAASAAAAAAAAAAAAAAAAAAAAAEAAABQAAAAAAAAAAAA4D8AAAAAAADgPwAAAAAAAOA/AAAAAAAA4D8AAAAAAADgPwAAAAAAAOA/AAAAAAAA4D8AAAAAAADgPwAAAAAAAOA/AAAAAAAA4D8CAAAAjAAAAAEAAAAAAAAAM8zMAP///wgAAAAAAAAAAAAAAAAAAAAAAAAAAAAAAAAAAAAAeAAAAAEAAABAAAAAAAAAAAAAAABaAAAAAAAAAAAAAAAAAAAAAAAAAAAAAAAAAAAAAAAAAAAAAAAAAAAAAAAAAAAAAAAAAAAAAAAAAAAAAAAAAAAAAAAAAAAAAAAAAAAAFAAAADwAAAAAAAAAAAAAAAAAAAkUAAAAAQAAABQAAAAUAAAAFAAAAAEAAAAAAAAAZAAAAGQAAAAAAAAAZAAAAGQAAAAVAAAAYAAAAAAAAAAAAAAADwAAACADAAAAAAAAAAAAAAEAAACgMgAAVgcAAKr4//8BAAAAf39/AAEAAABkAAAAAAAAABQAAABAHwAAAAAAACYAAAAAAAAAwOD//wAAAAAmAAAAZAAAABYAAABMAAAAAAAAAAAAAAAEAAAAAAAAAAEAAADu7OEKAAAAACgAAAAoAAAAZAAAAGQAAAAAAAAAzMzMAAAAAABQAAAAUAAAAGQAAABkAAAAAAAAABcAAAAUAAAAAAAAAAAAAAD/fwAA/38AAAAAAAAJAAAABAAAAAAAAAAMAAAAEAAAAAAAAAAAAAAAAAAAAAAAAAAeAAAAaAAAAAAAAAAAAAAAAAAAAAAAAAAAAAAAECcAABAnAAAAAAAAAAAAAAAAAAAAAAAAAAAAAAAAAAAAAAAAAAAAABQAAAAAAAAAwMD/AAAAAABkAAAAMgAAAAAAAABkAAAAAAAAAH9/fwAKAAAAHwAAAFQAAAAzzMwA////AQAAAAAAAAAAAAAAAAAAAAAAAAAAAAAAAAAAAAAAAAAAAAAAAn9/fwDu7OEDzMzMAMDA/wB/f38AAAAAAAAAAAAAAAAAAAAAAAAAAAAhAAAAGAAAABQAAABgCQAAugkAAD44AADyCQAAEAAAACYAAAAIAAAA//////////8="/>
+                <pr:smNativeData xmlns="" xmlns:p14="http://schemas.microsoft.com/office/powerpoint/2010/main" xmlns:pr="smNativeData" val="SMDATA_13_aDXlXhMAAAAlAAAAZAAAAA0AAAAAkAAAAEgAAACQAAAASAAAAAAAAAAAAAAAAAAAAAEAAABQAAAAAAAAAAAA4D8AAAAAAADgPwAAAAAAAOA/AAAAAAAA4D8AAAAAAADgPwAAAAAAAOA/AAAAAAAA4D8AAAAAAADgPwAAAAAAAOA/AAAAAAAA4D8CAAAAjAAAAAEAAAAAAAAAM8zMAP///wgAAAAAAAAAAAAAAAAAAAAAAAAAAAAAAAAAAAAAeAAAAAEAAABAAAAAAAAAAAAAAABaAAAAAAAAAAAAAAAAAAAAAAAAAAAAAAAAAAAAAAAAAAAAAAAAAAAAAAAAAAAAAAAAAAAAAAAAAAAAAAAAAAAAAAAAAAAAAAAAAAAAFAAAADwAAAAAAAAAAAAAAAAAAAkUAAAAAQAAABQAAAAUAAAAFAAAAAEAAAAAAAAAZAAAAGQAAAAAAAAAZAAAAGQAAAAVAAAAYAAAAAAAAAAAAAAADwAAACADAAAAAAAAAAAAAAEAAACgMgAAVgcAAKr4//8BAAAAf39/AAEAAABkAAAAAAAAABQAAABAHwAAAAAAACYAAAAAAAAAwOD//wAAAAAmAAAAZAAAABYAAABMAAAAAAAAAAAAAAAEAAAAAAAAAAEAAADu7OEKAAAAACgAAAAoAAAAZAAAAGQAAAAAAAAAzMzMAAAAAABQAAAAUAAAAGQAAABkAAAAAAAAABcAAAAUAAAAAAAAAAAAAAD/fwAA/38AAAAAAAAJAAAABAAAAAAAAAAMAAAAEAAAAAAAAAAAAAAAAAAAAAAAAAAeAAAAaAAAAAAAAAAAAAAAAAAAAAAAAAAAAAAAECcAABAnAAAAAAAAAAAAAAAAAAAAAAAAAAAAAAAAAAAAAAAAAAAAABQAAAAAAAAAwMD/AAAAAABkAAAAMgAAAAAAAABkAAAAAAAAAH9/fwAKAAAAHwAAAFQAAAAzzMwA////AQAAAAAAAAAAAAAAAAAAAAAAAAAAAAAAAAAAAAAAAAAAAAAAAn9/fwDu7OEDzMzMAMDA/wB/f38AAAAAAAAAAAAAAAAAAAAAAAAAAAAhAAAAGAAAABQAAABgCQAAugkAAD44AADyCQAAEAAAACYAAAAIAAAA//////////8="/>
               </a:ext>
             </a:extLst>
           </p:cNvSpPr>
@@ -6150,7 +6357,7 @@
           <p:cNvSpPr>
             <a:extLst>
               <a:ext uri="smNativeData">
-                <pr:smNativeData xmlns:pr="smNativeData" xmlns:p14="http://schemas.microsoft.com/office/powerpoint/2010/main" xmlns="" val="SMDATA_13_aDXlXhMAAAAlAAAAZAAAAA0AAAAAjgAAAEcAAACOAAAARwAAAAAAAAAAAAAAAAAAAAEAAABQAAAAAAAAAAAA4D8AAAAAAADgPwAAAAAAAOA/AAAAAAAA4D8AAAAAAADgPwAAAAAAAOA/AAAAAAAA4D8AAAAAAADgPwAAAAAAAOA/AAAAAAAA4D8CAAAAjAAAAAAAAAAAAAAAT4G9DP///wgAAAAAAAAAAAAAAAAAAAAAAAAAAAAAAAAAAAAAZAAAAAEAAABAAAAAAAAAAAAAAAAAAAAAAAAAAAAAAAAAAAAAAAAAAAAAAAAAAAAAAAAAAAAAAAAAAAAAAAAAAAAAAAAAAAAAAAAAAAAAAAAAAAAAAAAAAAAAAAAAAAAAFAAAADwAAAAAAAAAAAAAAAAAAAkUAAAAAQAAABQAAAAUAAAAFAAAAAEAAAAAAAAAZAAAAGQAAAAAAAAAZAAAAGQAAAAVAAAAYAAAAAAAAAAAAAAADwAAACADAAAAAAAAAAAAAAEAAACgMgAAVgcAAKr4//8BAAAAf39/AAEAAABkAAAAAAAAABQAAABAHwAAAAAAACYAAAAAAAAAwOD//wAAAAAmAAAAZAAAABYAAABMAAAAAAAAAAAAAAAEAAAAAAAAAAEAAADu7OEKAAAAACgAAAAoAAAAZAAAAGQAAAAAAAAAzMzMAAAAAABQAAAAUAAAAGQAAABkAAAAAAAAABcAAAAUAAAAAAAAAAAAAAD/fwAA/38AAAAAAAAJAAAABAAAAAAAAAAMAAAAEAAAAAAAAAAAAAAAAAAAAAAAAAAeAAAAaAAAAAAAAAAAAAAAAAAAAAAAAAAAAAAAECcAABAnAAAAAAAAAAAAAAAAAAAAAAAAAAAAAAAAAAAAAAAAAAAAABQAAAAAAAAAwMD/AAAAAABkAAAAMgAAAAAAAABkAAAAAAAAAH9/fwAKAAAAHwAAAFQAAABPgb0F////AQAAAAAAAAAAAAAAAAAAAAAAAAAAAAAAAAAAAAAAAAAAAAAAAn9/fwDu7OEDzMzMAMDA/wB/f38AAAAAAAAAAAAAAAAAAAAAAAAAAAAhAAAAGAAAABQAAABoEAAACAcAAD44AADdCQAAEAAAACYAAAAIAAAA//////////8="/>
+                <pr:smNativeData xmlns="" xmlns:p14="http://schemas.microsoft.com/office/powerpoint/2010/main" xmlns:pr="smNativeData" val="SMDATA_13_aDXlXhMAAAAlAAAAZAAAAA0AAAAAjgAAAEcAAACOAAAARwAAAAAAAAAAAAAAAAAAAAEAAABQAAAAAAAAAAAA4D8AAAAAAADgPwAAAAAAAOA/AAAAAAAA4D8AAAAAAADgPwAAAAAAAOA/AAAAAAAA4D8AAAAAAADgPwAAAAAAAOA/AAAAAAAA4D8CAAAAjAAAAAAAAAAAAAAAT4G9DP///wgAAAAAAAAAAAAAAAAAAAAAAAAAAAAAAAAAAAAAZAAAAAEAAABAAAAAAAAAAAAAAAAAAAAAAAAAAAAAAAAAAAAAAAAAAAAAAAAAAAAAAAAAAAAAAAAAAAAAAAAAAAAAAAAAAAAAAAAAAAAAAAAAAAAAAAAAAAAAAAAAAAAAFAAAADwAAAAAAAAAAAAAAAAAAAkUAAAAAQAAABQAAAAUAAAAFAAAAAEAAAAAAAAAZAAAAGQAAAAAAAAAZAAAAGQAAAAVAAAAYAAAAAAAAAAAAAAADwAAACADAAAAAAAAAAAAAAEAAACgMgAAVgcAAKr4//8BAAAAf39/AAEAAABkAAAAAAAAABQAAABAHwAAAAAAACYAAAAAAAAAwOD//wAAAAAmAAAAZAAAABYAAABMAAAAAAAAAAAAAAAEAAAAAAAAAAEAAADu7OEKAAAAACgAAAAoAAAAZAAAAGQAAAAAAAAAzMzMAAAAAABQAAAAUAAAAGQAAABkAAAAAAAAABcAAAAUAAAAAAAAAAAAAAD/fwAA/38AAAAAAAAJAAAABAAAAAAAAAAMAAAAEAAAAAAAAAAAAAAAAAAAAAAAAAAeAAAAaAAAAAAAAAAAAAAAAAAAAAAAAAAAAAAAECcAABAnAAAAAAAAAAAAAAAAAAAAAAAAAAAAAAAAAAAAAAAAAAAAABQAAAAAAAAAwMD/AAAAAABkAAAAMgAAAAAAAABkAAAAAAAAAH9/fwAKAAAAHwAAAFQAAABPgb0F////AQAAAAAAAAAAAAAAAAAAAAAAAAAAAAAAAAAAAAAAAAAAAAAAAn9/fwDu7OEDzMzMAMDA/wB/f38AAAAAAAAAAAAAAAAAAAAAAAAAAAAhAAAAGAAAABQAAABoEAAACAcAAD44AADdCQAAEAAAACYAAAAIAAAA//////////8="/>
               </a:ext>
             </a:extLst>
           </p:cNvSpPr>
@@ -6200,7 +6407,7 @@
           <p:cNvSpPr>
             <a:extLst>
               <a:ext uri="smNativeData">
-                <pr:smNativeData xmlns:pr="smNativeData" xmlns:p14="http://schemas.microsoft.com/office/powerpoint/2010/main" xmlns="" val="SMDATA_13_aDXlXhMAAAAlAAAAZAAAAA0AAAAAjgAAAEcAAACOAAAARwAAAAAAAAABAAAAAAAAAAEAAABQAAAAAAAAAAAA4D8AAAAAAADgPwAAAAAAAOA/AAAAAAAA4D8AAAAAAADgPwAAAAAAAOA/AAAAAAAA4D8AAAAAAADgPwAAAAAAAOA/AAAAAAAA4D8CAAAAjAAAAAAAAAAAAAAAT4G9DP///wgAAAAAAAAAAAAAAAAAAAAAAAAAAAAAAAAAAAAAZAAAAAEAAABAAAAAAAAAAAAAAAAAAAAAAAAAAAAAAAAAAAAAAAAAAAAAAAAAAAAAAAAAAAAAAAAAAAAAAAAAAAAAAAAAAAAAAAAAAAAAAAAAAAAAAAAAAAAAAAAAAAAAFAAAADwAAAAAAAAAAAAAAAAAAAkUAAAAAQAAABQAAAAUAAAAFAAAAAEAAAAAAAAAZAAAAGQAAAAAAAAAZAAAAGQAAAAVAAAAYAAAAAAAAAAAAAAADwAAACADAAAAAAAAAAAAAAEAAACgMgAAVgcAAKr4//8BAAAAf39/AAEAAABkAAAAAAAAABQAAABAHwAAAAAAACYAAAAAAAAAwOD//wAAAAAmAAAAZAAAABYAAABMAAAAAAAAAAAAAAAEAAAAAAAAAAEAAADu7OEKAAAAACgAAAAoAAAAZAAAAGQAAAAAAAAAzMzMAAAAAABQAAAAUAAAAGQAAABkAAAAAAAAABcAAAAUAAAAAAAAAAAAAAD/fwAA/38AAAAAAAAJAAAABAAAAAAAAAAMAAAAEAAAAAAAAAAAAAAAAAAAAAAAAAAeAAAAaAAAAAAAAAAAAAAAAAAAAAAAAAAAAAAAECcAABAnAAAAAAAAAAAAAAAAAAAAAAAAAAAAAAAAAAAAAAAAAAAAABQAAAAAAAAAwMD/AAAAAABkAAAAMgAAAAAAAABkAAAAAAAAAH9/fwAKAAAAHwAAAFQAAABPgb0F////AQAAAAAAAAAAAAAAAAAAAAAAAAAAAAAAAAAAAAAAAAAAAAAAAn9/fwDu7OEDzMzMAMDA/wB/f38AAAAAAAAAAAAAAAAAAAAAAAAAAAAhAAAAGAAAABQAAAAAAAAA9AkAAFwtAAACJwAAEAAAACYAAAAIAAAA//////////8="/>
+                <pr:smNativeData xmlns="" xmlns:p14="http://schemas.microsoft.com/office/powerpoint/2010/main" xmlns:pr="smNativeData" val="SMDATA_13_aDXlXhMAAAAlAAAAZAAAAA0AAAAAjgAAAEcAAACOAAAARwAAAAAAAAABAAAAAAAAAAEAAABQAAAAAAAAAAAA4D8AAAAAAADgPwAAAAAAAOA/AAAAAAAA4D8AAAAAAADgPwAAAAAAAOA/AAAAAAAA4D8AAAAAAADgPwAAAAAAAOA/AAAAAAAA4D8CAAAAjAAAAAAAAAAAAAAAT4G9DP///wgAAAAAAAAAAAAAAAAAAAAAAAAAAAAAAAAAAAAAZAAAAAEAAABAAAAAAAAAAAAAAAAAAAAAAAAAAAAAAAAAAAAAAAAAAAAAAAAAAAAAAAAAAAAAAAAAAAAAAAAAAAAAAAAAAAAAAAAAAAAAAAAAAAAAAAAAAAAAAAAAAAAAFAAAADwAAAAAAAAAAAAAAAAAAAkUAAAAAQAAABQAAAAUAAAAFAAAAAEAAAAAAAAAZAAAAGQAAAAAAAAAZAAAAGQAAAAVAAAAYAAAAAAAAAAAAAAADwAAACADAAAAAAAAAAAAAAEAAACgMgAAVgcAAKr4//8BAAAAf39/AAEAAABkAAAAAAAAABQAAABAHwAAAAAAACYAAAAAAAAAwOD//wAAAAAmAAAAZAAAABYAAABMAAAAAAAAAAAAAAAEAAAAAAAAAAEAAADu7OEKAAAAACgAAAAoAAAAZAAAAGQAAAAAAAAAzMzMAAAAAABQAAAAUAAAAGQAAABkAAAAAAAAABcAAAAUAAAAAAAAAAAAAAD/fwAA/38AAAAAAAAJAAAABAAAAAAAAAAMAAAAEAAAAAAAAAAAAAAAAAAAAAAAAAAeAAAAaAAAAAAAAAAAAAAAAAAAAAAAAAAAAAAAECcAABAnAAAAAAAAAAAAAAAAAAAAAAAAAAAAAAAAAAAAAAAAAAAAABQAAAAAAAAAwMD/AAAAAABkAAAAMgAAAAAAAABkAAAAAAAAAH9/fwAKAAAAHwAAAFQAAABPgb0F////AQAAAAAAAAAAAAAAAAAAAAAAAAAAAAAAAAAAAAAAAAAAAAAAAn9/fwDu7OEDzMzMAMDA/wB/f38AAAAAAAAAAAAAAAAAAAAAAAAAAAAhAAAAGAAAABQAAAAAAAAA9AkAAFwtAAACJwAAEAAAACYAAAAIAAAA//////////8="/>
               </a:ext>
             </a:extLst>
           </p:cNvSpPr>
@@ -6413,7 +6620,7 @@
           <p:cNvSpPr>
             <a:extLst>
               <a:ext uri="smNativeData">
-                <pr:smNativeData xmlns:pr="smNativeData" xmlns:p14="http://schemas.microsoft.com/office/powerpoint/2010/main" xmlns="" val="SMDATA_13_aDXlXhMAAAAlAAAAZAAAAA0AAAAAkAAAAEgAAACQAAAASAAAAAAAAAAAAAAAAAAAAAEAAABQAAAAAAAAAAAA4D8AAAAAAADgPwAAAAAAAOA/AAAAAAAA4D8AAAAAAADgPwAAAAAAAOA/AAAAAAAA4D8AAAAAAADgPwAAAAAAAOA/AAAAAAAA4D8CAAAAjAAAAAEAAAAAAAAAM8zMAP///wgAAAAAAAAAAAAAAAAAAAAAAAAAAAAAAAAAAAAAeAAAAAEAAABAAAAAAAAAAAAAAABaAAAAAAAAAAAAAAAAAAAAAAAAAAAAAAAAAAAAAAAAAAAAAAAAAAAAAAAAAAAAAAAAAAAAAAAAAAAAAAAAAAAAAAAAAAAAAAAAAAAAFAAAADwAAAAAAAAAAAAAAAAAAAkUAAAAAQAAABQAAAAUAAAAFAAAAAEAAAAAAAAAZAAAAGQAAAAAAAAAZAAAAGQAAAAVAAAAYAAAAAAAAAAAAAAADwAAACADAAAAAAAAAAAAAAEAAACgMgAAVgcAAKr4//8BAAAAf39/AAEAAABkAAAAAAAAABQAAABAHwAAAAAAACYAAAAAAAAAwOD//wAAAAAmAAAAZAAAABYAAABMAAAAAAAAAAAAAAAEAAAAAAAAAAEAAADu7OEKAAAAACgAAAAoAAAAZAAAAGQAAAAAAAAAzMzMAAAAAABQAAAAUAAAAGQAAABkAAAAAAAAABcAAAAUAAAAAAAAAAAAAAD/fwAA/38AAAAAAAAJAAAABAAAAAAAAAAMAAAAEAAAAAAAAAAAAAAAAAAAAAAAAAAeAAAAaAAAAAAAAAAAAAAAAAAAAAAAAAAAAAAAECcAABAnAAAAAAAAAAAAAAAAAAAAAAAAAAAAAAAAAAAAAAAAAAAAABQAAAAAAAAAwMD/AAAAAABkAAAAMgAAAAAAAABkAAAAAAAAAH9/fwAKAAAAHwAAAFQAAAAzzMwA////AQAAAAAAAAAAAAAAAAAAAAAAAAAAAAAAAAAAAAAAAAAAAAAAAn9/fwDu7OEDzMzMAMDA/wB/f38AAAAAAAAAAAAAAAAAAAAAAAAAAAAhAAAAGAAAABQAAABgCQAAugkAAD44AADyCQAAEAAAACYAAAAIAAAA//////////8="/>
+                <pr:smNativeData xmlns="" xmlns:p14="http://schemas.microsoft.com/office/powerpoint/2010/main" xmlns:pr="smNativeData" val="SMDATA_13_aDXlXhMAAAAlAAAAZAAAAA0AAAAAkAAAAEgAAACQAAAASAAAAAAAAAAAAAAAAAAAAAEAAABQAAAAAAAAAAAA4D8AAAAAAADgPwAAAAAAAOA/AAAAAAAA4D8AAAAAAADgPwAAAAAAAOA/AAAAAAAA4D8AAAAAAADgPwAAAAAAAOA/AAAAAAAA4D8CAAAAjAAAAAEAAAAAAAAAM8zMAP///wgAAAAAAAAAAAAAAAAAAAAAAAAAAAAAAAAAAAAAeAAAAAEAAABAAAAAAAAAAAAAAABaAAAAAAAAAAAAAAAAAAAAAAAAAAAAAAAAAAAAAAAAAAAAAAAAAAAAAAAAAAAAAAAAAAAAAAAAAAAAAAAAAAAAAAAAAAAAAAAAAAAAFAAAADwAAAAAAAAAAAAAAAAAAAkUAAAAAQAAABQAAAAUAAAAFAAAAAEAAAAAAAAAZAAAAGQAAAAAAAAAZAAAAGQAAAAVAAAAYAAAAAAAAAAAAAAADwAAACADAAAAAAAAAAAAAAEAAACgMgAAVgcAAKr4//8BAAAAf39/AAEAAABkAAAAAAAAABQAAABAHwAAAAAAACYAAAAAAAAAwOD//wAAAAAmAAAAZAAAABYAAABMAAAAAAAAAAAAAAAEAAAAAAAAAAEAAADu7OEKAAAAACgAAAAoAAAAZAAAAGQAAAAAAAAAzMzMAAAAAABQAAAAUAAAAGQAAABkAAAAAAAAABcAAAAUAAAAAAAAAAAAAAD/fwAA/38AAAAAAAAJAAAABAAAAAAAAAAMAAAAEAAAAAAAAAAAAAAAAAAAAAAAAAAeAAAAaAAAAAAAAAAAAAAAAAAAAAAAAAAAAAAAECcAABAnAAAAAAAAAAAAAAAAAAAAAAAAAAAAAAAAAAAAAAAAAAAAABQAAAAAAAAAwMD/AAAAAABkAAAAMgAAAAAAAABkAAAAAAAAAH9/fwAKAAAAHwAAAFQAAAAzzMwA////AQAAAAAAAAAAAAAAAAAAAAAAAAAAAAAAAAAAAAAAAAAAAAAAAn9/fwDu7OEDzMzMAMDA/wB/f38AAAAAAAAAAAAAAAAAAAAAAAAAAAAhAAAAGAAAABQAAABgCQAAugkAAD44AADyCQAAEAAAACYAAAAIAAAA//////////8="/>
               </a:ext>
             </a:extLst>
           </p:cNvSpPr>
@@ -6442,7 +6649,7 @@
           <p:cNvSpPr>
             <a:extLst>
               <a:ext uri="smNativeData">
-                <pr:smNativeData xmlns:pr="smNativeData" xmlns:p14="http://schemas.microsoft.com/office/powerpoint/2010/main" xmlns="" val="SMDATA_13_aDXlXhMAAAAlAAAAZAAAAA0AAAAAjgAAAEcAAACOAAAARwAAAAAAAAAAAAAAAAAAAAEAAABQAAAAAAAAAAAA4D8AAAAAAADgPwAAAAAAAOA/AAAAAAAA4D8AAAAAAADgPwAAAAAAAOA/AAAAAAAA4D8AAAAAAADgPwAAAAAAAOA/AAAAAAAA4D8CAAAAjAAAAAAAAAAAAAAAT4G9DP///wgAAAAAAAAAAAAAAAAAAAAAAAAAAAAAAAAAAAAAZAAAAAEAAABAAAAAAAAAAAAAAAAAAAAAAAAAAAAAAAAAAAAAAAAAAAAAAAAAAAAAAAAAAAAAAAAAAAAAAAAAAAAAAAAAAAAAAAAAAAAAAAAAAAAAAAAAAAAAAAAAAAAAFAAAADwAAAAAAAAAAAAAAAAAAAkUAAAAAQAAABQAAAAUAAAAFAAAAAEAAAAAAAAAZAAAAGQAAAAAAAAAZAAAAGQAAAAVAAAAYAAAAAAAAAAAAAAADwAAACADAAAAAAAAAAAAAAEAAACgMgAAVgcAAKr4//8BAAAAf39/AAEAAABkAAAAAAAAABQAAABAHwAAAAAAACYAAAAAAAAAwOD//wAAAAAmAAAAZAAAABYAAABMAAAAAAAAAAAAAAAEAAAAAAAAAAEAAADu7OEKAAAAACgAAAAoAAAAZAAAAGQAAAAAAAAAzMzMAAAAAABQAAAAUAAAAGQAAABkAAAAAAAAABcAAAAUAAAAAAAAAAAAAAD/fwAA/38AAAAAAAAJAAAABAAAAAAAAAAMAAAAEAAAAAAAAAAAAAAAAAAAAAAAAAAeAAAAaAAAAAAAAAAAAAAAAAAAAAAAAAAAAAAAECcAABAnAAAAAAAAAAAAAAAAAAAAAAAAAAAAAAAAAAAAAAAAAAAAABQAAAAAAAAAwMD/AAAAAABkAAAAMgAAAAAAAABkAAAAAAAAAH9/fwAKAAAAHwAAAFQAAABPgb0F////AQAAAAAAAAAAAAAAAAAAAAAAAAAAAAAAAAAAAAAAAAAAAAAAAn9/fwDu7OEDzMzMAMDA/wB/f38AAAAAAAAAAAAAAAAAAAAAAAAAAAAhAAAAGAAAABQAAABJBwAACAcAAD44AADeCQAAEAAAACYAAAAIAAAA//////////8="/>
+                <pr:smNativeData xmlns="" xmlns:p14="http://schemas.microsoft.com/office/powerpoint/2010/main" xmlns:pr="smNativeData" val="SMDATA_13_aDXlXhMAAAAlAAAAZAAAAA0AAAAAjgAAAEcAAACOAAAARwAAAAAAAAAAAAAAAAAAAAEAAABQAAAAAAAAAAAA4D8AAAAAAADgPwAAAAAAAOA/AAAAAAAA4D8AAAAAAADgPwAAAAAAAOA/AAAAAAAA4D8AAAAAAADgPwAAAAAAAOA/AAAAAAAA4D8CAAAAjAAAAAAAAAAAAAAAT4G9DP///wgAAAAAAAAAAAAAAAAAAAAAAAAAAAAAAAAAAAAAZAAAAAEAAABAAAAAAAAAAAAAAAAAAAAAAAAAAAAAAAAAAAAAAAAAAAAAAAAAAAAAAAAAAAAAAAAAAAAAAAAAAAAAAAAAAAAAAAAAAAAAAAAAAAAAAAAAAAAAAAAAAAAAFAAAADwAAAAAAAAAAAAAAAAAAAkUAAAAAQAAABQAAAAUAAAAFAAAAAEAAAAAAAAAZAAAAGQAAAAAAAAAZAAAAGQAAAAVAAAAYAAAAAAAAAAAAAAADwAAACADAAAAAAAAAAAAAAEAAACgMgAAVgcAAKr4//8BAAAAf39/AAEAAABkAAAAAAAAABQAAABAHwAAAAAAACYAAAAAAAAAwOD//wAAAAAmAAAAZAAAABYAAABMAAAAAAAAAAAAAAAEAAAAAAAAAAEAAADu7OEKAAAAACgAAAAoAAAAZAAAAGQAAAAAAAAAzMzMAAAAAABQAAAAUAAAAGQAAABkAAAAAAAAABcAAAAUAAAAAAAAAAAAAAD/fwAA/38AAAAAAAAJAAAABAAAAAAAAAAMAAAAEAAAAAAAAAAAAAAAAAAAAAAAAAAeAAAAaAAAAAAAAAAAAAAAAAAAAAAAAAAAAAAAECcAABAnAAAAAAAAAAAAAAAAAAAAAAAAAAAAAAAAAAAAAAAAAAAAABQAAAAAAAAAwMD/AAAAAABkAAAAMgAAAAAAAABkAAAAAAAAAH9/fwAKAAAAHwAAAFQAAABPgb0F////AQAAAAAAAAAAAAAAAAAAAAAAAAAAAAAAAAAAAAAAAAAAAAAAAn9/fwDu7OEDzMzMAMDA/wB/f38AAAAAAAAAAAAAAAAAAAAAAAAAAAAhAAAAGAAAABQAAABJBwAACAcAAD44AADeCQAAEAAAACYAAAAIAAAA//////////8="/>
               </a:ext>
             </a:extLst>
           </p:cNvSpPr>
@@ -6492,7 +6699,7 @@
           <p:cNvSpPr>
             <a:extLst>
               <a:ext uri="smNativeData">
-                <pr:smNativeData xmlns:pr="smNativeData" xmlns:p14="http://schemas.microsoft.com/office/powerpoint/2010/main" xmlns="" val="SMDATA_13_aDXlXhMAAAAlAAAAZAAAAA0AAAAAjgAAAEcAAACOAAAARwAAAAAAAAABAAAAAAAAAAEAAABQAAAAAAAAAAAA4D8AAAAAAADgPwAAAAAAAOA/AAAAAAAA4D8AAAAAAADgPwAAAAAAAOA/AAAAAAAA4D8AAAAAAADgPwAAAAAAAOA/AAAAAAAA4D8CAAAAjAAAAAAAAAAAAAAAT4G9DP///wgAAAAAAAAAAAAAAAAAAAAAAAAAAAAAAAAAAAAAZAAAAAEAAABAAAAAAAAAAAAAAAAAAAAAAAAAAAAAAAAAAAAAAAAAAAAAAAAAAAAAAAAAAAAAAAAAAAAAAAAAAAAAAAAAAAAAAAAAAAAAAAAAAAAAAAAAAAAAAAAAAAAAFAAAADwAAAAAAAAAAAAAAAAAAAkUAAAAAQAAABQAAAAUAAAAFAAAAAEAAAAAAAAAZAAAAGQAAAAAAAAAZAAAAGQAAAAVAAAAYAAAAAAAAAAAAAAADwAAACADAAAAAAAAAAAAAAEAAACgMgAAVgcAAKr4//8BAAAAf39/AAEAAABkAAAAAAAAABQAAABAHwAAAAAAACYAAAAAAAAAwOD//wAAAAAmAAAAZAAAABYAAABMAAAAAAAAAAAAAAAEAAAAAAAAAAEAAADu7OEKAAAAACgAAAAoAAAAZAAAAGQAAAAAAAAAzMzMAAAAAABQAAAAUAAAAGQAAABkAAAAAAAAABcAAAAUAAAAAAAAAAAAAAD/fwAA/38AAAAAAAAJAAAABAAAAOXl5f8MAAAAEAAAAAAAAAAAAAAAAAAAAAAAAAAeAAAAaAAAAAAAAAAAAAAAAAAAAAAAAAAAAAAAECcAABAnAAAAAAAAAAAAAAAAAAAAAAAAAAAAAAAAAAAAAAAAAAAAABQAAAAAAAAAwMD/AAAAAABkAAAAMgAAAAAAAABkAAAAAAAAAH9/fwAKAAAAHwAAAFQAAABPgb0F////AQAAAAAAAAAAAAAAAAAAAAAAAAAAAAAAAAAAAAAAAAAAAAAAAn9/fwDu7OEDzMzMAMDA/wB/f38AAAAAAAAAAAAAAAAAAAAAAAAAAAAhAAAAGAAAABQAAAAAAAAA9AkAAFwtAAACJwAAEAAAACYAAAAIAAAA//////////8="/>
+                <pr:smNativeData xmlns="" xmlns:p14="http://schemas.microsoft.com/office/powerpoint/2010/main" xmlns:pr="smNativeData" val="SMDATA_13_aDXlXhMAAAAlAAAAZAAAAA0AAAAAjgAAAEcAAACOAAAARwAAAAAAAAABAAAAAAAAAAEAAABQAAAAAAAAAAAA4D8AAAAAAADgPwAAAAAAAOA/AAAAAAAA4D8AAAAAAADgPwAAAAAAAOA/AAAAAAAA4D8AAAAAAADgPwAAAAAAAOA/AAAAAAAA4D8CAAAAjAAAAAAAAAAAAAAAT4G9DP///wgAAAAAAAAAAAAAAAAAAAAAAAAAAAAAAAAAAAAAZAAAAAEAAABAAAAAAAAAAAAAAAAAAAAAAAAAAAAAAAAAAAAAAAAAAAAAAAAAAAAAAAAAAAAAAAAAAAAAAAAAAAAAAAAAAAAAAAAAAAAAAAAAAAAAAAAAAAAAAAAAAAAAFAAAADwAAAAAAAAAAAAAAAAAAAkUAAAAAQAAABQAAAAUAAAAFAAAAAEAAAAAAAAAZAAAAGQAAAAAAAAAZAAAAGQAAAAVAAAAYAAAAAAAAAAAAAAADwAAACADAAAAAAAAAAAAAAEAAACgMgAAVgcAAKr4//8BAAAAf39/AAEAAABkAAAAAAAAABQAAABAHwAAAAAAACYAAAAAAAAAwOD//wAAAAAmAAAAZAAAABYAAABMAAAAAAAAAAAAAAAEAAAAAAAAAAEAAADu7OEKAAAAACgAAAAoAAAAZAAAAGQAAAAAAAAAzMzMAAAAAABQAAAAUAAAAGQAAABkAAAAAAAAABcAAAAUAAAAAAAAAAAAAAD/fwAA/38AAAAAAAAJAAAABAAAAOXl5f8MAAAAEAAAAAAAAAAAAAAAAAAAAAAAAAAeAAAAaAAAAAAAAAAAAAAAAAAAAAAAAAAAAAAAECcAABAnAAAAAAAAAAAAAAAAAAAAAAAAAAAAAAAAAAAAAAAAAAAAABQAAAAAAAAAwMD/AAAAAABkAAAAMgAAAAAAAABkAAAAAAAAAH9/fwAKAAAAHwAAAFQAAABPgb0F////AQAAAAAAAAAAAAAAAAAAAAAAAAAAAAAAAAAAAAAAAAAAAAAAAn9/fwDu7OEDzMzMAMDA/wB/f38AAAAAAAAAAAAAAAAAAAAAAAAAAAAhAAAAGAAAABQAAAAAAAAA9AkAAFwtAAACJwAAEAAAACYAAAAIAAAA//////////8="/>
               </a:ext>
             </a:extLst>
           </p:cNvSpPr>
@@ -6557,15 +6764,7 @@
                 <a:ea typeface="Trebuchet MS" charset="0"/>
                 <a:cs typeface="Calibri" panose="020F0502020204030204" pitchFamily="34" charset="0"/>
               </a:rPr>
-              <a:t>The original simulator could not measure energy consumption. Hence, additional modules to measure power were </a:t>
-            </a:r>
-            <a:r>
-              <a:rPr lang="en-IN" sz="2000" dirty="0" smtClean="0">
-                <a:latin typeface="Calibri" panose="020F0502020204030204" pitchFamily="34" charset="0"/>
-                <a:ea typeface="Trebuchet MS" charset="0"/>
-                <a:cs typeface="Calibri" panose="020F0502020204030204" pitchFamily="34" charset="0"/>
-              </a:rPr>
-              <a:t>setup.</a:t>
+              <a:t>The original simulator could not measure energy consumption. Hence, additional modules to measure power were setup.</a:t>
             </a:r>
             <a:endParaRPr lang="en-in" sz="2000" dirty="0" smtClean="0">
               <a:latin typeface="Calibri" panose="020F0502020204030204" pitchFamily="34" charset="0"/>
@@ -6733,7 +6932,7 @@
           <p:cNvSpPr>
             <a:extLst>
               <a:ext uri="smNativeData">
-                <pr:smNativeData xmlns:pr="smNativeData" xmlns:p14="http://schemas.microsoft.com/office/powerpoint/2010/main" xmlns="" val="SMDATA_13_aDXlXhMAAAAlAAAAZAAAAA0AAAAAkAAAAEgAAACQAAAASAAAAAAAAAAAAAAAAAAAAAEAAABQAAAAAAAAAAAA4D8AAAAAAADgPwAAAAAAAOA/AAAAAAAA4D8AAAAAAADgPwAAAAAAAOA/AAAAAAAA4D8AAAAAAADgPwAAAAAAAOA/AAAAAAAA4D8CAAAAjAAAAAEAAAAAAAAAM8zMAP///wgAAAAAAAAAAAAAAAAAAAAAAAAAAAAAAAAAAAAAeAAAAAEAAABAAAAAAAAAAAAAAABaAAAAAAAAAAAAAAAAAAAAAAAAAAAAAAAAAAAAAAAAAAAAAAAAAAAAAAAAAAAAAAAAAAAAAAAAAAAAAAAAAAAAAAAAAAAAAAAAAAAAFAAAADwAAAAAAAAAAAAAAAAAAAkUAAAAAQAAABQAAAAUAAAAFAAAAAEAAAAAAAAAZAAAAGQAAAAAAAAAZAAAAGQAAAAVAAAAYAAAAAAAAAAAAAAADwAAACADAAAAAAAAAAAAAAEAAACgMgAAVgcAAKr4//8BAAAAf39/AAEAAABkAAAAAAAAABQAAABAHwAAAAAAACYAAAAAAAAAwOD//wAAAAAmAAAAZAAAABYAAABMAAAAAAAAAAAAAAAEAAAAAAAAAAEAAADu7OEKAAAAACgAAAAoAAAAZAAAAGQAAAAAAAAAzMzMAAAAAABQAAAAUAAAAGQAAABkAAAAAAAAABcAAAAUAAAAAAAAAAAAAAD/fwAA/38AAAAAAAAJAAAABAAAAAAAAAAMAAAAEAAAAAAAAAAAAAAAAAAAAAAAAAAeAAAAaAAAAAAAAAAAAAAAAAAAAAAAAAAAAAAAECcAABAnAAAAAAAAAAAAAAAAAAAAAAAAAAAAAAAAAAAAAAAAAAAAABQAAAAAAAAAwMD/AAAAAABkAAAAMgAAAAAAAABkAAAAAAAAAH9/fwAKAAAAHwAAAFQAAAAzzMwA////AQAAAAAAAAAAAAAAAAAAAAAAAAAAAAAAAAAAAAAAAAAAAAAAAn9/fwDu7OEDzMzMAMDA/wB/f38AAAAAAAAAAAAAAAAAAAAAAAAAAAAhAAAAGAAAABQAAABgCQAAugkAAD44AADyCQAAEAAAACYAAAAIAAAA//////////8="/>
+                <pr:smNativeData xmlns="" xmlns:p14="http://schemas.microsoft.com/office/powerpoint/2010/main" xmlns:pr="smNativeData" val="SMDATA_13_aDXlXhMAAAAlAAAAZAAAAA0AAAAAkAAAAEgAAACQAAAASAAAAAAAAAAAAAAAAAAAAAEAAABQAAAAAAAAAAAA4D8AAAAAAADgPwAAAAAAAOA/AAAAAAAA4D8AAAAAAADgPwAAAAAAAOA/AAAAAAAA4D8AAAAAAADgPwAAAAAAAOA/AAAAAAAA4D8CAAAAjAAAAAEAAAAAAAAAM8zMAP///wgAAAAAAAAAAAAAAAAAAAAAAAAAAAAAAAAAAAAAeAAAAAEAAABAAAAAAAAAAAAAAABaAAAAAAAAAAAAAAAAAAAAAAAAAAAAAAAAAAAAAAAAAAAAAAAAAAAAAAAAAAAAAAAAAAAAAAAAAAAAAAAAAAAAAAAAAAAAAAAAAAAAFAAAADwAAAAAAAAAAAAAAAAAAAkUAAAAAQAAABQAAAAUAAAAFAAAAAEAAAAAAAAAZAAAAGQAAAAAAAAAZAAAAGQAAAAVAAAAYAAAAAAAAAAAAAAADwAAACADAAAAAAAAAAAAAAEAAACgMgAAVgcAAKr4//8BAAAAf39/AAEAAABkAAAAAAAAABQAAABAHwAAAAAAACYAAAAAAAAAwOD//wAAAAAmAAAAZAAAABYAAABMAAAAAAAAAAAAAAAEAAAAAAAAAAEAAADu7OEKAAAAACgAAAAoAAAAZAAAAGQAAAAAAAAAzMzMAAAAAABQAAAAUAAAAGQAAABkAAAAAAAAABcAAAAUAAAAAAAAAAAAAAD/fwAA/38AAAAAAAAJAAAABAAAAAAAAAAMAAAAEAAAAAAAAAAAAAAAAAAAAAAAAAAeAAAAaAAAAAAAAAAAAAAAAAAAAAAAAAAAAAAAECcAABAnAAAAAAAAAAAAAAAAAAAAAAAAAAAAAAAAAAAAAAAAAAAAABQAAAAAAAAAwMD/AAAAAABkAAAAMgAAAAAAAABkAAAAAAAAAH9/fwAKAAAAHwAAAFQAAAAzzMwA////AQAAAAAAAAAAAAAAAAAAAAAAAAAAAAAAAAAAAAAAAAAAAAAAAn9/fwDu7OEDzMzMAMDA/wB/f38AAAAAAAAAAAAAAAAAAAAAAAAAAAAhAAAAGAAAABQAAABgCQAAugkAAD44AADyCQAAEAAAACYAAAAIAAAA//////////8="/>
               </a:ext>
             </a:extLst>
           </p:cNvSpPr>
@@ -6762,7 +6961,7 @@
           <p:cNvSpPr>
             <a:extLst>
               <a:ext uri="smNativeData">
-                <pr:smNativeData xmlns:pr="smNativeData" xmlns:p14="http://schemas.microsoft.com/office/powerpoint/2010/main" xmlns="" val="SMDATA_13_aDXlXhMAAAAlAAAAZAAAAA0AAAAAjgAAAEcAAACOAAAARwAAAAAAAAAAAAAAAAAAAAEAAABQAAAAAAAAAAAA4D8AAAAAAADgPwAAAAAAAOA/AAAAAAAA4D8AAAAAAADgPwAAAAAAAOA/AAAAAAAA4D8AAAAAAADgPwAAAAAAAOA/AAAAAAAA4D8CAAAAjAAAAAAAAAAAAAAAT4G9DP///wgAAAAAAAAAAAAAAAAAAAAAAAAAAAAAAAAAAAAAZAAAAAEAAABAAAAAAAAAAAAAAAAAAAAAAAAAAAAAAAAAAAAAAAAAAAAAAAAAAAAAAAAAAAAAAAAAAAAAAAAAAAAAAAAAAAAAAAAAAAAAAAAAAAAAAAAAAAAAAAAAAAAAFAAAADwAAAAAAAAAAAAAAAAAAAkUAAAAAQAAABQAAAAUAAAAFAAAAAEAAAAAAAAAZAAAAGQAAAAAAAAAZAAAAGQAAAAVAAAAYAAAAAAAAAAAAAAADwAAACADAAAAAAAAAAAAAAEAAACgMgAAVgcAAKr4//8BAAAAf39/AAEAAABkAAAAAAAAABQAAABAHwAAAAAAACYAAAAAAAAAwOD//wAAAAAmAAAAZAAAABYAAABMAAAAAAAAAAAAAAAEAAAAAAAAAAEAAADu7OEKAAAAACgAAAAoAAAAZAAAAGQAAAAAAAAAzMzMAAAAAABQAAAAUAAAAGQAAABkAAAAAAAAABcAAAAUAAAAAAAAAAAAAAD/fwAA/38AAAAAAAAJAAAABAAAAAAAAAAMAAAAEAAAAAAAAAAAAAAAAAAAAAAAAAAeAAAAaAAAAAAAAAAAAAAAAAAAAAAAAAAAAAAAECcAABAnAAAAAAAAAAAAAAAAAAAAAAAAAAAAAAAAAAAAAAAAAAAAABQAAAAAAAAAwMD/AAAAAABkAAAAMgAAAAAAAABkAAAAAAAAAH9/fwAKAAAAHwAAAFQAAABPgb0F////AQAAAAAAAAAAAAAAAAAAAAAAAAAAAAAAAAAAAAAAAAAAAAAAAn9/fwDu7OEDzMzMAMDA/wB/f38AAAAAAAAAAAAAAAAAAAAAAAAAAAAhAAAAGAAAABQAAABwCAAACAcAAD44AADeCQAAEAAAACYAAAAIAAAA//////////8="/>
+                <pr:smNativeData xmlns="" xmlns:p14="http://schemas.microsoft.com/office/powerpoint/2010/main" xmlns:pr="smNativeData" val="SMDATA_13_aDXlXhMAAAAlAAAAZAAAAA0AAAAAjgAAAEcAAACOAAAARwAAAAAAAAAAAAAAAAAAAAEAAABQAAAAAAAAAAAA4D8AAAAAAADgPwAAAAAAAOA/AAAAAAAA4D8AAAAAAADgPwAAAAAAAOA/AAAAAAAA4D8AAAAAAADgPwAAAAAAAOA/AAAAAAAA4D8CAAAAjAAAAAAAAAAAAAAAT4G9DP///wgAAAAAAAAAAAAAAAAAAAAAAAAAAAAAAAAAAAAAZAAAAAEAAABAAAAAAAAAAAAAAAAAAAAAAAAAAAAAAAAAAAAAAAAAAAAAAAAAAAAAAAAAAAAAAAAAAAAAAAAAAAAAAAAAAAAAAAAAAAAAAAAAAAAAAAAAAAAAAAAAAAAAFAAAADwAAAAAAAAAAAAAAAAAAAkUAAAAAQAAABQAAAAUAAAAFAAAAAEAAAAAAAAAZAAAAGQAAAAAAAAAZAAAAGQAAAAVAAAAYAAAAAAAAAAAAAAADwAAACADAAAAAAAAAAAAAAEAAACgMgAAVgcAAKr4//8BAAAAf39/AAEAAABkAAAAAAAAABQAAABAHwAAAAAAACYAAAAAAAAAwOD//wAAAAAmAAAAZAAAABYAAABMAAAAAAAAAAAAAAAEAAAAAAAAAAEAAADu7OEKAAAAACgAAAAoAAAAZAAAAGQAAAAAAAAAzMzMAAAAAABQAAAAUAAAAGQAAABkAAAAAAAAABcAAAAUAAAAAAAAAAAAAAD/fwAA/38AAAAAAAAJAAAABAAAAAAAAAAMAAAAEAAAAAAAAAAAAAAAAAAAAAAAAAAeAAAAaAAAAAAAAAAAAAAAAAAAAAAAAAAAAAAAECcAABAnAAAAAAAAAAAAAAAAAAAAAAAAAAAAAAAAAAAAAAAAAAAAABQAAAAAAAAAwMD/AAAAAABkAAAAMgAAAAAAAABkAAAAAAAAAH9/fwAKAAAAHwAAAFQAAABPgb0F////AQAAAAAAAAAAAAAAAAAAAAAAAAAAAAAAAAAAAAAAAAAAAAAAAn9/fwDu7OEDzMzMAMDA/wB/f38AAAAAAAAAAAAAAAAAAAAAAAAAAAAhAAAAGAAAABQAAABwCAAACAcAAD44AADeCQAAEAAAACYAAAAIAAAA//////////8="/>
               </a:ext>
             </a:extLst>
           </p:cNvSpPr>
@@ -6869,7 +7068,7 @@
           <p:cNvSpPr>
             <a:extLst>
               <a:ext uri="smNativeData">
-                <pr:smNativeData xmlns:pr="smNativeData" xmlns:p14="http://schemas.microsoft.com/office/powerpoint/2010/main" xmlns="" val="SMDATA_13_aDXlXhMAAAAlAAAAZAAAAA0AAAAAkAAAAEgAAACQAAAASAAAAAAAAAAAAAAAAAAAAAEAAABQAAAAAAAAAAAA4D8AAAAAAADgPwAAAAAAAOA/AAAAAAAA4D8AAAAAAADgPwAAAAAAAOA/AAAAAAAA4D8AAAAAAADgPwAAAAAAAOA/AAAAAAAA4D8CAAAAjAAAAAEAAAAAAAAAM8zMAP///wgAAAAAAAAAAAAAAAAAAAAAAAAAAAAAAAAAAAAAeAAAAAEAAABAAAAAAAAAAAAAAABaAAAAAAAAAAAAAAAAAAAAAAAAAAAAAAAAAAAAAAAAAAAAAAAAAAAAAAAAAAAAAAAAAAAAAAAAAAAAAAAAAAAAAAAAAAAAAAAAAAAAFAAAADwAAAAAAAAAAAAAAAAAAAkUAAAAAQAAABQAAAAUAAAAFAAAAAEAAAAAAAAAZAAAAGQAAAAAAAAAZAAAAGQAAAAVAAAAYAAAAAAAAAAAAAAADwAAACADAAAAAAAAAAAAAAEAAACgMgAAVgcAAKr4//8BAAAAf39/AAEAAABkAAAAAAAAABQAAABAHwAAAAAAACYAAAAAAAAAwOD//wAAAAAmAAAAZAAAABYAAABMAAAAAAAAAAAAAAAEAAAAAAAAAAEAAADu7OEKAAAAACgAAAAoAAAAZAAAAGQAAAAAAAAAzMzMAAAAAABQAAAAUAAAAGQAAABkAAAAAAAAABcAAAAUAAAAAAAAAAAAAAD/fwAA/38AAAAAAAAJAAAABAAAAAAAAAAMAAAAEAAAAAAAAAAAAAAAAAAAAAAAAAAeAAAAaAAAAAAAAAAAAAAAAAAAAAAAAAAAAAAAECcAABAnAAAAAAAAAAAAAAAAAAAAAAAAAAAAAAAAAAAAAAAAAAAAABQAAAAAAAAAwMD/AAAAAABkAAAAMgAAAAAAAABkAAAAAAAAAH9/fwAKAAAAHwAAAFQAAAAzzMwA////AQAAAAAAAAAAAAAAAAAAAAAAAAAAAAAAAAAAAAAAAAAAAAAAAn9/fwDu7OEDzMzMAMDA/wB/f38AAAAAAAAAAAAAAAAAAAAAAAAAAAAhAAAAGAAAABQAAABgCQAAugkAAD44AADyCQAAEAAAACYAAAAIAAAA//////////8="/>
+                <pr:smNativeData xmlns="" xmlns:p14="http://schemas.microsoft.com/office/powerpoint/2010/main" xmlns:pr="smNativeData" val="SMDATA_13_aDXlXhMAAAAlAAAAZAAAAA0AAAAAkAAAAEgAAACQAAAASAAAAAAAAAAAAAAAAAAAAAEAAABQAAAAAAAAAAAA4D8AAAAAAADgPwAAAAAAAOA/AAAAAAAA4D8AAAAAAADgPwAAAAAAAOA/AAAAAAAA4D8AAAAAAADgPwAAAAAAAOA/AAAAAAAA4D8CAAAAjAAAAAEAAAAAAAAAM8zMAP///wgAAAAAAAAAAAAAAAAAAAAAAAAAAAAAAAAAAAAAeAAAAAEAAABAAAAAAAAAAAAAAABaAAAAAAAAAAAAAAAAAAAAAAAAAAAAAAAAAAAAAAAAAAAAAAAAAAAAAAAAAAAAAAAAAAAAAAAAAAAAAAAAAAAAAAAAAAAAAAAAAAAAFAAAADwAAAAAAAAAAAAAAAAAAAkUAAAAAQAAABQAAAAUAAAAFAAAAAEAAAAAAAAAZAAAAGQAAAAAAAAAZAAAAGQAAAAVAAAAYAAAAAAAAAAAAAAADwAAACADAAAAAAAAAAAAAAEAAACgMgAAVgcAAKr4//8BAAAAf39/AAEAAABkAAAAAAAAABQAAABAHwAAAAAAACYAAAAAAAAAwOD//wAAAAAmAAAAZAAAABYAAABMAAAAAAAAAAAAAAAEAAAAAAAAAAEAAADu7OEKAAAAACgAAAAoAAAAZAAAAGQAAAAAAAAAzMzMAAAAAABQAAAAUAAAAGQAAABkAAAAAAAAABcAAAAUAAAAAAAAAAAAAAD/fwAA/38AAAAAAAAJAAAABAAAAAAAAAAMAAAAEAAAAAAAAAAAAAAAAAAAAAAAAAAeAAAAaAAAAAAAAAAAAAAAAAAAAAAAAAAAAAAAECcAABAnAAAAAAAAAAAAAAAAAAAAAAAAAAAAAAAAAAAAAAAAAAAAABQAAAAAAAAAwMD/AAAAAABkAAAAMgAAAAAAAABkAAAAAAAAAH9/fwAKAAAAHwAAAFQAAAAzzMwA////AQAAAAAAAAAAAAAAAAAAAAAAAAAAAAAAAAAAAAAAAAAAAAAAAn9/fwDu7OEDzMzMAMDA/wB/f38AAAAAAAAAAAAAAAAAAAAAAAAAAAAhAAAAGAAAABQAAABgCQAAugkAAD44AADyCQAAEAAAACYAAAAIAAAA//////////8="/>
               </a:ext>
             </a:extLst>
           </p:cNvSpPr>
@@ -6898,7 +7097,7 @@
           <p:cNvSpPr>
             <a:extLst>
               <a:ext uri="smNativeData">
-                <pr:smNativeData xmlns:pr="smNativeData" xmlns:p14="http://schemas.microsoft.com/office/powerpoint/2010/main" xmlns="" val="SMDATA_13_aDXlXhMAAAAlAAAAZAAAAA0AAAAAjgAAAEcAAACOAAAARwAAAAAAAAAAAAAAAAAAAAEAAABQAAAAAAAAAAAA4D8AAAAAAADgPwAAAAAAAOA/AAAAAAAA4D8AAAAAAADgPwAAAAAAAOA/AAAAAAAA4D8AAAAAAADgPwAAAAAAAOA/AAAAAAAA4D8CAAAAjAAAAAAAAAAAAAAAT4G9DP///wgAAAAAAAAAAAAAAAAAAAAAAAAAAAAAAAAAAAAAZAAAAAEAAABAAAAAAAAAAAAAAAAAAAAAAAAAAAAAAAAAAAAAAAAAAAAAAAAAAAAAAAAAAAAAAAAAAAAAAAAAAAAAAAAAAAAAAAAAAAAAAAAAAAAAAAAAAAAAAAAAAAAAFAAAADwAAAAAAAAAAAAAAAAAAAkUAAAAAQAAABQAAAAUAAAAFAAAAAEAAAAAAAAAZAAAAGQAAAAAAAAAZAAAAGQAAAAVAAAAYAAAAAAAAAAAAAAADwAAACADAAAAAAAAAAAAAAEAAACgMgAAVgcAAKr4//8BAAAAf39/AAEAAABkAAAAAAAAABQAAABAHwAAAAAAACYAAAAAAAAAwOD//wAAAAAmAAAAZAAAABYAAABMAAAAAAAAAAAAAAAEAAAAAAAAAAEAAADu7OEKAAAAACgAAAAoAAAAZAAAAGQAAAAAAAAAzMzMAAAAAABQAAAAUAAAAGQAAABkAAAAAAAAABcAAAAUAAAAAAAAAAAAAAD/fwAA/38AAAAAAAAJAAAABAAAAAAAAAAMAAAAEAAAAAAAAAAAAAAAAAAAAAAAAAAeAAAAaAAAAAAAAAAAAAAAAAAAAAAAAAAAAAAAECcAABAnAAAAAAAAAAAAAAAAAAAAAAAAAAAAAAAAAAAAAAAAAAAAABQAAAAAAAAAwMD/AAAAAABkAAAAMgAAAAAAAABkAAAAAAAAAH9/fwAKAAAAHwAAAFQAAABPgb0F////AQAAAAAAAAAAAAAAAAAAAAAAAAAAAAAAAAAAAAAAAAAAAAAAAn9/fwDu7OEDzMzMAMDA/wB/f38AAAAAAAAAAAAAAAAAAAAAAAAAAAAhAAAAGAAAABQAAABwCAAACAcAAD44AADeCQAAEAAAACYAAAAIAAAA//////////8="/>
+                <pr:smNativeData xmlns="" xmlns:p14="http://schemas.microsoft.com/office/powerpoint/2010/main" xmlns:pr="smNativeData" val="SMDATA_13_aDXlXhMAAAAlAAAAZAAAAA0AAAAAjgAAAEcAAACOAAAARwAAAAAAAAAAAAAAAAAAAAEAAABQAAAAAAAAAAAA4D8AAAAAAADgPwAAAAAAAOA/AAAAAAAA4D8AAAAAAADgPwAAAAAAAOA/AAAAAAAA4D8AAAAAAADgPwAAAAAAAOA/AAAAAAAA4D8CAAAAjAAAAAAAAAAAAAAAT4G9DP///wgAAAAAAAAAAAAAAAAAAAAAAAAAAAAAAAAAAAAAZAAAAAEAAABAAAAAAAAAAAAAAAAAAAAAAAAAAAAAAAAAAAAAAAAAAAAAAAAAAAAAAAAAAAAAAAAAAAAAAAAAAAAAAAAAAAAAAAAAAAAAAAAAAAAAAAAAAAAAAAAAAAAAFAAAADwAAAAAAAAAAAAAAAAAAAkUAAAAAQAAABQAAAAUAAAAFAAAAAEAAAAAAAAAZAAAAGQAAAAAAAAAZAAAAGQAAAAVAAAAYAAAAAAAAAAAAAAADwAAACADAAAAAAAAAAAAAAEAAACgMgAAVgcAAKr4//8BAAAAf39/AAEAAABkAAAAAAAAABQAAABAHwAAAAAAACYAAAAAAAAAwOD//wAAAAAmAAAAZAAAABYAAABMAAAAAAAAAAAAAAAEAAAAAAAAAAEAAADu7OEKAAAAACgAAAAoAAAAZAAAAGQAAAAAAAAAzMzMAAAAAABQAAAAUAAAAGQAAABkAAAAAAAAABcAAAAUAAAAAAAAAAAAAAD/fwAA/38AAAAAAAAJAAAABAAAAAAAAAAMAAAAEAAAAAAAAAAAAAAAAAAAAAAAAAAeAAAAaAAAAAAAAAAAAAAAAAAAAAAAAAAAAAAAECcAABAnAAAAAAAAAAAAAAAAAAAAAAAAAAAAAAAAAAAAAAAAAAAAABQAAAAAAAAAwMD/AAAAAABkAAAAMgAAAAAAAABkAAAAAAAAAH9/fwAKAAAAHwAAAFQAAABPgb0F////AQAAAAAAAAAAAAAAAAAAAAAAAAAAAAAAAAAAAAAAAAAAAAAAAn9/fwDu7OEDzMzMAMDA/wB/f38AAAAAAAAAAAAAAAAAAAAAAAAAAAAhAAAAGAAAABQAAABwCAAACAcAAD44AADeCQAAEAAAACYAAAAIAAAA//////////8="/>
               </a:ext>
             </a:extLst>
           </p:cNvSpPr>
@@ -6956,7 +7155,7 @@
           <p:cNvSpPr>
             <a:extLst>
               <a:ext uri="smNativeData">
-                <pr:smNativeData xmlns:pr="smNativeData" xmlns:p14="http://schemas.microsoft.com/office/powerpoint/2010/main" xmlns="" val="SMDATA_13_aDXlXhMAAAAlAAAAZAAAAA0AAAAAjgAAAEcAAACOAAAARwAAAAAAAAABAAAAAAAAAAEAAABQAAAAAAAAAAAA4D8AAAAAAADgPwAAAAAAAOA/AAAAAAAA4D8AAAAAAADgPwAAAAAAAOA/AAAAAAAA4D8AAAAAAADgPwAAAAAAAOA/AAAAAAAA4D8CAAAAjAAAAAAAAAAAAAAAT4G9DP///wgAAAAAAAAAAAAAAAAAAAAAAAAAAAAAAAAAAAAAZAAAAAEAAABAAAAAAAAAAAAAAAAAAAAAAAAAAAAAAAAAAAAAAAAAAAAAAAAAAAAAAAAAAAAAAAAAAAAAAAAAAAAAAAAAAAAAAAAAAAAAAAAAAAAAAAAAAAAAAAAAAAAAFAAAADwAAAAAAAAAAAAAAAAAAAkUAAAAAQAAABQAAAAUAAAAFAAAAAEAAAAAAAAAZAAAAGQAAAAAAAAAZAAAAGQAAAAVAAAAYAAAAAAAAAAAAAAADwAAACADAAAAAAAAAAAAAAEAAACgMgAAVgcAAKr4//8BAAAAf39/AAEAAABkAAAAAAAAABQAAABAHwAAAAAAACYAAAAAAAAAwOD//wAAAAAmAAAAZAAAABYAAABMAAAAAAAAAAAAAAAEAAAAAAAAAAEAAADu7OEKAAAAACgAAAAoAAAAZAAAAGQAAAAAAAAAzMzMAAAAAABQAAAAUAAAAGQAAABkAAAAAAAAABcAAAAUAAAAAAAAAAAAAAD/fwAA/38AAAAAAAAJAAAABAAAAAAAAAAMAAAAEAAAAAAAAAAAAAAAAAAAAAAAAAAeAAAAaAAAAAAAAAAAAAAAAAAAAAAAAAAAAAAAECcAABAnAAAAAAAAAAAAAAAAAAAAAAAAAAAAAAAAAAAAAAAAAAAAABQAAAAAAAAAwMD/AAAAAABkAAAAMgAAAAAAAABkAAAAAAAAAH9/fwAKAAAAHwAAAFQAAABPgb0F////AQAAAAAAAAAAAAAAAAAAAAAAAAAAAAAAAAAAAAAAAAAAAAAAAn9/fwDu7OEDzMzMAMDA/wB/f38AAAAAAAAAAAAAAAAAAAAAAAAAAAAhAAAAGAAAABQAAAAuAwAAIA0AAEUuAAAWJAAAEAAAACYAAAAIAAAA//////////8="/>
+                <pr:smNativeData xmlns="" xmlns:p14="http://schemas.microsoft.com/office/powerpoint/2010/main" xmlns:pr="smNativeData" val="SMDATA_13_aDXlXhMAAAAlAAAAZAAAAA0AAAAAjgAAAEcAAACOAAAARwAAAAAAAAABAAAAAAAAAAEAAABQAAAAAAAAAAAA4D8AAAAAAADgPwAAAAAAAOA/AAAAAAAA4D8AAAAAAADgPwAAAAAAAOA/AAAAAAAA4D8AAAAAAADgPwAAAAAAAOA/AAAAAAAA4D8CAAAAjAAAAAAAAAAAAAAAT4G9DP///wgAAAAAAAAAAAAAAAAAAAAAAAAAAAAAAAAAAAAAZAAAAAEAAABAAAAAAAAAAAAAAAAAAAAAAAAAAAAAAAAAAAAAAAAAAAAAAAAAAAAAAAAAAAAAAAAAAAAAAAAAAAAAAAAAAAAAAAAAAAAAAAAAAAAAAAAAAAAAAAAAAAAAFAAAADwAAAAAAAAAAAAAAAAAAAkUAAAAAQAAABQAAAAUAAAAFAAAAAEAAAAAAAAAZAAAAGQAAAAAAAAAZAAAAGQAAAAVAAAAYAAAAAAAAAAAAAAADwAAACADAAAAAAAAAAAAAAEAAACgMgAAVgcAAKr4//8BAAAAf39/AAEAAABkAAAAAAAAABQAAABAHwAAAAAAACYAAAAAAAAAwOD//wAAAAAmAAAAZAAAABYAAABMAAAAAAAAAAAAAAAEAAAAAAAAAAEAAADu7OEKAAAAACgAAAAoAAAAZAAAAGQAAAAAAAAAzMzMAAAAAABQAAAAUAAAAGQAAABkAAAAAAAAABcAAAAUAAAAAAAAAAAAAAD/fwAA/38AAAAAAAAJAAAABAAAAAAAAAAMAAAAEAAAAAAAAAAAAAAAAAAAAAAAAAAeAAAAaAAAAAAAAAAAAAAAAAAAAAAAAAAAAAAAECcAABAnAAAAAAAAAAAAAAAAAAAAAAAAAAAAAAAAAAAAAAAAAAAAABQAAAAAAAAAwMD/AAAAAABkAAAAMgAAAAAAAABkAAAAAAAAAH9/fwAKAAAAHwAAAFQAAABPgb0F////AQAAAAAAAAAAAAAAAAAAAAAAAAAAAAAAAAAAAAAAAAAAAAAAAn9/fwDu7OEDzMzMAMDA/wB/f38AAAAAAAAAAAAAAAAAAAAAAAAAAAAhAAAAGAAAABQAAAAuAwAAIA0AAEUuAAAWJAAAEAAAACYAAAAIAAAA//////////8="/>
               </a:ext>
             </a:extLst>
           </p:cNvSpPr>
@@ -7207,7 +7406,7 @@
           <p:cNvSpPr>
             <a:extLst>
               <a:ext uri="smNativeData">
-                <pr:smNativeData xmlns:pr="smNativeData" xmlns:p14="http://schemas.microsoft.com/office/powerpoint/2010/main" xmlns="" val="SMDATA_13_aDXlXhMAAAAlAAAAZAAAAA0AAAAAkAAAAEgAAACQAAAASAAAAAAAAAAAAAAAAAAAAAEAAABQAAAAAAAAAAAA4D8AAAAAAADgPwAAAAAAAOA/AAAAAAAA4D8AAAAAAADgPwAAAAAAAOA/AAAAAAAA4D8AAAAAAADgPwAAAAAAAOA/AAAAAAAA4D8CAAAAjAAAAAEAAAAAAAAAM8zMAP///wgAAAAAAAAAAAAAAAAAAAAAAAAAAAAAAAAAAAAAeAAAAAEAAABAAAAAAAAAAAAAAABaAAAAAAAAAAAAAAAAAAAAAAAAAAAAAAAAAAAAAAAAAAAAAAAAAAAAAAAAAAAAAAAAAAAAAAAAAAAAAAAAAAAAAAAAAAAAAAAAAAAAFAAAADwAAAAAAAAAAAAAAAAAAAkUAAAAAQAAABQAAAAUAAAAFAAAAAEAAAAAAAAAZAAAAGQAAAAAAAAAZAAAAGQAAAAVAAAAYAAAAAAAAAAAAAAADwAAACADAAAAAAAAAAAAAAEAAACgMgAAVgcAAKr4//8BAAAAf39/AAEAAABkAAAAAAAAABQAAABAHwAAAAAAACYAAAAAAAAAwOD//wAAAAAmAAAAZAAAABYAAABMAAAAAAAAAAAAAAAEAAAAAAAAAAEAAADu7OEKAAAAACgAAAAoAAAAZAAAAGQAAAAAAAAAzMzMAAAAAABQAAAAUAAAAGQAAABkAAAAAAAAABcAAAAUAAAAAAAAAAAAAAD/fwAA/38AAAAAAAAJAAAABAAAAAAAAAAMAAAAEAAAAAAAAAAAAAAAAAAAAAAAAAAeAAAAaAAAAAAAAAAAAAAAAAAAAAAAAAAAAAAAECcAABAnAAAAAAAAAAAAAAAAAAAAAAAAAAAAAAAAAAAAAAAAAAAAABQAAAAAAAAAwMD/AAAAAABkAAAAMgAAAAAAAABkAAAAAAAAAH9/fwAKAAAAHwAAAFQAAAAzzMwA////AQAAAAAAAAAAAAAAAAAAAAAAAAAAAAAAAAAAAAAAAAAAAAAAAn9/fwDu7OEDzMzMAMDA/wB/f38AAAAAAAAAAAAAAAAAAAAAAAAAAAAhAAAAGAAAABQAAABgCQAAugkAAD44AADyCQAAEAAAACYAAAAIAAAA//////////8="/>
+                <pr:smNativeData xmlns="" xmlns:p14="http://schemas.microsoft.com/office/powerpoint/2010/main" xmlns:pr="smNativeData" val="SMDATA_13_aDXlXhMAAAAlAAAAZAAAAA0AAAAAkAAAAEgAAACQAAAASAAAAAAAAAAAAAAAAAAAAAEAAABQAAAAAAAAAAAA4D8AAAAAAADgPwAAAAAAAOA/AAAAAAAA4D8AAAAAAADgPwAAAAAAAOA/AAAAAAAA4D8AAAAAAADgPwAAAAAAAOA/AAAAAAAA4D8CAAAAjAAAAAEAAAAAAAAAM8zMAP///wgAAAAAAAAAAAAAAAAAAAAAAAAAAAAAAAAAAAAAeAAAAAEAAABAAAAAAAAAAAAAAABaAAAAAAAAAAAAAAAAAAAAAAAAAAAAAAAAAAAAAAAAAAAAAAAAAAAAAAAAAAAAAAAAAAAAAAAAAAAAAAAAAAAAAAAAAAAAAAAAAAAAFAAAADwAAAAAAAAAAAAAAAAAAAkUAAAAAQAAABQAAAAUAAAAFAAAAAEAAAAAAAAAZAAAAGQAAAAAAAAAZAAAAGQAAAAVAAAAYAAAAAAAAAAAAAAADwAAACADAAAAAAAAAAAAAAEAAACgMgAAVgcAAKr4//8BAAAAf39/AAEAAABkAAAAAAAAABQAAABAHwAAAAAAACYAAAAAAAAAwOD//wAAAAAmAAAAZAAAABYAAABMAAAAAAAAAAAAAAAEAAAAAAAAAAEAAADu7OEKAAAAACgAAAAoAAAAZAAAAGQAAAAAAAAAzMzMAAAAAABQAAAAUAAAAGQAAABkAAAAAAAAABcAAAAUAAAAAAAAAAAAAAD/fwAA/38AAAAAAAAJAAAABAAAAAAAAAAMAAAAEAAAAAAAAAAAAAAAAAAAAAAAAAAeAAAAaAAAAAAAAAAAAAAAAAAAAAAAAAAAAAAAECcAABAnAAAAAAAAAAAAAAAAAAAAAAAAAAAAAAAAAAAAAAAAAAAAABQAAAAAAAAAwMD/AAAAAABkAAAAMgAAAAAAAABkAAAAAAAAAH9/fwAKAAAAHwAAAFQAAAAzzMwA////AQAAAAAAAAAAAAAAAAAAAAAAAAAAAAAAAAAAAAAAAAAAAAAAAn9/fwDu7OEDzMzMAMDA/wB/f38AAAAAAAAAAAAAAAAAAAAAAAAAAAAhAAAAGAAAABQAAABgCQAAugkAAD44AADyCQAAEAAAACYAAAAIAAAA//////////8="/>
               </a:ext>
             </a:extLst>
           </p:cNvSpPr>
@@ -7236,7 +7435,7 @@
           <p:cNvSpPr>
             <a:extLst>
               <a:ext uri="smNativeData">
-                <pr:smNativeData xmlns:pr="smNativeData" xmlns:p14="http://schemas.microsoft.com/office/powerpoint/2010/main" xmlns="" val="SMDATA_13_aDXlXhMAAAAlAAAAZAAAAA0AAAAAjgAAAEcAAACOAAAARwAAAAAAAAAAAAAAAAAAAAEAAABQAAAAAAAAAAAA4D8AAAAAAADgPwAAAAAAAOA/AAAAAAAA4D8AAAAAAADgPwAAAAAAAOA/AAAAAAAA4D8AAAAAAADgPwAAAAAAAOA/AAAAAAAA4D8CAAAAjAAAAAAAAAAAAAAAT4G9DP///wgAAAAAAAAAAAAAAAAAAAAAAAAAAAAAAAAAAAAAZAAAAAEAAABAAAAAAAAAAAAAAAAAAAAAAAAAAAAAAAAAAAAAAAAAAAAAAAAAAAAAAAAAAAAAAAAAAAAAAAAAAAAAAAAAAAAAAAAAAAAAAAAAAAAAAAAAAAAAAAAAAAAAFAAAADwAAAAAAAAAAAAAAAAAAAkUAAAAAQAAABQAAAAUAAAAFAAAAAEAAAAAAAAAZAAAAGQAAAAAAAAAZAAAAGQAAAAVAAAAYAAAAAAAAAAAAAAADwAAACADAAAAAAAAAAAAAAEAAACgMgAAVgcAAKr4//8BAAAAf39/AAEAAABkAAAAAAAAABQAAABAHwAAAAAAACYAAAAAAAAAwOD//wAAAAAmAAAAZAAAABYAAABMAAAAAAAAAAAAAAAEAAAAAAAAAAEAAADu7OEKAAAAACgAAAAoAAAAZAAAAGQAAAAAAAAAzMzMAAAAAABQAAAAUAAAAGQAAABkAAAAAAAAABcAAAAUAAAAAAAAAAAAAAD/fwAA/38AAAAAAAAJAAAABAAAAAAAAAAMAAAAEAAAAAAAAAAAAAAAAAAAAAAAAAAeAAAAaAAAAAAAAAAAAAAAAAAAAAAAAAAAAAAAECcAABAnAAAAAAAAAAAAAAAAAAAAAAAAAAAAAAAAAAAAAAAAAAAAABQAAAAAAAAAwMD/AAAAAABkAAAAMgAAAAAAAABkAAAAAAAAAH9/fwAKAAAAHwAAAFQAAABPgb0F////AQAAAAAAAAAAAAAAAAAAAAAAAAAAAAAAAAAAAAAAAAAAAAAAAn9/fwDu7OEDzMzMAMDA/wB/f38AAAAAAAAAAAAAAAAAAAAAAAAAAAAhAAAAGAAAABQAAABwCAAACAcAAD44AADeCQAAEAAAACYAAAAIAAAA//////////8="/>
+                <pr:smNativeData xmlns="" xmlns:p14="http://schemas.microsoft.com/office/powerpoint/2010/main" xmlns:pr="smNativeData" val="SMDATA_13_aDXlXhMAAAAlAAAAZAAAAA0AAAAAjgAAAEcAAACOAAAARwAAAAAAAAAAAAAAAAAAAAEAAABQAAAAAAAAAAAA4D8AAAAAAADgPwAAAAAAAOA/AAAAAAAA4D8AAAAAAADgPwAAAAAAAOA/AAAAAAAA4D8AAAAAAADgPwAAAAAAAOA/AAAAAAAA4D8CAAAAjAAAAAAAAAAAAAAAT4G9DP///wgAAAAAAAAAAAAAAAAAAAAAAAAAAAAAAAAAAAAAZAAAAAEAAABAAAAAAAAAAAAAAAAAAAAAAAAAAAAAAAAAAAAAAAAAAAAAAAAAAAAAAAAAAAAAAAAAAAAAAAAAAAAAAAAAAAAAAAAAAAAAAAAAAAAAAAAAAAAAAAAAAAAAFAAAADwAAAAAAAAAAAAAAAAAAAkUAAAAAQAAABQAAAAUAAAAFAAAAAEAAAAAAAAAZAAAAGQAAAAAAAAAZAAAAGQAAAAVAAAAYAAAAAAAAAAAAAAADwAAACADAAAAAAAAAAAAAAEAAACgMgAAVgcAAKr4//8BAAAAf39/AAEAAABkAAAAAAAAABQAAABAHwAAAAAAACYAAAAAAAAAwOD//wAAAAAmAAAAZAAAABYAAABMAAAAAAAAAAAAAAAEAAAAAAAAAAEAAADu7OEKAAAAACgAAAAoAAAAZAAAAGQAAAAAAAAAzMzMAAAAAABQAAAAUAAAAGQAAABkAAAAAAAAABcAAAAUAAAAAAAAAAAAAAD/fwAA/38AAAAAAAAJAAAABAAAAAAAAAAMAAAAEAAAAAAAAAAAAAAAAAAAAAAAAAAeAAAAaAAAAAAAAAAAAAAAAAAAAAAAAAAAAAAAECcAABAnAAAAAAAAAAAAAAAAAAAAAAAAAAAAAAAAAAAAAAAAAAAAABQAAAAAAAAAwMD/AAAAAABkAAAAMgAAAAAAAABkAAAAAAAAAH9/fwAKAAAAHwAAAFQAAABPgb0F////AQAAAAAAAAAAAAAAAAAAAAAAAAAAAAAAAAAAAAAAAAAAAAAAAn9/fwDu7OEDzMzMAMDA/wB/f38AAAAAAAAAAAAAAAAAAAAAAAAAAAAhAAAAGAAAABQAAABwCAAACAcAAD44AADeCQAAEAAAACYAAAAIAAAA//////////8="/>
               </a:ext>
             </a:extLst>
           </p:cNvSpPr>
@@ -7312,6 +7511,29 @@
           <a:xfrm>
             <a:off x="685800" y="1616710"/>
             <a:ext cx="7763934" cy="4655840"/>
+          </a:xfrm>
+          <a:prstGeom prst="rect">
+            <a:avLst/>
+          </a:prstGeom>
+        </p:spPr>
+      </p:pic>
+      <p:pic>
+        <p:nvPicPr>
+          <p:cNvPr id="6" name="Picture 5"/>
+          <p:cNvPicPr>
+            <a:picLocks noChangeAspect="1"/>
+          </p:cNvPicPr>
+          <p:nvPr/>
+        </p:nvPicPr>
+        <p:blipFill rotWithShape="1">
+          <a:blip r:embed="rId3"/>
+          <a:srcRect l="4135" t="28167" r="-1" b="34336"/>
+          <a:stretch/>
+        </p:blipFill>
+        <p:spPr>
+          <a:xfrm>
+            <a:off x="3999345" y="4488874"/>
+            <a:ext cx="618836" cy="106785"/>
           </a:xfrm>
           <a:prstGeom prst="rect">
             <a:avLst/>
@@ -7367,7 +7589,7 @@
           <p:cNvSpPr>
             <a:extLst>
               <a:ext uri="smNativeData">
-                <pr:smNativeData xmlns:pr="smNativeData" xmlns:p14="http://schemas.microsoft.com/office/powerpoint/2010/main" xmlns="" val="SMDATA_13_aDXlXhMAAAAlAAAAZAAAAA0AAAAAkAAAAEgAAACQAAAASAAAAAAAAAAAAAAAAAAAAAEAAABQAAAAAAAAAAAA4D8AAAAAAADgPwAAAAAAAOA/AAAAAAAA4D8AAAAAAADgPwAAAAAAAOA/AAAAAAAA4D8AAAAAAADgPwAAAAAAAOA/AAAAAAAA4D8CAAAAjAAAAAEAAAAAAAAAM8zMAP///wgAAAAAAAAAAAAAAAAAAAAAAAAAAAAAAAAAAAAAeAAAAAEAAABAAAAAAAAAAAAAAABaAAAAAAAAAAAAAAAAAAAAAAAAAAAAAAAAAAAAAAAAAAAAAAAAAAAAAAAAAAAAAAAAAAAAAAAAAAAAAAAAAAAAAAAAAAAAAAAAAAAAFAAAADwAAAAAAAAAAAAAAAAAAAkUAAAAAQAAABQAAAAUAAAAFAAAAAEAAAAAAAAAZAAAAGQAAAAAAAAAZAAAAGQAAAAVAAAAYAAAAAAAAAAAAAAADwAAACADAAAAAAAAAAAAAAEAAACgMgAAVgcAAKr4//8BAAAAf39/AAEAAABkAAAAAAAAABQAAABAHwAAAAAAACYAAAAAAAAAwOD//wAAAAAmAAAAZAAAABYAAABMAAAAAAAAAAAAAAAEAAAAAAAAAAEAAADu7OEKAAAAACgAAAAoAAAAZAAAAGQAAAAAAAAAzMzMAAAAAABQAAAAUAAAAGQAAABkAAAAAAAAABcAAAAUAAAAAAAAAAAAAAD/fwAA/38AAAAAAAAJAAAABAAAAAAAAAAMAAAAEAAAAAAAAAAAAAAAAAAAAAAAAAAeAAAAaAAAAAAAAAAAAAAAAAAAAAAAAAAAAAAAECcAABAnAAAAAAAAAAAAAAAAAAAAAAAAAAAAAAAAAAAAAAAAAAAAABQAAAAAAAAAwMD/AAAAAABkAAAAMgAAAAAAAABkAAAAAAAAAH9/fwAKAAAAHwAAAFQAAAAzzMwA////AQAAAAAAAAAAAAAAAAAAAAAAAAAAAAAAAAAAAAAAAAAAAAAAAn9/fwDu7OEDzMzMAMDA/wB/f38AAAAAAAAAAAAAAAAAAAAAAAAAAAAhAAAAGAAAABQAAABgCQAAugkAAD44AADyCQAAEAAAACYAAAAIAAAA//////////8="/>
+                <pr:smNativeData xmlns="" xmlns:p14="http://schemas.microsoft.com/office/powerpoint/2010/main" xmlns:pr="smNativeData" val="SMDATA_13_aDXlXhMAAAAlAAAAZAAAAA0AAAAAkAAAAEgAAACQAAAASAAAAAAAAAAAAAAAAAAAAAEAAABQAAAAAAAAAAAA4D8AAAAAAADgPwAAAAAAAOA/AAAAAAAA4D8AAAAAAADgPwAAAAAAAOA/AAAAAAAA4D8AAAAAAADgPwAAAAAAAOA/AAAAAAAA4D8CAAAAjAAAAAEAAAAAAAAAM8zMAP///wgAAAAAAAAAAAAAAAAAAAAAAAAAAAAAAAAAAAAAeAAAAAEAAABAAAAAAAAAAAAAAABaAAAAAAAAAAAAAAAAAAAAAAAAAAAAAAAAAAAAAAAAAAAAAAAAAAAAAAAAAAAAAAAAAAAAAAAAAAAAAAAAAAAAAAAAAAAAAAAAAAAAFAAAADwAAAAAAAAAAAAAAAAAAAkUAAAAAQAAABQAAAAUAAAAFAAAAAEAAAAAAAAAZAAAAGQAAAAAAAAAZAAAAGQAAAAVAAAAYAAAAAAAAAAAAAAADwAAACADAAAAAAAAAAAAAAEAAACgMgAAVgcAAKr4//8BAAAAf39/AAEAAABkAAAAAAAAABQAAABAHwAAAAAAACYAAAAAAAAAwOD//wAAAAAmAAAAZAAAABYAAABMAAAAAAAAAAAAAAAEAAAAAAAAAAEAAADu7OEKAAAAACgAAAAoAAAAZAAAAGQAAAAAAAAAzMzMAAAAAABQAAAAUAAAAGQAAABkAAAAAAAAABcAAAAUAAAAAAAAAAAAAAD/fwAA/38AAAAAAAAJAAAABAAAAAAAAAAMAAAAEAAAAAAAAAAAAAAAAAAAAAAAAAAeAAAAaAAAAAAAAAAAAAAAAAAAAAAAAAAAAAAAECcAABAnAAAAAAAAAAAAAAAAAAAAAAAAAAAAAAAAAAAAAAAAAAAAABQAAAAAAAAAwMD/AAAAAABkAAAAMgAAAAAAAABkAAAAAAAAAH9/fwAKAAAAHwAAAFQAAAAzzMwA////AQAAAAAAAAAAAAAAAAAAAAAAAAAAAAAAAAAAAAAAAAAAAAAAAn9/fwDu7OEDzMzMAMDA/wB/f38AAAAAAAAAAAAAAAAAAAAAAAAAAAAhAAAAGAAAABQAAABgCQAAugkAAD44AADyCQAAEAAAACYAAAAIAAAA//////////8="/>
               </a:ext>
             </a:extLst>
           </p:cNvSpPr>
@@ -7396,7 +7618,7 @@
           <p:cNvSpPr>
             <a:extLst>
               <a:ext uri="smNativeData">
-                <pr:smNativeData xmlns:pr="smNativeData" xmlns:p14="http://schemas.microsoft.com/office/powerpoint/2010/main" xmlns="" val="SMDATA_13_aDXlXhMAAAAlAAAAZAAAAA0AAAAAjgAAAEcAAACOAAAARwAAAAAAAAAAAAAAAAAAAAEAAABQAAAAAAAAAAAA4D8AAAAAAADgPwAAAAAAAOA/AAAAAAAA4D8AAAAAAADgPwAAAAAAAOA/AAAAAAAA4D8AAAAAAADgPwAAAAAAAOA/AAAAAAAA4D8CAAAAjAAAAAAAAAAAAAAAT4G9DP///wgAAAAAAAAAAAAAAAAAAAAAAAAAAAAAAAAAAAAAZAAAAAEAAABAAAAAAAAAAAAAAAAAAAAAAAAAAAAAAAAAAAAAAAAAAAAAAAAAAAAAAAAAAAAAAAAAAAAAAAAAAAAAAAAAAAAAAAAAAAAAAAAAAAAAAAAAAAAAAAAAAAAAFAAAADwAAAAAAAAAAAAAAAAAAAkUAAAAAQAAABQAAAAUAAAAFAAAAAEAAAAAAAAAZAAAAGQAAAAAAAAAZAAAAGQAAAAVAAAAYAAAAAAAAAAAAAAADwAAACADAAAAAAAAAAAAAAEAAACgMgAAVgcAAKr4//8BAAAAf39/AAEAAABkAAAAAAAAABQAAABAHwAAAAAAACYAAAAAAAAAwOD//wAAAAAmAAAAZAAAABYAAABMAAAAAAAAAAAAAAAEAAAAAAAAAAEAAADu7OEKAAAAACgAAAAoAAAAZAAAAGQAAAAAAAAAzMzMAAAAAABQAAAAUAAAAGQAAABkAAAAAAAAABcAAAAUAAAAAAAAAAAAAAD/fwAA/38AAAAAAAAJAAAABAAAAAAAAAAMAAAAEAAAAAAAAAAAAAAAAAAAAAAAAAAeAAAAaAAAAAAAAAAAAAAAAAAAAAAAAAAAAAAAECcAABAnAAAAAAAAAAAAAAAAAAAAAAAAAAAAAAAAAAAAAAAAAAAAABQAAAAAAAAAwMD/AAAAAABkAAAAMgAAAAAAAABkAAAAAAAAAH9/fwAKAAAAHwAAAFQAAABPgb0F////AQAAAAAAAAAAAAAAAAAAAAAAAAAAAAAAAAAAAAAAAAAAAAAAAn9/fwDu7OEDzMzMAMDA/wB/f38AAAAAAAAAAAAAAAAAAAAAAAAAAAAhAAAAGAAAABQAAABwCAAACAcAAD44AADeCQAAEAAAACYAAAAIAAAA//////////8="/>
+                <pr:smNativeData xmlns="" xmlns:p14="http://schemas.microsoft.com/office/powerpoint/2010/main" xmlns:pr="smNativeData" val="SMDATA_13_aDXlXhMAAAAlAAAAZAAAAA0AAAAAjgAAAEcAAACOAAAARwAAAAAAAAAAAAAAAAAAAAEAAABQAAAAAAAAAAAA4D8AAAAAAADgPwAAAAAAAOA/AAAAAAAA4D8AAAAAAADgPwAAAAAAAOA/AAAAAAAA4D8AAAAAAADgPwAAAAAAAOA/AAAAAAAA4D8CAAAAjAAAAAAAAAAAAAAAT4G9DP///wgAAAAAAAAAAAAAAAAAAAAAAAAAAAAAAAAAAAAAZAAAAAEAAABAAAAAAAAAAAAAAAAAAAAAAAAAAAAAAAAAAAAAAAAAAAAAAAAAAAAAAAAAAAAAAAAAAAAAAAAAAAAAAAAAAAAAAAAAAAAAAAAAAAAAAAAAAAAAAAAAAAAAFAAAADwAAAAAAAAAAAAAAAAAAAkUAAAAAQAAABQAAAAUAAAAFAAAAAEAAAAAAAAAZAAAAGQAAAAAAAAAZAAAAGQAAAAVAAAAYAAAAAAAAAAAAAAADwAAACADAAAAAAAAAAAAAAEAAACgMgAAVgcAAKr4//8BAAAAf39/AAEAAABkAAAAAAAAABQAAABAHwAAAAAAACYAAAAAAAAAwOD//wAAAAAmAAAAZAAAABYAAABMAAAAAAAAAAAAAAAEAAAAAAAAAAEAAADu7OEKAAAAACgAAAAoAAAAZAAAAGQAAAAAAAAAzMzMAAAAAABQAAAAUAAAAGQAAABkAAAAAAAAABcAAAAUAAAAAAAAAAAAAAD/fwAA/38AAAAAAAAJAAAABAAAAAAAAAAMAAAAEAAAAAAAAAAAAAAAAAAAAAAAAAAeAAAAaAAAAAAAAAAAAAAAAAAAAAAAAAAAAAAAECcAABAnAAAAAAAAAAAAAAAAAAAAAAAAAAAAAAAAAAAAAAAAAAAAABQAAAAAAAAAwMD/AAAAAABkAAAAMgAAAAAAAABkAAAAAAAAAH9/fwAKAAAAHwAAAFQAAABPgb0F////AQAAAAAAAAAAAAAAAAAAAAAAAAAAAAAAAAAAAAAAAAAAAAAAAn9/fwDu7OEDzMzMAMDA/wB/f38AAAAAAAAAAAAAAAAAAAAAAAAAAAAhAAAAGAAAABQAAABwCAAACAcAAD44AADeCQAAEAAAACYAAAAIAAAA//////////8="/>
               </a:ext>
             </a:extLst>
           </p:cNvSpPr>
@@ -7454,7 +7676,7 @@
           <p:cNvSpPr>
             <a:extLst>
               <a:ext uri="smNativeData">
-                <pr:smNativeData xmlns:pr="smNativeData" xmlns:p14="http://schemas.microsoft.com/office/powerpoint/2010/main" xmlns="" val="SMDATA_13_aDXlXhMAAAAlAAAAZAAAAA0AAAAAjgAAAEcAAACOAAAARwAAAAAAAAABAAAAAAAAAAEAAABQAAAAAAAAAAAA4D8AAAAAAADgPwAAAAAAAOA/AAAAAAAA4D8AAAAAAADgPwAAAAAAAOA/AAAAAAAA4D8AAAAAAADgPwAAAAAAAOA/AAAAAAAA4D8CAAAAjAAAAAAAAAAAAAAAT4G9DP///wgAAAAAAAAAAAAAAAAAAAAAAAAAAAAAAAAAAAAAZAAAAAEAAABAAAAAAAAAAAAAAAAAAAAAAAAAAAAAAAAAAAAAAAAAAAAAAAAAAAAAAAAAAAAAAAAAAAAAAAAAAAAAAAAAAAAAAAAAAAAAAAAAAAAAAAAAAAAAAAAAAAAAFAAAADwAAAAAAAAAAAAAAAAAAAkUAAAAAQAAABQAAAAUAAAAFAAAAAEAAAAAAAAAZAAAAGQAAAAAAAAAZAAAAGQAAAAVAAAAYAAAAAAAAAAAAAAADwAAACADAAAAAAAAAAAAAAEAAACgMgAAVgcAAKr4//8BAAAAf39/AAEAAABkAAAAAAAAABQAAABAHwAAAAAAACYAAAAAAAAAwOD//wAAAAAmAAAAZAAAABYAAABMAAAAAAAAAAAAAAAEAAAAAAAAAAEAAADu7OEKAAAAACgAAAAoAAAAZAAAAGQAAAAAAAAAzMzMAAAAAABQAAAAUAAAAGQAAABkAAAAAAAAABcAAAAUAAAAAAAAAAAAAAD/fwAA/38AAAAAAAAJAAAABAAAAAAAAAAMAAAAEAAAAAAAAAAAAAAAAAAAAAAAAAAeAAAAaAAAAAAAAAAAAAAAAAAAAAAAAAAAAAAAECcAABAnAAAAAAAAAAAAAAAAAAAAAAAAAAAAAAAAAAAAAAAAAAAAABQAAAAAAAAAwMD/AAAAAABkAAAAMgAAAAAAAABkAAAAAAAAAH9/fwAKAAAAHwAAAFQAAABPgb0F////AQAAAAAAAAAAAAAAAAAAAAAAAAAAAAAAAAAAAAAAAAAAAAAAAn9/fwDu7OEDzMzMAMDA/wB/f38AAAAAAAAAAAAAAAAAAAAAAAAAAAAhAAAAGAAAABQAAAAuAwAAIA0AAEUuAAAWJAAAEAAAACYAAAAIAAAA//////////8="/>
+                <pr:smNativeData xmlns="" xmlns:p14="http://schemas.microsoft.com/office/powerpoint/2010/main" xmlns:pr="smNativeData" val="SMDATA_13_aDXlXhMAAAAlAAAAZAAAAA0AAAAAjgAAAEcAAACOAAAARwAAAAAAAAABAAAAAAAAAAEAAABQAAAAAAAAAAAA4D8AAAAAAADgPwAAAAAAAOA/AAAAAAAA4D8AAAAAAADgPwAAAAAAAOA/AAAAAAAA4D8AAAAAAADgPwAAAAAAAOA/AAAAAAAA4D8CAAAAjAAAAAAAAAAAAAAAT4G9DP///wgAAAAAAAAAAAAAAAAAAAAAAAAAAAAAAAAAAAAAZAAAAAEAAABAAAAAAAAAAAAAAAAAAAAAAAAAAAAAAAAAAAAAAAAAAAAAAAAAAAAAAAAAAAAAAAAAAAAAAAAAAAAAAAAAAAAAAAAAAAAAAAAAAAAAAAAAAAAAAAAAAAAAFAAAADwAAAAAAAAAAAAAAAAAAAkUAAAAAQAAABQAAAAUAAAAFAAAAAEAAAAAAAAAZAAAAGQAAAAAAAAAZAAAAGQAAAAVAAAAYAAAAAAAAAAAAAAADwAAACADAAAAAAAAAAAAAAEAAACgMgAAVgcAAKr4//8BAAAAf39/AAEAAABkAAAAAAAAABQAAABAHwAAAAAAACYAAAAAAAAAwOD//wAAAAAmAAAAZAAAABYAAABMAAAAAAAAAAAAAAAEAAAAAAAAAAEAAADu7OEKAAAAACgAAAAoAAAAZAAAAGQAAAAAAAAAzMzMAAAAAABQAAAAUAAAAGQAAABkAAAAAAAAABcAAAAUAAAAAAAAAAAAAAD/fwAA/38AAAAAAAAJAAAABAAAAAAAAAAMAAAAEAAAAAAAAAAAAAAAAAAAAAAAAAAeAAAAaAAAAAAAAAAAAAAAAAAAAAAAAAAAAAAAECcAABAnAAAAAAAAAAAAAAAAAAAAAAAAAAAAAAAAAAAAAAAAAAAAABQAAAAAAAAAwMD/AAAAAABkAAAAMgAAAAAAAABkAAAAAAAAAH9/fwAKAAAAHwAAAFQAAABPgb0F////AQAAAAAAAAAAAAAAAAAAAAAAAAAAAAAAAAAAAAAAAAAAAAAAAn9/fwDu7OEDzMzMAMDA/wB/f38AAAAAAAAAAAAAAAAAAAAAAAAAAAAhAAAAGAAAABQAAAAuAwAAIA0AAEUuAAAWJAAAEAAAACYAAAAIAAAA//////////8="/>
               </a:ext>
             </a:extLst>
           </p:cNvSpPr>
@@ -7681,7 +7903,7 @@
           <p:cNvSpPr>
             <a:extLst>
               <a:ext uri="smNativeData">
-                <pr:smNativeData xmlns:pr="smNativeData" xmlns:p14="http://schemas.microsoft.com/office/powerpoint/2010/main" xmlns="" val="SMDATA_13_aDXlXhMAAAAlAAAAZAAAAA0AAAAAkAAAAEgAAACQAAAASAAAAAAAAAAAAAAAAAAAAAEAAABQAAAAAAAAAAAA4D8AAAAAAADgPwAAAAAAAOA/AAAAAAAA4D8AAAAAAADgPwAAAAAAAOA/AAAAAAAA4D8AAAAAAADgPwAAAAAAAOA/AAAAAAAA4D8CAAAAjAAAAAEAAAAAAAAAM8zMAP///wgAAAAAAAAAAAAAAAAAAAAAAAAAAAAAAAAAAAAAeAAAAAEAAABAAAAAAAAAAAAAAABaAAAAAAAAAAAAAAAAAAAAAAAAAAAAAAAAAAAAAAAAAAAAAAAAAAAAAAAAAAAAAAAAAAAAAAAAAAAAAAAAAAAAAAAAAAAAAAAAAAAAFAAAADwAAAAAAAAAAAAAAAAAAAkUAAAAAQAAABQAAAAUAAAAFAAAAAEAAAAAAAAAZAAAAGQAAAAAAAAAZAAAAGQAAAAVAAAAYAAAAAAAAAAAAAAADwAAACADAAAAAAAAAAAAAAEAAACgMgAAVgcAAKr4//8BAAAAf39/AAEAAABkAAAAAAAAABQAAABAHwAAAAAAACYAAAAAAAAAwOD//wAAAAAmAAAAZAAAABYAAABMAAAAAAAAAAAAAAAEAAAAAAAAAAEAAADu7OEKAAAAACgAAAAoAAAAZAAAAGQAAAAAAAAAzMzMAAAAAABQAAAAUAAAAGQAAABkAAAAAAAAABcAAAAUAAAAAAAAAAAAAAD/fwAA/38AAAAAAAAJAAAABAAAAAAAAAAMAAAAEAAAAAAAAAAAAAAAAAAAAAAAAAAeAAAAaAAAAAAAAAAAAAAAAAAAAAAAAAAAAAAAECcAABAnAAAAAAAAAAAAAAAAAAAAAAAAAAAAAAAAAAAAAAAAAAAAABQAAAAAAAAAwMD/AAAAAABkAAAAMgAAAAAAAABkAAAAAAAAAH9/fwAKAAAAHwAAAFQAAAAzzMwA////AQAAAAAAAAAAAAAAAAAAAAAAAAAAAAAAAAAAAAAAAAAAAAAAAn9/fwDu7OEDzMzMAMDA/wB/f38AAAAAAAAAAAAAAAAAAAAAAAAAAAAhAAAAGAAAABQAAABgCQAAugkAAD44AADyCQAAEAAAACYAAAAIAAAA//////////8="/>
+                <pr:smNativeData xmlns="" xmlns:p14="http://schemas.microsoft.com/office/powerpoint/2010/main" xmlns:pr="smNativeData" val="SMDATA_13_aDXlXhMAAAAlAAAAZAAAAA0AAAAAkAAAAEgAAACQAAAASAAAAAAAAAAAAAAAAAAAAAEAAABQAAAAAAAAAAAA4D8AAAAAAADgPwAAAAAAAOA/AAAAAAAA4D8AAAAAAADgPwAAAAAAAOA/AAAAAAAA4D8AAAAAAADgPwAAAAAAAOA/AAAAAAAA4D8CAAAAjAAAAAEAAAAAAAAAM8zMAP///wgAAAAAAAAAAAAAAAAAAAAAAAAAAAAAAAAAAAAAeAAAAAEAAABAAAAAAAAAAAAAAABaAAAAAAAAAAAAAAAAAAAAAAAAAAAAAAAAAAAAAAAAAAAAAAAAAAAAAAAAAAAAAAAAAAAAAAAAAAAAAAAAAAAAAAAAAAAAAAAAAAAAFAAAADwAAAAAAAAAAAAAAAAAAAkUAAAAAQAAABQAAAAUAAAAFAAAAAEAAAAAAAAAZAAAAGQAAAAAAAAAZAAAAGQAAAAVAAAAYAAAAAAAAAAAAAAADwAAACADAAAAAAAAAAAAAAEAAACgMgAAVgcAAKr4//8BAAAAf39/AAEAAABkAAAAAAAAABQAAABAHwAAAAAAACYAAAAAAAAAwOD//wAAAAAmAAAAZAAAABYAAABMAAAAAAAAAAAAAAAEAAAAAAAAAAEAAADu7OEKAAAAACgAAAAoAAAAZAAAAGQAAAAAAAAAzMzMAAAAAABQAAAAUAAAAGQAAABkAAAAAAAAABcAAAAUAAAAAAAAAAAAAAD/fwAA/38AAAAAAAAJAAAABAAAAAAAAAAMAAAAEAAAAAAAAAAAAAAAAAAAAAAAAAAeAAAAaAAAAAAAAAAAAAAAAAAAAAAAAAAAAAAAECcAABAnAAAAAAAAAAAAAAAAAAAAAAAAAAAAAAAAAAAAAAAAAAAAABQAAAAAAAAAwMD/AAAAAABkAAAAMgAAAAAAAABkAAAAAAAAAH9/fwAKAAAAHwAAAFQAAAAzzMwA////AQAAAAAAAAAAAAAAAAAAAAAAAAAAAAAAAAAAAAAAAAAAAAAAAn9/fwDu7OEDzMzMAMDA/wB/f38AAAAAAAAAAAAAAAAAAAAAAAAAAAAhAAAAGAAAABQAAABgCQAAugkAAD44AADyCQAAEAAAACYAAAAIAAAA//////////8="/>
               </a:ext>
             </a:extLst>
           </p:cNvSpPr>
@@ -7710,7 +7932,7 @@
           <p:cNvSpPr>
             <a:extLst>
               <a:ext uri="smNativeData">
-                <pr:smNativeData xmlns:pr="smNativeData" xmlns:p14="http://schemas.microsoft.com/office/powerpoint/2010/main" xmlns="" val="SMDATA_13_aDXlXhMAAAAlAAAAZAAAAA0AAAAAjgAAAEcAAACOAAAARwAAAAAAAAAAAAAAAAAAAAEAAABQAAAAAAAAAAAA4D8AAAAAAADgPwAAAAAAAOA/AAAAAAAA4D8AAAAAAADgPwAAAAAAAOA/AAAAAAAA4D8AAAAAAADgPwAAAAAAAOA/AAAAAAAA4D8CAAAAjAAAAAAAAAAAAAAAT4G9DP///wgAAAAAAAAAAAAAAAAAAAAAAAAAAAAAAAAAAAAAZAAAAAEAAABAAAAAAAAAAAAAAAAAAAAAAAAAAAAAAAAAAAAAAAAAAAAAAAAAAAAAAAAAAAAAAAAAAAAAAAAAAAAAAAAAAAAAAAAAAAAAAAAAAAAAAAAAAAAAAAAAAAAAFAAAADwAAAAAAAAAAAAAAAAAAAkUAAAAAQAAABQAAAAUAAAAFAAAAAEAAAAAAAAAZAAAAGQAAAAAAAAAZAAAAGQAAAAVAAAAYAAAAAAAAAAAAAAADwAAACADAAAAAAAAAAAAAAEAAACgMgAAVgcAAKr4//8BAAAAf39/AAEAAABkAAAAAAAAABQAAABAHwAAAAAAACYAAAAAAAAAwOD//wAAAAAmAAAAZAAAABYAAABMAAAAAAAAAAAAAAAEAAAAAAAAAAEAAADu7OEKAAAAACgAAAAoAAAAZAAAAGQAAAAAAAAAzMzMAAAAAABQAAAAUAAAAGQAAABkAAAAAAAAABcAAAAUAAAAAAAAAAAAAAD/fwAA/38AAAAAAAAJAAAABAAAAAAAAAAMAAAAEAAAAAAAAAAAAAAAAAAAAAAAAAAeAAAAaAAAAAAAAAAAAAAAAAAAAAAAAAAAAAAAECcAABAnAAAAAAAAAAAAAAAAAAAAAAAAAAAAAAAAAAAAAAAAAAAAABQAAAAAAAAAwMD/AAAAAABkAAAAMgAAAAAAAABkAAAAAAAAAH9/fwAKAAAAHwAAAFQAAABPgb0F////AQAAAAAAAAAAAAAAAAAAAAAAAAAAAAAAAAAAAAAAAAAAAAAAAn9/fwDu7OEDzMzMAMDA/wB/f38AAAAAAAAAAAAAAAAAAAAAAAAAAAAhAAAAGAAAABQAAABwCAAACAcAAD44AADeCQAAEAAAACYAAAAIAAAA//////////8="/>
+                <pr:smNativeData xmlns="" xmlns:p14="http://schemas.microsoft.com/office/powerpoint/2010/main" xmlns:pr="smNativeData" val="SMDATA_13_aDXlXhMAAAAlAAAAZAAAAA0AAAAAjgAAAEcAAACOAAAARwAAAAAAAAAAAAAAAAAAAAEAAABQAAAAAAAAAAAA4D8AAAAAAADgPwAAAAAAAOA/AAAAAAAA4D8AAAAAAADgPwAAAAAAAOA/AAAAAAAA4D8AAAAAAADgPwAAAAAAAOA/AAAAAAAA4D8CAAAAjAAAAAAAAAAAAAAAT4G9DP///wgAAAAAAAAAAAAAAAAAAAAAAAAAAAAAAAAAAAAAZAAAAAEAAABAAAAAAAAAAAAAAAAAAAAAAAAAAAAAAAAAAAAAAAAAAAAAAAAAAAAAAAAAAAAAAAAAAAAAAAAAAAAAAAAAAAAAAAAAAAAAAAAAAAAAAAAAAAAAAAAAAAAAFAAAADwAAAAAAAAAAAAAAAAAAAkUAAAAAQAAABQAAAAUAAAAFAAAAAEAAAAAAAAAZAAAAGQAAAAAAAAAZAAAAGQAAAAVAAAAYAAAAAAAAAAAAAAADwAAACADAAAAAAAAAAAAAAEAAACgMgAAVgcAAKr4//8BAAAAf39/AAEAAABkAAAAAAAAABQAAABAHwAAAAAAACYAAAAAAAAAwOD//wAAAAAmAAAAZAAAABYAAABMAAAAAAAAAAAAAAAEAAAAAAAAAAEAAADu7OEKAAAAACgAAAAoAAAAZAAAAGQAAAAAAAAAzMzMAAAAAABQAAAAUAAAAGQAAABkAAAAAAAAABcAAAAUAAAAAAAAAAAAAAD/fwAA/38AAAAAAAAJAAAABAAAAAAAAAAMAAAAEAAAAAAAAAAAAAAAAAAAAAAAAAAeAAAAaAAAAAAAAAAAAAAAAAAAAAAAAAAAAAAAECcAABAnAAAAAAAAAAAAAAAAAAAAAAAAAAAAAAAAAAAAAAAAAAAAABQAAAAAAAAAwMD/AAAAAABkAAAAMgAAAAAAAABkAAAAAAAAAH9/fwAKAAAAHwAAAFQAAABPgb0F////AQAAAAAAAAAAAAAAAAAAAAAAAAAAAAAAAAAAAAAAAAAAAAAAAn9/fwDu7OEDzMzMAMDA/wB/f38AAAAAAAAAAAAAAAAAAAAAAAAAAAAhAAAAGAAAABQAAABwCAAACAcAAD44AADeCQAAEAAAACYAAAAIAAAA//////////8="/>
               </a:ext>
             </a:extLst>
           </p:cNvSpPr>
@@ -7768,7 +7990,7 @@
           <p:cNvSpPr>
             <a:extLst>
               <a:ext uri="smNativeData">
-                <pr:smNativeData xmlns:pr="smNativeData" xmlns:p14="http://schemas.microsoft.com/office/powerpoint/2010/main" xmlns="" val="SMDATA_13_aDXlXhMAAAAlAAAAZAAAAA0AAAAAjgAAAEcAAACOAAAARwAAAAAAAAABAAAAAAAAAAEAAABQAAAAAAAAAAAA4D8AAAAAAADgPwAAAAAAAOA/AAAAAAAA4D8AAAAAAADgPwAAAAAAAOA/AAAAAAAA4D8AAAAAAADgPwAAAAAAAOA/AAAAAAAA4D8CAAAAjAAAAAAAAAAAAAAAT4G9DP///wgAAAAAAAAAAAAAAAAAAAAAAAAAAAAAAAAAAAAAZAAAAAEAAABAAAAAAAAAAAAAAAAAAAAAAAAAAAAAAAAAAAAAAAAAAAAAAAAAAAAAAAAAAAAAAAAAAAAAAAAAAAAAAAAAAAAAAAAAAAAAAAAAAAAAAAAAAAAAAAAAAAAAFAAAADwAAAAAAAAAAAAAAAAAAAkUAAAAAQAAABQAAAAUAAAAFAAAAAEAAAAAAAAAZAAAAGQAAAAAAAAAZAAAAGQAAAAVAAAAYAAAAAAAAAAAAAAADwAAACADAAAAAAAAAAAAAAEAAACgMgAAVgcAAKr4//8BAAAAf39/AAEAAABkAAAAAAAAABQAAABAHwAAAAAAACYAAAAAAAAAwOD//wAAAAAmAAAAZAAAABYAAABMAAAAAAAAAAAAAAAEAAAAAAAAAAEAAADu7OEKAAAAACgAAAAoAAAAZAAAAGQAAAAAAAAAzMzMAAAAAABQAAAAUAAAAGQAAABkAAAAAAAAABcAAAAUAAAAAAAAAAAAAAD/fwAA/38AAAAAAAAJAAAABAAAAAAAAAAMAAAAEAAAAAAAAAAAAAAAAAAAAAAAAAAeAAAAaAAAAAAAAAAAAAAAAAAAAAAAAAAAAAAAECcAABAnAAAAAAAAAAAAAAAAAAAAAAAAAAAAAAAAAAAAAAAAAAAAABQAAAAAAAAAwMD/AAAAAABkAAAAMgAAAAAAAABkAAAAAAAAAH9/fwAKAAAAHwAAAFQAAABPgb0F////AQAAAAAAAAAAAAAAAAAAAAAAAAAAAAAAAAAAAAAAAAAAAAAAAn9/fwDu7OEDzMzMAMDA/wB/f38AAAAAAAAAAAAAAAAAAAAAAAAAAAAhAAAAGAAAABQAAAAuAwAAIA0AAEUuAAAWJAAAEAAAACYAAAAIAAAA//////////8="/>
+                <pr:smNativeData xmlns="" xmlns:p14="http://schemas.microsoft.com/office/powerpoint/2010/main" xmlns:pr="smNativeData" val="SMDATA_13_aDXlXhMAAAAlAAAAZAAAAA0AAAAAjgAAAEcAAACOAAAARwAAAAAAAAABAAAAAAAAAAEAAABQAAAAAAAAAAAA4D8AAAAAAADgPwAAAAAAAOA/AAAAAAAA4D8AAAAAAADgPwAAAAAAAOA/AAAAAAAA4D8AAAAAAADgPwAAAAAAAOA/AAAAAAAA4D8CAAAAjAAAAAAAAAAAAAAAT4G9DP///wgAAAAAAAAAAAAAAAAAAAAAAAAAAAAAAAAAAAAAZAAAAAEAAABAAAAAAAAAAAAAAAAAAAAAAAAAAAAAAAAAAAAAAAAAAAAAAAAAAAAAAAAAAAAAAAAAAAAAAAAAAAAAAAAAAAAAAAAAAAAAAAAAAAAAAAAAAAAAAAAAAAAAFAAAADwAAAAAAAAAAAAAAAAAAAkUAAAAAQAAABQAAAAUAAAAFAAAAAEAAAAAAAAAZAAAAGQAAAAAAAAAZAAAAGQAAAAVAAAAYAAAAAAAAAAAAAAADwAAACADAAAAAAAAAAAAAAEAAACgMgAAVgcAAKr4//8BAAAAf39/AAEAAABkAAAAAAAAABQAAABAHwAAAAAAACYAAAAAAAAAwOD//wAAAAAmAAAAZAAAABYAAABMAAAAAAAAAAAAAAAEAAAAAAAAAAEAAADu7OEKAAAAACgAAAAoAAAAZAAAAGQAAAAAAAAAzMzMAAAAAABQAAAAUAAAAGQAAABkAAAAAAAAABcAAAAUAAAAAAAAAAAAAAD/fwAA/38AAAAAAAAJAAAABAAAAAAAAAAMAAAAEAAAAAAAAAAAAAAAAAAAAAAAAAAeAAAAaAAAAAAAAAAAAAAAAAAAAAAAAAAAAAAAECcAABAnAAAAAAAAAAAAAAAAAAAAAAAAAAAAAAAAAAAAAAAAAAAAABQAAAAAAAAAwMD/AAAAAABkAAAAMgAAAAAAAABkAAAAAAAAAH9/fwAKAAAAHwAAAFQAAABPgb0F////AQAAAAAAAAAAAAAAAAAAAAAAAAAAAAAAAAAAAAAAAAAAAAAAAn9/fwDu7OEDzMzMAMDA/wB/f38AAAAAAAAAAAAAAAAAAAAAAAAAAAAhAAAAGAAAABQAAAAuAwAAIA0AAEUuAAAWJAAAEAAAACYAAAAIAAAA//////////8="/>
               </a:ext>
             </a:extLst>
           </p:cNvSpPr>

--- a/Presentations/ESA Project Demonstration.pptx
+++ b/Presentations/ESA Project Demonstration.pptx
@@ -272,7 +272,7 @@
             <a:spLocks noGrp="1" noChangeArrowheads="1"/>
             <a:extLst>
               <a:ext uri="smNativeData">
-                <pr:smNativeData xmlns="" xmlns:p14="http://schemas.microsoft.com/office/powerpoint/2010/main" xmlns:pr="smNativeData" val="SMDATA_13_aDXlXhMAAAAlAAAAZAAAAA0AAAAAAAAAAAAAAAAAAAAAAAAAAAAAAAAAAAAAAAAAAAEAAABQAAAAAAAAAAAA4D8AAAAAAADgPwAAAAAAAOA/AAAAAAAA4D8AAAAAAADgPwAAAAAAAOA/AAAAAAAA4D8AAAAAAADgPwAAAAAAAOA/AAAAAAAA4D8CAAAAjAAAAAAAAAAAAAAA////AP///wgAAAAAAAAAAAAAAAAAAAAAAAAAAAAAAAAAAAAAeAAAAAEAAABAAAAAAAAAAAAAAABaAAAAAAAAAAAAAAAAAAAAAAAAAAAAAAAAAAAAAAAAAAAAAAAAAAAAAAAAAAAAAAAAAAAAAAAAAAAAAAAAAAAAAAAAAAAAAAAAAAAAFAAAADwAAAAAAAAAAAAAAAAAAAAPAAAAAQAAACMAAAAjAAAAIwAAAB4AAAAAAAAAZAAAAGQAAAAAAAAAZAAAAGQAAAAVAAAAYAAAAAAAAAAAAAAADwAAACADAAAAAAAAAAAAAAEAAACgMgAAVgcAAKr4//8BAAAAf39/AAEAAABkAAAAAAAAABQAAABAHwAAAAAAACYAAAAAAAAAwOD//wAAAAAmAAAAZAAAABYAAABMAAAAAAAAAAAAAAAEAAAAAAAAAAEAAADu7OEKAAAAACgAAAAoAAAAZAAAAGQAAAAAAAAAzMzMAAAAAABQAAAAUAAAAGQAAABkAAAAAAAAABcAAAAUAAAAAAAAAAAAAAD/fwAA/38AAAAAAAAJAAAABAAAAAAAAAAMAAAAEAAAAAAAAAAAAAAAAAAAAAAAAAAeAAAAaAAAAAAAAAAAAAAAAAAAAAAAAAAAAAAAECcAABAnAAAAAAAAAAAAAAAAAAAAAAAAAAAAAAAAAAAAAAAAAAAAABQAAAAAAAAAwMD/AAAAAABkAAAAMgAAAAAAAABkAAAAAAAAAH9/fwAKAAAAHwAAAFQAAAD///8AAAAAAQAAAAAAAAAAAAAAAAAAAAAAAAAAAAAAAAAAAAAAAAAAAAAAAH9/fwAAAAADzMzMAMDA/wB/f38AAAAAAAAAAAAAAAAAAAAAAAAAAAAhAAAAGAAAABQAAACnBAAAPh8AANopAADWPAAAEAAAACYAAAAIAAAAPQ8AAAAAAAA="/>
+                <pr:smNativeData xmlns:pr="smNativeData" xmlns:p14="http://schemas.microsoft.com/office/powerpoint/2010/main" xmlns="" val="SMDATA_13_aDXlXhMAAAAlAAAAZAAAAA0AAAAAAAAAAAAAAAAAAAAAAAAAAAAAAAAAAAAAAAAAAAEAAABQAAAAAAAAAAAA4D8AAAAAAADgPwAAAAAAAOA/AAAAAAAA4D8AAAAAAADgPwAAAAAAAOA/AAAAAAAA4D8AAAAAAADgPwAAAAAAAOA/AAAAAAAA4D8CAAAAjAAAAAAAAAAAAAAA////AP///wgAAAAAAAAAAAAAAAAAAAAAAAAAAAAAAAAAAAAAeAAAAAEAAABAAAAAAAAAAAAAAABaAAAAAAAAAAAAAAAAAAAAAAAAAAAAAAAAAAAAAAAAAAAAAAAAAAAAAAAAAAAAAAAAAAAAAAAAAAAAAAAAAAAAAAAAAAAAAAAAAAAAFAAAADwAAAAAAAAAAAAAAAAAAAAPAAAAAQAAACMAAAAjAAAAIwAAAB4AAAAAAAAAZAAAAGQAAAAAAAAAZAAAAGQAAAAVAAAAYAAAAAAAAAAAAAAADwAAACADAAAAAAAAAAAAAAEAAACgMgAAVgcAAKr4//8BAAAAf39/AAEAAABkAAAAAAAAABQAAABAHwAAAAAAACYAAAAAAAAAwOD//wAAAAAmAAAAZAAAABYAAABMAAAAAAAAAAAAAAAEAAAAAAAAAAEAAADu7OEKAAAAACgAAAAoAAAAZAAAAGQAAAAAAAAAzMzMAAAAAABQAAAAUAAAAGQAAABkAAAAAAAAABcAAAAUAAAAAAAAAAAAAAD/fwAA/38AAAAAAAAJAAAABAAAAAAAAAAMAAAAEAAAAAAAAAAAAAAAAAAAAAAAAAAeAAAAaAAAAAAAAAAAAAAAAAAAAAAAAAAAAAAAECcAABAnAAAAAAAAAAAAAAAAAAAAAAAAAAAAAAAAAAAAAAAAAAAAABQAAAAAAAAAwMD/AAAAAABkAAAAMgAAAAAAAABkAAAAAAAAAH9/fwAKAAAAHwAAAFQAAAD///8AAAAAAQAAAAAAAAAAAAAAAAAAAAAAAAAAAAAAAAAAAAAAAAAAAAAAAH9/fwAAAAADzMzMAMDA/wB/f38AAAAAAAAAAAAAAAAAAAAAAAAAAAAhAAAAGAAAABQAAACnBAAAPh8AANopAADWPAAAEAAAACYAAAAIAAAAPQ8AAAAAAAA="/>
               </a:ext>
             </a:extLst>
           </p:cNvSpPr>
@@ -313,7 +313,7 @@
             <a:spLocks noGrp="1" noChangeArrowheads="1"/>
             <a:extLst>
               <a:ext uri="smNativeData">
-                <pr:smNativeData xmlns="" xmlns:p14="http://schemas.microsoft.com/office/powerpoint/2010/main" xmlns:pr="smNativeData" val="SMDATA_13_aDXlXhMAAAAlAAAAZAAAAA0AAAAAAAAAAAAAAAAAAAAAAAAAAAAAAAAAAAAAAAAAAAEAAABQAAAAAAAAAAAA4D8AAAAAAADgPwAAAAAAAOA/AAAAAAAA4D8AAAAAAADgPwAAAAAAAOA/AAAAAAAA4D8AAAAAAADgPwAAAAAAAOA/AAAAAAAA4D8CAAAAjAAAAAAAAAAAAAAA////AP///wgAAAAAAAAAAAAAAAAAAAAAAAAAAAAAAAAAAAAAeAAAAAEAAABAAAAAAAAAAAAAAABaAAAAAAAAAAAAAAAAAAAAAAAAAAAAAAAAAAAAAAAAAAAAAAAAAAAAAAAAAAAAAAAAAAAAAAAAAAAAAAAAAAAAAAAAAAAAAAAAAAAAFAAAADwAAAAAAAAAAAAAAAAAAAAPAAAAAQAAACMAAAAjAAAAIwAAAB4AAAAAAAAAZAAAAGQAAAAAAAAAZAAAAGQAAAAVAAAAYAAAAAAAAAAAAAAADwAAACADAAAAAAAAAAAAAAEAAACgMgAAVgcAAKr4//8BAAAAf39/AAEAAABkAAAAAAAAABQAAABAHwAAAAAAACYAAAAAAAAAwOD//wAAAAAmAAAAZAAAABYAAABMAAAAAAAAAAAAAAAEAAAAAAAAAAEAAADu7OEKAAAAACgAAAAoAAAAZAAAAGQAAAAAAAAAzMzMAAAAAABQAAAAUAAAAGQAAABkAAAAAAAAABcAAAAUAAAAAAAAAAAAAAD/fwAA/38AAAAAAAAJAAAABAAAAAAAAAAMAAAAEAAAAAAAAAAAAAAAAAAAAAAAAAAeAAAAaAAAAAAAAAAAAAAAAAAAAAAAAAAAAAAAECcAABAnAAAAAAAAAAAAAAAAAAAAAAAAAAAAAAAAAAAAAAAAAAAAABQAAAAAAAAAwMD/AAAAAABkAAAAMgAAAAAAAABkAAAAAAAAAH9/fwAKAAAAHwAAAFQAAAD///8AAAAAAQAAAAAAAAAAAAAAAAAAAAAAAAAAAAAAAAAAAAAAAAAAAAAAAH9/fwAAAAADzMzMAMDA/wB/f38AAAAAAAAAAAAAAAAAAAAAAAAAAAAhAAAAGAAAABQAAAAAAAAAAAAAAC4UAABJAwAAEAAAACYAAAAIAAAAPQ8AAAAAAAA="/>
+                <pr:smNativeData xmlns:pr="smNativeData" xmlns:p14="http://schemas.microsoft.com/office/powerpoint/2010/main" xmlns="" val="SMDATA_13_aDXlXhMAAAAlAAAAZAAAAA0AAAAAAAAAAAAAAAAAAAAAAAAAAAAAAAAAAAAAAAAAAAEAAABQAAAAAAAAAAAA4D8AAAAAAADgPwAAAAAAAOA/AAAAAAAA4D8AAAAAAADgPwAAAAAAAOA/AAAAAAAA4D8AAAAAAADgPwAAAAAAAOA/AAAAAAAA4D8CAAAAjAAAAAAAAAAAAAAA////AP///wgAAAAAAAAAAAAAAAAAAAAAAAAAAAAAAAAAAAAAeAAAAAEAAABAAAAAAAAAAAAAAABaAAAAAAAAAAAAAAAAAAAAAAAAAAAAAAAAAAAAAAAAAAAAAAAAAAAAAAAAAAAAAAAAAAAAAAAAAAAAAAAAAAAAAAAAAAAAAAAAAAAAFAAAADwAAAAAAAAAAAAAAAAAAAAPAAAAAQAAACMAAAAjAAAAIwAAAB4AAAAAAAAAZAAAAGQAAAAAAAAAZAAAAGQAAAAVAAAAYAAAAAAAAAAAAAAADwAAACADAAAAAAAAAAAAAAEAAACgMgAAVgcAAKr4//8BAAAAf39/AAEAAABkAAAAAAAAABQAAABAHwAAAAAAACYAAAAAAAAAwOD//wAAAAAmAAAAZAAAABYAAABMAAAAAAAAAAAAAAAEAAAAAAAAAAEAAADu7OEKAAAAACgAAAAoAAAAZAAAAGQAAAAAAAAAzMzMAAAAAABQAAAAUAAAAGQAAABkAAAAAAAAABcAAAAUAAAAAAAAAAAAAAD/fwAA/38AAAAAAAAJAAAABAAAAAAAAAAMAAAAEAAAAAAAAAAAAAAAAAAAAAAAAAAeAAAAaAAAAAAAAAAAAAAAAAAAAAAAAAAAAAAAECcAABAnAAAAAAAAAAAAAAAAAAAAAAAAAAAAAAAAAAAAAAAAAAAAABQAAAAAAAAAwMD/AAAAAABkAAAAMgAAAAAAAABkAAAAAAAAAH9/fwAKAAAAHwAAAFQAAAD///8AAAAAAQAAAAAAAAAAAAAAAAAAAAAAAAAAAAAAAAAAAAAAAAAAAAAAAH9/fwAAAAADzMzMAMDA/wB/f38AAAAAAAAAAAAAAAAAAAAAAAAAAAAhAAAAGAAAABQAAAAAAAAAAAAAAC4UAABJAwAAEAAAACYAAAAIAAAAPQ8AAAAAAAA="/>
               </a:ext>
             </a:extLst>
           </p:cNvSpPr>
@@ -359,7 +359,7 @@
             <a:spLocks noGrp="1" noChangeArrowheads="1"/>
             <a:extLst>
               <a:ext uri="smNativeData">
-                <pr:smNativeData xmlns="" xmlns:p14="http://schemas.microsoft.com/office/powerpoint/2010/main" xmlns:pr="smNativeData" val="SMDATA_13_aDXlXhMAAAAlAAAAZAAAAA0AAAAAAAAAAAAAAAAAAAAAAAAAAAAAAAAAAAAAAAAAAAEAAABQAAAAAAAAAAAA4D8AAAAAAADgPwAAAAAAAOA/AAAAAAAA4D8AAAAAAADgPwAAAAAAAOA/AAAAAAAA4D8AAAAAAADgPwAAAAAAAOA/AAAAAAAA4D8CAAAAjAAAAAAAAAAAAAAA////AP///wgAAAAAAAAAAAAAAAAAAAAAAAAAAAAAAAAAAAAAeAAAAAEAAABAAAAAAAAAAAAAAABaAAAAAAAAAAAAAAAAAAAAAAAAAAAAAAAAAAAAAAAAAAAAAAAAAAAAAAAAAAAAAAAAAAAAAAAAAAAAAAAAAAAAAAAAAAAAAAAAAAAAFAAAADwAAAAAAAAAAAAAAAAAAAAPAAAAAQAAACMAAAAjAAAAIwAAAB4AAAAAAAAAZAAAAGQAAAAAAAAAZAAAAGQAAAAVAAAAYAAAAAAAAAAAAAAADwAAACADAAAAAAAAAAAAAAEAAACgMgAAVgcAAKr4//8BAAAAf39/AAEAAABkAAAAAAAAABQAAABAHwAAAAAAACYAAAAAAAAAwOD//wAAAAAmAAAAZAAAABYAAABMAAAAAAAAAAAAAAAEAAAAAAAAAAEAAADu7OEKAAAAACgAAAAoAAAAZAAAAGQAAAAAAAAAzMzMAAAAAABQAAAAUAAAAGQAAABkAAAAAAAAABcAAAAUAAAAAAAAAAAAAAD/fwAA/38AAAAAAAAJAAAABAAAAMXaymkMAAAAEAAAAAAAAAAAAAAAAAAAAAAAAAAeAAAAaAAAAAAAAAAAAAAAAAAAAAAAAAAAAAAAECcAABAnAAAAAAAAAAAAAAAAAAAAAAAAAAAAAAAAAAAAAAAAAAAAABQAAAAAAAAAwMD/AAAAAABkAAAAMgAAAAAAAABkAAAAAAAAAH9/fwAKAAAAHwAAAFQAAAD///8AAAAAAQAAAAAAAAAAAAAAAAAAAAAAAAAAAAAAAAAAAAAAAAAAAAAAAH9/fwAAAAADzMzMAMDA/wB/f38AAAAAAAAAAAAAAAAAAAAAAAAAAAAhAAAAGAAAABQAAABTGgAAAAAAAIEuAABJAwAAEAAAACYAAAAIAAAAPQ8AAAAAAAA="/>
+                <pr:smNativeData xmlns:pr="smNativeData" xmlns:p14="http://schemas.microsoft.com/office/powerpoint/2010/main" xmlns="" val="SMDATA_13_aDXlXhMAAAAlAAAAZAAAAA0AAAAAAAAAAAAAAAAAAAAAAAAAAAAAAAAAAAAAAAAAAAEAAABQAAAAAAAAAAAA4D8AAAAAAADgPwAAAAAAAOA/AAAAAAAA4D8AAAAAAADgPwAAAAAAAOA/AAAAAAAA4D8AAAAAAADgPwAAAAAAAOA/AAAAAAAA4D8CAAAAjAAAAAAAAAAAAAAA////AP///wgAAAAAAAAAAAAAAAAAAAAAAAAAAAAAAAAAAAAAeAAAAAEAAABAAAAAAAAAAAAAAABaAAAAAAAAAAAAAAAAAAAAAAAAAAAAAAAAAAAAAAAAAAAAAAAAAAAAAAAAAAAAAAAAAAAAAAAAAAAAAAAAAAAAAAAAAAAAAAAAAAAAFAAAADwAAAAAAAAAAAAAAAAAAAAPAAAAAQAAACMAAAAjAAAAIwAAAB4AAAAAAAAAZAAAAGQAAAAAAAAAZAAAAGQAAAAVAAAAYAAAAAAAAAAAAAAADwAAACADAAAAAAAAAAAAAAEAAACgMgAAVgcAAKr4//8BAAAAf39/AAEAAABkAAAAAAAAABQAAABAHwAAAAAAACYAAAAAAAAAwOD//wAAAAAmAAAAZAAAABYAAABMAAAAAAAAAAAAAAAEAAAAAAAAAAEAAADu7OEKAAAAACgAAAAoAAAAZAAAAGQAAAAAAAAAzMzMAAAAAABQAAAAUAAAAGQAAABkAAAAAAAAABcAAAAUAAAAAAAAAAAAAAD/fwAA/38AAAAAAAAJAAAABAAAAMXaymkMAAAAEAAAAAAAAAAAAAAAAAAAAAAAAAAeAAAAaAAAAAAAAAAAAAAAAAAAAAAAAAAAAAAAECcAABAnAAAAAAAAAAAAAAAAAAAAAAAAAAAAAAAAAAAAAAAAAAAAABQAAAAAAAAAwMD/AAAAAABkAAAAMgAAAAAAAABkAAAAAAAAAH9/fwAKAAAAHwAAAFQAAAD///8AAAAAAQAAAAAAAAAAAAAAAAAAAAAAAAAAAAAAAAAAAAAAAAAAAAAAAH9/fwAAAAADzMzMAMDA/wB/f38AAAAAAAAAAAAAAAAAAAAAAAAAAAAhAAAAGAAAABQAAABTGgAAAAAAAIEuAABJAwAAEAAAACYAAAAIAAAAPQ8AAAAAAAA="/>
               </a:ext>
             </a:extLst>
           </p:cNvSpPr>
@@ -405,7 +405,7 @@
             <a:spLocks noGrp="1" noChangeArrowheads="1"/>
             <a:extLst>
               <a:ext uri="smNativeData">
-                <pr:smNativeData xmlns="" xmlns:p14="http://schemas.microsoft.com/office/powerpoint/2010/main" xmlns:pr="smNativeData" val="SMDATA_13_aDXlXhMAAAAlAAAAZAAAAA0AAAAAAAAAAAAAAAAAAAAAAAAAAAAAAAACAAAAAAAAAAEAAABQAAAAAAAAAAAA4D8AAAAAAADgPwAAAAAAAOA/AAAAAAAA4D8AAAAAAADgPwAAAAAAAOA/AAAAAAAA4D8AAAAAAADgPwAAAAAAAOA/AAAAAAAA4D8CAAAAjAAAAAAAAAAAAAAA////AP///wgAAAAAAAAAAAAAAAAAAAAAAAAAAAAAAAAAAAAAeAAAAAEAAABAAAAAAAAAAAAAAABaAAAAAAAAAAAAAAAAAAAAAAAAAAAAAAAAAAAAAAAAAAAAAAAAAAAAAAAAAAAAAAAAAAAAAAAAAAAAAAAAAAAAAAAAAAAAAAAAAAAAFAAAADwAAAAAAAAAAAAAAAAAAAAPAAAAAQAAACMAAAAjAAAAIwAAAB4AAAAAAAAAZAAAAGQAAAAAAAAAZAAAAGQAAAAVAAAAYAAAAAAAAAAAAAAADwAAACADAAAAAAAAAAAAAAEAAACgMgAAVgcAAKr4//8BAAAAf39/AAEAAABkAAAAAAAAABQAAABAHwAAAAAAACYAAAAAAAAAwOD//wAAAAAmAAAAZAAAABYAAABMAAAAAAAAAAAAAAAEAAAAAAAAAAEAAADu7OEKAAAAACgAAAAoAAAAZAAAAGQAAAAAAAAAzMzMAAAAAABQAAAAUAAAAGQAAABkAAAAAAAAABcAAAAUAAAAAAAAAAAAAAD/fwAA/38AAAAAAAAJAAAABAAAALC4iAcMAAAAEAAAAAAAAAAAAAAAAAAAAAAAAAAeAAAAaAAAAAAAAAAAAAAAAAAAAAAAAAAAAAAAECcAABAnAAAAAAAAAAAAAAAAAAAAAAAAAAAAAAAAAAAAAAAAAAAAABQAAAAAAAAAwMD/AAAAAABkAAAAMgAAAAAAAABkAAAAAAAAAH9/fwAKAAAAHwAAAFQAAAD///8AAAAAAQAAAAAAAAAAAAAAAAAAAAAAAAAAAAAAAAAAAAAAAAAAAAAAAH9/fwAAAAADzMzMAMDA/wB/f38AAAAAAAAAAAAAAAAAAAAAAAAAAAAhAAAAGAAAABQAAAAAAAAAfD4AAC4UAADFQQAAEAAAACYAAAAIAAAAvQ8AAAAAAAA="/>
+                <pr:smNativeData xmlns:pr="smNativeData" xmlns:p14="http://schemas.microsoft.com/office/powerpoint/2010/main" xmlns="" val="SMDATA_13_aDXlXhMAAAAlAAAAZAAAAA0AAAAAAAAAAAAAAAAAAAAAAAAAAAAAAAACAAAAAAAAAAEAAABQAAAAAAAAAAAA4D8AAAAAAADgPwAAAAAAAOA/AAAAAAAA4D8AAAAAAADgPwAAAAAAAOA/AAAAAAAA4D8AAAAAAADgPwAAAAAAAOA/AAAAAAAA4D8CAAAAjAAAAAAAAAAAAAAA////AP///wgAAAAAAAAAAAAAAAAAAAAAAAAAAAAAAAAAAAAAeAAAAAEAAABAAAAAAAAAAAAAAABaAAAAAAAAAAAAAAAAAAAAAAAAAAAAAAAAAAAAAAAAAAAAAAAAAAAAAAAAAAAAAAAAAAAAAAAAAAAAAAAAAAAAAAAAAAAAAAAAAAAAFAAAADwAAAAAAAAAAAAAAAAAAAAPAAAAAQAAACMAAAAjAAAAIwAAAB4AAAAAAAAAZAAAAGQAAAAAAAAAZAAAAGQAAAAVAAAAYAAAAAAAAAAAAAAADwAAACADAAAAAAAAAAAAAAEAAACgMgAAVgcAAKr4//8BAAAAf39/AAEAAABkAAAAAAAAABQAAABAHwAAAAAAACYAAAAAAAAAwOD//wAAAAAmAAAAZAAAABYAAABMAAAAAAAAAAAAAAAEAAAAAAAAAAEAAADu7OEKAAAAACgAAAAoAAAAZAAAAGQAAAAAAAAAzMzMAAAAAABQAAAAUAAAAGQAAABkAAAAAAAAABcAAAAUAAAAAAAAAAAAAAD/fwAA/38AAAAAAAAJAAAABAAAALC4iAcMAAAAEAAAAAAAAAAAAAAAAAAAAAAAAAAeAAAAaAAAAAAAAAAAAAAAAAAAAAAAAAAAAAAAECcAABAnAAAAAAAAAAAAAAAAAAAAAAAAAAAAAAAAAAAAAAAAAAAAABQAAAAAAAAAwMD/AAAAAABkAAAAMgAAAAAAAABkAAAAAAAAAH9/fwAKAAAAHwAAAFQAAAD///8AAAAAAQAAAAAAAAAAAAAAAAAAAAAAAAAAAAAAAAAAAAAAAAAAAAAAAH9/fwAAAAADzMzMAMDA/wB/f38AAAAAAAAAAAAAAAAAAAAAAAAAAAAhAAAAGAAAABQAAAAAAAAAfD4AAC4UAADFQQAAEAAAACYAAAAIAAAAvQ8AAAAAAAA="/>
               </a:ext>
             </a:extLst>
           </p:cNvSpPr>
@@ -451,7 +451,7 @@
             <a:spLocks noGrp="1" noChangeArrowheads="1"/>
             <a:extLst>
               <a:ext uri="smNativeData">
-                <pr:smNativeData xmlns="" xmlns:p14="http://schemas.microsoft.com/office/powerpoint/2010/main" xmlns:pr="smNativeData" val="SMDATA_13_aDXlXhMAAAAlAAAAZAAAAA0AAAAAAAAAAAAAAAAAAAAAAAAAAAAAAAACAAAAAAAAAAEAAABQAAAAAAAAAAAA4D8AAAAAAADgPwAAAAAAAOA/AAAAAAAA4D8AAAAAAADgPwAAAAAAAOA/AAAAAAAA4D8AAAAAAADgPwAAAAAAAOA/AAAAAAAA4D8CAAAAjAAAAAAAAAAAAAAA////AP///wgAAAAAAAAAAAAAAAAAAAAAAAAAAAAAAAAAAAAAeAAAAAEAAABAAAAAAAAAAAAAAABaAAAAAAAAAAAAAAAAAAAAAAAAAAAAAAAAAAAAAAAAAAAAAAAAAAAAAAAAAAAAAAAAAAAAAAAAAAAAAAAAAAAAAAAAAAAAAAAAAAAAFAAAADwAAAAAAAAAAAAAAAAAAAAPAAAAAQAAACMAAAAjAAAAIwAAAB4AAAAAAAAAZAAAAGQAAAAAAAAAZAAAAGQAAAAVAAAAYAAAAAAAAAAAAAAADwAAACADAAAAAAAAAAAAAAEAAACgMgAAVgcAAKr4//8BAAAAf39/AAEAAABkAAAAAAAAABQAAABAHwAAAAAAACYAAAAAAAAAwOD//wAAAAAmAAAAZAAAABYAAABMAAAAAAAAAAAAAAAEAAAAAAAAAAEAAADu7OEKAAAAACgAAAAoAAAAZAAAAGQAAAAAAAAAzMzMAAAAAABQAAAAUAAAAGQAAABkAAAAAAAAABcAAAAUAAAAAAAAAAAAAAD/fwAA/38AAAAAAAAJAAAABAAAABKT4LgMAAAAEAAAAAAAAAAAAAAAAAAAAAAAAAAeAAAAaAAAAAAAAAAAAAAAAAAAAAAAAAAAAAAAECcAABAnAAAAAAAAAAAAAAAAAAAAAAAAAAAAAAAAAAAAAAAAAAAAABQAAAAAAAAAwMD/AAAAAABkAAAAMgAAAAAAAABkAAAAAAAAAH9/fwAKAAAAHwAAAFQAAAD///8AAAAAAQAAAAAAAAAAAAAAAAAAAAAAAAAAAAAAAAAAAAAAAAAAAAAAAH9/fwAAAAADzMzMAMDA/wB/f38AAAAAAAAAAAAAAAAAAAAAAAAAAAAhAAAAGAAAABQAAABTGgAAfD4AAIEuAADFQQAAEAAAACYAAAAIAAAAvQ8AAAAAAAA="/>
+                <pr:smNativeData xmlns:pr="smNativeData" xmlns:p14="http://schemas.microsoft.com/office/powerpoint/2010/main" xmlns="" val="SMDATA_13_aDXlXhMAAAAlAAAAZAAAAA0AAAAAAAAAAAAAAAAAAAAAAAAAAAAAAAACAAAAAAAAAAEAAABQAAAAAAAAAAAA4D8AAAAAAADgPwAAAAAAAOA/AAAAAAAA4D8AAAAAAADgPwAAAAAAAOA/AAAAAAAA4D8AAAAAAADgPwAAAAAAAOA/AAAAAAAA4D8CAAAAjAAAAAAAAAAAAAAA////AP///wgAAAAAAAAAAAAAAAAAAAAAAAAAAAAAAAAAAAAAeAAAAAEAAABAAAAAAAAAAAAAAABaAAAAAAAAAAAAAAAAAAAAAAAAAAAAAAAAAAAAAAAAAAAAAAAAAAAAAAAAAAAAAAAAAAAAAAAAAAAAAAAAAAAAAAAAAAAAAAAAAAAAFAAAADwAAAAAAAAAAAAAAAAAAAAPAAAAAQAAACMAAAAjAAAAIwAAAB4AAAAAAAAAZAAAAGQAAAAAAAAAZAAAAGQAAAAVAAAAYAAAAAAAAAAAAAAADwAAACADAAAAAAAAAAAAAAEAAACgMgAAVgcAAKr4//8BAAAAf39/AAEAAABkAAAAAAAAABQAAABAHwAAAAAAACYAAAAAAAAAwOD//wAAAAAmAAAAZAAAABYAAABMAAAAAAAAAAAAAAAEAAAAAAAAAAEAAADu7OEKAAAAACgAAAAoAAAAZAAAAGQAAAAAAAAAzMzMAAAAAABQAAAAUAAAAGQAAABkAAAAAAAAABcAAAAUAAAAAAAAAAAAAAD/fwAA/38AAAAAAAAJAAAABAAAABKT4LgMAAAAEAAAAAAAAAAAAAAAAAAAAAAAAAAeAAAAaAAAAAAAAAAAAAAAAAAAAAAAAAAAAAAAECcAABAnAAAAAAAAAAAAAAAAAAAAAAAAAAAAAAAAAAAAAAAAAAAAABQAAAAAAAAAwMD/AAAAAABkAAAAMgAAAAAAAABkAAAAAAAAAH9/fwAKAAAAHwAAAFQAAAD///8AAAAAAQAAAAAAAAAAAAAAAAAAAAAAAAAAAAAAAAAAAAAAAAAAAAAAAH9/fwAAAAADzMzMAMDA/wB/f38AAAAAAAAAAAAAAAAAAAAAAAAAAAAhAAAAGAAAABQAAABTGgAAfD4AAIEuAADFQQAAEAAAACYAAAAIAAAAvQ8AAAAAAAA="/>
               </a:ext>
             </a:extLst>
           </p:cNvSpPr>
@@ -734,7 +734,7 @@
             <a:spLocks noGrp="1" noChangeArrowheads="1"/>
             <a:extLst>
               <a:ext uri="smNativeData">
-                <pr:smNativeData xmlns="" xmlns:p14="http://schemas.microsoft.com/office/powerpoint/2010/main" xmlns:pr="smNativeData" val="SMDATA_13_aDXlXhMAAAAlAAAAZAAAAA0AAAAAAAAAAAAAAAAAAAAAAAAAAAAAAAAAAAAAAAAAAAEAAABQAAAAAAAAAAAA4D8AAAAAAADgPwAAAAAAAOA/AAAAAAAA4D8AAAAAAADgPwAAAAAAAOA/AAAAAAAA4D8AAAAAAADgPwAAAAAAAOA/AAAAAAAA4D8CAAAAjAAAAAAAAAAAAAAAT4G9DP///wgAAAAAAAAAAAAAAAAAAAAAAAAAAAAAAAAAAAAAZAAAAAEAAABAAAAAAAAAAAAAAAAAAAAAAAAAAAAAAAAAAAAAAAAAAAAAAAAAAAAAAAAAAAAAAAAAAAAAAAAAAAAAAAAAAAAAAAAAAAAAAAAAAAAAAAAAAAAAAAAAAAAAFAAAADwAAAAAAAAAAAAAAAAAAAkUAAAAAQAAABQAAAAUAAAAFAAAAAEAAAAAAAAAZAAAAGQAAAAAAAAAZAAAAGQAAAAVAAAAYAAAAAAAAAAAAAAADwAAACADAAAAAAAAAAAAAAEAAACgMgAAVgcAAKr4//8BAAAAf39/AAEAAABkAAAAAAAAABQAAABAHwAAAAAAACYAAAAAAAAAwOD//wAAAAAmAAAAZAAAABYAAABMAAAAAAAAAAAAAAAEAAAAAAAAAAEAAADu7OEKAAAAACgAAAAoAAAAZAAAAGQAAAAAAAAAzMzMAAAAAABQAAAAUAAAAGQAAABkAAAAAAAAABcAAAAUAAAAAAAAAAAAAAD/fwAA/38AAAAAAAAJAAAABAAAAAAAAAAMAAAAEAAAAAAAAAAAAAAAAAAAAAAAAAAeAAAAaAAAAAAAAAAAAAAAAAAAAAAAAAAAAAAAECcAABAnAAAAAAAAAAAAAAAAAAAAAAAAAAAAAAAAAAAAAAAAAAAAABQAAAAAAAAAwMD/AAAAAABkAAAAMgAAAAAAAABkAAAAAAAAAH9/fwAKAAAAHwAAAFQAAAAAAAAFAAAAAQAAAAAAAAAAAAAAAAAAAAAAAAAAAAAAAAAAAAAAAAAAAAAAAn9/fwAAAAADzMzMAMDA/wB/f38AAAAAAAAAAAAAAAAAAAAAAAAAAAAhAAAAGAAAABQAAAAvBAAA2xwAAKIlAAAuOAAAEAAAACYAAAAIAAAAPQ8AAAAAAAA="/>
+                <pr:smNativeData xmlns:pr="smNativeData" xmlns:p14="http://schemas.microsoft.com/office/powerpoint/2010/main" xmlns="" val="SMDATA_13_aDXlXhMAAAAlAAAAZAAAAA0AAAAAAAAAAAAAAAAAAAAAAAAAAAAAAAAAAAAAAAAAAAEAAABQAAAAAAAAAAAA4D8AAAAAAADgPwAAAAAAAOA/AAAAAAAA4D8AAAAAAADgPwAAAAAAAOA/AAAAAAAA4D8AAAAAAADgPwAAAAAAAOA/AAAAAAAA4D8CAAAAjAAAAAAAAAAAAAAAT4G9DP///wgAAAAAAAAAAAAAAAAAAAAAAAAAAAAAAAAAAAAAZAAAAAEAAABAAAAAAAAAAAAAAAAAAAAAAAAAAAAAAAAAAAAAAAAAAAAAAAAAAAAAAAAAAAAAAAAAAAAAAAAAAAAAAAAAAAAAAAAAAAAAAAAAAAAAAAAAAAAAAAAAAAAAFAAAADwAAAAAAAAAAAAAAAAAAAkUAAAAAQAAABQAAAAUAAAAFAAAAAEAAAAAAAAAZAAAAGQAAAAAAAAAZAAAAGQAAAAVAAAAYAAAAAAAAAAAAAAADwAAACADAAAAAAAAAAAAAAEAAACgMgAAVgcAAKr4//8BAAAAf39/AAEAAABkAAAAAAAAABQAAABAHwAAAAAAACYAAAAAAAAAwOD//wAAAAAmAAAAZAAAABYAAABMAAAAAAAAAAAAAAAEAAAAAAAAAAEAAADu7OEKAAAAACgAAAAoAAAAZAAAAGQAAAAAAAAAzMzMAAAAAABQAAAAUAAAAGQAAABkAAAAAAAAABcAAAAUAAAAAAAAAAAAAAD/fwAA/38AAAAAAAAJAAAABAAAAAAAAAAMAAAAEAAAAAAAAAAAAAAAAAAAAAAAAAAeAAAAaAAAAAAAAAAAAAAAAAAAAAAAAAAAAAAAECcAABAnAAAAAAAAAAAAAAAAAAAAAAAAAAAAAAAAAAAAAAAAAAAAABQAAAAAAAAAwMD/AAAAAABkAAAAMgAAAAAAAABkAAAAAAAAAH9/fwAKAAAAHwAAAFQAAAAAAAAFAAAAAQAAAAAAAAAAAAAAAAAAAAAAAAAAAAAAAAAAAAAAAAAAAAAAAn9/fwAAAAADzMzMAMDA/wB/f38AAAAAAAAAAAAAAAAAAAAAAAAAAAAhAAAAGAAAABQAAAAvBAAA2xwAAKIlAAAuOAAAEAAAACYAAAAIAAAAPQ8AAAAAAAA="/>
               </a:ext>
             </a:extLst>
           </p:cNvSpPr>
@@ -772,7 +772,7 @@
           <p:cNvSpPr>
             <a:extLst>
               <a:ext uri="smNativeData">
-                <pr:smNativeData xmlns="" xmlns:p14="http://schemas.microsoft.com/office/powerpoint/2010/main" xmlns:pr="smNativeData" val="SMDATA_13_aDXlXhMAAAAlAAAAZAAAAA0AAAAAjgAAAEcAAACOAAAARwAAAAAAAAACAAAAAAAAAAEAAABQAAAAAAAAAAAA4D8AAAAAAADgPwAAAAAAAOA/AAAAAAAA4D8AAAAAAADgPwAAAAAAAOA/AAAAAAAA4D8AAAAAAADgPwAAAAAAAOA/AAAAAAAA4D8CAAAAjAAAAAAAAAAAAAAAT4G9DP///wgAAAAAAAAAAAAAAAAAAAAAAAAAAAAAAAAAAAAAZAAAAAEAAABAAAAAAAAAAAAAAAAAAAAAAAAAAAAAAAAAAAAAAAAAAAAAAAAAAAAAAAAAAAAAAAAAAAAAAAAAAAAAAAAAAAAAAAAAAAAAAAAAAAAAAAAAAAAAAAAAAAAAFAAAADwAAAAAAAAAAAAAAAAAAAkUAAAAAQAAABQAAAAUAAAAFAAAAAEAAAAAAAAAZAAAAGQAAAAAAAAAZAAAAGQAAAAVAAAAYAAAAAAAAAAAAAAADwAAACADAAAAAAAAAAAAAAEAAACgMgAAVgcAAKr4//8BAAAAf39/AAEAAABkAAAAAAAAABQAAABAHwAAAAAAACYAAAAAAAAAwOD//wAAAAAmAAAAZAAAABYAAABMAAAAAAAAAAAAAAAEAAAAAAAAAAEAAADu7OEKAAAAACgAAAAoAAAAZAAAAGQAAAAAAAAAzMzMAAAAAABQAAAAUAAAAGQAAABkAAAAAAAAABcAAAAUAAAAAAAAAAAAAAD/fwAA/38AAAAAAAAJAAAABAAAAAAAAAAMAAAAEAAAAAAAAAAAAAAAAAAAAAAAAAAeAAAAaAAAAAAAAAAAAAAAAAAAAAAAAAAAAAAAECcAABAnAAAAAAAAAAAAAAAAAAAAAAAAAAAAAAAAAAAAAAAAAAAAABQAAAAAAAAAwMD/AAAAAABkAAAAMgAAAAAAAABkAAAAAAAAAH9/fwAKAAAAHwAAAFQAAAAAAAAFAAAAAQAAAAAAAAAAAAAAAAAAAAAAAAAAAAAAAAAAAAAAAAAAAAAAAn9/fwAAAAADzMzMAMDA/wB/f38AAAAAAAAAAAAAAAAAAAAAAAAAAAAhAAAAGAAAABQAAACvFwAAsTkAAM0pAAC6PAAAEAAAACYAAAAIAAAA//////////8="/>
+                <pr:smNativeData xmlns:pr="smNativeData" xmlns:p14="http://schemas.microsoft.com/office/powerpoint/2010/main" xmlns="" val="SMDATA_13_aDXlXhMAAAAlAAAAZAAAAA0AAAAAjgAAAEcAAACOAAAARwAAAAAAAAACAAAAAAAAAAEAAABQAAAAAAAAAAAA4D8AAAAAAADgPwAAAAAAAOA/AAAAAAAA4D8AAAAAAADgPwAAAAAAAOA/AAAAAAAA4D8AAAAAAADgPwAAAAAAAOA/AAAAAAAA4D8CAAAAjAAAAAAAAAAAAAAAT4G9DP///wgAAAAAAAAAAAAAAAAAAAAAAAAAAAAAAAAAAAAAZAAAAAEAAABAAAAAAAAAAAAAAAAAAAAAAAAAAAAAAAAAAAAAAAAAAAAAAAAAAAAAAAAAAAAAAAAAAAAAAAAAAAAAAAAAAAAAAAAAAAAAAAAAAAAAAAAAAAAAAAAAAAAAFAAAADwAAAAAAAAAAAAAAAAAAAkUAAAAAQAAABQAAAAUAAAAFAAAAAEAAAAAAAAAZAAAAGQAAAAAAAAAZAAAAGQAAAAVAAAAYAAAAAAAAAAAAAAADwAAACADAAAAAAAAAAAAAAEAAACgMgAAVgcAAKr4//8BAAAAf39/AAEAAABkAAAAAAAAABQAAABAHwAAAAAAACYAAAAAAAAAwOD//wAAAAAmAAAAZAAAABYAAABMAAAAAAAAAAAAAAAEAAAAAAAAAAEAAADu7OEKAAAAACgAAAAoAAAAZAAAAGQAAAAAAAAAzMzMAAAAAABQAAAAUAAAAGQAAABkAAAAAAAAABcAAAAUAAAAAAAAAAAAAAD/fwAA/38AAAAAAAAJAAAABAAAAAAAAAAMAAAAEAAAAAAAAAAAAAAAAAAAAAAAAAAeAAAAaAAAAAAAAAAAAAAAAAAAAAAAAAAAAAAAECcAABAnAAAAAAAAAAAAAAAAAAAAAAAAAAAAAAAAAAAAAAAAAAAAABQAAAAAAAAAwMD/AAAAAABkAAAAMgAAAAAAAABkAAAAAAAAAH9/fwAKAAAAHwAAAFQAAAAAAAAFAAAAAQAAAAAAAAAAAAAAAAAAAAAAAAAAAAAAAAAAAAAAAAAAAAAAAn9/fwAAAAADzMzMAMDA/wB/f38AAAAAAAAAAAAAAAAAAAAAAAAAAAAhAAAAGAAAABQAAACvFwAAsTkAAM0pAAC6PAAAEAAAACYAAAAIAAAA//////////8="/>
               </a:ext>
             </a:extLst>
           </p:cNvSpPr>
@@ -864,7 +864,7 @@
             <a:spLocks noGrp="1" noChangeArrowheads="1"/>
             <a:extLst>
               <a:ext uri="smNativeData">
-                <pr:smNativeData xmlns="" xmlns:p14="http://schemas.microsoft.com/office/powerpoint/2010/main" xmlns:pr="smNativeData" val="SMDATA_13_aDXlXhMAAAAlAAAAZAAAAA0AAAAAAAAAAAAAAAAAAAAAAAAAAAAAAAAAAAAAAAAAAAEAAABQAAAAAAAAAAAA4D8AAAAAAADgPwAAAAAAAOA/AAAAAAAA4D8AAAAAAADgPwAAAAAAAOA/AAAAAAAA4D8AAAAAAADgPwAAAAAAAOA/AAAAAAAA4D8CAAAAjAAAAAAAAAAAAAAAT4G9DP///wgAAAAAAAAAAAAAAAAAAAAAAAAAAAAAAAAAAAAAZAAAAAEAAABAAAAAAAAAAAAAAAAAAAAAAAAAAAAAAAAAAAAAAAAAAAAAAAAAAAAAAAAAAAAAAAAAAAAAAAAAAAAAAAAAAAAAAAAAAAAAAAAAAAAAAAAAAAAAAAAAAAAAFAAAADwAAAAAAAAAAAAAAAAAAAkUAAAAAQAAABQAAAAUAAAAFAAAAAEAAAAAAAAAZAAAAGQAAAAAAAAAZAAAAGQAAAAVAAAAYAAAAAAAAAAAAAAADwAAACADAAAAAAAAAAAAAAEAAACgMgAAVgcAAKr4//8BAAAAf39/AAEAAABkAAAAAAAAABQAAABAHwAAAAAAACYAAAAAAAAAwOD//wAAAAAmAAAAZAAAABYAAABMAAAAAAAAAAAAAAAEAAAAAAAAAAEAAADu7OEKAAAAACgAAAAoAAAAZAAAAGQAAAAAAAAAzMzMAAAAAABQAAAAUAAAAGQAAABkAAAAAAAAABcAAAAUAAAAAAAAAAAAAAD/fwAA/38AAAAAAAAJAAAABAAAAAAAAAAMAAAAEAAAAAAAAAAAAAAAAAAAAAAAAAAeAAAAaAAAAAAAAAAAAAAAAAAAAAAAAAAAAAAAECcAABAnAAAAAAAAAAAAAAAAAAAAAAAAAAAAAAAAAAAAAAAAAAAAABQAAAAAAAAAwMD/AAAAAABkAAAAMgAAAAAAAABkAAAAAAAAAH9/fwAKAAAAHwAAAFQAAAAAAAAFAAAAAQAAAAAAAAAAAAAAAAAAAAAAAAAAAAAAAAAAAAAAAAAAAAAAAn9/fwAAAAADzMzMAMDA/wB/f38AAAAAAAAAAAAAAAAAAAAAAAAAAAAhAAAAGAAAABQAAAAvBAAA2xwAAKIlAAAuOAAAEAAAACYAAAAIAAAAPQ8AAAAAAAA="/>
+                <pr:smNativeData xmlns:pr="smNativeData" xmlns:p14="http://schemas.microsoft.com/office/powerpoint/2010/main" xmlns="" val="SMDATA_13_aDXlXhMAAAAlAAAAZAAAAA0AAAAAAAAAAAAAAAAAAAAAAAAAAAAAAAAAAAAAAAAAAAEAAABQAAAAAAAAAAAA4D8AAAAAAADgPwAAAAAAAOA/AAAAAAAA4D8AAAAAAADgPwAAAAAAAOA/AAAAAAAA4D8AAAAAAADgPwAAAAAAAOA/AAAAAAAA4D8CAAAAjAAAAAAAAAAAAAAAT4G9DP///wgAAAAAAAAAAAAAAAAAAAAAAAAAAAAAAAAAAAAAZAAAAAEAAABAAAAAAAAAAAAAAAAAAAAAAAAAAAAAAAAAAAAAAAAAAAAAAAAAAAAAAAAAAAAAAAAAAAAAAAAAAAAAAAAAAAAAAAAAAAAAAAAAAAAAAAAAAAAAAAAAAAAAFAAAADwAAAAAAAAAAAAAAAAAAAkUAAAAAQAAABQAAAAUAAAAFAAAAAEAAAAAAAAAZAAAAGQAAAAAAAAAZAAAAGQAAAAVAAAAYAAAAAAAAAAAAAAADwAAACADAAAAAAAAAAAAAAEAAACgMgAAVgcAAKr4//8BAAAAf39/AAEAAABkAAAAAAAAABQAAABAHwAAAAAAACYAAAAAAAAAwOD//wAAAAAmAAAAZAAAABYAAABMAAAAAAAAAAAAAAAEAAAAAAAAAAEAAADu7OEKAAAAACgAAAAoAAAAZAAAAGQAAAAAAAAAzMzMAAAAAABQAAAAUAAAAGQAAABkAAAAAAAAABcAAAAUAAAAAAAAAAAAAAD/fwAA/38AAAAAAAAJAAAABAAAAAAAAAAMAAAAEAAAAAAAAAAAAAAAAAAAAAAAAAAeAAAAaAAAAAAAAAAAAAAAAAAAAAAAAAAAAAAAECcAABAnAAAAAAAAAAAAAAAAAAAAAAAAAAAAAAAAAAAAAAAAAAAAABQAAAAAAAAAwMD/AAAAAABkAAAAMgAAAAAAAABkAAAAAAAAAH9/fwAKAAAAHwAAAFQAAAAAAAAFAAAAAQAAAAAAAAAAAAAAAAAAAAAAAAAAAAAAAAAAAAAAAAAAAAAAAn9/fwAAAAADzMzMAMDA/wB/f38AAAAAAAAAAAAAAAAAAAAAAAAAAAAhAAAAGAAAABQAAAAvBAAA2xwAAKIlAAAuOAAAEAAAACYAAAAIAAAAPQ8AAAAAAAA="/>
               </a:ext>
             </a:extLst>
           </p:cNvSpPr>
@@ -902,7 +902,7 @@
           <p:cNvSpPr>
             <a:extLst>
               <a:ext uri="smNativeData">
-                <pr:smNativeData xmlns="" xmlns:p14="http://schemas.microsoft.com/office/powerpoint/2010/main" xmlns:pr="smNativeData" val="SMDATA_13_aDXlXhMAAAAlAAAAZAAAAA0AAAAAjgAAAEcAAACOAAAARwAAAAAAAAACAAAAAAAAAAEAAABQAAAAAAAAAAAA4D8AAAAAAADgPwAAAAAAAOA/AAAAAAAA4D8AAAAAAADgPwAAAAAAAOA/AAAAAAAA4D8AAAAAAADgPwAAAAAAAOA/AAAAAAAA4D8CAAAAjAAAAAAAAAAAAAAAT4G9DP///wgAAAAAAAAAAAAAAAAAAAAAAAAAAAAAAAAAAAAAZAAAAAEAAABAAAAAAAAAAAAAAAAAAAAAAAAAAAAAAAAAAAAAAAAAAAAAAAAAAAAAAAAAAAAAAAAAAAAAAAAAAAAAAAAAAAAAAAAAAAAAAAAAAAAAAAAAAAAAAAAAAAAAFAAAADwAAAAAAAAAAAAAAAAAAAkUAAAAAQAAABQAAAAUAAAAFAAAAAEAAAAAAAAAZAAAAGQAAAAAAAAAZAAAAGQAAAAVAAAAYAAAAAAAAAAAAAAADwAAACADAAAAAAAAAAAAAAEAAACgMgAAVgcAAKr4//8BAAAAf39/AAEAAABkAAAAAAAAABQAAABAHwAAAAAAACYAAAAAAAAAwOD//wAAAAAmAAAAZAAAABYAAABMAAAAAAAAAAAAAAAEAAAAAAAAAAEAAADu7OEKAAAAACgAAAAoAAAAZAAAAGQAAAAAAAAAzMzMAAAAAABQAAAAUAAAAGQAAABkAAAAAAAAABcAAAAUAAAAAAAAAAAAAAD/fwAA/38AAAAAAAAJAAAABAAAAAAAAAAMAAAAEAAAAAAAAAAAAAAAAAAAAAAAAAAeAAAAaAAAAAAAAAAAAAAAAAAAAAAAAAAAAAAAECcAABAnAAAAAAAAAAAAAAAAAAAAAAAAAAAAAAAAAAAAAAAAAAAAABQAAAAAAAAAwMD/AAAAAABkAAAAMgAAAAAAAABkAAAAAAAAAH9/fwAKAAAAHwAAAFQAAAAAAAAFAAAAAQAAAAAAAAAAAAAAAAAAAAAAAAAAAAAAAAAAAAAAAAAAAAAAAn9/fwAAAAADzMzMAMDA/wB/f38AAAAAAAAAAAAAAAAAAAAAAAAAAAAhAAAAGAAAABQAAACvFwAAsTkAAM0pAAC6PAAAEAAAACYAAAAIAAAA//////////8="/>
+                <pr:smNativeData xmlns:pr="smNativeData" xmlns:p14="http://schemas.microsoft.com/office/powerpoint/2010/main" xmlns="" val="SMDATA_13_aDXlXhMAAAAlAAAAZAAAAA0AAAAAjgAAAEcAAACOAAAARwAAAAAAAAACAAAAAAAAAAEAAABQAAAAAAAAAAAA4D8AAAAAAADgPwAAAAAAAOA/AAAAAAAA4D8AAAAAAADgPwAAAAAAAOA/AAAAAAAA4D8AAAAAAADgPwAAAAAAAOA/AAAAAAAA4D8CAAAAjAAAAAAAAAAAAAAAT4G9DP///wgAAAAAAAAAAAAAAAAAAAAAAAAAAAAAAAAAAAAAZAAAAAEAAABAAAAAAAAAAAAAAAAAAAAAAAAAAAAAAAAAAAAAAAAAAAAAAAAAAAAAAAAAAAAAAAAAAAAAAAAAAAAAAAAAAAAAAAAAAAAAAAAAAAAAAAAAAAAAAAAAAAAAFAAAADwAAAAAAAAAAAAAAAAAAAkUAAAAAQAAABQAAAAUAAAAFAAAAAEAAAAAAAAAZAAAAGQAAAAAAAAAZAAAAGQAAAAVAAAAYAAAAAAAAAAAAAAADwAAACADAAAAAAAAAAAAAAEAAACgMgAAVgcAAKr4//8BAAAAf39/AAEAAABkAAAAAAAAABQAAABAHwAAAAAAACYAAAAAAAAAwOD//wAAAAAmAAAAZAAAABYAAABMAAAAAAAAAAAAAAAEAAAAAAAAAAEAAADu7OEKAAAAACgAAAAoAAAAZAAAAGQAAAAAAAAAzMzMAAAAAABQAAAAUAAAAGQAAABkAAAAAAAAABcAAAAUAAAAAAAAAAAAAAD/fwAA/38AAAAAAAAJAAAABAAAAAAAAAAMAAAAEAAAAAAAAAAAAAAAAAAAAAAAAAAeAAAAaAAAAAAAAAAAAAAAAAAAAAAAAAAAAAAAECcAABAnAAAAAAAAAAAAAAAAAAAAAAAAAAAAAAAAAAAAAAAAAAAAABQAAAAAAAAAwMD/AAAAAABkAAAAMgAAAAAAAABkAAAAAAAAAH9/fwAKAAAAHwAAAFQAAAAAAAAFAAAAAQAAAAAAAAAAAAAAAAAAAAAAAAAAAAAAAAAAAAAAAAAAAAAAAn9/fwAAAAADzMzMAMDA/wB/f38AAAAAAAAAAAAAAAAAAAAAAAAAAAAhAAAAGAAAABQAAACvFwAAsTkAAM0pAAC6PAAAEAAAACYAAAAIAAAA//////////8="/>
               </a:ext>
             </a:extLst>
           </p:cNvSpPr>
@@ -999,7 +999,7 @@
             <a:spLocks noGrp="1" noChangeArrowheads="1"/>
             <a:extLst>
               <a:ext uri="smNativeData">
-                <pr:smNativeData xmlns="" xmlns:p14="http://schemas.microsoft.com/office/powerpoint/2010/main" xmlns:pr="smNativeData" val="SMDATA_13_aDXlXhMAAAAlAAAAZAAAAA0AAAAAAAAAAAAAAAAAAAAAAAAAAAAAAAAAAAAAAAAAAAEAAABQAAAAAAAAAAAA4D8AAAAAAADgPwAAAAAAAOA/AAAAAAAA4D8AAAAAAADgPwAAAAAAAOA/AAAAAAAA4D8AAAAAAADgPwAAAAAAAOA/AAAAAAAA4D8CAAAAjAAAAAAAAAAAAAAAT4G9DP///wgAAAAAAAAAAAAAAAAAAAAAAAAAAAAAAAAAAAAAZAAAAAEAAABAAAAAAAAAAAAAAAAAAAAAAAAAAAAAAAAAAAAAAAAAAAAAAAAAAAAAAAAAAAAAAAAAAAAAAAAAAAAAAAAAAAAAAAAAAAAAAAAAAAAAAAAAAAAAAAAAAAAAFAAAADwAAAAAAAAAAAAAAAAAAAkUAAAAAQAAABQAAAAUAAAAFAAAAAEAAAAAAAAAZAAAAGQAAAAAAAAAZAAAAGQAAAAVAAAAYAAAAAAAAAAAAAAADwAAACADAAAAAAAAAAAAAAEAAACgMgAAVgcAAKr4//8BAAAAf39/AAEAAABkAAAAAAAAABQAAABAHwAAAAAAACYAAAAAAAAAwOD//wAAAAAmAAAAZAAAABYAAABMAAAAAAAAAAAAAAAEAAAAAAAAAAEAAADu7OEKAAAAACgAAAAoAAAAZAAAAGQAAAAAAAAAzMzMAAAAAABQAAAAUAAAAGQAAABkAAAAAAAAABcAAAAUAAAAAAAAAAAAAAD/fwAA/38AAAAAAAAJAAAABAAAAAAAAAAMAAAAEAAAAAAAAAAAAAAAAAAAAAAAAAAeAAAAaAAAAAAAAAAAAAAAAAAAAAAAAAAAAAAAECcAABAnAAAAAAAAAAAAAAAAAAAAAAAAAAAAAAAAAAAAAAAAAAAAABQAAAAAAAAAwMD/AAAAAABkAAAAMgAAAAAAAABkAAAAAAAAAH9/fwAKAAAAHwAAAFQAAAAAAAAFAAAAAQAAAAAAAAAAAAAAAAAAAAAAAAAAAAAAAAAAAAAAAAAAAAAAAn9/fwAAAAADzMzMAMDA/wB/f38AAAAAAAAAAAAAAAAAAAAAAAAAAAAhAAAAGAAAABQAAAAvBAAA2xwAAKIlAAAuOAAAEAAAACYAAAAIAAAAPQ8AAAAAAAA="/>
+                <pr:smNativeData xmlns:pr="smNativeData" xmlns:p14="http://schemas.microsoft.com/office/powerpoint/2010/main" xmlns="" val="SMDATA_13_aDXlXhMAAAAlAAAAZAAAAA0AAAAAAAAAAAAAAAAAAAAAAAAAAAAAAAAAAAAAAAAAAAEAAABQAAAAAAAAAAAA4D8AAAAAAADgPwAAAAAAAOA/AAAAAAAA4D8AAAAAAADgPwAAAAAAAOA/AAAAAAAA4D8AAAAAAADgPwAAAAAAAOA/AAAAAAAA4D8CAAAAjAAAAAAAAAAAAAAAT4G9DP///wgAAAAAAAAAAAAAAAAAAAAAAAAAAAAAAAAAAAAAZAAAAAEAAABAAAAAAAAAAAAAAAAAAAAAAAAAAAAAAAAAAAAAAAAAAAAAAAAAAAAAAAAAAAAAAAAAAAAAAAAAAAAAAAAAAAAAAAAAAAAAAAAAAAAAAAAAAAAAAAAAAAAAFAAAADwAAAAAAAAAAAAAAAAAAAkUAAAAAQAAABQAAAAUAAAAFAAAAAEAAAAAAAAAZAAAAGQAAAAAAAAAZAAAAGQAAAAVAAAAYAAAAAAAAAAAAAAADwAAACADAAAAAAAAAAAAAAEAAACgMgAAVgcAAKr4//8BAAAAf39/AAEAAABkAAAAAAAAABQAAABAHwAAAAAAACYAAAAAAAAAwOD//wAAAAAmAAAAZAAAABYAAABMAAAAAAAAAAAAAAAEAAAAAAAAAAEAAADu7OEKAAAAACgAAAAoAAAAZAAAAGQAAAAAAAAAzMzMAAAAAABQAAAAUAAAAGQAAABkAAAAAAAAABcAAAAUAAAAAAAAAAAAAAD/fwAA/38AAAAAAAAJAAAABAAAAAAAAAAMAAAAEAAAAAAAAAAAAAAAAAAAAAAAAAAeAAAAaAAAAAAAAAAAAAAAAAAAAAAAAAAAAAAAECcAABAnAAAAAAAAAAAAAAAAAAAAAAAAAAAAAAAAAAAAAAAAAAAAABQAAAAAAAAAwMD/AAAAAABkAAAAMgAAAAAAAABkAAAAAAAAAH9/fwAKAAAAHwAAAFQAAAAAAAAFAAAAAQAAAAAAAAAAAAAAAAAAAAAAAAAAAAAAAAAAAAAAAAAAAAAAAn9/fwAAAAADzMzMAMDA/wB/f38AAAAAAAAAAAAAAAAAAAAAAAAAAAAhAAAAGAAAABQAAAAvBAAA2xwAAKIlAAAuOAAAEAAAACYAAAAIAAAAPQ8AAAAAAAA="/>
               </a:ext>
             </a:extLst>
           </p:cNvSpPr>
@@ -1037,7 +1037,7 @@
           <p:cNvSpPr>
             <a:extLst>
               <a:ext uri="smNativeData">
-                <pr:smNativeData xmlns="" xmlns:p14="http://schemas.microsoft.com/office/powerpoint/2010/main" xmlns:pr="smNativeData" val="SMDATA_13_aDXlXhMAAAAlAAAAZAAAAA0AAAAAjgAAAEcAAACOAAAARwAAAAAAAAACAAAAAAAAAAEAAABQAAAAAAAAAAAA4D8AAAAAAADgPwAAAAAAAOA/AAAAAAAA4D8AAAAAAADgPwAAAAAAAOA/AAAAAAAA4D8AAAAAAADgPwAAAAAAAOA/AAAAAAAA4D8CAAAAjAAAAAAAAAAAAAAAT4G9DP///wgAAAAAAAAAAAAAAAAAAAAAAAAAAAAAAAAAAAAAZAAAAAEAAABAAAAAAAAAAAAAAAAAAAAAAAAAAAAAAAAAAAAAAAAAAAAAAAAAAAAAAAAAAAAAAAAAAAAAAAAAAAAAAAAAAAAAAAAAAAAAAAAAAAAAAAAAAAAAAAAAAAAAFAAAADwAAAAAAAAAAAAAAAAAAAkUAAAAAQAAABQAAAAUAAAAFAAAAAEAAAAAAAAAZAAAAGQAAAAAAAAAZAAAAGQAAAAVAAAAYAAAAAAAAAAAAAAADwAAACADAAAAAAAAAAAAAAEAAACgMgAAVgcAAKr4//8BAAAAf39/AAEAAABkAAAAAAAAABQAAABAHwAAAAAAACYAAAAAAAAAwOD//wAAAAAmAAAAZAAAABYAAABMAAAAAAAAAAAAAAAEAAAAAAAAAAEAAADu7OEKAAAAACgAAAAoAAAAZAAAAGQAAAAAAAAAzMzMAAAAAABQAAAAUAAAAGQAAABkAAAAAAAAABcAAAAUAAAAAAAAAAAAAAD/fwAA/38AAAAAAAAJAAAABAAAAAAAAAAMAAAAEAAAAAAAAAAAAAAAAAAAAAAAAAAeAAAAaAAAAAAAAAAAAAAAAAAAAAAAAAAAAAAAECcAABAnAAAAAAAAAAAAAAAAAAAAAAAAAAAAAAAAAAAAAAAAAAAAABQAAAAAAAAAwMD/AAAAAABkAAAAMgAAAAAAAABkAAAAAAAAAH9/fwAKAAAAHwAAAFQAAAAAAAAFAAAAAQAAAAAAAAAAAAAAAAAAAAAAAAAAAAAAAAAAAAAAAAAAAAAAAn9/fwAAAAADzMzMAMDA/wB/f38AAAAAAAAAAAAAAAAAAAAAAAAAAAAhAAAAGAAAABQAAACvFwAAsTkAAM0pAAC6PAAAEAAAACYAAAAIAAAA//////////8="/>
+                <pr:smNativeData xmlns:pr="smNativeData" xmlns:p14="http://schemas.microsoft.com/office/powerpoint/2010/main" xmlns="" val="SMDATA_13_aDXlXhMAAAAlAAAAZAAAAA0AAAAAjgAAAEcAAACOAAAARwAAAAAAAAACAAAAAAAAAAEAAABQAAAAAAAAAAAA4D8AAAAAAADgPwAAAAAAAOA/AAAAAAAA4D8AAAAAAADgPwAAAAAAAOA/AAAAAAAA4D8AAAAAAADgPwAAAAAAAOA/AAAAAAAA4D8CAAAAjAAAAAAAAAAAAAAAT4G9DP///wgAAAAAAAAAAAAAAAAAAAAAAAAAAAAAAAAAAAAAZAAAAAEAAABAAAAAAAAAAAAAAAAAAAAAAAAAAAAAAAAAAAAAAAAAAAAAAAAAAAAAAAAAAAAAAAAAAAAAAAAAAAAAAAAAAAAAAAAAAAAAAAAAAAAAAAAAAAAAAAAAAAAAFAAAADwAAAAAAAAAAAAAAAAAAAkUAAAAAQAAABQAAAAUAAAAFAAAAAEAAAAAAAAAZAAAAGQAAAAAAAAAZAAAAGQAAAAVAAAAYAAAAAAAAAAAAAAADwAAACADAAAAAAAAAAAAAAEAAACgMgAAVgcAAKr4//8BAAAAf39/AAEAAABkAAAAAAAAABQAAABAHwAAAAAAACYAAAAAAAAAwOD//wAAAAAmAAAAZAAAABYAAABMAAAAAAAAAAAAAAAEAAAAAAAAAAEAAADu7OEKAAAAACgAAAAoAAAAZAAAAGQAAAAAAAAAzMzMAAAAAABQAAAAUAAAAGQAAABkAAAAAAAAABcAAAAUAAAAAAAAAAAAAAD/fwAA/38AAAAAAAAJAAAABAAAAAAAAAAMAAAAEAAAAAAAAAAAAAAAAAAAAAAAAAAeAAAAaAAAAAAAAAAAAAAAAAAAAAAAAAAAAAAAECcAABAnAAAAAAAAAAAAAAAAAAAAAAAAAAAAAAAAAAAAAAAAAAAAABQAAAAAAAAAwMD/AAAAAABkAAAAMgAAAAAAAABkAAAAAAAAAH9/fwAKAAAAHwAAAFQAAAAAAAAFAAAAAQAAAAAAAAAAAAAAAAAAAAAAAAAAAAAAAAAAAAAAAAAAAAAAAn9/fwAAAAADzMzMAMDA/wB/f38AAAAAAAAAAAAAAAAAAAAAAAAAAAAhAAAAGAAAABQAAACvFwAAsTkAAM0pAAC6PAAAEAAAACYAAAAIAAAA//////////8="/>
               </a:ext>
             </a:extLst>
           </p:cNvSpPr>
@@ -1129,7 +1129,7 @@
             <a:spLocks noGrp="1" noChangeArrowheads="1"/>
             <a:extLst>
               <a:ext uri="smNativeData">
-                <pr:smNativeData xmlns="" xmlns:p14="http://schemas.microsoft.com/office/powerpoint/2010/main" xmlns:pr="smNativeData" val="SMDATA_13_aDXlXhMAAAAlAAAAZAAAAA0AAAAAAAAAAAAAAAAAAAAAAAAAAAAAAAAAAAAAAAAAAAEAAABQAAAAAAAAAAAA4D8AAAAAAADgPwAAAAAAAOA/AAAAAAAA4D8AAAAAAADgPwAAAAAAAOA/AAAAAAAA4D8AAAAAAADgPwAAAAAAAOA/AAAAAAAA4D8CAAAAjAAAAAAAAAAAAAAAT4G9DP///wgAAAAAAAAAAAAAAAAAAAAAAAAAAAAAAAAAAAAAZAAAAAEAAABAAAAAAAAAAAAAAAAAAAAAAAAAAAAAAAAAAAAAAAAAAAAAAAAAAAAAAAAAAAAAAAAAAAAAAAAAAAAAAAAAAAAAAAAAAAAAAAAAAAAAAAAAAAAAAAAAAAAAFAAAADwAAAAAAAAAAAAAAAAAAAkUAAAAAQAAABQAAAAUAAAAFAAAAAEAAAAAAAAAZAAAAGQAAAAAAAAAZAAAAGQAAAAVAAAAYAAAAAAAAAAAAAAADwAAACADAAAAAAAAAAAAAAEAAACgMgAAVgcAAKr4//8BAAAAf39/AAEAAABkAAAAAAAAABQAAABAHwAAAAAAACYAAAAAAAAAwOD//wAAAAAmAAAAZAAAABYAAABMAAAAAAAAAAAAAAAEAAAAAAAAAAEAAADu7OEKAAAAACgAAAAoAAAAZAAAAGQAAAAAAAAAzMzMAAAAAABQAAAAUAAAAGQAAABkAAAAAAAAABcAAAAUAAAAAAAAAAAAAAD/fwAA/38AAAAAAAAJAAAABAAAAAAAAAAMAAAAEAAAAAAAAAAAAAAAAAAAAAAAAAAeAAAAaAAAAAAAAAAAAAAAAAAAAAAAAAAAAAAAECcAABAnAAAAAAAAAAAAAAAAAAAAAAAAAAAAAAAAAAAAAAAAAAAAABQAAAAAAAAAwMD/AAAAAABkAAAAMgAAAAAAAABkAAAAAAAAAH9/fwAKAAAAHwAAAFQAAAAAAAAFAAAAAQAAAAAAAAAAAAAAAAAAAAAAAAAAAAAAAAAAAAAAAAAAAAAAAn9/fwAAAAADzMzMAMDA/wB/f38AAAAAAAAAAAAAAAAAAAAAAAAAAAAhAAAAGAAAABQAAAAvBAAA2xwAAKIlAAAuOAAAEAAAACYAAAAIAAAAPQ8AAAAAAAA="/>
+                <pr:smNativeData xmlns:pr="smNativeData" xmlns:p14="http://schemas.microsoft.com/office/powerpoint/2010/main" xmlns="" val="SMDATA_13_aDXlXhMAAAAlAAAAZAAAAA0AAAAAAAAAAAAAAAAAAAAAAAAAAAAAAAAAAAAAAAAAAAEAAABQAAAAAAAAAAAA4D8AAAAAAADgPwAAAAAAAOA/AAAAAAAA4D8AAAAAAADgPwAAAAAAAOA/AAAAAAAA4D8AAAAAAADgPwAAAAAAAOA/AAAAAAAA4D8CAAAAjAAAAAAAAAAAAAAAT4G9DP///wgAAAAAAAAAAAAAAAAAAAAAAAAAAAAAAAAAAAAAZAAAAAEAAABAAAAAAAAAAAAAAAAAAAAAAAAAAAAAAAAAAAAAAAAAAAAAAAAAAAAAAAAAAAAAAAAAAAAAAAAAAAAAAAAAAAAAAAAAAAAAAAAAAAAAAAAAAAAAAAAAAAAAFAAAADwAAAAAAAAAAAAAAAAAAAkUAAAAAQAAABQAAAAUAAAAFAAAAAEAAAAAAAAAZAAAAGQAAAAAAAAAZAAAAGQAAAAVAAAAYAAAAAAAAAAAAAAADwAAACADAAAAAAAAAAAAAAEAAACgMgAAVgcAAKr4//8BAAAAf39/AAEAAABkAAAAAAAAABQAAABAHwAAAAAAACYAAAAAAAAAwOD//wAAAAAmAAAAZAAAABYAAABMAAAAAAAAAAAAAAAEAAAAAAAAAAEAAADu7OEKAAAAACgAAAAoAAAAZAAAAGQAAAAAAAAAzMzMAAAAAABQAAAAUAAAAGQAAABkAAAAAAAAABcAAAAUAAAAAAAAAAAAAAD/fwAA/38AAAAAAAAJAAAABAAAAAAAAAAMAAAAEAAAAAAAAAAAAAAAAAAAAAAAAAAeAAAAaAAAAAAAAAAAAAAAAAAAAAAAAAAAAAAAECcAABAnAAAAAAAAAAAAAAAAAAAAAAAAAAAAAAAAAAAAAAAAAAAAABQAAAAAAAAAwMD/AAAAAABkAAAAMgAAAAAAAABkAAAAAAAAAH9/fwAKAAAAHwAAAFQAAAAAAAAFAAAAAQAAAAAAAAAAAAAAAAAAAAAAAAAAAAAAAAAAAAAAAAAAAAAAAn9/fwAAAAADzMzMAMDA/wB/f38AAAAAAAAAAAAAAAAAAAAAAAAAAAAhAAAAGAAAABQAAAAvBAAA2xwAAKIlAAAuOAAAEAAAACYAAAAIAAAAPQ8AAAAAAAA="/>
               </a:ext>
             </a:extLst>
           </p:cNvSpPr>
@@ -1167,7 +1167,7 @@
           <p:cNvSpPr>
             <a:extLst>
               <a:ext uri="smNativeData">
-                <pr:smNativeData xmlns="" xmlns:p14="http://schemas.microsoft.com/office/powerpoint/2010/main" xmlns:pr="smNativeData" val="SMDATA_13_aDXlXhMAAAAlAAAAZAAAAA0AAAAAjgAAAEcAAACOAAAARwAAAAAAAAACAAAAAAAAAAEAAABQAAAAAAAAAAAA4D8AAAAAAADgPwAAAAAAAOA/AAAAAAAA4D8AAAAAAADgPwAAAAAAAOA/AAAAAAAA4D8AAAAAAADgPwAAAAAAAOA/AAAAAAAA4D8CAAAAjAAAAAAAAAAAAAAAT4G9DP///wgAAAAAAAAAAAAAAAAAAAAAAAAAAAAAAAAAAAAAZAAAAAEAAABAAAAAAAAAAAAAAAAAAAAAAAAAAAAAAAAAAAAAAAAAAAAAAAAAAAAAAAAAAAAAAAAAAAAAAAAAAAAAAAAAAAAAAAAAAAAAAAAAAAAAAAAAAAAAAAAAAAAAFAAAADwAAAAAAAAAAAAAAAAAAAkUAAAAAQAAABQAAAAUAAAAFAAAAAEAAAAAAAAAZAAAAGQAAAAAAAAAZAAAAGQAAAAVAAAAYAAAAAAAAAAAAAAADwAAACADAAAAAAAAAAAAAAEAAACgMgAAVgcAAKr4//8BAAAAf39/AAEAAABkAAAAAAAAABQAAABAHwAAAAAAACYAAAAAAAAAwOD//wAAAAAmAAAAZAAAABYAAABMAAAAAAAAAAAAAAAEAAAAAAAAAAEAAADu7OEKAAAAACgAAAAoAAAAZAAAAGQAAAAAAAAAzMzMAAAAAABQAAAAUAAAAGQAAABkAAAAAAAAABcAAAAUAAAAAAAAAAAAAAD/fwAA/38AAAAAAAAJAAAABAAAAAAAAAAMAAAAEAAAAAAAAAAAAAAAAAAAAAAAAAAeAAAAaAAAAAAAAAAAAAAAAAAAAAAAAAAAAAAAECcAABAnAAAAAAAAAAAAAAAAAAAAAAAAAAAAAAAAAAAAAAAAAAAAABQAAAAAAAAAwMD/AAAAAABkAAAAMgAAAAAAAABkAAAAAAAAAH9/fwAKAAAAHwAAAFQAAAAAAAAFAAAAAQAAAAAAAAAAAAAAAAAAAAAAAAAAAAAAAAAAAAAAAAAAAAAAAn9/fwAAAAADzMzMAMDA/wB/f38AAAAAAAAAAAAAAAAAAAAAAAAAAAAhAAAAGAAAABQAAACvFwAAsTkAAM0pAAC6PAAAEAAAACYAAAAIAAAA//////////8="/>
+                <pr:smNativeData xmlns:pr="smNativeData" xmlns:p14="http://schemas.microsoft.com/office/powerpoint/2010/main" xmlns="" val="SMDATA_13_aDXlXhMAAAAlAAAAZAAAAA0AAAAAjgAAAEcAAACOAAAARwAAAAAAAAACAAAAAAAAAAEAAABQAAAAAAAAAAAA4D8AAAAAAADgPwAAAAAAAOA/AAAAAAAA4D8AAAAAAADgPwAAAAAAAOA/AAAAAAAA4D8AAAAAAADgPwAAAAAAAOA/AAAAAAAA4D8CAAAAjAAAAAAAAAAAAAAAT4G9DP///wgAAAAAAAAAAAAAAAAAAAAAAAAAAAAAAAAAAAAAZAAAAAEAAABAAAAAAAAAAAAAAAAAAAAAAAAAAAAAAAAAAAAAAAAAAAAAAAAAAAAAAAAAAAAAAAAAAAAAAAAAAAAAAAAAAAAAAAAAAAAAAAAAAAAAAAAAAAAAAAAAAAAAFAAAADwAAAAAAAAAAAAAAAAAAAkUAAAAAQAAABQAAAAUAAAAFAAAAAEAAAAAAAAAZAAAAGQAAAAAAAAAZAAAAGQAAAAVAAAAYAAAAAAAAAAAAAAADwAAACADAAAAAAAAAAAAAAEAAACgMgAAVgcAAKr4//8BAAAAf39/AAEAAABkAAAAAAAAABQAAABAHwAAAAAAACYAAAAAAAAAwOD//wAAAAAmAAAAZAAAABYAAABMAAAAAAAAAAAAAAAEAAAAAAAAAAEAAADu7OEKAAAAACgAAAAoAAAAZAAAAGQAAAAAAAAAzMzMAAAAAABQAAAAUAAAAGQAAABkAAAAAAAAABcAAAAUAAAAAAAAAAAAAAD/fwAA/38AAAAAAAAJAAAABAAAAAAAAAAMAAAAEAAAAAAAAAAAAAAAAAAAAAAAAAAeAAAAaAAAAAAAAAAAAAAAAAAAAAAAAAAAAAAAECcAABAnAAAAAAAAAAAAAAAAAAAAAAAAAAAAAAAAAAAAAAAAAAAAABQAAAAAAAAAwMD/AAAAAABkAAAAMgAAAAAAAABkAAAAAAAAAH9/fwAKAAAAHwAAAFQAAAAAAAAFAAAAAQAAAAAAAAAAAAAAAAAAAAAAAAAAAAAAAAAAAAAAAAAAAAAAAn9/fwAAAAADzMzMAMDA/wB/f38AAAAAAAAAAAAAAAAAAAAAAAAAAAAhAAAAGAAAABQAAACvFwAAsTkAAM0pAAC6PAAAEAAAACYAAAAIAAAA//////////8="/>
               </a:ext>
             </a:extLst>
           </p:cNvSpPr>
@@ -1281,7 +1281,7 @@
             <a:spLocks noGrp="1" noChangeArrowheads="1"/>
             <a:extLst>
               <a:ext uri="smNativeData">
-                <pr:smNativeData xmlns="" xmlns:p14="http://schemas.microsoft.com/office/powerpoint/2010/main" xmlns:pr="smNativeData" val="SMDATA_13_aDXlXhMAAAAlAAAAZAAAAA0AAAAAAAAAAAAAAAAAAAAAAAAAAAAAAAABAAAAAAAAAAEAAABQAAAAAAAAAAAA4D8AAAAAAADgPwAAAAAAAOA/AAAAAAAA4D8AAAAAAADgPwAAAAAAAOA/AAAAAAAA4D8AAAAAAADgPwAAAAAAAOA/AAAAAAAA4D8CAAAAjAAAAAAAAAAAAAAA////AP///wgAAAAAAAAAAAAAAAAAAAAAAAAAAAAAAAAAAAAAeAAAAAEAAABAAAAAAAAAAAAAAABaAAAAAAAAAAAAAAAAAAAAAAAAAAAAAAAAAAAAAAAAAAAAAAAAAAAAAAAAAAAAAAAAAAAAAAAAAAAAAAAAAAAAAAAAAAAAAAAAAAAAFAAAADwAAAAAAAAAAAAAAAAAAAAPAAAAAQAAACMAAAAjAAAAIwAAAB4AAAAAAAAAZAAAAGQAAAAAAAAAZAAAAGQAAAAVAAAAYAAAAAAAAAAAAAAADwAAACADAAAAAAAAAAAAAAEAAACgMgAAVgcAAKr4//8BAAAAf39/AAEAAABkAAAAAAAAABQAAABAHwAAAAAAACYAAAAAAAAAwOD//wAAAAAmAAAAZAAAABYAAABMAAAAAAAAAAAAAAAEAAAAAAAAAAEAAADu7OEKAAAAACgAAAAoAAAAZAAAAGQAAAAAAAAAzMzMAAAAAABQAAAAUAAAAGQAAABkAAAAAAAAABcAAAAUAAAAAAAAAAAAAAD/fwAA/38AAAAAAAAJAAAABAAAAAAAAAAMAAAAEAAAAAAAAAAAAAAAAAAAAAAAAAAeAAAAaAAAAAAAAAAAAAAAAAAAAAAAAAAAAAAAECcAABAnAAAAAAAAAAAAAAAAAAAAAAAAAAAAAAAAAAAAAAAAAAAAABQAAAAAAAAAwMD/AAAAAABkAAAAMgAAAAAAAABkAAAAAAAAAH9/fwAKAAAAHwAAAFQAAAD///8AAAAAAQAAAAAAAAAAAAAAAAAAAAAAAAAAAAAAAAAAAAAAAAAAAAAAAH9/fwAAAAADzMzMAMDA/wB/f38AAAAAAAAAAAAAAAAAAAAAAAAAAAAhAAAAGAAAABQAAADQAgAArwEAAG81AAC6CAAAEAAAACYAAAAIAAAAPAAAAAAAAAA="/>
+                <pr:smNativeData xmlns:pr="smNativeData" xmlns:p14="http://schemas.microsoft.com/office/powerpoint/2010/main" xmlns="" val="SMDATA_13_aDXlXhMAAAAlAAAAZAAAAA0AAAAAAAAAAAAAAAAAAAAAAAAAAAAAAAABAAAAAAAAAAEAAABQAAAAAAAAAAAA4D8AAAAAAADgPwAAAAAAAOA/AAAAAAAA4D8AAAAAAADgPwAAAAAAAOA/AAAAAAAA4D8AAAAAAADgPwAAAAAAAOA/AAAAAAAA4D8CAAAAjAAAAAAAAAAAAAAA////AP///wgAAAAAAAAAAAAAAAAAAAAAAAAAAAAAAAAAAAAAeAAAAAEAAABAAAAAAAAAAAAAAABaAAAAAAAAAAAAAAAAAAAAAAAAAAAAAAAAAAAAAAAAAAAAAAAAAAAAAAAAAAAAAAAAAAAAAAAAAAAAAAAAAAAAAAAAAAAAAAAAAAAAFAAAADwAAAAAAAAAAAAAAAAAAAAPAAAAAQAAACMAAAAjAAAAIwAAAB4AAAAAAAAAZAAAAGQAAAAAAAAAZAAAAGQAAAAVAAAAYAAAAAAAAAAAAAAADwAAACADAAAAAAAAAAAAAAEAAACgMgAAVgcAAKr4//8BAAAAf39/AAEAAABkAAAAAAAAABQAAABAHwAAAAAAACYAAAAAAAAAwOD//wAAAAAmAAAAZAAAABYAAABMAAAAAAAAAAAAAAAEAAAAAAAAAAEAAADu7OEKAAAAACgAAAAoAAAAZAAAAGQAAAAAAAAAzMzMAAAAAABQAAAAUAAAAGQAAABkAAAAAAAAABcAAAAUAAAAAAAAAAAAAAD/fwAA/38AAAAAAAAJAAAABAAAAAAAAAAMAAAAEAAAAAAAAAAAAAAAAAAAAAAAAAAeAAAAaAAAAAAAAAAAAAAAAAAAAAAAAAAAAAAAECcAABAnAAAAAAAAAAAAAAAAAAAAAAAAAAAAAAAAAAAAAAAAAAAAABQAAAAAAAAAwMD/AAAAAABkAAAAMgAAAAAAAABkAAAAAAAAAH9/fwAKAAAAHwAAAFQAAAD///8AAAAAAQAAAAAAAAAAAAAAAAAAAAAAAAAAAAAAAAAAAAAAAAAAAAAAAH9/fwAAAAADzMzMAMDA/wB/f38AAAAAAAAAAAAAAAAAAAAAAAAAAAAhAAAAGAAAABQAAADQAgAArwEAAG81AAC6CAAAEAAAACYAAAAIAAAAPAAAAAAAAAA="/>
               </a:ext>
             </a:extLst>
           </p:cNvSpPr>
@@ -1312,7 +1312,7 @@
             <a:spLocks noGrp="1" noChangeArrowheads="1"/>
             <a:extLst>
               <a:ext uri="smNativeData">
-                <pr:smNativeData xmlns="" xmlns:p14="http://schemas.microsoft.com/office/powerpoint/2010/main" xmlns:pr="smNativeData" val="SMDATA_13_aDXlXhMAAAAlAAAAZAAAAA0AAAAAAAAAAAAAAAAAAAAAAAAAAAAAAAAAAAAAAAAAAAEAAABQAAAAAAAAAAAA4D8AAAAAAADgPwAAAAAAAOA/AAAAAAAA4D8AAAAAAADgPwAAAAAAAOA/AAAAAAAA4D8AAAAAAADgPwAAAAAAAOA/AAAAAAAA4D8CAAAAjAAAAAAAAAAAAAAA////AP///wgAAAAAAAAAAAAAAAAAAAAAAAAAAAAAAAAAAAAAeAAAAAEAAABAAAAAAAAAAAAAAABaAAAAAAAAAAAAAAAAAAAAAAAAAAAAAAAAAAAAAAAAAAAAAAAAAAAAAAAAAAAAAAAAAAAAAAAAAAAAAAAAAAAAAAAAAAAAAAAAAAAAFAAAADwAAAAAAAAAAAAAAAAAAAAPAAAAAQAAACMAAAAjAAAAIwAAAB4AAAAAAAAAZAAAAGQAAAAAAAAAZAAAAGQAAAAVAAAAYAAAAAAAAAAAAAAADwAAACADAAAAAAAAAAAAAAEAAACgMgAAVgcAAKr4//8BAAAAf39/AAEAAABkAAAAAAAAABQAAABAHwAAAAAAACYAAAAAAAAAwOD//wAAAAAmAAAAZAAAABYAAABMAAAAAAAAAAAAAAAEAAAAAAAAAAEAAADu7OEKAAAAACgAAAAoAAAAZAAAAGQAAAAAAAAAzMzMAAAAAABQAAAAUAAAAGQAAABkAAAAAAAAABcAAAAUAAAAAAAAAAAAAAD/fwAA/38AAAAAAAAJAAAABAAAAAAAAAAMAAAAEAAAAAAAAAAAAAAAAAAAAAAAAAAeAAAAaAAAAAAAAAAAAAAAAAAAAAAAAAAAAAAAECcAABAnAAAAAAAAAAAAAAAAAAAAAAAAAAAAAAAAAAAAAAAAAAAAABQAAAAAAAAAwMD/AAAAAABkAAAAMgAAAAAAAABkAAAAAAAAAH9/fwAKAAAAHwAAAFQAAAD///8AAAAAAQAAAAAAAAAAAAAAAAAAAAAAAAAAAAAAAAAAAAAAAAAAAAAAAH9/fwAAAAADzMzMAMDA/wB/f38AAAAAAAAAAAAAAAAAAAAAAAAAAAAhAAAAGAAAABQAAADQAgAA3wkAAG81AACKFQAAEAAAACYAAAAIAAAAPQAAAAAAAAA="/>
+                <pr:smNativeData xmlns:pr="smNativeData" xmlns:p14="http://schemas.microsoft.com/office/powerpoint/2010/main" xmlns="" val="SMDATA_13_aDXlXhMAAAAlAAAAZAAAAA0AAAAAAAAAAAAAAAAAAAAAAAAAAAAAAAAAAAAAAAAAAAEAAABQAAAAAAAAAAAA4D8AAAAAAADgPwAAAAAAAOA/AAAAAAAA4D8AAAAAAADgPwAAAAAAAOA/AAAAAAAA4D8AAAAAAADgPwAAAAAAAOA/AAAAAAAA4D8CAAAAjAAAAAAAAAAAAAAA////AP///wgAAAAAAAAAAAAAAAAAAAAAAAAAAAAAAAAAAAAAeAAAAAEAAABAAAAAAAAAAAAAAABaAAAAAAAAAAAAAAAAAAAAAAAAAAAAAAAAAAAAAAAAAAAAAAAAAAAAAAAAAAAAAAAAAAAAAAAAAAAAAAAAAAAAAAAAAAAAAAAAAAAAFAAAADwAAAAAAAAAAAAAAAAAAAAPAAAAAQAAACMAAAAjAAAAIwAAAB4AAAAAAAAAZAAAAGQAAAAAAAAAZAAAAGQAAAAVAAAAYAAAAAAAAAAAAAAADwAAACADAAAAAAAAAAAAAAEAAACgMgAAVgcAAKr4//8BAAAAf39/AAEAAABkAAAAAAAAABQAAABAHwAAAAAAACYAAAAAAAAAwOD//wAAAAAmAAAAZAAAABYAAABMAAAAAAAAAAAAAAAEAAAAAAAAAAEAAADu7OEKAAAAACgAAAAoAAAAZAAAAGQAAAAAAAAAzMzMAAAAAABQAAAAUAAAAGQAAABkAAAAAAAAABcAAAAUAAAAAAAAAAAAAAD/fwAA/38AAAAAAAAJAAAABAAAAAAAAAAMAAAAEAAAAAAAAAAAAAAAAAAAAAAAAAAeAAAAaAAAAAAAAAAAAAAAAAAAAAAAAAAAAAAAECcAABAnAAAAAAAAAAAAAAAAAAAAAAAAAAAAAAAAAAAAAAAAAAAAABQAAAAAAAAAwMD/AAAAAABkAAAAMgAAAAAAAABkAAAAAAAAAH9/fwAKAAAAHwAAAFQAAAD///8AAAAAAQAAAAAAAAAAAAAAAAAAAAAAAAAAAAAAAAAAAAAAAAAAAAAAAH9/fwAAAAADzMzMAMDA/wB/f38AAAAAAAAAAAAAAAAAAAAAAAAAAAAhAAAAGAAAABQAAADQAgAA3wkAAG81AACKFQAAEAAAACYAAAAIAAAAPQAAAAAAAAA="/>
               </a:ext>
             </a:extLst>
           </p:cNvSpPr>
@@ -1348,7 +1348,7 @@
             <a:spLocks noGrp="1" noChangeArrowheads="1"/>
             <a:extLst>
               <a:ext uri="smNativeData">
-                <pr:smNativeData xmlns="" xmlns:p14="http://schemas.microsoft.com/office/powerpoint/2010/main" xmlns:pr="smNativeData" val="SMDATA_13_aDXlXhMAAAAlAAAAZAAAAA0AAAAAAAAAAAAAAAAAAAAAAAAAAAAAAAAAAAAAAAAAAAEAAABQAAAAAAAAAAAA4D8AAAAAAADgPwAAAAAAAOA/AAAAAAAA4D8AAAAAAADgPwAAAAAAAOA/AAAAAAAA4D8AAAAAAADgPwAAAAAAAOA/AAAAAAAA4D8CAAAAjAAAAAAAAAAAAAAA////AP///wgAAAAAAAAAAAAAAAAAAAAAAAAAAAAAAAAAAAAAeAAAAAEAAABAAAAAAAAAAAAAAABaAAAAAAAAAAAAAAAAAAAAAAAAAAAAAAAAAAAAAAAAAAAAAAAAAAAAAAAAAAAAAAAAAAAAAAAAAAAAAAAAAAAAAAAAAAAAAAAAAAAAFAAAADwAAAAAAAAAAAAAAAAAAAAPAAAAAQAAACMAAAAjAAAAIwAAAB4AAAAAAAAAZAAAAGQAAAAAAAAAZAAAAGQAAAAVAAAAYAAAAAAAAAAAAAAADwAAACADAAAAAAAAAAAAAAEAAACgMgAAVgcAAKr4//8BAAAAf39/AAEAAABkAAAAAAAAABQAAABAHwAAAAAAACYAAAAAAAAAwOD//wAAAAAmAAAAZAAAABYAAABMAAAAAAAAAAAAAAAEAAAAAAAAAAEAAADu7OEKAAAAACgAAAAoAAAAZAAAAGQAAAAAAAAAzMzMAAAAAABQAAAAUAAAAGQAAABkAAAAAAAAABcAAAAUAAAAAAAAAAAAAAD/fwAA/38AAAAAAAAJAAAABAAAAAAAAAAMAAAAEAAAAAAAAAAAAAAAAAAAAAAAAAAeAAAAaAAAAAAAAAAAAAAAAAAAAAAAAAAAAAAAECcAABAnAAAAAAAAAAAAAAAAAAAAAAAAAAAAAAAAAAAAAAAAAAAAABQAAAAAAAAAwMD/AAAAAABkAAAAMgAAAAAAAABkAAAAAAAAAH9/fwAKAAAAHwAAAFQAAAD///8AAAAAAQAAAAAAAAAAAAAAAAAAAAAAAAAAAAAAAAAAAAAAAAAAAAAAAH9/fwAAAAADzMzMAMDA/wB/f38AAAAAAAAAAAAAAAAAAAAAAAAAAAAhAAAAGAAAABQAAADQAgAApxYAAG81AABSIgAAEAAAACYAAAAIAAAAPQAAAAAAAAA="/>
+                <pr:smNativeData xmlns:pr="smNativeData" xmlns:p14="http://schemas.microsoft.com/office/powerpoint/2010/main" xmlns="" val="SMDATA_13_aDXlXhMAAAAlAAAAZAAAAA0AAAAAAAAAAAAAAAAAAAAAAAAAAAAAAAAAAAAAAAAAAAEAAABQAAAAAAAAAAAA4D8AAAAAAADgPwAAAAAAAOA/AAAAAAAA4D8AAAAAAADgPwAAAAAAAOA/AAAAAAAA4D8AAAAAAADgPwAAAAAAAOA/AAAAAAAA4D8CAAAAjAAAAAAAAAAAAAAA////AP///wgAAAAAAAAAAAAAAAAAAAAAAAAAAAAAAAAAAAAAeAAAAAEAAABAAAAAAAAAAAAAAABaAAAAAAAAAAAAAAAAAAAAAAAAAAAAAAAAAAAAAAAAAAAAAAAAAAAAAAAAAAAAAAAAAAAAAAAAAAAAAAAAAAAAAAAAAAAAAAAAAAAAFAAAADwAAAAAAAAAAAAAAAAAAAAPAAAAAQAAACMAAAAjAAAAIwAAAB4AAAAAAAAAZAAAAGQAAAAAAAAAZAAAAGQAAAAVAAAAYAAAAAAAAAAAAAAADwAAACADAAAAAAAAAAAAAAEAAACgMgAAVgcAAKr4//8BAAAAf39/AAEAAABkAAAAAAAAABQAAABAHwAAAAAAACYAAAAAAAAAwOD//wAAAAAmAAAAZAAAABYAAABMAAAAAAAAAAAAAAAEAAAAAAAAAAEAAADu7OEKAAAAACgAAAAoAAAAZAAAAGQAAAAAAAAAzMzMAAAAAABQAAAAUAAAAGQAAABkAAAAAAAAABcAAAAUAAAAAAAAAAAAAAD/fwAA/38AAAAAAAAJAAAABAAAAAAAAAAMAAAAEAAAAAAAAAAAAAAAAAAAAAAAAAAeAAAAaAAAAAAAAAAAAAAAAAAAAAAAAAAAAAAAECcAABAnAAAAAAAAAAAAAAAAAAAAAAAAAAAAAAAAAAAAAAAAAAAAABQAAAAAAAAAwMD/AAAAAABkAAAAMgAAAAAAAABkAAAAAAAAAH9/fwAKAAAAHwAAAFQAAAD///8AAAAAAQAAAAAAAAAAAAAAAAAAAAAAAAAAAAAAAAAAAAAAAAAAAAAAAH9/fwAAAAADzMzMAMDA/wB/f38AAAAAAAAAAAAAAAAAAAAAAAAAAAAhAAAAGAAAABQAAADQAgAApxYAAG81AABSIgAAEAAAACYAAAAIAAAAPQAAAAAAAAA="/>
               </a:ext>
             </a:extLst>
           </p:cNvSpPr>
@@ -1409,7 +1409,7 @@
             <a:spLocks noGrp="1" noChangeArrowheads="1"/>
             <a:extLst>
               <a:ext uri="smNativeData">
-                <pr:smNativeData xmlns="" xmlns:p14="http://schemas.microsoft.com/office/powerpoint/2010/main" xmlns:pr="smNativeData" val="SMDATA_13_aDXlXhMAAAAlAAAAZAAAAA0AAAAAAAAAAAAAAAAAAAAAAAAAAAAAAAABAAAAAAAAAAEAAABQAAAAAAAAAAAA4D8AAAAAAADgPwAAAAAAAOA/AAAAAAAA4D8AAAAAAADgPwAAAAAAAOA/AAAAAAAA4D8AAAAAAADgPwAAAAAAAOA/AAAAAAAA4D8CAAAAjAAAAAAAAAAAAAAA////AP///wgAAAAAAAAAAAAAAAAAAAAAAAAAAAAAAAAAAAAAeAAAAAEAAABAAAAAAAAAAAAAAABaAAAAAAAAAAAAAAAAAAAAAAAAAAAAAAAAAAAAAAAAAAAAAAAAAAAAAAAAAAAAAAAAAAAAAAAAAAAAAAAAAAAAAAAAAAAAAAAAAAAAFAAAADwAAAAAAAAAAAAAAAAAAAAPAAAAAQAAACMAAAAjAAAAIwAAAB4AAAAAAAAAZAAAAGQAAAAAAAAAZAAAAGQAAAAVAAAAYAAAAAAAAAAAAAAADwAAACADAAAAAAAAAAAAAAEAAACgMgAAVgcAAKr4//8BAAAAf39/AAEAAABkAAAAAAAAABQAAABAHwAAAAAAACYAAAAAAAAAwOD//wAAAAAmAAAAZAAAABYAAABMAAAAAAAAAAAAAAAEAAAAAAAAAAEAAADu7OEKAAAAACgAAAAoAAAAZAAAAGQAAAAAAAAAzMzMAAAAAABQAAAAUAAAAGQAAABkAAAAAAAAABcAAAAUAAAAAAAAAAAAAAD/fwAA/38AAAAAAAAJAAAABAAAAAAAAAAMAAAAEAAAAAAAAAAAAAAAAAAAAAAAAAAeAAAAaAAAAAAAAAAAAAAAAAAAAAAAAAAAAAAAECcAABAnAAAAAAAAAAAAAAAAAAAAAAAAAAAAAAAAAAAAAAAAAAAAABQAAAAAAAAAwMD/AAAAAABkAAAAMgAAAAAAAABkAAAAAAAAAH9/fwAKAAAAHwAAAFQAAAD///8AAAAAAQAAAAAAAAAAAAAAAAAAAAAAAAAAAAAAAAAAAAAAAAAAAAAAAH9/fwAAAAADzMzMAMDA/wB/f38AAAAAAAAAAAAAAAAAAAAAAAAAAAAhAAAAGAAAABQAAADQAgAArwEAAG81AAC6CAAAEAAAACYAAAAIAAAAPAAAAAAAAAA="/>
+                <pr:smNativeData xmlns:pr="smNativeData" xmlns:p14="http://schemas.microsoft.com/office/powerpoint/2010/main" xmlns="" val="SMDATA_13_aDXlXhMAAAAlAAAAZAAAAA0AAAAAAAAAAAAAAAAAAAAAAAAAAAAAAAABAAAAAAAAAAEAAABQAAAAAAAAAAAA4D8AAAAAAADgPwAAAAAAAOA/AAAAAAAA4D8AAAAAAADgPwAAAAAAAOA/AAAAAAAA4D8AAAAAAADgPwAAAAAAAOA/AAAAAAAA4D8CAAAAjAAAAAAAAAAAAAAA////AP///wgAAAAAAAAAAAAAAAAAAAAAAAAAAAAAAAAAAAAAeAAAAAEAAABAAAAAAAAAAAAAAABaAAAAAAAAAAAAAAAAAAAAAAAAAAAAAAAAAAAAAAAAAAAAAAAAAAAAAAAAAAAAAAAAAAAAAAAAAAAAAAAAAAAAAAAAAAAAAAAAAAAAFAAAADwAAAAAAAAAAAAAAAAAAAAPAAAAAQAAACMAAAAjAAAAIwAAAB4AAAAAAAAAZAAAAGQAAAAAAAAAZAAAAGQAAAAVAAAAYAAAAAAAAAAAAAAADwAAACADAAAAAAAAAAAAAAEAAACgMgAAVgcAAKr4//8BAAAAf39/AAEAAABkAAAAAAAAABQAAABAHwAAAAAAACYAAAAAAAAAwOD//wAAAAAmAAAAZAAAABYAAABMAAAAAAAAAAAAAAAEAAAAAAAAAAEAAADu7OEKAAAAACgAAAAoAAAAZAAAAGQAAAAAAAAAzMzMAAAAAABQAAAAUAAAAGQAAABkAAAAAAAAABcAAAAUAAAAAAAAAAAAAAD/fwAA/38AAAAAAAAJAAAABAAAAAAAAAAMAAAAEAAAAAAAAAAAAAAAAAAAAAAAAAAeAAAAaAAAAAAAAAAAAAAAAAAAAAAAAAAAAAAAECcAABAnAAAAAAAAAAAAAAAAAAAAAAAAAAAAAAAAAAAAAAAAAAAAABQAAAAAAAAAwMD/AAAAAABkAAAAMgAAAAAAAABkAAAAAAAAAH9/fwAKAAAAHwAAAFQAAAD///8AAAAAAQAAAAAAAAAAAAAAAAAAAAAAAAAAAAAAAAAAAAAAAAAAAAAAAH9/fwAAAAADzMzMAMDA/wB/f38AAAAAAAAAAAAAAAAAAAAAAAAAAAAhAAAAGAAAABQAAADQAgAArwEAAG81AAC6CAAAEAAAACYAAAAIAAAAPAAAAAAAAAA="/>
               </a:ext>
             </a:extLst>
           </p:cNvSpPr>
@@ -1440,7 +1440,7 @@
             <a:spLocks noGrp="1" noChangeArrowheads="1"/>
             <a:extLst>
               <a:ext uri="smNativeData">
-                <pr:smNativeData xmlns="" xmlns:p14="http://schemas.microsoft.com/office/powerpoint/2010/main" xmlns:pr="smNativeData" val="SMDATA_13_aDXlXhMAAAAlAAAAZAAAAA0AAAAAAAAAAAAAAAAAAAAAAAAAAAAAAAAAAAAAAAAAAAEAAABQAAAAAAAAAAAA4D8AAAAAAADgPwAAAAAAAOA/AAAAAAAA4D8AAAAAAADgPwAAAAAAAOA/AAAAAAAA4D8AAAAAAADgPwAAAAAAAOA/AAAAAAAA4D8CAAAAjAAAAAAAAAAAAAAA////AP///wgAAAAAAAAAAAAAAAAAAAAAAAAAAAAAAAAAAAAAeAAAAAEAAABAAAAAAAAAAAAAAABaAAAAAAAAAAAAAAAAAAAAAAAAAAAAAAAAAAAAAAAAAAAAAAAAAAAAAAAAAAAAAAAAAAAAAAAAAAAAAAAAAAAAAAAAAAAAAAAAAAAAFAAAADwAAAAAAAAAAAAAAAAAAAAPAAAAAQAAACMAAAAjAAAAIwAAAB4AAAAAAAAAZAAAAGQAAAAAAAAAZAAAAGQAAAAVAAAAYAAAAAAAAAAAAAAADwAAACADAAAAAAAAAAAAAAEAAACgMgAAVgcAAKr4//8BAAAAf39/AAEAAABkAAAAAAAAABQAAABAHwAAAAAAACYAAAAAAAAAwOD//wAAAAAmAAAAZAAAABYAAABMAAAAAAAAAAAAAAAEAAAAAAAAAAEAAADu7OEKAAAAACgAAAAoAAAAZAAAAGQAAAAAAAAAzMzMAAAAAABQAAAAUAAAAGQAAABkAAAAAAAAABcAAAAUAAAAAAAAAAAAAAD/fwAA/38AAAAAAAAJAAAABAAAAAAAAAAMAAAAEAAAAAAAAAAAAAAAAAAAAAAAAAAeAAAAaAAAAAAAAAAAAAAAAAAAAAAAAAAAAAAAECcAABAnAAAAAAAAAAAAAAAAAAAAAAAAAAAAAAAAAAAAAAAAAAAAABQAAAAAAAAAwMD/AAAAAABkAAAAMgAAAAAAAABkAAAAAAAAAH9/fwAKAAAAHwAAAFQAAAD///8AAAAAAQAAAAAAAAAAAAAAAAAAAAAAAAAAAAAAAAAAAAAAAAAAAAAAAH9/fwAAAAADzMzMAMDA/wB/f38AAAAAAAAAAAAAAAAAAAAAAAAAAAAhAAAAGAAAABQAAADQAgAA3wkAAIQbAACKFQAAEAAAACYAAAAIAAAAPQAAAAAAAAA="/>
+                <pr:smNativeData xmlns:pr="smNativeData" xmlns:p14="http://schemas.microsoft.com/office/powerpoint/2010/main" xmlns="" val="SMDATA_13_aDXlXhMAAAAlAAAAZAAAAA0AAAAAAAAAAAAAAAAAAAAAAAAAAAAAAAAAAAAAAAAAAAEAAABQAAAAAAAAAAAA4D8AAAAAAADgPwAAAAAAAOA/AAAAAAAA4D8AAAAAAADgPwAAAAAAAOA/AAAAAAAA4D8AAAAAAADgPwAAAAAAAOA/AAAAAAAA4D8CAAAAjAAAAAAAAAAAAAAA////AP///wgAAAAAAAAAAAAAAAAAAAAAAAAAAAAAAAAAAAAAeAAAAAEAAABAAAAAAAAAAAAAAABaAAAAAAAAAAAAAAAAAAAAAAAAAAAAAAAAAAAAAAAAAAAAAAAAAAAAAAAAAAAAAAAAAAAAAAAAAAAAAAAAAAAAAAAAAAAAAAAAAAAAFAAAADwAAAAAAAAAAAAAAAAAAAAPAAAAAQAAACMAAAAjAAAAIwAAAB4AAAAAAAAAZAAAAGQAAAAAAAAAZAAAAGQAAAAVAAAAYAAAAAAAAAAAAAAADwAAACADAAAAAAAAAAAAAAEAAACgMgAAVgcAAKr4//8BAAAAf39/AAEAAABkAAAAAAAAABQAAABAHwAAAAAAACYAAAAAAAAAwOD//wAAAAAmAAAAZAAAABYAAABMAAAAAAAAAAAAAAAEAAAAAAAAAAEAAADu7OEKAAAAACgAAAAoAAAAZAAAAGQAAAAAAAAAzMzMAAAAAABQAAAAUAAAAGQAAABkAAAAAAAAABcAAAAUAAAAAAAAAAAAAAD/fwAA/38AAAAAAAAJAAAABAAAAAAAAAAMAAAAEAAAAAAAAAAAAAAAAAAAAAAAAAAeAAAAaAAAAAAAAAAAAAAAAAAAAAAAAAAAAAAAECcAABAnAAAAAAAAAAAAAAAAAAAAAAAAAAAAAAAAAAAAAAAAAAAAABQAAAAAAAAAwMD/AAAAAABkAAAAMgAAAAAAAABkAAAAAAAAAH9/fwAKAAAAHwAAAFQAAAD///8AAAAAAQAAAAAAAAAAAAAAAAAAAAAAAAAAAAAAAAAAAAAAAAAAAAAAAH9/fwAAAAADzMzMAMDA/wB/f38AAAAAAAAAAAAAAAAAAAAAAAAAAAAhAAAAGAAAABQAAADQAgAA3wkAAIQbAACKFQAAEAAAACYAAAAIAAAAPQAAAAAAAAA="/>
               </a:ext>
             </a:extLst>
           </p:cNvSpPr>
@@ -1476,7 +1476,7 @@
             <a:spLocks noGrp="1" noChangeArrowheads="1"/>
             <a:extLst>
               <a:ext uri="smNativeData">
-                <pr:smNativeData xmlns="" xmlns:p14="http://schemas.microsoft.com/office/powerpoint/2010/main" xmlns:pr="smNativeData" val="SMDATA_13_aDXlXhMAAAAlAAAAZAAAAA0AAAAAAAAAAAAAAAAAAAAAAAAAAAAAAAAAAAAAAAAAAAEAAABQAAAAAAAAAAAA4D8AAAAAAADgPwAAAAAAAOA/AAAAAAAA4D8AAAAAAADgPwAAAAAAAOA/AAAAAAAA4D8AAAAAAADgPwAAAAAAAOA/AAAAAAAA4D8CAAAAjAAAAAAAAAAAAAAA////AP///wgAAAAAAAAAAAAAAAAAAAAAAAAAAAAAAAAAAAAAeAAAAAEAAABAAAAAAAAAAAAAAABaAAAAAAAAAAAAAAAAAAAAAAAAAAAAAAAAAAAAAAAAAAAAAAAAAAAAAAAAAAAAAAAAAAAAAAAAAAAAAAAAAAAAAAAAAAAAAAAAAAAAFAAAADwAAAAAAAAAAAAAAAAAAAAPAAAAAQAAACMAAAAjAAAAIwAAAB4AAAAAAAAAZAAAAGQAAAAAAAAAZAAAAGQAAAAVAAAAYAAAAAAAAAAAAAAADwAAACADAAAAAAAAAAAAAAEAAACgMgAAVgcAAKr4//8BAAAAf39/AAEAAABkAAAAAAAAABQAAABAHwAAAAAAACYAAAAAAAAAwOD//wAAAAAmAAAAZAAAABYAAABMAAAAAAAAAAAAAAAEAAAAAAAAAAEAAADu7OEKAAAAACgAAAAoAAAAZAAAAGQAAAAAAAAAzMzMAAAAAABQAAAAUAAAAGQAAABkAAAAAAAAABcAAAAUAAAAAAAAAAAAAAD/fwAA/38AAAAAAAAJAAAABAAAAAAAAAAMAAAAEAAAAAAAAAAAAAAAAAAAAAAAAAAeAAAAaAAAAAAAAAAAAAAAAAAAAAAAAAAAAAAAECcAABAnAAAAAAAAAAAAAAAAAAAAAAAAAAAAAAAAAAAAAAAAAAAAABQAAAAAAAAAwMD/AAAAAABkAAAAMgAAAAAAAABkAAAAAAAAAH9/fwAKAAAAHwAAAFQAAAD///8AAAAAAQAAAAAAAAAAAAAAAAAAAAAAAAAAAAAAAAAAAAAAAAAAAAAAAH9/fwAAAAADzMzMAMDA/wB/f38AAAAAAAAAAAAAAAAAAAAAAAAAAAAhAAAAGAAAABQAAADBHAAA3wkAAHU1AACKFQAAEAAAACYAAAAIAAAAPQAAAAAAAAA="/>
+                <pr:smNativeData xmlns:pr="smNativeData" xmlns:p14="http://schemas.microsoft.com/office/powerpoint/2010/main" xmlns="" val="SMDATA_13_aDXlXhMAAAAlAAAAZAAAAA0AAAAAAAAAAAAAAAAAAAAAAAAAAAAAAAAAAAAAAAAAAAEAAABQAAAAAAAAAAAA4D8AAAAAAADgPwAAAAAAAOA/AAAAAAAA4D8AAAAAAADgPwAAAAAAAOA/AAAAAAAA4D8AAAAAAADgPwAAAAAAAOA/AAAAAAAA4D8CAAAAjAAAAAAAAAAAAAAA////AP///wgAAAAAAAAAAAAAAAAAAAAAAAAAAAAAAAAAAAAAeAAAAAEAAABAAAAAAAAAAAAAAABaAAAAAAAAAAAAAAAAAAAAAAAAAAAAAAAAAAAAAAAAAAAAAAAAAAAAAAAAAAAAAAAAAAAAAAAAAAAAAAAAAAAAAAAAAAAAAAAAAAAAFAAAADwAAAAAAAAAAAAAAAAAAAAPAAAAAQAAACMAAAAjAAAAIwAAAB4AAAAAAAAAZAAAAGQAAAAAAAAAZAAAAGQAAAAVAAAAYAAAAAAAAAAAAAAADwAAACADAAAAAAAAAAAAAAEAAACgMgAAVgcAAKr4//8BAAAAf39/AAEAAABkAAAAAAAAABQAAABAHwAAAAAAACYAAAAAAAAAwOD//wAAAAAmAAAAZAAAABYAAABMAAAAAAAAAAAAAAAEAAAAAAAAAAEAAADu7OEKAAAAACgAAAAoAAAAZAAAAGQAAAAAAAAAzMzMAAAAAABQAAAAUAAAAGQAAABkAAAAAAAAABcAAAAUAAAAAAAAAAAAAAD/fwAA/38AAAAAAAAJAAAABAAAAAAAAAAMAAAAEAAAAAAAAAAAAAAAAAAAAAAAAAAeAAAAaAAAAAAAAAAAAAAAAAAAAAAAAAAAAAAAECcAABAnAAAAAAAAAAAAAAAAAAAAAAAAAAAAAAAAAAAAAAAAAAAAABQAAAAAAAAAwMD/AAAAAABkAAAAMgAAAAAAAABkAAAAAAAAAH9/fwAKAAAAHwAAAFQAAAD///8AAAAAAQAAAAAAAAAAAAAAAAAAAAAAAAAAAAAAAAAAAAAAAAAAAAAAAH9/fwAAAAADzMzMAMDA/wB/f38AAAAAAAAAAAAAAAAAAAAAAAAAAAAhAAAAGAAAABQAAADBHAAA3wkAAHU1AACKFQAAEAAAACYAAAAIAAAAPQAAAAAAAAA="/>
               </a:ext>
             </a:extLst>
           </p:cNvSpPr>
@@ -1512,7 +1512,7 @@
             <a:spLocks noGrp="1" noChangeArrowheads="1"/>
             <a:extLst>
               <a:ext uri="smNativeData">
-                <pr:smNativeData xmlns="" xmlns:p14="http://schemas.microsoft.com/office/powerpoint/2010/main" xmlns:pr="smNativeData" val="SMDATA_13_aDXlXhMAAAAlAAAAZAAAAA0AAAAAAAAAAAAAAAAAAAAAAAAAAAAAAAAAAAAAAAAAAAEAAABQAAAAAAAAAAAA4D8AAAAAAADgPwAAAAAAAOA/AAAAAAAA4D8AAAAAAADgPwAAAAAAAOA/AAAAAAAA4D8AAAAAAADgPwAAAAAAAOA/AAAAAAAA4D8CAAAAjAAAAAAAAAAAAAAA////AP///wgAAAAAAAAAAAAAAAAAAAAAAAAAAAAAAAAAAAAAeAAAAAEAAABAAAAAAAAAAAAAAABaAAAAAAAAAAAAAAAAAAAAAAAAAAAAAAAAAAAAAAAAAAAAAAAAAAAAAAAAAAAAAAAAAAAAAAAAAAAAAAAAAAAAAAAAAAAAAAAAAAAAFAAAADwAAAAAAAAAAAAAAAAAAAAPAAAAAQAAACMAAAAjAAAAIwAAAB4AAAAAAAAAZAAAAGQAAAAAAAAAZAAAAGQAAAAVAAAAYAAAAAAAAAAAAAAADwAAACADAAAAAAAAAAAAAAEAAACgMgAAVgcAAKr4//8BAAAAf39/AAEAAABkAAAAAAAAABQAAABAHwAAAAAAACYAAAAAAAAAwOD//wAAAAAmAAAAZAAAABYAAABMAAAAAAAAAAAAAAAEAAAAAAAAAAEAAADu7OEKAAAAACgAAAAoAAAAZAAAAGQAAAAAAAAAzMzMAAAAAABQAAAAUAAAAGQAAABkAAAAAAAAABcAAAAUAAAAAAAAAAAAAAD/fwAA/38AAAAAAAAJAAAABAAAAAAAAAAMAAAAEAAAAAAAAAAAAAAAAAAAAAAAAAAeAAAAaAAAAAAAAAAAAAAAAAAAAAAAAAAAAAAAECcAABAnAAAAAAAAAAAAAAAAAAAAAAAAAAAAAAAAAAAAAAAAAAAAABQAAAAAAAAAwMD/AAAAAABkAAAAMgAAAAAAAABkAAAAAAAAAH9/fwAKAAAAHwAAAFQAAAD///8AAAAAAQAAAAAAAAAAAAAAAAAAAAAAAAAAAAAAAAAAAAAAAAAAAAAAAH9/fwAAAAADzMzMAMDA/wB/f38AAAAAAAAAAAAAAAAAAAAAAAAAAAAhAAAAGAAAABQAAADBHAAApxYAAHU1AABSIgAAEAAAACYAAAAIAAAAPQAAAAAAAAA="/>
+                <pr:smNativeData xmlns:pr="smNativeData" xmlns:p14="http://schemas.microsoft.com/office/powerpoint/2010/main" xmlns="" val="SMDATA_13_aDXlXhMAAAAlAAAAZAAAAA0AAAAAAAAAAAAAAAAAAAAAAAAAAAAAAAAAAAAAAAAAAAEAAABQAAAAAAAAAAAA4D8AAAAAAADgPwAAAAAAAOA/AAAAAAAA4D8AAAAAAADgPwAAAAAAAOA/AAAAAAAA4D8AAAAAAADgPwAAAAAAAOA/AAAAAAAA4D8CAAAAjAAAAAAAAAAAAAAA////AP///wgAAAAAAAAAAAAAAAAAAAAAAAAAAAAAAAAAAAAAeAAAAAEAAABAAAAAAAAAAAAAAABaAAAAAAAAAAAAAAAAAAAAAAAAAAAAAAAAAAAAAAAAAAAAAAAAAAAAAAAAAAAAAAAAAAAAAAAAAAAAAAAAAAAAAAAAAAAAAAAAAAAAFAAAADwAAAAAAAAAAAAAAAAAAAAPAAAAAQAAACMAAAAjAAAAIwAAAB4AAAAAAAAAZAAAAGQAAAAAAAAAZAAAAGQAAAAVAAAAYAAAAAAAAAAAAAAADwAAACADAAAAAAAAAAAAAAEAAACgMgAAVgcAAKr4//8BAAAAf39/AAEAAABkAAAAAAAAABQAAABAHwAAAAAAACYAAAAAAAAAwOD//wAAAAAmAAAAZAAAABYAAABMAAAAAAAAAAAAAAAEAAAAAAAAAAEAAADu7OEKAAAAACgAAAAoAAAAZAAAAGQAAAAAAAAAzMzMAAAAAABQAAAAUAAAAGQAAABkAAAAAAAAABcAAAAUAAAAAAAAAAAAAAD/fwAA/38AAAAAAAAJAAAABAAAAAAAAAAMAAAAEAAAAAAAAAAAAAAAAAAAAAAAAAAeAAAAaAAAAAAAAAAAAAAAAAAAAAAAAAAAAAAAECcAABAnAAAAAAAAAAAAAAAAAAAAAAAAAAAAAAAAAAAAAAAAAAAAABQAAAAAAAAAwMD/AAAAAABkAAAAMgAAAAAAAABkAAAAAAAAAH9/fwAKAAAAHwAAAFQAAAD///8AAAAAAQAAAAAAAAAAAAAAAAAAAAAAAAAAAAAAAAAAAAAAAAAAAAAAAH9/fwAAAAADzMzMAMDA/wB/f38AAAAAAAAAAAAAAAAAAAAAAAAAAAAhAAAAGAAAABQAAADBHAAApxYAAHU1AABSIgAAEAAAACYAAAAIAAAAPQAAAAAAAAA="/>
               </a:ext>
             </a:extLst>
           </p:cNvSpPr>
@@ -1548,7 +1548,7 @@
             <a:spLocks noGrp="1" noChangeArrowheads="1"/>
             <a:extLst>
               <a:ext uri="smNativeData">
-                <pr:smNativeData xmlns="" xmlns:p14="http://schemas.microsoft.com/office/powerpoint/2010/main" xmlns:pr="smNativeData" val="SMDATA_13_aDXlXhMAAAAlAAAAZAAAAA0AAAAAAAAAAAAAAAAAAAAAAAAAAAAAAAAAAAAAAAAAAAEAAABQAAAAAAAAAAAA4D8AAAAAAADgPwAAAAAAAOA/AAAAAAAA4D8AAAAAAADgPwAAAAAAAOA/AAAAAAAA4D8AAAAAAADgPwAAAAAAAOA/AAAAAAAA4D8CAAAAjAAAAAAAAAAAAAAA////AP///wgAAAAAAAAAAAAAAAAAAAAAAAAAAAAAAAAAAAAAeAAAAAEAAABAAAAAAAAAAAAAAABaAAAAAAAAAAAAAAAAAAAAAAAAAAAAAAAAAAAAAAAAAAAAAAAAAAAAAAAAAAAAAAAAAAAAAAAAAAAAAAAAAAAAAAAAAAAAAAAAAAAAFAAAADwAAAAAAAAAAAAAAAAAAAAPAAAAAQAAACMAAAAjAAAAIwAAAB4AAAAAAAAAZAAAAGQAAAAAAAAAZAAAAGQAAAAVAAAAYAAAAAAAAAAAAAAADwAAACADAAAAAAAAAAAAAAEAAACgMgAAVgcAAKr4//8BAAAAf39/AAEAAABkAAAAAAAAABQAAABAHwAAAAAAACYAAAAAAAAAwOD//wAAAAAmAAAAZAAAABYAAABMAAAAAAAAAAAAAAAEAAAAAAAAAAEAAADu7OEKAAAAACgAAAAoAAAAZAAAAGQAAAAAAAAAzMzMAAAAAABQAAAAUAAAAGQAAABkAAAAAAAAABcAAAAUAAAAAAAAAAAAAAD/fwAA/38AAAAAAAAJAAAABAAAAAAAAAAMAAAAEAAAAAAAAAAAAAAAAAAAAAAAAAAeAAAAaAAAAAAAAAAAAAAAAAAAAAAAAAAAAAAAECcAABAnAAAAAAAAAAAAAAAAAAAAAAAAAAAAAAAAAAAAAAAAAAAAABQAAAAAAAAAwMD/AAAAAABkAAAAMgAAAAAAAABkAAAAAAAAAH9/fwAKAAAAHwAAAFQAAAD///8AAAAAAQAAAAAAAAAAAAAAAAAAAAAAAAAAAAAAAAAAAAAAAAAAAAAAAH9/fwAAAAADzMzMAMDA/wB/f38AAAAAAAAAAAAAAAAAAAAAAAAAAAAhAAAAGAAAABQAAADQAgAApxYAAIQbAABSIgAAEAAAACYAAAAIAAAAPQAAAAAAAAA="/>
+                <pr:smNativeData xmlns:pr="smNativeData" xmlns:p14="http://schemas.microsoft.com/office/powerpoint/2010/main" xmlns="" val="SMDATA_13_aDXlXhMAAAAlAAAAZAAAAA0AAAAAAAAAAAAAAAAAAAAAAAAAAAAAAAAAAAAAAAAAAAEAAABQAAAAAAAAAAAA4D8AAAAAAADgPwAAAAAAAOA/AAAAAAAA4D8AAAAAAADgPwAAAAAAAOA/AAAAAAAA4D8AAAAAAADgPwAAAAAAAOA/AAAAAAAA4D8CAAAAjAAAAAAAAAAAAAAA////AP///wgAAAAAAAAAAAAAAAAAAAAAAAAAAAAAAAAAAAAAeAAAAAEAAABAAAAAAAAAAAAAAABaAAAAAAAAAAAAAAAAAAAAAAAAAAAAAAAAAAAAAAAAAAAAAAAAAAAAAAAAAAAAAAAAAAAAAAAAAAAAAAAAAAAAAAAAAAAAAAAAAAAAFAAAADwAAAAAAAAAAAAAAAAAAAAPAAAAAQAAACMAAAAjAAAAIwAAAB4AAAAAAAAAZAAAAGQAAAAAAAAAZAAAAGQAAAAVAAAAYAAAAAAAAAAAAAAADwAAACADAAAAAAAAAAAAAAEAAACgMgAAVgcAAKr4//8BAAAAf39/AAEAAABkAAAAAAAAABQAAABAHwAAAAAAACYAAAAAAAAAwOD//wAAAAAmAAAAZAAAABYAAABMAAAAAAAAAAAAAAAEAAAAAAAAAAEAAADu7OEKAAAAACgAAAAoAAAAZAAAAGQAAAAAAAAAzMzMAAAAAABQAAAAUAAAAGQAAABkAAAAAAAAABcAAAAUAAAAAAAAAAAAAAD/fwAA/38AAAAAAAAJAAAABAAAAAAAAAAMAAAAEAAAAAAAAAAAAAAAAAAAAAAAAAAeAAAAaAAAAAAAAAAAAAAAAAAAAAAAAAAAAAAAECcAABAnAAAAAAAAAAAAAAAAAAAAAAAAAAAAAAAAAAAAAAAAAAAAABQAAAAAAAAAwMD/AAAAAABkAAAAMgAAAAAAAABkAAAAAAAAAH9/fwAKAAAAHwAAAFQAAAD///8AAAAAAQAAAAAAAAAAAAAAAAAAAAAAAAAAAAAAAAAAAAAAAAAAAAAAAH9/fwAAAAADzMzMAMDA/wB/f38AAAAAAAAAAAAAAAAAAAAAAAAAAAAhAAAAGAAAABQAAADQAgAApxYAAIQbAABSIgAAEAAAACYAAAAIAAAAPQAAAAAAAAA="/>
               </a:ext>
             </a:extLst>
           </p:cNvSpPr>
@@ -1609,7 +1609,7 @@
             <a:spLocks noGrp="1" noChangeArrowheads="1"/>
             <a:extLst>
               <a:ext uri="smNativeData">
-                <pr:smNativeData xmlns="" xmlns:p14="http://schemas.microsoft.com/office/powerpoint/2010/main" xmlns:pr="smNativeData" val="SMDATA_13_aDXlXhMAAAAlAAAAZAAAAA0AAAAAAAAAAAAAAAAAAAAAAAAAAAAAAAABAAAAAAAAAAEAAABQAAAAAAAAAAAA4D8AAAAAAADgPwAAAAAAAOA/AAAAAAAA4D8AAAAAAADgPwAAAAAAAOA/AAAAAAAA4D8AAAAAAADgPwAAAAAAAOA/AAAAAAAA4D8CAAAAjAAAAAAAAAAAAAAA////AP///wgAAAAAAAAAAAAAAAAAAAAAAAAAAAAAAAAAAAAAeAAAAAEAAABAAAAAAAAAAAAAAABaAAAAAAAAAAAAAAAAAAAAAAAAAAAAAAAAAAAAAAAAAAAAAAAAAAAAAAAAAAAAAAAAAAAAAAAAAAAAAAAAAAAAAAAAAAAAAAAAAAAAFAAAADwAAAAAAAAAAAAAAAAAAAAPAAAAAQAAACMAAAAjAAAAIwAAAB4AAAAAAAAAZAAAAGQAAAAAAAAAZAAAAGQAAAAVAAAAYAAAAAAAAAAAAAAADwAAACADAAAAAAAAAAAAAAEAAACgMgAAVgcAAKr4//8BAAAAf39/AAEAAABkAAAAAAAAABQAAABAHwAAAAAAACYAAAAAAAAAwOD//wAAAAAmAAAAZAAAABYAAABMAAAAAAAAAAAAAAAEAAAAAAAAAAEAAADu7OEKAAAAACgAAAAoAAAAZAAAAGQAAAAAAAAAzMzMAAAAAABQAAAAUAAAAGQAAABkAAAAAAAAABcAAAAUAAAAAAAAAAAAAAD/fwAA/38AAAAAAAAJAAAABAAAAAAAAAAMAAAAEAAAAAAAAAAAAAAAAAAAAAAAAAAeAAAAaAAAAAAAAAAAAAAAAAAAAAAAAAAAAAAAECcAABAnAAAAAAAAAAAAAAAAAAAAAAAAAAAAAAAAAAAAAAAAAAAAABQAAAAAAAAAwMD/AAAAAABkAAAAMgAAAAAAAABkAAAAAAAAAH9/fwAKAAAAHwAAAFQAAAD///8AAAAAAQAAAAAAAAAAAAAAAAAAAAAAAAAAAAAAAAAAAAAAAAAAAAAAAH9/fwAAAAADzMzMAMDA/wB/f38AAAAAAAAAAAAAAAAAAAAAAAAAAAAhAAAAGAAAABQAAADQAgAArwEAAG81AAC6CAAAEAAAACYAAAAIAAAAPAAAAAAAAAA="/>
+                <pr:smNativeData xmlns:pr="smNativeData" xmlns:p14="http://schemas.microsoft.com/office/powerpoint/2010/main" xmlns="" val="SMDATA_13_aDXlXhMAAAAlAAAAZAAAAA0AAAAAAAAAAAAAAAAAAAAAAAAAAAAAAAABAAAAAAAAAAEAAABQAAAAAAAAAAAA4D8AAAAAAADgPwAAAAAAAOA/AAAAAAAA4D8AAAAAAADgPwAAAAAAAOA/AAAAAAAA4D8AAAAAAADgPwAAAAAAAOA/AAAAAAAA4D8CAAAAjAAAAAAAAAAAAAAA////AP///wgAAAAAAAAAAAAAAAAAAAAAAAAAAAAAAAAAAAAAeAAAAAEAAABAAAAAAAAAAAAAAABaAAAAAAAAAAAAAAAAAAAAAAAAAAAAAAAAAAAAAAAAAAAAAAAAAAAAAAAAAAAAAAAAAAAAAAAAAAAAAAAAAAAAAAAAAAAAAAAAAAAAFAAAADwAAAAAAAAAAAAAAAAAAAAPAAAAAQAAACMAAAAjAAAAIwAAAB4AAAAAAAAAZAAAAGQAAAAAAAAAZAAAAGQAAAAVAAAAYAAAAAAAAAAAAAAADwAAACADAAAAAAAAAAAAAAEAAACgMgAAVgcAAKr4//8BAAAAf39/AAEAAABkAAAAAAAAABQAAABAHwAAAAAAACYAAAAAAAAAwOD//wAAAAAmAAAAZAAAABYAAABMAAAAAAAAAAAAAAAEAAAAAAAAAAEAAADu7OEKAAAAACgAAAAoAAAAZAAAAGQAAAAAAAAAzMzMAAAAAABQAAAAUAAAAGQAAABkAAAAAAAAABcAAAAUAAAAAAAAAAAAAAD/fwAA/38AAAAAAAAJAAAABAAAAAAAAAAMAAAAEAAAAAAAAAAAAAAAAAAAAAAAAAAeAAAAaAAAAAAAAAAAAAAAAAAAAAAAAAAAAAAAECcAABAnAAAAAAAAAAAAAAAAAAAAAAAAAAAAAAAAAAAAAAAAAAAAABQAAAAAAAAAwMD/AAAAAABkAAAAMgAAAAAAAABkAAAAAAAAAH9/fwAKAAAAHwAAAFQAAAD///8AAAAAAQAAAAAAAAAAAAAAAAAAAAAAAAAAAAAAAAAAAAAAAAAAAAAAAH9/fwAAAAADzMzMAMDA/wB/f38AAAAAAAAAAAAAAAAAAAAAAAAAAAAhAAAAGAAAABQAAADQAgAArwEAAG81AAC6CAAAEAAAACYAAAAIAAAAPAAAAAAAAAA="/>
               </a:ext>
             </a:extLst>
           </p:cNvSpPr>
@@ -1640,7 +1640,7 @@
             <a:spLocks noGrp="1" noChangeArrowheads="1"/>
             <a:extLst>
               <a:ext uri="smNativeData">
-                <pr:smNativeData xmlns="" xmlns:p14="http://schemas.microsoft.com/office/powerpoint/2010/main" xmlns:pr="smNativeData" val="SMDATA_13_aDXlXhMAAAAlAAAAZAAAAA0AAAAAAAAAAAAAAAAAAAAAAAAAAAAAAAAAAAAAAAAAAAEAAABQAAAAAAAAAAAA4D8AAAAAAADgPwAAAAAAAOA/AAAAAAAA4D8AAAAAAADgPwAAAAAAAOA/AAAAAAAA4D8AAAAAAADgPwAAAAAAAOA/AAAAAAAA4D8CAAAAjAAAAAAAAAAAAAAA////AP///wgAAAAAAAAAAAAAAAAAAAAAAAAAAAAAAAAAAAAAeAAAAAEAAABAAAAAAAAAAAAAAABaAAAAAAAAAAAAAAAAAAAAAAAAAAAAAAAAAAAAAAAAAAAAAAAAAAAAAAAAAAAAAAAAAAAAAAAAAAAAAAAAAAAAAAAAAAAAAAAAAAAAFAAAADwAAAAAAAAAAAAAAAAAAAAPAAAAAQAAACMAAAAjAAAAIwAAAB4AAAAAAAAAZAAAAGQAAAAAAAAAZAAAAGQAAAAVAAAAYAAAAAAAAAAAAAAADwAAACADAAAAAAAAAAAAAAEAAACgMgAAVgcAAKr4//8BAAAAf39/AAEAAABkAAAAAAAAABQAAABAHwAAAAAAACYAAAAAAAAAwOD//wAAAAAmAAAAZAAAABYAAABMAAAAAAAAAAAAAAAEAAAAAAAAAAEAAADu7OEKAAAAACgAAAAoAAAAZAAAAGQAAAAAAAAAzMzMAAAAAABQAAAAUAAAAGQAAABkAAAAAAAAABcAAAAUAAAAAAAAAAAAAAD/fwAA/38AAAAAAAAJAAAABAAAAAAAAAAMAAAAEAAAAAAAAAAAAAAAAAAAAAAAAAAeAAAAaAAAAAAAAAAAAAAAAAAAAAAAAAAAAAAAECcAABAnAAAAAAAAAAAAAAAAAAAAAAAAAAAAAAAAAAAAAAAAAAAAABQAAAAAAAAAwMD/AAAAAABkAAAAMgAAAAAAAABkAAAAAAAAAH9/fwAKAAAAHwAAAFQAAAD///8AAAAAAQAAAAAAAAAAAAAAAAAAAAAAAAAAAAAAAAAAAAAAAAAAAAAAAH9/fwAAAAADzMzMAMDA/wB/f38AAAAAAAAAAAAAAAAAAAAAAAAAAAAhAAAAGAAAABQAAADQAgAA3wkAAG81AABWIgAAEAAAACYAAAAIAAAAPAAAAAAAAAA="/>
+                <pr:smNativeData xmlns:pr="smNativeData" xmlns:p14="http://schemas.microsoft.com/office/powerpoint/2010/main" xmlns="" val="SMDATA_13_aDXlXhMAAAAlAAAAZAAAAA0AAAAAAAAAAAAAAAAAAAAAAAAAAAAAAAAAAAAAAAAAAAEAAABQAAAAAAAAAAAA4D8AAAAAAADgPwAAAAAAAOA/AAAAAAAA4D8AAAAAAADgPwAAAAAAAOA/AAAAAAAA4D8AAAAAAADgPwAAAAAAAOA/AAAAAAAA4D8CAAAAjAAAAAAAAAAAAAAA////AP///wgAAAAAAAAAAAAAAAAAAAAAAAAAAAAAAAAAAAAAeAAAAAEAAABAAAAAAAAAAAAAAABaAAAAAAAAAAAAAAAAAAAAAAAAAAAAAAAAAAAAAAAAAAAAAAAAAAAAAAAAAAAAAAAAAAAAAAAAAAAAAAAAAAAAAAAAAAAAAAAAAAAAFAAAADwAAAAAAAAAAAAAAAAAAAAPAAAAAQAAACMAAAAjAAAAIwAAAB4AAAAAAAAAZAAAAGQAAAAAAAAAZAAAAGQAAAAVAAAAYAAAAAAAAAAAAAAADwAAACADAAAAAAAAAAAAAAEAAACgMgAAVgcAAKr4//8BAAAAf39/AAEAAABkAAAAAAAAABQAAABAHwAAAAAAACYAAAAAAAAAwOD//wAAAAAmAAAAZAAAABYAAABMAAAAAAAAAAAAAAAEAAAAAAAAAAEAAADu7OEKAAAAACgAAAAoAAAAZAAAAGQAAAAAAAAAzMzMAAAAAABQAAAAUAAAAGQAAABkAAAAAAAAABcAAAAUAAAAAAAAAAAAAAD/fwAA/38AAAAAAAAJAAAABAAAAAAAAAAMAAAAEAAAAAAAAAAAAAAAAAAAAAAAAAAeAAAAaAAAAAAAAAAAAAAAAAAAAAAAAAAAAAAAECcAABAnAAAAAAAAAAAAAAAAAAAAAAAAAAAAAAAAAAAAAAAAAAAAABQAAAAAAAAAwMD/AAAAAABkAAAAMgAAAAAAAABkAAAAAAAAAH9/fwAKAAAAHwAAAFQAAAD///8AAAAAAQAAAAAAAAAAAAAAAAAAAAAAAAAAAAAAAAAAAAAAAAAAAAAAAH9/fwAAAAADzMzMAMDA/wB/f38AAAAAAAAAAAAAAAAAAAAAAAAAAAAhAAAAGAAAABQAAADQAgAA3wkAAG81AABWIgAAEAAAACYAAAAIAAAAPAAAAAAAAAA="/>
               </a:ext>
             </a:extLst>
           </p:cNvSpPr>
@@ -1671,7 +1671,7 @@
             <a:spLocks noGrp="1" noChangeArrowheads="1"/>
             <a:extLst>
               <a:ext uri="smNativeData">
-                <pr:smNativeData xmlns="" xmlns:p14="http://schemas.microsoft.com/office/powerpoint/2010/main" xmlns:pr="smNativeData" val="SMDATA_13_aDXlXhMAAAAlAAAAZAAAAA0AAAAAAAAAAAAAAAAAAAAAAAAAAAAAAAAAAAAAAAAAAAEAAABQAAAAAAAAAAAA4D8AAAAAAADgPwAAAAAAAOA/AAAAAAAA4D8AAAAAAADgPwAAAAAAAOA/AAAAAAAA4D8AAAAAAADgPwAAAAAAAOA/AAAAAAAA4D8CAAAAjAAAAAAAAAAAAAAA////AP///wgAAAAAAAAAAAAAAAAAAAAAAAAAAAAAAAAAAAAAeAAAAAEAAABAAAAAAAAAAAAAAABaAAAAAAAAAAAAAAAAAAAAAAAAAAAAAAAAAAAAAAAAAAAAAAAAAAAAAAAAAAAAAAAAAAAAAAAAAAAAAAAAAAAAAAAAAAAAAAAAAAAAFAAAADwAAAAAAAAAAAAAAAAAAAAPAAAAAQAAACMAAAAjAAAAIwAAAB4AAAAAAAAAZAAAAGQAAAAAAAAAZAAAAGQAAAAVAAAAYAAAAAAAAAAAAAAADwAAACADAAAAAAAAAAAAAAEAAACgMgAAVgcAAKr4//8BAAAAf39/AAEAAABkAAAAAAAAABQAAABAHwAAAAAAACYAAAAAAAAAwOD//wAAAAAmAAAAZAAAABYAAABMAAAAAAAAAAAAAAAEAAAAAAAAAAEAAADu7OEKAAAAACgAAAAoAAAAZAAAAGQAAAAAAAAAzMzMAAAAAABQAAAAUAAAAGQAAABkAAAAAAAAABcAAAAUAAAAAAAAAAAAAAD/fwAA/38AAAAAAAAJAAAABAAAAAAAAAAMAAAAEAAAAAAAAAAAAAAAAAAAAAAAAAAeAAAAaAAAAAAAAAAAAAAAAAAAAAAAAAAAAAAAECcAABAnAAAAAAAAAAAAAAAAAAAAAAAAAAAAAAAAAAAAAAAAAAAAABQAAAAAAAAAwMD/AAAAAABkAAAAMgAAAAAAAABkAAAAAAAAAH9/fwAKAAAAHwAAAFQAAAD///8AAAAAAQAAAAAAAAAAAAAAAAAAAAAAAAAAAAAAAAAAAAAAAAAAAAAAAH9/fwAAAAADzMzMAMDA/wB/f38AAAAAAAAAAAAAAAAAAAAAAAAAAAAhAAAAGAAAABQAAADQAgAA3wkAAG81AABWIgAAEAAAACYAAAAIAAAAPAAAAAAAAAA="/>
+                <pr:smNativeData xmlns:pr="smNativeData" xmlns:p14="http://schemas.microsoft.com/office/powerpoint/2010/main" xmlns="" val="SMDATA_13_aDXlXhMAAAAlAAAAZAAAAA0AAAAAAAAAAAAAAAAAAAAAAAAAAAAAAAAAAAAAAAAAAAEAAABQAAAAAAAAAAAA4D8AAAAAAADgPwAAAAAAAOA/AAAAAAAA4D8AAAAAAADgPwAAAAAAAOA/AAAAAAAA4D8AAAAAAADgPwAAAAAAAOA/AAAAAAAA4D8CAAAAjAAAAAAAAAAAAAAA////AP///wgAAAAAAAAAAAAAAAAAAAAAAAAAAAAAAAAAAAAAeAAAAAEAAABAAAAAAAAAAAAAAABaAAAAAAAAAAAAAAAAAAAAAAAAAAAAAAAAAAAAAAAAAAAAAAAAAAAAAAAAAAAAAAAAAAAAAAAAAAAAAAAAAAAAAAAAAAAAAAAAAAAAFAAAADwAAAAAAAAAAAAAAAAAAAAPAAAAAQAAACMAAAAjAAAAIwAAAB4AAAAAAAAAZAAAAGQAAAAAAAAAZAAAAGQAAAAVAAAAYAAAAAAAAAAAAAAADwAAACADAAAAAAAAAAAAAAEAAACgMgAAVgcAAKr4//8BAAAAf39/AAEAAABkAAAAAAAAABQAAABAHwAAAAAAACYAAAAAAAAAwOD//wAAAAAmAAAAZAAAABYAAABMAAAAAAAAAAAAAAAEAAAAAAAAAAEAAADu7OEKAAAAACgAAAAoAAAAZAAAAGQAAAAAAAAAzMzMAAAAAABQAAAAUAAAAGQAAABkAAAAAAAAABcAAAAUAAAAAAAAAAAAAAD/fwAA/38AAAAAAAAJAAAABAAAAAAAAAAMAAAAEAAAAAAAAAAAAAAAAAAAAAAAAAAeAAAAaAAAAAAAAAAAAAAAAAAAAAAAAAAAAAAAECcAABAnAAAAAAAAAAAAAAAAAAAAAAAAAAAAAAAAAAAAAAAAAAAAABQAAAAAAAAAwMD/AAAAAABkAAAAMgAAAAAAAABkAAAAAAAAAH9/fwAKAAAAHwAAAFQAAAD///8AAAAAAQAAAAAAAAAAAAAAAAAAAAAAAAAAAAAAAAAAAAAAAAAAAAAAAH9/fwAAAAADzMzMAMDA/wB/f38AAAAAAAAAAAAAAAAAAAAAAAAAAAAhAAAAGAAAABQAAADQAgAA3wkAAG81AABWIgAAEAAAACYAAAAIAAAAPAAAAAAAAAA="/>
               </a:ext>
             </a:extLst>
           </p:cNvSpPr>
@@ -1701,7 +1701,7 @@
           <p:cNvPicPr>
             <a:extLst>
               <a:ext uri="smNativeData">
-                <pr:smNativeData xmlns="" xmlns:p14="http://schemas.microsoft.com/office/powerpoint/2010/main" xmlns:pr="smNativeData" val="SMDATA_15_aDXlXhMAAAAlAAAAEQAAAA0AAAAAkAAAAEgAAACQAAAASAAAAAAAAAAAAAAAAAAAAAEAAABQAAAAAAAAAAAA4D8AAAAAAADgPwAAAAAAAOA/AAAAAAAA4D8AAAAAAADgPwAAAAAAAOA/AAAAAAAA4D8AAAAAAADgPwAAAAAAAOA/AAAAAAAA4D8CAAAAjAAAAAAAAAAAAAAAT4G9DP///wgAAAAAAAAAAAAAAAAAAAAAAAAAAAAAAAAAAAAAZAAAAAEAAABAAAAAAAAAAAAAAAAAAAAAAAAAAAAAAAAAAAAAAAAAAAAAAAAAAAAAAAAAAAAAAAAAAAAAAAAAAAAAAAAAAAAAAAAAAAAAAAAAAAAAAAAAAAAAAAAAAAAAFAAAADwAAAAAAAAAAAAAAAAAAAkUAAAAAQAAABQAAAAUAAAAFAAAAAEAAAAAAAAAZAAAAGQAAAAAAAAAZAAAAGQAAAAVAAAAYAAAAAAAAAAAAAAADwAAACADAAAAAAAAAAAAAAEAAACgMgAAVgcAAKr4//8BAAAAf39/AAEAAABkAAAAAAAAABQAAABAHwAAAAAAACYAAAAAAAAAwOD//wAAAAAmAAAAZAAAABYAAABMAAAAAAAAAAAAAAAEAAAAAAAAAAEAAADu7OEKAAAAACgAAAAoAAAAZAAAAGQAAAAAAAAAzMzMAAAAAABQAAAAUAAAAGQAAABkAAAAAAAAAAcAAAA4AAAAAAAAAAAAAAAAAAAA////AAAAAAAAAAAAAAAAAAAAAAAAAAAAAAAAAAAAAABkAAAAZAAAAAAAAAAjAAAABAAAAGQAAAAXAAAAFAAAAAAAAAAAAAAA/38AAP9/AAAAAAAACQAAAAQAAAAAAAAADAAAABAAAAAAAAAAAAAAAAAAAAAAAAAAHgAAAGgAAAAAAAAAAAAAAAAAAAAAAAAAAAAAABAnAAAQJwAAAAAAAAAAAAAAAAAAAAAAAAAAAAAAAAAAAAAAAAAAAAAUAAAAAAAAAMDA/wAAAAAAZAAAADIAAAAAAAAAZAAAAAAAAAB/f38ACgAAAB8AAABUAAAAAAAABQAAAAEAAAAAAAAAAAAAAAAAAAAAAAAAAAAAAAAAAAAAAAAAAAAAAAJ/f38AAAAAA8zMzADAwP8Af39/AAAAAAAAAAAAAAAAAP///wAAAAAAIQAAABgAAAAUAAAAygwAAN8JAAB0KwAAViIAABAAAAAmAAAACAAAAP//////////"/>
+                <pr:smNativeData xmlns:pr="smNativeData" xmlns:p14="http://schemas.microsoft.com/office/powerpoint/2010/main" xmlns="" val="SMDATA_15_aDXlXhMAAAAlAAAAEQAAAA0AAAAAkAAAAEgAAACQAAAASAAAAAAAAAAAAAAAAAAAAAEAAABQAAAAAAAAAAAA4D8AAAAAAADgPwAAAAAAAOA/AAAAAAAA4D8AAAAAAADgPwAAAAAAAOA/AAAAAAAA4D8AAAAAAADgPwAAAAAAAOA/AAAAAAAA4D8CAAAAjAAAAAAAAAAAAAAAT4G9DP///wgAAAAAAAAAAAAAAAAAAAAAAAAAAAAAAAAAAAAAZAAAAAEAAABAAAAAAAAAAAAAAAAAAAAAAAAAAAAAAAAAAAAAAAAAAAAAAAAAAAAAAAAAAAAAAAAAAAAAAAAAAAAAAAAAAAAAAAAAAAAAAAAAAAAAAAAAAAAAAAAAAAAAFAAAADwAAAAAAAAAAAAAAAAAAAkUAAAAAQAAABQAAAAUAAAAFAAAAAEAAAAAAAAAZAAAAGQAAAAAAAAAZAAAAGQAAAAVAAAAYAAAAAAAAAAAAAAADwAAACADAAAAAAAAAAAAAAEAAACgMgAAVgcAAKr4//8BAAAAf39/AAEAAABkAAAAAAAAABQAAABAHwAAAAAAACYAAAAAAAAAwOD//wAAAAAmAAAAZAAAABYAAABMAAAAAAAAAAAAAAAEAAAAAAAAAAEAAADu7OEKAAAAACgAAAAoAAAAZAAAAGQAAAAAAAAAzMzMAAAAAABQAAAAUAAAAGQAAABkAAAAAAAAAAcAAAA4AAAAAAAAAAAAAAAAAAAA////AAAAAAAAAAAAAAAAAAAAAAAAAAAAAAAAAAAAAABkAAAAZAAAAAAAAAAjAAAABAAAAGQAAAAXAAAAFAAAAAAAAAAAAAAA/38AAP9/AAAAAAAACQAAAAQAAAAAAAAADAAAABAAAAAAAAAAAAAAAAAAAAAAAAAAHgAAAGgAAAAAAAAAAAAAAAAAAAAAAAAAAAAAABAnAAAQJwAAAAAAAAAAAAAAAAAAAAAAAAAAAAAAAAAAAAAAAAAAAAAUAAAAAAAAAMDA/wAAAAAAZAAAADIAAAAAAAAAZAAAAAAAAAB/f38ACgAAAB8AAABUAAAAAAAABQAAAAEAAAAAAAAAAAAAAAAAAAAAAAAAAAAAAAAAAAAAAAAAAAAAAAJ/f38AAAAAA8zMzADAwP8Af39/AAAAAAAAAAAAAAAAAP///wAAAAAAIQAAABgAAAAUAAAAygwAAN8JAAB0KwAAViIAABAAAAAmAAAACAAAAP//////////"/>
               </a:ext>
             </a:extLst>
           </p:cNvPicPr>
@@ -1734,7 +1734,7 @@
           <p:cNvPicPr>
             <a:extLst>
               <a:ext uri="smNativeData">
-                <pr:smNativeData xmlns="" xmlns:p14="http://schemas.microsoft.com/office/powerpoint/2010/main" xmlns:pr="smNativeData" val="SMDATA_15_aDXlXhMAAAAlAAAAEQAAAA0AAAAAkAAAAEgAAACQAAAASAAAAAAAAAAAAAAAAAAAAAEAAABQAAAAAAAAAAAA4D8AAAAAAADgPwAAAAAAAOA/AAAAAAAA4D8AAAAAAADgPwAAAAAAAOA/AAAAAAAA4D8AAAAAAADgPwAAAAAAAOA/AAAAAAAA4D8CAAAAjAAAAAAAAAAAAAAAT4G9DP///wgAAAAAAAAAAAAAAAAAAAAAAAAAAAAAAAAAAAAAZAAAAAEAAABAAAAAAAAAAAAAAAAAAAAAAAAAAAAAAAAAAAAAAAAAAAAAAAAAAAAAAAAAAAAAAAAAAAAAAAAAAAAAAAAAAAAAAAAAAAAAAAAAAAAAAAAAAAAAAAAAAAAAFAAAADwAAAAAAAAAAAAAAAAAAAkUAAAAAQAAABQAAAAUAAAAFAAAAAEAAAAAAAAAZAAAAGQAAAAAAAAAZAAAAGQAAAAVAAAAYAAAAAAAAAAAAAAADwAAACADAAAAAAAAAAAAAAEAAACgMgAAVgcAAKr4//8BAAAAf39/AAEAAABkAAAAAAAAABQAAABAHwAAAAAAACYAAAAAAAAAwOD//wAAAAAmAAAAZAAAABYAAABMAAAAAAAAAAAAAAAEAAAAAAAAAAEAAADu7OEKAAAAACgAAAAoAAAAZAAAAGQAAAAAAAAAzMzMAAAAAABQAAAAUAAAAGQAAABkAAAAAAAAAAcAAAA4AAAAAAAAAAAAAAAAAAAA////AAAAAAAAAAAAAAAAAAAAAAAAAAAAAAAAAAAAAABkAAAAZAAAAAAAAAAjAAAABAAAAGQAAAAXAAAAFAAAAAAAAAAAAAAA/38AAP9/AAAAAAAACQAAAAQAAAAAAAAADAAAABAAAAAAAAAAAAAAAAAAAAAAAAAAHgAAAGgAAAAAAAAAAAAAAAAAAAAAAAAAAAAAABAnAAAQJwAAAAAAAAAAAAAAAAAAAAAAAAAAAAAAAAAAAAAAAAAAAAAUAAAAAAAAAMDA/wAAAAAAZAAAADIAAAAAAAAAZAAAAAAAAAB/f38ACgAAAB8AAABUAAAAAAAABQAAAAEAAAAAAAAAAAAAAAAAAAAAAAAAAAAAAAAAAAAAAAAAAAAAAAJ/f38AAAAAA8zMzADAwP8Af39/AAAAAAAAAAAAAAAAAP///wAAAAAAIQAAABgAAAAUAAAAygwAAN8JAAB0KwAAViIAABAAAAAmAAAACAAAAP//////////"/>
+                <pr:smNativeData xmlns:pr="smNativeData" xmlns:p14="http://schemas.microsoft.com/office/powerpoint/2010/main" xmlns="" val="SMDATA_15_aDXlXhMAAAAlAAAAEQAAAA0AAAAAkAAAAEgAAACQAAAASAAAAAAAAAAAAAAAAAAAAAEAAABQAAAAAAAAAAAA4D8AAAAAAADgPwAAAAAAAOA/AAAAAAAA4D8AAAAAAADgPwAAAAAAAOA/AAAAAAAA4D8AAAAAAADgPwAAAAAAAOA/AAAAAAAA4D8CAAAAjAAAAAAAAAAAAAAAT4G9DP///wgAAAAAAAAAAAAAAAAAAAAAAAAAAAAAAAAAAAAAZAAAAAEAAABAAAAAAAAAAAAAAAAAAAAAAAAAAAAAAAAAAAAAAAAAAAAAAAAAAAAAAAAAAAAAAAAAAAAAAAAAAAAAAAAAAAAAAAAAAAAAAAAAAAAAAAAAAAAAAAAAAAAAFAAAADwAAAAAAAAAAAAAAAAAAAkUAAAAAQAAABQAAAAUAAAAFAAAAAEAAAAAAAAAZAAAAGQAAAAAAAAAZAAAAGQAAAAVAAAAYAAAAAAAAAAAAAAADwAAACADAAAAAAAAAAAAAAEAAACgMgAAVgcAAKr4//8BAAAAf39/AAEAAABkAAAAAAAAABQAAABAHwAAAAAAACYAAAAAAAAAwOD//wAAAAAmAAAAZAAAABYAAABMAAAAAAAAAAAAAAAEAAAAAAAAAAEAAADu7OEKAAAAACgAAAAoAAAAZAAAAGQAAAAAAAAAzMzMAAAAAABQAAAAUAAAAGQAAABkAAAAAAAAAAcAAAA4AAAAAAAAAAAAAAAAAAAA////AAAAAAAAAAAAAAAAAAAAAAAAAAAAAAAAAAAAAABkAAAAZAAAAAAAAAAjAAAABAAAAGQAAAAXAAAAFAAAAAAAAAAAAAAA/38AAP9/AAAAAAAACQAAAAQAAAAAAAAADAAAABAAAAAAAAAAAAAAAAAAAAAAAAAAHgAAAGgAAAAAAAAAAAAAAAAAAAAAAAAAAAAAABAnAAAQJwAAAAAAAAAAAAAAAAAAAAAAAAAAAAAAAAAAAAAAAAAAAAAUAAAAAAAAAMDA/wAAAAAAZAAAADIAAAAAAAAAZAAAAAAAAAB/f38ACgAAAB8AAABUAAAAAAAABQAAAAEAAAAAAAAAAAAAAAAAAAAAAAAAAAAAAAAAAAAAAAAAAAAAAAJ/f38AAAAAA8zMzADAwP8Af39/AAAAAAAAAAAAAAAAAP///wAAAAAAIQAAABgAAAAUAAAAygwAAN8JAAB0KwAAViIAABAAAAAmAAAACAAAAP//////////"/>
               </a:ext>
             </a:extLst>
           </p:cNvPicPr>
@@ -1793,7 +1793,7 @@
             <a:spLocks noGrp="1" noChangeArrowheads="1"/>
             <a:extLst>
               <a:ext uri="smNativeData">
-                <pr:smNativeData xmlns="" xmlns:p14="http://schemas.microsoft.com/office/powerpoint/2010/main" xmlns:pr="smNativeData" val="SMDATA_13_aDXlXhMAAAAlAAAAZAAAAA0AAAAAAAAAAAAAAAAAAAAAAAAAAAAAAAABAAAAAAAAAAEAAABQAAAAAAAAAAAA4D8AAAAAAADgPwAAAAAAAOA/AAAAAAAA4D8AAAAAAADgPwAAAAAAAOA/AAAAAAAA4D8AAAAAAADgPwAAAAAAAOA/AAAAAAAA4D8CAAAAjAAAAAAAAAAAAAAA////AP///wgAAAAAAAAAAAAAAAAAAAAAAAAAAAAAAAAAAAAAeAAAAAEAAABAAAAAAAAAAAAAAABaAAAAAAAAAAAAAAAAAAAAAAAAAAAAAAAAAAAAAAAAAAAAAAAAAAAAAAAAAAAAAAAAAAAAAAAAAAAAAAAAAAAAAAAAAAAAAAAAAAAAFAAAADwAAAAAAAAAAAAAAAAAAAAPAAAAAQAAACMAAAAjAAAAIwAAAB4AAAAAAAAAZAAAAGQAAAAAAAAAZAAAAGQAAAAVAAAAYAAAAAAAAAAAAAAADwAAACADAAAAAAAAAAAAAAEAAACgMgAAVgcAAKr4//8BAAAAf39/AAEAAABkAAAAAAAAABQAAABAHwAAAAAAACYAAAAAAAAAwOD//wAAAAAmAAAAZAAAABYAAABMAAAAAAAAAAAAAAAEAAAAAAAAAAEAAADu7OEKAAAAACgAAAAoAAAAZAAAAGQAAAAAAAAAzMzMAAAAAABQAAAAUAAAAGQAAABkAAAAAAAAABcAAAAUAAAAAAAAAAAAAAD/fwAA/38AAAAAAAAJAAAABAAAAAAAAAAMAAAAEAAAAAAAAAAAAAAAAAAAAAAAAAAeAAAAaAAAAAAAAAAAAAAAAAAAAAAAAAAAAAAAECcAABAnAAAAAAAAAAAAAAAAAAAAAAAAAAAAAAAAAAAAAAAAAAAAABQAAAAAAAAAwMD/AAAAAABkAAAAMgAAAAAAAABkAAAAAAAAAH9/fwAKAAAAHwAAAFQAAAD///8AAAAAAQAAAAAAAAAAAAAAAAAAAAAAAAAAAAAAAAAAAAAAAAAAAAAAAH9/fwAAAAADzMzMAMDA/wB/f38AAAAAAAAAAAAAAAAAAAAAAAAAAAAhAAAAGAAAABQAAADQAgAArwEAAG81AAC6CAAAEAAAACYAAAAIAAAAPAAAAAAAAAA="/>
+                <pr:smNativeData xmlns:pr="smNativeData" xmlns:p14="http://schemas.microsoft.com/office/powerpoint/2010/main" xmlns="" val="SMDATA_13_aDXlXhMAAAAlAAAAZAAAAA0AAAAAAAAAAAAAAAAAAAAAAAAAAAAAAAABAAAAAAAAAAEAAABQAAAAAAAAAAAA4D8AAAAAAADgPwAAAAAAAOA/AAAAAAAA4D8AAAAAAADgPwAAAAAAAOA/AAAAAAAA4D8AAAAAAADgPwAAAAAAAOA/AAAAAAAA4D8CAAAAjAAAAAAAAAAAAAAA////AP///wgAAAAAAAAAAAAAAAAAAAAAAAAAAAAAAAAAAAAAeAAAAAEAAABAAAAAAAAAAAAAAABaAAAAAAAAAAAAAAAAAAAAAAAAAAAAAAAAAAAAAAAAAAAAAAAAAAAAAAAAAAAAAAAAAAAAAAAAAAAAAAAAAAAAAAAAAAAAAAAAAAAAFAAAADwAAAAAAAAAAAAAAAAAAAAPAAAAAQAAACMAAAAjAAAAIwAAAB4AAAAAAAAAZAAAAGQAAAAAAAAAZAAAAGQAAAAVAAAAYAAAAAAAAAAAAAAADwAAACADAAAAAAAAAAAAAAEAAACgMgAAVgcAAKr4//8BAAAAf39/AAEAAABkAAAAAAAAABQAAABAHwAAAAAAACYAAAAAAAAAwOD//wAAAAAmAAAAZAAAABYAAABMAAAAAAAAAAAAAAAEAAAAAAAAAAEAAADu7OEKAAAAACgAAAAoAAAAZAAAAGQAAAAAAAAAzMzMAAAAAABQAAAAUAAAAGQAAABkAAAAAAAAABcAAAAUAAAAAAAAAAAAAAD/fwAA/38AAAAAAAAJAAAABAAAAAAAAAAMAAAAEAAAAAAAAAAAAAAAAAAAAAAAAAAeAAAAaAAAAAAAAAAAAAAAAAAAAAAAAAAAAAAAECcAABAnAAAAAAAAAAAAAAAAAAAAAAAAAAAAAAAAAAAAAAAAAAAAABQAAAAAAAAAwMD/AAAAAABkAAAAMgAAAAAAAABkAAAAAAAAAH9/fwAKAAAAHwAAAFQAAAD///8AAAAAAQAAAAAAAAAAAAAAAAAAAAAAAAAAAAAAAAAAAAAAAAAAAAAAAH9/fwAAAAADzMzMAMDA/wB/f38AAAAAAAAAAAAAAAAAAAAAAAAAAAAhAAAAGAAAABQAAADQAgAArwEAAG81AAC6CAAAEAAAACYAAAAIAAAAPAAAAAAAAAA="/>
               </a:ext>
             </a:extLst>
           </p:cNvSpPr>
@@ -1824,7 +1824,7 @@
             <a:spLocks noGrp="1" noChangeArrowheads="1"/>
             <a:extLst>
               <a:ext uri="smNativeData">
-                <pr:smNativeData xmlns="" xmlns:p14="http://schemas.microsoft.com/office/powerpoint/2010/main" xmlns:pr="smNativeData" val="SMDATA_13_aDXlXhMAAAAlAAAAZAAAAA0AAAAAAAAAAAAAAAAAAAAAAAAAAAAAAAABAAAAAAAAAAEAAABQAAAAAAAAAAAA4D8AAAAAAADgPwAAAAAAAOA/AAAAAAAA4D8AAAAAAADgPwAAAAAAAOA/AAAAAAAA4D8AAAAAAADgPwAAAAAAAOA/AAAAAAAA4D8CAAAAjAAAAAAAAAAAAAAA////AP///wgAAAAAAAAAAAAAAAAAAAAAAAAAAAAAAAAAAAAAeAAAAAEAAABAAAAAAAAAAAAAAABaAAAAAAAAAAAAAAAAAAAAAAAAAAAAAAAAAAAAAAAAAAAAAAAAAAAAAAAAAAAAAAAAAAAAAAAAAAAAAAAAAAAAAAAAAAAAAAAAAAAAFAAAADwAAAAAAAAAAAAAAAAAAAAPAAAAAQAAACMAAAAjAAAAIwAAAB4AAAAAAAAAZAAAAGQAAAAAAAAAZAAAAGQAAAAVAAAAYAAAAAAAAAAAAAAADwAAACADAAAAAAAAAAAAAAEAAACgMgAAVgcAAKr4//8BAAAAf39/AAEAAABkAAAAAAAAABQAAABAHwAAAAAAACYAAAAAAAAAwOD//wAAAAAmAAAAZAAAABYAAABMAAAAAAAAAAAAAAAEAAAAAAAAAAEAAADu7OEKAAAAACgAAAAoAAAAZAAAAGQAAAAAAAAAzMzMAAAAAABQAAAAUAAAAGQAAABkAAAAAAAAABcAAAAUAAAAAAAAAAAAAAD/fwAA/38AAAAAAAAJAAAABAAAAAAAAAAMAAAAEAAAAAAAAAAAAAAAAAAAAAAAAAAeAAAAaAAAAAAAAAAAAAAAAAAAAAAAAAAAAAAAECcAABAnAAAAAAAAAAAAAAAAAAAAAAAAAAAAAAAAAAAAAAAAAAAAABQAAAAAAAAAwMD/AAAAAABkAAAAMgAAAAAAAABkAAAAAAAAAH9/fwAKAAAAHwAAAFQAAAD///8AAAAAAQAAAAAAAAAAAAAAAAAAAAAAAAAAAAAAAAAAAAAAAAAAAAAAAH9/fwAAAAADzMzMAMDA/wB/f38AAAAAAAAAAAAAAAAAAAAAAAAAAAAhAAAAGAAAABQAAADQAgAA3wkAAG81AABXIgAAEAAAACYAAAAIAAAAvYAAAAAAAAA="/>
+                <pr:smNativeData xmlns:pr="smNativeData" xmlns:p14="http://schemas.microsoft.com/office/powerpoint/2010/main" xmlns="" val="SMDATA_13_aDXlXhMAAAAlAAAAZAAAAA0AAAAAAAAAAAAAAAAAAAAAAAAAAAAAAAABAAAAAAAAAAEAAABQAAAAAAAAAAAA4D8AAAAAAADgPwAAAAAAAOA/AAAAAAAA4D8AAAAAAADgPwAAAAAAAOA/AAAAAAAA4D8AAAAAAADgPwAAAAAAAOA/AAAAAAAA4D8CAAAAjAAAAAAAAAAAAAAA////AP///wgAAAAAAAAAAAAAAAAAAAAAAAAAAAAAAAAAAAAAeAAAAAEAAABAAAAAAAAAAAAAAABaAAAAAAAAAAAAAAAAAAAAAAAAAAAAAAAAAAAAAAAAAAAAAAAAAAAAAAAAAAAAAAAAAAAAAAAAAAAAAAAAAAAAAAAAAAAAAAAAAAAAFAAAADwAAAAAAAAAAAAAAAAAAAAPAAAAAQAAACMAAAAjAAAAIwAAAB4AAAAAAAAAZAAAAGQAAAAAAAAAZAAAAGQAAAAVAAAAYAAAAAAAAAAAAAAADwAAACADAAAAAAAAAAAAAAEAAACgMgAAVgcAAKr4//8BAAAAf39/AAEAAABkAAAAAAAAABQAAABAHwAAAAAAACYAAAAAAAAAwOD//wAAAAAmAAAAZAAAABYAAABMAAAAAAAAAAAAAAAEAAAAAAAAAAEAAADu7OEKAAAAACgAAAAoAAAAZAAAAGQAAAAAAAAAzMzMAAAAAABQAAAAUAAAAGQAAABkAAAAAAAAABcAAAAUAAAAAAAAAAAAAAD/fwAA/38AAAAAAAAJAAAABAAAAAAAAAAMAAAAEAAAAAAAAAAAAAAAAAAAAAAAAAAeAAAAaAAAAAAAAAAAAAAAAAAAAAAAAAAAAAAAECcAABAnAAAAAAAAAAAAAAAAAAAAAAAAAAAAAAAAAAAAAAAAAAAAABQAAAAAAAAAwMD/AAAAAABkAAAAMgAAAAAAAABkAAAAAAAAAH9/fwAKAAAAHwAAAFQAAAD///8AAAAAAQAAAAAAAAAAAAAAAAAAAAAAAAAAAAAAAAAAAAAAAAAAAAAAAH9/fwAAAAADzMzMAMDA/wB/f38AAAAAAAAAAAAAAAAAAAAAAAAAAAAhAAAAGAAAABQAAADQAgAA3wkAAG81AABXIgAAEAAAACYAAAAIAAAAvYAAAAAAAAA="/>
               </a:ext>
             </a:extLst>
           </p:cNvSpPr>
@@ -1913,7 +1913,7 @@
             <a:spLocks noGrp="1" noChangeArrowheads="1"/>
             <a:extLst>
               <a:ext uri="smNativeData">
-                <pr:smNativeData xmlns="" xmlns:p14="http://schemas.microsoft.com/office/powerpoint/2010/main" xmlns:pr="smNativeData" val="SMDATA_13_aDXlXhMAAAAlAAAAZAAAAA0AAAAAAAAAAAAAAAAAAAAAAAAAAAAAAAABAAAAAAAAAAEAAABQAAAAAAAAAAAA4D8AAAAAAADgPwAAAAAAAOA/AAAAAAAA4D8AAAAAAADgPwAAAAAAAOA/AAAAAAAA4D8AAAAAAADgPwAAAAAAAOA/AAAAAAAA4D8CAAAAjAAAAAAAAAAAAAAA////AP///wgAAAAAAAAAAAAAAAAAAAAAAAAAAAAAAAAAAAAAeAAAAAEAAABAAAAAAAAAAAAAAABaAAAAAAAAAAAAAAAAAAAAAAAAAAAAAAAAAAAAAAAAAAAAAAAAAAAAAAAAAAAAAAAAAAAAAAAAAAAAAAAAAAAAAAAAAAAAAAAAAAAAFAAAADwAAAAAAAAAAAAAAAAAAAAPAAAAAQAAACMAAAAjAAAAIwAAAB4AAAAAAAAAZAAAAGQAAAAAAAAAZAAAAGQAAAAVAAAAYAAAAAAAAAAAAAAADwAAACADAAAAAAAAAAAAAAEAAACgMgAAVgcAAKr4//8BAAAAf39/AAEAAABkAAAAAAAAABQAAABAHwAAAAAAACYAAAAAAAAAwOD//wAAAAAmAAAAZAAAABYAAABMAAAAAAAAAAAAAAAEAAAAAAAAAAEAAADu7OEKAAAAACgAAAAoAAAAZAAAAGQAAAAAAAAAzMzMAAAAAABQAAAAUAAAAGQAAABkAAAAAAAAABcAAAAUAAAAAAAAAAAAAAD/fwAA/38AAAAAAAAJAAAABAAAACDNVAIMAAAAEAAAAAAAAAAAAAAAAAAAAAAAAAAeAAAAaAAAAAAAAAAAAAAAAAAAAAAAAAAAAAAAECcAABAnAAAAAAAAAAAAAAAAAAAAAAAAAAAAAAAAAAAAAAAAAAAAABQAAAAAAAAAwMD/AAAAAABkAAAAMgAAAAAAAABkAAAAAAAAAH9/fwAKAAAAHwAAAFQAAAD///8AAAAAAQAAAAAAAAAAAAAAAAAAAAAAAAAAAAAAAAAAAAAAAAAAAAAAAH9/fwAAAAADzMzMAMDA/wB/f38AAAAAAAAAAAAAAAAAAAAAAAAAAAAhAAAAGAAAABQAAADQAgAArwEAAG81AAC6CAAAEAAAACYAAAAIAAAAPAAAAAAAAAA="/>
+                <pr:smNativeData xmlns:pr="smNativeData" xmlns:p14="http://schemas.microsoft.com/office/powerpoint/2010/main" xmlns="" val="SMDATA_13_aDXlXhMAAAAlAAAAZAAAAA0AAAAAAAAAAAAAAAAAAAAAAAAAAAAAAAABAAAAAAAAAAEAAABQAAAAAAAAAAAA4D8AAAAAAADgPwAAAAAAAOA/AAAAAAAA4D8AAAAAAADgPwAAAAAAAOA/AAAAAAAA4D8AAAAAAADgPwAAAAAAAOA/AAAAAAAA4D8CAAAAjAAAAAAAAAAAAAAA////AP///wgAAAAAAAAAAAAAAAAAAAAAAAAAAAAAAAAAAAAAeAAAAAEAAABAAAAAAAAAAAAAAABaAAAAAAAAAAAAAAAAAAAAAAAAAAAAAAAAAAAAAAAAAAAAAAAAAAAAAAAAAAAAAAAAAAAAAAAAAAAAAAAAAAAAAAAAAAAAAAAAAAAAFAAAADwAAAAAAAAAAAAAAAAAAAAPAAAAAQAAACMAAAAjAAAAIwAAAB4AAAAAAAAAZAAAAGQAAAAAAAAAZAAAAGQAAAAVAAAAYAAAAAAAAAAAAAAADwAAACADAAAAAAAAAAAAAAEAAACgMgAAVgcAAKr4//8BAAAAf39/AAEAAABkAAAAAAAAABQAAABAHwAAAAAAACYAAAAAAAAAwOD//wAAAAAmAAAAZAAAABYAAABMAAAAAAAAAAAAAAAEAAAAAAAAAAEAAADu7OEKAAAAACgAAAAoAAAAZAAAAGQAAAAAAAAAzMzMAAAAAABQAAAAUAAAAGQAAABkAAAAAAAAABcAAAAUAAAAAAAAAAAAAAD/fwAA/38AAAAAAAAJAAAABAAAACDNVAIMAAAAEAAAAAAAAAAAAAAAAAAAAAAAAAAeAAAAaAAAAAAAAAAAAAAAAAAAAAAAAAAAAAAAECcAABAnAAAAAAAAAAAAAAAAAAAAAAAAAAAAAAAAAAAAAAAAAAAAABQAAAAAAAAAwMD/AAAAAABkAAAAMgAAAAAAAABkAAAAAAAAAH9/fwAKAAAAHwAAAFQAAAD///8AAAAAAQAAAAAAAAAAAAAAAAAAAAAAAAAAAAAAAAAAAAAAAAAAAAAAAH9/fwAAAAADzMzMAMDA/wB/f38AAAAAAAAAAAAAAAAAAAAAAAAAAAAhAAAAGAAAABQAAADQAgAArwEAAG81AAC6CAAAEAAAACYAAAAIAAAAPAAAAAAAAAA="/>
               </a:ext>
             </a:extLst>
           </p:cNvSpPr>
@@ -1944,7 +1944,7 @@
             <a:spLocks noGrp="1" noChangeArrowheads="1"/>
             <a:extLst>
               <a:ext uri="smNativeData">
-                <pr:smNativeData xmlns="" xmlns:p14="http://schemas.microsoft.com/office/powerpoint/2010/main" xmlns:pr="smNativeData" val="SMDATA_13_aDXlXhMAAAAlAAAAZAAAAA0AAAAAAAAAAAAAAAAAAAAAAAAAAAAAAAAAAAAAAAAAAAEAAABQAAAAAAAAAAAA4D8AAAAAAADgPwAAAAAAAOA/AAAAAAAA4D8AAAAAAADgPwAAAAAAAOA/AAAAAAAA4D8AAAAAAADgPwAAAAAAAOA/AAAAAAAA4D8CAAAAjAAAAAAAAAAAAAAA////AP///wgAAAAAAAAAAAAAAAAAAAAAAAAAAAAAAAAAAAAAeAAAAAEAAABAAAAAAAAAAAAAAABaAAAAAAAAAAAAAAAAAAAAAAAAAAAAAAAAAAAAAAAAAAAAAAAAAAAAAAAAAAAAAAAAAAAAAAAAAAAAAAAAAAAAAAAAAAAAAAAAAAAAFAAAADwAAAAAAAAAAAAAAAAAAAAPAAAAAQAAACMAAAAjAAAAIwAAAB4AAAAAAAAAZAAAAGQAAAAAAAAAZAAAAGQAAAAVAAAAYAAAAAAAAAAAAAAADwAAACADAAAAAAAAAAAAAAEAAACgMgAAVgcAAKr4//8BAAAAf39/AAEAAABkAAAAAAAAABQAAABAHwAAAAAAACYAAAAAAAAAwOD//wAAAAAmAAAAZAAAABYAAABMAAAAAAAAAAAAAAAEAAAAAAAAAAEAAADu7OEKAAAAACgAAAAoAAAAZAAAAGQAAAAAAAAAzMzMAAAAAABQAAAAUAAAAGQAAABkAAAAAAAAABcAAAAUAAAAAAAAAAAAAAD/fwAA/38AAAAAAAAJAAAABAAAAAAAAAAMAAAAEAAAAAAAAAAAAAAAAAAAAAAAAAAeAAAAaAAAAAAAAAAAAAAAAAAAAAAAAAAAAAAAECcAABAnAAAAAAAAAAAAAAAAAAAAAAAAAAAAAAAAAAAAAAAAAAAAABQAAAAAAAAAwMD/AAAAAABkAAAAMgAAAAAAAABkAAAAAAAAAH9/fwAKAAAAHwAAAFQAAAD///8AAAAAAQAAAAAAAAAAAAAAAAAAAAAAAAAAAAAAAAAAAAAAAAAAAAAAAH9/fwAAAAADzMzMAMDA/wB/f38AAAAAAAAAAAAAAAAAAAAAAAAAAAAhAAAAGAAAABQAAADQAgAA3wkAAG81AABWIgAAEAAAACYAAAAIAAAAPAAAAAAAAAA="/>
+                <pr:smNativeData xmlns:pr="smNativeData" xmlns:p14="http://schemas.microsoft.com/office/powerpoint/2010/main" xmlns="" val="SMDATA_13_aDXlXhMAAAAlAAAAZAAAAA0AAAAAAAAAAAAAAAAAAAAAAAAAAAAAAAAAAAAAAAAAAAEAAABQAAAAAAAAAAAA4D8AAAAAAADgPwAAAAAAAOA/AAAAAAAA4D8AAAAAAADgPwAAAAAAAOA/AAAAAAAA4D8AAAAAAADgPwAAAAAAAOA/AAAAAAAA4D8CAAAAjAAAAAAAAAAAAAAA////AP///wgAAAAAAAAAAAAAAAAAAAAAAAAAAAAAAAAAAAAAeAAAAAEAAABAAAAAAAAAAAAAAABaAAAAAAAAAAAAAAAAAAAAAAAAAAAAAAAAAAAAAAAAAAAAAAAAAAAAAAAAAAAAAAAAAAAAAAAAAAAAAAAAAAAAAAAAAAAAAAAAAAAAFAAAADwAAAAAAAAAAAAAAAAAAAAPAAAAAQAAACMAAAAjAAAAIwAAAB4AAAAAAAAAZAAAAGQAAAAAAAAAZAAAAGQAAAAVAAAAYAAAAAAAAAAAAAAADwAAACADAAAAAAAAAAAAAAEAAACgMgAAVgcAAKr4//8BAAAAf39/AAEAAABkAAAAAAAAABQAAABAHwAAAAAAACYAAAAAAAAAwOD//wAAAAAmAAAAZAAAABYAAABMAAAAAAAAAAAAAAAEAAAAAAAAAAEAAADu7OEKAAAAACgAAAAoAAAAZAAAAGQAAAAAAAAAzMzMAAAAAABQAAAAUAAAAGQAAABkAAAAAAAAABcAAAAUAAAAAAAAAAAAAAD/fwAA/38AAAAAAAAJAAAABAAAAAAAAAAMAAAAEAAAAAAAAAAAAAAAAAAAAAAAAAAeAAAAaAAAAAAAAAAAAAAAAAAAAAAAAAAAAAAAECcAABAnAAAAAAAAAAAAAAAAAAAAAAAAAAAAAAAAAAAAAAAAAAAAABQAAAAAAAAAwMD/AAAAAABkAAAAMgAAAAAAAABkAAAAAAAAAH9/fwAKAAAAHwAAAFQAAAD///8AAAAAAQAAAAAAAAAAAAAAAAAAAAAAAAAAAAAAAAAAAAAAAAAAAAAAAH9/fwAAAAADzMzMAMDA/wB/f38AAAAAAAAAAAAAAAAAAAAAAAAAAAAhAAAAGAAAABQAAADQAgAA3wkAAG81AABWIgAAEAAAACYAAAAIAAAAPAAAAAAAAAA="/>
               </a:ext>
             </a:extLst>
           </p:cNvSpPr>
@@ -2000,7 +2000,7 @@
             <a:spLocks noGrp="1" noChangeArrowheads="1"/>
             <a:extLst>
               <a:ext uri="smNativeData">
-                <pr:smNativeData xmlns="" xmlns:p14="http://schemas.microsoft.com/office/powerpoint/2010/main" xmlns:pr="smNativeData" val="SMDATA_13_aDXlXhMAAAAlAAAAZAAAAA0AAAAAAAAAAAAAAAAAAAAAAAAAAAAAAAABAAAAAAAAAAEAAABQAAAAAAAAAAAA4D8AAAAAAADgPwAAAAAAAOA/AAAAAAAA4D8AAAAAAADgPwAAAAAAAOA/AAAAAAAA4D8AAAAAAADgPwAAAAAAAOA/AAAAAAAA4D8CAAAAjAAAAAAAAAAAAAAA////AP///wgAAAAAAAAAAAAAAAAAAAAAAAAAAAAAAAAAAAAAeAAAAAEAAABAAAAAAAAAAAAAAABaAAAAAAAAAAAAAAAAAAAAAAAAAAAAAAAAAAAAAAAAAAAAAAAAAAAAAAAAAAAAAAAAAAAAAAAAAAAAAAAAAAAAAAAAAAAAAAAAAAAAFAAAADwAAAAAAAAAAAAAAAAAAAAPAAAAAQAAACMAAAAjAAAAIwAAAB4AAAAAAAAAZAAAAGQAAAAAAAAAZAAAAGQAAAAVAAAAYAAAAAAAAAAAAAAADwAAACADAAAAAAAAAAAAAAEAAACgMgAAVgcAAKr4//8BAAAAf39/AAEAAABkAAAAAAAAABQAAABAHwAAAAAAACYAAAAAAAAAwOD//wAAAAAmAAAAZAAAABYAAABMAAAAAAAAAAAAAAAEAAAAAAAAAAEAAADu7OEKAAAAACgAAAAoAAAAZAAAAGQAAAAAAAAAzMzMAAAAAABQAAAAUAAAAGQAAABkAAAAAAAAABcAAAAUAAAAAAAAAAAAAAD/fwAA/38AAAAAAAAJAAAABAAAAAAAAAAMAAAAEAAAAAAAAAAAAAAAAAAAAAAAAAAeAAAAaAAAAAAAAAAAAAAAAAAAAAAAAAAAAAAAECcAABAnAAAAAAAAAAAAAAAAAAAAAAAAAAAAAAAAAAAAAAAAAAAAABQAAAAAAAAAwMD/AAAAAABkAAAAMgAAAAAAAABkAAAAAAAAAH9/fwAKAAAAHwAAAFQAAAD///8AAAAAAQAAAAAAAAAAAAAAAAAAAAAAAAAAAAAAAAAAAAAAAAAAAAAAAH9/fwAAAAADzMzMAMDA/wB/f38AAAAAAAAAAAAAAAAAAAAAAAAAAAAhAAAAGAAAABQAAADQAgAArwEAAG81AAC6CAAAEAAAACYAAAAIAAAAPAAAAAAAAAA="/>
+                <pr:smNativeData xmlns:pr="smNativeData" xmlns:p14="http://schemas.microsoft.com/office/powerpoint/2010/main" xmlns="" val="SMDATA_13_aDXlXhMAAAAlAAAAZAAAAA0AAAAAAAAAAAAAAAAAAAAAAAAAAAAAAAABAAAAAAAAAAEAAABQAAAAAAAAAAAA4D8AAAAAAADgPwAAAAAAAOA/AAAAAAAA4D8AAAAAAADgPwAAAAAAAOA/AAAAAAAA4D8AAAAAAADgPwAAAAAAAOA/AAAAAAAA4D8CAAAAjAAAAAAAAAAAAAAA////AP///wgAAAAAAAAAAAAAAAAAAAAAAAAAAAAAAAAAAAAAeAAAAAEAAABAAAAAAAAAAAAAAABaAAAAAAAAAAAAAAAAAAAAAAAAAAAAAAAAAAAAAAAAAAAAAAAAAAAAAAAAAAAAAAAAAAAAAAAAAAAAAAAAAAAAAAAAAAAAAAAAAAAAFAAAADwAAAAAAAAAAAAAAAAAAAAPAAAAAQAAACMAAAAjAAAAIwAAAB4AAAAAAAAAZAAAAGQAAAAAAAAAZAAAAGQAAAAVAAAAYAAAAAAAAAAAAAAADwAAACADAAAAAAAAAAAAAAEAAACgMgAAVgcAAKr4//8BAAAAf39/AAEAAABkAAAAAAAAABQAAABAHwAAAAAAACYAAAAAAAAAwOD//wAAAAAmAAAAZAAAABYAAABMAAAAAAAAAAAAAAAEAAAAAAAAAAEAAADu7OEKAAAAACgAAAAoAAAAZAAAAGQAAAAAAAAAzMzMAAAAAABQAAAAUAAAAGQAAABkAAAAAAAAABcAAAAUAAAAAAAAAAAAAAD/fwAA/38AAAAAAAAJAAAABAAAAAAAAAAMAAAAEAAAAAAAAAAAAAAAAAAAAAAAAAAeAAAAaAAAAAAAAAAAAAAAAAAAAAAAAAAAAAAAECcAABAnAAAAAAAAAAAAAAAAAAAAAAAAAAAAAAAAAAAAAAAAAAAAABQAAAAAAAAAwMD/AAAAAABkAAAAMgAAAAAAAABkAAAAAAAAAH9/fwAKAAAAHwAAAFQAAAD///8AAAAAAQAAAAAAAAAAAAAAAAAAAAAAAAAAAAAAAAAAAAAAAAAAAAAAAH9/fwAAAAADzMzMAMDA/wB/f38AAAAAAAAAAAAAAAAAAAAAAAAAAAAhAAAAGAAAABQAAADQAgAArwEAAG81AAC6CAAAEAAAACYAAAAIAAAAPAAAAAAAAAA="/>
               </a:ext>
             </a:extLst>
           </p:cNvSpPr>
@@ -2031,7 +2031,7 @@
             <a:spLocks noGrp="1" noChangeArrowheads="1"/>
             <a:extLst>
               <a:ext uri="smNativeData">
-                <pr:smNativeData xmlns="" xmlns:p14="http://schemas.microsoft.com/office/powerpoint/2010/main" xmlns:pr="smNativeData" val="SMDATA_13_aDXlXhMAAAAlAAAAZAAAAA0AAAAAAAAAAAAAAAAAAAAAAAAAAAAAAAAAAAAAAAAAAAEAAABQAAAAAAAAAAAA4D8AAAAAAADgPwAAAAAAAOA/AAAAAAAA4D8AAAAAAADgPwAAAAAAAOA/AAAAAAAA4D8AAAAAAADgPwAAAAAAAOA/AAAAAAAA4D8CAAAAjAAAAAAAAAAAAAAA////AP///wgAAAAAAAAAAAAAAAAAAAAAAAAAAAAAAAAAAAAAeAAAAAEAAABAAAAAAAAAAAAAAABaAAAAAAAAAAAAAAAAAAAAAAAAAAAAAAAAAAAAAAAAAAAAAAAAAAAAAAAAAAAAAAAAAAAAAAAAAAAAAAAAAAAAAAAAAAAAAAAAAAAAFAAAADwAAAAAAAAAAAAAAAAAAAAPAAAAAQAAACMAAAAjAAAAIwAAAB4AAAAAAAAAZAAAAGQAAAAAAAAAZAAAAGQAAAAVAAAAYAAAAAAAAAAAAAAADwAAACADAAAAAAAAAAAAAAEAAACgMgAAVgcAAKr4//8BAAAAf39/AAEAAABkAAAAAAAAABQAAABAHwAAAAAAACYAAAAAAAAAwOD//wAAAAAmAAAAZAAAABYAAABMAAAAAAAAAAAAAAAEAAAAAAAAAAEAAADu7OEKAAAAACgAAAAoAAAAZAAAAGQAAAAAAAAAzMzMAAAAAABQAAAAUAAAAGQAAABkAAAAAAAAABcAAAAUAAAAAAAAAAAAAAD/fwAA/38AAAAAAAAJAAAABAAAAAAAAAAMAAAAEAAAAAAAAAAAAAAAAAAAAAAAAAAeAAAAaAAAAAAAAAAAAAAAAAAAAAAAAAAAAAAAECcAABAnAAAAAAAAAAAAAAAAAAAAAAAAAAAAAAAAAAAAAAAAAAAAABQAAAAAAAAAwMD/AAAAAABkAAAAMgAAAAAAAABkAAAAAAAAAH9/fwAKAAAAHwAAAFQAAAD///8AAAAAAQAAAAAAAAAAAAAAAAAAAAAAAAAAAAAAAAAAAAAAAAAAAAAAAH9/fwAAAAADzMzMAMDA/wB/f38AAAAAAAAAAAAAAAAAAAAAAAAAAAAhAAAAGAAAABQAAADQAgAA3wkAAIQbAABWIgAAEAAAACYAAAAIAAAAPQAAAAAAAAA="/>
+                <pr:smNativeData xmlns:pr="smNativeData" xmlns:p14="http://schemas.microsoft.com/office/powerpoint/2010/main" xmlns="" val="SMDATA_13_aDXlXhMAAAAlAAAAZAAAAA0AAAAAAAAAAAAAAAAAAAAAAAAAAAAAAAAAAAAAAAAAAAEAAABQAAAAAAAAAAAA4D8AAAAAAADgPwAAAAAAAOA/AAAAAAAA4D8AAAAAAADgPwAAAAAAAOA/AAAAAAAA4D8AAAAAAADgPwAAAAAAAOA/AAAAAAAA4D8CAAAAjAAAAAAAAAAAAAAA////AP///wgAAAAAAAAAAAAAAAAAAAAAAAAAAAAAAAAAAAAAeAAAAAEAAABAAAAAAAAAAAAAAABaAAAAAAAAAAAAAAAAAAAAAAAAAAAAAAAAAAAAAAAAAAAAAAAAAAAAAAAAAAAAAAAAAAAAAAAAAAAAAAAAAAAAAAAAAAAAAAAAAAAAFAAAADwAAAAAAAAAAAAAAAAAAAAPAAAAAQAAACMAAAAjAAAAIwAAAB4AAAAAAAAAZAAAAGQAAAAAAAAAZAAAAGQAAAAVAAAAYAAAAAAAAAAAAAAADwAAACADAAAAAAAAAAAAAAEAAACgMgAAVgcAAKr4//8BAAAAf39/AAEAAABkAAAAAAAAABQAAABAHwAAAAAAACYAAAAAAAAAwOD//wAAAAAmAAAAZAAAABYAAABMAAAAAAAAAAAAAAAEAAAAAAAAAAEAAADu7OEKAAAAACgAAAAoAAAAZAAAAGQAAAAAAAAAzMzMAAAAAABQAAAAUAAAAGQAAABkAAAAAAAAABcAAAAUAAAAAAAAAAAAAAD/fwAA/38AAAAAAAAJAAAABAAAAAAAAAAMAAAAEAAAAAAAAAAAAAAAAAAAAAAAAAAeAAAAaAAAAAAAAAAAAAAAAAAAAAAAAAAAAAAAECcAABAnAAAAAAAAAAAAAAAAAAAAAAAAAAAAAAAAAAAAAAAAAAAAABQAAAAAAAAAwMD/AAAAAABkAAAAMgAAAAAAAABkAAAAAAAAAH9/fwAKAAAAHwAAAFQAAAD///8AAAAAAQAAAAAAAAAAAAAAAAAAAAAAAAAAAAAAAAAAAAAAAAAAAAAAAH9/fwAAAAADzMzMAMDA/wB/f38AAAAAAAAAAAAAAAAAAAAAAAAAAAAhAAAAGAAAABQAAADQAgAA3wkAAIQbAABWIgAAEAAAACYAAAAIAAAAPQAAAAAAAAA="/>
               </a:ext>
             </a:extLst>
           </p:cNvSpPr>
@@ -2067,7 +2067,7 @@
             <a:spLocks noGrp="1" noChangeArrowheads="1"/>
             <a:extLst>
               <a:ext uri="smNativeData">
-                <pr:smNativeData xmlns="" xmlns:p14="http://schemas.microsoft.com/office/powerpoint/2010/main" xmlns:pr="smNativeData" val="SMDATA_13_aDXlXhMAAAAlAAAAZAAAAA0AAAAAAAAAAAAAAAAAAAAAAAAAAAAAAAAAAAAAAAAAAAEAAABQAAAAAAAAAAAA4D8AAAAAAADgPwAAAAAAAOA/AAAAAAAA4D8AAAAAAADgPwAAAAAAAOA/AAAAAAAA4D8AAAAAAADgPwAAAAAAAOA/AAAAAAAA4D8CAAAAjAAAAAAAAAAAAAAA////AP///wgAAAAAAAAAAAAAAAAAAAAAAAAAAAAAAAAAAAAAeAAAAAEAAABAAAAAAAAAAAAAAABaAAAAAAAAAAAAAAAAAAAAAAAAAAAAAAAAAAAAAAAAAAAAAAAAAAAAAAAAAAAAAAAAAAAAAAAAAAAAAAAAAAAAAAAAAAAAAAAAAAAAFAAAADwAAAAAAAAAAAAAAAAAAAAPAAAAAQAAACMAAAAjAAAAIwAAAB4AAAAAAAAAZAAAAGQAAAAAAAAAZAAAAGQAAAAVAAAAYAAAAAAAAAAAAAAADwAAACADAAAAAAAAAAAAAAEAAACgMgAAVgcAAKr4//8BAAAAf39/AAEAAABkAAAAAAAAABQAAABAHwAAAAAAACYAAAAAAAAAwOD//wAAAAAmAAAAZAAAABYAAABMAAAAAAAAAAAAAAAEAAAAAAAAAAEAAADu7OEKAAAAACgAAAAoAAAAZAAAAGQAAAAAAAAAzMzMAAAAAABQAAAAUAAAAGQAAABkAAAAAAAAABcAAAAUAAAAAAAAAAAAAAD/fwAA/38AAAAAAAAJAAAABAAAAAAAAAAMAAAAEAAAAAAAAAAAAAAAAAAAAAAAAAAeAAAAaAAAAAAAAAAAAAAAAAAAAAAAAAAAAAAAECcAABAnAAAAAAAAAAAAAAAAAAAAAAAAAAAAAAAAAAAAAAAAAAAAABQAAAAAAAAAwMD/AAAAAABkAAAAMgAAAAAAAABkAAAAAAAAAH9/fwAKAAAAHwAAAFQAAAD///8AAAAAAQAAAAAAAAAAAAAAAAAAAAAAAAAAAAAAAAAAAAAAAAAAAAAAAH9/fwAAAAADzMzMAMDA/wB/f38AAAAAAAAAAAAAAAAAAAAAAAAAAAAhAAAAGAAAABQAAADBHAAA3wkAAHU1AABWIgAAEAAAACYAAAAIAAAAPQAAAAAAAAA="/>
+                <pr:smNativeData xmlns:pr="smNativeData" xmlns:p14="http://schemas.microsoft.com/office/powerpoint/2010/main" xmlns="" val="SMDATA_13_aDXlXhMAAAAlAAAAZAAAAA0AAAAAAAAAAAAAAAAAAAAAAAAAAAAAAAAAAAAAAAAAAAEAAABQAAAAAAAAAAAA4D8AAAAAAADgPwAAAAAAAOA/AAAAAAAA4D8AAAAAAADgPwAAAAAAAOA/AAAAAAAA4D8AAAAAAADgPwAAAAAAAOA/AAAAAAAA4D8CAAAAjAAAAAAAAAAAAAAA////AP///wgAAAAAAAAAAAAAAAAAAAAAAAAAAAAAAAAAAAAAeAAAAAEAAABAAAAAAAAAAAAAAABaAAAAAAAAAAAAAAAAAAAAAAAAAAAAAAAAAAAAAAAAAAAAAAAAAAAAAAAAAAAAAAAAAAAAAAAAAAAAAAAAAAAAAAAAAAAAAAAAAAAAFAAAADwAAAAAAAAAAAAAAAAAAAAPAAAAAQAAACMAAAAjAAAAIwAAAB4AAAAAAAAAZAAAAGQAAAAAAAAAZAAAAGQAAAAVAAAAYAAAAAAAAAAAAAAADwAAACADAAAAAAAAAAAAAAEAAACgMgAAVgcAAKr4//8BAAAAf39/AAEAAABkAAAAAAAAABQAAABAHwAAAAAAACYAAAAAAAAAwOD//wAAAAAmAAAAZAAAABYAAABMAAAAAAAAAAAAAAAEAAAAAAAAAAEAAADu7OEKAAAAACgAAAAoAAAAZAAAAGQAAAAAAAAAzMzMAAAAAABQAAAAUAAAAGQAAABkAAAAAAAAABcAAAAUAAAAAAAAAAAAAAD/fwAA/38AAAAAAAAJAAAABAAAAAAAAAAMAAAAEAAAAAAAAAAAAAAAAAAAAAAAAAAeAAAAaAAAAAAAAAAAAAAAAAAAAAAAAAAAAAAAECcAABAnAAAAAAAAAAAAAAAAAAAAAAAAAAAAAAAAAAAAAAAAAAAAABQAAAAAAAAAwMD/AAAAAABkAAAAMgAAAAAAAABkAAAAAAAAAH9/fwAKAAAAHwAAAFQAAAD///8AAAAAAQAAAAAAAAAAAAAAAAAAAAAAAAAAAAAAAAAAAAAAAAAAAAAAAH9/fwAAAAADzMzMAMDA/wB/f38AAAAAAAAAAAAAAAAAAAAAAAAAAAAhAAAAGAAAABQAAADBHAAA3wkAAHU1AABWIgAAEAAAACYAAAAIAAAAPQAAAAAAAAA="/>
               </a:ext>
             </a:extLst>
           </p:cNvSpPr>
@@ -2128,7 +2128,7 @@
             <a:spLocks noGrp="1" noChangeArrowheads="1"/>
             <a:extLst>
               <a:ext uri="smNativeData">
-                <pr:smNativeData xmlns="" xmlns:p14="http://schemas.microsoft.com/office/powerpoint/2010/main" xmlns:pr="smNativeData" val="SMDATA_13_aDXlXhMAAAAlAAAAZAAAAA0AAAAAAAAAAAAAAAAAAAAAAAAAAAAAAAABAAAAAAAAAAEAAABQAAAAAAAAAAAA4D8AAAAAAADgPwAAAAAAAOA/AAAAAAAA4D8AAAAAAADgPwAAAAAAAOA/AAAAAAAA4D8AAAAAAADgPwAAAAAAAOA/AAAAAAAA4D8CAAAAjAAAAAAAAAAAAAAA////AP///wgAAAAAAAAAAAAAAAAAAAAAAAAAAAAAAAAAAAAAeAAAAAEAAABAAAAAAAAAAAAAAABaAAAAAAAAAAAAAAAAAAAAAAAAAAAAAAAAAAAAAAAAAAAAAAAAAAAAAAAAAAAAAAAAAAAAAAAAAAAAAAAAAAAAAAAAAAAAAAAAAAAAFAAAADwAAAAAAAAAAAAAAAAAAAAPAAAAAQAAACMAAAAjAAAAIwAAAB4AAAAAAAAAZAAAAGQAAAAAAAAAZAAAAGQAAAAVAAAAYAAAAAAAAAAAAAAADwAAACADAAAAAAAAAAAAAAEAAACgMgAAVgcAAKr4//8BAAAAf39/AAEAAABkAAAAAAAAABQAAABAHwAAAAAAACYAAAAAAAAAwOD//wAAAAAmAAAAZAAAABYAAABMAAAAAAAAAAAAAAAEAAAAAAAAAAEAAADu7OEKAAAAACgAAAAoAAAAZAAAAGQAAAAAAAAAzMzMAAAAAABQAAAAUAAAAGQAAABkAAAAAAAAABcAAAAUAAAAAAAAAAAAAAD/fwAA/38AAAAAAAAJAAAABAAAAAAAAAAMAAAAEAAAAAAAAAAAAAAAAAAAAAAAAAAeAAAAaAAAAAAAAAAAAAAAAAAAAAAAAAAAAAAAECcAABAnAAAAAAAAAAAAAAAAAAAAAAAAAAAAAAAAAAAAAAAAAAAAABQAAAAAAAAAwMD/AAAAAABkAAAAMgAAAAAAAABkAAAAAAAAAH9/fwAKAAAAHwAAAFQAAAD///8AAAAAAQAAAAAAAAAAAAAAAAAAAAAAAAAAAAAAAAAAAAAAAAAAAAAAAH9/fwAAAAADzMzMAMDA/wB/f38AAAAAAAAAAAAAAAAAAAAAAAAAAAAhAAAAGAAAABQAAADQAgAArwEAAG81AAC6CAAAEAAAACYAAAAIAAAAPAAAAAAAAAA="/>
+                <pr:smNativeData xmlns:pr="smNativeData" xmlns:p14="http://schemas.microsoft.com/office/powerpoint/2010/main" xmlns="" val="SMDATA_13_aDXlXhMAAAAlAAAAZAAAAA0AAAAAAAAAAAAAAAAAAAAAAAAAAAAAAAABAAAAAAAAAAEAAABQAAAAAAAAAAAA4D8AAAAAAADgPwAAAAAAAOA/AAAAAAAA4D8AAAAAAADgPwAAAAAAAOA/AAAAAAAA4D8AAAAAAADgPwAAAAAAAOA/AAAAAAAA4D8CAAAAjAAAAAAAAAAAAAAA////AP///wgAAAAAAAAAAAAAAAAAAAAAAAAAAAAAAAAAAAAAeAAAAAEAAABAAAAAAAAAAAAAAABaAAAAAAAAAAAAAAAAAAAAAAAAAAAAAAAAAAAAAAAAAAAAAAAAAAAAAAAAAAAAAAAAAAAAAAAAAAAAAAAAAAAAAAAAAAAAAAAAAAAAFAAAADwAAAAAAAAAAAAAAAAAAAAPAAAAAQAAACMAAAAjAAAAIwAAAB4AAAAAAAAAZAAAAGQAAAAAAAAAZAAAAGQAAAAVAAAAYAAAAAAAAAAAAAAADwAAACADAAAAAAAAAAAAAAEAAACgMgAAVgcAAKr4//8BAAAAf39/AAEAAABkAAAAAAAAABQAAABAHwAAAAAAACYAAAAAAAAAwOD//wAAAAAmAAAAZAAAABYAAABMAAAAAAAAAAAAAAAEAAAAAAAAAAEAAADu7OEKAAAAACgAAAAoAAAAZAAAAGQAAAAAAAAAzMzMAAAAAABQAAAAUAAAAGQAAABkAAAAAAAAABcAAAAUAAAAAAAAAAAAAAD/fwAA/38AAAAAAAAJAAAABAAAAAAAAAAMAAAAEAAAAAAAAAAAAAAAAAAAAAAAAAAeAAAAaAAAAAAAAAAAAAAAAAAAAAAAAAAAAAAAECcAABAnAAAAAAAAAAAAAAAAAAAAAAAAAAAAAAAAAAAAAAAAAAAAABQAAAAAAAAAwMD/AAAAAABkAAAAMgAAAAAAAABkAAAAAAAAAH9/fwAKAAAAHwAAAFQAAAD///8AAAAAAQAAAAAAAAAAAAAAAAAAAAAAAAAAAAAAAAAAAAAAAAAAAAAAAH9/fwAAAAADzMzMAMDA/wB/f38AAAAAAAAAAAAAAAAAAAAAAAAAAAAhAAAAGAAAABQAAADQAgAArwEAAG81AAC6CAAAEAAAACYAAAAIAAAAPAAAAAAAAAA="/>
               </a:ext>
             </a:extLst>
           </p:cNvSpPr>
@@ -2184,7 +2184,7 @@
             <a:spLocks noGrp="1" noChangeArrowheads="1"/>
             <a:extLst>
               <a:ext uri="smNativeData">
-                <pr:smNativeData xmlns="" xmlns:p14="http://schemas.microsoft.com/office/powerpoint/2010/main" xmlns:pr="smNativeData" val="SMDATA_13_aDXlXhMAAAAlAAAAZAAAAA0AAAAAAAAAAAAAAAAAAAAAAAAAAAAAAAABAAAAAAAAAAEAAABQAAAAAAAAAAAA4D8AAAAAAADgPwAAAAAAAOA/AAAAAAAA4D8AAAAAAADgPwAAAAAAAOA/AAAAAAAA4D8AAAAAAADgPwAAAAAAAOA/AAAAAAAA4D8CAAAAjAAAAAAAAAAAAAAA////AP///wgAAAAAAAAAAAAAAAAAAAAAAAAAAAAAAAAAAAAAeAAAAAEAAABAAAAAAAAAAAAAAABaAAAAAAAAAAAAAAAAAAAAAAAAAAAAAAAAAAAAAAAAAAAAAAAAAAAAAAAAAAAAAAAAAAAAAAAAAAAAAAAAAAAAAAAAAAAAAAAAAAAAFAAAADwAAAAAAAAAAAAAAAAAAAAPAAAAAQAAACMAAAAjAAAAIwAAAB4AAAAAAAAAZAAAAGQAAAAAAAAAZAAAAGQAAAAVAAAAYAAAAAAAAAAAAAAADwAAACADAAAAAAAAAAAAAAEAAACgMgAAVgcAAKr4//8BAAAAf39/AAEAAABkAAAAAAAAABQAAABAHwAAAAAAACYAAAAAAAAAwOD//wAAAAAmAAAAZAAAABYAAABMAAAAAAAAAAAAAAAEAAAAAAAAAAEAAADu7OEKAAAAACgAAAAoAAAAZAAAAGQAAAAAAAAAzMzMAAAAAABQAAAAUAAAAGQAAABkAAAAAAAAABcAAAAUAAAAAAAAAAAAAAD/fwAA/38AAAAAAAAJAAAABAAAAAAAAAAMAAAAEAAAAAAAAAAAAAAAAAAAAAAAAAAeAAAAaAAAAAAAAAAAAAAAAAAAAAAAAAAAAAAAECcAABAnAAAAAAAAAAAAAAAAAAAAAAAAAAAAAAAAAAAAAAAAAAAAABQAAAAAAAAAwMD/AAAAAABkAAAAMgAAAAAAAABkAAAAAAAAAH9/fwAKAAAAHwAAAFQAAAD///8AAAAAAQAAAAAAAAAAAAAAAAAAAAAAAAAAAAAAAAAAAAAAAAAAAAAAAH9/fwAAAAADzMzMAMDA/wB/f38AAAAAAAAAAAAAAAAAAAAAAAAAAAAhAAAAGAAAABQAAADQAgAArwEAAG81AABWIgAAEAAAACYAAAAIAAAAvYAAAAAAAAA="/>
+                <pr:smNativeData xmlns:pr="smNativeData" xmlns:p14="http://schemas.microsoft.com/office/powerpoint/2010/main" xmlns="" val="SMDATA_13_aDXlXhMAAAAlAAAAZAAAAA0AAAAAAAAAAAAAAAAAAAAAAAAAAAAAAAABAAAAAAAAAAEAAABQAAAAAAAAAAAA4D8AAAAAAADgPwAAAAAAAOA/AAAAAAAA4D8AAAAAAADgPwAAAAAAAOA/AAAAAAAA4D8AAAAAAADgPwAAAAAAAOA/AAAAAAAA4D8CAAAAjAAAAAAAAAAAAAAA////AP///wgAAAAAAAAAAAAAAAAAAAAAAAAAAAAAAAAAAAAAeAAAAAEAAABAAAAAAAAAAAAAAABaAAAAAAAAAAAAAAAAAAAAAAAAAAAAAAAAAAAAAAAAAAAAAAAAAAAAAAAAAAAAAAAAAAAAAAAAAAAAAAAAAAAAAAAAAAAAAAAAAAAAFAAAADwAAAAAAAAAAAAAAAAAAAAPAAAAAQAAACMAAAAjAAAAIwAAAB4AAAAAAAAAZAAAAGQAAAAAAAAAZAAAAGQAAAAVAAAAYAAAAAAAAAAAAAAADwAAACADAAAAAAAAAAAAAAEAAACgMgAAVgcAAKr4//8BAAAAf39/AAEAAABkAAAAAAAAABQAAABAHwAAAAAAACYAAAAAAAAAwOD//wAAAAAmAAAAZAAAABYAAABMAAAAAAAAAAAAAAAEAAAAAAAAAAEAAADu7OEKAAAAACgAAAAoAAAAZAAAAGQAAAAAAAAAzMzMAAAAAABQAAAAUAAAAGQAAABkAAAAAAAAABcAAAAUAAAAAAAAAAAAAAD/fwAA/38AAAAAAAAJAAAABAAAAAAAAAAMAAAAEAAAAAAAAAAAAAAAAAAAAAAAAAAeAAAAaAAAAAAAAAAAAAAAAAAAAAAAAAAAAAAAECcAABAnAAAAAAAAAAAAAAAAAAAAAAAAAAAAAAAAAAAAAAAAAAAAABQAAAAAAAAAwMD/AAAAAABkAAAAMgAAAAAAAABkAAAAAAAAAH9/fwAKAAAAHwAAAFQAAAD///8AAAAAAQAAAAAAAAAAAAAAAAAAAAAAAAAAAAAAAAAAAAAAAAAAAAAAAH9/fwAAAAADzMzMAMDA/wB/f38AAAAAAAAAAAAAAAAAAAAAAAAAAAAhAAAAGAAAABQAAADQAgAArwEAAG81AABWIgAAEAAAACYAAAAIAAAAvYAAAAAAAAA="/>
               </a:ext>
             </a:extLst>
           </p:cNvSpPr>
@@ -2273,7 +2273,7 @@
             <a:spLocks noGrp="1" noChangeArrowheads="1"/>
             <a:extLst>
               <a:ext uri="smNativeData">
-                <pr:smNativeData xmlns="" xmlns:p14="http://schemas.microsoft.com/office/powerpoint/2010/main" xmlns:pr="smNativeData" val="SMDATA_13_aDXlXhMAAAAlAAAAZAAAAA0AAAAAAAAAAAAAAAAAAAAAAAAAAAAAAAABAAAAAAAAAAEAAABQAAAAAAAAAAAA4D8AAAAAAADgPwAAAAAAAOA/AAAAAAAA4D8AAAAAAADgPwAAAAAAAOA/AAAAAAAA4D8AAAAAAADgPwAAAAAAAOA/AAAAAAAA4D8CAAAAjAAAAAAAAAAAAAAA////AP///wgAAAAAAAAAAAAAAAAAAAAAAAAAAAAAAAAAAAAAeAAAAAEAAABAAAAAAAAAAAAAAABaAAAAAAAAAAAAAAAAAAAAAAAAAAAAAAAAAAAAAAAAAAAAAAAAAAAAAAAAAAAAAAAAAAAAAAAAAAAAAAAAAAAAAAAAAAAAAAAAAAAAFAAAADwAAAAAAAAAAAAAAAAAAAAPAAAAAQAAACMAAAAjAAAAIwAAAB4AAAAAAAAAZAAAAGQAAAAAAAAAZAAAAGQAAAAVAAAAYAAAAAAAAAAAAAAADwAAACADAAAAAAAAAAAAAAEAAACgMgAAVgcAAKr4//8BAAAAf39/AAEAAABkAAAAAAAAABQAAABAHwAAAAAAACYAAAAAAAAAwOD//wAAAAAmAAAAZAAAABYAAABMAAAAAAAAAAAAAAAEAAAAAAAAAAEAAADu7OEKAAAAACgAAAAoAAAAZAAAAGQAAAAAAAAAzMzMAAAAAABQAAAAUAAAAGQAAABkAAAAAAAAABcAAAAUAAAAAAAAAAAAAAD/fwAA/38AAAAAAAAJAAAABAAAAAAAAAAMAAAAEAAAAAAAAAAAAAAAAAAAAAAAAAAeAAAAaAAAAAAAAAAAAAAAAAAAAAAAAAAAAAAAECcAABAnAAAAAAAAAAAAAAAAAAAAAAAAAAAAAAAAAAAAAAAAAAAAABQAAAAAAAAAwMD/AAAAAABkAAAAMgAAAAAAAABkAAAAAAAAAH9/fwAKAAAAHwAAAFQAAAD///8AAAAAAQAAAAAAAAAAAAAAAAAAAAAAAAAAAAAAAAAAAAAAAAAAAAAAAH9/fwAAAAADzMzMAMDA/wB/f38AAAAAAAAAAAAAAAAAAAAAAAAAAAAhAAAAGAAAABQAAADQAgAArwEAAG81AAC6CAAAEAAAACYAAAAIAAAAPAAAAAAAAAA="/>
+                <pr:smNativeData xmlns:pr="smNativeData" xmlns:p14="http://schemas.microsoft.com/office/powerpoint/2010/main" xmlns="" val="SMDATA_13_aDXlXhMAAAAlAAAAZAAAAA0AAAAAAAAAAAAAAAAAAAAAAAAAAAAAAAABAAAAAAAAAAEAAABQAAAAAAAAAAAA4D8AAAAAAADgPwAAAAAAAOA/AAAAAAAA4D8AAAAAAADgPwAAAAAAAOA/AAAAAAAA4D8AAAAAAADgPwAAAAAAAOA/AAAAAAAA4D8CAAAAjAAAAAAAAAAAAAAA////AP///wgAAAAAAAAAAAAAAAAAAAAAAAAAAAAAAAAAAAAAeAAAAAEAAABAAAAAAAAAAAAAAABaAAAAAAAAAAAAAAAAAAAAAAAAAAAAAAAAAAAAAAAAAAAAAAAAAAAAAAAAAAAAAAAAAAAAAAAAAAAAAAAAAAAAAAAAAAAAAAAAAAAAFAAAADwAAAAAAAAAAAAAAAAAAAAPAAAAAQAAACMAAAAjAAAAIwAAAB4AAAAAAAAAZAAAAGQAAAAAAAAAZAAAAGQAAAAVAAAAYAAAAAAAAAAAAAAADwAAACADAAAAAAAAAAAAAAEAAACgMgAAVgcAAKr4//8BAAAAf39/AAEAAABkAAAAAAAAABQAAABAHwAAAAAAACYAAAAAAAAAwOD//wAAAAAmAAAAZAAAABYAAABMAAAAAAAAAAAAAAAEAAAAAAAAAAEAAADu7OEKAAAAACgAAAAoAAAAZAAAAGQAAAAAAAAAzMzMAAAAAABQAAAAUAAAAGQAAABkAAAAAAAAABcAAAAUAAAAAAAAAAAAAAD/fwAA/38AAAAAAAAJAAAABAAAAAAAAAAMAAAAEAAAAAAAAAAAAAAAAAAAAAAAAAAeAAAAaAAAAAAAAAAAAAAAAAAAAAAAAAAAAAAAECcAABAnAAAAAAAAAAAAAAAAAAAAAAAAAAAAAAAAAAAAAAAAAAAAABQAAAAAAAAAwMD/AAAAAABkAAAAMgAAAAAAAABkAAAAAAAAAH9/fwAKAAAAHwAAAFQAAAD///8AAAAAAQAAAAAAAAAAAAAAAAAAAAAAAAAAAAAAAAAAAAAAAAAAAAAAAH9/fwAAAAADzMzMAMDA/wB/f38AAAAAAAAAAAAAAAAAAAAAAAAAAAAhAAAAGAAAABQAAADQAgAArwEAAG81AAC6CAAAEAAAACYAAAAIAAAAPAAAAAAAAAA="/>
               </a:ext>
             </a:extLst>
           </p:cNvSpPr>
@@ -2304,7 +2304,7 @@
             <a:spLocks noGrp="1" noChangeArrowheads="1"/>
             <a:extLst>
               <a:ext uri="smNativeData">
-                <pr:smNativeData xmlns="" xmlns:p14="http://schemas.microsoft.com/office/powerpoint/2010/main" xmlns:pr="smNativeData" val="SMDATA_13_aDXlXhMAAAAlAAAAZAAAAA0AAAAAAAAAAAAAAAAAAAAAAAAAAAAAAAAAAAAAAAAAAAEAAABQAAAAAAAAAAAA4D8AAAAAAADgPwAAAAAAAOA/AAAAAAAA4D8AAAAAAADgPwAAAAAAAOA/AAAAAAAA4D8AAAAAAADgPwAAAAAAAOA/AAAAAAAA4D8CAAAAjAAAAAAAAAAAAAAA////AP///wgAAAAAAAAAAAAAAAAAAAAAAAAAAAAAAAAAAAAAeAAAAAEAAABAAAAAAAAAAAAAAABaAAAAAAAAAAAAAAAAAAAAAAAAAAAAAAAAAAAAAAAAAAAAAAAAAAAAAAAAAAAAAAAAAAAAAAAAAAAAAAAAAAAAAAAAAAAAAAAAAAAAFAAAADwAAAAAAAAAAAAAAAAAAAAPAAAAAQAAACMAAAAjAAAAIwAAAB4AAAAAAAAAZAAAAGQAAAAAAAAAZAAAAGQAAAAVAAAAYAAAAAAAAAAAAAAADwAAACADAAAAAAAAAAAAAAEAAACgMgAAVgcAAKr4//8BAAAAf39/AAEAAABkAAAAAAAAABQAAABAHwAAAAAAACYAAAAAAAAAwOD//wAAAAAmAAAAZAAAABYAAABMAAAAAAAAAAAAAAAEAAAAAAAAAAEAAADu7OEKAAAAACgAAAAoAAAAZAAAAGQAAAAAAAAAzMzMAAAAAABQAAAAUAAAAGQAAABkAAAAAAAAABcAAAAUAAAAAAAAAAAAAAD/fwAA/38AAAAAAAAJAAAABAAAAAAAAAAMAAAAEAAAAAAAAAAAAAAAAAAAAAAAAAAeAAAAaAAAAAAAAAAAAAAAAAAAAAAAAAAAAAAAECcAABAnAAAAAAAAAAAAAAAAAAAAAAAAAAAAAAAAAAAAAAAAAAAAABQAAAAAAAAAwMD/AAAAAABkAAAAMgAAAAAAAABkAAAAAAAAAH9/fwAKAAAAHwAAAFQAAAD///8AAAAAAQAAAAAAAAAAAAAAAAAAAAAAAAAAAAAAAAAAAAAAAAAAAAAAAH9/fwAAAAADzMzMAMDA/wB/f38AAAAAAAAAAAAAAAAAAAAAAAAAAAAhAAAAGAAAABQAAADQAgAA3wkAAIQbAACKFQAAEAAAACYAAAAIAAAAPQAAAAAAAAA="/>
+                <pr:smNativeData xmlns:pr="smNativeData" xmlns:p14="http://schemas.microsoft.com/office/powerpoint/2010/main" xmlns="" val="SMDATA_13_aDXlXhMAAAAlAAAAZAAAAA0AAAAAAAAAAAAAAAAAAAAAAAAAAAAAAAAAAAAAAAAAAAEAAABQAAAAAAAAAAAA4D8AAAAAAADgPwAAAAAAAOA/AAAAAAAA4D8AAAAAAADgPwAAAAAAAOA/AAAAAAAA4D8AAAAAAADgPwAAAAAAAOA/AAAAAAAA4D8CAAAAjAAAAAAAAAAAAAAA////AP///wgAAAAAAAAAAAAAAAAAAAAAAAAAAAAAAAAAAAAAeAAAAAEAAABAAAAAAAAAAAAAAABaAAAAAAAAAAAAAAAAAAAAAAAAAAAAAAAAAAAAAAAAAAAAAAAAAAAAAAAAAAAAAAAAAAAAAAAAAAAAAAAAAAAAAAAAAAAAAAAAAAAAFAAAADwAAAAAAAAAAAAAAAAAAAAPAAAAAQAAACMAAAAjAAAAIwAAAB4AAAAAAAAAZAAAAGQAAAAAAAAAZAAAAGQAAAAVAAAAYAAAAAAAAAAAAAAADwAAACADAAAAAAAAAAAAAAEAAACgMgAAVgcAAKr4//8BAAAAf39/AAEAAABkAAAAAAAAABQAAABAHwAAAAAAACYAAAAAAAAAwOD//wAAAAAmAAAAZAAAABYAAABMAAAAAAAAAAAAAAAEAAAAAAAAAAEAAADu7OEKAAAAACgAAAAoAAAAZAAAAGQAAAAAAAAAzMzMAAAAAABQAAAAUAAAAGQAAABkAAAAAAAAABcAAAAUAAAAAAAAAAAAAAD/fwAA/38AAAAAAAAJAAAABAAAAAAAAAAMAAAAEAAAAAAAAAAAAAAAAAAAAAAAAAAeAAAAaAAAAAAAAAAAAAAAAAAAAAAAAAAAAAAAECcAABAnAAAAAAAAAAAAAAAAAAAAAAAAAAAAAAAAAAAAAAAAAAAAABQAAAAAAAAAwMD/AAAAAABkAAAAMgAAAAAAAABkAAAAAAAAAH9/fwAKAAAAHwAAAFQAAAD///8AAAAAAQAAAAAAAAAAAAAAAAAAAAAAAAAAAAAAAAAAAAAAAAAAAAAAAH9/fwAAAAADzMzMAMDA/wB/f38AAAAAAAAAAAAAAAAAAAAAAAAAAAAhAAAAGAAAABQAAADQAgAA3wkAAIQbAACKFQAAEAAAACYAAAAIAAAAPQAAAAAAAAA="/>
               </a:ext>
             </a:extLst>
           </p:cNvSpPr>
@@ -2340,7 +2340,7 @@
             <a:spLocks noGrp="1" noChangeArrowheads="1"/>
             <a:extLst>
               <a:ext uri="smNativeData">
-                <pr:smNativeData xmlns="" xmlns:p14="http://schemas.microsoft.com/office/powerpoint/2010/main" xmlns:pr="smNativeData" val="SMDATA_13_aDXlXhMAAAAlAAAAZAAAAA0AAAAAAAAAAAAAAAAAAAAAAAAAAAAAAAAAAAAAAAAAAAEAAABQAAAAAAAAAAAA4D8AAAAAAADgPwAAAAAAAOA/AAAAAAAA4D8AAAAAAADgPwAAAAAAAOA/AAAAAAAA4D8AAAAAAADgPwAAAAAAAOA/AAAAAAAA4D8CAAAAjAAAAAAAAAAAAAAA////AP///wgAAAAAAAAAAAAAAAAAAAAAAAAAAAAAAAAAAAAAeAAAAAEAAABAAAAAAAAAAAAAAABaAAAAAAAAAAAAAAAAAAAAAAAAAAAAAAAAAAAAAAAAAAAAAAAAAAAAAAAAAAAAAAAAAAAAAAAAAAAAAAAAAAAAAAAAAAAAAAAAAAAAFAAAADwAAAAAAAAAAAAAAAAAAAAPAAAAAQAAACMAAAAjAAAAIwAAAB4AAAAAAAAAZAAAAGQAAAAAAAAAZAAAAGQAAAAVAAAAYAAAAAAAAAAAAAAADwAAACADAAAAAAAAAAAAAAEAAACgMgAAVgcAAKr4//8BAAAAf39/AAEAAABkAAAAAAAAABQAAABAHwAAAAAAACYAAAAAAAAAwOD//wAAAAAmAAAAZAAAABYAAABMAAAAAAAAAAAAAAAEAAAAAAAAAAEAAADu7OEKAAAAACgAAAAoAAAAZAAAAGQAAAAAAAAAzMzMAAAAAABQAAAAUAAAAGQAAABkAAAAAAAAABcAAAAUAAAAAAAAAAAAAAD/fwAA/38AAAAAAAAJAAAABAAAAAAAAAAMAAAAEAAAAAAAAAAAAAAAAAAAAAAAAAAeAAAAaAAAAAAAAAAAAAAAAAAAAAAAAAAAAAAAECcAABAnAAAAAAAAAAAAAAAAAAAAAAAAAAAAAAAAAAAAAAAAAAAAABQAAAAAAAAAwMD/AAAAAABkAAAAMgAAAAAAAABkAAAAAAAAAH9/fwAKAAAAHwAAAFQAAAD///8AAAAAAQAAAAAAAAAAAAAAAAAAAAAAAAAAAAAAAAAAAAAAAAAAAAAAAH9/fwAAAAADzMzMAMDA/wB/f38AAAAAAAAAAAAAAAAAAAAAAAAAAAAhAAAAGAAAABQAAADQAgAApxYAAIQbAABSIgAAEAAAACYAAAAIAAAAPQAAAAAAAAA="/>
+                <pr:smNativeData xmlns:pr="smNativeData" xmlns:p14="http://schemas.microsoft.com/office/powerpoint/2010/main" xmlns="" val="SMDATA_13_aDXlXhMAAAAlAAAAZAAAAA0AAAAAAAAAAAAAAAAAAAAAAAAAAAAAAAAAAAAAAAAAAAEAAABQAAAAAAAAAAAA4D8AAAAAAADgPwAAAAAAAOA/AAAAAAAA4D8AAAAAAADgPwAAAAAAAOA/AAAAAAAA4D8AAAAAAADgPwAAAAAAAOA/AAAAAAAA4D8CAAAAjAAAAAAAAAAAAAAA////AP///wgAAAAAAAAAAAAAAAAAAAAAAAAAAAAAAAAAAAAAeAAAAAEAAABAAAAAAAAAAAAAAABaAAAAAAAAAAAAAAAAAAAAAAAAAAAAAAAAAAAAAAAAAAAAAAAAAAAAAAAAAAAAAAAAAAAAAAAAAAAAAAAAAAAAAAAAAAAAAAAAAAAAFAAAADwAAAAAAAAAAAAAAAAAAAAPAAAAAQAAACMAAAAjAAAAIwAAAB4AAAAAAAAAZAAAAGQAAAAAAAAAZAAAAGQAAAAVAAAAYAAAAAAAAAAAAAAADwAAACADAAAAAAAAAAAAAAEAAACgMgAAVgcAAKr4//8BAAAAf39/AAEAAABkAAAAAAAAABQAAABAHwAAAAAAACYAAAAAAAAAwOD//wAAAAAmAAAAZAAAABYAAABMAAAAAAAAAAAAAAAEAAAAAAAAAAEAAADu7OEKAAAAACgAAAAoAAAAZAAAAGQAAAAAAAAAzMzMAAAAAABQAAAAUAAAAGQAAABkAAAAAAAAABcAAAAUAAAAAAAAAAAAAAD/fwAA/38AAAAAAAAJAAAABAAAAAAAAAAMAAAAEAAAAAAAAAAAAAAAAAAAAAAAAAAeAAAAaAAAAAAAAAAAAAAAAAAAAAAAAAAAAAAAECcAABAnAAAAAAAAAAAAAAAAAAAAAAAAAAAAAAAAAAAAAAAAAAAAABQAAAAAAAAAwMD/AAAAAABkAAAAMgAAAAAAAABkAAAAAAAAAH9/fwAKAAAAHwAAAFQAAAD///8AAAAAAQAAAAAAAAAAAAAAAAAAAAAAAAAAAAAAAAAAAAAAAAAAAAAAAH9/fwAAAAADzMzMAMDA/wB/f38AAAAAAAAAAAAAAAAAAAAAAAAAAAAhAAAAGAAAABQAAADQAgAApxYAAIQbAABSIgAAEAAAACYAAAAIAAAAPQAAAAAAAAA="/>
               </a:ext>
             </a:extLst>
           </p:cNvSpPr>
@@ -2376,7 +2376,7 @@
             <a:spLocks noGrp="1" noChangeArrowheads="1"/>
             <a:extLst>
               <a:ext uri="smNativeData">
-                <pr:smNativeData xmlns="" xmlns:p14="http://schemas.microsoft.com/office/powerpoint/2010/main" xmlns:pr="smNativeData" val="SMDATA_13_aDXlXhMAAAAlAAAAZAAAAA0AAAAAAAAAAAAAAAAAAAAAAAAAAAAAAAAAAAAAAAAAAAEAAABQAAAAAAAAAAAA4D8AAAAAAADgPwAAAAAAAOA/AAAAAAAA4D8AAAAAAADgPwAAAAAAAOA/AAAAAAAA4D8AAAAAAADgPwAAAAAAAOA/AAAAAAAA4D8CAAAAjAAAAAAAAAAAAAAA////AP///wgAAAAAAAAAAAAAAAAAAAAAAAAAAAAAAAAAAAAAeAAAAAEAAABAAAAAAAAAAAAAAABaAAAAAAAAAAAAAAAAAAAAAAAAAAAAAAAAAAAAAAAAAAAAAAAAAAAAAAAAAAAAAAAAAAAAAAAAAAAAAAAAAAAAAAAAAAAAAAAAAAAAFAAAADwAAAAAAAAAAAAAAAAAAAAPAAAAAQAAACMAAAAjAAAAIwAAAB4AAAAAAAAAZAAAAGQAAAAAAAAAZAAAAGQAAAAVAAAAYAAAAAAAAAAAAAAADwAAACADAAAAAAAAAAAAAAEAAACgMgAAVgcAAKr4//8BAAAAf39/AAEAAABkAAAAAAAAABQAAABAHwAAAAAAACYAAAAAAAAAwOD//wAAAAAmAAAAZAAAABYAAABMAAAAAAAAAAAAAAAEAAAAAAAAAAEAAADu7OEKAAAAACgAAAAoAAAAZAAAAGQAAAAAAAAAzMzMAAAAAABQAAAAUAAAAGQAAABkAAAAAAAAABcAAAAUAAAAAAAAAAAAAAD/fwAA/38AAAAAAAAJAAAABAAAAAAAAAAMAAAAEAAAAAAAAAAAAAAAAAAAAAAAAAAeAAAAaAAAAAAAAAAAAAAAAAAAAAAAAAAAAAAAECcAABAnAAAAAAAAAAAAAAAAAAAAAAAAAAAAAAAAAAAAAAAAAAAAABQAAAAAAAAAwMD/AAAAAABkAAAAMgAAAAAAAABkAAAAAAAAAH9/fwAKAAAAHwAAAFQAAAD///8AAAAAAQAAAAAAAAAAAAAAAAAAAAAAAAAAAAAAAAAAAAAAAAAAAAAAAH9/fwAAAAADzMzMAMDA/wB/f38AAAAAAAAAAAAAAAAAAAAAAAAAAAAhAAAAGAAAABQAAADBHAAA3wkAAHU1AABWIgAAEAAAACYAAAAIAAAAPQAAAAAAAAA="/>
+                <pr:smNativeData xmlns:pr="smNativeData" xmlns:p14="http://schemas.microsoft.com/office/powerpoint/2010/main" xmlns="" val="SMDATA_13_aDXlXhMAAAAlAAAAZAAAAA0AAAAAAAAAAAAAAAAAAAAAAAAAAAAAAAAAAAAAAAAAAAEAAABQAAAAAAAAAAAA4D8AAAAAAADgPwAAAAAAAOA/AAAAAAAA4D8AAAAAAADgPwAAAAAAAOA/AAAAAAAA4D8AAAAAAADgPwAAAAAAAOA/AAAAAAAA4D8CAAAAjAAAAAAAAAAAAAAA////AP///wgAAAAAAAAAAAAAAAAAAAAAAAAAAAAAAAAAAAAAeAAAAAEAAABAAAAAAAAAAAAAAABaAAAAAAAAAAAAAAAAAAAAAAAAAAAAAAAAAAAAAAAAAAAAAAAAAAAAAAAAAAAAAAAAAAAAAAAAAAAAAAAAAAAAAAAAAAAAAAAAAAAAFAAAADwAAAAAAAAAAAAAAAAAAAAPAAAAAQAAACMAAAAjAAAAIwAAAB4AAAAAAAAAZAAAAGQAAAAAAAAAZAAAAGQAAAAVAAAAYAAAAAAAAAAAAAAADwAAACADAAAAAAAAAAAAAAEAAACgMgAAVgcAAKr4//8BAAAAf39/AAEAAABkAAAAAAAAABQAAABAHwAAAAAAACYAAAAAAAAAwOD//wAAAAAmAAAAZAAAABYAAABMAAAAAAAAAAAAAAAEAAAAAAAAAAEAAADu7OEKAAAAACgAAAAoAAAAZAAAAGQAAAAAAAAAzMzMAAAAAABQAAAAUAAAAGQAAABkAAAAAAAAABcAAAAUAAAAAAAAAAAAAAD/fwAA/38AAAAAAAAJAAAABAAAAAAAAAAMAAAAEAAAAAAAAAAAAAAAAAAAAAAAAAAeAAAAaAAAAAAAAAAAAAAAAAAAAAAAAAAAAAAAECcAABAnAAAAAAAAAAAAAAAAAAAAAAAAAAAAAAAAAAAAAAAAAAAAABQAAAAAAAAAwMD/AAAAAABkAAAAMgAAAAAAAABkAAAAAAAAAH9/fwAKAAAAHwAAAFQAAAD///8AAAAAAQAAAAAAAAAAAAAAAAAAAAAAAAAAAAAAAAAAAAAAAAAAAAAAAH9/fwAAAAADzMzMAMDA/wB/f38AAAAAAAAAAAAAAAAAAAAAAAAAAAAhAAAAGAAAABQAAADBHAAA3wkAAHU1AABWIgAAEAAAACYAAAAIAAAAPQAAAAAAAAA="/>
               </a:ext>
             </a:extLst>
           </p:cNvSpPr>
@@ -2437,7 +2437,7 @@
             <a:spLocks noGrp="1" noChangeArrowheads="1"/>
             <a:extLst>
               <a:ext uri="smNativeData">
-                <pr:smNativeData xmlns="" xmlns:p14="http://schemas.microsoft.com/office/powerpoint/2010/main" xmlns:pr="smNativeData" val="SMDATA_13_aDXlXhMAAAAlAAAAZAAAAA0AAAAAAAAAAAAAAAAAAAAAAAAAAAAAAAABAAAAAAAAAAEAAABQAAAAAAAAAAAA4D8AAAAAAADgPwAAAAAAAOA/AAAAAAAA4D8AAAAAAADgPwAAAAAAAOA/AAAAAAAA4D8AAAAAAADgPwAAAAAAAOA/AAAAAAAA4D8CAAAAjAAAAAAAAAAAAAAA////AP///wgAAAAAAAAAAAAAAAAAAAAAAAAAAAAAAAAAAAAAeAAAAAEAAABAAAAAAAAAAAAAAABaAAAAAAAAAAAAAAAAAAAAAAAAAAAAAAAAAAAAAAAAAAAAAAAAAAAAAAAAAAAAAAAAAAAAAAAAAAAAAAAAAAAAAAAAAAAAAAAAAAAAFAAAADwAAAAAAAAAAAAAAAAAAAAPAAAAAQAAACMAAAAjAAAAIwAAAB4AAAAAAAAAZAAAAGQAAAAAAAAAZAAAAGQAAAAVAAAAYAAAAAAAAAAAAAAADwAAACADAAAAAAAAAAAAAAEAAACgMgAAVgcAAKr4//8BAAAAf39/AAEAAABkAAAAAAAAABQAAABAHwAAAAAAACYAAAAAAAAAwOD//wAAAAAmAAAAZAAAABYAAABMAAAAAAAAAAAAAAAEAAAAAAAAAAEAAADu7OEKAAAAACgAAAAoAAAAZAAAAGQAAAAAAAAAzMzMAAAAAABQAAAAUAAAAGQAAABkAAAAAAAAABcAAAAUAAAAAAAAAAAAAAD/fwAA/38AAAAAAAAJAAAABAAAAAAAAAAMAAAAEAAAAAAAAAAAAAAAAAAAAAAAAAAeAAAAaAAAAAAAAAAAAAAAAAAAAAAAAAAAAAAAECcAABAnAAAAAAAAAAAAAAAAAAAAAAAAAAAAAAAAAAAAAAAAAAAAABQAAAAAAAAAwMD/AAAAAABkAAAAMgAAAAAAAABkAAAAAAAAAH9/fwAKAAAAHwAAAFQAAAD///8AAAAAAQAAAAAAAAAAAAAAAAAAAAAAAAAAAAAAAAAAAAAAAAAAAAAAAH9/fwAAAAADzMzMAMDA/wB/f38AAAAAAAAAAAAAAAAAAAAAAAAAAAAhAAAAGAAAABQAAADQAgAArwEAAG81AAC6CAAAEAAAACYAAAAIAAAAPAAAAAAAAAA="/>
+                <pr:smNativeData xmlns:pr="smNativeData" xmlns:p14="http://schemas.microsoft.com/office/powerpoint/2010/main" xmlns="" val="SMDATA_13_aDXlXhMAAAAlAAAAZAAAAA0AAAAAAAAAAAAAAAAAAAAAAAAAAAAAAAABAAAAAAAAAAEAAABQAAAAAAAAAAAA4D8AAAAAAADgPwAAAAAAAOA/AAAAAAAA4D8AAAAAAADgPwAAAAAAAOA/AAAAAAAA4D8AAAAAAADgPwAAAAAAAOA/AAAAAAAA4D8CAAAAjAAAAAAAAAAAAAAA////AP///wgAAAAAAAAAAAAAAAAAAAAAAAAAAAAAAAAAAAAAeAAAAAEAAABAAAAAAAAAAAAAAABaAAAAAAAAAAAAAAAAAAAAAAAAAAAAAAAAAAAAAAAAAAAAAAAAAAAAAAAAAAAAAAAAAAAAAAAAAAAAAAAAAAAAAAAAAAAAAAAAAAAAFAAAADwAAAAAAAAAAAAAAAAAAAAPAAAAAQAAACMAAAAjAAAAIwAAAB4AAAAAAAAAZAAAAGQAAAAAAAAAZAAAAGQAAAAVAAAAYAAAAAAAAAAAAAAADwAAACADAAAAAAAAAAAAAAEAAACgMgAAVgcAAKr4//8BAAAAf39/AAEAAABkAAAAAAAAABQAAABAHwAAAAAAACYAAAAAAAAAwOD//wAAAAAmAAAAZAAAABYAAABMAAAAAAAAAAAAAAAEAAAAAAAAAAEAAADu7OEKAAAAACgAAAAoAAAAZAAAAGQAAAAAAAAAzMzMAAAAAABQAAAAUAAAAGQAAABkAAAAAAAAABcAAAAUAAAAAAAAAAAAAAD/fwAA/38AAAAAAAAJAAAABAAAAAAAAAAMAAAAEAAAAAAAAAAAAAAAAAAAAAAAAAAeAAAAaAAAAAAAAAAAAAAAAAAAAAAAAAAAAAAAECcAABAnAAAAAAAAAAAAAAAAAAAAAAAAAAAAAAAAAAAAAAAAAAAAABQAAAAAAAAAwMD/AAAAAABkAAAAMgAAAAAAAABkAAAAAAAAAH9/fwAKAAAAHwAAAFQAAAD///8AAAAAAQAAAAAAAAAAAAAAAAAAAAAAAAAAAAAAAAAAAAAAAAAAAAAAAH9/fwAAAAADzMzMAMDA/wB/f38AAAAAAAAAAAAAAAAAAAAAAAAAAAAhAAAAGAAAABQAAADQAgAArwEAAG81AAC6CAAAEAAAACYAAAAIAAAAPAAAAAAAAAA="/>
               </a:ext>
             </a:extLst>
           </p:cNvSpPr>
@@ -2468,7 +2468,7 @@
             <a:spLocks noGrp="1" noChangeArrowheads="1"/>
             <a:extLst>
               <a:ext uri="smNativeData">
-                <pr:smNativeData xmlns="" xmlns:p14="http://schemas.microsoft.com/office/powerpoint/2010/main" xmlns:pr="smNativeData" val="SMDATA_13_aDXlXhMAAAAlAAAAZAAAAA0AAAAAAAAAAAAAAAAAAAAAAAAAAAAAAAAAAAAAAAAAAAEAAABQAAAAAAAAAAAA4D8AAAAAAADgPwAAAAAAAOA/AAAAAAAA4D8AAAAAAADgPwAAAAAAAOA/AAAAAAAA4D8AAAAAAADgPwAAAAAAAOA/AAAAAAAA4D8CAAAAjAAAAAAAAAAAAAAA////AP///wgAAAAAAAAAAAAAAAAAAAAAAAAAAAAAAAAAAAAAeAAAAAEAAABAAAAAAAAAAAAAAABaAAAAAAAAAAAAAAAAAAAAAAAAAAAAAAAAAAAAAAAAAAAAAAAAAAAAAAAAAAAAAAAAAAAAAAAAAAAAAAAAAAAAAAAAAAAAAAAAAAAAFAAAADwAAAAAAAAAAAAAAAAAAAAPAAAAAQAAACMAAAAjAAAAIwAAAB4AAAAAAAAAZAAAAGQAAAAAAAAAZAAAAGQAAAAVAAAAYAAAAAAAAAAAAAAADwAAACADAAAAAAAAAAAAAAEAAACgMgAAVgcAAKr4//8BAAAAf39/AAEAAABkAAAAAAAAABQAAABAHwAAAAAAACYAAAAAAAAAwOD//wAAAAAmAAAAZAAAABYAAABMAAAAAAAAAAAAAAAEAAAAAAAAAAEAAADu7OEKAAAAACgAAAAoAAAAZAAAAGQAAAAAAAAAzMzMAAAAAABQAAAAUAAAAGQAAABkAAAAAAAAABcAAAAUAAAAAAAAAAAAAAD/fwAA/38AAAAAAAAJAAAABAAAAAAAAAAMAAAAEAAAAAAAAAAAAAAAAAAAAAAAAAAeAAAAaAAAAAAAAAAAAAAAAAAAAAAAAAAAAAAAECcAABAnAAAAAAAAAAAAAAAAAAAAAAAAAAAAAAAAAAAAAAAAAAAAABQAAAAAAAAAwMD/AAAAAABkAAAAMgAAAAAAAABkAAAAAAAAAH9/fwAKAAAAHwAAAFQAAAD///8AAAAAAQAAAAAAAAAAAAAAAAAAAAAAAAAAAAAAAAAAAAAAAAAAAAAAAH9/fwAAAAADzMzMAMDA/wB/f38AAAAAAAAAAAAAAAAAAAAAAAAAAAAhAAAAGAAAABQAAADQAgAA3wkAAIQbAABWIgAAEAAAACYAAAAIAAAAPQAAAAAAAAA="/>
+                <pr:smNativeData xmlns:pr="smNativeData" xmlns:p14="http://schemas.microsoft.com/office/powerpoint/2010/main" xmlns="" val="SMDATA_13_aDXlXhMAAAAlAAAAZAAAAA0AAAAAAAAAAAAAAAAAAAAAAAAAAAAAAAAAAAAAAAAAAAEAAABQAAAAAAAAAAAA4D8AAAAAAADgPwAAAAAAAOA/AAAAAAAA4D8AAAAAAADgPwAAAAAAAOA/AAAAAAAA4D8AAAAAAADgPwAAAAAAAOA/AAAAAAAA4D8CAAAAjAAAAAAAAAAAAAAA////AP///wgAAAAAAAAAAAAAAAAAAAAAAAAAAAAAAAAAAAAAeAAAAAEAAABAAAAAAAAAAAAAAABaAAAAAAAAAAAAAAAAAAAAAAAAAAAAAAAAAAAAAAAAAAAAAAAAAAAAAAAAAAAAAAAAAAAAAAAAAAAAAAAAAAAAAAAAAAAAAAAAAAAAFAAAADwAAAAAAAAAAAAAAAAAAAAPAAAAAQAAACMAAAAjAAAAIwAAAB4AAAAAAAAAZAAAAGQAAAAAAAAAZAAAAGQAAAAVAAAAYAAAAAAAAAAAAAAADwAAACADAAAAAAAAAAAAAAEAAACgMgAAVgcAAKr4//8BAAAAf39/AAEAAABkAAAAAAAAABQAAABAHwAAAAAAACYAAAAAAAAAwOD//wAAAAAmAAAAZAAAABYAAABMAAAAAAAAAAAAAAAEAAAAAAAAAAEAAADu7OEKAAAAACgAAAAoAAAAZAAAAGQAAAAAAAAAzMzMAAAAAABQAAAAUAAAAGQAAABkAAAAAAAAABcAAAAUAAAAAAAAAAAAAAD/fwAA/38AAAAAAAAJAAAABAAAAAAAAAAMAAAAEAAAAAAAAAAAAAAAAAAAAAAAAAAeAAAAaAAAAAAAAAAAAAAAAAAAAAAAAAAAAAAAECcAABAnAAAAAAAAAAAAAAAAAAAAAAAAAAAAAAAAAAAAAAAAAAAAABQAAAAAAAAAwMD/AAAAAABkAAAAMgAAAAAAAABkAAAAAAAAAH9/fwAKAAAAHwAAAFQAAAD///8AAAAAAQAAAAAAAAAAAAAAAAAAAAAAAAAAAAAAAAAAAAAAAAAAAAAAAH9/fwAAAAADzMzMAMDA/wB/f38AAAAAAAAAAAAAAAAAAAAAAAAAAAAhAAAAGAAAABQAAADQAgAA3wkAAIQbAABWIgAAEAAAACYAAAAIAAAAPQAAAAAAAAA="/>
               </a:ext>
             </a:extLst>
           </p:cNvSpPr>
@@ -2504,7 +2504,7 @@
             <a:spLocks noGrp="1" noChangeArrowheads="1"/>
             <a:extLst>
               <a:ext uri="smNativeData">
-                <pr:smNativeData xmlns="" xmlns:p14="http://schemas.microsoft.com/office/powerpoint/2010/main" xmlns:pr="smNativeData" val="SMDATA_13_aDXlXhMAAAAlAAAAZAAAAA0AAAAAAAAAAAAAAAAAAAAAAAAAAAAAAAAAAAAAAAAAAAEAAABQAAAAAAAAAAAA4D8AAAAAAADgPwAAAAAAAOA/AAAAAAAA4D8AAAAAAADgPwAAAAAAAOA/AAAAAAAA4D8AAAAAAADgPwAAAAAAAOA/AAAAAAAA4D8CAAAAjAAAAAAAAAAAAAAA////AP///wgAAAAAAAAAAAAAAAAAAAAAAAAAAAAAAAAAAAAAeAAAAAEAAABAAAAAAAAAAAAAAABaAAAAAAAAAAAAAAAAAAAAAAAAAAAAAAAAAAAAAAAAAAAAAAAAAAAAAAAAAAAAAAAAAAAAAAAAAAAAAAAAAAAAAAAAAAAAAAAAAAAAFAAAADwAAAAAAAAAAAAAAAAAAAAPAAAAAQAAACMAAAAjAAAAIwAAAB4AAAAAAAAAZAAAAGQAAAAAAAAAZAAAAGQAAAAVAAAAYAAAAAAAAAAAAAAADwAAACADAAAAAAAAAAAAAAEAAACgMgAAVgcAAKr4//8BAAAAf39/AAEAAABkAAAAAAAAABQAAABAHwAAAAAAACYAAAAAAAAAwOD//wAAAAAmAAAAZAAAABYAAABMAAAAAAAAAAAAAAAEAAAAAAAAAAEAAADu7OEKAAAAACgAAAAoAAAAZAAAAGQAAAAAAAAAzMzMAAAAAABQAAAAUAAAAGQAAABkAAAAAAAAABcAAAAUAAAAAAAAAAAAAAD/fwAA/38AAAAAAAAJAAAABAAAAAAAAAAMAAAAEAAAAAAAAAAAAAAAAAAAAAAAAAAeAAAAaAAAAAAAAAAAAAAAAAAAAAAAAAAAAAAAECcAABAnAAAAAAAAAAAAAAAAAAAAAAAAAAAAAAAAAAAAAAAAAAAAABQAAAAAAAAAwMD/AAAAAABkAAAAMgAAAAAAAABkAAAAAAAAAH9/fwAKAAAAHwAAAFQAAAD///8AAAAAAQAAAAAAAAAAAAAAAAAAAAAAAAAAAAAAAAAAAAAAAAAAAAAAAH9/fwAAAAADzMzMAMDA/wB/f38AAAAAAAAAAAAAAAAAAAAAAAAAAAAhAAAAGAAAABQAAADBHAAA3wkAAHU1AACKFQAAEAAAACYAAAAIAAAAPQAAAAAAAAA="/>
+                <pr:smNativeData xmlns:pr="smNativeData" xmlns:p14="http://schemas.microsoft.com/office/powerpoint/2010/main" xmlns="" val="SMDATA_13_aDXlXhMAAAAlAAAAZAAAAA0AAAAAAAAAAAAAAAAAAAAAAAAAAAAAAAAAAAAAAAAAAAEAAABQAAAAAAAAAAAA4D8AAAAAAADgPwAAAAAAAOA/AAAAAAAA4D8AAAAAAADgPwAAAAAAAOA/AAAAAAAA4D8AAAAAAADgPwAAAAAAAOA/AAAAAAAA4D8CAAAAjAAAAAAAAAAAAAAA////AP///wgAAAAAAAAAAAAAAAAAAAAAAAAAAAAAAAAAAAAAeAAAAAEAAABAAAAAAAAAAAAAAABaAAAAAAAAAAAAAAAAAAAAAAAAAAAAAAAAAAAAAAAAAAAAAAAAAAAAAAAAAAAAAAAAAAAAAAAAAAAAAAAAAAAAAAAAAAAAAAAAAAAAFAAAADwAAAAAAAAAAAAAAAAAAAAPAAAAAQAAACMAAAAjAAAAIwAAAB4AAAAAAAAAZAAAAGQAAAAAAAAAZAAAAGQAAAAVAAAAYAAAAAAAAAAAAAAADwAAACADAAAAAAAAAAAAAAEAAACgMgAAVgcAAKr4//8BAAAAf39/AAEAAABkAAAAAAAAABQAAABAHwAAAAAAACYAAAAAAAAAwOD//wAAAAAmAAAAZAAAABYAAABMAAAAAAAAAAAAAAAEAAAAAAAAAAEAAADu7OEKAAAAACgAAAAoAAAAZAAAAGQAAAAAAAAAzMzMAAAAAABQAAAAUAAAAGQAAABkAAAAAAAAABcAAAAUAAAAAAAAAAAAAAD/fwAA/38AAAAAAAAJAAAABAAAAAAAAAAMAAAAEAAAAAAAAAAAAAAAAAAAAAAAAAAeAAAAaAAAAAAAAAAAAAAAAAAAAAAAAAAAAAAAECcAABAnAAAAAAAAAAAAAAAAAAAAAAAAAAAAAAAAAAAAAAAAAAAAABQAAAAAAAAAwMD/AAAAAABkAAAAMgAAAAAAAABkAAAAAAAAAH9/fwAKAAAAHwAAAFQAAAD///8AAAAAAQAAAAAAAAAAAAAAAAAAAAAAAAAAAAAAAAAAAAAAAAAAAAAAAH9/fwAAAAADzMzMAMDA/wB/f38AAAAAAAAAAAAAAAAAAAAAAAAAAAAhAAAAGAAAABQAAADBHAAA3wkAAHU1AACKFQAAEAAAACYAAAAIAAAAPQAAAAAAAAA="/>
               </a:ext>
             </a:extLst>
           </p:cNvSpPr>
@@ -2540,7 +2540,7 @@
             <a:spLocks noGrp="1" noChangeArrowheads="1"/>
             <a:extLst>
               <a:ext uri="smNativeData">
-                <pr:smNativeData xmlns="" xmlns:p14="http://schemas.microsoft.com/office/powerpoint/2010/main" xmlns:pr="smNativeData" val="SMDATA_13_aDXlXhMAAAAlAAAAZAAAAA0AAAAAAAAAAAAAAAAAAAAAAAAAAAAAAAAAAAAAAAAAAAEAAABQAAAAAAAAAAAA4D8AAAAAAADgPwAAAAAAAOA/AAAAAAAA4D8AAAAAAADgPwAAAAAAAOA/AAAAAAAA4D8AAAAAAADgPwAAAAAAAOA/AAAAAAAA4D8CAAAAjAAAAAAAAAAAAAAA////AP///wgAAAAAAAAAAAAAAAAAAAAAAAAAAAAAAAAAAAAAeAAAAAEAAABAAAAAAAAAAAAAAABaAAAAAAAAAAAAAAAAAAAAAAAAAAAAAAAAAAAAAAAAAAAAAAAAAAAAAAAAAAAAAAAAAAAAAAAAAAAAAAAAAAAAAAAAAAAAAAAAAAAAFAAAADwAAAAAAAAAAAAAAAAAAAAPAAAAAQAAACMAAAAjAAAAIwAAAB4AAAAAAAAAZAAAAGQAAAAAAAAAZAAAAGQAAAAVAAAAYAAAAAAAAAAAAAAADwAAACADAAAAAAAAAAAAAAEAAACgMgAAVgcAAKr4//8BAAAAf39/AAEAAABkAAAAAAAAABQAAABAHwAAAAAAACYAAAAAAAAAwOD//wAAAAAmAAAAZAAAABYAAABMAAAAAAAAAAAAAAAEAAAAAAAAAAEAAADu7OEKAAAAACgAAAAoAAAAZAAAAGQAAAAAAAAAzMzMAAAAAABQAAAAUAAAAGQAAABkAAAAAAAAABcAAAAUAAAAAAAAAAAAAAD/fwAA/38AAAAAAAAJAAAABAAAAAAAAAAMAAAAEAAAAAAAAAAAAAAAAAAAAAAAAAAeAAAAaAAAAAAAAAAAAAAAAAAAAAAAAAAAAAAAECcAABAnAAAAAAAAAAAAAAAAAAAAAAAAAAAAAAAAAAAAAAAAAAAAABQAAAAAAAAAwMD/AAAAAABkAAAAMgAAAAAAAABkAAAAAAAAAH9/fwAKAAAAHwAAAFQAAAD///8AAAAAAQAAAAAAAAAAAAAAAAAAAAAAAAAAAAAAAAAAAAAAAAAAAAAAAH9/fwAAAAADzMzMAMDA/wB/f38AAAAAAAAAAAAAAAAAAAAAAAAAAAAhAAAAGAAAABQAAADBHAAApxYAAHU1AABSIgAAEAAAACYAAAAIAAAAPQAAAAAAAAA="/>
+                <pr:smNativeData xmlns:pr="smNativeData" xmlns:p14="http://schemas.microsoft.com/office/powerpoint/2010/main" xmlns="" val="SMDATA_13_aDXlXhMAAAAlAAAAZAAAAA0AAAAAAAAAAAAAAAAAAAAAAAAAAAAAAAAAAAAAAAAAAAEAAABQAAAAAAAAAAAA4D8AAAAAAADgPwAAAAAAAOA/AAAAAAAA4D8AAAAAAADgPwAAAAAAAOA/AAAAAAAA4D8AAAAAAADgPwAAAAAAAOA/AAAAAAAA4D8CAAAAjAAAAAAAAAAAAAAA////AP///wgAAAAAAAAAAAAAAAAAAAAAAAAAAAAAAAAAAAAAeAAAAAEAAABAAAAAAAAAAAAAAABaAAAAAAAAAAAAAAAAAAAAAAAAAAAAAAAAAAAAAAAAAAAAAAAAAAAAAAAAAAAAAAAAAAAAAAAAAAAAAAAAAAAAAAAAAAAAAAAAAAAAFAAAADwAAAAAAAAAAAAAAAAAAAAPAAAAAQAAACMAAAAjAAAAIwAAAB4AAAAAAAAAZAAAAGQAAAAAAAAAZAAAAGQAAAAVAAAAYAAAAAAAAAAAAAAADwAAACADAAAAAAAAAAAAAAEAAACgMgAAVgcAAKr4//8BAAAAf39/AAEAAABkAAAAAAAAABQAAABAHwAAAAAAACYAAAAAAAAAwOD//wAAAAAmAAAAZAAAABYAAABMAAAAAAAAAAAAAAAEAAAAAAAAAAEAAADu7OEKAAAAACgAAAAoAAAAZAAAAGQAAAAAAAAAzMzMAAAAAABQAAAAUAAAAGQAAABkAAAAAAAAABcAAAAUAAAAAAAAAAAAAAD/fwAA/38AAAAAAAAJAAAABAAAAAAAAAAMAAAAEAAAAAAAAAAAAAAAAAAAAAAAAAAeAAAAaAAAAAAAAAAAAAAAAAAAAAAAAAAAAAAAECcAABAnAAAAAAAAAAAAAAAAAAAAAAAAAAAAAAAAAAAAAAAAAAAAABQAAAAAAAAAwMD/AAAAAABkAAAAMgAAAAAAAABkAAAAAAAAAH9/fwAKAAAAHwAAAFQAAAD///8AAAAAAQAAAAAAAAAAAAAAAAAAAAAAAAAAAAAAAAAAAAAAAAAAAAAAAH9/fwAAAAADzMzMAMDA/wB/f38AAAAAAAAAAAAAAAAAAAAAAAAAAAAhAAAAGAAAABQAAADBHAAApxYAAHU1AABSIgAAEAAAACYAAAAIAAAAPQAAAAAAAAA="/>
               </a:ext>
             </a:extLst>
           </p:cNvSpPr>
@@ -2601,7 +2601,7 @@
             <a:spLocks noGrp="1" noChangeArrowheads="1"/>
             <a:extLst>
               <a:ext uri="smNativeData">
-                <pr:smNativeData xmlns="" xmlns:p14="http://schemas.microsoft.com/office/powerpoint/2010/main" xmlns:pr="smNativeData" val="SMDATA_13_aDXlXhMAAAAlAAAAZAAAAA0AAAAAAAAAAAAAAAAAAAAAAAAAAAAAAAABAAAAAAAAAAEAAABQAAAAAAAAAAAA4D8AAAAAAADgPwAAAAAAAOA/AAAAAAAA4D8AAAAAAADgPwAAAAAAAOA/AAAAAAAA4D8AAAAAAADgPwAAAAAAAOA/AAAAAAAA4D8CAAAAjAAAAAAAAAAAAAAA////AP///wgAAAAAAAAAAAAAAAAAAAAAAAAAAAAAAAAAAAAAeAAAAAEAAABAAAAAAAAAAAAAAABaAAAAAAAAAAAAAAAAAAAAAAAAAAAAAAAAAAAAAAAAAAAAAAAAAAAAAAAAAAAAAAAAAAAAAAAAAAAAAAAAAAAAAAAAAAAAAAAAAAAAFAAAADwAAAAAAAAAAAAAAAAAAAAPAAAAAQAAACMAAAAjAAAAIwAAAB4AAAAAAAAAZAAAAGQAAAAAAAAAZAAAAGQAAAAVAAAAYAAAAAAAAAAAAAAADwAAACADAAAAAAAAAAAAAAEAAACgMgAAVgcAAKr4//8BAAAAf39/AAEAAABkAAAAAAAAABQAAABAHwAAAAAAACYAAAAAAAAAwOD//wAAAAAmAAAAZAAAABYAAABMAAAAAAAAAAAAAAAEAAAAAAAAAAEAAADu7OEKAAAAACgAAAAoAAAAZAAAAGQAAAAAAAAAzMzMAAAAAABQAAAAUAAAAGQAAABkAAAAAAAAABcAAAAUAAAAAAAAAAAAAAD/fwAA/38AAAAAAAAJAAAABAAAAAAAAAAMAAAAEAAAAAAAAAAAAAAAAAAAAAAAAAAeAAAAaAAAAAAAAAAAAAAAAAAAAAAAAAAAAAAAECcAABAnAAAAAAAAAAAAAAAAAAAAAAAAAAAAAAAAAAAAAAAAAAAAABQAAAAAAAAAwMD/AAAAAABkAAAAMgAAAAAAAABkAAAAAAAAAH9/fwAKAAAAHwAAAFQAAAD///8AAAAAAQAAAAAAAAAAAAAAAAAAAAAAAAAAAAAAAAAAAAAAAAAAAAAAAH9/fwAAAAADzMzMAMDA/wB/f38AAAAAAAAAAAAAAAAAAAAAAAAAAAAhAAAAGAAAABQAAADQAgAArwEAAG81AAC6CAAAEAAAACYAAAAIAAAAPAAAAAAAAAA="/>
+                <pr:smNativeData xmlns:pr="smNativeData" xmlns:p14="http://schemas.microsoft.com/office/powerpoint/2010/main" xmlns="" val="SMDATA_13_aDXlXhMAAAAlAAAAZAAAAA0AAAAAAAAAAAAAAAAAAAAAAAAAAAAAAAABAAAAAAAAAAEAAABQAAAAAAAAAAAA4D8AAAAAAADgPwAAAAAAAOA/AAAAAAAA4D8AAAAAAADgPwAAAAAAAOA/AAAAAAAA4D8AAAAAAADgPwAAAAAAAOA/AAAAAAAA4D8CAAAAjAAAAAAAAAAAAAAA////AP///wgAAAAAAAAAAAAAAAAAAAAAAAAAAAAAAAAAAAAAeAAAAAEAAABAAAAAAAAAAAAAAABaAAAAAAAAAAAAAAAAAAAAAAAAAAAAAAAAAAAAAAAAAAAAAAAAAAAAAAAAAAAAAAAAAAAAAAAAAAAAAAAAAAAAAAAAAAAAAAAAAAAAFAAAADwAAAAAAAAAAAAAAAAAAAAPAAAAAQAAACMAAAAjAAAAIwAAAB4AAAAAAAAAZAAAAGQAAAAAAAAAZAAAAGQAAAAVAAAAYAAAAAAAAAAAAAAADwAAACADAAAAAAAAAAAAAAEAAACgMgAAVgcAAKr4//8BAAAAf39/AAEAAABkAAAAAAAAABQAAABAHwAAAAAAACYAAAAAAAAAwOD//wAAAAAmAAAAZAAAABYAAABMAAAAAAAAAAAAAAAEAAAAAAAAAAEAAADu7OEKAAAAACgAAAAoAAAAZAAAAGQAAAAAAAAAzMzMAAAAAABQAAAAUAAAAGQAAABkAAAAAAAAABcAAAAUAAAAAAAAAAAAAAD/fwAA/38AAAAAAAAJAAAABAAAAAAAAAAMAAAAEAAAAAAAAAAAAAAAAAAAAAAAAAAeAAAAaAAAAAAAAAAAAAAAAAAAAAAAAAAAAAAAECcAABAnAAAAAAAAAAAAAAAAAAAAAAAAAAAAAAAAAAAAAAAAAAAAABQAAAAAAAAAwMD/AAAAAABkAAAAMgAAAAAAAABkAAAAAAAAAH9/fwAKAAAAHwAAAFQAAAD///8AAAAAAQAAAAAAAAAAAAAAAAAAAAAAAAAAAAAAAAAAAAAAAAAAAAAAAH9/fwAAAAADzMzMAMDA/wB/f38AAAAAAAAAAAAAAAAAAAAAAAAAAAAhAAAAGAAAABQAAADQAgAArwEAAG81AAC6CAAAEAAAACYAAAAIAAAAPAAAAAAAAAA="/>
               </a:ext>
             </a:extLst>
           </p:cNvSpPr>
@@ -2632,7 +2632,7 @@
             <a:spLocks noGrp="1" noChangeArrowheads="1"/>
             <a:extLst>
               <a:ext uri="smNativeData">
-                <pr:smNativeData xmlns="" xmlns:p14="http://schemas.microsoft.com/office/powerpoint/2010/main" xmlns:pr="smNativeData" val="SMDATA_13_aDXlXhMAAAAlAAAAZAAAAA0AAAAAAAAAAAAAAAAAAAAAAAAAAAAAAAAAAAAAAAAAAAEAAABQAAAAAAAAAAAA4D8AAAAAAADgPwAAAAAAAOA/AAAAAAAA4D8AAAAAAADgPwAAAAAAAOA/AAAAAAAA4D8AAAAAAADgPwAAAAAAAOA/AAAAAAAA4D8CAAAAjAAAAAAAAAAAAAAA////AP///wgAAAAAAAAAAAAAAAAAAAAAAAAAAAAAAAAAAAAAeAAAAAEAAABAAAAAAAAAAAAAAABaAAAAAAAAAAAAAAAAAAAAAAAAAAAAAAAAAAAAAAAAAAAAAAAAAAAAAAAAAAAAAAAAAAAAAAAAAAAAAAAAAAAAAAAAAAAAAAAAAAAAFAAAADwAAAAAAAAAAAAAAAAAAAAPAAAAAQAAACMAAAAjAAAAIwAAAB4AAAAAAAAAZAAAAGQAAAAAAAAAZAAAAGQAAAAVAAAAYAAAAAAAAAAAAAAADwAAACADAAAAAAAAAAAAAAEAAACgMgAAVgcAAKr4//8BAAAAf39/AAEAAABkAAAAAAAAABQAAABAHwAAAAAAACYAAAAAAAAAwOD//wAAAAAmAAAAZAAAABYAAABMAAAAAAAAAAAAAAAEAAAAAAAAAAEAAADu7OEKAAAAACgAAAAoAAAAZAAAAGQAAAAAAAAAzMzMAAAAAABQAAAAUAAAAGQAAABkAAAAAAAAABcAAAAUAAAAAAAAAAAAAAD/fwAA/38AAAAAAAAJAAAABAAAAAAAAAAMAAAAEAAAAAAAAAAAAAAAAAAAAAAAAAAeAAAAaAAAAAAAAAAAAAAAAAAAAAAAAAAAAAAAECcAABAnAAAAAAAAAAAAAAAAAAAAAAAAAAAAAAAAAAAAAAAAAAAAABQAAAAAAAAAwMD/AAAAAABkAAAAMgAAAAAAAABkAAAAAAAAAH9/fwAKAAAAHwAAAFQAAAD///8AAAAAAQAAAAAAAAAAAAAAAAAAAAAAAAAAAAAAAAAAAAAAAAAAAAAAAH9/fwAAAAADzMzMAMDA/wB/f38AAAAAAAAAAAAAAAAAAAAAAAAAAAAhAAAAGAAAABQAAADQAgAA3wkAAIQbAACKFQAAEAAAACYAAAAIAAAAPQAAAAAAAAA="/>
+                <pr:smNativeData xmlns:pr="smNativeData" xmlns:p14="http://schemas.microsoft.com/office/powerpoint/2010/main" xmlns="" val="SMDATA_13_aDXlXhMAAAAlAAAAZAAAAA0AAAAAAAAAAAAAAAAAAAAAAAAAAAAAAAAAAAAAAAAAAAEAAABQAAAAAAAAAAAA4D8AAAAAAADgPwAAAAAAAOA/AAAAAAAA4D8AAAAAAADgPwAAAAAAAOA/AAAAAAAA4D8AAAAAAADgPwAAAAAAAOA/AAAAAAAA4D8CAAAAjAAAAAAAAAAAAAAA////AP///wgAAAAAAAAAAAAAAAAAAAAAAAAAAAAAAAAAAAAAeAAAAAEAAABAAAAAAAAAAAAAAABaAAAAAAAAAAAAAAAAAAAAAAAAAAAAAAAAAAAAAAAAAAAAAAAAAAAAAAAAAAAAAAAAAAAAAAAAAAAAAAAAAAAAAAAAAAAAAAAAAAAAFAAAADwAAAAAAAAAAAAAAAAAAAAPAAAAAQAAACMAAAAjAAAAIwAAAB4AAAAAAAAAZAAAAGQAAAAAAAAAZAAAAGQAAAAVAAAAYAAAAAAAAAAAAAAADwAAACADAAAAAAAAAAAAAAEAAACgMgAAVgcAAKr4//8BAAAAf39/AAEAAABkAAAAAAAAABQAAABAHwAAAAAAACYAAAAAAAAAwOD//wAAAAAmAAAAZAAAABYAAABMAAAAAAAAAAAAAAAEAAAAAAAAAAEAAADu7OEKAAAAACgAAAAoAAAAZAAAAGQAAAAAAAAAzMzMAAAAAABQAAAAUAAAAGQAAABkAAAAAAAAABcAAAAUAAAAAAAAAAAAAAD/fwAA/38AAAAAAAAJAAAABAAAAAAAAAAMAAAAEAAAAAAAAAAAAAAAAAAAAAAAAAAeAAAAaAAAAAAAAAAAAAAAAAAAAAAAAAAAAAAAECcAABAnAAAAAAAAAAAAAAAAAAAAAAAAAAAAAAAAAAAAAAAAAAAAABQAAAAAAAAAwMD/AAAAAABkAAAAMgAAAAAAAABkAAAAAAAAAH9/fwAKAAAAHwAAAFQAAAD///8AAAAAAQAAAAAAAAAAAAAAAAAAAAAAAAAAAAAAAAAAAAAAAAAAAAAAAH9/fwAAAAADzMzMAMDA/wB/f38AAAAAAAAAAAAAAAAAAAAAAAAAAAAhAAAAGAAAABQAAADQAgAA3wkAAIQbAACKFQAAEAAAACYAAAAIAAAAPQAAAAAAAAA="/>
               </a:ext>
             </a:extLst>
           </p:cNvSpPr>
@@ -2668,7 +2668,7 @@
             <a:spLocks noGrp="1" noChangeArrowheads="1"/>
             <a:extLst>
               <a:ext uri="smNativeData">
-                <pr:smNativeData xmlns="" xmlns:p14="http://schemas.microsoft.com/office/powerpoint/2010/main" xmlns:pr="smNativeData" val="SMDATA_13_aDXlXhMAAAAlAAAAZAAAAA0AAAAAAAAAAAAAAAAAAAAAAAAAAAAAAAAAAAAAAAAAAAEAAABQAAAAAAAAAAAA4D8AAAAAAADgPwAAAAAAAOA/AAAAAAAA4D8AAAAAAADgPwAAAAAAAOA/AAAAAAAA4D8AAAAAAADgPwAAAAAAAOA/AAAAAAAA4D8CAAAAjAAAAAAAAAAAAAAA////AP///wgAAAAAAAAAAAAAAAAAAAAAAAAAAAAAAAAAAAAAeAAAAAEAAABAAAAAAAAAAAAAAABaAAAAAAAAAAAAAAAAAAAAAAAAAAAAAAAAAAAAAAAAAAAAAAAAAAAAAAAAAAAAAAAAAAAAAAAAAAAAAAAAAAAAAAAAAAAAAAAAAAAAFAAAADwAAAAAAAAAAAAAAAAAAAAPAAAAAQAAACMAAAAjAAAAIwAAAB4AAAAAAAAAZAAAAGQAAAAAAAAAZAAAAGQAAAAVAAAAYAAAAAAAAAAAAAAADwAAACADAAAAAAAAAAAAAAEAAACgMgAAVgcAAKr4//8BAAAAf39/AAEAAABkAAAAAAAAABQAAABAHwAAAAAAACYAAAAAAAAAwOD//wAAAAAmAAAAZAAAABYAAABMAAAAAAAAAAAAAAAEAAAAAAAAAAEAAADu7OEKAAAAACgAAAAoAAAAZAAAAGQAAAAAAAAAzMzMAAAAAABQAAAAUAAAAGQAAABkAAAAAAAAABcAAAAUAAAAAAAAAAAAAAD/fwAA/38AAAAAAAAJAAAABAAAAAAAAAAMAAAAEAAAAAAAAAAAAAAAAAAAAAAAAAAeAAAAaAAAAAAAAAAAAAAAAAAAAAAAAAAAAAAAECcAABAnAAAAAAAAAAAAAAAAAAAAAAAAAAAAAAAAAAAAAAAAAAAAABQAAAAAAAAAwMD/AAAAAABkAAAAMgAAAAAAAABkAAAAAAAAAH9/fwAKAAAAHwAAAFQAAAD///8AAAAAAQAAAAAAAAAAAAAAAAAAAAAAAAAAAAAAAAAAAAAAAAAAAAAAAH9/fwAAAAADzMzMAMDA/wB/f38AAAAAAAAAAAAAAAAAAAAAAAAAAAAhAAAAGAAAABQAAADBHAAA3wkAAHU1AACKFQAAEAAAACYAAAAIAAAAPQAAAAAAAAA="/>
+                <pr:smNativeData xmlns:pr="smNativeData" xmlns:p14="http://schemas.microsoft.com/office/powerpoint/2010/main" xmlns="" val="SMDATA_13_aDXlXhMAAAAlAAAAZAAAAA0AAAAAAAAAAAAAAAAAAAAAAAAAAAAAAAAAAAAAAAAAAAEAAABQAAAAAAAAAAAA4D8AAAAAAADgPwAAAAAAAOA/AAAAAAAA4D8AAAAAAADgPwAAAAAAAOA/AAAAAAAA4D8AAAAAAADgPwAAAAAAAOA/AAAAAAAA4D8CAAAAjAAAAAAAAAAAAAAA////AP///wgAAAAAAAAAAAAAAAAAAAAAAAAAAAAAAAAAAAAAeAAAAAEAAABAAAAAAAAAAAAAAABaAAAAAAAAAAAAAAAAAAAAAAAAAAAAAAAAAAAAAAAAAAAAAAAAAAAAAAAAAAAAAAAAAAAAAAAAAAAAAAAAAAAAAAAAAAAAAAAAAAAAFAAAADwAAAAAAAAAAAAAAAAAAAAPAAAAAQAAACMAAAAjAAAAIwAAAB4AAAAAAAAAZAAAAGQAAAAAAAAAZAAAAGQAAAAVAAAAYAAAAAAAAAAAAAAADwAAACADAAAAAAAAAAAAAAEAAACgMgAAVgcAAKr4//8BAAAAf39/AAEAAABkAAAAAAAAABQAAABAHwAAAAAAACYAAAAAAAAAwOD//wAAAAAmAAAAZAAAABYAAABMAAAAAAAAAAAAAAAEAAAAAAAAAAEAAADu7OEKAAAAACgAAAAoAAAAZAAAAGQAAAAAAAAAzMzMAAAAAABQAAAAUAAAAGQAAABkAAAAAAAAABcAAAAUAAAAAAAAAAAAAAD/fwAA/38AAAAAAAAJAAAABAAAAAAAAAAMAAAAEAAAAAAAAAAAAAAAAAAAAAAAAAAeAAAAaAAAAAAAAAAAAAAAAAAAAAAAAAAAAAAAECcAABAnAAAAAAAAAAAAAAAAAAAAAAAAAAAAAAAAAAAAAAAAAAAAABQAAAAAAAAAwMD/AAAAAABkAAAAMgAAAAAAAABkAAAAAAAAAH9/fwAKAAAAHwAAAFQAAAD///8AAAAAAQAAAAAAAAAAAAAAAAAAAAAAAAAAAAAAAAAAAAAAAAAAAAAAAH9/fwAAAAADzMzMAMDA/wB/f38AAAAAAAAAAAAAAAAAAAAAAAAAAAAhAAAAGAAAABQAAADBHAAA3wkAAHU1AACKFQAAEAAAACYAAAAIAAAAPQAAAAAAAAA="/>
               </a:ext>
             </a:extLst>
           </p:cNvSpPr>
@@ -2704,7 +2704,7 @@
             <a:spLocks noGrp="1" noChangeArrowheads="1"/>
             <a:extLst>
               <a:ext uri="smNativeData">
-                <pr:smNativeData xmlns="" xmlns:p14="http://schemas.microsoft.com/office/powerpoint/2010/main" xmlns:pr="smNativeData" val="SMDATA_13_aDXlXhMAAAAlAAAAZAAAAA0AAAAAAAAAAAAAAAAAAAAAAAAAAAAAAAAAAAAAAAAAAAEAAABQAAAAAAAAAAAA4D8AAAAAAADgPwAAAAAAAOA/AAAAAAAA4D8AAAAAAADgPwAAAAAAAOA/AAAAAAAA4D8AAAAAAADgPwAAAAAAAOA/AAAAAAAA4D8CAAAAjAAAAAAAAAAAAAAA////AP///wgAAAAAAAAAAAAAAAAAAAAAAAAAAAAAAAAAAAAAeAAAAAEAAABAAAAAAAAAAAAAAABaAAAAAAAAAAAAAAAAAAAAAAAAAAAAAAAAAAAAAAAAAAAAAAAAAAAAAAAAAAAAAAAAAAAAAAAAAAAAAAAAAAAAAAAAAAAAAAAAAAAAFAAAADwAAAAAAAAAAAAAAAAAAAAPAAAAAQAAACMAAAAjAAAAIwAAAB4AAAAAAAAAZAAAAGQAAAAAAAAAZAAAAGQAAAAVAAAAYAAAAAAAAAAAAAAADwAAACADAAAAAAAAAAAAAAEAAACgMgAAVgcAAKr4//8BAAAAf39/AAEAAABkAAAAAAAAABQAAABAHwAAAAAAACYAAAAAAAAAwOD//wAAAAAmAAAAZAAAABYAAABMAAAAAAAAAAAAAAAEAAAAAAAAAAEAAADu7OEKAAAAACgAAAAoAAAAZAAAAGQAAAAAAAAAzMzMAAAAAABQAAAAUAAAAGQAAABkAAAAAAAAABcAAAAUAAAAAAAAAAAAAAD/fwAA/38AAAAAAAAJAAAABAAAAAAAAAAMAAAAEAAAAAAAAAAAAAAAAAAAAAAAAAAeAAAAaAAAAAAAAAAAAAAAAAAAAAAAAAAAAAAAECcAABAnAAAAAAAAAAAAAAAAAAAAAAAAAAAAAAAAAAAAAAAAAAAAABQAAAAAAAAAwMD/AAAAAABkAAAAMgAAAAAAAABkAAAAAAAAAH9/fwAKAAAAHwAAAFQAAAD///8AAAAAAQAAAAAAAAAAAAAAAAAAAAAAAAAAAAAAAAAAAAAAAAAAAAAAAH9/fwAAAAADzMzMAMDA/wB/f38AAAAAAAAAAAAAAAAAAAAAAAAAAAAhAAAAGAAAABQAAADQAgAApxYAAG81AABSIgAAEAAAACYAAAAIAAAAPQAAAAAAAAA="/>
+                <pr:smNativeData xmlns:pr="smNativeData" xmlns:p14="http://schemas.microsoft.com/office/powerpoint/2010/main" xmlns="" val="SMDATA_13_aDXlXhMAAAAlAAAAZAAAAA0AAAAAAAAAAAAAAAAAAAAAAAAAAAAAAAAAAAAAAAAAAAEAAABQAAAAAAAAAAAA4D8AAAAAAADgPwAAAAAAAOA/AAAAAAAA4D8AAAAAAADgPwAAAAAAAOA/AAAAAAAA4D8AAAAAAADgPwAAAAAAAOA/AAAAAAAA4D8CAAAAjAAAAAAAAAAAAAAA////AP///wgAAAAAAAAAAAAAAAAAAAAAAAAAAAAAAAAAAAAAeAAAAAEAAABAAAAAAAAAAAAAAABaAAAAAAAAAAAAAAAAAAAAAAAAAAAAAAAAAAAAAAAAAAAAAAAAAAAAAAAAAAAAAAAAAAAAAAAAAAAAAAAAAAAAAAAAAAAAAAAAAAAAFAAAADwAAAAAAAAAAAAAAAAAAAAPAAAAAQAAACMAAAAjAAAAIwAAAB4AAAAAAAAAZAAAAGQAAAAAAAAAZAAAAGQAAAAVAAAAYAAAAAAAAAAAAAAADwAAACADAAAAAAAAAAAAAAEAAACgMgAAVgcAAKr4//8BAAAAf39/AAEAAABkAAAAAAAAABQAAABAHwAAAAAAACYAAAAAAAAAwOD//wAAAAAmAAAAZAAAABYAAABMAAAAAAAAAAAAAAAEAAAAAAAAAAEAAADu7OEKAAAAACgAAAAoAAAAZAAAAGQAAAAAAAAAzMzMAAAAAABQAAAAUAAAAGQAAABkAAAAAAAAABcAAAAUAAAAAAAAAAAAAAD/fwAA/38AAAAAAAAJAAAABAAAAAAAAAAMAAAAEAAAAAAAAAAAAAAAAAAAAAAAAAAeAAAAaAAAAAAAAAAAAAAAAAAAAAAAAAAAAAAAECcAABAnAAAAAAAAAAAAAAAAAAAAAAAAAAAAAAAAAAAAAAAAAAAAABQAAAAAAAAAwMD/AAAAAABkAAAAMgAAAAAAAABkAAAAAAAAAH9/fwAKAAAAHwAAAFQAAAD///8AAAAAAQAAAAAAAAAAAAAAAAAAAAAAAAAAAAAAAAAAAAAAAAAAAAAAAH9/fwAAAAADzMzMAMDA/wB/f38AAAAAAAAAAAAAAAAAAAAAAAAAAAAhAAAAGAAAABQAAADQAgAApxYAAG81AABSIgAAEAAAACYAAAAIAAAAPQAAAAAAAAA="/>
               </a:ext>
             </a:extLst>
           </p:cNvSpPr>
@@ -2772,7 +2772,7 @@
           <p:cNvPicPr>
             <a:extLst>
               <a:ext uri="smNativeData">
-                <pr:smNativeData xmlns="" xmlns:p14="http://schemas.microsoft.com/office/powerpoint/2010/main" xmlns:pr="smNativeData" val="SMDATA_15_aDXlXhMAAAAlAAAAEQAAAA0AAAAAkAAAAEgAAACQAAAASAAAAAAAAAAAAAAAAAAAAAEAAABQAAAAAAAAAAAA4D8AAAAAAADgPwAAAAAAAOA/AAAAAAAA4D8AAAAAAADgPwAAAAAAAOA/AAAAAAAA4D8AAAAAAADgPwAAAAAAAOA/AAAAAAAA4D8CAAAAjAAAAAAAAAAAAAAAT4G9DP///wgAAAAAAAAAAAAAAAAAAAAAAAAAAAAAAAAAAAAAZAAAAAEAAABAAAAAAAAAAAAAAAAAAAAAAAAAAAAAAAAAAAAAAAAAAAAAAAAAAAAAAAAAAAAAAAAAAAAAAAAAAAAAAAAAAAAAAAAAAAAAAAAAAAAAAAAAAAAAAAAAAAAAFAAAADwAAAAAAAAAAAAAAAAAAAkUAAAAAQAAABQAAAAUAAAAFAAAAAEAAAAAAAAAZAAAAGQAAAAAAAAAZAAAAGQAAAAVAAAAYAAAAAAAAAAAAAAADwAAACADAAAAAAAAAAAAAAEAAACgMgAAVgcAAKr4//8BAAAAf39/AAEAAABkAAAAAAAAABQAAABAHwAAAAAAACYAAAAAAAAAwOD//wAAAAAmAAAAZAAAABYAAABMAAAAAAAAAAAAAAAEAAAAAAAAAAEAAADu7OEKAAAAACgAAAAoAAAAZAAAAGQAAAAAAAAAzMzMAAAAAABQAAAAUAAAAGQAAABkAAAAAAAAAAcAAAA4AAAAAAAAAAAAAAAAAAAA////AAAAAAAAAAAAAAAAAAAAAAAAAAAAAAAAAAAAAABkAAAAZAAAAAAAAAAjAAAABAAAAGQAAAAXAAAAFAAAAAAAAAAAAAAA/38AAP9/AAAAAAAACQAAAAQAAAAAAAAADAAAABAAAAAAAAAAAAAAAAAAAAAAAAAAHgAAAGgAAAAAAAAAAAAAAAAAAAAAAAAAAAAAABAnAAAQJwAAAAAAAAAAAAAAAAAAAAAAAAAAAAAAAAAAAAAAAAAAAAAUAAAAAAAAAMDA/wAAAAAAZAAAADIAAAAAAAAAZAAAAAAAAAB/f38ACgAAAB8AAABUAAAAT4G9Bf///wEAAAAAAAAAAAAAAAAAAAAAAAAAAAAAAAAAAAAAAAAAAAAAAAJ/f38A7uzhA8zMzADAwP8Af39/AAAAAAAAAAAAAAAAAP///wAAAAAAIQAAABgAAAAUAAAAAAAAAMj///8+OAAAbyoAABAAAAAmAAAACAAAAP//////////"/>
+                <pr:smNativeData xmlns:pr="smNativeData" xmlns:p14="http://schemas.microsoft.com/office/powerpoint/2010/main" xmlns="" val="SMDATA_15_aDXlXhMAAAAlAAAAEQAAAA0AAAAAkAAAAEgAAACQAAAASAAAAAAAAAAAAAAAAAAAAAEAAABQAAAAAAAAAAAA4D8AAAAAAADgPwAAAAAAAOA/AAAAAAAA4D8AAAAAAADgPwAAAAAAAOA/AAAAAAAA4D8AAAAAAADgPwAAAAAAAOA/AAAAAAAA4D8CAAAAjAAAAAAAAAAAAAAAT4G9DP///wgAAAAAAAAAAAAAAAAAAAAAAAAAAAAAAAAAAAAAZAAAAAEAAABAAAAAAAAAAAAAAAAAAAAAAAAAAAAAAAAAAAAAAAAAAAAAAAAAAAAAAAAAAAAAAAAAAAAAAAAAAAAAAAAAAAAAAAAAAAAAAAAAAAAAAAAAAAAAAAAAAAAAFAAAADwAAAAAAAAAAAAAAAAAAAkUAAAAAQAAABQAAAAUAAAAFAAAAAEAAAAAAAAAZAAAAGQAAAAAAAAAZAAAAGQAAAAVAAAAYAAAAAAAAAAAAAAADwAAACADAAAAAAAAAAAAAAEAAACgMgAAVgcAAKr4//8BAAAAf39/AAEAAABkAAAAAAAAABQAAABAHwAAAAAAACYAAAAAAAAAwOD//wAAAAAmAAAAZAAAABYAAABMAAAAAAAAAAAAAAAEAAAAAAAAAAEAAADu7OEKAAAAACgAAAAoAAAAZAAAAGQAAAAAAAAAzMzMAAAAAABQAAAAUAAAAGQAAABkAAAAAAAAAAcAAAA4AAAAAAAAAAAAAAAAAAAA////AAAAAAAAAAAAAAAAAAAAAAAAAAAAAAAAAAAAAABkAAAAZAAAAAAAAAAjAAAABAAAAGQAAAAXAAAAFAAAAAAAAAAAAAAA/38AAP9/AAAAAAAACQAAAAQAAAAAAAAADAAAABAAAAAAAAAAAAAAAAAAAAAAAAAAHgAAAGgAAAAAAAAAAAAAAAAAAAAAAAAAAAAAABAnAAAQJwAAAAAAAAAAAAAAAAAAAAAAAAAAAAAAAAAAAAAAAAAAAAAUAAAAAAAAAMDA/wAAAAAAZAAAADIAAAAAAAAAZAAAAAAAAAB/f38ACgAAAB8AAABUAAAAT4G9Bf///wEAAAAAAAAAAAAAAAAAAAAAAAAAAAAAAAAAAAAAAAAAAAAAAAJ/f38A7uzhA8zMzADAwP8Af39/AAAAAAAAAAAAAAAAAP///wAAAAAAIQAAABgAAAAUAAAAAAAAAMj///8+OAAAbyoAABAAAAAmAAAACAAAAP//////////"/>
               </a:ext>
             </a:extLst>
           </p:cNvPicPr>
@@ -2805,7 +2805,7 @@
           <p:cNvSpPr>
             <a:extLst>
               <a:ext uri="smNativeData">
-                <pr:smNativeData xmlns="" xmlns:p14="http://schemas.microsoft.com/office/powerpoint/2010/main" xmlns:pr="smNativeData" val="SMDATA_13_aDXlXhMAAAAlAAAAZAAAAA0AAAAAjgAAAEcAAACOAAAARwAAAAAAAAAAAAAAAAAAAAEAAABQAAAAAAAAAAAA4D8AAAAAAADgPwAAAAAAAOA/AAAAAAAA4D8AAAAAAADgPwAAAAAAAOA/AAAAAAAA4D8AAAAAAADgPwAAAAAAAOA/AAAAAAAA4D8CAAAAjAAAAAEAAAAAAAAA////AP///wgAAAAAAAAAAAAAAAAAAAAAAAAAAAAAAAAAAAAAeAAAAAEAAABAAAAAAAAAAAAAAABaAAAAAAAAAAAAAAAAAAAAAAAAAAAAAAAAAAAAAAAAAAAAAAAAAAAAAAAAAAAAAAAAAAAAAAAAAAAAAAAAAAAAAAAAAAAAAAAAAAAAFAAAADwAAAAAAAAAAAAAAAAAAAkUAAAAAQAAABQAAAAUAAAAFAAAAAEAAAAAAAAAZAAAAGQAAAAAAAAAZAAAAGQAAAAVAAAAYAAAAAAAAAAAAAAADwAAACADAAAAAAAAAAAAAAEAAACgMgAAVgcAAKr4//8BAAAAf39/AAEAAABkAAAAAAAAABQAAABAHwAAAAAAACYAAAAAAAAAwOD//wAAAAAmAAAAZAAAABYAAABMAAAAAAAAAAAAAAAEAAAAAAAAAAEAAADu7OEKAAAAACgAAAAoAAAAZAAAAGQAAAAAAAAAzMzMAAAAAABQAAAAUAAAAGQAAABkAAAAAAAAABcAAAAUAAAAAAAAAAAAAAD/fwAA/38AAAAAAAAJAAAABAAAAAAAAAAMAAAAEAAAAAAAAAAAAAAAAAAAAAAAAAAeAAAAaAAAAAAAAAAAAAAAAAAAAAAAAAAAAAAAECcAABAnAAAAAAAAAAAAAAAAAAAAAAAAAAAAAAAAAAAAAAAAAAAAABQAAAAAAAAAwMD/AAAAAABkAAAAMgAAAAAAAABkAAAAAAAAAH9/fwAKAAAAHwAAAFQAAAD///8A////AQAAAAAAAAAAAAAAAAAAAAAAAAAAAAAAAAAAAAAAAAAAAAAAAn9/fwDu7OEDzMzMAMDA/wB/f38AAAAAAAAAAAAAAAAAAAAAAAAAAAAhAAAAGAAAABQAAAAAAAAA8AAAAOYIAABQCAAAEAAAACYAAAAIAAAA//////////8="/>
+                <pr:smNativeData xmlns:pr="smNativeData" xmlns:p14="http://schemas.microsoft.com/office/powerpoint/2010/main" xmlns="" val="SMDATA_13_aDXlXhMAAAAlAAAAZAAAAA0AAAAAjgAAAEcAAACOAAAARwAAAAAAAAAAAAAAAAAAAAEAAABQAAAAAAAAAAAA4D8AAAAAAADgPwAAAAAAAOA/AAAAAAAA4D8AAAAAAADgPwAAAAAAAOA/AAAAAAAA4D8AAAAAAADgPwAAAAAAAOA/AAAAAAAA4D8CAAAAjAAAAAEAAAAAAAAA////AP///wgAAAAAAAAAAAAAAAAAAAAAAAAAAAAAAAAAAAAAeAAAAAEAAABAAAAAAAAAAAAAAABaAAAAAAAAAAAAAAAAAAAAAAAAAAAAAAAAAAAAAAAAAAAAAAAAAAAAAAAAAAAAAAAAAAAAAAAAAAAAAAAAAAAAAAAAAAAAAAAAAAAAFAAAADwAAAAAAAAAAAAAAAAAAAkUAAAAAQAAABQAAAAUAAAAFAAAAAEAAAAAAAAAZAAAAGQAAAAAAAAAZAAAAGQAAAAVAAAAYAAAAAAAAAAAAAAADwAAACADAAAAAAAAAAAAAAEAAACgMgAAVgcAAKr4//8BAAAAf39/AAEAAABkAAAAAAAAABQAAABAHwAAAAAAACYAAAAAAAAAwOD//wAAAAAmAAAAZAAAABYAAABMAAAAAAAAAAAAAAAEAAAAAAAAAAEAAADu7OEKAAAAACgAAAAoAAAAZAAAAGQAAAAAAAAAzMzMAAAAAABQAAAAUAAAAGQAAABkAAAAAAAAABcAAAAUAAAAAAAAAAAAAAD/fwAA/38AAAAAAAAJAAAABAAAAAAAAAAMAAAAEAAAAAAAAAAAAAAAAAAAAAAAAAAeAAAAaAAAAAAAAAAAAAAAAAAAAAAAAAAAAAAAECcAABAnAAAAAAAAAAAAAAAAAAAAAAAAAAAAAAAAAAAAAAAAAAAAABQAAAAAAAAAwMD/AAAAAABkAAAAMgAAAAAAAABkAAAAAAAAAH9/fwAKAAAAHwAAAFQAAAD///8A////AQAAAAAAAAAAAAAAAAAAAAAAAAAAAAAAAAAAAAAAAAAAAAAAAn9/fwDu7OEDzMzMAMDA/wB/f38AAAAAAAAAAAAAAAAAAAAAAAAAAAAhAAAAGAAAABQAAAAAAAAA8AAAAOYIAABQCAAAEAAAACYAAAAIAAAA//////////8="/>
               </a:ext>
             </a:extLst>
           </p:cNvSpPr>
@@ -2874,7 +2874,7 @@
           <p:cNvPicPr>
             <a:extLst>
               <a:ext uri="smNativeData">
-                <pr:smNativeData xmlns="" xmlns:p14="http://schemas.microsoft.com/office/powerpoint/2010/main" xmlns:pr="smNativeData" val="SMDATA_15_aDXlXhMAAAAlAAAAEQAAAA0AAAAAkAAAAEgAAACQAAAASAAAAAAAAAAAAAAAAAAAAAEAAABQAAAAAAAAAAAA4D8AAAAAAADgPwAAAAAAAOA/AAAAAAAA4D8AAAAAAADgPwAAAAAAAOA/AAAAAAAA4D8AAAAAAADgPwAAAAAAAOA/AAAAAAAA4D8CAAAAjAAAAAAAAAAAAAAAT4G9DP///wgAAAAAAAAAAAAAAAAAAAAAAAAAAAAAAAAAAAAAZAAAAAEAAABAAAAAAAAAAAAAAAAAAAAAAAAAAAAAAAAAAAAAAAAAAAAAAAAAAAAAAAAAAAAAAAAAAAAAAAAAAAAAAAAAAAAAAAAAAAAAAAAAAAAAAAAAAAAAAAAAAAAAFAAAADwAAAAAAAAAAAAAAAAAAAkUAAAAAQAAABQAAAAUAAAAFAAAAAEAAAAAAAAAZAAAAGQAAAAAAAAAZAAAAGQAAAAVAAAAYAAAAAAAAAAAAAAADwAAACADAAAAAAAAAAAAAAEAAACgMgAAVgcAAKr4//8BAAAAf39/AAEAAABkAAAAAAAAABQAAABAHwAAAAAAACYAAAAAAAAAwOD//wAAAAAmAAAAZAAAABYAAABMAAAAAAAAAAAAAAAEAAAAAAAAAAEAAADu7OEKAAAAACgAAAAoAAAAZAAAAGQAAAAAAAAAzMzMAAAAAABQAAAAUAAAAGQAAABkAAAAAAAAAAcAAAA4AAAAAAAAAAAAAAAAAAAA////AAAAAAAAAAAAAAAAAAAAAAAAAAAAAAAAAAAAAABkAAAAZAAAAAAAAAAjAAAABAAAAGQAAAAXAAAAFAAAAAAAAAAAAAAA/38AAP9/AAAAAAAACQAAAAQAAADgHbMCDAAAABAAAAAAAAAAAAAAAAAAAAAAAAAAHgAAAGgAAAAAAAAAAAAAAAAAAAAAAAAAAAAAABAnAAAQJwAAAAAAAAAAAAAAAAAAAAAAAAAAAAAAAAAAAAAAAAAAAAAUAAAAAAAAAMDA/wAAAAAAZAAAADIAAAAAAAAAZAAAAAAAAAB/f38ACgAAAB8AAABUAAAAT4G9Bf///wEAAAAAAAAAAAAAAAAAAAAAAAAAAAAAAAAAAAAAAAAAAAAAAAJ/f38A7uzhA8zMzADAwP8Af39/AAAAAAAAAAAAAAAAAP///wAAAAAAIQAAABgAAAAUAAAAGwEAANoAAABxBgAA0wYAABAAAAAmAAAACAAAAP//////////"/>
+                <pr:smNativeData xmlns:pr="smNativeData" xmlns:p14="http://schemas.microsoft.com/office/powerpoint/2010/main" xmlns="" val="SMDATA_15_aDXlXhMAAAAlAAAAEQAAAA0AAAAAkAAAAEgAAACQAAAASAAAAAAAAAAAAAAAAAAAAAEAAABQAAAAAAAAAAAA4D8AAAAAAADgPwAAAAAAAOA/AAAAAAAA4D8AAAAAAADgPwAAAAAAAOA/AAAAAAAA4D8AAAAAAADgPwAAAAAAAOA/AAAAAAAA4D8CAAAAjAAAAAAAAAAAAAAAT4G9DP///wgAAAAAAAAAAAAAAAAAAAAAAAAAAAAAAAAAAAAAZAAAAAEAAABAAAAAAAAAAAAAAAAAAAAAAAAAAAAAAAAAAAAAAAAAAAAAAAAAAAAAAAAAAAAAAAAAAAAAAAAAAAAAAAAAAAAAAAAAAAAAAAAAAAAAAAAAAAAAAAAAAAAAFAAAADwAAAAAAAAAAAAAAAAAAAkUAAAAAQAAABQAAAAUAAAAFAAAAAEAAAAAAAAAZAAAAGQAAAAAAAAAZAAAAGQAAAAVAAAAYAAAAAAAAAAAAAAADwAAACADAAAAAAAAAAAAAAEAAACgMgAAVgcAAKr4//8BAAAAf39/AAEAAABkAAAAAAAAABQAAABAHwAAAAAAACYAAAAAAAAAwOD//wAAAAAmAAAAZAAAABYAAABMAAAAAAAAAAAAAAAEAAAAAAAAAAEAAADu7OEKAAAAACgAAAAoAAAAZAAAAGQAAAAAAAAAzMzMAAAAAABQAAAAUAAAAGQAAABkAAAAAAAAAAcAAAA4AAAAAAAAAAAAAAAAAAAA////AAAAAAAAAAAAAAAAAAAAAAAAAAAAAAAAAAAAAABkAAAAZAAAAAAAAAAjAAAABAAAAGQAAAAXAAAAFAAAAAAAAAAAAAAA/38AAP9/AAAAAAAACQAAAAQAAADgHbMCDAAAABAAAAAAAAAAAAAAAAAAAAAAAAAAHgAAAGgAAAAAAAAAAAAAAAAAAAAAAAAAAAAAABAnAAAQJwAAAAAAAAAAAAAAAAAAAAAAAAAAAAAAAAAAAAAAAAAAAAAUAAAAAAAAAMDA/wAAAAAAZAAAADIAAAAAAAAAZAAAAAAAAAB/f38ACgAAAB8AAABUAAAAT4G9Bf///wEAAAAAAAAAAAAAAAAAAAAAAAAAAAAAAAAAAAAAAAAAAAAAAAJ/f38A7uzhA8zMzADAwP8Af39/AAAAAAAAAAAAAAAAAP///wAAAAAAIQAAABgAAAAUAAAAGwEAANoAAABxBgAA0wYAABAAAAAmAAAACAAAAP//////////"/>
               </a:ext>
             </a:extLst>
           </p:cNvPicPr>
@@ -2907,7 +2907,7 @@
           <p:cNvPicPr>
             <a:extLst>
               <a:ext uri="smNativeData">
-                <pr:smNativeData xmlns="" xmlns:p14="http://schemas.microsoft.com/office/powerpoint/2010/main" xmlns:pr="smNativeData" val="SMDATA_15_aDXlXhMAAAAlAAAAEQAAAA0AAAAAkAAAAEgAAACQAAAASAAAAAAAAAAAAAAAAAAAAAEAAABQAAAAAAAAAAAA4D8AAAAAAADgPwAAAAAAAOA/AAAAAAAA4D8AAAAAAADgPwAAAAAAAOA/AAAAAAAA4D8AAAAAAADgPwAAAAAAAOA/AAAAAAAA4D8CAAAAjAAAAAAAAAAAAAAAT4G9DP///wgAAAAAAAAAAAAAAAAAAAAAAAAAAAAAAAAAAAAAZAAAAAEAAABAAAAAAAAAAAAAAAAAAAAAAAAAAAAAAAAAAAAAAAAAAAAAAAAAAAAAAAAAAAAAAAAAAAAAAAAAAAAAAAAAAAAAAAAAAAAAAAAAAAAAAAAAAAAAAAAAAAAAFAAAADwAAAAAAAAAAAAAAAAAAAkUAAAAAQAAABQAAAAUAAAAFAAAAAEAAAAAAAAAZAAAAGQAAAAAAAAAZAAAAGQAAAAVAAAAYAAAAAAAAAAAAAAADwAAACADAAAAAAAAAAAAAAEAAACgMgAAVgcAAKr4//8BAAAAf39/AAEAAABkAAAAAAAAABQAAABAHwAAAAAAACYAAAAAAAAAwOD//wAAAAAmAAAAZAAAABYAAABMAAAAAAAAAAAAAAAEAAAAAAAAAAEAAADu7OEKAAAAACgAAAAoAAAAZAAAAGQAAAAAAAAAzMzMAAAAAABQAAAAUAAAAGQAAABkAAAAAAAAAAcAAAA4AAAAAAAAAAAAAAAAAAAA////AAAAAAAAAAAAAAAAAAAAAAAAAAAAAAAAAAAAAABkAAAAZAAAAAAAAAAjAAAABAAAAGQAAAAXAAAAFAAAAAAAAAAAAAAA/38AAP9/AAAAAAAACQAAAAQAAAAAAAAADAAAABAAAAAAAAAAAAAAAAAAAAAAAAAAHgAAAGgAAAAAAAAAAAAAAAAAAAAAAAAAAAAAABAnAAAQJwAAAAAAAAAAAAAAAAAAAAAAAAAAAAAAAAAAAAAAAAAAAAAUAAAAAAAAAMDA/wAAAAAAZAAAADIAAAAAAAAAZAAAAAAAAAB/f38ACgAAAB8AAABUAAAAT4G9Bf///wEAAAAAAAAAAAAAAAAAAAAAAAAAAAAAAAAAAAAAAAAAAAAAAAJ/f38A7uzhA8zMzADAwP8Af39/AAAAAAAAAAAAAAAAAP///wAAAAAAIQAAABgAAAAUAAAAoBAAAKMAAACXGgAAuQYAABAAAAAmAAAACAAAAP//////////"/>
+                <pr:smNativeData xmlns:pr="smNativeData" xmlns:p14="http://schemas.microsoft.com/office/powerpoint/2010/main" xmlns="" val="SMDATA_15_aDXlXhMAAAAlAAAAEQAAAA0AAAAAkAAAAEgAAACQAAAASAAAAAAAAAAAAAAAAAAAAAEAAABQAAAAAAAAAAAA4D8AAAAAAADgPwAAAAAAAOA/AAAAAAAA4D8AAAAAAADgPwAAAAAAAOA/AAAAAAAA4D8AAAAAAADgPwAAAAAAAOA/AAAAAAAA4D8CAAAAjAAAAAAAAAAAAAAAT4G9DP///wgAAAAAAAAAAAAAAAAAAAAAAAAAAAAAAAAAAAAAZAAAAAEAAABAAAAAAAAAAAAAAAAAAAAAAAAAAAAAAAAAAAAAAAAAAAAAAAAAAAAAAAAAAAAAAAAAAAAAAAAAAAAAAAAAAAAAAAAAAAAAAAAAAAAAAAAAAAAAAAAAAAAAFAAAADwAAAAAAAAAAAAAAAAAAAkUAAAAAQAAABQAAAAUAAAAFAAAAAEAAAAAAAAAZAAAAGQAAAAAAAAAZAAAAGQAAAAVAAAAYAAAAAAAAAAAAAAADwAAACADAAAAAAAAAAAAAAEAAACgMgAAVgcAAKr4//8BAAAAf39/AAEAAABkAAAAAAAAABQAAABAHwAAAAAAACYAAAAAAAAAwOD//wAAAAAmAAAAZAAAABYAAABMAAAAAAAAAAAAAAAEAAAAAAAAAAEAAADu7OEKAAAAACgAAAAoAAAAZAAAAGQAAAAAAAAAzMzMAAAAAABQAAAAUAAAAGQAAABkAAAAAAAAAAcAAAA4AAAAAAAAAAAAAAAAAAAA////AAAAAAAAAAAAAAAAAAAAAAAAAAAAAAAAAAAAAABkAAAAZAAAAAAAAAAjAAAABAAAAGQAAAAXAAAAFAAAAAAAAAAAAAAA/38AAP9/AAAAAAAACQAAAAQAAAAAAAAADAAAABAAAAAAAAAAAAAAAAAAAAAAAAAAHgAAAGgAAAAAAAAAAAAAAAAAAAAAAAAAAAAAABAnAAAQJwAAAAAAAAAAAAAAAAAAAAAAAAAAAAAAAAAAAAAAAAAAAAAUAAAAAAAAAMDA/wAAAAAAZAAAADIAAAAAAAAAZAAAAAAAAAB/f38ACgAAAB8AAABUAAAAT4G9Bf///wEAAAAAAAAAAAAAAAAAAAAAAAAAAAAAAAAAAAAAAAAAAAAAAAJ/f38A7uzhA8zMzADAwP8Af39/AAAAAAAAAAAAAAAAAP///wAAAAAAIQAAABgAAAAUAAAAoBAAAKMAAACXGgAAuQYAABAAAAAmAAAACAAAAP//////////"/>
               </a:ext>
             </a:extLst>
           </p:cNvPicPr>
@@ -2940,7 +2940,7 @@
           <p:cNvPicPr>
             <a:extLst>
               <a:ext uri="smNativeData">
-                <pr:smNativeData xmlns="" xmlns:p14="http://schemas.microsoft.com/office/powerpoint/2010/main" xmlns:pr="smNativeData" val="SMDATA_15_aDXlXhMAAAAlAAAAEQAAAA0AAAAAkAAAAEgAAACQAAAASAAAAAAAAAAAAAAAAAAAAAEAAABQAAAAAAAAAAAA4D8AAAAAAADgPwAAAAAAAOA/AAAAAAAA4D8AAAAAAADgPwAAAAAAAOA/AAAAAAAA4D8AAAAAAADgPwAAAAAAAOA/AAAAAAAA4D8CAAAAjAAAAAAAAAAAAAAAT4G9DP///wgAAAAAAAAAAAAAAAAAAAAAAAAAAAAAAAAAAAAAZAAAAAEAAABAAAAAAAAAAAAAAAAAAAAAAAAAAAAAAAAAAAAAAAAAAAAAAAAAAAAAAAAAAAAAAAAAAAAAAAAAAAAAAAAAAAAAAAAAAAAAAAAAAAAAAAAAAAAAAAAAAAAAFAAAADwAAAAAAAAAAAAAAAAAAAkUAAAAAQAAABQAAAAUAAAAFAAAAAEAAAAAAAAAZAAAAGQAAAAAAAAAZAAAAGQAAAAVAAAAYAAAAAAAAAAAAAAADwAAACADAAAAAAAAAAAAAAEAAACgMgAAVgcAAKr4//8BAAAAf39/AAEAAABkAAAAAAAAABQAAABAHwAAAAAAACYAAAAAAAAAwOD//wAAAAAmAAAAZAAAABYAAABMAAAAAAAAAAAAAAAEAAAAAAAAAAEAAADu7OEKAAAAACgAAAAoAAAAZAAAAGQAAAAAAAAAzMzMAAAAAABQAAAAUAAAAGQAAABkAAAAAAAAAAcAAAA4AAAAAAAAAAAAAAAAAAAA////AAAAAAAAAAAAAAAAAAAAAAAAAAAAAAAAAAAAAABkAAAAZAAAAAAAAAAjAAAABAAAAGQAAAAXAAAAFAAAAAAAAAAAAAAA/38AAP9/AAAAAAAACQAAAAQAAAAAAAAADAAAABAAAAAAAAAAAAAAAAAAAAAAAAAAHgAAAGgAAAAAAAAAAAAAAAAAAAAAAAAAAAAAABAnAAAQJwAAAAAAAAAAAAAAAAAAAAAAAAAAAAAAAAAAAAAAAAAAAAAUAAAAAAAAAMDA/wAAAAAAZAAAADIAAAAAAAAAZAAAAAAAAAB/f38ACgAAAB8AAABUAAAAT4G9Bf///wEAAAAAAAAAAAAAAAAAAAAAAAAAAAAAAAAAAAAAAAAAAAAAAAJ/f38A7uzhA8zMzADAwP8Af39/AAAAAAAAAAAAAAAAAP///wAAAAAAIQAAABgAAAAUAAAAmRoAAKgAAACOJAAAuwYAABAAAAAmAAAACAAAAP//////////"/>
+                <pr:smNativeData xmlns:pr="smNativeData" xmlns:p14="http://schemas.microsoft.com/office/powerpoint/2010/main" xmlns="" val="SMDATA_15_aDXlXhMAAAAlAAAAEQAAAA0AAAAAkAAAAEgAAACQAAAASAAAAAAAAAAAAAAAAAAAAAEAAABQAAAAAAAAAAAA4D8AAAAAAADgPwAAAAAAAOA/AAAAAAAA4D8AAAAAAADgPwAAAAAAAOA/AAAAAAAA4D8AAAAAAADgPwAAAAAAAOA/AAAAAAAA4D8CAAAAjAAAAAAAAAAAAAAAT4G9DP///wgAAAAAAAAAAAAAAAAAAAAAAAAAAAAAAAAAAAAAZAAAAAEAAABAAAAAAAAAAAAAAAAAAAAAAAAAAAAAAAAAAAAAAAAAAAAAAAAAAAAAAAAAAAAAAAAAAAAAAAAAAAAAAAAAAAAAAAAAAAAAAAAAAAAAAAAAAAAAAAAAAAAAFAAAADwAAAAAAAAAAAAAAAAAAAkUAAAAAQAAABQAAAAUAAAAFAAAAAEAAAAAAAAAZAAAAGQAAAAAAAAAZAAAAGQAAAAVAAAAYAAAAAAAAAAAAAAADwAAACADAAAAAAAAAAAAAAEAAACgMgAAVgcAAKr4//8BAAAAf39/AAEAAABkAAAAAAAAABQAAABAHwAAAAAAACYAAAAAAAAAwOD//wAAAAAmAAAAZAAAABYAAABMAAAAAAAAAAAAAAAEAAAAAAAAAAEAAADu7OEKAAAAACgAAAAoAAAAZAAAAGQAAAAAAAAAzMzMAAAAAABQAAAAUAAAAGQAAABkAAAAAAAAAAcAAAA4AAAAAAAAAAAAAAAAAAAA////AAAAAAAAAAAAAAAAAAAAAAAAAAAAAAAAAAAAAABkAAAAZAAAAAAAAAAjAAAABAAAAGQAAAAXAAAAFAAAAAAAAAAAAAAA/38AAP9/AAAAAAAACQAAAAQAAAAAAAAADAAAABAAAAAAAAAAAAAAAAAAAAAAAAAAHgAAAGgAAAAAAAAAAAAAAAAAAAAAAAAAAAAAABAnAAAQJwAAAAAAAAAAAAAAAAAAAAAAAAAAAAAAAAAAAAAAAAAAAAAUAAAAAAAAAMDA/wAAAAAAZAAAADIAAAAAAAAAZAAAAAAAAAB/f38ACgAAAB8AAABUAAAAT4G9Bf///wEAAAAAAAAAAAAAAAAAAAAAAAAAAAAAAAAAAAAAAAAAAAAAAAJ/f38A7uzhA8zMzADAwP8Af39/AAAAAAAAAAAAAAAAAP///wAAAAAAIQAAABgAAAAUAAAAmRoAAKgAAACOJAAAuwYAABAAAAAmAAAACAAAAP//////////"/>
               </a:ext>
             </a:extLst>
           </p:cNvPicPr>
@@ -2973,7 +2973,7 @@
           <p:cNvPicPr>
             <a:extLst>
               <a:ext uri="smNativeData">
-                <pr:smNativeData xmlns="" xmlns:p14="http://schemas.microsoft.com/office/powerpoint/2010/main" xmlns:pr="smNativeData" val="SMDATA_15_aDXlXhMAAAAlAAAAEQAAAA0AAAAAkAAAAEgAAACQAAAASAAAAAAAAAAAAAAAAAAAAAEAAABQAAAAAAAAAAAA4D8AAAAAAADgPwAAAAAAAOA/AAAAAAAA4D8AAAAAAADgPwAAAAAAAOA/AAAAAAAA4D8AAAAAAADgPwAAAAAAAOA/AAAAAAAA4D8CAAAAjAAAAAAAAAAAAAAAT4G9DP///wgAAAAAAAAAAAAAAAAAAAAAAAAAAAAAAAAAAAAAZAAAAAEAAABAAAAAAAAAAAAAAAAAAAAAAAAAAAAAAAAAAAAAAAAAAAAAAAAAAAAAAAAAAAAAAAAAAAAAAAAAAAAAAAAAAAAAAAAAAAAAAAAAAAAAAAAAAAAAAAAAAAAAFAAAADwAAAAAAAAAAAAAAAAAAAkUAAAAAQAAABQAAAAUAAAAFAAAAAEAAAAAAAAAZAAAAGQAAAAAAAAAZAAAAGQAAAAVAAAAYAAAAAAAAAAAAAAADwAAACADAAAAAAAAAAAAAAEAAACgMgAAVgcAAKr4//8BAAAAf39/AAEAAABkAAAAAAAAABQAAABAHwAAAAAAACYAAAAAAAAAwOD//wAAAAAmAAAAZAAAABYAAABMAAAAAAAAAAAAAAAEAAAAAAAAAAEAAADu7OEKAAAAACgAAAAoAAAAZAAAAGQAAAAAAAAAzMzMAAAAAABQAAAAUAAAAGQAAABkAAAAAAAAAAcAAAA4AAAAAAAAAAAAAAAAAAAA////AAAAAAAAAAAAAAAAAAAAAAAAAAAAAAAAAAAAAABkAAAAZAAAAAAAAAAjAAAABAAAAGQAAAAXAAAAFAAAAAAAAAAAAAAA/38AAP9/AAAAAAAACQAAAAQAAAAAAAAADAAAABAAAAAAAAAAAAAAAAAAAAAAAAAAHgAAAGgAAAAAAAAAAAAAAAAAAAAAAAAAAAAAABAnAAAQJwAAAAAAAAAAAAAAAAAAAAAAAAAAAAAAAAAAAAAAAAAAAAAUAAAAAAAAAMDA/wAAAAAAZAAAADIAAAAAAAAAZAAAAAAAAAB/f38ACgAAAB8AAABUAAAAT4G9Bf///wEAAAAAAAAAAAAAAAAAAAAAAAAAAAAAAAAAAAAAAAAAAAAAAAJ/f38A7uzhA8zMzADAwP8Af39/AAAAAAAAAAAAAAAAAP///wAAAAAAIQAAABgAAAAUAAAAcSQAALgAAABmLgAAzgYAABAAAAAmAAAACAAAAP//////////"/>
+                <pr:smNativeData xmlns:pr="smNativeData" xmlns:p14="http://schemas.microsoft.com/office/powerpoint/2010/main" xmlns="" val="SMDATA_15_aDXlXhMAAAAlAAAAEQAAAA0AAAAAkAAAAEgAAACQAAAASAAAAAAAAAAAAAAAAAAAAAEAAABQAAAAAAAAAAAA4D8AAAAAAADgPwAAAAAAAOA/AAAAAAAA4D8AAAAAAADgPwAAAAAAAOA/AAAAAAAA4D8AAAAAAADgPwAAAAAAAOA/AAAAAAAA4D8CAAAAjAAAAAAAAAAAAAAAT4G9DP///wgAAAAAAAAAAAAAAAAAAAAAAAAAAAAAAAAAAAAAZAAAAAEAAABAAAAAAAAAAAAAAAAAAAAAAAAAAAAAAAAAAAAAAAAAAAAAAAAAAAAAAAAAAAAAAAAAAAAAAAAAAAAAAAAAAAAAAAAAAAAAAAAAAAAAAAAAAAAAAAAAAAAAFAAAADwAAAAAAAAAAAAAAAAAAAkUAAAAAQAAABQAAAAUAAAAFAAAAAEAAAAAAAAAZAAAAGQAAAAAAAAAZAAAAGQAAAAVAAAAYAAAAAAAAAAAAAAADwAAACADAAAAAAAAAAAAAAEAAACgMgAAVgcAAKr4//8BAAAAf39/AAEAAABkAAAAAAAAABQAAABAHwAAAAAAACYAAAAAAAAAwOD//wAAAAAmAAAAZAAAABYAAABMAAAAAAAAAAAAAAAEAAAAAAAAAAEAAADu7OEKAAAAACgAAAAoAAAAZAAAAGQAAAAAAAAAzMzMAAAAAABQAAAAUAAAAGQAAABkAAAAAAAAAAcAAAA4AAAAAAAAAAAAAAAAAAAA////AAAAAAAAAAAAAAAAAAAAAAAAAAAAAAAAAAAAAABkAAAAZAAAAAAAAAAjAAAABAAAAGQAAAAXAAAAFAAAAAAAAAAAAAAA/38AAP9/AAAAAAAACQAAAAQAAAAAAAAADAAAABAAAAAAAAAAAAAAAAAAAAAAAAAAHgAAAGgAAAAAAAAAAAAAAAAAAAAAAAAAAAAAABAnAAAQJwAAAAAAAAAAAAAAAAAAAAAAAAAAAAAAAAAAAAAAAAAAAAAUAAAAAAAAAMDA/wAAAAAAZAAAADIAAAAAAAAAZAAAAAAAAAB/f38ACgAAAB8AAABUAAAAT4G9Bf///wEAAAAAAAAAAAAAAAAAAAAAAAAAAAAAAAAAAAAAAAAAAAAAAAJ/f38A7uzhA8zMzADAwP8Af39/AAAAAAAAAAAAAAAAAP///wAAAAAAIQAAABgAAAAUAAAAcSQAALgAAABmLgAAzgYAABAAAAAmAAAACAAAAP//////////"/>
               </a:ext>
             </a:extLst>
           </p:cNvPicPr>
@@ -3006,7 +3006,7 @@
           <p:cNvPicPr>
             <a:extLst>
               <a:ext uri="smNativeData">
-                <pr:smNativeData xmlns="" xmlns:p14="http://schemas.microsoft.com/office/powerpoint/2010/main" xmlns:pr="smNativeData" val="SMDATA_15_aDXlXhMAAAAlAAAAEQAAAA0AAAAAkAAAAEgAAACQAAAASAAAAAAAAAAAAAAAAAAAAAEAAABQAAAAAAAAAAAA4D8AAAAAAADgPwAAAAAAAOA/AAAAAAAA4D8AAAAAAADgPwAAAAAAAOA/AAAAAAAA4D8AAAAAAADgPwAAAAAAAOA/AAAAAAAA4D8CAAAAjAAAAAAAAAAAAAAAT4G9DP///wgAAAAAAAAAAAAAAAAAAAAAAAAAAAAAAAAAAAAAZAAAAAEAAABAAAAAAAAAAAAAAAAAAAAAAAAAAAAAAAAAAAAAAAAAAAAAAAAAAAAAAAAAAAAAAAAAAAAAAAAAAAAAAAAAAAAAAAAAAAAAAAAAAAAAAAAAAAAAAAAAAAAAFAAAADwAAAAAAAAAAAAAAAAAAAkUAAAAAQAAABQAAAAUAAAAFAAAAAEAAAAAAAAAZAAAAGQAAAAAAAAAZAAAAGQAAAAVAAAAYAAAAAAAAAAAAAAADwAAACADAAAAAAAAAAAAAAEAAACgMgAAVgcAAKr4//8BAAAAf39/AAEAAABkAAAAAAAAABQAAABAHwAAAAAAACYAAAAAAAAAwOD//wAAAAAmAAAAZAAAABYAAABMAAAAAAAAAAAAAAAEAAAAAAAAAAEAAADu7OEKAAAAACgAAAAoAAAAZAAAAGQAAAAAAAAAzMzMAAAAAABQAAAAUAAAAGQAAABkAAAAAAAAAAcAAAA4AAAAAAAAAAAAAAAAAAAA////AAAAAAAAAAAAAAAAAAAAAAAAAAAAAAAAAAAAAABkAAAAZAAAAAAAAAAjAAAABAAAAGQAAAAXAAAAFAAAAAAAAAAAAAAA/38AAP9/AAAAAAAACQAAAAQAAAAAAAAADAAAABAAAAAAAAAAAAAAAAAAAAAAAAAAHgAAAGgAAAAAAAAAAAAAAAAAAAAAAAAAAAAAABAnAAAQJwAAAAAAAAAAAAAAAAAAAAAAAAAAAAAAAAAAAAAAAAAAAAAUAAAAAAAAAMDA/wAAAAAAZAAAADIAAAAAAAAAZAAAAAAAAAB/f38ACgAAAB8AAABUAAAAT4G9Bf///wEAAAAAAAAAAAAAAAAAAAAAAAAAAAAAAAAAAAAAAAAAAAAAAAJ/f38A7uzhA8zMzADAwP8Af39/AAAAAAAAAAAAAAAAAP///wAAAAAAIQAAABgAAAAUAAAASS4AALAAAAA+OAAAxgYAABAAAAAmAAAACAAAAP//////////"/>
+                <pr:smNativeData xmlns:pr="smNativeData" xmlns:p14="http://schemas.microsoft.com/office/powerpoint/2010/main" xmlns="" val="SMDATA_15_aDXlXhMAAAAlAAAAEQAAAA0AAAAAkAAAAEgAAACQAAAASAAAAAAAAAAAAAAAAAAAAAEAAABQAAAAAAAAAAAA4D8AAAAAAADgPwAAAAAAAOA/AAAAAAAA4D8AAAAAAADgPwAAAAAAAOA/AAAAAAAA4D8AAAAAAADgPwAAAAAAAOA/AAAAAAAA4D8CAAAAjAAAAAAAAAAAAAAAT4G9DP///wgAAAAAAAAAAAAAAAAAAAAAAAAAAAAAAAAAAAAAZAAAAAEAAABAAAAAAAAAAAAAAAAAAAAAAAAAAAAAAAAAAAAAAAAAAAAAAAAAAAAAAAAAAAAAAAAAAAAAAAAAAAAAAAAAAAAAAAAAAAAAAAAAAAAAAAAAAAAAAAAAAAAAFAAAADwAAAAAAAAAAAAAAAAAAAkUAAAAAQAAABQAAAAUAAAAFAAAAAEAAAAAAAAAZAAAAGQAAAAAAAAAZAAAAGQAAAAVAAAAYAAAAAAAAAAAAAAADwAAACADAAAAAAAAAAAAAAEAAACgMgAAVgcAAKr4//8BAAAAf39/AAEAAABkAAAAAAAAABQAAABAHwAAAAAAACYAAAAAAAAAwOD//wAAAAAmAAAAZAAAABYAAABMAAAAAAAAAAAAAAAEAAAAAAAAAAEAAADu7OEKAAAAACgAAAAoAAAAZAAAAGQAAAAAAAAAzMzMAAAAAABQAAAAUAAAAGQAAABkAAAAAAAAAAcAAAA4AAAAAAAAAAAAAAAAAAAA////AAAAAAAAAAAAAAAAAAAAAAAAAAAAAAAAAAAAAABkAAAAZAAAAAAAAAAjAAAABAAAAGQAAAAXAAAAFAAAAAAAAAAAAAAA/38AAP9/AAAAAAAACQAAAAQAAAAAAAAADAAAABAAAAAAAAAAAAAAAAAAAAAAAAAAHgAAAGgAAAAAAAAAAAAAAAAAAAAAAAAAAAAAABAnAAAQJwAAAAAAAAAAAAAAAAAAAAAAAAAAAAAAAAAAAAAAAAAAAAAUAAAAAAAAAMDA/wAAAAAAZAAAADIAAAAAAAAAZAAAAAAAAAB/f38ACgAAAB8AAABUAAAAT4G9Bf///wEAAAAAAAAAAAAAAAAAAAAAAAAAAAAAAAAAAAAAAAAAAAAAAAJ/f38A7uzhA8zMzADAwP8Af39/AAAAAAAAAAAAAAAAAP///wAAAAAAIQAAABgAAAAUAAAASS4AALAAAAA+OAAAxgYAABAAAAAmAAAACAAAAP//////////"/>
               </a:ext>
             </a:extLst>
           </p:cNvPicPr>
@@ -3039,7 +3039,7 @@
           <p:cNvPicPr>
             <a:extLst>
               <a:ext uri="smNativeData">
-                <pr:smNativeData xmlns="" xmlns:p14="http://schemas.microsoft.com/office/powerpoint/2010/main" xmlns:pr="smNativeData" val="SMDATA_15_aDXlXhMAAAAlAAAAEQAAAA0AAAAAkAAAAEgAAACQAAAASAAAAAAAAAAAAAAAAAAAAAEAAABQAAAAAAAAAAAA4D8AAAAAAADgPwAAAAAAAOA/AAAAAAAA4D8AAAAAAADgPwAAAAAAAOA/AAAAAAAA4D8AAAAAAADgPwAAAAAAAOA/AAAAAAAA4D8CAAAAjAAAAAAAAAAAAAAAT4G9DP///wgAAAAAAAAAAAAAAAAAAAAAAAAAAAAAAAAAAAAAZAAAAAEAAABAAAAAAAAAAAAAAAAAAAAAAAAAAAAAAAAAAAAAAAAAAAAAAAAAAAAAAAAAAAAAAAAAAAAAAAAAAAAAAAAAAAAAAAAAAAAAAAAAAAAAAAAAAAAAAAAAAAAAFAAAADwAAAAAAAAAAAAAAAAAAAkUAAAAAQAAABQAAAAUAAAAFAAAAAEAAAAAAAAAZAAAAGQAAAAAAAAAZAAAAGQAAAAVAAAAYAAAAAAAAAAAAAAADwAAACADAAAAAAAAAAAAAAEAAACgMgAAVgcAAKr4//8BAAAAf39/AAEAAABkAAAAAAAAABQAAABAHwAAAAAAACYAAAAAAAAAwOD//wAAAAAmAAAAZAAAABYAAABMAAAAAAAAAAAAAAAEAAAAAAAAAAEAAADu7OEKAAAAACgAAAAoAAAAZAAAAGQAAAAAAAAAzMzMAAAAAABQAAAAUAAAAGQAAABkAAAAAAAAAAcAAAA4AAAAAAAAAAAAAAAAAAAA////AAAAAAAAAAAAAAAAAAAAAAAAAAAAAAAAAAAAAABkAAAAZAAAAAAAAAAjAAAABAAAAGQAAAAXAAAAFAAAAAAAAAAAAAAA/38AAP9/AAAAAAAACQAAAAQAAAAAAAAADAAAABAAAAAAAAAAAAAAAAAAAAAAAAAAHgAAAGgAAAAAAAAAAAAAAAAAAAAAAAAAAAAAABAnAAAQJwAAAAAAAAAAAAAAAAAAAAAAAAAAAAAAAAAAAAAAAAAAAAAUAAAAAAAAAMDA/wAAAAAAZAAAADIAAAAAAAAAZAAAAAAAAAB/f38ACgAAAB8AAABUAAAAT4G9Bf///wEAAAAAAAAAAAAAAAAAAAAAAAAAAAAAAAAAAAAAAAAAAAAAAAJ/f38A7uzhA8zMzADAwP8Af39/AAAAAAAAAAAAAAAAAP///wAAAAAAIQAAABgAAAAUAAAAgAcAAKEAAAB2EQAAtgYAABAAAAAmAAAACAAAAP//////////"/>
+                <pr:smNativeData xmlns:pr="smNativeData" xmlns:p14="http://schemas.microsoft.com/office/powerpoint/2010/main" xmlns="" val="SMDATA_15_aDXlXhMAAAAlAAAAEQAAAA0AAAAAkAAAAEgAAACQAAAASAAAAAAAAAAAAAAAAAAAAAEAAABQAAAAAAAAAAAA4D8AAAAAAADgPwAAAAAAAOA/AAAAAAAA4D8AAAAAAADgPwAAAAAAAOA/AAAAAAAA4D8AAAAAAADgPwAAAAAAAOA/AAAAAAAA4D8CAAAAjAAAAAAAAAAAAAAAT4G9DP///wgAAAAAAAAAAAAAAAAAAAAAAAAAAAAAAAAAAAAAZAAAAAEAAABAAAAAAAAAAAAAAAAAAAAAAAAAAAAAAAAAAAAAAAAAAAAAAAAAAAAAAAAAAAAAAAAAAAAAAAAAAAAAAAAAAAAAAAAAAAAAAAAAAAAAAAAAAAAAAAAAAAAAFAAAADwAAAAAAAAAAAAAAAAAAAkUAAAAAQAAABQAAAAUAAAAFAAAAAEAAAAAAAAAZAAAAGQAAAAAAAAAZAAAAGQAAAAVAAAAYAAAAAAAAAAAAAAADwAAACADAAAAAAAAAAAAAAEAAACgMgAAVgcAAKr4//8BAAAAf39/AAEAAABkAAAAAAAAABQAAABAHwAAAAAAACYAAAAAAAAAwOD//wAAAAAmAAAAZAAAABYAAABMAAAAAAAAAAAAAAAEAAAAAAAAAAEAAADu7OEKAAAAACgAAAAoAAAAZAAAAGQAAAAAAAAAzMzMAAAAAABQAAAAUAAAAGQAAABkAAAAAAAAAAcAAAA4AAAAAAAAAAAAAAAAAAAA////AAAAAAAAAAAAAAAAAAAAAAAAAAAAAAAAAAAAAABkAAAAZAAAAAAAAAAjAAAABAAAAGQAAAAXAAAAFAAAAAAAAAAAAAAA/38AAP9/AAAAAAAACQAAAAQAAAAAAAAADAAAABAAAAAAAAAAAAAAAAAAAAAAAAAAHgAAAGgAAAAAAAAAAAAAAAAAAAAAAAAAAAAAABAnAAAQJwAAAAAAAAAAAAAAAAAAAAAAAAAAAAAAAAAAAAAAAAAAAAAUAAAAAAAAAMDA/wAAAAAAZAAAADIAAAAAAAAAZAAAAAAAAAB/f38ACgAAAB8AAABUAAAAT4G9Bf///wEAAAAAAAAAAAAAAAAAAAAAAAAAAAAAAAAAAAAAAAAAAAAAAAJ/f38A7uzhA8zMzADAwP8Af39/AAAAAAAAAAAAAAAAAP///wAAAAAAIQAAABgAAAAUAAAAgAcAAKEAAAB2EQAAtgYAABAAAAAmAAAACAAAAP//////////"/>
               </a:ext>
             </a:extLst>
           </p:cNvPicPr>
@@ -3072,7 +3072,7 @@
           <p:cNvPicPr>
             <a:extLst>
               <a:ext uri="smNativeData">
-                <pr:smNativeData xmlns="" xmlns:p14="http://schemas.microsoft.com/office/powerpoint/2010/main" xmlns:pr="smNativeData" val="SMDATA_15_aDXlXhMAAAAlAAAAEQAAAA0AAAAAkAAAAEgAAACQAAAASAAAAAAAAAAAAAAAAAAAAAEAAABQAAAAAAAAAAAA4D8AAAAAAADgPwAAAAAAAOA/AAAAAAAA4D8AAAAAAADgPwAAAAAAAOA/AAAAAAAA4D8AAAAAAADgPwAAAAAAAOA/AAAAAAAA4D8CAAAAjAAAAAAAAAAAAAAAT4G9DP///wgAAAAAAAAAAAAAAAAAAAAAAAAAAAAAAAAAAAAAZAAAAAEAAABAAAAAAAAAAAAAAAAAAAAAAAAAAAAAAAAAAAAAAAAAAAAAAAAAAAAAAAAAAAAAAAAAAAAAAAAAAAAAAAAAAAAAAAAAAAAAAAAAAAAAAAAAAAAAAAAAAAAAFAAAADwAAAAAAAAAAAAAAAAAAAkUAAAAAQAAABQAAAAUAAAAFAAAAAEAAAAAAAAAZAAAAGQAAAAAAAAAZAAAAGQAAAAVAAAAYAAAAAAAAAAAAAAADwAAACADAAAAAAAAAAAAAAEAAACgMgAAVgcAAKr4//8BAAAAf39/AAEAAABkAAAAAAAAABQAAABAHwAAAAAAACYAAAAAAAAAwOD//wAAAAAmAAAAZAAAABYAAABMAAAAAAAAAAAAAAAEAAAAAAAAAAEAAADu7OEKAAAAACgAAAAoAAAAZAAAAGQAAAAAAAAAzMzMAAAAAABQAAAAUAAAAGQAAABkAAAAAAAAAAcAAAA4AAAAAAAAAAAAAAAAAAAA////AAAAAAAAAAAAAAAAAAAAAAAAAAAAAAAAAAAAAABkAAAAZAAAAAAAAAAjAAAABAAAAGQAAAAXAAAAFAAAAAAAAAAAAAAA/38AAP9/AAAAAAAACQAAAAQAAAAAAAAADAAAABAAAAAAAAAAAAAAAAAAAAAAAAAAHgAAAGgAAAAAAAAAAAAAAAAAAAAAAAAAAAAAABAnAAAQJwAAAAAAAAAAAAAAAAAAAAAAAAAAAAAAAAAAAAAAAAAAAAAUAAAAAAAAAMDA/wAAAAAAZAAAADIAAAAAAAAAZAAAAAAAAAB/f38ACgAAAB8AAABUAAAAT4G9Bf///wEAAAAAAAAAAAAAAAAAAAAAAAAAAAAAAAAAAAAAAAAAAAAAAAJ/f38A7uzhA8zMzADAwP8Af39/AAAAAAAAAAAAAAAAAP///wAAAAAAIQAAABgAAAAUAAAAUi4AANgJAAApOAAAYSkAABAAAAAmAAAACAAAAP//////////"/>
+                <pr:smNativeData xmlns:pr="smNativeData" xmlns:p14="http://schemas.microsoft.com/office/powerpoint/2010/main" xmlns="" val="SMDATA_15_aDXlXhMAAAAlAAAAEQAAAA0AAAAAkAAAAEgAAACQAAAASAAAAAAAAAAAAAAAAAAAAAEAAABQAAAAAAAAAAAA4D8AAAAAAADgPwAAAAAAAOA/AAAAAAAA4D8AAAAAAADgPwAAAAAAAOA/AAAAAAAA4D8AAAAAAADgPwAAAAAAAOA/AAAAAAAA4D8CAAAAjAAAAAAAAAAAAAAAT4G9DP///wgAAAAAAAAAAAAAAAAAAAAAAAAAAAAAAAAAAAAAZAAAAAEAAABAAAAAAAAAAAAAAAAAAAAAAAAAAAAAAAAAAAAAAAAAAAAAAAAAAAAAAAAAAAAAAAAAAAAAAAAAAAAAAAAAAAAAAAAAAAAAAAAAAAAAAAAAAAAAAAAAAAAAFAAAADwAAAAAAAAAAAAAAAAAAAkUAAAAAQAAABQAAAAUAAAAFAAAAAEAAAAAAAAAZAAAAGQAAAAAAAAAZAAAAGQAAAAVAAAAYAAAAAAAAAAAAAAADwAAACADAAAAAAAAAAAAAAEAAACgMgAAVgcAAKr4//8BAAAAf39/AAEAAABkAAAAAAAAABQAAABAHwAAAAAAACYAAAAAAAAAwOD//wAAAAAmAAAAZAAAABYAAABMAAAAAAAAAAAAAAAEAAAAAAAAAAEAAADu7OEKAAAAACgAAAAoAAAAZAAAAGQAAAAAAAAAzMzMAAAAAABQAAAAUAAAAGQAAABkAAAAAAAAAAcAAAA4AAAAAAAAAAAAAAAAAAAA////AAAAAAAAAAAAAAAAAAAAAAAAAAAAAAAAAAAAAABkAAAAZAAAAAAAAAAjAAAABAAAAGQAAAAXAAAAFAAAAAAAAAAAAAAA/38AAP9/AAAAAAAACQAAAAQAAAAAAAAADAAAABAAAAAAAAAAAAAAAAAAAAAAAAAAHgAAAGgAAAAAAAAAAAAAAAAAAAAAAAAAAAAAABAnAAAQJwAAAAAAAAAAAAAAAAAAAAAAAAAAAAAAAAAAAAAAAAAAAAAUAAAAAAAAAMDA/wAAAAAAZAAAADIAAAAAAAAAZAAAAAAAAAB/f38ACgAAAB8AAABUAAAAT4G9Bf///wEAAAAAAAAAAAAAAAAAAAAAAAAAAAAAAAAAAAAAAAAAAAAAAAJ/f38A7uzhA8zMzADAwP8Af39/AAAAAAAAAAAAAAAAAP///wAAAAAAIQAAABgAAAAUAAAAUi4AANgJAAApOAAAYSkAABAAAAAmAAAACAAAAP//////////"/>
               </a:ext>
             </a:extLst>
           </p:cNvPicPr>
@@ -3106,7 +3106,7 @@
             <a:spLocks noGrp="1" noChangeArrowheads="1"/>
             <a:extLst>
               <a:ext uri="smNativeData">
-                <pr:smNativeData xmlns="" xmlns:p14="http://schemas.microsoft.com/office/powerpoint/2010/main" xmlns:pr="smNativeData" val="SMDATA_13_aDXlXhMAAAAlAAAAZAAAAA0AAAAAAAAAAAAAAAAAAAAAAAAAAAAAAAABAAAAAAAAAAEAAABQAAAAAAAAAAAA4D8AAAAAAADgPwAAAAAAAOA/AAAAAAAA4D8AAAAAAADgPwAAAAAAAOA/AAAAAAAA4D8AAAAAAADgPwAAAAAAAOA/AAAAAAAA4D8CAAAAjAAAAAAAAAAAAAAA////AP///wgAAAAAAAAAAAAAAAAAAAAAAAAAAAAAAAAAAAAAeAAAAAEAAABAAAAAAAAAAAAAAABaAAAAAAAAAAAAAAAAAAAAAAAAAAAAAAAAAAAAAAAAAAAAAAAAAAAAAAAAAAAAAAAAAAAAAAAAAAAAAAAAAAAAAAAAAAAAAAAAAAAAFAAAADwAAAAAAAAAAAAAAAAAAAAPAAAAAQAAACMAAAAjAAAAIwAAAB4AAAAAAAAAZAAAAGQAAAAAAAAAZAAAAGQAAAAVAAAAYAAAAAAAAAAAAAAADwAAACADAAAAAAAAAAAAAAEAAACgMgAAVgcAAKr4//8BAAAAf39/AAEAAABkAAAAAAAAABQAAABAHwAAAAAAACYAAAAAAAAAwOD//wAAAAAmAAAAZAAAABYAAABMAAAAAAAAAAAAAAAEAAAAAAAAAAEAAADu7OEKAAAAACgAAAAoAAAAZAAAAGQAAAAAAAAAzMzMAAAAAABQAAAAUAAAAGQAAABkAAAAAAAAABcAAAAUAAAAAAAAAAAAAAD/fwAA/38AAAAAAAAJAAAABAAAAAAAAAAMAAAAEAAAAAAAAAAAAAAAAAAAAAAAAAAeAAAAaAAAAAAAAAAAAAAAAAAAAAAAAAAAAAAAECcAABAnAAAAAAAAAAAAAAAAAAAAAAAAAAAAAAAAAAAAAAAAAAAAABQAAAAAAAAAwMD/AAAAAABkAAAAMgAAAAAAAABkAAAAAAAAAH9/fwAKAAAAHwAAAFQAAAD///8AAAAAAQAAAAAAAAAAAAAAAAAAAAAAAAAAAAAAAAAAAAAAAAAAAAAAAH9/fwAAAAADzMzMAMDA/wB/f38AAAAAAAAAAAAAAAAAAAAAAAAAAAAhAAAAGAAAABQAAADQAgAArwEAAG81AAC6CAAAEAAAACYAAAAIAAAAvQ8AAP8fAAA="/>
+                <pr:smNativeData xmlns:pr="smNativeData" xmlns:p14="http://schemas.microsoft.com/office/powerpoint/2010/main" xmlns="" val="SMDATA_13_aDXlXhMAAAAlAAAAZAAAAA0AAAAAAAAAAAAAAAAAAAAAAAAAAAAAAAABAAAAAAAAAAEAAABQAAAAAAAAAAAA4D8AAAAAAADgPwAAAAAAAOA/AAAAAAAA4D8AAAAAAADgPwAAAAAAAOA/AAAAAAAA4D8AAAAAAADgPwAAAAAAAOA/AAAAAAAA4D8CAAAAjAAAAAAAAAAAAAAA////AP///wgAAAAAAAAAAAAAAAAAAAAAAAAAAAAAAAAAAAAAeAAAAAEAAABAAAAAAAAAAAAAAABaAAAAAAAAAAAAAAAAAAAAAAAAAAAAAAAAAAAAAAAAAAAAAAAAAAAAAAAAAAAAAAAAAAAAAAAAAAAAAAAAAAAAAAAAAAAAAAAAAAAAFAAAADwAAAAAAAAAAAAAAAAAAAAPAAAAAQAAACMAAAAjAAAAIwAAAB4AAAAAAAAAZAAAAGQAAAAAAAAAZAAAAGQAAAAVAAAAYAAAAAAAAAAAAAAADwAAACADAAAAAAAAAAAAAAEAAACgMgAAVgcAAKr4//8BAAAAf39/AAEAAABkAAAAAAAAABQAAABAHwAAAAAAACYAAAAAAAAAwOD//wAAAAAmAAAAZAAAABYAAABMAAAAAAAAAAAAAAAEAAAAAAAAAAEAAADu7OEKAAAAACgAAAAoAAAAZAAAAGQAAAAAAAAAzMzMAAAAAABQAAAAUAAAAGQAAABkAAAAAAAAABcAAAAUAAAAAAAAAAAAAAD/fwAA/38AAAAAAAAJAAAABAAAAAAAAAAMAAAAEAAAAAAAAAAAAAAAAAAAAAAAAAAeAAAAaAAAAAAAAAAAAAAAAAAAAAAAAAAAAAAAECcAABAnAAAAAAAAAAAAAAAAAAAAAAAAAAAAAAAAAAAAAAAAAAAAABQAAAAAAAAAwMD/AAAAAABkAAAAMgAAAAAAAABkAAAAAAAAAH9/fwAKAAAAHwAAAFQAAAD///8AAAAAAQAAAAAAAAAAAAAAAAAAAAAAAAAAAAAAAAAAAAAAAAAAAAAAAH9/fwAAAAADzMzMAMDA/wB/f38AAAAAAAAAAAAAAAAAAAAAAAAAAAAhAAAAGAAAABQAAADQAgAArwEAAG81AAC6CAAAEAAAACYAAAAIAAAAvQ8AAP8fAAA="/>
               </a:ext>
             </a:extLst>
           </p:cNvSpPr>
@@ -3151,7 +3151,7 @@
             <a:spLocks noGrp="1" noChangeArrowheads="1"/>
             <a:extLst>
               <a:ext uri="smNativeData">
-                <pr:smNativeData xmlns="" xmlns:p14="http://schemas.microsoft.com/office/powerpoint/2010/main" xmlns:pr="smNativeData" val="SMDATA_13_aDXlXhMAAAAlAAAAZAAAAA0AAAAAAAAAAAAAAAAAAAAAAAAAAAAAAAAAAAAAAAAAAAEAAABQAAAAAAAAAAAA4D8AAAAAAADgPwAAAAAAAOA/AAAAAAAA4D8AAAAAAADgPwAAAAAAAOA/AAAAAAAA4D8AAAAAAADgPwAAAAAAAOA/AAAAAAAA4D8CAAAAjAAAAAAAAAAAAAAA////AP///wgAAAAAAAAAAAAAAAAAAAAAAAAAAAAAAAAAAAAAeAAAAAEAAABAAAAAAAAAAAAAAABaAAAAAAAAAAAAAAAAAAAAAAAAAAAAAAAAAAAAAAAAAAAAAAAAAAAAAAAAAAAAAAAAAAAAAAAAAAAAAAAAAAAAAAAAAAAAAAAAAAAAFAAAADwAAAAAAAAAAAAAAAAAAAAPAAAAAQAAACMAAAAjAAAAIwAAAB4AAAAAAAAAZAAAAGQAAAAAAAAAZAAAAGQAAAAVAAAAYAAAAAAAAAAAAAAADwAAACADAAAAAAAAAAAAAAEAAACgMgAAVgcAAKr4//8BAAAAf39/AAEAAABkAAAAAAAAABQAAABAHwAAAAAAACYAAAAAAAAAwOD//wAAAAAmAAAAZAAAABYAAABMAAAAAAAAAAAAAAAEAAAAAAAAAAEAAADu7OEKAAAAACgAAAAoAAAAZAAAAGQAAAAAAAAAzMzMAAAAAABQAAAAUAAAAGQAAABkAAAAAAAAABcAAAAUAAAAAAAAAAAAAAD/fwAA/38AAAAAAAAJAAAABAAAAAAAAAAMAAAAEAAAAAAAAAAAAAAAAAAAAAAAAAAeAAAAaAAAAAAAAAAAAAAAAAAAAAAAAAAAAAAAECcAABAnAAAAAAAAAAAAAAAAAAAAAAAAAAAAAAAAAAAAAAAAAAAAABQAAAAAAAAAwMD/AAAAAABkAAAAMgAAAAAAAABkAAAAAAAAAH9/fwAKAAAAHwAAAFQAAAD///8AAAAAAQAAAAAAAAAAAAAAAAAAAAAAAAAAAAAAAAAAAAAAAAAAAAAAAH9/fwAAAAADzMzMAMDA/wB/f38AAAAAAAAAAAAAAAAAAAAAAAAAAAAhAAAAGAAAABQAAADQAgAA3wkAAG81AABWIgAAEAAAACYAAAAIAAAAPQ8AAP8fAAA="/>
+                <pr:smNativeData xmlns:pr="smNativeData" xmlns:p14="http://schemas.microsoft.com/office/powerpoint/2010/main" xmlns="" val="SMDATA_13_aDXlXhMAAAAlAAAAZAAAAA0AAAAAAAAAAAAAAAAAAAAAAAAAAAAAAAAAAAAAAAAAAAEAAABQAAAAAAAAAAAA4D8AAAAAAADgPwAAAAAAAOA/AAAAAAAA4D8AAAAAAADgPwAAAAAAAOA/AAAAAAAA4D8AAAAAAADgPwAAAAAAAOA/AAAAAAAA4D8CAAAAjAAAAAAAAAAAAAAA////AP///wgAAAAAAAAAAAAAAAAAAAAAAAAAAAAAAAAAAAAAeAAAAAEAAABAAAAAAAAAAAAAAABaAAAAAAAAAAAAAAAAAAAAAAAAAAAAAAAAAAAAAAAAAAAAAAAAAAAAAAAAAAAAAAAAAAAAAAAAAAAAAAAAAAAAAAAAAAAAAAAAAAAAFAAAADwAAAAAAAAAAAAAAAAAAAAPAAAAAQAAACMAAAAjAAAAIwAAAB4AAAAAAAAAZAAAAGQAAAAAAAAAZAAAAGQAAAAVAAAAYAAAAAAAAAAAAAAADwAAACADAAAAAAAAAAAAAAEAAACgMgAAVgcAAKr4//8BAAAAf39/AAEAAABkAAAAAAAAABQAAABAHwAAAAAAACYAAAAAAAAAwOD//wAAAAAmAAAAZAAAABYAAABMAAAAAAAAAAAAAAAEAAAAAAAAAAEAAADu7OEKAAAAACgAAAAoAAAAZAAAAGQAAAAAAAAAzMzMAAAAAABQAAAAUAAAAGQAAABkAAAAAAAAABcAAAAUAAAAAAAAAAAAAAD/fwAA/38AAAAAAAAJAAAABAAAAAAAAAAMAAAAEAAAAAAAAAAAAAAAAAAAAAAAAAAeAAAAaAAAAAAAAAAAAAAAAAAAAAAAAAAAAAAAECcAABAnAAAAAAAAAAAAAAAAAAAAAAAAAAAAAAAAAAAAAAAAAAAAABQAAAAAAAAAwMD/AAAAAABkAAAAMgAAAAAAAABkAAAAAAAAAH9/fwAKAAAAHwAAAFQAAAD///8AAAAAAQAAAAAAAAAAAAAAAAAAAAAAAAAAAAAAAAAAAAAAAAAAAAAAAH9/fwAAAAADzMzMAMDA/wB/f38AAAAAAAAAAAAAAAAAAAAAAAAAAAAhAAAAGAAAABQAAADQAgAA3wkAAG81AABWIgAAEAAAACYAAAAIAAAAPQ8AAP8fAAA="/>
               </a:ext>
             </a:extLst>
           </p:cNvSpPr>
@@ -3910,7 +3910,7 @@
           <p:cNvSpPr>
             <a:extLst>
               <a:ext uri="smNativeData">
-                <pr:smNativeData xmlns="" xmlns:p14="http://schemas.microsoft.com/office/powerpoint/2010/main" xmlns:pr="smNativeData" val="SMDATA_13_aDXlXhMAAAAlAAAAZAAAAA0AAAAAjgAAAEcAAACOAAAARwAAAAAAAAAAAAAAAAAAAAEAAABQAAAAAAAAAAAA4D8AAAAAAADgPwAAAAAAAOA/AAAAAAAA4D8AAAAAAADgPwAAAAAAAOA/AAAAAAAA4D8AAAAAAADgPwAAAAAAAOA/AAAAAAAA4D8CAAAAjAAAAAAAAAAAAAAAT4G9DP///wgAAAAAAAAAAAAAAAAAAAAAAAAAAAAAAAAAAAAAZAAAAAEAAABAAAAAAAAAAAAAAAAAAAAAAAAAAAAAAAAAAAAAAAAAAAAAAAAAAAAAAAAAAAAAAAAAAAAAAAAAAAAAAAAAAAAAAAAAAAAAAAAAAAAAAAAAAAAAAAAAAAAAFAAAADwAAAAAAAAAAAAAAAAAAAkUAAAAAQAAABQAAAAUAAAAFAAAAAEAAAAAAAAAZAAAAGQAAAAAAAAAZAAAAGQAAAAVAAAAYAAAAAAAAAAAAAAADwAAACADAAAAAAAAAAAAAAEAAACgMgAAVgcAAKr4//8BAAAAf39/AAEAAABkAAAAAAAAABQAAABAHwAAAAAAACYAAAAAAAAAwOD//wAAAAAmAAAAZAAAABYAAABMAAAAAAAAAAAAAAAEAAAAAAAAAAEAAADu7OEKAAAAACgAAAAoAAAAZAAAAGQAAAAAAAAAzMzMAAAAAABQAAAAUAAAAGQAAABkAAAAAAAAABcAAAAUAAAAAAAAAAAAAAD/fwAA/38AAAAAAAAJAAAABAAAAFQibAUMAAAAEAAAAAAAAAAAAAAAAAAAAAAAAAAeAAAAaAAAAAAAAAAAAAAAAAAAAAAAAAAAAAAAECcAABAnAAAAAAAAAAAAAAAAAAAAAAAAAAAAAAAAAAAAAAAAAAAAABQAAAAAAAAAwMD/AAAAAABkAAAAMgAAAAAAAABkAAAAAAAAAH9/fwAKAAAAHwAAAFQAAABPgb0F////AQAAAAAAAAAAAAAAAAAAAAAAAAAAAAAAAAAAAAAAAAAAAAAAAn9/fwDu7OEDzMzMAMDA/wB/f38AAAAAAAAAAAAAAAAAAAAAAAAAAAAhAAAAGAAAABQAAAClAQAAowsAALQ0AACZEgAAEAAAACYAAAAIAAAA//////////8="/>
+                <pr:smNativeData xmlns:pr="smNativeData" xmlns:p14="http://schemas.microsoft.com/office/powerpoint/2010/main" xmlns="" val="SMDATA_13_aDXlXhMAAAAlAAAAZAAAAA0AAAAAjgAAAEcAAACOAAAARwAAAAAAAAAAAAAAAAAAAAEAAABQAAAAAAAAAAAA4D8AAAAAAADgPwAAAAAAAOA/AAAAAAAA4D8AAAAAAADgPwAAAAAAAOA/AAAAAAAA4D8AAAAAAADgPwAAAAAAAOA/AAAAAAAA4D8CAAAAjAAAAAAAAAAAAAAAT4G9DP///wgAAAAAAAAAAAAAAAAAAAAAAAAAAAAAAAAAAAAAZAAAAAEAAABAAAAAAAAAAAAAAAAAAAAAAAAAAAAAAAAAAAAAAAAAAAAAAAAAAAAAAAAAAAAAAAAAAAAAAAAAAAAAAAAAAAAAAAAAAAAAAAAAAAAAAAAAAAAAAAAAAAAAFAAAADwAAAAAAAAAAAAAAAAAAAkUAAAAAQAAABQAAAAUAAAAFAAAAAEAAAAAAAAAZAAAAGQAAAAAAAAAZAAAAGQAAAAVAAAAYAAAAAAAAAAAAAAADwAAACADAAAAAAAAAAAAAAEAAACgMgAAVgcAAKr4//8BAAAAf39/AAEAAABkAAAAAAAAABQAAABAHwAAAAAAACYAAAAAAAAAwOD//wAAAAAmAAAAZAAAABYAAABMAAAAAAAAAAAAAAAEAAAAAAAAAAEAAADu7OEKAAAAACgAAAAoAAAAZAAAAGQAAAAAAAAAzMzMAAAAAABQAAAAUAAAAGQAAABkAAAAAAAAABcAAAAUAAAAAAAAAAAAAAD/fwAA/38AAAAAAAAJAAAABAAAAFQibAUMAAAAEAAAAAAAAAAAAAAAAAAAAAAAAAAeAAAAaAAAAAAAAAAAAAAAAAAAAAAAAAAAAAAAECcAABAnAAAAAAAAAAAAAAAAAAAAAAAAAAAAAAAAAAAAAAAAAAAAABQAAAAAAAAAwMD/AAAAAABkAAAAMgAAAAAAAABkAAAAAAAAAH9/fwAKAAAAHwAAAFQAAABPgb0F////AQAAAAAAAAAAAAAAAAAAAAAAAAAAAAAAAAAAAAAAAAAAAAAAAn9/fwDu7OEDzMzMAMDA/wB/f38AAAAAAAAAAAAAAAAAAAAAAAAAAAAhAAAAGAAAABQAAAClAQAAowsAALQ0AACZEgAAEAAAACYAAAAIAAAA//////////8="/>
               </a:ext>
             </a:extLst>
           </p:cNvSpPr>
@@ -4003,7 +4003,7 @@
           <p:cNvSpPr>
             <a:extLst>
               <a:ext uri="smNativeData">
-                <pr:smNativeData xmlns="" xmlns:p14="http://schemas.microsoft.com/office/powerpoint/2010/main" xmlns:pr="smNativeData" val="SMDATA_13_aDXlXhMAAAAlAAAAZAAAAA0AAAAAjgAAAEcAAACOAAAARwAAAAAAAAAAAAAAAAAAAAEAAABQAAAAAAAAAAAA4D8AAAAAAADgPwAAAAAAAOA/AAAAAAAA4D8AAAAAAADgPwAAAAAAAOA/AAAAAAAA4D8AAAAAAADgPwAAAAAAAOA/AAAAAAAA4D8CAAAAjAAAAAAAAAAAAAAAT4G9DP///wgAAAAAAAAAAAAAAAAAAAAAAAAAAAAAAAAAAAAAZAAAAAEAAABAAAAAAAAAAAAAAAAAAAAAAAAAAAAAAAAAAAAAAAAAAAAAAAAAAAAAAAAAAAAAAAAAAAAAAAAAAAAAAAAAAAAAAAAAAAAAAAAAAAAAAAAAAAAAAAAAAAAAFAAAADwAAAAAAAAAAAAAAAAAAAkUAAAAAQAAABQAAAAUAAAAFAAAAAEAAAAAAAAAZAAAAGQAAAAAAAAAZAAAAGQAAAAVAAAAYAAAAAAAAAAAAAAADwAAACADAAAAAAAAAAAAAAEAAACgMgAAVgcAAKr4//8BAAAAf39/AAEAAABkAAAAAAAAABQAAABAHwAAAAAAACYAAAAAAAAAwOD//wAAAAAmAAAAZAAAABYAAABMAAAAAAAAAAAAAAAEAAAAAAAAAAEAAADu7OEKAAAAACgAAAAoAAAAZAAAAGQAAAAAAAAAzMzMAAAAAABQAAAAUAAAAGQAAABkAAAAAAAAABcAAAAUAAAAAAAAAAAAAAD/fwAA/38AAAAAAAAJAAAABAAAAEwbVmwMAAAAEAAAAAAAAAAAAAAAAAAAAAAAAAAeAAAAaAAAAAAAAAAAAAAAAAAAAAAAAAAAAAAAECcAABAnAAAAAAAAAAAAAAAAAAAAAAAAAAAAAAAAAAAAAAAAAAAAABQAAAAAAAAAwMD/AAAAAABkAAAAMgAAAAAAAABkAAAAAAAAAH9/fwAKAAAAHwAAAFQAAABPgb0F////AQAAAAAAAAAAAAAAAAAAAAAAAAAAAAAAAAAAAAAAAAAAAAAAAn9/fwDu7OEDzMzMAMDA/wB/f38AAAAAAAAAAAAAAAAAAAAAAAAAAAAhAAAAGAAAABQAAACIAgAAtBUAAI42AACnIgAAAAAAACYAAAAIAAAA//////////8="/>
+                <pr:smNativeData xmlns:pr="smNativeData" xmlns:p14="http://schemas.microsoft.com/office/powerpoint/2010/main" xmlns="" val="SMDATA_13_aDXlXhMAAAAlAAAAZAAAAA0AAAAAjgAAAEcAAACOAAAARwAAAAAAAAAAAAAAAAAAAAEAAABQAAAAAAAAAAAA4D8AAAAAAADgPwAAAAAAAOA/AAAAAAAA4D8AAAAAAADgPwAAAAAAAOA/AAAAAAAA4D8AAAAAAADgPwAAAAAAAOA/AAAAAAAA4D8CAAAAjAAAAAAAAAAAAAAAT4G9DP///wgAAAAAAAAAAAAAAAAAAAAAAAAAAAAAAAAAAAAAZAAAAAEAAABAAAAAAAAAAAAAAAAAAAAAAAAAAAAAAAAAAAAAAAAAAAAAAAAAAAAAAAAAAAAAAAAAAAAAAAAAAAAAAAAAAAAAAAAAAAAAAAAAAAAAAAAAAAAAAAAAAAAAFAAAADwAAAAAAAAAAAAAAAAAAAkUAAAAAQAAABQAAAAUAAAAFAAAAAEAAAAAAAAAZAAAAGQAAAAAAAAAZAAAAGQAAAAVAAAAYAAAAAAAAAAAAAAADwAAACADAAAAAAAAAAAAAAEAAACgMgAAVgcAAKr4//8BAAAAf39/AAEAAABkAAAAAAAAABQAAABAHwAAAAAAACYAAAAAAAAAwOD//wAAAAAmAAAAZAAAABYAAABMAAAAAAAAAAAAAAAEAAAAAAAAAAEAAADu7OEKAAAAACgAAAAoAAAAZAAAAGQAAAAAAAAAzMzMAAAAAABQAAAAUAAAAGQAAABkAAAAAAAAABcAAAAUAAAAAAAAAAAAAAD/fwAA/38AAAAAAAAJAAAABAAAAEwbVmwMAAAAEAAAAAAAAAAAAAAAAAAAAAAAAAAeAAAAaAAAAAAAAAAAAAAAAAAAAAAAAAAAAAAAECcAABAnAAAAAAAAAAAAAAAAAAAAAAAAAAAAAAAAAAAAAAAAAAAAABQAAAAAAAAAwMD/AAAAAABkAAAAMgAAAAAAAABkAAAAAAAAAH9/fwAKAAAAHwAAAFQAAABPgb0F////AQAAAAAAAAAAAAAAAAAAAAAAAAAAAAAAAAAAAAAAAAAAAAAAAn9/fwDu7OEDzMzMAMDA/wB/f38AAAAAAAAAAAAAAAAAAAAAAAAAAAAhAAAAGAAAABQAAACIAgAAtBUAAI42AACnIgAAAAAAACYAAAAIAAAA//////////8="/>
               </a:ext>
             </a:extLst>
           </p:cNvSpPr>
@@ -4410,7 +4410,7 @@
           <p:cNvSpPr>
             <a:extLst>
               <a:ext uri="smNativeData">
-                <pr:smNativeData xmlns="" xmlns:p14="http://schemas.microsoft.com/office/powerpoint/2010/main" xmlns:pr="smNativeData" val="SMDATA_13_aDXlXhMAAAAlAAAAZAAAAA0AAAAAkAAAAEgAAACQAAAASAAAAAAAAAAAAAAAAAAAAAEAAABQAAAAAAAAAAAA4D8AAAAAAADgPwAAAAAAAOA/AAAAAAAA4D8AAAAAAADgPwAAAAAAAOA/AAAAAAAA4D8AAAAAAADgPwAAAAAAAOA/AAAAAAAA4D8CAAAAjAAAAAEAAAAAAAAAM8zMAP///wgAAAAAAAAAAAAAAAAAAAAAAAAAAAAAAAAAAAAAeAAAAAEAAABAAAAAAAAAAAAAAABaAAAAAAAAAAAAAAAAAAAAAAAAAAAAAAAAAAAAAAAAAAAAAAAAAAAAAAAAAAAAAAAAAAAAAAAAAAAAAAAAAAAAAAAAAAAAAAAAAAAAFAAAADwAAAAAAAAAAAAAAAAAAAkUAAAAAQAAABQAAAAUAAAAFAAAAAEAAAAAAAAAZAAAAGQAAAAAAAAAZAAAAGQAAAAVAAAAYAAAAAAAAAAAAAAADwAAACADAAAAAAAAAAAAAAEAAACgMgAAVgcAAKr4//8BAAAAf39/AAEAAABkAAAAAAAAABQAAABAHwAAAAAAACYAAAAAAAAAwOD//wAAAAAmAAAAZAAAABYAAABMAAAAAAAAAAAAAAAEAAAAAAAAAAEAAADu7OEKAAAAACgAAAAoAAAAZAAAAGQAAAAAAAAAzMzMAAAAAABQAAAAUAAAAGQAAABkAAAAAAAAABcAAAAUAAAAAAAAAAAAAAD/fwAA/38AAAAAAAAJAAAABAAAAAAAAAAMAAAAEAAAAAAAAAAAAAAAAAAAAAAAAAAeAAAAaAAAAAAAAAAAAAAAAAAAAAAAAAAAAAAAECcAABAnAAAAAAAAAAAAAAAAAAAAAAAAAAAAAAAAAAAAAAAAAAAAABQAAAAAAAAAwMD/AAAAAABkAAAAMgAAAAAAAABkAAAAAAAAAH9/fwAKAAAAHwAAAFQAAAAzzMwA////AQAAAAAAAAAAAAAAAAAAAAAAAAAAAAAAAAAAAAAAAAAAAAAAAn9/fwDu7OEDzMzMAMDA/wB/f38AAAAAAAAAAAAAAAAAAAAAAAAAAAAhAAAAGAAAABQAAABgCQAAugkAAD44AADyCQAAEAAAACYAAAAIAAAA//////////8="/>
+                <pr:smNativeData xmlns:pr="smNativeData" xmlns:p14="http://schemas.microsoft.com/office/powerpoint/2010/main" xmlns="" val="SMDATA_13_aDXlXhMAAAAlAAAAZAAAAA0AAAAAkAAAAEgAAACQAAAASAAAAAAAAAAAAAAAAAAAAAEAAABQAAAAAAAAAAAA4D8AAAAAAADgPwAAAAAAAOA/AAAAAAAA4D8AAAAAAADgPwAAAAAAAOA/AAAAAAAA4D8AAAAAAADgPwAAAAAAAOA/AAAAAAAA4D8CAAAAjAAAAAEAAAAAAAAAM8zMAP///wgAAAAAAAAAAAAAAAAAAAAAAAAAAAAAAAAAAAAAeAAAAAEAAABAAAAAAAAAAAAAAABaAAAAAAAAAAAAAAAAAAAAAAAAAAAAAAAAAAAAAAAAAAAAAAAAAAAAAAAAAAAAAAAAAAAAAAAAAAAAAAAAAAAAAAAAAAAAAAAAAAAAFAAAADwAAAAAAAAAAAAAAAAAAAkUAAAAAQAAABQAAAAUAAAAFAAAAAEAAAAAAAAAZAAAAGQAAAAAAAAAZAAAAGQAAAAVAAAAYAAAAAAAAAAAAAAADwAAACADAAAAAAAAAAAAAAEAAACgMgAAVgcAAKr4//8BAAAAf39/AAEAAABkAAAAAAAAABQAAABAHwAAAAAAACYAAAAAAAAAwOD//wAAAAAmAAAAZAAAABYAAABMAAAAAAAAAAAAAAAEAAAAAAAAAAEAAADu7OEKAAAAACgAAAAoAAAAZAAAAGQAAAAAAAAAzMzMAAAAAABQAAAAUAAAAGQAAABkAAAAAAAAABcAAAAUAAAAAAAAAAAAAAD/fwAA/38AAAAAAAAJAAAABAAAAAAAAAAMAAAAEAAAAAAAAAAAAAAAAAAAAAAAAAAeAAAAaAAAAAAAAAAAAAAAAAAAAAAAAAAAAAAAECcAABAnAAAAAAAAAAAAAAAAAAAAAAAAAAAAAAAAAAAAAAAAAAAAABQAAAAAAAAAwMD/AAAAAABkAAAAMgAAAAAAAABkAAAAAAAAAH9/fwAKAAAAHwAAAFQAAAAzzMwA////AQAAAAAAAAAAAAAAAAAAAAAAAAAAAAAAAAAAAAAAAAAAAAAAAn9/fwDu7OEDzMzMAMDA/wB/f38AAAAAAAAAAAAAAAAAAAAAAAAAAAAhAAAAGAAAABQAAABgCQAAugkAAD44AADyCQAAEAAAACYAAAAIAAAA//////////8="/>
               </a:ext>
             </a:extLst>
           </p:cNvSpPr>
@@ -4439,7 +4439,7 @@
           <p:cNvSpPr>
             <a:extLst>
               <a:ext uri="smNativeData">
-                <pr:smNativeData xmlns="" xmlns:p14="http://schemas.microsoft.com/office/powerpoint/2010/main" xmlns:pr="smNativeData" val="SMDATA_13_aDXlXhMAAAAlAAAAZAAAAA0AAAAAjgAAAEcAAACOAAAARwAAAAAAAAAAAAAAAAAAAAEAAABQAAAAAAAAAAAA4D8AAAAAAADgPwAAAAAAAOA/AAAAAAAA4D8AAAAAAADgPwAAAAAAAOA/AAAAAAAA4D8AAAAAAADgPwAAAAAAAOA/AAAAAAAA4D8CAAAAjAAAAAAAAAAAAAAAT4G9DP///wgAAAAAAAAAAAAAAAAAAAAAAAAAAAAAAAAAAAAAZAAAAAEAAABAAAAAAAAAAAAAAAAAAAAAAAAAAAAAAAAAAAAAAAAAAAAAAAAAAAAAAAAAAAAAAAAAAAAAAAAAAAAAAAAAAAAAAAAAAAAAAAAAAAAAAAAAAAAAAAAAAAAAFAAAADwAAAAAAAAAAAAAAAAAAAkUAAAAAQAAABQAAAAUAAAAFAAAAAEAAAAAAAAAZAAAAGQAAAAAAAAAZAAAAGQAAAAVAAAAYAAAAAAAAAAAAAAADwAAACADAAAAAAAAAAAAAAEAAACgMgAAVgcAAKr4//8BAAAAf39/AAEAAABkAAAAAAAAABQAAABAHwAAAAAAACYAAAAAAAAAwOD//wAAAAAmAAAAZAAAABYAAABMAAAAAAAAAAAAAAAEAAAAAAAAAAEAAADu7OEKAAAAACgAAAAoAAAAZAAAAGQAAAAAAAAAzMzMAAAAAABQAAAAUAAAAGQAAABkAAAAAAAAABcAAAAUAAAAAAAAAAAAAAD/fwAA/38AAAAAAAAJAAAABAAAAAAAAAAMAAAAEAAAAAAAAAAAAAAAAAAAAAAAAAAeAAAAaAAAAAAAAAAAAAAAAAAAAAAAAAAAAAAAECcAABAnAAAAAAAAAAAAAAAAAAAAAAAAAAAAAAAAAAAAAAAAAAAAABQAAAAAAAAAwMD/AAAAAABkAAAAMgAAAAAAAABkAAAAAAAAAH9/fwAKAAAAHwAAAFQAAABPgb0F////AQAAAAAAAAAAAAAAAAAAAAAAAAAAAAAAAAAAAAAAAAAAAAAAAn9/fwDu7OEDzMzMAMDA/wB/f38AAAAAAAAAAAAAAAAAAAAAAAAAAAAhAAAAGAAAABQAAABwCAAACAcAAD44AADeCQAAEAAAACYAAAAIAAAA//////////8="/>
+                <pr:smNativeData xmlns:pr="smNativeData" xmlns:p14="http://schemas.microsoft.com/office/powerpoint/2010/main" xmlns="" val="SMDATA_13_aDXlXhMAAAAlAAAAZAAAAA0AAAAAjgAAAEcAAACOAAAARwAAAAAAAAAAAAAAAAAAAAEAAABQAAAAAAAAAAAA4D8AAAAAAADgPwAAAAAAAOA/AAAAAAAA4D8AAAAAAADgPwAAAAAAAOA/AAAAAAAA4D8AAAAAAADgPwAAAAAAAOA/AAAAAAAA4D8CAAAAjAAAAAAAAAAAAAAAT4G9DP///wgAAAAAAAAAAAAAAAAAAAAAAAAAAAAAAAAAAAAAZAAAAAEAAABAAAAAAAAAAAAAAAAAAAAAAAAAAAAAAAAAAAAAAAAAAAAAAAAAAAAAAAAAAAAAAAAAAAAAAAAAAAAAAAAAAAAAAAAAAAAAAAAAAAAAAAAAAAAAAAAAAAAAFAAAADwAAAAAAAAAAAAAAAAAAAkUAAAAAQAAABQAAAAUAAAAFAAAAAEAAAAAAAAAZAAAAGQAAAAAAAAAZAAAAGQAAAAVAAAAYAAAAAAAAAAAAAAADwAAACADAAAAAAAAAAAAAAEAAACgMgAAVgcAAKr4//8BAAAAf39/AAEAAABkAAAAAAAAABQAAABAHwAAAAAAACYAAAAAAAAAwOD//wAAAAAmAAAAZAAAABYAAABMAAAAAAAAAAAAAAAEAAAAAAAAAAEAAADu7OEKAAAAACgAAAAoAAAAZAAAAGQAAAAAAAAAzMzMAAAAAABQAAAAUAAAAGQAAABkAAAAAAAAABcAAAAUAAAAAAAAAAAAAAD/fwAA/38AAAAAAAAJAAAABAAAAAAAAAAMAAAAEAAAAAAAAAAAAAAAAAAAAAAAAAAeAAAAaAAAAAAAAAAAAAAAAAAAAAAAAAAAAAAAECcAABAnAAAAAAAAAAAAAAAAAAAAAAAAAAAAAAAAAAAAAAAAAAAAABQAAAAAAAAAwMD/AAAAAABkAAAAMgAAAAAAAABkAAAAAAAAAH9/fwAKAAAAHwAAAFQAAABPgb0F////AQAAAAAAAAAAAAAAAAAAAAAAAAAAAAAAAAAAAAAAAAAAAAAAAn9/fwDu7OEDzMzMAMDA/wB/f38AAAAAAAAAAAAAAAAAAAAAAAAAAAAhAAAAGAAAABQAAABwCAAACAcAAD44AADeCQAAEAAAACYAAAAIAAAA//////////8="/>
               </a:ext>
             </a:extLst>
           </p:cNvSpPr>
@@ -4593,7 +4593,7 @@
           <p:cNvSpPr>
             <a:extLst>
               <a:ext uri="smNativeData">
-                <pr:smNativeData xmlns="" xmlns:p14="http://schemas.microsoft.com/office/powerpoint/2010/main" xmlns:pr="smNativeData" val="SMDATA_13_aDXlXhMAAAAlAAAAZAAAAA0AAAAAkAAAAEgAAACQAAAASAAAAAAAAAAAAAAAAAAAAAEAAABQAAAAAAAAAAAA4D8AAAAAAADgPwAAAAAAAOA/AAAAAAAA4D8AAAAAAADgPwAAAAAAAOA/AAAAAAAA4D8AAAAAAADgPwAAAAAAAOA/AAAAAAAA4D8CAAAAjAAAAAEAAAAAAAAAM8zMAP///wgAAAAAAAAAAAAAAAAAAAAAAAAAAAAAAAAAAAAAeAAAAAEAAABAAAAAAAAAAAAAAABaAAAAAAAAAAAAAAAAAAAAAAAAAAAAAAAAAAAAAAAAAAAAAAAAAAAAAAAAAAAAAAAAAAAAAAAAAAAAAAAAAAAAAAAAAAAAAAAAAAAAFAAAADwAAAAAAAAAAAAAAAAAAAkUAAAAAQAAABQAAAAUAAAAFAAAAAEAAAAAAAAAZAAAAGQAAAAAAAAAZAAAAGQAAAAVAAAAYAAAAAAAAAAAAAAADwAAACADAAAAAAAAAAAAAAEAAACgMgAAVgcAAKr4//8BAAAAf39/AAEAAABkAAAAAAAAABQAAABAHwAAAAAAACYAAAAAAAAAwOD//wAAAAAmAAAAZAAAABYAAABMAAAAAAAAAAAAAAAEAAAAAAAAAAEAAADu7OEKAAAAACgAAAAoAAAAZAAAAGQAAAAAAAAAzMzMAAAAAABQAAAAUAAAAGQAAABkAAAAAAAAABcAAAAUAAAAAAAAAAAAAAD/fwAA/38AAAAAAAAJAAAABAAAAAAAAAAMAAAAEAAAAAAAAAAAAAAAAAAAAAAAAAAeAAAAaAAAAAAAAAAAAAAAAAAAAAAAAAAAAAAAECcAABAnAAAAAAAAAAAAAAAAAAAAAAAAAAAAAAAAAAAAAAAAAAAAABQAAAAAAAAAwMD/AAAAAABkAAAAMgAAAAAAAABkAAAAAAAAAH9/fwAKAAAAHwAAAFQAAAAzzMwA////AQAAAAAAAAAAAAAAAAAAAAAAAAAAAAAAAAAAAAAAAAAAAAAAAn9/fwDu7OEDzMzMAMDA/wB/f38AAAAAAAAAAAAAAAAAAAAAAAAAAAAhAAAAGAAAABQAAABgCQAAugkAAD44AADyCQAAEAAAACYAAAAIAAAA//////////8="/>
+                <pr:smNativeData xmlns:pr="smNativeData" xmlns:p14="http://schemas.microsoft.com/office/powerpoint/2010/main" xmlns="" val="SMDATA_13_aDXlXhMAAAAlAAAAZAAAAA0AAAAAkAAAAEgAAACQAAAASAAAAAAAAAAAAAAAAAAAAAEAAABQAAAAAAAAAAAA4D8AAAAAAADgPwAAAAAAAOA/AAAAAAAA4D8AAAAAAADgPwAAAAAAAOA/AAAAAAAA4D8AAAAAAADgPwAAAAAAAOA/AAAAAAAA4D8CAAAAjAAAAAEAAAAAAAAAM8zMAP///wgAAAAAAAAAAAAAAAAAAAAAAAAAAAAAAAAAAAAAeAAAAAEAAABAAAAAAAAAAAAAAABaAAAAAAAAAAAAAAAAAAAAAAAAAAAAAAAAAAAAAAAAAAAAAAAAAAAAAAAAAAAAAAAAAAAAAAAAAAAAAAAAAAAAAAAAAAAAAAAAAAAAFAAAADwAAAAAAAAAAAAAAAAAAAkUAAAAAQAAABQAAAAUAAAAFAAAAAEAAAAAAAAAZAAAAGQAAAAAAAAAZAAAAGQAAAAVAAAAYAAAAAAAAAAAAAAADwAAACADAAAAAAAAAAAAAAEAAACgMgAAVgcAAKr4//8BAAAAf39/AAEAAABkAAAAAAAAABQAAABAHwAAAAAAACYAAAAAAAAAwOD//wAAAAAmAAAAZAAAABYAAABMAAAAAAAAAAAAAAAEAAAAAAAAAAEAAADu7OEKAAAAACgAAAAoAAAAZAAAAGQAAAAAAAAAzMzMAAAAAABQAAAAUAAAAGQAAABkAAAAAAAAABcAAAAUAAAAAAAAAAAAAAD/fwAA/38AAAAAAAAJAAAABAAAAAAAAAAMAAAAEAAAAAAAAAAAAAAAAAAAAAAAAAAeAAAAaAAAAAAAAAAAAAAAAAAAAAAAAAAAAAAAECcAABAnAAAAAAAAAAAAAAAAAAAAAAAAAAAAAAAAAAAAAAAAAAAAABQAAAAAAAAAwMD/AAAAAABkAAAAMgAAAAAAAABkAAAAAAAAAH9/fwAKAAAAHwAAAFQAAAAzzMwA////AQAAAAAAAAAAAAAAAAAAAAAAAAAAAAAAAAAAAAAAAAAAAAAAAn9/fwDu7OEDzMzMAMDA/wB/f38AAAAAAAAAAAAAAAAAAAAAAAAAAAAhAAAAGAAAABQAAABgCQAAugkAAD44AADyCQAAEAAAACYAAAAIAAAA//////////8="/>
               </a:ext>
             </a:extLst>
           </p:cNvSpPr>
@@ -4622,7 +4622,7 @@
           <p:cNvSpPr>
             <a:extLst>
               <a:ext uri="smNativeData">
-                <pr:smNativeData xmlns="" xmlns:p14="http://schemas.microsoft.com/office/powerpoint/2010/main" xmlns:pr="smNativeData" val="SMDATA_13_aDXlXhMAAAAlAAAAZAAAAA0AAAAAjgAAAEcAAACOAAAARwAAAAAAAAAAAAAAAAAAAAEAAABQAAAAAAAAAAAA4D8AAAAAAADgPwAAAAAAAOA/AAAAAAAA4D8AAAAAAADgPwAAAAAAAOA/AAAAAAAA4D8AAAAAAADgPwAAAAAAAOA/AAAAAAAA4D8CAAAAjAAAAAAAAAAAAAAAT4G9DP///wgAAAAAAAAAAAAAAAAAAAAAAAAAAAAAAAAAAAAAZAAAAAEAAABAAAAAAAAAAAAAAAAAAAAAAAAAAAAAAAAAAAAAAAAAAAAAAAAAAAAAAAAAAAAAAAAAAAAAAAAAAAAAAAAAAAAAAAAAAAAAAAAAAAAAAAAAAAAAAAAAAAAAFAAAADwAAAAAAAAAAAAAAAAAAAkUAAAAAQAAABQAAAAUAAAAFAAAAAEAAAAAAAAAZAAAAGQAAAAAAAAAZAAAAGQAAAAVAAAAYAAAAAAAAAAAAAAADwAAACADAAAAAAAAAAAAAAEAAACgMgAAVgcAAKr4//8BAAAAf39/AAEAAABkAAAAAAAAABQAAABAHwAAAAAAACYAAAAAAAAAwOD//wAAAAAmAAAAZAAAABYAAABMAAAAAAAAAAAAAAAEAAAAAAAAAAEAAADu7OEKAAAAACgAAAAoAAAAZAAAAGQAAAAAAAAAzMzMAAAAAABQAAAAUAAAAGQAAABkAAAAAAAAABcAAAAUAAAAAAAAAAAAAAD/fwAA/38AAAAAAAAJAAAABAAAAAAAAAAMAAAAEAAAAAAAAAAAAAAAAAAAAAAAAAAeAAAAaAAAAAAAAAAAAAAAAAAAAAAAAAAAAAAAECcAABAnAAAAAAAAAAAAAAAAAAAAAAAAAAAAAAAAAAAAAAAAAAAAABQAAAAAAAAAwMD/AAAAAABkAAAAMgAAAAAAAABkAAAAAAAAAH9/fwAKAAAAHwAAAFQAAABPgb0F////AQAAAAAAAAAAAAAAAAAAAAAAAAAAAAAAAAAAAAAAAAAAAAAAAn9/fwDu7OEDzMzMAMDA/wB/f38AAAAAAAAAAAAAAAAAAAAAAAAAAAAhAAAAGAAAABQAAABwCAAACAcAAD44AADeCQAAEAAAACYAAAAIAAAA//////////8="/>
+                <pr:smNativeData xmlns:pr="smNativeData" xmlns:p14="http://schemas.microsoft.com/office/powerpoint/2010/main" xmlns="" val="SMDATA_13_aDXlXhMAAAAlAAAAZAAAAA0AAAAAjgAAAEcAAACOAAAARwAAAAAAAAAAAAAAAAAAAAEAAABQAAAAAAAAAAAA4D8AAAAAAADgPwAAAAAAAOA/AAAAAAAA4D8AAAAAAADgPwAAAAAAAOA/AAAAAAAA4D8AAAAAAADgPwAAAAAAAOA/AAAAAAAA4D8CAAAAjAAAAAAAAAAAAAAAT4G9DP///wgAAAAAAAAAAAAAAAAAAAAAAAAAAAAAAAAAAAAAZAAAAAEAAABAAAAAAAAAAAAAAAAAAAAAAAAAAAAAAAAAAAAAAAAAAAAAAAAAAAAAAAAAAAAAAAAAAAAAAAAAAAAAAAAAAAAAAAAAAAAAAAAAAAAAAAAAAAAAAAAAAAAAFAAAADwAAAAAAAAAAAAAAAAAAAkUAAAAAQAAABQAAAAUAAAAFAAAAAEAAAAAAAAAZAAAAGQAAAAAAAAAZAAAAGQAAAAVAAAAYAAAAAAAAAAAAAAADwAAACADAAAAAAAAAAAAAAEAAACgMgAAVgcAAKr4//8BAAAAf39/AAEAAABkAAAAAAAAABQAAABAHwAAAAAAACYAAAAAAAAAwOD//wAAAAAmAAAAZAAAABYAAABMAAAAAAAAAAAAAAAEAAAAAAAAAAEAAADu7OEKAAAAACgAAAAoAAAAZAAAAGQAAAAAAAAAzMzMAAAAAABQAAAAUAAAAGQAAABkAAAAAAAAABcAAAAUAAAAAAAAAAAAAAD/fwAA/38AAAAAAAAJAAAABAAAAAAAAAAMAAAAEAAAAAAAAAAAAAAAAAAAAAAAAAAeAAAAaAAAAAAAAAAAAAAAAAAAAAAAAAAAAAAAECcAABAnAAAAAAAAAAAAAAAAAAAAAAAAAAAAAAAAAAAAAAAAAAAAABQAAAAAAAAAwMD/AAAAAABkAAAAMgAAAAAAAABkAAAAAAAAAH9/fwAKAAAAHwAAAFQAAABPgb0F////AQAAAAAAAAAAAAAAAAAAAAAAAAAAAAAAAAAAAAAAAAAAAAAAAn9/fwDu7OEDzMzMAMDA/wB/f38AAAAAAAAAAAAAAAAAAAAAAAAAAAAhAAAAGAAAABQAAABwCAAACAcAAD44AADeCQAAEAAAACYAAAAIAAAA//////////8="/>
               </a:ext>
             </a:extLst>
           </p:cNvSpPr>
@@ -4776,7 +4776,7 @@
           <p:cNvSpPr>
             <a:extLst>
               <a:ext uri="smNativeData">
-                <pr:smNativeData xmlns="" xmlns:p14="http://schemas.microsoft.com/office/powerpoint/2010/main" xmlns:pr="smNativeData" val="SMDATA_13_aDXlXhMAAAAlAAAAZAAAAA0AAAAAkAAAAEgAAACQAAAASAAAAAAAAAAAAAAAAAAAAAEAAABQAAAAAAAAAAAA4D8AAAAAAADgPwAAAAAAAOA/AAAAAAAA4D8AAAAAAADgPwAAAAAAAOA/AAAAAAAA4D8AAAAAAADgPwAAAAAAAOA/AAAAAAAA4D8CAAAAjAAAAAEAAAAAAAAAM8zMAP///wgAAAAAAAAAAAAAAAAAAAAAAAAAAAAAAAAAAAAAeAAAAAEAAABAAAAAAAAAAAAAAABaAAAAAAAAAAAAAAAAAAAAAAAAAAAAAAAAAAAAAAAAAAAAAAAAAAAAAAAAAAAAAAAAAAAAAAAAAAAAAAAAAAAAAAAAAAAAAAAAAAAAFAAAADwAAAAAAAAAAAAAAAAAAAkUAAAAAQAAABQAAAAUAAAAFAAAAAEAAAAAAAAAZAAAAGQAAAAAAAAAZAAAAGQAAAAVAAAAYAAAAAAAAAAAAAAADwAAACADAAAAAAAAAAAAAAEAAACgMgAAVgcAAKr4//8BAAAAf39/AAEAAABkAAAAAAAAABQAAABAHwAAAAAAACYAAAAAAAAAwOD//wAAAAAmAAAAZAAAABYAAABMAAAAAAAAAAAAAAAEAAAAAAAAAAEAAADu7OEKAAAAACgAAAAoAAAAZAAAAGQAAAAAAAAAzMzMAAAAAABQAAAAUAAAAGQAAABkAAAAAAAAABcAAAAUAAAAAAAAAAAAAAD/fwAA/38AAAAAAAAJAAAABAAAAAAAAAAMAAAAEAAAAAAAAAAAAAAAAAAAAAAAAAAeAAAAaAAAAAAAAAAAAAAAAAAAAAAAAAAAAAAAECcAABAnAAAAAAAAAAAAAAAAAAAAAAAAAAAAAAAAAAAAAAAAAAAAABQAAAAAAAAAwMD/AAAAAABkAAAAMgAAAAAAAABkAAAAAAAAAH9/fwAKAAAAHwAAAFQAAAAzzMwA////AQAAAAAAAAAAAAAAAAAAAAAAAAAAAAAAAAAAAAAAAAAAAAAAAn9/fwDu7OEDzMzMAMDA/wB/f38AAAAAAAAAAAAAAAAAAAAAAAAAAAAhAAAAGAAAABQAAABgCQAAugkAAD44AADyCQAAEAAAACYAAAAIAAAA//////////8="/>
+                <pr:smNativeData xmlns:pr="smNativeData" xmlns:p14="http://schemas.microsoft.com/office/powerpoint/2010/main" xmlns="" val="SMDATA_13_aDXlXhMAAAAlAAAAZAAAAA0AAAAAkAAAAEgAAACQAAAASAAAAAAAAAAAAAAAAAAAAAEAAABQAAAAAAAAAAAA4D8AAAAAAADgPwAAAAAAAOA/AAAAAAAA4D8AAAAAAADgPwAAAAAAAOA/AAAAAAAA4D8AAAAAAADgPwAAAAAAAOA/AAAAAAAA4D8CAAAAjAAAAAEAAAAAAAAAM8zMAP///wgAAAAAAAAAAAAAAAAAAAAAAAAAAAAAAAAAAAAAeAAAAAEAAABAAAAAAAAAAAAAAABaAAAAAAAAAAAAAAAAAAAAAAAAAAAAAAAAAAAAAAAAAAAAAAAAAAAAAAAAAAAAAAAAAAAAAAAAAAAAAAAAAAAAAAAAAAAAAAAAAAAAFAAAADwAAAAAAAAAAAAAAAAAAAkUAAAAAQAAABQAAAAUAAAAFAAAAAEAAAAAAAAAZAAAAGQAAAAAAAAAZAAAAGQAAAAVAAAAYAAAAAAAAAAAAAAADwAAACADAAAAAAAAAAAAAAEAAACgMgAAVgcAAKr4//8BAAAAf39/AAEAAABkAAAAAAAAABQAAABAHwAAAAAAACYAAAAAAAAAwOD//wAAAAAmAAAAZAAAABYAAABMAAAAAAAAAAAAAAAEAAAAAAAAAAEAAADu7OEKAAAAACgAAAAoAAAAZAAAAGQAAAAAAAAAzMzMAAAAAABQAAAAUAAAAGQAAABkAAAAAAAAABcAAAAUAAAAAAAAAAAAAAD/fwAA/38AAAAAAAAJAAAABAAAAAAAAAAMAAAAEAAAAAAAAAAAAAAAAAAAAAAAAAAeAAAAaAAAAAAAAAAAAAAAAAAAAAAAAAAAAAAAECcAABAnAAAAAAAAAAAAAAAAAAAAAAAAAAAAAAAAAAAAAAAAAAAAABQAAAAAAAAAwMD/AAAAAABkAAAAMgAAAAAAAABkAAAAAAAAAH9/fwAKAAAAHwAAAFQAAAAzzMwA////AQAAAAAAAAAAAAAAAAAAAAAAAAAAAAAAAAAAAAAAAAAAAAAAAn9/fwDu7OEDzMzMAMDA/wB/f38AAAAAAAAAAAAAAAAAAAAAAAAAAAAhAAAAGAAAABQAAABgCQAAugkAAD44AADyCQAAEAAAACYAAAAIAAAA//////////8="/>
               </a:ext>
             </a:extLst>
           </p:cNvSpPr>
@@ -4805,7 +4805,7 @@
           <p:cNvSpPr>
             <a:extLst>
               <a:ext uri="smNativeData">
-                <pr:smNativeData xmlns="" xmlns:p14="http://schemas.microsoft.com/office/powerpoint/2010/main" xmlns:pr="smNativeData" val="SMDATA_13_aDXlXhMAAAAlAAAAZAAAAA0AAAAAjgAAAEcAAACOAAAARwAAAAAAAAAAAAAAAAAAAAEAAABQAAAAAAAAAAAA4D8AAAAAAADgPwAAAAAAAOA/AAAAAAAA4D8AAAAAAADgPwAAAAAAAOA/AAAAAAAA4D8AAAAAAADgPwAAAAAAAOA/AAAAAAAA4D8CAAAAjAAAAAAAAAAAAAAAT4G9DP///wgAAAAAAAAAAAAAAAAAAAAAAAAAAAAAAAAAAAAAZAAAAAEAAABAAAAAAAAAAAAAAAAAAAAAAAAAAAAAAAAAAAAAAAAAAAAAAAAAAAAAAAAAAAAAAAAAAAAAAAAAAAAAAAAAAAAAAAAAAAAAAAAAAAAAAAAAAAAAAAAAAAAAFAAAADwAAAAAAAAAAAAAAAAAAAkUAAAAAQAAABQAAAAUAAAAFAAAAAEAAAAAAAAAZAAAAGQAAAAAAAAAZAAAAGQAAAAVAAAAYAAAAAAAAAAAAAAADwAAACADAAAAAAAAAAAAAAEAAACgMgAAVgcAAKr4//8BAAAAf39/AAEAAABkAAAAAAAAABQAAABAHwAAAAAAACYAAAAAAAAAwOD//wAAAAAmAAAAZAAAABYAAABMAAAAAAAAAAAAAAAEAAAAAAAAAAEAAADu7OEKAAAAACgAAAAoAAAAZAAAAGQAAAAAAAAAzMzMAAAAAABQAAAAUAAAAGQAAABkAAAAAAAAABcAAAAUAAAAAAAAAAAAAAD/fwAA/38AAAAAAAAJAAAABAAAAAAAAAAMAAAAEAAAAAAAAAAAAAAAAAAAAAAAAAAeAAAAaAAAAAAAAAAAAAAAAAAAAAAAAAAAAAAAECcAABAnAAAAAAAAAAAAAAAAAAAAAAAAAAAAAAAAAAAAAAAAAAAAABQAAAAAAAAAwMD/AAAAAABkAAAAMgAAAAAAAABkAAAAAAAAAH9/fwAKAAAAHwAAAFQAAABPgb0F////AQAAAAAAAAAAAAAAAAAAAAAAAAAAAAAAAAAAAAAAAAAAAAAAAn9/fwDu7OEDzMzMAMDA/wB/f38AAAAAAAAAAAAAAAAAAAAAAAAAAAAhAAAAGAAAABQAAABwCAAACAcAAD44AADeCQAAEAAAACYAAAAIAAAA//////////8="/>
+                <pr:smNativeData xmlns:pr="smNativeData" xmlns:p14="http://schemas.microsoft.com/office/powerpoint/2010/main" xmlns="" val="SMDATA_13_aDXlXhMAAAAlAAAAZAAAAA0AAAAAjgAAAEcAAACOAAAARwAAAAAAAAAAAAAAAAAAAAEAAABQAAAAAAAAAAAA4D8AAAAAAADgPwAAAAAAAOA/AAAAAAAA4D8AAAAAAADgPwAAAAAAAOA/AAAAAAAA4D8AAAAAAADgPwAAAAAAAOA/AAAAAAAA4D8CAAAAjAAAAAAAAAAAAAAAT4G9DP///wgAAAAAAAAAAAAAAAAAAAAAAAAAAAAAAAAAAAAAZAAAAAEAAABAAAAAAAAAAAAAAAAAAAAAAAAAAAAAAAAAAAAAAAAAAAAAAAAAAAAAAAAAAAAAAAAAAAAAAAAAAAAAAAAAAAAAAAAAAAAAAAAAAAAAAAAAAAAAAAAAAAAAFAAAADwAAAAAAAAAAAAAAAAAAAkUAAAAAQAAABQAAAAUAAAAFAAAAAEAAAAAAAAAZAAAAGQAAAAAAAAAZAAAAGQAAAAVAAAAYAAAAAAAAAAAAAAADwAAACADAAAAAAAAAAAAAAEAAACgMgAAVgcAAKr4//8BAAAAf39/AAEAAABkAAAAAAAAABQAAABAHwAAAAAAACYAAAAAAAAAwOD//wAAAAAmAAAAZAAAABYAAABMAAAAAAAAAAAAAAAEAAAAAAAAAAEAAADu7OEKAAAAACgAAAAoAAAAZAAAAGQAAAAAAAAAzMzMAAAAAABQAAAAUAAAAGQAAABkAAAAAAAAABcAAAAUAAAAAAAAAAAAAAD/fwAA/38AAAAAAAAJAAAABAAAAAAAAAAMAAAAEAAAAAAAAAAAAAAAAAAAAAAAAAAeAAAAaAAAAAAAAAAAAAAAAAAAAAAAAAAAAAAAECcAABAnAAAAAAAAAAAAAAAAAAAAAAAAAAAAAAAAAAAAAAAAAAAAABQAAAAAAAAAwMD/AAAAAABkAAAAMgAAAAAAAABkAAAAAAAAAH9/fwAKAAAAHwAAAFQAAABPgb0F////AQAAAAAAAAAAAAAAAAAAAAAAAAAAAAAAAAAAAAAAAAAAAAAAAn9/fwDu7OEDzMzMAMDA/wB/f38AAAAAAAAAAAAAAAAAAAAAAAAAAAAhAAAAGAAAABQAAABwCAAACAcAAD44AADeCQAAEAAAACYAAAAIAAAA//////////8="/>
               </a:ext>
             </a:extLst>
           </p:cNvSpPr>
@@ -4855,7 +4855,7 @@
           <p:cNvSpPr>
             <a:extLst>
               <a:ext uri="smNativeData">
-                <pr:smNativeData xmlns="" xmlns:p14="http://schemas.microsoft.com/office/powerpoint/2010/main" xmlns:pr="smNativeData" val="SMDATA_13_aDXlXhMAAAAlAAAAZAAAAA0AAAAAjgAAAEcAAACOAAAARwAAAAAAAAABAAAAAAAAAAEAAABQAAAAAAAAAAAA4D8AAAAAAADgPwAAAAAAAOA/AAAAAAAA4D8AAAAAAADgPwAAAAAAAOA/AAAAAAAA4D8AAAAAAADgPwAAAAAAAOA/AAAAAAAA4D8CAAAAjAAAAAAAAAAAAAAAT4G9DP///wgAAAAAAAAAAAAAAAAAAAAAAAAAAAAAAAAAAAAAZAAAAAEAAABAAAAAAAAAAAAAAAAAAAAAAAAAAAAAAAAAAAAAAAAAAAAAAAAAAAAAAAAAAAAAAAAAAAAAAAAAAAAAAAAAAAAAAAAAAAAAAAAAAAAAAAAAAAAAAAAAAAAAFAAAADwAAAAAAAAAAAAAAAAAAAkUAAAAAQAAABQAAAAUAAAAFAAAAAEAAAAAAAAAZAAAAGQAAAAAAAAAZAAAAGQAAAAVAAAAYAAAAAAAAAAAAAAADwAAACADAAAAAAAAAAAAAAEAAACgMgAAVgcAAKr4//8BAAAAf39/AAEAAABkAAAAAAAAABQAAABAHwAAAAAAACYAAAAAAAAAwOD//wAAAAAmAAAAZAAAABYAAABMAAAAAAAAAAAAAAAEAAAAAAAAAAEAAADu7OEKAAAAACgAAAAoAAAAZAAAAGQAAAAAAAAAzMzMAAAAAABQAAAAUAAAAGQAAABkAAAAAAAAABcAAAAUAAAAAAAAAAAAAAD/fwAA/38AAAAAAAAJAAAABAAAAAAAAAAMAAAAEAAAAAAAAAAAAAAAAAAAAAAAAAAeAAAAaAAAAAAAAAAAAAAAAAAAAAAAAAAAAAAAECcAABAnAAAAAAAAAAAAAAAAAAAAAAAAAAAAAAAAAAAAAAAAAAAAABQAAAAAAAAAwMD/AAAAAABkAAAAMgAAAAAAAABkAAAAAAAAAH9/fwAKAAAAHwAAAFQAAABPgb0F////AQAAAAAAAAAAAAAAAAAAAAAAAAAAAAAAAAAAAAAAAAAAAAAAAn9/fwDu7OEDzMzMAMDA/wB/f38AAAAAAAAAAAAAAAAAAAAAAAAAAAAhAAAAGAAAABQAAAAwAwAAQAsAAGgtAABOKAAAEAAAACYAAAAIAAAA//////////8="/>
+                <pr:smNativeData xmlns:pr="smNativeData" xmlns:p14="http://schemas.microsoft.com/office/powerpoint/2010/main" xmlns="" val="SMDATA_13_aDXlXhMAAAAlAAAAZAAAAA0AAAAAjgAAAEcAAACOAAAARwAAAAAAAAABAAAAAAAAAAEAAABQAAAAAAAAAAAA4D8AAAAAAADgPwAAAAAAAOA/AAAAAAAA4D8AAAAAAADgPwAAAAAAAOA/AAAAAAAA4D8AAAAAAADgPwAAAAAAAOA/AAAAAAAA4D8CAAAAjAAAAAAAAAAAAAAAT4G9DP///wgAAAAAAAAAAAAAAAAAAAAAAAAAAAAAAAAAAAAAZAAAAAEAAABAAAAAAAAAAAAAAAAAAAAAAAAAAAAAAAAAAAAAAAAAAAAAAAAAAAAAAAAAAAAAAAAAAAAAAAAAAAAAAAAAAAAAAAAAAAAAAAAAAAAAAAAAAAAAAAAAAAAAFAAAADwAAAAAAAAAAAAAAAAAAAkUAAAAAQAAABQAAAAUAAAAFAAAAAEAAAAAAAAAZAAAAGQAAAAAAAAAZAAAAGQAAAAVAAAAYAAAAAAAAAAAAAAADwAAACADAAAAAAAAAAAAAAEAAACgMgAAVgcAAKr4//8BAAAAf39/AAEAAABkAAAAAAAAABQAAABAHwAAAAAAACYAAAAAAAAAwOD//wAAAAAmAAAAZAAAABYAAABMAAAAAAAAAAAAAAAEAAAAAAAAAAEAAADu7OEKAAAAACgAAAAoAAAAZAAAAGQAAAAAAAAAzMzMAAAAAABQAAAAUAAAAGQAAABkAAAAAAAAABcAAAAUAAAAAAAAAAAAAAD/fwAA/38AAAAAAAAJAAAABAAAAAAAAAAMAAAAEAAAAAAAAAAAAAAAAAAAAAAAAAAeAAAAaAAAAAAAAAAAAAAAAAAAAAAAAAAAAAAAECcAABAnAAAAAAAAAAAAAAAAAAAAAAAAAAAAAAAAAAAAAAAAAAAAABQAAAAAAAAAwMD/AAAAAABkAAAAMgAAAAAAAABkAAAAAAAAAH9/fwAKAAAAHwAAAFQAAABPgb0F////AQAAAAAAAAAAAAAAAAAAAAAAAAAAAAAAAAAAAAAAAAAAAAAAAn9/fwDu7OEDzMzMAMDA/wB/f38AAAAAAAAAAAAAAAAAAAAAAAAAAAAhAAAAGAAAABQAAAAwAwAAQAsAAGgtAABOKAAAEAAAACYAAAAIAAAA//////////8="/>
               </a:ext>
             </a:extLst>
           </p:cNvSpPr>
@@ -5108,7 +5108,7 @@
           <p:cNvSpPr>
             <a:extLst>
               <a:ext uri="smNativeData">
-                <pr:smNativeData xmlns="" xmlns:p14="http://schemas.microsoft.com/office/powerpoint/2010/main" xmlns:pr="smNativeData" val="SMDATA_13_aDXlXhMAAAAlAAAAZAAAAA0AAAAAkAAAAEgAAACQAAAASAAAAAAAAAAAAAAAAAAAAAEAAABQAAAAAAAAAAAA4D8AAAAAAADgPwAAAAAAAOA/AAAAAAAA4D8AAAAAAADgPwAAAAAAAOA/AAAAAAAA4D8AAAAAAADgPwAAAAAAAOA/AAAAAAAA4D8CAAAAjAAAAAEAAAAAAAAAM8zMAP///wgAAAAAAAAAAAAAAAAAAAAAAAAAAAAAAAAAAAAAeAAAAAEAAABAAAAAAAAAAAAAAABaAAAAAAAAAAAAAAAAAAAAAAAAAAAAAAAAAAAAAAAAAAAAAAAAAAAAAAAAAAAAAAAAAAAAAAAAAAAAAAAAAAAAAAAAAAAAAAAAAAAAFAAAADwAAAAAAAAAAAAAAAAAAAkUAAAAAQAAABQAAAAUAAAAFAAAAAEAAAAAAAAAZAAAAGQAAAAAAAAAZAAAAGQAAAAVAAAAYAAAAAAAAAAAAAAADwAAACADAAAAAAAAAAAAAAEAAACgMgAAVgcAAKr4//8BAAAAf39/AAEAAABkAAAAAAAAABQAAABAHwAAAAAAACYAAAAAAAAAwOD//wAAAAAmAAAAZAAAABYAAABMAAAAAAAAAAAAAAAEAAAAAAAAAAEAAADu7OEKAAAAACgAAAAoAAAAZAAAAGQAAAAAAAAAzMzMAAAAAABQAAAAUAAAAGQAAABkAAAAAAAAABcAAAAUAAAAAAAAAAAAAAD/fwAA/38AAAAAAAAJAAAABAAAAAAAAAAMAAAAEAAAAAAAAAAAAAAAAAAAAAAAAAAeAAAAaAAAAAAAAAAAAAAAAAAAAAAAAAAAAAAAECcAABAnAAAAAAAAAAAAAAAAAAAAAAAAAAAAAAAAAAAAAAAAAAAAABQAAAAAAAAAwMD/AAAAAABkAAAAMgAAAAAAAABkAAAAAAAAAH9/fwAKAAAAHwAAAFQAAAAzzMwA////AQAAAAAAAAAAAAAAAAAAAAAAAAAAAAAAAAAAAAAAAAAAAAAAAn9/fwDu7OEDzMzMAMDA/wB/f38AAAAAAAAAAAAAAAAAAAAAAAAAAAAhAAAAGAAAABQAAABgCQAAugkAAD44AADyCQAAEAAAACYAAAAIAAAA//////////8="/>
+                <pr:smNativeData xmlns:pr="smNativeData" xmlns:p14="http://schemas.microsoft.com/office/powerpoint/2010/main" xmlns="" val="SMDATA_13_aDXlXhMAAAAlAAAAZAAAAA0AAAAAkAAAAEgAAACQAAAASAAAAAAAAAAAAAAAAAAAAAEAAABQAAAAAAAAAAAA4D8AAAAAAADgPwAAAAAAAOA/AAAAAAAA4D8AAAAAAADgPwAAAAAAAOA/AAAAAAAA4D8AAAAAAADgPwAAAAAAAOA/AAAAAAAA4D8CAAAAjAAAAAEAAAAAAAAAM8zMAP///wgAAAAAAAAAAAAAAAAAAAAAAAAAAAAAAAAAAAAAeAAAAAEAAABAAAAAAAAAAAAAAABaAAAAAAAAAAAAAAAAAAAAAAAAAAAAAAAAAAAAAAAAAAAAAAAAAAAAAAAAAAAAAAAAAAAAAAAAAAAAAAAAAAAAAAAAAAAAAAAAAAAAFAAAADwAAAAAAAAAAAAAAAAAAAkUAAAAAQAAABQAAAAUAAAAFAAAAAEAAAAAAAAAZAAAAGQAAAAAAAAAZAAAAGQAAAAVAAAAYAAAAAAAAAAAAAAADwAAACADAAAAAAAAAAAAAAEAAACgMgAAVgcAAKr4//8BAAAAf39/AAEAAABkAAAAAAAAABQAAABAHwAAAAAAACYAAAAAAAAAwOD//wAAAAAmAAAAZAAAABYAAABMAAAAAAAAAAAAAAAEAAAAAAAAAAEAAADu7OEKAAAAACgAAAAoAAAAZAAAAGQAAAAAAAAAzMzMAAAAAABQAAAAUAAAAGQAAABkAAAAAAAAABcAAAAUAAAAAAAAAAAAAAD/fwAA/38AAAAAAAAJAAAABAAAAAAAAAAMAAAAEAAAAAAAAAAAAAAAAAAAAAAAAAAeAAAAaAAAAAAAAAAAAAAAAAAAAAAAAAAAAAAAECcAABAnAAAAAAAAAAAAAAAAAAAAAAAAAAAAAAAAAAAAAAAAAAAAABQAAAAAAAAAwMD/AAAAAABkAAAAMgAAAAAAAABkAAAAAAAAAH9/fwAKAAAAHwAAAFQAAAAzzMwA////AQAAAAAAAAAAAAAAAAAAAAAAAAAAAAAAAAAAAAAAAAAAAAAAAn9/fwDu7OEDzMzMAMDA/wB/f38AAAAAAAAAAAAAAAAAAAAAAAAAAAAhAAAAGAAAABQAAABgCQAAugkAAD44AADyCQAAEAAAACYAAAAIAAAA//////////8="/>
               </a:ext>
             </a:extLst>
           </p:cNvSpPr>
@@ -5137,7 +5137,7 @@
           <p:cNvSpPr>
             <a:extLst>
               <a:ext uri="smNativeData">
-                <pr:smNativeData xmlns="" xmlns:p14="http://schemas.microsoft.com/office/powerpoint/2010/main" xmlns:pr="smNativeData" val="SMDATA_13_aDXlXhMAAAAlAAAAZAAAAA0AAAAAjgAAAEcAAACOAAAARwAAAAAAAAAAAAAAAAAAAAEAAABQAAAAAAAAAAAA4D8AAAAAAADgPwAAAAAAAOA/AAAAAAAA4D8AAAAAAADgPwAAAAAAAOA/AAAAAAAA4D8AAAAAAADgPwAAAAAAAOA/AAAAAAAA4D8CAAAAjAAAAAAAAAAAAAAAT4G9DP///wgAAAAAAAAAAAAAAAAAAAAAAAAAAAAAAAAAAAAAZAAAAAEAAABAAAAAAAAAAAAAAAAAAAAAAAAAAAAAAAAAAAAAAAAAAAAAAAAAAAAAAAAAAAAAAAAAAAAAAAAAAAAAAAAAAAAAAAAAAAAAAAAAAAAAAAAAAAAAAAAAAAAAFAAAADwAAAAAAAAAAAAAAAAAAAkUAAAAAQAAABQAAAAUAAAAFAAAAAEAAAAAAAAAZAAAAGQAAAAAAAAAZAAAAGQAAAAVAAAAYAAAAAAAAAAAAAAADwAAACADAAAAAAAAAAAAAAEAAACgMgAAVgcAAKr4//8BAAAAf39/AAEAAABkAAAAAAAAABQAAABAHwAAAAAAACYAAAAAAAAAwOD//wAAAAAmAAAAZAAAABYAAABMAAAAAAAAAAAAAAAEAAAAAAAAAAEAAADu7OEKAAAAACgAAAAoAAAAZAAAAGQAAAAAAAAAzMzMAAAAAABQAAAAUAAAAGQAAABkAAAAAAAAABcAAAAUAAAAAAAAAAAAAAD/fwAA/38AAAAAAAAJAAAABAAAAAAAAAAMAAAAEAAAAAAAAAAAAAAAAAAAAAAAAAAeAAAAaAAAAAAAAAAAAAAAAAAAAAAAAAAAAAAAECcAABAnAAAAAAAAAAAAAAAAAAAAAAAAAAAAAAAAAAAAAAAAAAAAABQAAAAAAAAAwMD/AAAAAABkAAAAMgAAAAAAAABkAAAAAAAAAH9/fwAKAAAAHwAAAFQAAABPgb0F////AQAAAAAAAAAAAAAAAAAAAAAAAAAAAAAAAAAAAAAAAAAAAAAAAn9/fwDu7OEDzMzMAMDA/wB/f38AAAAAAAAAAAAAAAAAAAAAAAAAAAAhAAAAGAAAABQAAABwCAAACAcAAD44AADeCQAAEAAAACYAAAAIAAAA//////////8="/>
+                <pr:smNativeData xmlns:pr="smNativeData" xmlns:p14="http://schemas.microsoft.com/office/powerpoint/2010/main" xmlns="" val="SMDATA_13_aDXlXhMAAAAlAAAAZAAAAA0AAAAAjgAAAEcAAACOAAAARwAAAAAAAAAAAAAAAAAAAAEAAABQAAAAAAAAAAAA4D8AAAAAAADgPwAAAAAAAOA/AAAAAAAA4D8AAAAAAADgPwAAAAAAAOA/AAAAAAAA4D8AAAAAAADgPwAAAAAAAOA/AAAAAAAA4D8CAAAAjAAAAAAAAAAAAAAAT4G9DP///wgAAAAAAAAAAAAAAAAAAAAAAAAAAAAAAAAAAAAAZAAAAAEAAABAAAAAAAAAAAAAAAAAAAAAAAAAAAAAAAAAAAAAAAAAAAAAAAAAAAAAAAAAAAAAAAAAAAAAAAAAAAAAAAAAAAAAAAAAAAAAAAAAAAAAAAAAAAAAAAAAAAAAFAAAADwAAAAAAAAAAAAAAAAAAAkUAAAAAQAAABQAAAAUAAAAFAAAAAEAAAAAAAAAZAAAAGQAAAAAAAAAZAAAAGQAAAAVAAAAYAAAAAAAAAAAAAAADwAAACADAAAAAAAAAAAAAAEAAACgMgAAVgcAAKr4//8BAAAAf39/AAEAAABkAAAAAAAAABQAAABAHwAAAAAAACYAAAAAAAAAwOD//wAAAAAmAAAAZAAAABYAAABMAAAAAAAAAAAAAAAEAAAAAAAAAAEAAADu7OEKAAAAACgAAAAoAAAAZAAAAGQAAAAAAAAAzMzMAAAAAABQAAAAUAAAAGQAAABkAAAAAAAAABcAAAAUAAAAAAAAAAAAAAD/fwAA/38AAAAAAAAJAAAABAAAAAAAAAAMAAAAEAAAAAAAAAAAAAAAAAAAAAAAAAAeAAAAaAAAAAAAAAAAAAAAAAAAAAAAAAAAAAAAECcAABAnAAAAAAAAAAAAAAAAAAAAAAAAAAAAAAAAAAAAAAAAAAAAABQAAAAAAAAAwMD/AAAAAABkAAAAMgAAAAAAAABkAAAAAAAAAH9/fwAKAAAAHwAAAFQAAABPgb0F////AQAAAAAAAAAAAAAAAAAAAAAAAAAAAAAAAAAAAAAAAAAAAAAAAn9/fwDu7OEDzMzMAMDA/wB/f38AAAAAAAAAAAAAAAAAAAAAAAAAAAAhAAAAGAAAABQAAABwCAAACAcAAD44AADeCQAAEAAAACYAAAAIAAAA//////////8="/>
               </a:ext>
             </a:extLst>
           </p:cNvSpPr>
@@ -5258,7 +5258,7 @@
           <p:cNvSpPr>
             <a:extLst>
               <a:ext uri="smNativeData">
-                <pr:smNativeData xmlns="" xmlns:p14="http://schemas.microsoft.com/office/powerpoint/2010/main" xmlns:pr="smNativeData" val="SMDATA_13_aDXlXhMAAAAlAAAAZAAAAA0AAAAAkAAAAEgAAACQAAAASAAAAAAAAAAAAAAAAAAAAAEAAABQAAAAAAAAAAAA4D8AAAAAAADgPwAAAAAAAOA/AAAAAAAA4D8AAAAAAADgPwAAAAAAAOA/AAAAAAAA4D8AAAAAAADgPwAAAAAAAOA/AAAAAAAA4D8CAAAAjAAAAAEAAAAAAAAAM8zMAP///wgAAAAAAAAAAAAAAAAAAAAAAAAAAAAAAAAAAAAAeAAAAAEAAABAAAAAAAAAAAAAAABaAAAAAAAAAAAAAAAAAAAAAAAAAAAAAAAAAAAAAAAAAAAAAAAAAAAAAAAAAAAAAAAAAAAAAAAAAAAAAAAAAAAAAAAAAAAAAAAAAAAAFAAAADwAAAAAAAAAAAAAAAAAAAkUAAAAAQAAABQAAAAUAAAAFAAAAAEAAAAAAAAAZAAAAGQAAAAAAAAAZAAAAGQAAAAVAAAAYAAAAAAAAAAAAAAADwAAACADAAAAAAAAAAAAAAEAAACgMgAAVgcAAKr4//8BAAAAf39/AAEAAABkAAAAAAAAABQAAABAHwAAAAAAACYAAAAAAAAAwOD//wAAAAAmAAAAZAAAABYAAABMAAAAAAAAAAAAAAAEAAAAAAAAAAEAAADu7OEKAAAAACgAAAAoAAAAZAAAAGQAAAAAAAAAzMzMAAAAAABQAAAAUAAAAGQAAABkAAAAAAAAABcAAAAUAAAAAAAAAAAAAAD/fwAA/38AAAAAAAAJAAAABAAAAAAAAAAMAAAAEAAAAAAAAAAAAAAAAAAAAAAAAAAeAAAAaAAAAAAAAAAAAAAAAAAAAAAAAAAAAAAAECcAABAnAAAAAAAAAAAAAAAAAAAAAAAAAAAAAAAAAAAAAAAAAAAAABQAAAAAAAAAwMD/AAAAAABkAAAAMgAAAAAAAABkAAAAAAAAAH9/fwAKAAAAHwAAAFQAAAAzzMwA////AQAAAAAAAAAAAAAAAAAAAAAAAAAAAAAAAAAAAAAAAAAAAAAAAn9/fwDu7OEDzMzMAMDA/wB/f38AAAAAAAAAAAAAAAAAAAAAAAAAAAAhAAAAGAAAABQAAABgCQAAugkAAD44AADyCQAAEAAAACYAAAAIAAAA//////////8="/>
+                <pr:smNativeData xmlns:pr="smNativeData" xmlns:p14="http://schemas.microsoft.com/office/powerpoint/2010/main" xmlns="" val="SMDATA_13_aDXlXhMAAAAlAAAAZAAAAA0AAAAAkAAAAEgAAACQAAAASAAAAAAAAAAAAAAAAAAAAAEAAABQAAAAAAAAAAAA4D8AAAAAAADgPwAAAAAAAOA/AAAAAAAA4D8AAAAAAADgPwAAAAAAAOA/AAAAAAAA4D8AAAAAAADgPwAAAAAAAOA/AAAAAAAA4D8CAAAAjAAAAAEAAAAAAAAAM8zMAP///wgAAAAAAAAAAAAAAAAAAAAAAAAAAAAAAAAAAAAAeAAAAAEAAABAAAAAAAAAAAAAAABaAAAAAAAAAAAAAAAAAAAAAAAAAAAAAAAAAAAAAAAAAAAAAAAAAAAAAAAAAAAAAAAAAAAAAAAAAAAAAAAAAAAAAAAAAAAAAAAAAAAAFAAAADwAAAAAAAAAAAAAAAAAAAkUAAAAAQAAABQAAAAUAAAAFAAAAAEAAAAAAAAAZAAAAGQAAAAAAAAAZAAAAGQAAAAVAAAAYAAAAAAAAAAAAAAADwAAACADAAAAAAAAAAAAAAEAAACgMgAAVgcAAKr4//8BAAAAf39/AAEAAABkAAAAAAAAABQAAABAHwAAAAAAACYAAAAAAAAAwOD//wAAAAAmAAAAZAAAABYAAABMAAAAAAAAAAAAAAAEAAAAAAAAAAEAAADu7OEKAAAAACgAAAAoAAAAZAAAAGQAAAAAAAAAzMzMAAAAAABQAAAAUAAAAGQAAABkAAAAAAAAABcAAAAUAAAAAAAAAAAAAAD/fwAA/38AAAAAAAAJAAAABAAAAAAAAAAMAAAAEAAAAAAAAAAAAAAAAAAAAAAAAAAeAAAAaAAAAAAAAAAAAAAAAAAAAAAAAAAAAAAAECcAABAnAAAAAAAAAAAAAAAAAAAAAAAAAAAAAAAAAAAAAAAAAAAAABQAAAAAAAAAwMD/AAAAAABkAAAAMgAAAAAAAABkAAAAAAAAAH9/fwAKAAAAHwAAAFQAAAAzzMwA////AQAAAAAAAAAAAAAAAAAAAAAAAAAAAAAAAAAAAAAAAAAAAAAAAn9/fwDu7OEDzMzMAMDA/wB/f38AAAAAAAAAAAAAAAAAAAAAAAAAAAAhAAAAGAAAABQAAABgCQAAugkAAD44AADyCQAAEAAAACYAAAAIAAAA//////////8="/>
               </a:ext>
             </a:extLst>
           </p:cNvSpPr>
@@ -5287,7 +5287,7 @@
           <p:cNvSpPr>
             <a:extLst>
               <a:ext uri="smNativeData">
-                <pr:smNativeData xmlns="" xmlns:p14="http://schemas.microsoft.com/office/powerpoint/2010/main" xmlns:pr="smNativeData" val="SMDATA_13_aDXlXhMAAAAlAAAAZAAAAA0AAAAAjgAAAEcAAACOAAAARwAAAAAAAAAAAAAAAAAAAAEAAABQAAAAAAAAAAAA4D8AAAAAAADgPwAAAAAAAOA/AAAAAAAA4D8AAAAAAADgPwAAAAAAAOA/AAAAAAAA4D8AAAAAAADgPwAAAAAAAOA/AAAAAAAA4D8CAAAAjAAAAAAAAAAAAAAAT4G9DP///wgAAAAAAAAAAAAAAAAAAAAAAAAAAAAAAAAAAAAAZAAAAAEAAABAAAAAAAAAAAAAAAAAAAAAAAAAAAAAAAAAAAAAAAAAAAAAAAAAAAAAAAAAAAAAAAAAAAAAAAAAAAAAAAAAAAAAAAAAAAAAAAAAAAAAAAAAAAAAAAAAAAAAFAAAADwAAAAAAAAAAAAAAAAAAAkUAAAAAQAAABQAAAAUAAAAFAAAAAEAAAAAAAAAZAAAAGQAAAAAAAAAZAAAAGQAAAAVAAAAYAAAAAAAAAAAAAAADwAAACADAAAAAAAAAAAAAAEAAACgMgAAVgcAAKr4//8BAAAAf39/AAEAAABkAAAAAAAAABQAAABAHwAAAAAAACYAAAAAAAAAwOD//wAAAAAmAAAAZAAAABYAAABMAAAAAAAAAAAAAAAEAAAAAAAAAAEAAADu7OEKAAAAACgAAAAoAAAAZAAAAGQAAAAAAAAAzMzMAAAAAABQAAAAUAAAAGQAAABkAAAAAAAAABcAAAAUAAAAAAAAAAAAAAD/fwAA/38AAAAAAAAJAAAABAAAAAAAAAAMAAAAEAAAAAAAAAAAAAAAAAAAAAAAAAAeAAAAaAAAAAAAAAAAAAAAAAAAAAAAAAAAAAAAECcAABAnAAAAAAAAAAAAAAAAAAAAAAAAAAAAAAAAAAAAAAAAAAAAABQAAAAAAAAAwMD/AAAAAABkAAAAMgAAAAAAAABkAAAAAAAAAH9/fwAKAAAAHwAAAFQAAABPgb0F////AQAAAAAAAAAAAAAAAAAAAAAAAAAAAAAAAAAAAAAAAAAAAAAAAn9/fwDu7OEDzMzMAMDA/wB/f38AAAAAAAAAAAAAAAAAAAAAAAAAAAAhAAAAGAAAABQAAABwCAAACAcAAD44AADeCQAAEAAAACYAAAAIAAAA//////////8="/>
+                <pr:smNativeData xmlns:pr="smNativeData" xmlns:p14="http://schemas.microsoft.com/office/powerpoint/2010/main" xmlns="" val="SMDATA_13_aDXlXhMAAAAlAAAAZAAAAA0AAAAAjgAAAEcAAACOAAAARwAAAAAAAAAAAAAAAAAAAAEAAABQAAAAAAAAAAAA4D8AAAAAAADgPwAAAAAAAOA/AAAAAAAA4D8AAAAAAADgPwAAAAAAAOA/AAAAAAAA4D8AAAAAAADgPwAAAAAAAOA/AAAAAAAA4D8CAAAAjAAAAAAAAAAAAAAAT4G9DP///wgAAAAAAAAAAAAAAAAAAAAAAAAAAAAAAAAAAAAAZAAAAAEAAABAAAAAAAAAAAAAAAAAAAAAAAAAAAAAAAAAAAAAAAAAAAAAAAAAAAAAAAAAAAAAAAAAAAAAAAAAAAAAAAAAAAAAAAAAAAAAAAAAAAAAAAAAAAAAAAAAAAAAFAAAADwAAAAAAAAAAAAAAAAAAAkUAAAAAQAAABQAAAAUAAAAFAAAAAEAAAAAAAAAZAAAAGQAAAAAAAAAZAAAAGQAAAAVAAAAYAAAAAAAAAAAAAAADwAAACADAAAAAAAAAAAAAAEAAACgMgAAVgcAAKr4//8BAAAAf39/AAEAAABkAAAAAAAAABQAAABAHwAAAAAAACYAAAAAAAAAwOD//wAAAAAmAAAAZAAAABYAAABMAAAAAAAAAAAAAAAEAAAAAAAAAAEAAADu7OEKAAAAACgAAAAoAAAAZAAAAGQAAAAAAAAAzMzMAAAAAABQAAAAUAAAAGQAAABkAAAAAAAAABcAAAAUAAAAAAAAAAAAAAD/fwAA/38AAAAAAAAJAAAABAAAAAAAAAAMAAAAEAAAAAAAAAAAAAAAAAAAAAAAAAAeAAAAaAAAAAAAAAAAAAAAAAAAAAAAAAAAAAAAECcAABAnAAAAAAAAAAAAAAAAAAAAAAAAAAAAAAAAAAAAAAAAAAAAABQAAAAAAAAAwMD/AAAAAABkAAAAMgAAAAAAAABkAAAAAAAAAH9/fwAKAAAAHwAAAFQAAABPgb0F////AQAAAAAAAAAAAAAAAAAAAAAAAAAAAAAAAAAAAAAAAAAAAAAAAn9/fwDu7OEDzMzMAMDA/wB/f38AAAAAAAAAAAAAAAAAAAAAAAAAAAAhAAAAGAAAABQAAABwCAAACAcAAD44AADeCQAAEAAAACYAAAAIAAAA//////////8="/>
               </a:ext>
             </a:extLst>
           </p:cNvSpPr>
@@ -5388,7 +5388,7 @@
           <p:cNvSpPr>
             <a:extLst>
               <a:ext uri="smNativeData">
-                <pr:smNativeData xmlns="" xmlns:p14="http://schemas.microsoft.com/office/powerpoint/2010/main" xmlns:pr="smNativeData" val="SMDATA_13_aDXlXhMAAAAlAAAAZAAAAA0AAAAAkAAAAEgAAACQAAAASAAAAAAAAAAAAAAAAAAAAAEAAABQAAAAAAAAAAAA4D8AAAAAAADgPwAAAAAAAOA/AAAAAAAA4D8AAAAAAADgPwAAAAAAAOA/AAAAAAAA4D8AAAAAAADgPwAAAAAAAOA/AAAAAAAA4D8CAAAAjAAAAAEAAAAAAAAAM8zMAP///wgAAAAAAAAAAAAAAAAAAAAAAAAAAAAAAAAAAAAAeAAAAAEAAABAAAAAAAAAAAAAAABaAAAAAAAAAAAAAAAAAAAAAAAAAAAAAAAAAAAAAAAAAAAAAAAAAAAAAAAAAAAAAAAAAAAAAAAAAAAAAAAAAAAAAAAAAAAAAAAAAAAAFAAAADwAAAAAAAAAAAAAAAAAAAkUAAAAAQAAABQAAAAUAAAAFAAAAAEAAAAAAAAAZAAAAGQAAAAAAAAAZAAAAGQAAAAVAAAAYAAAAAAAAAAAAAAADwAAACADAAAAAAAAAAAAAAEAAACgMgAAVgcAAKr4//8BAAAAf39/AAEAAABkAAAAAAAAABQAAABAHwAAAAAAACYAAAAAAAAAwOD//wAAAAAmAAAAZAAAABYAAABMAAAAAAAAAAAAAAAEAAAAAAAAAAEAAADu7OEKAAAAACgAAAAoAAAAZAAAAGQAAAAAAAAAzMzMAAAAAABQAAAAUAAAAGQAAABkAAAAAAAAABcAAAAUAAAAAAAAAAAAAAD/fwAA/38AAAAAAAAJAAAABAAAAAAAAAAMAAAAEAAAAAAAAAAAAAAAAAAAAAAAAAAeAAAAaAAAAAAAAAAAAAAAAAAAAAAAAAAAAAAAECcAABAnAAAAAAAAAAAAAAAAAAAAAAAAAAAAAAAAAAAAAAAAAAAAABQAAAAAAAAAwMD/AAAAAABkAAAAMgAAAAAAAABkAAAAAAAAAH9/fwAKAAAAHwAAAFQAAAAzzMwA////AQAAAAAAAAAAAAAAAAAAAAAAAAAAAAAAAAAAAAAAAAAAAAAAAn9/fwDu7OEDzMzMAMDA/wB/f38AAAAAAAAAAAAAAAAAAAAAAAAAAAAhAAAAGAAAABQAAABgCQAAugkAAD44AADyCQAAEAAAACYAAAAIAAAA//////////8="/>
+                <pr:smNativeData xmlns:pr="smNativeData" xmlns:p14="http://schemas.microsoft.com/office/powerpoint/2010/main" xmlns="" val="SMDATA_13_aDXlXhMAAAAlAAAAZAAAAA0AAAAAkAAAAEgAAACQAAAASAAAAAAAAAAAAAAAAAAAAAEAAABQAAAAAAAAAAAA4D8AAAAAAADgPwAAAAAAAOA/AAAAAAAA4D8AAAAAAADgPwAAAAAAAOA/AAAAAAAA4D8AAAAAAADgPwAAAAAAAOA/AAAAAAAA4D8CAAAAjAAAAAEAAAAAAAAAM8zMAP///wgAAAAAAAAAAAAAAAAAAAAAAAAAAAAAAAAAAAAAeAAAAAEAAABAAAAAAAAAAAAAAABaAAAAAAAAAAAAAAAAAAAAAAAAAAAAAAAAAAAAAAAAAAAAAAAAAAAAAAAAAAAAAAAAAAAAAAAAAAAAAAAAAAAAAAAAAAAAAAAAAAAAFAAAADwAAAAAAAAAAAAAAAAAAAkUAAAAAQAAABQAAAAUAAAAFAAAAAEAAAAAAAAAZAAAAGQAAAAAAAAAZAAAAGQAAAAVAAAAYAAAAAAAAAAAAAAADwAAACADAAAAAAAAAAAAAAEAAACgMgAAVgcAAKr4//8BAAAAf39/AAEAAABkAAAAAAAAABQAAABAHwAAAAAAACYAAAAAAAAAwOD//wAAAAAmAAAAZAAAABYAAABMAAAAAAAAAAAAAAAEAAAAAAAAAAEAAADu7OEKAAAAACgAAAAoAAAAZAAAAGQAAAAAAAAAzMzMAAAAAABQAAAAUAAAAGQAAABkAAAAAAAAABcAAAAUAAAAAAAAAAAAAAD/fwAA/38AAAAAAAAJAAAABAAAAAAAAAAMAAAAEAAAAAAAAAAAAAAAAAAAAAAAAAAeAAAAaAAAAAAAAAAAAAAAAAAAAAAAAAAAAAAAECcAABAnAAAAAAAAAAAAAAAAAAAAAAAAAAAAAAAAAAAAAAAAAAAAABQAAAAAAAAAwMD/AAAAAABkAAAAMgAAAAAAAABkAAAAAAAAAH9/fwAKAAAAHwAAAFQAAAAzzMwA////AQAAAAAAAAAAAAAAAAAAAAAAAAAAAAAAAAAAAAAAAAAAAAAAAn9/fwDu7OEDzMzMAMDA/wB/f38AAAAAAAAAAAAAAAAAAAAAAAAAAAAhAAAAGAAAABQAAABgCQAAugkAAD44AADyCQAAEAAAACYAAAAIAAAA//////////8="/>
               </a:ext>
             </a:extLst>
           </p:cNvSpPr>
@@ -5417,7 +5417,7 @@
           <p:cNvSpPr>
             <a:extLst>
               <a:ext uri="smNativeData">
-                <pr:smNativeData xmlns="" xmlns:p14="http://schemas.microsoft.com/office/powerpoint/2010/main" xmlns:pr="smNativeData" val="SMDATA_13_aDXlXhMAAAAlAAAAZAAAAA0AAAAAjgAAAEcAAACOAAAARwAAAAAAAAAAAAAAAAAAAAEAAABQAAAAAAAAAAAA4D8AAAAAAADgPwAAAAAAAOA/AAAAAAAA4D8AAAAAAADgPwAAAAAAAOA/AAAAAAAA4D8AAAAAAADgPwAAAAAAAOA/AAAAAAAA4D8CAAAAjAAAAAAAAAAAAAAAT4G9DP///wgAAAAAAAAAAAAAAAAAAAAAAAAAAAAAAAAAAAAAZAAAAAEAAABAAAAAAAAAAAAAAAAAAAAAAAAAAAAAAAAAAAAAAAAAAAAAAAAAAAAAAAAAAAAAAAAAAAAAAAAAAAAAAAAAAAAAAAAAAAAAAAAAAAAAAAAAAAAAAAAAAAAAFAAAADwAAAAAAAAAAAAAAAAAAAkUAAAAAQAAABQAAAAUAAAAFAAAAAEAAAAAAAAAZAAAAGQAAAAAAAAAZAAAAGQAAAAVAAAAYAAAAAAAAAAAAAAADwAAACADAAAAAAAAAAAAAAEAAACgMgAAVgcAAKr4//8BAAAAf39/AAEAAABkAAAAAAAAABQAAABAHwAAAAAAACYAAAAAAAAAwOD//wAAAAAmAAAAZAAAABYAAABMAAAAAAAAAAAAAAAEAAAAAAAAAAEAAADu7OEKAAAAACgAAAAoAAAAZAAAAGQAAAAAAAAAzMzMAAAAAABQAAAAUAAAAGQAAABkAAAAAAAAABcAAAAUAAAAAAAAAAAAAAD/fwAA/38AAAAAAAAJAAAABAAAADYDAAAMAAAAEAAAAAAAAAAAAAAAAAAAAAAAAAAeAAAAaAAAAAAAAAAAAAAAAAAAAAAAAAAAAAAAECcAABAnAAAAAAAAAAAAAAAAAAAAAAAAAAAAAAAAAAAAAAAAAAAAABQAAAAAAAAAwMD/AAAAAABkAAAAMgAAAAAAAABkAAAAAAAAAH9/fwAKAAAAHwAAAFQAAABPgb0F////AQAAAAAAAAAAAAAAAAAAAAAAAAAAAAAAAAAAAAAAAAAAAAAAAn9/fwDu7OEDzMzMAMDA/wB/f38AAAAAAAAAAAAAAAAAAAAAAAAAAAAhAAAAGAAAABQAAABwCAAACAcAAD44AADeCQAAEAAAACYAAAAIAAAA//////////8="/>
+                <pr:smNativeData xmlns:pr="smNativeData" xmlns:p14="http://schemas.microsoft.com/office/powerpoint/2010/main" xmlns="" val="SMDATA_13_aDXlXhMAAAAlAAAAZAAAAA0AAAAAjgAAAEcAAACOAAAARwAAAAAAAAAAAAAAAAAAAAEAAABQAAAAAAAAAAAA4D8AAAAAAADgPwAAAAAAAOA/AAAAAAAA4D8AAAAAAADgPwAAAAAAAOA/AAAAAAAA4D8AAAAAAADgPwAAAAAAAOA/AAAAAAAA4D8CAAAAjAAAAAAAAAAAAAAAT4G9DP///wgAAAAAAAAAAAAAAAAAAAAAAAAAAAAAAAAAAAAAZAAAAAEAAABAAAAAAAAAAAAAAAAAAAAAAAAAAAAAAAAAAAAAAAAAAAAAAAAAAAAAAAAAAAAAAAAAAAAAAAAAAAAAAAAAAAAAAAAAAAAAAAAAAAAAAAAAAAAAAAAAAAAAFAAAADwAAAAAAAAAAAAAAAAAAAkUAAAAAQAAABQAAAAUAAAAFAAAAAEAAAAAAAAAZAAAAGQAAAAAAAAAZAAAAGQAAAAVAAAAYAAAAAAAAAAAAAAADwAAACADAAAAAAAAAAAAAAEAAACgMgAAVgcAAKr4//8BAAAAf39/AAEAAABkAAAAAAAAABQAAABAHwAAAAAAACYAAAAAAAAAwOD//wAAAAAmAAAAZAAAABYAAABMAAAAAAAAAAAAAAAEAAAAAAAAAAEAAADu7OEKAAAAACgAAAAoAAAAZAAAAGQAAAAAAAAAzMzMAAAAAABQAAAAUAAAAGQAAABkAAAAAAAAABcAAAAUAAAAAAAAAAAAAAD/fwAA/38AAAAAAAAJAAAABAAAADYDAAAMAAAAEAAAAAAAAAAAAAAAAAAAAAAAAAAeAAAAaAAAAAAAAAAAAAAAAAAAAAAAAAAAAAAAECcAABAnAAAAAAAAAAAAAAAAAAAAAAAAAAAAAAAAAAAAAAAAAAAAABQAAAAAAAAAwMD/AAAAAABkAAAAMgAAAAAAAABkAAAAAAAAAH9/fwAKAAAAHwAAAFQAAABPgb0F////AQAAAAAAAAAAAAAAAAAAAAAAAAAAAAAAAAAAAAAAAAAAAAAAAn9/fwDu7OEDzMzMAMDA/wB/f38AAAAAAAAAAAAAAAAAAAAAAAAAAAAhAAAAGAAAABQAAABwCAAACAcAAD44AADeCQAAEAAAACYAAAAIAAAA//////////8="/>
               </a:ext>
             </a:extLst>
           </p:cNvSpPr>
@@ -5548,7 +5548,7 @@
           <p:cNvSpPr>
             <a:extLst>
               <a:ext uri="smNativeData">
-                <pr:smNativeData xmlns="" xmlns:p14="http://schemas.microsoft.com/office/powerpoint/2010/main" xmlns:pr="smNativeData" val="SMDATA_13_aDXlXhMAAAAlAAAAZAAAAA0AAAAAkAAAAEgAAACQAAAASAAAAAAAAAAAAAAAAAAAAAEAAABQAAAAAAAAAAAA4D8AAAAAAADgPwAAAAAAAOA/AAAAAAAA4D8AAAAAAADgPwAAAAAAAOA/AAAAAAAA4D8AAAAAAADgPwAAAAAAAOA/AAAAAAAA4D8CAAAAjAAAAAEAAAAAAAAAM8zMAP///wgAAAAAAAAAAAAAAAAAAAAAAAAAAAAAAAAAAAAAeAAAAAEAAABAAAAAAAAAAAAAAABaAAAAAAAAAAAAAAAAAAAAAAAAAAAAAAAAAAAAAAAAAAAAAAAAAAAAAAAAAAAAAAAAAAAAAAAAAAAAAAAAAAAAAAAAAAAAAAAAAAAAFAAAADwAAAAAAAAAAAAAAAAAAAkUAAAAAQAAABQAAAAUAAAAFAAAAAEAAAAAAAAAZAAAAGQAAAAAAAAAZAAAAGQAAAAVAAAAYAAAAAAAAAAAAAAADwAAACADAAAAAAAAAAAAAAEAAACgMgAAVgcAAKr4//8BAAAAf39/AAEAAABkAAAAAAAAABQAAABAHwAAAAAAACYAAAAAAAAAwOD//wAAAAAmAAAAZAAAABYAAABMAAAAAAAAAAAAAAAEAAAAAAAAAAEAAADu7OEKAAAAACgAAAAoAAAAZAAAAGQAAAAAAAAAzMzMAAAAAABQAAAAUAAAAGQAAABkAAAAAAAAABcAAAAUAAAAAAAAAAAAAAD/fwAA/38AAAAAAAAJAAAABAAAAAAAAAAMAAAAEAAAAAAAAAAAAAAAAAAAAAAAAAAeAAAAaAAAAAAAAAAAAAAAAAAAAAAAAAAAAAAAECcAABAnAAAAAAAAAAAAAAAAAAAAAAAAAAAAAAAAAAAAAAAAAAAAABQAAAAAAAAAwMD/AAAAAABkAAAAMgAAAAAAAABkAAAAAAAAAH9/fwAKAAAAHwAAAFQAAAAzzMwA////AQAAAAAAAAAAAAAAAAAAAAAAAAAAAAAAAAAAAAAAAAAAAAAAAn9/fwDu7OEDzMzMAMDA/wB/f38AAAAAAAAAAAAAAAAAAAAAAAAAAAAhAAAAGAAAABQAAABgCQAAugkAAD44AADyCQAAEAAAACYAAAAIAAAA//////////8="/>
+                <pr:smNativeData xmlns:pr="smNativeData" xmlns:p14="http://schemas.microsoft.com/office/powerpoint/2010/main" xmlns="" val="SMDATA_13_aDXlXhMAAAAlAAAAZAAAAA0AAAAAkAAAAEgAAACQAAAASAAAAAAAAAAAAAAAAAAAAAEAAABQAAAAAAAAAAAA4D8AAAAAAADgPwAAAAAAAOA/AAAAAAAA4D8AAAAAAADgPwAAAAAAAOA/AAAAAAAA4D8AAAAAAADgPwAAAAAAAOA/AAAAAAAA4D8CAAAAjAAAAAEAAAAAAAAAM8zMAP///wgAAAAAAAAAAAAAAAAAAAAAAAAAAAAAAAAAAAAAeAAAAAEAAABAAAAAAAAAAAAAAABaAAAAAAAAAAAAAAAAAAAAAAAAAAAAAAAAAAAAAAAAAAAAAAAAAAAAAAAAAAAAAAAAAAAAAAAAAAAAAAAAAAAAAAAAAAAAAAAAAAAAFAAAADwAAAAAAAAAAAAAAAAAAAkUAAAAAQAAABQAAAAUAAAAFAAAAAEAAAAAAAAAZAAAAGQAAAAAAAAAZAAAAGQAAAAVAAAAYAAAAAAAAAAAAAAADwAAACADAAAAAAAAAAAAAAEAAACgMgAAVgcAAKr4//8BAAAAf39/AAEAAABkAAAAAAAAABQAAABAHwAAAAAAACYAAAAAAAAAwOD//wAAAAAmAAAAZAAAABYAAABMAAAAAAAAAAAAAAAEAAAAAAAAAAEAAADu7OEKAAAAACgAAAAoAAAAZAAAAGQAAAAAAAAAzMzMAAAAAABQAAAAUAAAAGQAAABkAAAAAAAAABcAAAAUAAAAAAAAAAAAAAD/fwAA/38AAAAAAAAJAAAABAAAAAAAAAAMAAAAEAAAAAAAAAAAAAAAAAAAAAAAAAAeAAAAaAAAAAAAAAAAAAAAAAAAAAAAAAAAAAAAECcAABAnAAAAAAAAAAAAAAAAAAAAAAAAAAAAAAAAAAAAAAAAAAAAABQAAAAAAAAAwMD/AAAAAABkAAAAMgAAAAAAAABkAAAAAAAAAH9/fwAKAAAAHwAAAFQAAAAzzMwA////AQAAAAAAAAAAAAAAAAAAAAAAAAAAAAAAAAAAAAAAAAAAAAAAAn9/fwDu7OEDzMzMAMDA/wB/f38AAAAAAAAAAAAAAAAAAAAAAAAAAAAhAAAAGAAAABQAAABgCQAAugkAAD44AADyCQAAEAAAACYAAAAIAAAA//////////8="/>
               </a:ext>
             </a:extLst>
           </p:cNvSpPr>
@@ -5577,7 +5577,7 @@
           <p:cNvSpPr>
             <a:extLst>
               <a:ext uri="smNativeData">
-                <pr:smNativeData xmlns="" xmlns:p14="http://schemas.microsoft.com/office/powerpoint/2010/main" xmlns:pr="smNativeData" val="SMDATA_13_aDXlXhMAAAAlAAAAZAAAAA0AAAAAjgAAAEcAAACOAAAARwAAAAAAAAAAAAAAAAAAAAEAAABQAAAAAAAAAAAA4D8AAAAAAADgPwAAAAAAAOA/AAAAAAAA4D8AAAAAAADgPwAAAAAAAOA/AAAAAAAA4D8AAAAAAADgPwAAAAAAAOA/AAAAAAAA4D8CAAAAjAAAAAAAAAAAAAAAT4G9DP///wgAAAAAAAAAAAAAAAAAAAAAAAAAAAAAAAAAAAAAZAAAAAEAAABAAAAAAAAAAAAAAAAAAAAAAAAAAAAAAAAAAAAAAAAAAAAAAAAAAAAAAAAAAAAAAAAAAAAAAAAAAAAAAAAAAAAAAAAAAAAAAAAAAAAAAAAAAAAAAAAAAAAAFAAAADwAAAAAAAAAAAAAAAAAAAkUAAAAAQAAABQAAAAUAAAAFAAAAAEAAAAAAAAAZAAAAGQAAAAAAAAAZAAAAGQAAAAVAAAAYAAAAAAAAAAAAAAADwAAACADAAAAAAAAAAAAAAEAAACgMgAAVgcAAKr4//8BAAAAf39/AAEAAABkAAAAAAAAABQAAABAHwAAAAAAACYAAAAAAAAAwOD//wAAAAAmAAAAZAAAABYAAABMAAAAAAAAAAAAAAAEAAAAAAAAAAEAAADu7OEKAAAAACgAAAAoAAAAZAAAAGQAAAAAAAAAzMzMAAAAAABQAAAAUAAAAGQAAABkAAAAAAAAABcAAAAUAAAAAAAAAAAAAAD/fwAA/38AAAAAAAAJAAAABAAAADYDAAAMAAAAEAAAAAAAAAAAAAAAAAAAAAAAAAAeAAAAaAAAAAAAAAAAAAAAAAAAAAAAAAAAAAAAECcAABAnAAAAAAAAAAAAAAAAAAAAAAAAAAAAAAAAAAAAAAAAAAAAABQAAAAAAAAAwMD/AAAAAABkAAAAMgAAAAAAAABkAAAAAAAAAH9/fwAKAAAAHwAAAFQAAABPgb0F////AQAAAAAAAAAAAAAAAAAAAAAAAAAAAAAAAAAAAAAAAAAAAAAAAn9/fwDu7OEDzMzMAMDA/wB/f38AAAAAAAAAAAAAAAAAAAAAAAAAAAAhAAAAGAAAABQAAABwCAAACAcAAD44AADeCQAAEAAAACYAAAAIAAAA//////////8="/>
+                <pr:smNativeData xmlns:pr="smNativeData" xmlns:p14="http://schemas.microsoft.com/office/powerpoint/2010/main" xmlns="" val="SMDATA_13_aDXlXhMAAAAlAAAAZAAAAA0AAAAAjgAAAEcAAACOAAAARwAAAAAAAAAAAAAAAAAAAAEAAABQAAAAAAAAAAAA4D8AAAAAAADgPwAAAAAAAOA/AAAAAAAA4D8AAAAAAADgPwAAAAAAAOA/AAAAAAAA4D8AAAAAAADgPwAAAAAAAOA/AAAAAAAA4D8CAAAAjAAAAAAAAAAAAAAAT4G9DP///wgAAAAAAAAAAAAAAAAAAAAAAAAAAAAAAAAAAAAAZAAAAAEAAABAAAAAAAAAAAAAAAAAAAAAAAAAAAAAAAAAAAAAAAAAAAAAAAAAAAAAAAAAAAAAAAAAAAAAAAAAAAAAAAAAAAAAAAAAAAAAAAAAAAAAAAAAAAAAAAAAAAAAFAAAADwAAAAAAAAAAAAAAAAAAAkUAAAAAQAAABQAAAAUAAAAFAAAAAEAAAAAAAAAZAAAAGQAAAAAAAAAZAAAAGQAAAAVAAAAYAAAAAAAAAAAAAAADwAAACADAAAAAAAAAAAAAAEAAACgMgAAVgcAAKr4//8BAAAAf39/AAEAAABkAAAAAAAAABQAAABAHwAAAAAAACYAAAAAAAAAwOD//wAAAAAmAAAAZAAAABYAAABMAAAAAAAAAAAAAAAEAAAAAAAAAAEAAADu7OEKAAAAACgAAAAoAAAAZAAAAGQAAAAAAAAAzMzMAAAAAABQAAAAUAAAAGQAAABkAAAAAAAAABcAAAAUAAAAAAAAAAAAAAD/fwAA/38AAAAAAAAJAAAABAAAADYDAAAMAAAAEAAAAAAAAAAAAAAAAAAAAAAAAAAeAAAAaAAAAAAAAAAAAAAAAAAAAAAAAAAAAAAAECcAABAnAAAAAAAAAAAAAAAAAAAAAAAAAAAAAAAAAAAAAAAAAAAAABQAAAAAAAAAwMD/AAAAAABkAAAAMgAAAAAAAABkAAAAAAAAAH9/fwAKAAAAHwAAAFQAAABPgb0F////AQAAAAAAAAAAAAAAAAAAAAAAAAAAAAAAAAAAAAAAAAAAAAAAAn9/fwDu7OEDzMzMAMDA/wB/f38AAAAAAAAAAAAAAAAAAAAAAAAAAAAhAAAAGAAAABQAAABwCAAACAcAAD44AADeCQAAEAAAACYAAAAIAAAA//////////8="/>
               </a:ext>
             </a:extLst>
           </p:cNvSpPr>
@@ -5822,7 +5822,7 @@
           <p:cNvSpPr>
             <a:extLst>
               <a:ext uri="smNativeData">
-                <pr:smNativeData xmlns="" xmlns:p14="http://schemas.microsoft.com/office/powerpoint/2010/main" xmlns:pr="smNativeData" val="SMDATA_13_aDXlXhMAAAAlAAAAZAAAAA0AAAAAkAAAAEgAAACQAAAASAAAAAAAAAAAAAAAAAAAAAEAAABQAAAAAAAAAAAA4D8AAAAAAADgPwAAAAAAAOA/AAAAAAAA4D8AAAAAAADgPwAAAAAAAOA/AAAAAAAA4D8AAAAAAADgPwAAAAAAAOA/AAAAAAAA4D8CAAAAjAAAAAEAAAAAAAAAM8zMAP///wgAAAAAAAAAAAAAAAAAAAAAAAAAAAAAAAAAAAAAeAAAAAEAAABAAAAAAAAAAAAAAABaAAAAAAAAAAAAAAAAAAAAAAAAAAAAAAAAAAAAAAAAAAAAAAAAAAAAAAAAAAAAAAAAAAAAAAAAAAAAAAAAAAAAAAAAAAAAAAAAAAAAFAAAADwAAAAAAAAAAAAAAAAAAAkUAAAAAQAAABQAAAAUAAAAFAAAAAEAAAAAAAAAZAAAAGQAAAAAAAAAZAAAAGQAAAAVAAAAYAAAAAAAAAAAAAAADwAAACADAAAAAAAAAAAAAAEAAACgMgAAVgcAAKr4//8BAAAAf39/AAEAAABkAAAAAAAAABQAAABAHwAAAAAAACYAAAAAAAAAwOD//wAAAAAmAAAAZAAAABYAAABMAAAAAAAAAAAAAAAEAAAAAAAAAAEAAADu7OEKAAAAACgAAAAoAAAAZAAAAGQAAAAAAAAAzMzMAAAAAABQAAAAUAAAAGQAAABkAAAAAAAAABcAAAAUAAAAAAAAAAAAAAD/fwAA/38AAAAAAAAJAAAABAAAAAAAAAAMAAAAEAAAAAAAAAAAAAAAAAAAAAAAAAAeAAAAaAAAAAAAAAAAAAAAAAAAAAAAAAAAAAAAECcAABAnAAAAAAAAAAAAAAAAAAAAAAAAAAAAAAAAAAAAAAAAAAAAABQAAAAAAAAAwMD/AAAAAABkAAAAMgAAAAAAAABkAAAAAAAAAH9/fwAKAAAAHwAAAFQAAAAzzMwA////AQAAAAAAAAAAAAAAAAAAAAAAAAAAAAAAAAAAAAAAAAAAAAAAAn9/fwDu7OEDzMzMAMDA/wB/f38AAAAAAAAAAAAAAAAAAAAAAAAAAAAhAAAAGAAAABQAAABgCQAAugkAAD44AADyCQAAEAAAACYAAAAIAAAA//////////8="/>
+                <pr:smNativeData xmlns:pr="smNativeData" xmlns:p14="http://schemas.microsoft.com/office/powerpoint/2010/main" xmlns="" val="SMDATA_13_aDXlXhMAAAAlAAAAZAAAAA0AAAAAkAAAAEgAAACQAAAASAAAAAAAAAAAAAAAAAAAAAEAAABQAAAAAAAAAAAA4D8AAAAAAADgPwAAAAAAAOA/AAAAAAAA4D8AAAAAAADgPwAAAAAAAOA/AAAAAAAA4D8AAAAAAADgPwAAAAAAAOA/AAAAAAAA4D8CAAAAjAAAAAEAAAAAAAAAM8zMAP///wgAAAAAAAAAAAAAAAAAAAAAAAAAAAAAAAAAAAAAeAAAAAEAAABAAAAAAAAAAAAAAABaAAAAAAAAAAAAAAAAAAAAAAAAAAAAAAAAAAAAAAAAAAAAAAAAAAAAAAAAAAAAAAAAAAAAAAAAAAAAAAAAAAAAAAAAAAAAAAAAAAAAFAAAADwAAAAAAAAAAAAAAAAAAAkUAAAAAQAAABQAAAAUAAAAFAAAAAEAAAAAAAAAZAAAAGQAAAAAAAAAZAAAAGQAAAAVAAAAYAAAAAAAAAAAAAAADwAAACADAAAAAAAAAAAAAAEAAACgMgAAVgcAAKr4//8BAAAAf39/AAEAAABkAAAAAAAAABQAAABAHwAAAAAAACYAAAAAAAAAwOD//wAAAAAmAAAAZAAAABYAAABMAAAAAAAAAAAAAAAEAAAAAAAAAAEAAADu7OEKAAAAACgAAAAoAAAAZAAAAGQAAAAAAAAAzMzMAAAAAABQAAAAUAAAAGQAAABkAAAAAAAAABcAAAAUAAAAAAAAAAAAAAD/fwAA/38AAAAAAAAJAAAABAAAAAAAAAAMAAAAEAAAAAAAAAAAAAAAAAAAAAAAAAAeAAAAaAAAAAAAAAAAAAAAAAAAAAAAAAAAAAAAECcAABAnAAAAAAAAAAAAAAAAAAAAAAAAAAAAAAAAAAAAAAAAAAAAABQAAAAAAAAAwMD/AAAAAABkAAAAMgAAAAAAAABkAAAAAAAAAH9/fwAKAAAAHwAAAFQAAAAzzMwA////AQAAAAAAAAAAAAAAAAAAAAAAAAAAAAAAAAAAAAAAAAAAAAAAAn9/fwDu7OEDzMzMAMDA/wB/f38AAAAAAAAAAAAAAAAAAAAAAAAAAAAhAAAAGAAAABQAAABgCQAAugkAAD44AADyCQAAEAAAACYAAAAIAAAA//////////8="/>
               </a:ext>
             </a:extLst>
           </p:cNvSpPr>
@@ -5851,7 +5851,7 @@
           <p:cNvSpPr>
             <a:extLst>
               <a:ext uri="smNativeData">
-                <pr:smNativeData xmlns="" xmlns:p14="http://schemas.microsoft.com/office/powerpoint/2010/main" xmlns:pr="smNativeData" val="SMDATA_13_aDXlXhMAAAAlAAAAZAAAAA0AAAAAjgAAAEcAAACOAAAARwAAAAAAAAAAAAAAAAAAAAEAAABQAAAAAAAAAAAA4D8AAAAAAADgPwAAAAAAAOA/AAAAAAAA4D8AAAAAAADgPwAAAAAAAOA/AAAAAAAA4D8AAAAAAADgPwAAAAAAAOA/AAAAAAAA4D8CAAAAjAAAAAAAAAAAAAAAT4G9DP///wgAAAAAAAAAAAAAAAAAAAAAAAAAAAAAAAAAAAAAZAAAAAEAAABAAAAAAAAAAAAAAAAAAAAAAAAAAAAAAAAAAAAAAAAAAAAAAAAAAAAAAAAAAAAAAAAAAAAAAAAAAAAAAAAAAAAAAAAAAAAAAAAAAAAAAAAAAAAAAAAAAAAAFAAAADwAAAAAAAAAAAAAAAAAAAkUAAAAAQAAABQAAAAUAAAAFAAAAAEAAAAAAAAAZAAAAGQAAAAAAAAAZAAAAGQAAAAVAAAAYAAAAAAAAAAAAAAADwAAACADAAAAAAAAAAAAAAEAAACgMgAAVgcAAKr4//8BAAAAf39/AAEAAABkAAAAAAAAABQAAABAHwAAAAAAACYAAAAAAAAAwOD//wAAAAAmAAAAZAAAABYAAABMAAAAAAAAAAAAAAAEAAAAAAAAAAEAAADu7OEKAAAAACgAAAAoAAAAZAAAAGQAAAAAAAAAzMzMAAAAAABQAAAAUAAAAGQAAABkAAAAAAAAABcAAAAUAAAAAAAAAAAAAAD/fwAA/38AAAAAAAAJAAAABAAAADYDAAAMAAAAEAAAAAAAAAAAAAAAAAAAAAAAAAAeAAAAaAAAAAAAAAAAAAAAAAAAAAAAAAAAAAAAECcAABAnAAAAAAAAAAAAAAAAAAAAAAAAAAAAAAAAAAAAAAAAAAAAABQAAAAAAAAAwMD/AAAAAABkAAAAMgAAAAAAAABkAAAAAAAAAH9/fwAKAAAAHwAAAFQAAABPgb0F////AQAAAAAAAAAAAAAAAAAAAAAAAAAAAAAAAAAAAAAAAAAAAAAAAn9/fwDu7OEDzMzMAMDA/wB/f38AAAAAAAAAAAAAAAAAAAAAAAAAAAAhAAAAGAAAABQAAABwCAAACAcAAD44AADeCQAAEAAAACYAAAAIAAAA//////////8="/>
+                <pr:smNativeData xmlns:pr="smNativeData" xmlns:p14="http://schemas.microsoft.com/office/powerpoint/2010/main" xmlns="" val="SMDATA_13_aDXlXhMAAAAlAAAAZAAAAA0AAAAAjgAAAEcAAACOAAAARwAAAAAAAAAAAAAAAAAAAAEAAABQAAAAAAAAAAAA4D8AAAAAAADgPwAAAAAAAOA/AAAAAAAA4D8AAAAAAADgPwAAAAAAAOA/AAAAAAAA4D8AAAAAAADgPwAAAAAAAOA/AAAAAAAA4D8CAAAAjAAAAAAAAAAAAAAAT4G9DP///wgAAAAAAAAAAAAAAAAAAAAAAAAAAAAAAAAAAAAAZAAAAAEAAABAAAAAAAAAAAAAAAAAAAAAAAAAAAAAAAAAAAAAAAAAAAAAAAAAAAAAAAAAAAAAAAAAAAAAAAAAAAAAAAAAAAAAAAAAAAAAAAAAAAAAAAAAAAAAAAAAAAAAFAAAADwAAAAAAAAAAAAAAAAAAAkUAAAAAQAAABQAAAAUAAAAFAAAAAEAAAAAAAAAZAAAAGQAAAAAAAAAZAAAAGQAAAAVAAAAYAAAAAAAAAAAAAAADwAAACADAAAAAAAAAAAAAAEAAACgMgAAVgcAAKr4//8BAAAAf39/AAEAAABkAAAAAAAAABQAAABAHwAAAAAAACYAAAAAAAAAwOD//wAAAAAmAAAAZAAAABYAAABMAAAAAAAAAAAAAAAEAAAAAAAAAAEAAADu7OEKAAAAACgAAAAoAAAAZAAAAGQAAAAAAAAAzMzMAAAAAABQAAAAUAAAAGQAAABkAAAAAAAAABcAAAAUAAAAAAAAAAAAAAD/fwAA/38AAAAAAAAJAAAABAAAADYDAAAMAAAAEAAAAAAAAAAAAAAAAAAAAAAAAAAeAAAAaAAAAAAAAAAAAAAAAAAAAAAAAAAAAAAAECcAABAnAAAAAAAAAAAAAAAAAAAAAAAAAAAAAAAAAAAAAAAAAAAAABQAAAAAAAAAwMD/AAAAAABkAAAAMgAAAAAAAABkAAAAAAAAAH9/fwAKAAAAHwAAAFQAAABPgb0F////AQAAAAAAAAAAAAAAAAAAAAAAAAAAAAAAAAAAAAAAAAAAAAAAAn9/fwDu7OEDzMzMAMDA/wB/f38AAAAAAAAAAAAAAAAAAAAAAAAAAAAhAAAAGAAAABQAAABwCAAACAcAAD44AADeCQAAEAAAACYAAAAIAAAA//////////8="/>
               </a:ext>
             </a:extLst>
           </p:cNvSpPr>
@@ -6018,7 +6018,7 @@
           <p:cNvSpPr>
             <a:extLst>
               <a:ext uri="smNativeData">
-                <pr:smNativeData xmlns="" xmlns:p14="http://schemas.microsoft.com/office/powerpoint/2010/main" xmlns:pr="smNativeData" val="SMDATA_13_aDXlXhMAAAAlAAAAZAAAAA0AAAAAjgAAAEcAAACOAAAARwAAAAAAAAAAAAAAAAAAAAEAAABQAAAAAAAAAAAA4D8AAAAAAADgPwAAAAAAAOA/AAAAAAAA4D8AAAAAAADgPwAAAAAAAOA/AAAAAAAA4D8AAAAAAADgPwAAAAAAAOA/AAAAAAAA4D8CAAAAjAAAAAAAAAAAAAAAT4G9DP///wgAAAAAAAAAAAAAAAAAAAAAAAAAAAAAAAAAAAAAZAAAAAEAAABAAAAAAAAAAAAAAAAAAAAAAAAAAAAAAAAAAAAAAAAAAAAAAAAAAAAAAAAAAAAAAAAAAAAAAAAAAAAAAAAAAAAAAAAAAAAAAAAAAAAAAAAAAAAAAAAAAAAAFAAAADwAAAAAAAAAAAAAAAAAAAkUAAAAAQAAABQAAAAUAAAAFAAAAAEAAAAAAAAAZAAAAGQAAAAAAAAAZAAAAGQAAAAVAAAAYAAAAAAAAAAAAAAADwAAACADAAAAAAAAAAAAAAEAAACgMgAAVgcAAKr4//8BAAAAf39/AAEAAABkAAAAAAAAABQAAABAHwAAAAAAACYAAAAAAAAAwOD//wAAAAAmAAAAZAAAABYAAABMAAAAAAAAAAAAAAAEAAAAAAAAAAEAAADu7OEKAAAAACgAAAAoAAAAZAAAAGQAAAAAAAAAzMzMAAAAAABQAAAAUAAAAGQAAABkAAAAAAAAABcAAAAUAAAAAAAAAAAAAAD/fwAA/38AAAAAAAAJAAAABAAAAIAeAAAMAAAAEAAAAAAAAAAAAAAAAAAAAAAAAAAeAAAAaAAAAAAAAAAAAAAAAAAAAAAAAAAAAAAAECcAABAnAAAAAAAAAAAAAAAAAAAAAAAAAAAAAAAAAAAAAAAAAAAAABQAAAAAAAAAwMD/AAAAAABkAAAAMgAAAAAAAABkAAAAAAAAAH9/fwAKAAAAHwAAAFQAAABPgb0F////AQAAAAAAAAAAAAAAAAAAAAAAAAAAAAAAAAAAAAAAAAAAAAAAAn9/fwDu7OEDzMzMAMDA/wB/f38AAAAAAAAAAAAAAAAAAAAAAAAAAAAhAAAAGAAAABQAAACEEQAAoBQAAH8jAAD5GAAAEAAAACYAAAAIAAAA//////////8="/>
+                <pr:smNativeData xmlns:pr="smNativeData" xmlns:p14="http://schemas.microsoft.com/office/powerpoint/2010/main" xmlns="" val="SMDATA_13_aDXlXhMAAAAlAAAAZAAAAA0AAAAAjgAAAEcAAACOAAAARwAAAAAAAAAAAAAAAAAAAAEAAABQAAAAAAAAAAAA4D8AAAAAAADgPwAAAAAAAOA/AAAAAAAA4D8AAAAAAADgPwAAAAAAAOA/AAAAAAAA4D8AAAAAAADgPwAAAAAAAOA/AAAAAAAA4D8CAAAAjAAAAAAAAAAAAAAAT4G9DP///wgAAAAAAAAAAAAAAAAAAAAAAAAAAAAAAAAAAAAAZAAAAAEAAABAAAAAAAAAAAAAAAAAAAAAAAAAAAAAAAAAAAAAAAAAAAAAAAAAAAAAAAAAAAAAAAAAAAAAAAAAAAAAAAAAAAAAAAAAAAAAAAAAAAAAAAAAAAAAAAAAAAAAFAAAADwAAAAAAAAAAAAAAAAAAAkUAAAAAQAAABQAAAAUAAAAFAAAAAEAAAAAAAAAZAAAAGQAAAAAAAAAZAAAAGQAAAAVAAAAYAAAAAAAAAAAAAAADwAAACADAAAAAAAAAAAAAAEAAACgMgAAVgcAAKr4//8BAAAAf39/AAEAAABkAAAAAAAAABQAAABAHwAAAAAAACYAAAAAAAAAwOD//wAAAAAmAAAAZAAAABYAAABMAAAAAAAAAAAAAAAEAAAAAAAAAAEAAADu7OEKAAAAACgAAAAoAAAAZAAAAGQAAAAAAAAAzMzMAAAAAABQAAAAUAAAAGQAAABkAAAAAAAAABcAAAAUAAAAAAAAAAAAAAD/fwAA/38AAAAAAAAJAAAABAAAAIAeAAAMAAAAEAAAAAAAAAAAAAAAAAAAAAAAAAAeAAAAaAAAAAAAAAAAAAAAAAAAAAAAAAAAAAAAECcAABAnAAAAAAAAAAAAAAAAAAAAAAAAAAAAAAAAAAAAAAAAAAAAABQAAAAAAAAAwMD/AAAAAABkAAAAMgAAAAAAAABkAAAAAAAAAH9/fwAKAAAAHwAAAFQAAABPgb0F////AQAAAAAAAAAAAAAAAAAAAAAAAAAAAAAAAAAAAAAAAAAAAAAAAn9/fwDu7OEDzMzMAMDA/wB/f38AAAAAAAAAAAAAAAAAAAAAAAAAAAAhAAAAGAAAABQAAACEEQAAoBQAAH8jAAD5GAAAEAAAACYAAAAIAAAA//////////8="/>
               </a:ext>
             </a:extLst>
           </p:cNvSpPr>
@@ -6026,7 +6026,7 @@
         </p:nvSpPr>
         <p:spPr>
           <a:xfrm>
-            <a:off x="2847340" y="3352800"/>
+            <a:off x="2958177" y="2493818"/>
             <a:ext cx="2922905" cy="706755"/>
           </a:xfrm>
           <a:prstGeom prst="rect">
@@ -6049,7 +6049,7 @@
               <a:defRPr lang="en-us"/>
             </a:pPr>
             <a:r>
-              <a:rPr lang="en-in" sz="4000">
+              <a:rPr lang="en-in" sz="4000" dirty="0">
                 <a:solidFill>
                   <a:srgbClr val="FF0000"/>
                 </a:solidFill>
@@ -6057,8 +6057,61 @@
                 <a:ea typeface="Trebuchet MS" charset="0"/>
                 <a:cs typeface="DejaVu Sans" pitchFamily="1" charset="0"/>
               </a:rPr>
-              <a:t>Thank You</a:t>
-            </a:r>
+              <a:t>Thank </a:t>
+            </a:r>
+            <a:r>
+              <a:rPr lang="en-in" sz="4000" dirty="0" smtClean="0">
+                <a:solidFill>
+                  <a:srgbClr val="FF0000"/>
+                </a:solidFill>
+                <a:latin typeface="Trebuchet MS" charset="0"/>
+                <a:ea typeface="Trebuchet MS" charset="0"/>
+                <a:cs typeface="DejaVu Sans" pitchFamily="1" charset="0"/>
+              </a:rPr>
+              <a:t>You</a:t>
+            </a:r>
+          </a:p>
+          <a:p>
+            <a:pPr algn="ctr">
+              <a:lnSpc>
+                <a:spcPct val="100000"/>
+              </a:lnSpc>
+              <a:defRPr lang="en-us"/>
+            </a:pPr>
+            <a:endParaRPr lang="en-IN" sz="4000" dirty="0">
+              <a:solidFill>
+                <a:srgbClr val="FF0000"/>
+              </a:solidFill>
+              <a:latin typeface="Trebuchet MS" charset="0"/>
+              <a:ea typeface="Trebuchet MS" charset="0"/>
+            </a:endParaRPr>
+          </a:p>
+          <a:p>
+            <a:pPr algn="ctr">
+              <a:lnSpc>
+                <a:spcPct val="100000"/>
+              </a:lnSpc>
+              <a:defRPr lang="en-us"/>
+            </a:pPr>
+            <a:r>
+              <a:rPr lang="en-IN" sz="4000" dirty="0" smtClean="0">
+                <a:solidFill>
+                  <a:srgbClr val="FF0000"/>
+                </a:solidFill>
+                <a:latin typeface="Trebuchet MS" charset="0"/>
+                <a:ea typeface="Trebuchet MS" charset="0"/>
+                <a:cs typeface="DejaVu Sans" pitchFamily="1" charset="0"/>
+              </a:rPr>
+              <a:t>Any Questions?</a:t>
+            </a:r>
+            <a:endParaRPr lang="en-in" sz="4000" dirty="0">
+              <a:solidFill>
+                <a:srgbClr val="FF0000"/>
+              </a:solidFill>
+              <a:latin typeface="Trebuchet MS" charset="0"/>
+              <a:ea typeface="Trebuchet MS" charset="0"/>
+              <a:cs typeface="DejaVu Sans" pitchFamily="1" charset="0"/>
+            </a:endParaRPr>
           </a:p>
         </p:txBody>
       </p:sp>
@@ -6106,7 +6159,7 @@
           <p:cNvSpPr>
             <a:extLst>
               <a:ext uri="smNativeData">
-                <pr:smNativeData xmlns="" xmlns:p14="http://schemas.microsoft.com/office/powerpoint/2010/main" xmlns:pr="smNativeData" val="SMDATA_13_aDXlXhMAAAAlAAAAZAAAAA0AAAAAkAAAAEgAAACQAAAASAAAAAAAAAAAAAAAAAAAAAEAAABQAAAAAAAAAAAA4D8AAAAAAADgPwAAAAAAAOA/AAAAAAAA4D8AAAAAAADgPwAAAAAAAOA/AAAAAAAA4D8AAAAAAADgPwAAAAAAAOA/AAAAAAAA4D8CAAAAjAAAAAEAAAAAAAAAM8zMAP///wgAAAAAAAAAAAAAAAAAAAAAAAAAAAAAAAAAAAAAeAAAAAEAAABAAAAAAAAAAAAAAABaAAAAAAAAAAAAAAAAAAAAAAAAAAAAAAAAAAAAAAAAAAAAAAAAAAAAAAAAAAAAAAAAAAAAAAAAAAAAAAAAAAAAAAAAAAAAAAAAAAAAFAAAADwAAAAAAAAAAAAAAAAAAAkUAAAAAQAAABQAAAAUAAAAFAAAAAEAAAAAAAAAZAAAAGQAAAAAAAAAZAAAAGQAAAAVAAAAYAAAAAAAAAAAAAAADwAAACADAAAAAAAAAAAAAAEAAACgMgAAVgcAAKr4//8BAAAAf39/AAEAAABkAAAAAAAAABQAAABAHwAAAAAAACYAAAAAAAAAwOD//wAAAAAmAAAAZAAAABYAAABMAAAAAAAAAAAAAAAEAAAAAAAAAAEAAADu7OEKAAAAACgAAAAoAAAAZAAAAGQAAAAAAAAAzMzMAAAAAABQAAAAUAAAAGQAAABkAAAAAAAAABcAAAAUAAAAAAAAAAAAAAD/fwAA/38AAAAAAAAJAAAABAAAAAAAAAAMAAAAEAAAAAAAAAAAAAAAAAAAAAAAAAAeAAAAaAAAAAAAAAAAAAAAAAAAAAAAAAAAAAAAECcAABAnAAAAAAAAAAAAAAAAAAAAAAAAAAAAAAAAAAAAAAAAAAAAABQAAAAAAAAAwMD/AAAAAABkAAAAMgAAAAAAAABkAAAAAAAAAH9/fwAKAAAAHwAAAFQAAAAzzMwA////AQAAAAAAAAAAAAAAAAAAAAAAAAAAAAAAAAAAAAAAAAAAAAAAAn9/fwDu7OEDzMzMAMDA/wB/f38AAAAAAAAAAAAAAAAAAAAAAAAAAAAhAAAAGAAAABQAAABgCQAAugkAAD44AADyCQAAEAAAACYAAAAIAAAA//////////8="/>
+                <pr:smNativeData xmlns:pr="smNativeData" xmlns:p14="http://schemas.microsoft.com/office/powerpoint/2010/main" xmlns="" val="SMDATA_13_aDXlXhMAAAAlAAAAZAAAAA0AAAAAkAAAAEgAAACQAAAASAAAAAAAAAAAAAAAAAAAAAEAAABQAAAAAAAAAAAA4D8AAAAAAADgPwAAAAAAAOA/AAAAAAAA4D8AAAAAAADgPwAAAAAAAOA/AAAAAAAA4D8AAAAAAADgPwAAAAAAAOA/AAAAAAAA4D8CAAAAjAAAAAEAAAAAAAAAM8zMAP///wgAAAAAAAAAAAAAAAAAAAAAAAAAAAAAAAAAAAAAeAAAAAEAAABAAAAAAAAAAAAAAABaAAAAAAAAAAAAAAAAAAAAAAAAAAAAAAAAAAAAAAAAAAAAAAAAAAAAAAAAAAAAAAAAAAAAAAAAAAAAAAAAAAAAAAAAAAAAAAAAAAAAFAAAADwAAAAAAAAAAAAAAAAAAAkUAAAAAQAAABQAAAAUAAAAFAAAAAEAAAAAAAAAZAAAAGQAAAAAAAAAZAAAAGQAAAAVAAAAYAAAAAAAAAAAAAAADwAAACADAAAAAAAAAAAAAAEAAACgMgAAVgcAAKr4//8BAAAAf39/AAEAAABkAAAAAAAAABQAAABAHwAAAAAAACYAAAAAAAAAwOD//wAAAAAmAAAAZAAAABYAAABMAAAAAAAAAAAAAAAEAAAAAAAAAAEAAADu7OEKAAAAACgAAAAoAAAAZAAAAGQAAAAAAAAAzMzMAAAAAABQAAAAUAAAAGQAAABkAAAAAAAAABcAAAAUAAAAAAAAAAAAAAD/fwAA/38AAAAAAAAJAAAABAAAAAAAAAAMAAAAEAAAAAAAAAAAAAAAAAAAAAAAAAAeAAAAaAAAAAAAAAAAAAAAAAAAAAAAAAAAAAAAECcAABAnAAAAAAAAAAAAAAAAAAAAAAAAAAAAAAAAAAAAAAAAAAAAABQAAAAAAAAAwMD/AAAAAABkAAAAMgAAAAAAAABkAAAAAAAAAH9/fwAKAAAAHwAAAFQAAAAzzMwA////AQAAAAAAAAAAAAAAAAAAAAAAAAAAAAAAAAAAAAAAAAAAAAAAAn9/fwDu7OEDzMzMAMDA/wB/f38AAAAAAAAAAAAAAAAAAAAAAAAAAAAhAAAAGAAAABQAAABgCQAAugkAAD44AADyCQAAEAAAACYAAAAIAAAA//////////8="/>
               </a:ext>
             </a:extLst>
           </p:cNvSpPr>
@@ -6135,7 +6188,7 @@
           <p:cNvSpPr>
             <a:extLst>
               <a:ext uri="smNativeData">
-                <pr:smNativeData xmlns="" xmlns:p14="http://schemas.microsoft.com/office/powerpoint/2010/main" xmlns:pr="smNativeData" val="SMDATA_13_aDXlXhMAAAAlAAAAZAAAAA0AAAAAjgAAAEcAAACOAAAARwAAAAAAAAAAAAAAAAAAAAEAAABQAAAAAAAAAAAA4D8AAAAAAADgPwAAAAAAAOA/AAAAAAAA4D8AAAAAAADgPwAAAAAAAOA/AAAAAAAA4D8AAAAAAADgPwAAAAAAAOA/AAAAAAAA4D8CAAAAjAAAAAAAAAAAAAAAT4G9DP///wgAAAAAAAAAAAAAAAAAAAAAAAAAAAAAAAAAAAAAZAAAAAEAAABAAAAAAAAAAAAAAAAAAAAAAAAAAAAAAAAAAAAAAAAAAAAAAAAAAAAAAAAAAAAAAAAAAAAAAAAAAAAAAAAAAAAAAAAAAAAAAAAAAAAAAAAAAAAAAAAAAAAAFAAAADwAAAAAAAAAAAAAAAAAAAkUAAAAAQAAABQAAAAUAAAAFAAAAAEAAAAAAAAAZAAAAGQAAAAAAAAAZAAAAGQAAAAVAAAAYAAAAAAAAAAAAAAADwAAACADAAAAAAAAAAAAAAEAAACgMgAAVgcAAKr4//8BAAAAf39/AAEAAABkAAAAAAAAABQAAABAHwAAAAAAACYAAAAAAAAAwOD//wAAAAAmAAAAZAAAABYAAABMAAAAAAAAAAAAAAAEAAAAAAAAAAEAAADu7OEKAAAAACgAAAAoAAAAZAAAAGQAAAAAAAAAzMzMAAAAAABQAAAAUAAAAGQAAABkAAAAAAAAABcAAAAUAAAAAAAAAAAAAAD/fwAA/38AAAAAAAAJAAAABAAAAAAAAAAMAAAAEAAAAAAAAAAAAAAAAAAAAAAAAAAeAAAAaAAAAAAAAAAAAAAAAAAAAAAAAAAAAAAAECcAABAnAAAAAAAAAAAAAAAAAAAAAAAAAAAAAAAAAAAAAAAAAAAAABQAAAAAAAAAwMD/AAAAAABkAAAAMgAAAAAAAABkAAAAAAAAAH9/fwAKAAAAHwAAAFQAAABPgb0F////AQAAAAAAAAAAAAAAAAAAAAAAAAAAAAAAAAAAAAAAAAAAAAAAAn9/fwDu7OEDzMzMAMDA/wB/f38AAAAAAAAAAAAAAAAAAAAAAAAAAAAhAAAAGAAAABQAAABoEAAACAcAAD44AADdCQAAEAAAACYAAAAIAAAA//////////8="/>
+                <pr:smNativeData xmlns:pr="smNativeData" xmlns:p14="http://schemas.microsoft.com/office/powerpoint/2010/main" xmlns="" val="SMDATA_13_aDXlXhMAAAAlAAAAZAAAAA0AAAAAjgAAAEcAAACOAAAARwAAAAAAAAAAAAAAAAAAAAEAAABQAAAAAAAAAAAA4D8AAAAAAADgPwAAAAAAAOA/AAAAAAAA4D8AAAAAAADgPwAAAAAAAOA/AAAAAAAA4D8AAAAAAADgPwAAAAAAAOA/AAAAAAAA4D8CAAAAjAAAAAAAAAAAAAAAT4G9DP///wgAAAAAAAAAAAAAAAAAAAAAAAAAAAAAAAAAAAAAZAAAAAEAAABAAAAAAAAAAAAAAAAAAAAAAAAAAAAAAAAAAAAAAAAAAAAAAAAAAAAAAAAAAAAAAAAAAAAAAAAAAAAAAAAAAAAAAAAAAAAAAAAAAAAAAAAAAAAAAAAAAAAAFAAAADwAAAAAAAAAAAAAAAAAAAkUAAAAAQAAABQAAAAUAAAAFAAAAAEAAAAAAAAAZAAAAGQAAAAAAAAAZAAAAGQAAAAVAAAAYAAAAAAAAAAAAAAADwAAACADAAAAAAAAAAAAAAEAAACgMgAAVgcAAKr4//8BAAAAf39/AAEAAABkAAAAAAAAABQAAABAHwAAAAAAACYAAAAAAAAAwOD//wAAAAAmAAAAZAAAABYAAABMAAAAAAAAAAAAAAAEAAAAAAAAAAEAAADu7OEKAAAAACgAAAAoAAAAZAAAAGQAAAAAAAAAzMzMAAAAAABQAAAAUAAAAGQAAABkAAAAAAAAABcAAAAUAAAAAAAAAAAAAAD/fwAA/38AAAAAAAAJAAAABAAAAAAAAAAMAAAAEAAAAAAAAAAAAAAAAAAAAAAAAAAeAAAAaAAAAAAAAAAAAAAAAAAAAAAAAAAAAAAAECcAABAnAAAAAAAAAAAAAAAAAAAAAAAAAAAAAAAAAAAAAAAAAAAAABQAAAAAAAAAwMD/AAAAAABkAAAAMgAAAAAAAABkAAAAAAAAAH9/fwAKAAAAHwAAAFQAAABPgb0F////AQAAAAAAAAAAAAAAAAAAAAAAAAAAAAAAAAAAAAAAAAAAAAAAAn9/fwDu7OEDzMzMAMDA/wB/f38AAAAAAAAAAAAAAAAAAAAAAAAAAAAhAAAAGAAAABQAAABoEAAACAcAAD44AADdCQAAEAAAACYAAAAIAAAA//////////8="/>
               </a:ext>
             </a:extLst>
           </p:cNvSpPr>
@@ -6185,7 +6238,7 @@
           <p:cNvSpPr>
             <a:extLst>
               <a:ext uri="smNativeData">
-                <pr:smNativeData xmlns="" xmlns:p14="http://schemas.microsoft.com/office/powerpoint/2010/main" xmlns:pr="smNativeData" val="SMDATA_13_aDXlXhMAAAAlAAAAZAAAAA0AAAAAjgAAAEcAAACOAAAARwAAAAAAAAABAAAAAAAAAAEAAABQAAAAAAAAAAAA4D8AAAAAAADgPwAAAAAAAOA/AAAAAAAA4D8AAAAAAADgPwAAAAAAAOA/AAAAAAAA4D8AAAAAAADgPwAAAAAAAOA/AAAAAAAA4D8CAAAAjAAAAAAAAAAAAAAAT4G9DP///wgAAAAAAAAAAAAAAAAAAAAAAAAAAAAAAAAAAAAAZAAAAAEAAABAAAAAAAAAAAAAAAAAAAAAAAAAAAAAAAAAAAAAAAAAAAAAAAAAAAAAAAAAAAAAAAAAAAAAAAAAAAAAAAAAAAAAAAAAAAAAAAAAAAAAAAAAAAAAAAAAAAAAFAAAADwAAAAAAAAAAAAAAAAAAAkUAAAAAQAAABQAAAAUAAAAFAAAAAEAAAAAAAAAZAAAAGQAAAAAAAAAZAAAAGQAAAAVAAAAYAAAAAAAAAAAAAAADwAAACADAAAAAAAAAAAAAAEAAACgMgAAVgcAAKr4//8BAAAAf39/AAEAAABkAAAAAAAAABQAAABAHwAAAAAAACYAAAAAAAAAwOD//wAAAAAmAAAAZAAAABYAAABMAAAAAAAAAAAAAAAEAAAAAAAAAAEAAADu7OEKAAAAACgAAAAoAAAAZAAAAGQAAAAAAAAAzMzMAAAAAABQAAAAUAAAAGQAAABkAAAAAAAAABcAAAAUAAAAAAAAAAAAAAD/fwAA/38AAAAAAAAJAAAABAAAAAAAAAAMAAAAEAAAAAAAAAAAAAAAAAAAAAAAAAAeAAAAaAAAAAAAAAAAAAAAAAAAAAAAAAAAAAAAECcAABAnAAAAAAAAAAAAAAAAAAAAAAAAAAAAAAAAAAAAAAAAAAAAABQAAAAAAAAAwMD/AAAAAABkAAAAMgAAAAAAAABkAAAAAAAAAH9/fwAKAAAAHwAAAFQAAABPgb0F////AQAAAAAAAAAAAAAAAAAAAAAAAAAAAAAAAAAAAAAAAAAAAAAAAn9/fwDu7OEDzMzMAMDA/wB/f38AAAAAAAAAAAAAAAAAAAAAAAAAAAAhAAAAGAAAABQAAAAAAAAA9AkAAFwtAAACJwAAEAAAACYAAAAIAAAA//////////8="/>
+                <pr:smNativeData xmlns:pr="smNativeData" xmlns:p14="http://schemas.microsoft.com/office/powerpoint/2010/main" xmlns="" val="SMDATA_13_aDXlXhMAAAAlAAAAZAAAAA0AAAAAjgAAAEcAAACOAAAARwAAAAAAAAABAAAAAAAAAAEAAABQAAAAAAAAAAAA4D8AAAAAAADgPwAAAAAAAOA/AAAAAAAA4D8AAAAAAADgPwAAAAAAAOA/AAAAAAAA4D8AAAAAAADgPwAAAAAAAOA/AAAAAAAA4D8CAAAAjAAAAAAAAAAAAAAAT4G9DP///wgAAAAAAAAAAAAAAAAAAAAAAAAAAAAAAAAAAAAAZAAAAAEAAABAAAAAAAAAAAAAAAAAAAAAAAAAAAAAAAAAAAAAAAAAAAAAAAAAAAAAAAAAAAAAAAAAAAAAAAAAAAAAAAAAAAAAAAAAAAAAAAAAAAAAAAAAAAAAAAAAAAAAFAAAADwAAAAAAAAAAAAAAAAAAAkUAAAAAQAAABQAAAAUAAAAFAAAAAEAAAAAAAAAZAAAAGQAAAAAAAAAZAAAAGQAAAAVAAAAYAAAAAAAAAAAAAAADwAAACADAAAAAAAAAAAAAAEAAACgMgAAVgcAAKr4//8BAAAAf39/AAEAAABkAAAAAAAAABQAAABAHwAAAAAAACYAAAAAAAAAwOD//wAAAAAmAAAAZAAAABYAAABMAAAAAAAAAAAAAAAEAAAAAAAAAAEAAADu7OEKAAAAACgAAAAoAAAAZAAAAGQAAAAAAAAAzMzMAAAAAABQAAAAUAAAAGQAAABkAAAAAAAAABcAAAAUAAAAAAAAAAAAAAD/fwAA/38AAAAAAAAJAAAABAAAAAAAAAAMAAAAEAAAAAAAAAAAAAAAAAAAAAAAAAAeAAAAaAAAAAAAAAAAAAAAAAAAAAAAAAAAAAAAECcAABAnAAAAAAAAAAAAAAAAAAAAAAAAAAAAAAAAAAAAAAAAAAAAABQAAAAAAAAAwMD/AAAAAABkAAAAMgAAAAAAAABkAAAAAAAAAH9/fwAKAAAAHwAAAFQAAABPgb0F////AQAAAAAAAAAAAAAAAAAAAAAAAAAAAAAAAAAAAAAAAAAAAAAAAn9/fwDu7OEDzMzMAMDA/wB/f38AAAAAAAAAAAAAAAAAAAAAAAAAAAAhAAAAGAAAABQAAAAAAAAA9AkAAFwtAAACJwAAEAAAACYAAAAIAAAA//////////8="/>
               </a:ext>
             </a:extLst>
           </p:cNvSpPr>
@@ -6328,7 +6381,7 @@
           <p:cNvSpPr>
             <a:extLst>
               <a:ext uri="smNativeData">
-                <pr:smNativeData xmlns="" xmlns:p14="http://schemas.microsoft.com/office/powerpoint/2010/main" xmlns:pr="smNativeData" val="SMDATA_13_aDXlXhMAAAAlAAAAZAAAAA0AAAAAkAAAAEgAAACQAAAASAAAAAAAAAAAAAAAAAAAAAEAAABQAAAAAAAAAAAA4D8AAAAAAADgPwAAAAAAAOA/AAAAAAAA4D8AAAAAAADgPwAAAAAAAOA/AAAAAAAA4D8AAAAAAADgPwAAAAAAAOA/AAAAAAAA4D8CAAAAjAAAAAEAAAAAAAAAM8zMAP///wgAAAAAAAAAAAAAAAAAAAAAAAAAAAAAAAAAAAAAeAAAAAEAAABAAAAAAAAAAAAAAABaAAAAAAAAAAAAAAAAAAAAAAAAAAAAAAAAAAAAAAAAAAAAAAAAAAAAAAAAAAAAAAAAAAAAAAAAAAAAAAAAAAAAAAAAAAAAAAAAAAAAFAAAADwAAAAAAAAAAAAAAAAAAAkUAAAAAQAAABQAAAAUAAAAFAAAAAEAAAAAAAAAZAAAAGQAAAAAAAAAZAAAAGQAAAAVAAAAYAAAAAAAAAAAAAAADwAAACADAAAAAAAAAAAAAAEAAACgMgAAVgcAAKr4//8BAAAAf39/AAEAAABkAAAAAAAAABQAAABAHwAAAAAAACYAAAAAAAAAwOD//wAAAAAmAAAAZAAAABYAAABMAAAAAAAAAAAAAAAEAAAAAAAAAAEAAADu7OEKAAAAACgAAAAoAAAAZAAAAGQAAAAAAAAAzMzMAAAAAABQAAAAUAAAAGQAAABkAAAAAAAAABcAAAAUAAAAAAAAAAAAAAD/fwAA/38AAAAAAAAJAAAABAAAAAAAAAAMAAAAEAAAAAAAAAAAAAAAAAAAAAAAAAAeAAAAaAAAAAAAAAAAAAAAAAAAAAAAAAAAAAAAECcAABAnAAAAAAAAAAAAAAAAAAAAAAAAAAAAAAAAAAAAAAAAAAAAABQAAAAAAAAAwMD/AAAAAABkAAAAMgAAAAAAAABkAAAAAAAAAH9/fwAKAAAAHwAAAFQAAAAzzMwA////AQAAAAAAAAAAAAAAAAAAAAAAAAAAAAAAAAAAAAAAAAAAAAAAAn9/fwDu7OEDzMzMAMDA/wB/f38AAAAAAAAAAAAAAAAAAAAAAAAAAAAhAAAAGAAAABQAAABgCQAAugkAAD44AADyCQAAEAAAACYAAAAIAAAA//////////8="/>
+                <pr:smNativeData xmlns:pr="smNativeData" xmlns:p14="http://schemas.microsoft.com/office/powerpoint/2010/main" xmlns="" val="SMDATA_13_aDXlXhMAAAAlAAAAZAAAAA0AAAAAkAAAAEgAAACQAAAASAAAAAAAAAAAAAAAAAAAAAEAAABQAAAAAAAAAAAA4D8AAAAAAADgPwAAAAAAAOA/AAAAAAAA4D8AAAAAAADgPwAAAAAAAOA/AAAAAAAA4D8AAAAAAADgPwAAAAAAAOA/AAAAAAAA4D8CAAAAjAAAAAEAAAAAAAAAM8zMAP///wgAAAAAAAAAAAAAAAAAAAAAAAAAAAAAAAAAAAAAeAAAAAEAAABAAAAAAAAAAAAAAABaAAAAAAAAAAAAAAAAAAAAAAAAAAAAAAAAAAAAAAAAAAAAAAAAAAAAAAAAAAAAAAAAAAAAAAAAAAAAAAAAAAAAAAAAAAAAAAAAAAAAFAAAADwAAAAAAAAAAAAAAAAAAAkUAAAAAQAAABQAAAAUAAAAFAAAAAEAAAAAAAAAZAAAAGQAAAAAAAAAZAAAAGQAAAAVAAAAYAAAAAAAAAAAAAAADwAAACADAAAAAAAAAAAAAAEAAACgMgAAVgcAAKr4//8BAAAAf39/AAEAAABkAAAAAAAAABQAAABAHwAAAAAAACYAAAAAAAAAwOD//wAAAAAmAAAAZAAAABYAAABMAAAAAAAAAAAAAAAEAAAAAAAAAAEAAADu7OEKAAAAACgAAAAoAAAAZAAAAGQAAAAAAAAAzMzMAAAAAABQAAAAUAAAAGQAAABkAAAAAAAAABcAAAAUAAAAAAAAAAAAAAD/fwAA/38AAAAAAAAJAAAABAAAAAAAAAAMAAAAEAAAAAAAAAAAAAAAAAAAAAAAAAAeAAAAaAAAAAAAAAAAAAAAAAAAAAAAAAAAAAAAECcAABAnAAAAAAAAAAAAAAAAAAAAAAAAAAAAAAAAAAAAAAAAAAAAABQAAAAAAAAAwMD/AAAAAABkAAAAMgAAAAAAAABkAAAAAAAAAH9/fwAKAAAAHwAAAFQAAAAzzMwA////AQAAAAAAAAAAAAAAAAAAAAAAAAAAAAAAAAAAAAAAAAAAAAAAAn9/fwDu7OEDzMzMAMDA/wB/f38AAAAAAAAAAAAAAAAAAAAAAAAAAAAhAAAAGAAAABQAAABgCQAAugkAAD44AADyCQAAEAAAACYAAAAIAAAA//////////8="/>
               </a:ext>
             </a:extLst>
           </p:cNvSpPr>
@@ -6357,7 +6410,7 @@
           <p:cNvSpPr>
             <a:extLst>
               <a:ext uri="smNativeData">
-                <pr:smNativeData xmlns="" xmlns:p14="http://schemas.microsoft.com/office/powerpoint/2010/main" xmlns:pr="smNativeData" val="SMDATA_13_aDXlXhMAAAAlAAAAZAAAAA0AAAAAjgAAAEcAAACOAAAARwAAAAAAAAAAAAAAAAAAAAEAAABQAAAAAAAAAAAA4D8AAAAAAADgPwAAAAAAAOA/AAAAAAAA4D8AAAAAAADgPwAAAAAAAOA/AAAAAAAA4D8AAAAAAADgPwAAAAAAAOA/AAAAAAAA4D8CAAAAjAAAAAAAAAAAAAAAT4G9DP///wgAAAAAAAAAAAAAAAAAAAAAAAAAAAAAAAAAAAAAZAAAAAEAAABAAAAAAAAAAAAAAAAAAAAAAAAAAAAAAAAAAAAAAAAAAAAAAAAAAAAAAAAAAAAAAAAAAAAAAAAAAAAAAAAAAAAAAAAAAAAAAAAAAAAAAAAAAAAAAAAAAAAAFAAAADwAAAAAAAAAAAAAAAAAAAkUAAAAAQAAABQAAAAUAAAAFAAAAAEAAAAAAAAAZAAAAGQAAAAAAAAAZAAAAGQAAAAVAAAAYAAAAAAAAAAAAAAADwAAACADAAAAAAAAAAAAAAEAAACgMgAAVgcAAKr4//8BAAAAf39/AAEAAABkAAAAAAAAABQAAABAHwAAAAAAACYAAAAAAAAAwOD//wAAAAAmAAAAZAAAABYAAABMAAAAAAAAAAAAAAAEAAAAAAAAAAEAAADu7OEKAAAAACgAAAAoAAAAZAAAAGQAAAAAAAAAzMzMAAAAAABQAAAAUAAAAGQAAABkAAAAAAAAABcAAAAUAAAAAAAAAAAAAAD/fwAA/38AAAAAAAAJAAAABAAAAAAAAAAMAAAAEAAAAAAAAAAAAAAAAAAAAAAAAAAeAAAAaAAAAAAAAAAAAAAAAAAAAAAAAAAAAAAAECcAABAnAAAAAAAAAAAAAAAAAAAAAAAAAAAAAAAAAAAAAAAAAAAAABQAAAAAAAAAwMD/AAAAAABkAAAAMgAAAAAAAABkAAAAAAAAAH9/fwAKAAAAHwAAAFQAAABPgb0F////AQAAAAAAAAAAAAAAAAAAAAAAAAAAAAAAAAAAAAAAAAAAAAAAAn9/fwDu7OEDzMzMAMDA/wB/f38AAAAAAAAAAAAAAAAAAAAAAAAAAAAhAAAAGAAAABQAAABoEAAACAcAAD44AADdCQAAEAAAACYAAAAIAAAA//////////8="/>
+                <pr:smNativeData xmlns:pr="smNativeData" xmlns:p14="http://schemas.microsoft.com/office/powerpoint/2010/main" xmlns="" val="SMDATA_13_aDXlXhMAAAAlAAAAZAAAAA0AAAAAjgAAAEcAAACOAAAARwAAAAAAAAAAAAAAAAAAAAEAAABQAAAAAAAAAAAA4D8AAAAAAADgPwAAAAAAAOA/AAAAAAAA4D8AAAAAAADgPwAAAAAAAOA/AAAAAAAA4D8AAAAAAADgPwAAAAAAAOA/AAAAAAAA4D8CAAAAjAAAAAAAAAAAAAAAT4G9DP///wgAAAAAAAAAAAAAAAAAAAAAAAAAAAAAAAAAAAAAZAAAAAEAAABAAAAAAAAAAAAAAAAAAAAAAAAAAAAAAAAAAAAAAAAAAAAAAAAAAAAAAAAAAAAAAAAAAAAAAAAAAAAAAAAAAAAAAAAAAAAAAAAAAAAAAAAAAAAAAAAAAAAAFAAAADwAAAAAAAAAAAAAAAAAAAkUAAAAAQAAABQAAAAUAAAAFAAAAAEAAAAAAAAAZAAAAGQAAAAAAAAAZAAAAGQAAAAVAAAAYAAAAAAAAAAAAAAADwAAACADAAAAAAAAAAAAAAEAAACgMgAAVgcAAKr4//8BAAAAf39/AAEAAABkAAAAAAAAABQAAABAHwAAAAAAACYAAAAAAAAAwOD//wAAAAAmAAAAZAAAABYAAABMAAAAAAAAAAAAAAAEAAAAAAAAAAEAAADu7OEKAAAAACgAAAAoAAAAZAAAAGQAAAAAAAAAzMzMAAAAAABQAAAAUAAAAGQAAABkAAAAAAAAABcAAAAUAAAAAAAAAAAAAAD/fwAA/38AAAAAAAAJAAAABAAAAAAAAAAMAAAAEAAAAAAAAAAAAAAAAAAAAAAAAAAeAAAAaAAAAAAAAAAAAAAAAAAAAAAAAAAAAAAAECcAABAnAAAAAAAAAAAAAAAAAAAAAAAAAAAAAAAAAAAAAAAAAAAAABQAAAAAAAAAwMD/AAAAAABkAAAAMgAAAAAAAABkAAAAAAAAAH9/fwAKAAAAHwAAAFQAAABPgb0F////AQAAAAAAAAAAAAAAAAAAAAAAAAAAAAAAAAAAAAAAAAAAAAAAAn9/fwDu7OEDzMzMAMDA/wB/f38AAAAAAAAAAAAAAAAAAAAAAAAAAAAhAAAAGAAAABQAAABoEAAACAcAAD44AADdCQAAEAAAACYAAAAIAAAA//////////8="/>
               </a:ext>
             </a:extLst>
           </p:cNvSpPr>
@@ -6407,7 +6460,7 @@
           <p:cNvSpPr>
             <a:extLst>
               <a:ext uri="smNativeData">
-                <pr:smNativeData xmlns="" xmlns:p14="http://schemas.microsoft.com/office/powerpoint/2010/main" xmlns:pr="smNativeData" val="SMDATA_13_aDXlXhMAAAAlAAAAZAAAAA0AAAAAjgAAAEcAAACOAAAARwAAAAAAAAABAAAAAAAAAAEAAABQAAAAAAAAAAAA4D8AAAAAAADgPwAAAAAAAOA/AAAAAAAA4D8AAAAAAADgPwAAAAAAAOA/AAAAAAAA4D8AAAAAAADgPwAAAAAAAOA/AAAAAAAA4D8CAAAAjAAAAAAAAAAAAAAAT4G9DP///wgAAAAAAAAAAAAAAAAAAAAAAAAAAAAAAAAAAAAAZAAAAAEAAABAAAAAAAAAAAAAAAAAAAAAAAAAAAAAAAAAAAAAAAAAAAAAAAAAAAAAAAAAAAAAAAAAAAAAAAAAAAAAAAAAAAAAAAAAAAAAAAAAAAAAAAAAAAAAAAAAAAAAFAAAADwAAAAAAAAAAAAAAAAAAAkUAAAAAQAAABQAAAAUAAAAFAAAAAEAAAAAAAAAZAAAAGQAAAAAAAAAZAAAAGQAAAAVAAAAYAAAAAAAAAAAAAAADwAAACADAAAAAAAAAAAAAAEAAACgMgAAVgcAAKr4//8BAAAAf39/AAEAAABkAAAAAAAAABQAAABAHwAAAAAAACYAAAAAAAAAwOD//wAAAAAmAAAAZAAAABYAAABMAAAAAAAAAAAAAAAEAAAAAAAAAAEAAADu7OEKAAAAACgAAAAoAAAAZAAAAGQAAAAAAAAAzMzMAAAAAABQAAAAUAAAAGQAAABkAAAAAAAAABcAAAAUAAAAAAAAAAAAAAD/fwAA/38AAAAAAAAJAAAABAAAAAAAAAAMAAAAEAAAAAAAAAAAAAAAAAAAAAAAAAAeAAAAaAAAAAAAAAAAAAAAAAAAAAAAAAAAAAAAECcAABAnAAAAAAAAAAAAAAAAAAAAAAAAAAAAAAAAAAAAAAAAAAAAABQAAAAAAAAAwMD/AAAAAABkAAAAMgAAAAAAAABkAAAAAAAAAH9/fwAKAAAAHwAAAFQAAABPgb0F////AQAAAAAAAAAAAAAAAAAAAAAAAAAAAAAAAAAAAAAAAAAAAAAAAn9/fwDu7OEDzMzMAMDA/wB/f38AAAAAAAAAAAAAAAAAAAAAAAAAAAAhAAAAGAAAABQAAAAAAAAA9AkAAFwtAAACJwAAEAAAACYAAAAIAAAA//////////8="/>
+                <pr:smNativeData xmlns:pr="smNativeData" xmlns:p14="http://schemas.microsoft.com/office/powerpoint/2010/main" xmlns="" val="SMDATA_13_aDXlXhMAAAAlAAAAZAAAAA0AAAAAjgAAAEcAAACOAAAARwAAAAAAAAABAAAAAAAAAAEAAABQAAAAAAAAAAAA4D8AAAAAAADgPwAAAAAAAOA/AAAAAAAA4D8AAAAAAADgPwAAAAAAAOA/AAAAAAAA4D8AAAAAAADgPwAAAAAAAOA/AAAAAAAA4D8CAAAAjAAAAAAAAAAAAAAAT4G9DP///wgAAAAAAAAAAAAAAAAAAAAAAAAAAAAAAAAAAAAAZAAAAAEAAABAAAAAAAAAAAAAAAAAAAAAAAAAAAAAAAAAAAAAAAAAAAAAAAAAAAAAAAAAAAAAAAAAAAAAAAAAAAAAAAAAAAAAAAAAAAAAAAAAAAAAAAAAAAAAAAAAAAAAFAAAADwAAAAAAAAAAAAAAAAAAAkUAAAAAQAAABQAAAAUAAAAFAAAAAEAAAAAAAAAZAAAAGQAAAAAAAAAZAAAAGQAAAAVAAAAYAAAAAAAAAAAAAAADwAAACADAAAAAAAAAAAAAAEAAACgMgAAVgcAAKr4//8BAAAAf39/AAEAAABkAAAAAAAAABQAAABAHwAAAAAAACYAAAAAAAAAwOD//wAAAAAmAAAAZAAAABYAAABMAAAAAAAAAAAAAAAEAAAAAAAAAAEAAADu7OEKAAAAACgAAAAoAAAAZAAAAGQAAAAAAAAAzMzMAAAAAABQAAAAUAAAAGQAAABkAAAAAAAAABcAAAAUAAAAAAAAAAAAAAD/fwAA/38AAAAAAAAJAAAABAAAAAAAAAAMAAAAEAAAAAAAAAAAAAAAAAAAAAAAAAAeAAAAaAAAAAAAAAAAAAAAAAAAAAAAAAAAAAAAECcAABAnAAAAAAAAAAAAAAAAAAAAAAAAAAAAAAAAAAAAAAAAAAAAABQAAAAAAAAAwMD/AAAAAABkAAAAMgAAAAAAAABkAAAAAAAAAH9/fwAKAAAAHwAAAFQAAABPgb0F////AQAAAAAAAAAAAAAAAAAAAAAAAAAAAAAAAAAAAAAAAAAAAAAAAn9/fwDu7OEDzMzMAMDA/wB/f38AAAAAAAAAAAAAAAAAAAAAAAAAAAAhAAAAGAAAABQAAAAAAAAA9AkAAFwtAAACJwAAEAAAACYAAAAIAAAA//////////8="/>
               </a:ext>
             </a:extLst>
           </p:cNvSpPr>
@@ -6620,7 +6673,7 @@
           <p:cNvSpPr>
             <a:extLst>
               <a:ext uri="smNativeData">
-                <pr:smNativeData xmlns="" xmlns:p14="http://schemas.microsoft.com/office/powerpoint/2010/main" xmlns:pr="smNativeData" val="SMDATA_13_aDXlXhMAAAAlAAAAZAAAAA0AAAAAkAAAAEgAAACQAAAASAAAAAAAAAAAAAAAAAAAAAEAAABQAAAAAAAAAAAA4D8AAAAAAADgPwAAAAAAAOA/AAAAAAAA4D8AAAAAAADgPwAAAAAAAOA/AAAAAAAA4D8AAAAAAADgPwAAAAAAAOA/AAAAAAAA4D8CAAAAjAAAAAEAAAAAAAAAM8zMAP///wgAAAAAAAAAAAAAAAAAAAAAAAAAAAAAAAAAAAAAeAAAAAEAAABAAAAAAAAAAAAAAABaAAAAAAAAAAAAAAAAAAAAAAAAAAAAAAAAAAAAAAAAAAAAAAAAAAAAAAAAAAAAAAAAAAAAAAAAAAAAAAAAAAAAAAAAAAAAAAAAAAAAFAAAADwAAAAAAAAAAAAAAAAAAAkUAAAAAQAAABQAAAAUAAAAFAAAAAEAAAAAAAAAZAAAAGQAAAAAAAAAZAAAAGQAAAAVAAAAYAAAAAAAAAAAAAAADwAAACADAAAAAAAAAAAAAAEAAACgMgAAVgcAAKr4//8BAAAAf39/AAEAAABkAAAAAAAAABQAAABAHwAAAAAAACYAAAAAAAAAwOD//wAAAAAmAAAAZAAAABYAAABMAAAAAAAAAAAAAAAEAAAAAAAAAAEAAADu7OEKAAAAACgAAAAoAAAAZAAAAGQAAAAAAAAAzMzMAAAAAABQAAAAUAAAAGQAAABkAAAAAAAAABcAAAAUAAAAAAAAAAAAAAD/fwAA/38AAAAAAAAJAAAABAAAAAAAAAAMAAAAEAAAAAAAAAAAAAAAAAAAAAAAAAAeAAAAaAAAAAAAAAAAAAAAAAAAAAAAAAAAAAAAECcAABAnAAAAAAAAAAAAAAAAAAAAAAAAAAAAAAAAAAAAAAAAAAAAABQAAAAAAAAAwMD/AAAAAABkAAAAMgAAAAAAAABkAAAAAAAAAH9/fwAKAAAAHwAAAFQAAAAzzMwA////AQAAAAAAAAAAAAAAAAAAAAAAAAAAAAAAAAAAAAAAAAAAAAAAAn9/fwDu7OEDzMzMAMDA/wB/f38AAAAAAAAAAAAAAAAAAAAAAAAAAAAhAAAAGAAAABQAAABgCQAAugkAAD44AADyCQAAEAAAACYAAAAIAAAA//////////8="/>
+                <pr:smNativeData xmlns:pr="smNativeData" xmlns:p14="http://schemas.microsoft.com/office/powerpoint/2010/main" xmlns="" val="SMDATA_13_aDXlXhMAAAAlAAAAZAAAAA0AAAAAkAAAAEgAAACQAAAASAAAAAAAAAAAAAAAAAAAAAEAAABQAAAAAAAAAAAA4D8AAAAAAADgPwAAAAAAAOA/AAAAAAAA4D8AAAAAAADgPwAAAAAAAOA/AAAAAAAA4D8AAAAAAADgPwAAAAAAAOA/AAAAAAAA4D8CAAAAjAAAAAEAAAAAAAAAM8zMAP///wgAAAAAAAAAAAAAAAAAAAAAAAAAAAAAAAAAAAAAeAAAAAEAAABAAAAAAAAAAAAAAABaAAAAAAAAAAAAAAAAAAAAAAAAAAAAAAAAAAAAAAAAAAAAAAAAAAAAAAAAAAAAAAAAAAAAAAAAAAAAAAAAAAAAAAAAAAAAAAAAAAAAFAAAADwAAAAAAAAAAAAAAAAAAAkUAAAAAQAAABQAAAAUAAAAFAAAAAEAAAAAAAAAZAAAAGQAAAAAAAAAZAAAAGQAAAAVAAAAYAAAAAAAAAAAAAAADwAAACADAAAAAAAAAAAAAAEAAACgMgAAVgcAAKr4//8BAAAAf39/AAEAAABkAAAAAAAAABQAAABAHwAAAAAAACYAAAAAAAAAwOD//wAAAAAmAAAAZAAAABYAAABMAAAAAAAAAAAAAAAEAAAAAAAAAAEAAADu7OEKAAAAACgAAAAoAAAAZAAAAGQAAAAAAAAAzMzMAAAAAABQAAAAUAAAAGQAAABkAAAAAAAAABcAAAAUAAAAAAAAAAAAAAD/fwAA/38AAAAAAAAJAAAABAAAAAAAAAAMAAAAEAAAAAAAAAAAAAAAAAAAAAAAAAAeAAAAaAAAAAAAAAAAAAAAAAAAAAAAAAAAAAAAECcAABAnAAAAAAAAAAAAAAAAAAAAAAAAAAAAAAAAAAAAAAAAAAAAABQAAAAAAAAAwMD/AAAAAABkAAAAMgAAAAAAAABkAAAAAAAAAH9/fwAKAAAAHwAAAFQAAAAzzMwA////AQAAAAAAAAAAAAAAAAAAAAAAAAAAAAAAAAAAAAAAAAAAAAAAAn9/fwDu7OEDzMzMAMDA/wB/f38AAAAAAAAAAAAAAAAAAAAAAAAAAAAhAAAAGAAAABQAAABgCQAAugkAAD44AADyCQAAEAAAACYAAAAIAAAA//////////8="/>
               </a:ext>
             </a:extLst>
           </p:cNvSpPr>
@@ -6649,7 +6702,7 @@
           <p:cNvSpPr>
             <a:extLst>
               <a:ext uri="smNativeData">
-                <pr:smNativeData xmlns="" xmlns:p14="http://schemas.microsoft.com/office/powerpoint/2010/main" xmlns:pr="smNativeData" val="SMDATA_13_aDXlXhMAAAAlAAAAZAAAAA0AAAAAjgAAAEcAAACOAAAARwAAAAAAAAAAAAAAAAAAAAEAAABQAAAAAAAAAAAA4D8AAAAAAADgPwAAAAAAAOA/AAAAAAAA4D8AAAAAAADgPwAAAAAAAOA/AAAAAAAA4D8AAAAAAADgPwAAAAAAAOA/AAAAAAAA4D8CAAAAjAAAAAAAAAAAAAAAT4G9DP///wgAAAAAAAAAAAAAAAAAAAAAAAAAAAAAAAAAAAAAZAAAAAEAAABAAAAAAAAAAAAAAAAAAAAAAAAAAAAAAAAAAAAAAAAAAAAAAAAAAAAAAAAAAAAAAAAAAAAAAAAAAAAAAAAAAAAAAAAAAAAAAAAAAAAAAAAAAAAAAAAAAAAAFAAAADwAAAAAAAAAAAAAAAAAAAkUAAAAAQAAABQAAAAUAAAAFAAAAAEAAAAAAAAAZAAAAGQAAAAAAAAAZAAAAGQAAAAVAAAAYAAAAAAAAAAAAAAADwAAACADAAAAAAAAAAAAAAEAAACgMgAAVgcAAKr4//8BAAAAf39/AAEAAABkAAAAAAAAABQAAABAHwAAAAAAACYAAAAAAAAAwOD//wAAAAAmAAAAZAAAABYAAABMAAAAAAAAAAAAAAAEAAAAAAAAAAEAAADu7OEKAAAAACgAAAAoAAAAZAAAAGQAAAAAAAAAzMzMAAAAAABQAAAAUAAAAGQAAABkAAAAAAAAABcAAAAUAAAAAAAAAAAAAAD/fwAA/38AAAAAAAAJAAAABAAAAAAAAAAMAAAAEAAAAAAAAAAAAAAAAAAAAAAAAAAeAAAAaAAAAAAAAAAAAAAAAAAAAAAAAAAAAAAAECcAABAnAAAAAAAAAAAAAAAAAAAAAAAAAAAAAAAAAAAAAAAAAAAAABQAAAAAAAAAwMD/AAAAAABkAAAAMgAAAAAAAABkAAAAAAAAAH9/fwAKAAAAHwAAAFQAAABPgb0F////AQAAAAAAAAAAAAAAAAAAAAAAAAAAAAAAAAAAAAAAAAAAAAAAAn9/fwDu7OEDzMzMAMDA/wB/f38AAAAAAAAAAAAAAAAAAAAAAAAAAAAhAAAAGAAAABQAAABJBwAACAcAAD44AADeCQAAEAAAACYAAAAIAAAA//////////8="/>
+                <pr:smNativeData xmlns:pr="smNativeData" xmlns:p14="http://schemas.microsoft.com/office/powerpoint/2010/main" xmlns="" val="SMDATA_13_aDXlXhMAAAAlAAAAZAAAAA0AAAAAjgAAAEcAAACOAAAARwAAAAAAAAAAAAAAAAAAAAEAAABQAAAAAAAAAAAA4D8AAAAAAADgPwAAAAAAAOA/AAAAAAAA4D8AAAAAAADgPwAAAAAAAOA/AAAAAAAA4D8AAAAAAADgPwAAAAAAAOA/AAAAAAAA4D8CAAAAjAAAAAAAAAAAAAAAT4G9DP///wgAAAAAAAAAAAAAAAAAAAAAAAAAAAAAAAAAAAAAZAAAAAEAAABAAAAAAAAAAAAAAAAAAAAAAAAAAAAAAAAAAAAAAAAAAAAAAAAAAAAAAAAAAAAAAAAAAAAAAAAAAAAAAAAAAAAAAAAAAAAAAAAAAAAAAAAAAAAAAAAAAAAAFAAAADwAAAAAAAAAAAAAAAAAAAkUAAAAAQAAABQAAAAUAAAAFAAAAAEAAAAAAAAAZAAAAGQAAAAAAAAAZAAAAGQAAAAVAAAAYAAAAAAAAAAAAAAADwAAACADAAAAAAAAAAAAAAEAAACgMgAAVgcAAKr4//8BAAAAf39/AAEAAABkAAAAAAAAABQAAABAHwAAAAAAACYAAAAAAAAAwOD//wAAAAAmAAAAZAAAABYAAABMAAAAAAAAAAAAAAAEAAAAAAAAAAEAAADu7OEKAAAAACgAAAAoAAAAZAAAAGQAAAAAAAAAzMzMAAAAAABQAAAAUAAAAGQAAABkAAAAAAAAABcAAAAUAAAAAAAAAAAAAAD/fwAA/38AAAAAAAAJAAAABAAAAAAAAAAMAAAAEAAAAAAAAAAAAAAAAAAAAAAAAAAeAAAAaAAAAAAAAAAAAAAAAAAAAAAAAAAAAAAAECcAABAnAAAAAAAAAAAAAAAAAAAAAAAAAAAAAAAAAAAAAAAAAAAAABQAAAAAAAAAwMD/AAAAAABkAAAAMgAAAAAAAABkAAAAAAAAAH9/fwAKAAAAHwAAAFQAAABPgb0F////AQAAAAAAAAAAAAAAAAAAAAAAAAAAAAAAAAAAAAAAAAAAAAAAAn9/fwDu7OEDzMzMAMDA/wB/f38AAAAAAAAAAAAAAAAAAAAAAAAAAAAhAAAAGAAAABQAAABJBwAACAcAAD44AADeCQAAEAAAACYAAAAIAAAA//////////8="/>
               </a:ext>
             </a:extLst>
           </p:cNvSpPr>
@@ -6699,7 +6752,7 @@
           <p:cNvSpPr>
             <a:extLst>
               <a:ext uri="smNativeData">
-                <pr:smNativeData xmlns="" xmlns:p14="http://schemas.microsoft.com/office/powerpoint/2010/main" xmlns:pr="smNativeData" val="SMDATA_13_aDXlXhMAAAAlAAAAZAAAAA0AAAAAjgAAAEcAAACOAAAARwAAAAAAAAABAAAAAAAAAAEAAABQAAAAAAAAAAAA4D8AAAAAAADgPwAAAAAAAOA/AAAAAAAA4D8AAAAAAADgPwAAAAAAAOA/AAAAAAAA4D8AAAAAAADgPwAAAAAAAOA/AAAAAAAA4D8CAAAAjAAAAAAAAAAAAAAAT4G9DP///wgAAAAAAAAAAAAAAAAAAAAAAAAAAAAAAAAAAAAAZAAAAAEAAABAAAAAAAAAAAAAAAAAAAAAAAAAAAAAAAAAAAAAAAAAAAAAAAAAAAAAAAAAAAAAAAAAAAAAAAAAAAAAAAAAAAAAAAAAAAAAAAAAAAAAAAAAAAAAAAAAAAAAFAAAADwAAAAAAAAAAAAAAAAAAAkUAAAAAQAAABQAAAAUAAAAFAAAAAEAAAAAAAAAZAAAAGQAAAAAAAAAZAAAAGQAAAAVAAAAYAAAAAAAAAAAAAAADwAAACADAAAAAAAAAAAAAAEAAACgMgAAVgcAAKr4//8BAAAAf39/AAEAAABkAAAAAAAAABQAAABAHwAAAAAAACYAAAAAAAAAwOD//wAAAAAmAAAAZAAAABYAAABMAAAAAAAAAAAAAAAEAAAAAAAAAAEAAADu7OEKAAAAACgAAAAoAAAAZAAAAGQAAAAAAAAAzMzMAAAAAABQAAAAUAAAAGQAAABkAAAAAAAAABcAAAAUAAAAAAAAAAAAAAD/fwAA/38AAAAAAAAJAAAABAAAAOXl5f8MAAAAEAAAAAAAAAAAAAAAAAAAAAAAAAAeAAAAaAAAAAAAAAAAAAAAAAAAAAAAAAAAAAAAECcAABAnAAAAAAAAAAAAAAAAAAAAAAAAAAAAAAAAAAAAAAAAAAAAABQAAAAAAAAAwMD/AAAAAABkAAAAMgAAAAAAAABkAAAAAAAAAH9/fwAKAAAAHwAAAFQAAABPgb0F////AQAAAAAAAAAAAAAAAAAAAAAAAAAAAAAAAAAAAAAAAAAAAAAAAn9/fwDu7OEDzMzMAMDA/wB/f38AAAAAAAAAAAAAAAAAAAAAAAAAAAAhAAAAGAAAABQAAAAAAAAA9AkAAFwtAAACJwAAEAAAACYAAAAIAAAA//////////8="/>
+                <pr:smNativeData xmlns:pr="smNativeData" xmlns:p14="http://schemas.microsoft.com/office/powerpoint/2010/main" xmlns="" val="SMDATA_13_aDXlXhMAAAAlAAAAZAAAAA0AAAAAjgAAAEcAAACOAAAARwAAAAAAAAABAAAAAAAAAAEAAABQAAAAAAAAAAAA4D8AAAAAAADgPwAAAAAAAOA/AAAAAAAA4D8AAAAAAADgPwAAAAAAAOA/AAAAAAAA4D8AAAAAAADgPwAAAAAAAOA/AAAAAAAA4D8CAAAAjAAAAAAAAAAAAAAAT4G9DP///wgAAAAAAAAAAAAAAAAAAAAAAAAAAAAAAAAAAAAAZAAAAAEAAABAAAAAAAAAAAAAAAAAAAAAAAAAAAAAAAAAAAAAAAAAAAAAAAAAAAAAAAAAAAAAAAAAAAAAAAAAAAAAAAAAAAAAAAAAAAAAAAAAAAAAAAAAAAAAAAAAAAAAFAAAADwAAAAAAAAAAAAAAAAAAAkUAAAAAQAAABQAAAAUAAAAFAAAAAEAAAAAAAAAZAAAAGQAAAAAAAAAZAAAAGQAAAAVAAAAYAAAAAAAAAAAAAAADwAAACADAAAAAAAAAAAAAAEAAACgMgAAVgcAAKr4//8BAAAAf39/AAEAAABkAAAAAAAAABQAAABAHwAAAAAAACYAAAAAAAAAwOD//wAAAAAmAAAAZAAAABYAAABMAAAAAAAAAAAAAAAEAAAAAAAAAAEAAADu7OEKAAAAACgAAAAoAAAAZAAAAGQAAAAAAAAAzMzMAAAAAABQAAAAUAAAAGQAAABkAAAAAAAAABcAAAAUAAAAAAAAAAAAAAD/fwAA/38AAAAAAAAJAAAABAAAAOXl5f8MAAAAEAAAAAAAAAAAAAAAAAAAAAAAAAAeAAAAaAAAAAAAAAAAAAAAAAAAAAAAAAAAAAAAECcAABAnAAAAAAAAAAAAAAAAAAAAAAAAAAAAAAAAAAAAAAAAAAAAABQAAAAAAAAAwMD/AAAAAABkAAAAMgAAAAAAAABkAAAAAAAAAH9/fwAKAAAAHwAAAFQAAABPgb0F////AQAAAAAAAAAAAAAAAAAAAAAAAAAAAAAAAAAAAAAAAAAAAAAAAn9/fwDu7OEDzMzMAMDA/wB/f38AAAAAAAAAAAAAAAAAAAAAAAAAAAAhAAAAGAAAABQAAAAAAAAA9AkAAFwtAAACJwAAEAAAACYAAAAIAAAA//////////8="/>
               </a:ext>
             </a:extLst>
           </p:cNvSpPr>
@@ -6829,40 +6882,7 @@
                 <a:ea typeface="Trebuchet MS" charset="0"/>
                 <a:cs typeface="Calibri" panose="020F0502020204030204" pitchFamily="34" charset="0"/>
               </a:rPr>
-              <a:t>The values assigned to power consuming events in the simulator are assumed to be close to real world values.</a:t>
-            </a:r>
-          </a:p>
-          <a:p>
-            <a:pPr marL="285750" indent="-285750">
-              <a:lnSpc>
-                <a:spcPct val="100000"/>
-              </a:lnSpc>
-              <a:buFont typeface="Arial" panose="020B0604020202020204" pitchFamily="34" charset="0"/>
-              <a:buChar char="•"/>
-              <a:defRPr lang="en-us"/>
-            </a:pPr>
-            <a:endParaRPr lang="en-IN" sz="2000" dirty="0">
-              <a:latin typeface="Calibri" panose="020F0502020204030204" pitchFamily="34" charset="0"/>
-              <a:ea typeface="Trebuchet MS" charset="0"/>
-              <a:cs typeface="Calibri" panose="020F0502020204030204" pitchFamily="34" charset="0"/>
-            </a:endParaRPr>
-          </a:p>
-          <a:p>
-            <a:pPr marL="285750" indent="-285750">
-              <a:lnSpc>
-                <a:spcPct val="100000"/>
-              </a:lnSpc>
-              <a:buFont typeface="Arial" panose="020B0604020202020204" pitchFamily="34" charset="0"/>
-              <a:buChar char="•"/>
-              <a:defRPr lang="en-us"/>
-            </a:pPr>
-            <a:r>
-              <a:rPr lang="en-in" sz="2000" dirty="0" smtClean="0">
-                <a:latin typeface="Calibri" panose="020F0502020204030204" pitchFamily="34" charset="0"/>
-                <a:ea typeface="Trebuchet MS" charset="0"/>
-                <a:cs typeface="Calibri" panose="020F0502020204030204" pitchFamily="34" charset="0"/>
-              </a:rPr>
-              <a:t>The design of the cus</a:t>
+              <a:t>The values assigned to power consuming events in the simulator are assumed to be close to real world values</a:t>
             </a:r>
             <a:r>
               <a:rPr lang="en-IN" sz="2000" dirty="0" smtClean="0">
@@ -6870,17 +6890,9 @@
                 <a:ea typeface="Trebuchet MS" charset="0"/>
                 <a:cs typeface="Calibri" panose="020F0502020204030204" pitchFamily="34" charset="0"/>
               </a:rPr>
-              <a:t>to</a:t>
-            </a:r>
-            <a:r>
-              <a:rPr lang="en-in" sz="2000" dirty="0" smtClean="0">
-                <a:latin typeface="Calibri" panose="020F0502020204030204" pitchFamily="34" charset="0"/>
-                <a:ea typeface="Trebuchet MS" charset="0"/>
-                <a:cs typeface="Calibri" panose="020F0502020204030204" pitchFamily="34" charset="0"/>
-              </a:rPr>
-              <a:t>m zone layout is based on the properties of the memory storage devices i.e. SSDs and HDDs.</a:t>
-            </a:r>
-            <a:endParaRPr lang="en-in" sz="2000" dirty="0">
+              <a:t>.</a:t>
+            </a:r>
+            <a:endParaRPr lang="en-IN" sz="2000" dirty="0" smtClean="0">
               <a:latin typeface="Calibri" panose="020F0502020204030204" pitchFamily="34" charset="0"/>
               <a:ea typeface="Trebuchet MS" charset="0"/>
               <a:cs typeface="Calibri" panose="020F0502020204030204" pitchFamily="34" charset="0"/>
@@ -6932,7 +6944,7 @@
           <p:cNvSpPr>
             <a:extLst>
               <a:ext uri="smNativeData">
-                <pr:smNativeData xmlns="" xmlns:p14="http://schemas.microsoft.com/office/powerpoint/2010/main" xmlns:pr="smNativeData" val="SMDATA_13_aDXlXhMAAAAlAAAAZAAAAA0AAAAAkAAAAEgAAACQAAAASAAAAAAAAAAAAAAAAAAAAAEAAABQAAAAAAAAAAAA4D8AAAAAAADgPwAAAAAAAOA/AAAAAAAA4D8AAAAAAADgPwAAAAAAAOA/AAAAAAAA4D8AAAAAAADgPwAAAAAAAOA/AAAAAAAA4D8CAAAAjAAAAAEAAAAAAAAAM8zMAP///wgAAAAAAAAAAAAAAAAAAAAAAAAAAAAAAAAAAAAAeAAAAAEAAABAAAAAAAAAAAAAAABaAAAAAAAAAAAAAAAAAAAAAAAAAAAAAAAAAAAAAAAAAAAAAAAAAAAAAAAAAAAAAAAAAAAAAAAAAAAAAAAAAAAAAAAAAAAAAAAAAAAAFAAAADwAAAAAAAAAAAAAAAAAAAkUAAAAAQAAABQAAAAUAAAAFAAAAAEAAAAAAAAAZAAAAGQAAAAAAAAAZAAAAGQAAAAVAAAAYAAAAAAAAAAAAAAADwAAACADAAAAAAAAAAAAAAEAAACgMgAAVgcAAKr4//8BAAAAf39/AAEAAABkAAAAAAAAABQAAABAHwAAAAAAACYAAAAAAAAAwOD//wAAAAAmAAAAZAAAABYAAABMAAAAAAAAAAAAAAAEAAAAAAAAAAEAAADu7OEKAAAAACgAAAAoAAAAZAAAAGQAAAAAAAAAzMzMAAAAAABQAAAAUAAAAGQAAABkAAAAAAAAABcAAAAUAAAAAAAAAAAAAAD/fwAA/38AAAAAAAAJAAAABAAAAAAAAAAMAAAAEAAAAAAAAAAAAAAAAAAAAAAAAAAeAAAAaAAAAAAAAAAAAAAAAAAAAAAAAAAAAAAAECcAABAnAAAAAAAAAAAAAAAAAAAAAAAAAAAAAAAAAAAAAAAAAAAAABQAAAAAAAAAwMD/AAAAAABkAAAAMgAAAAAAAABkAAAAAAAAAH9/fwAKAAAAHwAAAFQAAAAzzMwA////AQAAAAAAAAAAAAAAAAAAAAAAAAAAAAAAAAAAAAAAAAAAAAAAAn9/fwDu7OEDzMzMAMDA/wB/f38AAAAAAAAAAAAAAAAAAAAAAAAAAAAhAAAAGAAAABQAAABgCQAAugkAAD44AADyCQAAEAAAACYAAAAIAAAA//////////8="/>
+                <pr:smNativeData xmlns:pr="smNativeData" xmlns:p14="http://schemas.microsoft.com/office/powerpoint/2010/main" xmlns="" val="SMDATA_13_aDXlXhMAAAAlAAAAZAAAAA0AAAAAkAAAAEgAAACQAAAASAAAAAAAAAAAAAAAAAAAAAEAAABQAAAAAAAAAAAA4D8AAAAAAADgPwAAAAAAAOA/AAAAAAAA4D8AAAAAAADgPwAAAAAAAOA/AAAAAAAA4D8AAAAAAADgPwAAAAAAAOA/AAAAAAAA4D8CAAAAjAAAAAEAAAAAAAAAM8zMAP///wgAAAAAAAAAAAAAAAAAAAAAAAAAAAAAAAAAAAAAeAAAAAEAAABAAAAAAAAAAAAAAABaAAAAAAAAAAAAAAAAAAAAAAAAAAAAAAAAAAAAAAAAAAAAAAAAAAAAAAAAAAAAAAAAAAAAAAAAAAAAAAAAAAAAAAAAAAAAAAAAAAAAFAAAADwAAAAAAAAAAAAAAAAAAAkUAAAAAQAAABQAAAAUAAAAFAAAAAEAAAAAAAAAZAAAAGQAAAAAAAAAZAAAAGQAAAAVAAAAYAAAAAAAAAAAAAAADwAAACADAAAAAAAAAAAAAAEAAACgMgAAVgcAAKr4//8BAAAAf39/AAEAAABkAAAAAAAAABQAAABAHwAAAAAAACYAAAAAAAAAwOD//wAAAAAmAAAAZAAAABYAAABMAAAAAAAAAAAAAAAEAAAAAAAAAAEAAADu7OEKAAAAACgAAAAoAAAAZAAAAGQAAAAAAAAAzMzMAAAAAABQAAAAUAAAAGQAAABkAAAAAAAAABcAAAAUAAAAAAAAAAAAAAD/fwAA/38AAAAAAAAJAAAABAAAAAAAAAAMAAAAEAAAAAAAAAAAAAAAAAAAAAAAAAAeAAAAaAAAAAAAAAAAAAAAAAAAAAAAAAAAAAAAECcAABAnAAAAAAAAAAAAAAAAAAAAAAAAAAAAAAAAAAAAAAAAAAAAABQAAAAAAAAAwMD/AAAAAABkAAAAMgAAAAAAAABkAAAAAAAAAH9/fwAKAAAAHwAAAFQAAAAzzMwA////AQAAAAAAAAAAAAAAAAAAAAAAAAAAAAAAAAAAAAAAAAAAAAAAAn9/fwDu7OEDzMzMAMDA/wB/f38AAAAAAAAAAAAAAAAAAAAAAAAAAAAhAAAAGAAAABQAAABgCQAAugkAAD44AADyCQAAEAAAACYAAAAIAAAA//////////8="/>
               </a:ext>
             </a:extLst>
           </p:cNvSpPr>
@@ -6961,7 +6973,7 @@
           <p:cNvSpPr>
             <a:extLst>
               <a:ext uri="smNativeData">
-                <pr:smNativeData xmlns="" xmlns:p14="http://schemas.microsoft.com/office/powerpoint/2010/main" xmlns:pr="smNativeData" val="SMDATA_13_aDXlXhMAAAAlAAAAZAAAAA0AAAAAjgAAAEcAAACOAAAARwAAAAAAAAAAAAAAAAAAAAEAAABQAAAAAAAAAAAA4D8AAAAAAADgPwAAAAAAAOA/AAAAAAAA4D8AAAAAAADgPwAAAAAAAOA/AAAAAAAA4D8AAAAAAADgPwAAAAAAAOA/AAAAAAAA4D8CAAAAjAAAAAAAAAAAAAAAT4G9DP///wgAAAAAAAAAAAAAAAAAAAAAAAAAAAAAAAAAAAAAZAAAAAEAAABAAAAAAAAAAAAAAAAAAAAAAAAAAAAAAAAAAAAAAAAAAAAAAAAAAAAAAAAAAAAAAAAAAAAAAAAAAAAAAAAAAAAAAAAAAAAAAAAAAAAAAAAAAAAAAAAAAAAAFAAAADwAAAAAAAAAAAAAAAAAAAkUAAAAAQAAABQAAAAUAAAAFAAAAAEAAAAAAAAAZAAAAGQAAAAAAAAAZAAAAGQAAAAVAAAAYAAAAAAAAAAAAAAADwAAACADAAAAAAAAAAAAAAEAAACgMgAAVgcAAKr4//8BAAAAf39/AAEAAABkAAAAAAAAABQAAABAHwAAAAAAACYAAAAAAAAAwOD//wAAAAAmAAAAZAAAABYAAABMAAAAAAAAAAAAAAAEAAAAAAAAAAEAAADu7OEKAAAAACgAAAAoAAAAZAAAAGQAAAAAAAAAzMzMAAAAAABQAAAAUAAAAGQAAABkAAAAAAAAABcAAAAUAAAAAAAAAAAAAAD/fwAA/38AAAAAAAAJAAAABAAAAAAAAAAMAAAAEAAAAAAAAAAAAAAAAAAAAAAAAAAeAAAAaAAAAAAAAAAAAAAAAAAAAAAAAAAAAAAAECcAABAnAAAAAAAAAAAAAAAAAAAAAAAAAAAAAAAAAAAAAAAAAAAAABQAAAAAAAAAwMD/AAAAAABkAAAAMgAAAAAAAABkAAAAAAAAAH9/fwAKAAAAHwAAAFQAAABPgb0F////AQAAAAAAAAAAAAAAAAAAAAAAAAAAAAAAAAAAAAAAAAAAAAAAAn9/fwDu7OEDzMzMAMDA/wB/f38AAAAAAAAAAAAAAAAAAAAAAAAAAAAhAAAAGAAAABQAAABwCAAACAcAAD44AADeCQAAEAAAACYAAAAIAAAA//////////8="/>
+                <pr:smNativeData xmlns:pr="smNativeData" xmlns:p14="http://schemas.microsoft.com/office/powerpoint/2010/main" xmlns="" val="SMDATA_13_aDXlXhMAAAAlAAAAZAAAAA0AAAAAjgAAAEcAAACOAAAARwAAAAAAAAAAAAAAAAAAAAEAAABQAAAAAAAAAAAA4D8AAAAAAADgPwAAAAAAAOA/AAAAAAAA4D8AAAAAAADgPwAAAAAAAOA/AAAAAAAA4D8AAAAAAADgPwAAAAAAAOA/AAAAAAAA4D8CAAAAjAAAAAAAAAAAAAAAT4G9DP///wgAAAAAAAAAAAAAAAAAAAAAAAAAAAAAAAAAAAAAZAAAAAEAAABAAAAAAAAAAAAAAAAAAAAAAAAAAAAAAAAAAAAAAAAAAAAAAAAAAAAAAAAAAAAAAAAAAAAAAAAAAAAAAAAAAAAAAAAAAAAAAAAAAAAAAAAAAAAAAAAAAAAAFAAAADwAAAAAAAAAAAAAAAAAAAkUAAAAAQAAABQAAAAUAAAAFAAAAAEAAAAAAAAAZAAAAGQAAAAAAAAAZAAAAGQAAAAVAAAAYAAAAAAAAAAAAAAADwAAACADAAAAAAAAAAAAAAEAAACgMgAAVgcAAKr4//8BAAAAf39/AAEAAABkAAAAAAAAABQAAABAHwAAAAAAACYAAAAAAAAAwOD//wAAAAAmAAAAZAAAABYAAABMAAAAAAAAAAAAAAAEAAAAAAAAAAEAAADu7OEKAAAAACgAAAAoAAAAZAAAAGQAAAAAAAAAzMzMAAAAAABQAAAAUAAAAGQAAABkAAAAAAAAABcAAAAUAAAAAAAAAAAAAAD/fwAA/38AAAAAAAAJAAAABAAAAAAAAAAMAAAAEAAAAAAAAAAAAAAAAAAAAAAAAAAeAAAAaAAAAAAAAAAAAAAAAAAAAAAAAAAAAAAAECcAABAnAAAAAAAAAAAAAAAAAAAAAAAAAAAAAAAAAAAAAAAAAAAAABQAAAAAAAAAwMD/AAAAAABkAAAAMgAAAAAAAABkAAAAAAAAAH9/fwAKAAAAHwAAAFQAAABPgb0F////AQAAAAAAAAAAAAAAAAAAAAAAAAAAAAAAAAAAAAAAAAAAAAAAAn9/fwDu7OEDzMzMAMDA/wB/f38AAAAAAAAAAAAAAAAAAAAAAAAAAAAhAAAAGAAAABQAAABwCAAACAcAAD44AADeCQAAEAAAACYAAAAIAAAA//////////8="/>
               </a:ext>
             </a:extLst>
           </p:cNvSpPr>
@@ -7068,7 +7080,7 @@
           <p:cNvSpPr>
             <a:extLst>
               <a:ext uri="smNativeData">
-                <pr:smNativeData xmlns="" xmlns:p14="http://schemas.microsoft.com/office/powerpoint/2010/main" xmlns:pr="smNativeData" val="SMDATA_13_aDXlXhMAAAAlAAAAZAAAAA0AAAAAkAAAAEgAAACQAAAASAAAAAAAAAAAAAAAAAAAAAEAAABQAAAAAAAAAAAA4D8AAAAAAADgPwAAAAAAAOA/AAAAAAAA4D8AAAAAAADgPwAAAAAAAOA/AAAAAAAA4D8AAAAAAADgPwAAAAAAAOA/AAAAAAAA4D8CAAAAjAAAAAEAAAAAAAAAM8zMAP///wgAAAAAAAAAAAAAAAAAAAAAAAAAAAAAAAAAAAAAeAAAAAEAAABAAAAAAAAAAAAAAABaAAAAAAAAAAAAAAAAAAAAAAAAAAAAAAAAAAAAAAAAAAAAAAAAAAAAAAAAAAAAAAAAAAAAAAAAAAAAAAAAAAAAAAAAAAAAAAAAAAAAFAAAADwAAAAAAAAAAAAAAAAAAAkUAAAAAQAAABQAAAAUAAAAFAAAAAEAAAAAAAAAZAAAAGQAAAAAAAAAZAAAAGQAAAAVAAAAYAAAAAAAAAAAAAAADwAAACADAAAAAAAAAAAAAAEAAACgMgAAVgcAAKr4//8BAAAAf39/AAEAAABkAAAAAAAAABQAAABAHwAAAAAAACYAAAAAAAAAwOD//wAAAAAmAAAAZAAAABYAAABMAAAAAAAAAAAAAAAEAAAAAAAAAAEAAADu7OEKAAAAACgAAAAoAAAAZAAAAGQAAAAAAAAAzMzMAAAAAABQAAAAUAAAAGQAAABkAAAAAAAAABcAAAAUAAAAAAAAAAAAAAD/fwAA/38AAAAAAAAJAAAABAAAAAAAAAAMAAAAEAAAAAAAAAAAAAAAAAAAAAAAAAAeAAAAaAAAAAAAAAAAAAAAAAAAAAAAAAAAAAAAECcAABAnAAAAAAAAAAAAAAAAAAAAAAAAAAAAAAAAAAAAAAAAAAAAABQAAAAAAAAAwMD/AAAAAABkAAAAMgAAAAAAAABkAAAAAAAAAH9/fwAKAAAAHwAAAFQAAAAzzMwA////AQAAAAAAAAAAAAAAAAAAAAAAAAAAAAAAAAAAAAAAAAAAAAAAAn9/fwDu7OEDzMzMAMDA/wB/f38AAAAAAAAAAAAAAAAAAAAAAAAAAAAhAAAAGAAAABQAAABgCQAAugkAAD44AADyCQAAEAAAACYAAAAIAAAA//////////8="/>
+                <pr:smNativeData xmlns:pr="smNativeData" xmlns:p14="http://schemas.microsoft.com/office/powerpoint/2010/main" xmlns="" val="SMDATA_13_aDXlXhMAAAAlAAAAZAAAAA0AAAAAkAAAAEgAAACQAAAASAAAAAAAAAAAAAAAAAAAAAEAAABQAAAAAAAAAAAA4D8AAAAAAADgPwAAAAAAAOA/AAAAAAAA4D8AAAAAAADgPwAAAAAAAOA/AAAAAAAA4D8AAAAAAADgPwAAAAAAAOA/AAAAAAAA4D8CAAAAjAAAAAEAAAAAAAAAM8zMAP///wgAAAAAAAAAAAAAAAAAAAAAAAAAAAAAAAAAAAAAeAAAAAEAAABAAAAAAAAAAAAAAABaAAAAAAAAAAAAAAAAAAAAAAAAAAAAAAAAAAAAAAAAAAAAAAAAAAAAAAAAAAAAAAAAAAAAAAAAAAAAAAAAAAAAAAAAAAAAAAAAAAAAFAAAADwAAAAAAAAAAAAAAAAAAAkUAAAAAQAAABQAAAAUAAAAFAAAAAEAAAAAAAAAZAAAAGQAAAAAAAAAZAAAAGQAAAAVAAAAYAAAAAAAAAAAAAAADwAAACADAAAAAAAAAAAAAAEAAACgMgAAVgcAAKr4//8BAAAAf39/AAEAAABkAAAAAAAAABQAAABAHwAAAAAAACYAAAAAAAAAwOD//wAAAAAmAAAAZAAAABYAAABMAAAAAAAAAAAAAAAEAAAAAAAAAAEAAADu7OEKAAAAACgAAAAoAAAAZAAAAGQAAAAAAAAAzMzMAAAAAABQAAAAUAAAAGQAAABkAAAAAAAAABcAAAAUAAAAAAAAAAAAAAD/fwAA/38AAAAAAAAJAAAABAAAAAAAAAAMAAAAEAAAAAAAAAAAAAAAAAAAAAAAAAAeAAAAaAAAAAAAAAAAAAAAAAAAAAAAAAAAAAAAECcAABAnAAAAAAAAAAAAAAAAAAAAAAAAAAAAAAAAAAAAAAAAAAAAABQAAAAAAAAAwMD/AAAAAABkAAAAMgAAAAAAAABkAAAAAAAAAH9/fwAKAAAAHwAAAFQAAAAzzMwA////AQAAAAAAAAAAAAAAAAAAAAAAAAAAAAAAAAAAAAAAAAAAAAAAAn9/fwDu7OEDzMzMAMDA/wB/f38AAAAAAAAAAAAAAAAAAAAAAAAAAAAhAAAAGAAAABQAAABgCQAAugkAAD44AADyCQAAEAAAACYAAAAIAAAA//////////8="/>
               </a:ext>
             </a:extLst>
           </p:cNvSpPr>
@@ -7097,7 +7109,7 @@
           <p:cNvSpPr>
             <a:extLst>
               <a:ext uri="smNativeData">
-                <pr:smNativeData xmlns="" xmlns:p14="http://schemas.microsoft.com/office/powerpoint/2010/main" xmlns:pr="smNativeData" val="SMDATA_13_aDXlXhMAAAAlAAAAZAAAAA0AAAAAjgAAAEcAAACOAAAARwAAAAAAAAAAAAAAAAAAAAEAAABQAAAAAAAAAAAA4D8AAAAAAADgPwAAAAAAAOA/AAAAAAAA4D8AAAAAAADgPwAAAAAAAOA/AAAAAAAA4D8AAAAAAADgPwAAAAAAAOA/AAAAAAAA4D8CAAAAjAAAAAAAAAAAAAAAT4G9DP///wgAAAAAAAAAAAAAAAAAAAAAAAAAAAAAAAAAAAAAZAAAAAEAAABAAAAAAAAAAAAAAAAAAAAAAAAAAAAAAAAAAAAAAAAAAAAAAAAAAAAAAAAAAAAAAAAAAAAAAAAAAAAAAAAAAAAAAAAAAAAAAAAAAAAAAAAAAAAAAAAAAAAAFAAAADwAAAAAAAAAAAAAAAAAAAkUAAAAAQAAABQAAAAUAAAAFAAAAAEAAAAAAAAAZAAAAGQAAAAAAAAAZAAAAGQAAAAVAAAAYAAAAAAAAAAAAAAADwAAACADAAAAAAAAAAAAAAEAAACgMgAAVgcAAKr4//8BAAAAf39/AAEAAABkAAAAAAAAABQAAABAHwAAAAAAACYAAAAAAAAAwOD//wAAAAAmAAAAZAAAABYAAABMAAAAAAAAAAAAAAAEAAAAAAAAAAEAAADu7OEKAAAAACgAAAAoAAAAZAAAAGQAAAAAAAAAzMzMAAAAAABQAAAAUAAAAGQAAABkAAAAAAAAABcAAAAUAAAAAAAAAAAAAAD/fwAA/38AAAAAAAAJAAAABAAAAAAAAAAMAAAAEAAAAAAAAAAAAAAAAAAAAAAAAAAeAAAAaAAAAAAAAAAAAAAAAAAAAAAAAAAAAAAAECcAABAnAAAAAAAAAAAAAAAAAAAAAAAAAAAAAAAAAAAAAAAAAAAAABQAAAAAAAAAwMD/AAAAAABkAAAAMgAAAAAAAABkAAAAAAAAAH9/fwAKAAAAHwAAAFQAAABPgb0F////AQAAAAAAAAAAAAAAAAAAAAAAAAAAAAAAAAAAAAAAAAAAAAAAAn9/fwDu7OEDzMzMAMDA/wB/f38AAAAAAAAAAAAAAAAAAAAAAAAAAAAhAAAAGAAAABQAAABwCAAACAcAAD44AADeCQAAEAAAACYAAAAIAAAA//////////8="/>
+                <pr:smNativeData xmlns:pr="smNativeData" xmlns:p14="http://schemas.microsoft.com/office/powerpoint/2010/main" xmlns="" val="SMDATA_13_aDXlXhMAAAAlAAAAZAAAAA0AAAAAjgAAAEcAAACOAAAARwAAAAAAAAAAAAAAAAAAAAEAAABQAAAAAAAAAAAA4D8AAAAAAADgPwAAAAAAAOA/AAAAAAAA4D8AAAAAAADgPwAAAAAAAOA/AAAAAAAA4D8AAAAAAADgPwAAAAAAAOA/AAAAAAAA4D8CAAAAjAAAAAAAAAAAAAAAT4G9DP///wgAAAAAAAAAAAAAAAAAAAAAAAAAAAAAAAAAAAAAZAAAAAEAAABAAAAAAAAAAAAAAAAAAAAAAAAAAAAAAAAAAAAAAAAAAAAAAAAAAAAAAAAAAAAAAAAAAAAAAAAAAAAAAAAAAAAAAAAAAAAAAAAAAAAAAAAAAAAAAAAAAAAAFAAAADwAAAAAAAAAAAAAAAAAAAkUAAAAAQAAABQAAAAUAAAAFAAAAAEAAAAAAAAAZAAAAGQAAAAAAAAAZAAAAGQAAAAVAAAAYAAAAAAAAAAAAAAADwAAACADAAAAAAAAAAAAAAEAAACgMgAAVgcAAKr4//8BAAAAf39/AAEAAABkAAAAAAAAABQAAABAHwAAAAAAACYAAAAAAAAAwOD//wAAAAAmAAAAZAAAABYAAABMAAAAAAAAAAAAAAAEAAAAAAAAAAEAAADu7OEKAAAAACgAAAAoAAAAZAAAAGQAAAAAAAAAzMzMAAAAAABQAAAAUAAAAGQAAABkAAAAAAAAABcAAAAUAAAAAAAAAAAAAAD/fwAA/38AAAAAAAAJAAAABAAAAAAAAAAMAAAAEAAAAAAAAAAAAAAAAAAAAAAAAAAeAAAAaAAAAAAAAAAAAAAAAAAAAAAAAAAAAAAAECcAABAnAAAAAAAAAAAAAAAAAAAAAAAAAAAAAAAAAAAAAAAAAAAAABQAAAAAAAAAwMD/AAAAAABkAAAAMgAAAAAAAABkAAAAAAAAAH9/fwAKAAAAHwAAAFQAAABPgb0F////AQAAAAAAAAAAAAAAAAAAAAAAAAAAAAAAAAAAAAAAAAAAAAAAAn9/fwDu7OEDzMzMAMDA/wB/f38AAAAAAAAAAAAAAAAAAAAAAAAAAAAhAAAAGAAAABQAAABwCAAACAcAAD44AADeCQAAEAAAACYAAAAIAAAA//////////8="/>
               </a:ext>
             </a:extLst>
           </p:cNvSpPr>
@@ -7155,7 +7167,7 @@
           <p:cNvSpPr>
             <a:extLst>
               <a:ext uri="smNativeData">
-                <pr:smNativeData xmlns="" xmlns:p14="http://schemas.microsoft.com/office/powerpoint/2010/main" xmlns:pr="smNativeData" val="SMDATA_13_aDXlXhMAAAAlAAAAZAAAAA0AAAAAjgAAAEcAAACOAAAARwAAAAAAAAABAAAAAAAAAAEAAABQAAAAAAAAAAAA4D8AAAAAAADgPwAAAAAAAOA/AAAAAAAA4D8AAAAAAADgPwAAAAAAAOA/AAAAAAAA4D8AAAAAAADgPwAAAAAAAOA/AAAAAAAA4D8CAAAAjAAAAAAAAAAAAAAAT4G9DP///wgAAAAAAAAAAAAAAAAAAAAAAAAAAAAAAAAAAAAAZAAAAAEAAABAAAAAAAAAAAAAAAAAAAAAAAAAAAAAAAAAAAAAAAAAAAAAAAAAAAAAAAAAAAAAAAAAAAAAAAAAAAAAAAAAAAAAAAAAAAAAAAAAAAAAAAAAAAAAAAAAAAAAFAAAADwAAAAAAAAAAAAAAAAAAAkUAAAAAQAAABQAAAAUAAAAFAAAAAEAAAAAAAAAZAAAAGQAAAAAAAAAZAAAAGQAAAAVAAAAYAAAAAAAAAAAAAAADwAAACADAAAAAAAAAAAAAAEAAACgMgAAVgcAAKr4//8BAAAAf39/AAEAAABkAAAAAAAAABQAAABAHwAAAAAAACYAAAAAAAAAwOD//wAAAAAmAAAAZAAAABYAAABMAAAAAAAAAAAAAAAEAAAAAAAAAAEAAADu7OEKAAAAACgAAAAoAAAAZAAAAGQAAAAAAAAAzMzMAAAAAABQAAAAUAAAAGQAAABkAAAAAAAAABcAAAAUAAAAAAAAAAAAAAD/fwAA/38AAAAAAAAJAAAABAAAAAAAAAAMAAAAEAAAAAAAAAAAAAAAAAAAAAAAAAAeAAAAaAAAAAAAAAAAAAAAAAAAAAAAAAAAAAAAECcAABAnAAAAAAAAAAAAAAAAAAAAAAAAAAAAAAAAAAAAAAAAAAAAABQAAAAAAAAAwMD/AAAAAABkAAAAMgAAAAAAAABkAAAAAAAAAH9/fwAKAAAAHwAAAFQAAABPgb0F////AQAAAAAAAAAAAAAAAAAAAAAAAAAAAAAAAAAAAAAAAAAAAAAAAn9/fwDu7OEDzMzMAMDA/wB/f38AAAAAAAAAAAAAAAAAAAAAAAAAAAAhAAAAGAAAABQAAAAuAwAAIA0AAEUuAAAWJAAAEAAAACYAAAAIAAAA//////////8="/>
+                <pr:smNativeData xmlns:pr="smNativeData" xmlns:p14="http://schemas.microsoft.com/office/powerpoint/2010/main" xmlns="" val="SMDATA_13_aDXlXhMAAAAlAAAAZAAAAA0AAAAAjgAAAEcAAACOAAAARwAAAAAAAAABAAAAAAAAAAEAAABQAAAAAAAAAAAA4D8AAAAAAADgPwAAAAAAAOA/AAAAAAAA4D8AAAAAAADgPwAAAAAAAOA/AAAAAAAA4D8AAAAAAADgPwAAAAAAAOA/AAAAAAAA4D8CAAAAjAAAAAAAAAAAAAAAT4G9DP///wgAAAAAAAAAAAAAAAAAAAAAAAAAAAAAAAAAAAAAZAAAAAEAAABAAAAAAAAAAAAAAAAAAAAAAAAAAAAAAAAAAAAAAAAAAAAAAAAAAAAAAAAAAAAAAAAAAAAAAAAAAAAAAAAAAAAAAAAAAAAAAAAAAAAAAAAAAAAAAAAAAAAAFAAAADwAAAAAAAAAAAAAAAAAAAkUAAAAAQAAABQAAAAUAAAAFAAAAAEAAAAAAAAAZAAAAGQAAAAAAAAAZAAAAGQAAAAVAAAAYAAAAAAAAAAAAAAADwAAACADAAAAAAAAAAAAAAEAAACgMgAAVgcAAKr4//8BAAAAf39/AAEAAABkAAAAAAAAABQAAABAHwAAAAAAACYAAAAAAAAAwOD//wAAAAAmAAAAZAAAABYAAABMAAAAAAAAAAAAAAAEAAAAAAAAAAEAAADu7OEKAAAAACgAAAAoAAAAZAAAAGQAAAAAAAAAzMzMAAAAAABQAAAAUAAAAGQAAABkAAAAAAAAABcAAAAUAAAAAAAAAAAAAAD/fwAA/38AAAAAAAAJAAAABAAAAAAAAAAMAAAAEAAAAAAAAAAAAAAAAAAAAAAAAAAeAAAAaAAAAAAAAAAAAAAAAAAAAAAAAAAAAAAAECcAABAnAAAAAAAAAAAAAAAAAAAAAAAAAAAAAAAAAAAAAAAAAAAAABQAAAAAAAAAwMD/AAAAAABkAAAAMgAAAAAAAABkAAAAAAAAAH9/fwAKAAAAHwAAAFQAAABPgb0F////AQAAAAAAAAAAAAAAAAAAAAAAAAAAAAAAAAAAAAAAAAAAAAAAAn9/fwDu7OEDzMzMAMDA/wB/f38AAAAAAAAAAAAAAAAAAAAAAAAAAAAhAAAAGAAAABQAAAAuAwAAIA0AAEUuAAAWJAAAEAAAACYAAAAIAAAA//////////8="/>
               </a:ext>
             </a:extLst>
           </p:cNvSpPr>
@@ -7406,7 +7418,7 @@
           <p:cNvSpPr>
             <a:extLst>
               <a:ext uri="smNativeData">
-                <pr:smNativeData xmlns="" xmlns:p14="http://schemas.microsoft.com/office/powerpoint/2010/main" xmlns:pr="smNativeData" val="SMDATA_13_aDXlXhMAAAAlAAAAZAAAAA0AAAAAkAAAAEgAAACQAAAASAAAAAAAAAAAAAAAAAAAAAEAAABQAAAAAAAAAAAA4D8AAAAAAADgPwAAAAAAAOA/AAAAAAAA4D8AAAAAAADgPwAAAAAAAOA/AAAAAAAA4D8AAAAAAADgPwAAAAAAAOA/AAAAAAAA4D8CAAAAjAAAAAEAAAAAAAAAM8zMAP///wgAAAAAAAAAAAAAAAAAAAAAAAAAAAAAAAAAAAAAeAAAAAEAAABAAAAAAAAAAAAAAABaAAAAAAAAAAAAAAAAAAAAAAAAAAAAAAAAAAAAAAAAAAAAAAAAAAAAAAAAAAAAAAAAAAAAAAAAAAAAAAAAAAAAAAAAAAAAAAAAAAAAFAAAADwAAAAAAAAAAAAAAAAAAAkUAAAAAQAAABQAAAAUAAAAFAAAAAEAAAAAAAAAZAAAAGQAAAAAAAAAZAAAAGQAAAAVAAAAYAAAAAAAAAAAAAAADwAAACADAAAAAAAAAAAAAAEAAACgMgAAVgcAAKr4//8BAAAAf39/AAEAAABkAAAAAAAAABQAAABAHwAAAAAAACYAAAAAAAAAwOD//wAAAAAmAAAAZAAAABYAAABMAAAAAAAAAAAAAAAEAAAAAAAAAAEAAADu7OEKAAAAACgAAAAoAAAAZAAAAGQAAAAAAAAAzMzMAAAAAABQAAAAUAAAAGQAAABkAAAAAAAAABcAAAAUAAAAAAAAAAAAAAD/fwAA/38AAAAAAAAJAAAABAAAAAAAAAAMAAAAEAAAAAAAAAAAAAAAAAAAAAAAAAAeAAAAaAAAAAAAAAAAAAAAAAAAAAAAAAAAAAAAECcAABAnAAAAAAAAAAAAAAAAAAAAAAAAAAAAAAAAAAAAAAAAAAAAABQAAAAAAAAAwMD/AAAAAABkAAAAMgAAAAAAAABkAAAAAAAAAH9/fwAKAAAAHwAAAFQAAAAzzMwA////AQAAAAAAAAAAAAAAAAAAAAAAAAAAAAAAAAAAAAAAAAAAAAAAAn9/fwDu7OEDzMzMAMDA/wB/f38AAAAAAAAAAAAAAAAAAAAAAAAAAAAhAAAAGAAAABQAAABgCQAAugkAAD44AADyCQAAEAAAACYAAAAIAAAA//////////8="/>
+                <pr:smNativeData xmlns:pr="smNativeData" xmlns:p14="http://schemas.microsoft.com/office/powerpoint/2010/main" xmlns="" val="SMDATA_13_aDXlXhMAAAAlAAAAZAAAAA0AAAAAkAAAAEgAAACQAAAASAAAAAAAAAAAAAAAAAAAAAEAAABQAAAAAAAAAAAA4D8AAAAAAADgPwAAAAAAAOA/AAAAAAAA4D8AAAAAAADgPwAAAAAAAOA/AAAAAAAA4D8AAAAAAADgPwAAAAAAAOA/AAAAAAAA4D8CAAAAjAAAAAEAAAAAAAAAM8zMAP///wgAAAAAAAAAAAAAAAAAAAAAAAAAAAAAAAAAAAAAeAAAAAEAAABAAAAAAAAAAAAAAABaAAAAAAAAAAAAAAAAAAAAAAAAAAAAAAAAAAAAAAAAAAAAAAAAAAAAAAAAAAAAAAAAAAAAAAAAAAAAAAAAAAAAAAAAAAAAAAAAAAAAFAAAADwAAAAAAAAAAAAAAAAAAAkUAAAAAQAAABQAAAAUAAAAFAAAAAEAAAAAAAAAZAAAAGQAAAAAAAAAZAAAAGQAAAAVAAAAYAAAAAAAAAAAAAAADwAAACADAAAAAAAAAAAAAAEAAACgMgAAVgcAAKr4//8BAAAAf39/AAEAAABkAAAAAAAAABQAAABAHwAAAAAAACYAAAAAAAAAwOD//wAAAAAmAAAAZAAAABYAAABMAAAAAAAAAAAAAAAEAAAAAAAAAAEAAADu7OEKAAAAACgAAAAoAAAAZAAAAGQAAAAAAAAAzMzMAAAAAABQAAAAUAAAAGQAAABkAAAAAAAAABcAAAAUAAAAAAAAAAAAAAD/fwAA/38AAAAAAAAJAAAABAAAAAAAAAAMAAAAEAAAAAAAAAAAAAAAAAAAAAAAAAAeAAAAaAAAAAAAAAAAAAAAAAAAAAAAAAAAAAAAECcAABAnAAAAAAAAAAAAAAAAAAAAAAAAAAAAAAAAAAAAAAAAAAAAABQAAAAAAAAAwMD/AAAAAABkAAAAMgAAAAAAAABkAAAAAAAAAH9/fwAKAAAAHwAAAFQAAAAzzMwA////AQAAAAAAAAAAAAAAAAAAAAAAAAAAAAAAAAAAAAAAAAAAAAAAAn9/fwDu7OEDzMzMAMDA/wB/f38AAAAAAAAAAAAAAAAAAAAAAAAAAAAhAAAAGAAAABQAAABgCQAAugkAAD44AADyCQAAEAAAACYAAAAIAAAA//////////8="/>
               </a:ext>
             </a:extLst>
           </p:cNvSpPr>
@@ -7435,7 +7447,7 @@
           <p:cNvSpPr>
             <a:extLst>
               <a:ext uri="smNativeData">
-                <pr:smNativeData xmlns="" xmlns:p14="http://schemas.microsoft.com/office/powerpoint/2010/main" xmlns:pr="smNativeData" val="SMDATA_13_aDXlXhMAAAAlAAAAZAAAAA0AAAAAjgAAAEcAAACOAAAARwAAAAAAAAAAAAAAAAAAAAEAAABQAAAAAAAAAAAA4D8AAAAAAADgPwAAAAAAAOA/AAAAAAAA4D8AAAAAAADgPwAAAAAAAOA/AAAAAAAA4D8AAAAAAADgPwAAAAAAAOA/AAAAAAAA4D8CAAAAjAAAAAAAAAAAAAAAT4G9DP///wgAAAAAAAAAAAAAAAAAAAAAAAAAAAAAAAAAAAAAZAAAAAEAAABAAAAAAAAAAAAAAAAAAAAAAAAAAAAAAAAAAAAAAAAAAAAAAAAAAAAAAAAAAAAAAAAAAAAAAAAAAAAAAAAAAAAAAAAAAAAAAAAAAAAAAAAAAAAAAAAAAAAAFAAAADwAAAAAAAAAAAAAAAAAAAkUAAAAAQAAABQAAAAUAAAAFAAAAAEAAAAAAAAAZAAAAGQAAAAAAAAAZAAAAGQAAAAVAAAAYAAAAAAAAAAAAAAADwAAACADAAAAAAAAAAAAAAEAAACgMgAAVgcAAKr4//8BAAAAf39/AAEAAABkAAAAAAAAABQAAABAHwAAAAAAACYAAAAAAAAAwOD//wAAAAAmAAAAZAAAABYAAABMAAAAAAAAAAAAAAAEAAAAAAAAAAEAAADu7OEKAAAAACgAAAAoAAAAZAAAAGQAAAAAAAAAzMzMAAAAAABQAAAAUAAAAGQAAABkAAAAAAAAABcAAAAUAAAAAAAAAAAAAAD/fwAA/38AAAAAAAAJAAAABAAAAAAAAAAMAAAAEAAAAAAAAAAAAAAAAAAAAAAAAAAeAAAAaAAAAAAAAAAAAAAAAAAAAAAAAAAAAAAAECcAABAnAAAAAAAAAAAAAAAAAAAAAAAAAAAAAAAAAAAAAAAAAAAAABQAAAAAAAAAwMD/AAAAAABkAAAAMgAAAAAAAABkAAAAAAAAAH9/fwAKAAAAHwAAAFQAAABPgb0F////AQAAAAAAAAAAAAAAAAAAAAAAAAAAAAAAAAAAAAAAAAAAAAAAAn9/fwDu7OEDzMzMAMDA/wB/f38AAAAAAAAAAAAAAAAAAAAAAAAAAAAhAAAAGAAAABQAAABwCAAACAcAAD44AADeCQAAEAAAACYAAAAIAAAA//////////8="/>
+                <pr:smNativeData xmlns:pr="smNativeData" xmlns:p14="http://schemas.microsoft.com/office/powerpoint/2010/main" xmlns="" val="SMDATA_13_aDXlXhMAAAAlAAAAZAAAAA0AAAAAjgAAAEcAAACOAAAARwAAAAAAAAAAAAAAAAAAAAEAAABQAAAAAAAAAAAA4D8AAAAAAADgPwAAAAAAAOA/AAAAAAAA4D8AAAAAAADgPwAAAAAAAOA/AAAAAAAA4D8AAAAAAADgPwAAAAAAAOA/AAAAAAAA4D8CAAAAjAAAAAAAAAAAAAAAT4G9DP///wgAAAAAAAAAAAAAAAAAAAAAAAAAAAAAAAAAAAAAZAAAAAEAAABAAAAAAAAAAAAAAAAAAAAAAAAAAAAAAAAAAAAAAAAAAAAAAAAAAAAAAAAAAAAAAAAAAAAAAAAAAAAAAAAAAAAAAAAAAAAAAAAAAAAAAAAAAAAAAAAAAAAAFAAAADwAAAAAAAAAAAAAAAAAAAkUAAAAAQAAABQAAAAUAAAAFAAAAAEAAAAAAAAAZAAAAGQAAAAAAAAAZAAAAGQAAAAVAAAAYAAAAAAAAAAAAAAADwAAACADAAAAAAAAAAAAAAEAAACgMgAAVgcAAKr4//8BAAAAf39/AAEAAABkAAAAAAAAABQAAABAHwAAAAAAACYAAAAAAAAAwOD//wAAAAAmAAAAZAAAABYAAABMAAAAAAAAAAAAAAAEAAAAAAAAAAEAAADu7OEKAAAAACgAAAAoAAAAZAAAAGQAAAAAAAAAzMzMAAAAAABQAAAAUAAAAGQAAABkAAAAAAAAABcAAAAUAAAAAAAAAAAAAAD/fwAA/38AAAAAAAAJAAAABAAAAAAAAAAMAAAAEAAAAAAAAAAAAAAAAAAAAAAAAAAeAAAAaAAAAAAAAAAAAAAAAAAAAAAAAAAAAAAAECcAABAnAAAAAAAAAAAAAAAAAAAAAAAAAAAAAAAAAAAAAAAAAAAAABQAAAAAAAAAwMD/AAAAAABkAAAAMgAAAAAAAABkAAAAAAAAAH9/fwAKAAAAHwAAAFQAAABPgb0F////AQAAAAAAAAAAAAAAAAAAAAAAAAAAAAAAAAAAAAAAAAAAAAAAAn9/fwDu7OEDzMzMAMDA/wB/f38AAAAAAAAAAAAAAAAAAAAAAAAAAAAhAAAAGAAAABQAAABwCAAACAcAAD44AADeCQAAEAAAACYAAAAIAAAA//////////8="/>
               </a:ext>
             </a:extLst>
           </p:cNvSpPr>
@@ -7589,7 +7601,7 @@
           <p:cNvSpPr>
             <a:extLst>
               <a:ext uri="smNativeData">
-                <pr:smNativeData xmlns="" xmlns:p14="http://schemas.microsoft.com/office/powerpoint/2010/main" xmlns:pr="smNativeData" val="SMDATA_13_aDXlXhMAAAAlAAAAZAAAAA0AAAAAkAAAAEgAAACQAAAASAAAAAAAAAAAAAAAAAAAAAEAAABQAAAAAAAAAAAA4D8AAAAAAADgPwAAAAAAAOA/AAAAAAAA4D8AAAAAAADgPwAAAAAAAOA/AAAAAAAA4D8AAAAAAADgPwAAAAAAAOA/AAAAAAAA4D8CAAAAjAAAAAEAAAAAAAAAM8zMAP///wgAAAAAAAAAAAAAAAAAAAAAAAAAAAAAAAAAAAAAeAAAAAEAAABAAAAAAAAAAAAAAABaAAAAAAAAAAAAAAAAAAAAAAAAAAAAAAAAAAAAAAAAAAAAAAAAAAAAAAAAAAAAAAAAAAAAAAAAAAAAAAAAAAAAAAAAAAAAAAAAAAAAFAAAADwAAAAAAAAAAAAAAAAAAAkUAAAAAQAAABQAAAAUAAAAFAAAAAEAAAAAAAAAZAAAAGQAAAAAAAAAZAAAAGQAAAAVAAAAYAAAAAAAAAAAAAAADwAAACADAAAAAAAAAAAAAAEAAACgMgAAVgcAAKr4//8BAAAAf39/AAEAAABkAAAAAAAAABQAAABAHwAAAAAAACYAAAAAAAAAwOD//wAAAAAmAAAAZAAAABYAAABMAAAAAAAAAAAAAAAEAAAAAAAAAAEAAADu7OEKAAAAACgAAAAoAAAAZAAAAGQAAAAAAAAAzMzMAAAAAABQAAAAUAAAAGQAAABkAAAAAAAAABcAAAAUAAAAAAAAAAAAAAD/fwAA/38AAAAAAAAJAAAABAAAAAAAAAAMAAAAEAAAAAAAAAAAAAAAAAAAAAAAAAAeAAAAaAAAAAAAAAAAAAAAAAAAAAAAAAAAAAAAECcAABAnAAAAAAAAAAAAAAAAAAAAAAAAAAAAAAAAAAAAAAAAAAAAABQAAAAAAAAAwMD/AAAAAABkAAAAMgAAAAAAAABkAAAAAAAAAH9/fwAKAAAAHwAAAFQAAAAzzMwA////AQAAAAAAAAAAAAAAAAAAAAAAAAAAAAAAAAAAAAAAAAAAAAAAAn9/fwDu7OEDzMzMAMDA/wB/f38AAAAAAAAAAAAAAAAAAAAAAAAAAAAhAAAAGAAAABQAAABgCQAAugkAAD44AADyCQAAEAAAACYAAAAIAAAA//////////8="/>
+                <pr:smNativeData xmlns:pr="smNativeData" xmlns:p14="http://schemas.microsoft.com/office/powerpoint/2010/main" xmlns="" val="SMDATA_13_aDXlXhMAAAAlAAAAZAAAAA0AAAAAkAAAAEgAAACQAAAASAAAAAAAAAAAAAAAAAAAAAEAAABQAAAAAAAAAAAA4D8AAAAAAADgPwAAAAAAAOA/AAAAAAAA4D8AAAAAAADgPwAAAAAAAOA/AAAAAAAA4D8AAAAAAADgPwAAAAAAAOA/AAAAAAAA4D8CAAAAjAAAAAEAAAAAAAAAM8zMAP///wgAAAAAAAAAAAAAAAAAAAAAAAAAAAAAAAAAAAAAeAAAAAEAAABAAAAAAAAAAAAAAABaAAAAAAAAAAAAAAAAAAAAAAAAAAAAAAAAAAAAAAAAAAAAAAAAAAAAAAAAAAAAAAAAAAAAAAAAAAAAAAAAAAAAAAAAAAAAAAAAAAAAFAAAADwAAAAAAAAAAAAAAAAAAAkUAAAAAQAAABQAAAAUAAAAFAAAAAEAAAAAAAAAZAAAAGQAAAAAAAAAZAAAAGQAAAAVAAAAYAAAAAAAAAAAAAAADwAAACADAAAAAAAAAAAAAAEAAACgMgAAVgcAAKr4//8BAAAAf39/AAEAAABkAAAAAAAAABQAAABAHwAAAAAAACYAAAAAAAAAwOD//wAAAAAmAAAAZAAAABYAAABMAAAAAAAAAAAAAAAEAAAAAAAAAAEAAADu7OEKAAAAACgAAAAoAAAAZAAAAGQAAAAAAAAAzMzMAAAAAABQAAAAUAAAAGQAAABkAAAAAAAAABcAAAAUAAAAAAAAAAAAAAD/fwAA/38AAAAAAAAJAAAABAAAAAAAAAAMAAAAEAAAAAAAAAAAAAAAAAAAAAAAAAAeAAAAaAAAAAAAAAAAAAAAAAAAAAAAAAAAAAAAECcAABAnAAAAAAAAAAAAAAAAAAAAAAAAAAAAAAAAAAAAAAAAAAAAABQAAAAAAAAAwMD/AAAAAABkAAAAMgAAAAAAAABkAAAAAAAAAH9/fwAKAAAAHwAAAFQAAAAzzMwA////AQAAAAAAAAAAAAAAAAAAAAAAAAAAAAAAAAAAAAAAAAAAAAAAAn9/fwDu7OEDzMzMAMDA/wB/f38AAAAAAAAAAAAAAAAAAAAAAAAAAAAhAAAAGAAAABQAAABgCQAAugkAAD44AADyCQAAEAAAACYAAAAIAAAA//////////8="/>
               </a:ext>
             </a:extLst>
           </p:cNvSpPr>
@@ -7618,7 +7630,7 @@
           <p:cNvSpPr>
             <a:extLst>
               <a:ext uri="smNativeData">
-                <pr:smNativeData xmlns="" xmlns:p14="http://schemas.microsoft.com/office/powerpoint/2010/main" xmlns:pr="smNativeData" val="SMDATA_13_aDXlXhMAAAAlAAAAZAAAAA0AAAAAjgAAAEcAAACOAAAARwAAAAAAAAAAAAAAAAAAAAEAAABQAAAAAAAAAAAA4D8AAAAAAADgPwAAAAAAAOA/AAAAAAAA4D8AAAAAAADgPwAAAAAAAOA/AAAAAAAA4D8AAAAAAADgPwAAAAAAAOA/AAAAAAAA4D8CAAAAjAAAAAAAAAAAAAAAT4G9DP///wgAAAAAAAAAAAAAAAAAAAAAAAAAAAAAAAAAAAAAZAAAAAEAAABAAAAAAAAAAAAAAAAAAAAAAAAAAAAAAAAAAAAAAAAAAAAAAAAAAAAAAAAAAAAAAAAAAAAAAAAAAAAAAAAAAAAAAAAAAAAAAAAAAAAAAAAAAAAAAAAAAAAAFAAAADwAAAAAAAAAAAAAAAAAAAkUAAAAAQAAABQAAAAUAAAAFAAAAAEAAAAAAAAAZAAAAGQAAAAAAAAAZAAAAGQAAAAVAAAAYAAAAAAAAAAAAAAADwAAACADAAAAAAAAAAAAAAEAAACgMgAAVgcAAKr4//8BAAAAf39/AAEAAABkAAAAAAAAABQAAABAHwAAAAAAACYAAAAAAAAAwOD//wAAAAAmAAAAZAAAABYAAABMAAAAAAAAAAAAAAAEAAAAAAAAAAEAAADu7OEKAAAAACgAAAAoAAAAZAAAAGQAAAAAAAAAzMzMAAAAAABQAAAAUAAAAGQAAABkAAAAAAAAABcAAAAUAAAAAAAAAAAAAAD/fwAA/38AAAAAAAAJAAAABAAAAAAAAAAMAAAAEAAAAAAAAAAAAAAAAAAAAAAAAAAeAAAAaAAAAAAAAAAAAAAAAAAAAAAAAAAAAAAAECcAABAnAAAAAAAAAAAAAAAAAAAAAAAAAAAAAAAAAAAAAAAAAAAAABQAAAAAAAAAwMD/AAAAAABkAAAAMgAAAAAAAABkAAAAAAAAAH9/fwAKAAAAHwAAAFQAAABPgb0F////AQAAAAAAAAAAAAAAAAAAAAAAAAAAAAAAAAAAAAAAAAAAAAAAAn9/fwDu7OEDzMzMAMDA/wB/f38AAAAAAAAAAAAAAAAAAAAAAAAAAAAhAAAAGAAAABQAAABwCAAACAcAAD44AADeCQAAEAAAACYAAAAIAAAA//////////8="/>
+                <pr:smNativeData xmlns:pr="smNativeData" xmlns:p14="http://schemas.microsoft.com/office/powerpoint/2010/main" xmlns="" val="SMDATA_13_aDXlXhMAAAAlAAAAZAAAAA0AAAAAjgAAAEcAAACOAAAARwAAAAAAAAAAAAAAAAAAAAEAAABQAAAAAAAAAAAA4D8AAAAAAADgPwAAAAAAAOA/AAAAAAAA4D8AAAAAAADgPwAAAAAAAOA/AAAAAAAA4D8AAAAAAADgPwAAAAAAAOA/AAAAAAAA4D8CAAAAjAAAAAAAAAAAAAAAT4G9DP///wgAAAAAAAAAAAAAAAAAAAAAAAAAAAAAAAAAAAAAZAAAAAEAAABAAAAAAAAAAAAAAAAAAAAAAAAAAAAAAAAAAAAAAAAAAAAAAAAAAAAAAAAAAAAAAAAAAAAAAAAAAAAAAAAAAAAAAAAAAAAAAAAAAAAAAAAAAAAAAAAAAAAAFAAAADwAAAAAAAAAAAAAAAAAAAkUAAAAAQAAABQAAAAUAAAAFAAAAAEAAAAAAAAAZAAAAGQAAAAAAAAAZAAAAGQAAAAVAAAAYAAAAAAAAAAAAAAADwAAACADAAAAAAAAAAAAAAEAAACgMgAAVgcAAKr4//8BAAAAf39/AAEAAABkAAAAAAAAABQAAABAHwAAAAAAACYAAAAAAAAAwOD//wAAAAAmAAAAZAAAABYAAABMAAAAAAAAAAAAAAAEAAAAAAAAAAEAAADu7OEKAAAAACgAAAAoAAAAZAAAAGQAAAAAAAAAzMzMAAAAAABQAAAAUAAAAGQAAABkAAAAAAAAABcAAAAUAAAAAAAAAAAAAAD/fwAA/38AAAAAAAAJAAAABAAAAAAAAAAMAAAAEAAAAAAAAAAAAAAAAAAAAAAAAAAeAAAAaAAAAAAAAAAAAAAAAAAAAAAAAAAAAAAAECcAABAnAAAAAAAAAAAAAAAAAAAAAAAAAAAAAAAAAAAAAAAAAAAAABQAAAAAAAAAwMD/AAAAAABkAAAAMgAAAAAAAABkAAAAAAAAAH9/fwAKAAAAHwAAAFQAAABPgb0F////AQAAAAAAAAAAAAAAAAAAAAAAAAAAAAAAAAAAAAAAAAAAAAAAAn9/fwDu7OEDzMzMAMDA/wB/f38AAAAAAAAAAAAAAAAAAAAAAAAAAAAhAAAAGAAAABQAAABwCAAACAcAAD44AADeCQAAEAAAACYAAAAIAAAA//////////8="/>
               </a:ext>
             </a:extLst>
           </p:cNvSpPr>
@@ -7676,7 +7688,7 @@
           <p:cNvSpPr>
             <a:extLst>
               <a:ext uri="smNativeData">
-                <pr:smNativeData xmlns="" xmlns:p14="http://schemas.microsoft.com/office/powerpoint/2010/main" xmlns:pr="smNativeData" val="SMDATA_13_aDXlXhMAAAAlAAAAZAAAAA0AAAAAjgAAAEcAAACOAAAARwAAAAAAAAABAAAAAAAAAAEAAABQAAAAAAAAAAAA4D8AAAAAAADgPwAAAAAAAOA/AAAAAAAA4D8AAAAAAADgPwAAAAAAAOA/AAAAAAAA4D8AAAAAAADgPwAAAAAAAOA/AAAAAAAA4D8CAAAAjAAAAAAAAAAAAAAAT4G9DP///wgAAAAAAAAAAAAAAAAAAAAAAAAAAAAAAAAAAAAAZAAAAAEAAABAAAAAAAAAAAAAAAAAAAAAAAAAAAAAAAAAAAAAAAAAAAAAAAAAAAAAAAAAAAAAAAAAAAAAAAAAAAAAAAAAAAAAAAAAAAAAAAAAAAAAAAAAAAAAAAAAAAAAFAAAADwAAAAAAAAAAAAAAAAAAAkUAAAAAQAAABQAAAAUAAAAFAAAAAEAAAAAAAAAZAAAAGQAAAAAAAAAZAAAAGQAAAAVAAAAYAAAAAAAAAAAAAAADwAAACADAAAAAAAAAAAAAAEAAACgMgAAVgcAAKr4//8BAAAAf39/AAEAAABkAAAAAAAAABQAAABAHwAAAAAAACYAAAAAAAAAwOD//wAAAAAmAAAAZAAAABYAAABMAAAAAAAAAAAAAAAEAAAAAAAAAAEAAADu7OEKAAAAACgAAAAoAAAAZAAAAGQAAAAAAAAAzMzMAAAAAABQAAAAUAAAAGQAAABkAAAAAAAAABcAAAAUAAAAAAAAAAAAAAD/fwAA/38AAAAAAAAJAAAABAAAAAAAAAAMAAAAEAAAAAAAAAAAAAAAAAAAAAAAAAAeAAAAaAAAAAAAAAAAAAAAAAAAAAAAAAAAAAAAECcAABAnAAAAAAAAAAAAAAAAAAAAAAAAAAAAAAAAAAAAAAAAAAAAABQAAAAAAAAAwMD/AAAAAABkAAAAMgAAAAAAAABkAAAAAAAAAH9/fwAKAAAAHwAAAFQAAABPgb0F////AQAAAAAAAAAAAAAAAAAAAAAAAAAAAAAAAAAAAAAAAAAAAAAAAn9/fwDu7OEDzMzMAMDA/wB/f38AAAAAAAAAAAAAAAAAAAAAAAAAAAAhAAAAGAAAABQAAAAuAwAAIA0AAEUuAAAWJAAAEAAAACYAAAAIAAAA//////////8="/>
+                <pr:smNativeData xmlns:pr="smNativeData" xmlns:p14="http://schemas.microsoft.com/office/powerpoint/2010/main" xmlns="" val="SMDATA_13_aDXlXhMAAAAlAAAAZAAAAA0AAAAAjgAAAEcAAACOAAAARwAAAAAAAAABAAAAAAAAAAEAAABQAAAAAAAAAAAA4D8AAAAAAADgPwAAAAAAAOA/AAAAAAAA4D8AAAAAAADgPwAAAAAAAOA/AAAAAAAA4D8AAAAAAADgPwAAAAAAAOA/AAAAAAAA4D8CAAAAjAAAAAAAAAAAAAAAT4G9DP///wgAAAAAAAAAAAAAAAAAAAAAAAAAAAAAAAAAAAAAZAAAAAEAAABAAAAAAAAAAAAAAAAAAAAAAAAAAAAAAAAAAAAAAAAAAAAAAAAAAAAAAAAAAAAAAAAAAAAAAAAAAAAAAAAAAAAAAAAAAAAAAAAAAAAAAAAAAAAAAAAAAAAAFAAAADwAAAAAAAAAAAAAAAAAAAkUAAAAAQAAABQAAAAUAAAAFAAAAAEAAAAAAAAAZAAAAGQAAAAAAAAAZAAAAGQAAAAVAAAAYAAAAAAAAAAAAAAADwAAACADAAAAAAAAAAAAAAEAAACgMgAAVgcAAKr4//8BAAAAf39/AAEAAABkAAAAAAAAABQAAABAHwAAAAAAACYAAAAAAAAAwOD//wAAAAAmAAAAZAAAABYAAABMAAAAAAAAAAAAAAAEAAAAAAAAAAEAAADu7OEKAAAAACgAAAAoAAAAZAAAAGQAAAAAAAAAzMzMAAAAAABQAAAAUAAAAGQAAABkAAAAAAAAABcAAAAUAAAAAAAAAAAAAAD/fwAA/38AAAAAAAAJAAAABAAAAAAAAAAMAAAAEAAAAAAAAAAAAAAAAAAAAAAAAAAeAAAAaAAAAAAAAAAAAAAAAAAAAAAAAAAAAAAAECcAABAnAAAAAAAAAAAAAAAAAAAAAAAAAAAAAAAAAAAAAAAAAAAAABQAAAAAAAAAwMD/AAAAAABkAAAAMgAAAAAAAABkAAAAAAAAAH9/fwAKAAAAHwAAAFQAAABPgb0F////AQAAAAAAAAAAAAAAAAAAAAAAAAAAAAAAAAAAAAAAAAAAAAAAAn9/fwDu7OEDzMzMAMDA/wB/f38AAAAAAAAAAAAAAAAAAAAAAAAAAAAhAAAAGAAAABQAAAAuAwAAIA0AAEUuAAAWJAAAEAAAACYAAAAIAAAA//////////8="/>
               </a:ext>
             </a:extLst>
           </p:cNvSpPr>
@@ -7903,7 +7915,7 @@
           <p:cNvSpPr>
             <a:extLst>
               <a:ext uri="smNativeData">
-                <pr:smNativeData xmlns="" xmlns:p14="http://schemas.microsoft.com/office/powerpoint/2010/main" xmlns:pr="smNativeData" val="SMDATA_13_aDXlXhMAAAAlAAAAZAAAAA0AAAAAkAAAAEgAAACQAAAASAAAAAAAAAAAAAAAAAAAAAEAAABQAAAAAAAAAAAA4D8AAAAAAADgPwAAAAAAAOA/AAAAAAAA4D8AAAAAAADgPwAAAAAAAOA/AAAAAAAA4D8AAAAAAADgPwAAAAAAAOA/AAAAAAAA4D8CAAAAjAAAAAEAAAAAAAAAM8zMAP///wgAAAAAAAAAAAAAAAAAAAAAAAAAAAAAAAAAAAAAeAAAAAEAAABAAAAAAAAAAAAAAABaAAAAAAAAAAAAAAAAAAAAAAAAAAAAAAAAAAAAAAAAAAAAAAAAAAAAAAAAAAAAAAAAAAAAAAAAAAAAAAAAAAAAAAAAAAAAAAAAAAAAFAAAADwAAAAAAAAAAAAAAAAAAAkUAAAAAQAAABQAAAAUAAAAFAAAAAEAAAAAAAAAZAAAAGQAAAAAAAAAZAAAAGQAAAAVAAAAYAAAAAAAAAAAAAAADwAAACADAAAAAAAAAAAAAAEAAACgMgAAVgcAAKr4//8BAAAAf39/AAEAAABkAAAAAAAAABQAAABAHwAAAAAAACYAAAAAAAAAwOD//wAAAAAmAAAAZAAAABYAAABMAAAAAAAAAAAAAAAEAAAAAAAAAAEAAADu7OEKAAAAACgAAAAoAAAAZAAAAGQAAAAAAAAAzMzMAAAAAABQAAAAUAAAAGQAAABkAAAAAAAAABcAAAAUAAAAAAAAAAAAAAD/fwAA/38AAAAAAAAJAAAABAAAAAAAAAAMAAAAEAAAAAAAAAAAAAAAAAAAAAAAAAAeAAAAaAAAAAAAAAAAAAAAAAAAAAAAAAAAAAAAECcAABAnAAAAAAAAAAAAAAAAAAAAAAAAAAAAAAAAAAAAAAAAAAAAABQAAAAAAAAAwMD/AAAAAABkAAAAMgAAAAAAAABkAAAAAAAAAH9/fwAKAAAAHwAAAFQAAAAzzMwA////AQAAAAAAAAAAAAAAAAAAAAAAAAAAAAAAAAAAAAAAAAAAAAAAAn9/fwDu7OEDzMzMAMDA/wB/f38AAAAAAAAAAAAAAAAAAAAAAAAAAAAhAAAAGAAAABQAAABgCQAAugkAAD44AADyCQAAEAAAACYAAAAIAAAA//////////8="/>
+                <pr:smNativeData xmlns:pr="smNativeData" xmlns:p14="http://schemas.microsoft.com/office/powerpoint/2010/main" xmlns="" val="SMDATA_13_aDXlXhMAAAAlAAAAZAAAAA0AAAAAkAAAAEgAAACQAAAASAAAAAAAAAAAAAAAAAAAAAEAAABQAAAAAAAAAAAA4D8AAAAAAADgPwAAAAAAAOA/AAAAAAAA4D8AAAAAAADgPwAAAAAAAOA/AAAAAAAA4D8AAAAAAADgPwAAAAAAAOA/AAAAAAAA4D8CAAAAjAAAAAEAAAAAAAAAM8zMAP///wgAAAAAAAAAAAAAAAAAAAAAAAAAAAAAAAAAAAAAeAAAAAEAAABAAAAAAAAAAAAAAABaAAAAAAAAAAAAAAAAAAAAAAAAAAAAAAAAAAAAAAAAAAAAAAAAAAAAAAAAAAAAAAAAAAAAAAAAAAAAAAAAAAAAAAAAAAAAAAAAAAAAFAAAADwAAAAAAAAAAAAAAAAAAAkUAAAAAQAAABQAAAAUAAAAFAAAAAEAAAAAAAAAZAAAAGQAAAAAAAAAZAAAAGQAAAAVAAAAYAAAAAAAAAAAAAAADwAAACADAAAAAAAAAAAAAAEAAACgMgAAVgcAAKr4//8BAAAAf39/AAEAAABkAAAAAAAAABQAAABAHwAAAAAAACYAAAAAAAAAwOD//wAAAAAmAAAAZAAAABYAAABMAAAAAAAAAAAAAAAEAAAAAAAAAAEAAADu7OEKAAAAACgAAAAoAAAAZAAAAGQAAAAAAAAAzMzMAAAAAABQAAAAUAAAAGQAAABkAAAAAAAAABcAAAAUAAAAAAAAAAAAAAD/fwAA/38AAAAAAAAJAAAABAAAAAAAAAAMAAAAEAAAAAAAAAAAAAAAAAAAAAAAAAAeAAAAaAAAAAAAAAAAAAAAAAAAAAAAAAAAAAAAECcAABAnAAAAAAAAAAAAAAAAAAAAAAAAAAAAAAAAAAAAAAAAAAAAABQAAAAAAAAAwMD/AAAAAABkAAAAMgAAAAAAAABkAAAAAAAAAH9/fwAKAAAAHwAAAFQAAAAzzMwA////AQAAAAAAAAAAAAAAAAAAAAAAAAAAAAAAAAAAAAAAAAAAAAAAAn9/fwDu7OEDzMzMAMDA/wB/f38AAAAAAAAAAAAAAAAAAAAAAAAAAAAhAAAAGAAAABQAAABgCQAAugkAAD44AADyCQAAEAAAACYAAAAIAAAA//////////8="/>
               </a:ext>
             </a:extLst>
           </p:cNvSpPr>
@@ -7932,7 +7944,7 @@
           <p:cNvSpPr>
             <a:extLst>
               <a:ext uri="smNativeData">
-                <pr:smNativeData xmlns="" xmlns:p14="http://schemas.microsoft.com/office/powerpoint/2010/main" xmlns:pr="smNativeData" val="SMDATA_13_aDXlXhMAAAAlAAAAZAAAAA0AAAAAjgAAAEcAAACOAAAARwAAAAAAAAAAAAAAAAAAAAEAAABQAAAAAAAAAAAA4D8AAAAAAADgPwAAAAAAAOA/AAAAAAAA4D8AAAAAAADgPwAAAAAAAOA/AAAAAAAA4D8AAAAAAADgPwAAAAAAAOA/AAAAAAAA4D8CAAAAjAAAAAAAAAAAAAAAT4G9DP///wgAAAAAAAAAAAAAAAAAAAAAAAAAAAAAAAAAAAAAZAAAAAEAAABAAAAAAAAAAAAAAAAAAAAAAAAAAAAAAAAAAAAAAAAAAAAAAAAAAAAAAAAAAAAAAAAAAAAAAAAAAAAAAAAAAAAAAAAAAAAAAAAAAAAAAAAAAAAAAAAAAAAAFAAAADwAAAAAAAAAAAAAAAAAAAkUAAAAAQAAABQAAAAUAAAAFAAAAAEAAAAAAAAAZAAAAGQAAAAAAAAAZAAAAGQAAAAVAAAAYAAAAAAAAAAAAAAADwAAACADAAAAAAAAAAAAAAEAAACgMgAAVgcAAKr4//8BAAAAf39/AAEAAABkAAAAAAAAABQAAABAHwAAAAAAACYAAAAAAAAAwOD//wAAAAAmAAAAZAAAABYAAABMAAAAAAAAAAAAAAAEAAAAAAAAAAEAAADu7OEKAAAAACgAAAAoAAAAZAAAAGQAAAAAAAAAzMzMAAAAAABQAAAAUAAAAGQAAABkAAAAAAAAABcAAAAUAAAAAAAAAAAAAAD/fwAA/38AAAAAAAAJAAAABAAAAAAAAAAMAAAAEAAAAAAAAAAAAAAAAAAAAAAAAAAeAAAAaAAAAAAAAAAAAAAAAAAAAAAAAAAAAAAAECcAABAnAAAAAAAAAAAAAAAAAAAAAAAAAAAAAAAAAAAAAAAAAAAAABQAAAAAAAAAwMD/AAAAAABkAAAAMgAAAAAAAABkAAAAAAAAAH9/fwAKAAAAHwAAAFQAAABPgb0F////AQAAAAAAAAAAAAAAAAAAAAAAAAAAAAAAAAAAAAAAAAAAAAAAAn9/fwDu7OEDzMzMAMDA/wB/f38AAAAAAAAAAAAAAAAAAAAAAAAAAAAhAAAAGAAAABQAAABwCAAACAcAAD44AADeCQAAEAAAACYAAAAIAAAA//////////8="/>
+                <pr:smNativeData xmlns:pr="smNativeData" xmlns:p14="http://schemas.microsoft.com/office/powerpoint/2010/main" xmlns="" val="SMDATA_13_aDXlXhMAAAAlAAAAZAAAAA0AAAAAjgAAAEcAAACOAAAARwAAAAAAAAAAAAAAAAAAAAEAAABQAAAAAAAAAAAA4D8AAAAAAADgPwAAAAAAAOA/AAAAAAAA4D8AAAAAAADgPwAAAAAAAOA/AAAAAAAA4D8AAAAAAADgPwAAAAAAAOA/AAAAAAAA4D8CAAAAjAAAAAAAAAAAAAAAT4G9DP///wgAAAAAAAAAAAAAAAAAAAAAAAAAAAAAAAAAAAAAZAAAAAEAAABAAAAAAAAAAAAAAAAAAAAAAAAAAAAAAAAAAAAAAAAAAAAAAAAAAAAAAAAAAAAAAAAAAAAAAAAAAAAAAAAAAAAAAAAAAAAAAAAAAAAAAAAAAAAAAAAAAAAAFAAAADwAAAAAAAAAAAAAAAAAAAkUAAAAAQAAABQAAAAUAAAAFAAAAAEAAAAAAAAAZAAAAGQAAAAAAAAAZAAAAGQAAAAVAAAAYAAAAAAAAAAAAAAADwAAACADAAAAAAAAAAAAAAEAAACgMgAAVgcAAKr4//8BAAAAf39/AAEAAABkAAAAAAAAABQAAABAHwAAAAAAACYAAAAAAAAAwOD//wAAAAAmAAAAZAAAABYAAABMAAAAAAAAAAAAAAAEAAAAAAAAAAEAAADu7OEKAAAAACgAAAAoAAAAZAAAAGQAAAAAAAAAzMzMAAAAAABQAAAAUAAAAGQAAABkAAAAAAAAABcAAAAUAAAAAAAAAAAAAAD/fwAA/38AAAAAAAAJAAAABAAAAAAAAAAMAAAAEAAAAAAAAAAAAAAAAAAAAAAAAAAeAAAAaAAAAAAAAAAAAAAAAAAAAAAAAAAAAAAAECcAABAnAAAAAAAAAAAAAAAAAAAAAAAAAAAAAAAAAAAAAAAAAAAAABQAAAAAAAAAwMD/AAAAAABkAAAAMgAAAAAAAABkAAAAAAAAAH9/fwAKAAAAHwAAAFQAAABPgb0F////AQAAAAAAAAAAAAAAAAAAAAAAAAAAAAAAAAAAAAAAAAAAAAAAAn9/fwDu7OEDzMzMAMDA/wB/f38AAAAAAAAAAAAAAAAAAAAAAAAAAAAhAAAAGAAAABQAAABwCAAACAcAAD44AADeCQAAEAAAACYAAAAIAAAA//////////8="/>
               </a:ext>
             </a:extLst>
           </p:cNvSpPr>
@@ -7990,7 +8002,7 @@
           <p:cNvSpPr>
             <a:extLst>
               <a:ext uri="smNativeData">
-                <pr:smNativeData xmlns="" xmlns:p14="http://schemas.microsoft.com/office/powerpoint/2010/main" xmlns:pr="smNativeData" val="SMDATA_13_aDXlXhMAAAAlAAAAZAAAAA0AAAAAjgAAAEcAAACOAAAARwAAAAAAAAABAAAAAAAAAAEAAABQAAAAAAAAAAAA4D8AAAAAAADgPwAAAAAAAOA/AAAAAAAA4D8AAAAAAADgPwAAAAAAAOA/AAAAAAAA4D8AAAAAAADgPwAAAAAAAOA/AAAAAAAA4D8CAAAAjAAAAAAAAAAAAAAAT4G9DP///wgAAAAAAAAAAAAAAAAAAAAAAAAAAAAAAAAAAAAAZAAAAAEAAABAAAAAAAAAAAAAAAAAAAAAAAAAAAAAAAAAAAAAAAAAAAAAAAAAAAAAAAAAAAAAAAAAAAAAAAAAAAAAAAAAAAAAAAAAAAAAAAAAAAAAAAAAAAAAAAAAAAAAFAAAADwAAAAAAAAAAAAAAAAAAAkUAAAAAQAAABQAAAAUAAAAFAAAAAEAAAAAAAAAZAAAAGQAAAAAAAAAZAAAAGQAAAAVAAAAYAAAAAAAAAAAAAAADwAAACADAAAAAAAAAAAAAAEAAACgMgAAVgcAAKr4//8BAAAAf39/AAEAAABkAAAAAAAAABQAAABAHwAAAAAAACYAAAAAAAAAwOD//wAAAAAmAAAAZAAAABYAAABMAAAAAAAAAAAAAAAEAAAAAAAAAAEAAADu7OEKAAAAACgAAAAoAAAAZAAAAGQAAAAAAAAAzMzMAAAAAABQAAAAUAAAAGQAAABkAAAAAAAAABcAAAAUAAAAAAAAAAAAAAD/fwAA/38AAAAAAAAJAAAABAAAAAAAAAAMAAAAEAAAAAAAAAAAAAAAAAAAAAAAAAAeAAAAaAAAAAAAAAAAAAAAAAAAAAAAAAAAAAAAECcAABAnAAAAAAAAAAAAAAAAAAAAAAAAAAAAAAAAAAAAAAAAAAAAABQAAAAAAAAAwMD/AAAAAABkAAAAMgAAAAAAAABkAAAAAAAAAH9/fwAKAAAAHwAAAFQAAABPgb0F////AQAAAAAAAAAAAAAAAAAAAAAAAAAAAAAAAAAAAAAAAAAAAAAAAn9/fwDu7OEDzMzMAMDA/wB/f38AAAAAAAAAAAAAAAAAAAAAAAAAAAAhAAAAGAAAABQAAAAuAwAAIA0AAEUuAAAWJAAAEAAAACYAAAAIAAAA//////////8="/>
+                <pr:smNativeData xmlns:pr="smNativeData" xmlns:p14="http://schemas.microsoft.com/office/powerpoint/2010/main" xmlns="" val="SMDATA_13_aDXlXhMAAAAlAAAAZAAAAA0AAAAAjgAAAEcAAACOAAAARwAAAAAAAAABAAAAAAAAAAEAAABQAAAAAAAAAAAA4D8AAAAAAADgPwAAAAAAAOA/AAAAAAAA4D8AAAAAAADgPwAAAAAAAOA/AAAAAAAA4D8AAAAAAADgPwAAAAAAAOA/AAAAAAAA4D8CAAAAjAAAAAAAAAAAAAAAT4G9DP///wgAAAAAAAAAAAAAAAAAAAAAAAAAAAAAAAAAAAAAZAAAAAEAAABAAAAAAAAAAAAAAAAAAAAAAAAAAAAAAAAAAAAAAAAAAAAAAAAAAAAAAAAAAAAAAAAAAAAAAAAAAAAAAAAAAAAAAAAAAAAAAAAAAAAAAAAAAAAAAAAAAAAAFAAAADwAAAAAAAAAAAAAAAAAAAkUAAAAAQAAABQAAAAUAAAAFAAAAAEAAAAAAAAAZAAAAGQAAAAAAAAAZAAAAGQAAAAVAAAAYAAAAAAAAAAAAAAADwAAACADAAAAAAAAAAAAAAEAAACgMgAAVgcAAKr4//8BAAAAf39/AAEAAABkAAAAAAAAABQAAABAHwAAAAAAACYAAAAAAAAAwOD//wAAAAAmAAAAZAAAABYAAABMAAAAAAAAAAAAAAAEAAAAAAAAAAEAAADu7OEKAAAAACgAAAAoAAAAZAAAAGQAAAAAAAAAzMzMAAAAAABQAAAAUAAAAGQAAABkAAAAAAAAABcAAAAUAAAAAAAAAAAAAAD/fwAA/38AAAAAAAAJAAAABAAAAAAAAAAMAAAAEAAAAAAAAAAAAAAAAAAAAAAAAAAeAAAAaAAAAAAAAAAAAAAAAAAAAAAAAAAAAAAAECcAABAnAAAAAAAAAAAAAAAAAAAAAAAAAAAAAAAAAAAAAAAAAAAAABQAAAAAAAAAwMD/AAAAAABkAAAAMgAAAAAAAABkAAAAAAAAAH9/fwAKAAAAHwAAAFQAAABPgb0F////AQAAAAAAAAAAAAAAAAAAAAAAAAAAAAAAAAAAAAAAAAAAAAAAAn9/fwDu7OEDzMzMAMDA/wB/f38AAAAAAAAAAAAAAAAAAAAAAAAAAAAhAAAAGAAAABQAAAAuAwAAIA0AAEUuAAAWJAAAEAAAACYAAAAIAAAA//////////8="/>
               </a:ext>
             </a:extLst>
           </p:cNvSpPr>
